--- a/cpp_software_engineering.pptx
+++ b/cpp_software_engineering.pptx
@@ -338,7 +338,7 @@
           <a:p>
             <a:fld id="{9ABE1DF9-2622-487B-8511-7077A12324DC}" type="datetimeFigureOut">
               <a:rPr lang="LID4096" smtClean="0"/>
-              <a:t>05/16/2024</a:t>
+              <a:t>05/17/2024</a:t>
             </a:fld>
             <a:endParaRPr lang="LID4096"/>
           </a:p>
@@ -538,7 +538,7 @@
           <a:p>
             <a:fld id="{9ABE1DF9-2622-487B-8511-7077A12324DC}" type="datetimeFigureOut">
               <a:rPr lang="LID4096" smtClean="0"/>
-              <a:t>05/16/2024</a:t>
+              <a:t>05/17/2024</a:t>
             </a:fld>
             <a:endParaRPr lang="LID4096"/>
           </a:p>
@@ -748,7 +748,7 @@
           <a:p>
             <a:fld id="{9ABE1DF9-2622-487B-8511-7077A12324DC}" type="datetimeFigureOut">
               <a:rPr lang="LID4096" smtClean="0"/>
-              <a:t>05/16/2024</a:t>
+              <a:t>05/17/2024</a:t>
             </a:fld>
             <a:endParaRPr lang="LID4096"/>
           </a:p>
@@ -948,7 +948,7 @@
           <a:p>
             <a:fld id="{9ABE1DF9-2622-487B-8511-7077A12324DC}" type="datetimeFigureOut">
               <a:rPr lang="LID4096" smtClean="0"/>
-              <a:t>05/16/2024</a:t>
+              <a:t>05/17/2024</a:t>
             </a:fld>
             <a:endParaRPr lang="LID4096"/>
           </a:p>
@@ -1224,7 +1224,7 @@
           <a:p>
             <a:fld id="{9ABE1DF9-2622-487B-8511-7077A12324DC}" type="datetimeFigureOut">
               <a:rPr lang="LID4096" smtClean="0"/>
-              <a:t>05/16/2024</a:t>
+              <a:t>05/17/2024</a:t>
             </a:fld>
             <a:endParaRPr lang="LID4096"/>
           </a:p>
@@ -1492,7 +1492,7 @@
           <a:p>
             <a:fld id="{9ABE1DF9-2622-487B-8511-7077A12324DC}" type="datetimeFigureOut">
               <a:rPr lang="LID4096" smtClean="0"/>
-              <a:t>05/16/2024</a:t>
+              <a:t>05/17/2024</a:t>
             </a:fld>
             <a:endParaRPr lang="LID4096"/>
           </a:p>
@@ -1907,7 +1907,7 @@
           <a:p>
             <a:fld id="{9ABE1DF9-2622-487B-8511-7077A12324DC}" type="datetimeFigureOut">
               <a:rPr lang="LID4096" smtClean="0"/>
-              <a:t>05/16/2024</a:t>
+              <a:t>05/17/2024</a:t>
             </a:fld>
             <a:endParaRPr lang="LID4096"/>
           </a:p>
@@ -2049,7 +2049,7 @@
           <a:p>
             <a:fld id="{9ABE1DF9-2622-487B-8511-7077A12324DC}" type="datetimeFigureOut">
               <a:rPr lang="LID4096" smtClean="0"/>
-              <a:t>05/16/2024</a:t>
+              <a:t>05/17/2024</a:t>
             </a:fld>
             <a:endParaRPr lang="LID4096"/>
           </a:p>
@@ -2162,7 +2162,7 @@
           <a:p>
             <a:fld id="{9ABE1DF9-2622-487B-8511-7077A12324DC}" type="datetimeFigureOut">
               <a:rPr lang="LID4096" smtClean="0"/>
-              <a:t>05/16/2024</a:t>
+              <a:t>05/17/2024</a:t>
             </a:fld>
             <a:endParaRPr lang="LID4096"/>
           </a:p>
@@ -2475,7 +2475,7 @@
           <a:p>
             <a:fld id="{9ABE1DF9-2622-487B-8511-7077A12324DC}" type="datetimeFigureOut">
               <a:rPr lang="LID4096" smtClean="0"/>
-              <a:t>05/16/2024</a:t>
+              <a:t>05/17/2024</a:t>
             </a:fld>
             <a:endParaRPr lang="LID4096"/>
           </a:p>
@@ -2764,7 +2764,7 @@
           <a:p>
             <a:fld id="{9ABE1DF9-2622-487B-8511-7077A12324DC}" type="datetimeFigureOut">
               <a:rPr lang="LID4096" smtClean="0"/>
-              <a:t>05/16/2024</a:t>
+              <a:t>05/17/2024</a:t>
             </a:fld>
             <a:endParaRPr lang="LID4096"/>
           </a:p>
@@ -3007,7 +3007,7 @@
           <a:p>
             <a:fld id="{9ABE1DF9-2622-487B-8511-7077A12324DC}" type="datetimeFigureOut">
               <a:rPr lang="LID4096" smtClean="0"/>
-              <a:t>05/16/2024</a:t>
+              <a:t>05/17/2024</a:t>
             </a:fld>
             <a:endParaRPr lang="LID4096"/>
           </a:p>
@@ -3798,7 +3798,7 @@
         <p:spPr>
           <a:xfrm>
             <a:off x="3860836" y="5445224"/>
-            <a:ext cx="4779963" cy="707886"/>
+            <a:ext cx="5288948" cy="707886"/>
           </a:xfrm>
           <a:prstGeom prst="rect">
             <a:avLst/>
@@ -3815,21 +3815,21 @@
               <a:rPr lang="en-US" sz="4000" dirty="0">
                 <a:hlinkClick r:id="rId2"/>
               </a:rPr>
-              <a:t>http://bit.ly/33Vx1T9</a:t>
+              <a:t>https://bit.ly/3ywlOx0</a:t>
             </a:r>
             <a:r>
               <a:rPr lang="en-US" sz="4000" dirty="0"/>
-              <a:t> </a:t>
+              <a:t>  </a:t>
             </a:r>
           </a:p>
         </p:txBody>
       </p:sp>
       <p:pic>
         <p:nvPicPr>
-          <p:cNvPr id="5" name="Picture 4">
-            <a:extLst>
-              <a:ext uri="{FF2B5EF4-FFF2-40B4-BE49-F238E27FC236}">
-                <a16:creationId xmlns:a16="http://schemas.microsoft.com/office/drawing/2014/main" id="{3D905B4A-0AEC-4423-BF6A-5561652C3F29}"/>
+          <p:cNvPr id="3" name="Picture 2">
+            <a:extLst>
+              <a:ext uri="{FF2B5EF4-FFF2-40B4-BE49-F238E27FC236}">
+                <a16:creationId xmlns:a16="http://schemas.microsoft.com/office/drawing/2014/main" id="{927BA2FD-AA6F-D743-C133-F4F10A2AAD1F}"/>
               </a:ext>
             </a:extLst>
           </p:cNvPr>
@@ -3839,21 +3839,15 @@
           <p:nvPr/>
         </p:nvPicPr>
         <p:blipFill>
-          <a:blip r:embed="rId3">
-            <a:extLst>
-              <a:ext uri="{28A0092B-C50C-407E-A947-70E740481C1C}">
-                <a14:useLocalDpi xmlns:a14="http://schemas.microsoft.com/office/drawing/2010/main" val="0"/>
-              </a:ext>
-            </a:extLst>
-          </a:blip>
+          <a:blip r:embed="rId3"/>
           <a:stretch>
             <a:fillRect/>
           </a:stretch>
         </p:blipFill>
         <p:spPr>
           <a:xfrm>
-            <a:off x="4049477" y="980729"/>
-            <a:ext cx="4093046" cy="4093046"/>
+            <a:off x="3952875" y="1285875"/>
+            <a:ext cx="4286250" cy="4286250"/>
           </a:xfrm>
           <a:prstGeom prst="rect">
             <a:avLst/>

--- a/cpp_software_engineering.pptx
+++ b/cpp_software_engineering.pptx
@@ -4,17 +4,28 @@
   <p:sldMasterIdLst>
     <p:sldMasterId id="2147483648" r:id="rId1"/>
   </p:sldMasterIdLst>
+  <p:notesMasterIdLst>
+    <p:notesMasterId r:id="rId20"/>
+  </p:notesMasterIdLst>
   <p:sldIdLst>
     <p:sldId id="257" r:id="rId2"/>
     <p:sldId id="355" r:id="rId3"/>
     <p:sldId id="357" r:id="rId4"/>
     <p:sldId id="353" r:id="rId5"/>
-    <p:sldId id="360" r:id="rId6"/>
-    <p:sldId id="362" r:id="rId7"/>
-    <p:sldId id="363" r:id="rId8"/>
-    <p:sldId id="361" r:id="rId9"/>
-    <p:sldId id="365" r:id="rId10"/>
-    <p:sldId id="364" r:id="rId11"/>
+    <p:sldId id="348" r:id="rId6"/>
+    <p:sldId id="360" r:id="rId7"/>
+    <p:sldId id="362" r:id="rId8"/>
+    <p:sldId id="363" r:id="rId9"/>
+    <p:sldId id="361" r:id="rId10"/>
+    <p:sldId id="365" r:id="rId11"/>
+    <p:sldId id="364" r:id="rId12"/>
+    <p:sldId id="366" r:id="rId13"/>
+    <p:sldId id="367" r:id="rId14"/>
+    <p:sldId id="368" r:id="rId15"/>
+    <p:sldId id="369" r:id="rId16"/>
+    <p:sldId id="370" r:id="rId17"/>
+    <p:sldId id="371" r:id="rId18"/>
+    <p:sldId id="372" r:id="rId19"/>
   </p:sldIdLst>
   <p:sldSz cx="12192000" cy="6858000"/>
   <p:notesSz cx="6858000" cy="9144000"/>
@@ -114,6 +125,40 @@
     </a:lvl9pPr>
   </p:defaultTextStyle>
   <p:extLst>
+    <p:ext uri="{521415D9-36F7-43E2-AB2F-B90AF26B5E84}">
+      <p14:sectionLst xmlns:p14="http://schemas.microsoft.com/office/powerpoint/2010/main">
+        <p14:section name="Default Section" id="{37B3718C-4FFE-415A-8982-0FA201B3184A}">
+          <p14:sldIdLst>
+            <p14:sldId id="257"/>
+            <p14:sldId id="355"/>
+            <p14:sldId id="357"/>
+            <p14:sldId id="353"/>
+            <p14:sldId id="348"/>
+          </p14:sldIdLst>
+        </p14:section>
+        <p14:section name="Code style" id="{8034AF70-2FB5-4C21-8827-60C5A3469C93}">
+          <p14:sldIdLst>
+            <p14:sldId id="360"/>
+            <p14:sldId id="362"/>
+            <p14:sldId id="363"/>
+            <p14:sldId id="361"/>
+            <p14:sldId id="365"/>
+            <p14:sldId id="364"/>
+          </p14:sldIdLst>
+        </p14:section>
+        <p14:section name="CMake" id="{BDAF3638-5864-4FE8-A7B1-69A923491743}">
+          <p14:sldIdLst>
+            <p14:sldId id="366"/>
+            <p14:sldId id="367"/>
+            <p14:sldId id="368"/>
+            <p14:sldId id="369"/>
+            <p14:sldId id="370"/>
+            <p14:sldId id="371"/>
+            <p14:sldId id="372"/>
+          </p14:sldIdLst>
+        </p14:section>
+      </p14:sectionLst>
+    </p:ext>
     <p:ext uri="{EFAFB233-063F-42B5-8137-9DF3F51BA10A}">
       <p15:sldGuideLst xmlns:p15="http://schemas.microsoft.com/office/powerpoint/2012/main"/>
     </p:ext>
@@ -189,6 +234,356 @@
 </pc:chgInfo>
 </file>
 
+<file path=ppt/notesMasters/notesMaster1.xml><?xml version="1.0" encoding="utf-8"?>
+<p:notesMaster xmlns:a="http://schemas.openxmlformats.org/drawingml/2006/main" xmlns:r="http://schemas.openxmlformats.org/officeDocument/2006/relationships" xmlns:p="http://schemas.openxmlformats.org/presentationml/2006/main">
+  <p:cSld>
+    <p:bg>
+      <p:bgRef idx="1001">
+        <a:schemeClr val="bg1"/>
+      </p:bgRef>
+    </p:bg>
+    <p:spTree>
+      <p:nvGrpSpPr>
+        <p:cNvPr id="1" name=""/>
+        <p:cNvGrpSpPr/>
+        <p:nvPr/>
+      </p:nvGrpSpPr>
+      <p:grpSpPr>
+        <a:xfrm>
+          <a:off x="0" y="0"/>
+          <a:ext cx="0" cy="0"/>
+          <a:chOff x="0" y="0"/>
+          <a:chExt cx="0" cy="0"/>
+        </a:xfrm>
+      </p:grpSpPr>
+      <p:sp>
+        <p:nvSpPr>
+          <p:cNvPr id="2" name="Header Placeholder 1"/>
+          <p:cNvSpPr>
+            <a:spLocks noGrp="1"/>
+          </p:cNvSpPr>
+          <p:nvPr>
+            <p:ph type="hdr" sz="quarter"/>
+          </p:nvPr>
+        </p:nvSpPr>
+        <p:spPr>
+          <a:xfrm>
+            <a:off x="0" y="0"/>
+            <a:ext cx="2971800" cy="458788"/>
+          </a:xfrm>
+          <a:prstGeom prst="rect">
+            <a:avLst/>
+          </a:prstGeom>
+        </p:spPr>
+        <p:txBody>
+          <a:bodyPr vert="horz" lIns="91440" tIns="45720" rIns="91440" bIns="45720" rtlCol="0"/>
+          <a:lstStyle>
+            <a:lvl1pPr algn="l">
+              <a:defRPr sz="1200"/>
+            </a:lvl1pPr>
+          </a:lstStyle>
+          <a:p>
+            <a:endParaRPr lang="LID4096"/>
+          </a:p>
+        </p:txBody>
+      </p:sp>
+      <p:sp>
+        <p:nvSpPr>
+          <p:cNvPr id="3" name="Date Placeholder 2"/>
+          <p:cNvSpPr>
+            <a:spLocks noGrp="1"/>
+          </p:cNvSpPr>
+          <p:nvPr>
+            <p:ph type="dt" idx="1"/>
+          </p:nvPr>
+        </p:nvSpPr>
+        <p:spPr>
+          <a:xfrm>
+            <a:off x="3884613" y="0"/>
+            <a:ext cx="2971800" cy="458788"/>
+          </a:xfrm>
+          <a:prstGeom prst="rect">
+            <a:avLst/>
+          </a:prstGeom>
+        </p:spPr>
+        <p:txBody>
+          <a:bodyPr vert="horz" lIns="91440" tIns="45720" rIns="91440" bIns="45720" rtlCol="0"/>
+          <a:lstStyle>
+            <a:lvl1pPr algn="r">
+              <a:defRPr sz="1200"/>
+            </a:lvl1pPr>
+          </a:lstStyle>
+          <a:p>
+            <a:fld id="{75E18316-3541-442E-8E76-B95A0AF605E0}" type="datetimeFigureOut">
+              <a:rPr lang="LID4096" smtClean="0"/>
+              <a:t>05/17/2024</a:t>
+            </a:fld>
+            <a:endParaRPr lang="LID4096"/>
+          </a:p>
+        </p:txBody>
+      </p:sp>
+      <p:sp>
+        <p:nvSpPr>
+          <p:cNvPr id="4" name="Slide Image Placeholder 3"/>
+          <p:cNvSpPr>
+            <a:spLocks noGrp="1" noRot="1" noChangeAspect="1"/>
+          </p:cNvSpPr>
+          <p:nvPr>
+            <p:ph type="sldImg" idx="2"/>
+          </p:nvPr>
+        </p:nvSpPr>
+        <p:spPr>
+          <a:xfrm>
+            <a:off x="685800" y="1143000"/>
+            <a:ext cx="5486400" cy="3086100"/>
+          </a:xfrm>
+          <a:prstGeom prst="rect">
+            <a:avLst/>
+          </a:prstGeom>
+          <a:noFill/>
+          <a:ln w="12700">
+            <a:solidFill>
+              <a:prstClr val="black"/>
+            </a:solidFill>
+          </a:ln>
+        </p:spPr>
+        <p:txBody>
+          <a:bodyPr vert="horz" lIns="91440" tIns="45720" rIns="91440" bIns="45720" rtlCol="0" anchor="ctr"/>
+          <a:lstStyle/>
+          <a:p>
+            <a:endParaRPr lang="LID4096"/>
+          </a:p>
+        </p:txBody>
+      </p:sp>
+      <p:sp>
+        <p:nvSpPr>
+          <p:cNvPr id="5" name="Notes Placeholder 4"/>
+          <p:cNvSpPr>
+            <a:spLocks noGrp="1"/>
+          </p:cNvSpPr>
+          <p:nvPr>
+            <p:ph type="body" sz="quarter" idx="3"/>
+          </p:nvPr>
+        </p:nvSpPr>
+        <p:spPr>
+          <a:xfrm>
+            <a:off x="685800" y="4400550"/>
+            <a:ext cx="5486400" cy="3600450"/>
+          </a:xfrm>
+          <a:prstGeom prst="rect">
+            <a:avLst/>
+          </a:prstGeom>
+        </p:spPr>
+        <p:txBody>
+          <a:bodyPr vert="horz" lIns="91440" tIns="45720" rIns="91440" bIns="45720" rtlCol="0"/>
+          <a:lstStyle/>
+          <a:p>
+            <a:pPr lvl="0"/>
+            <a:r>
+              <a:rPr lang="en-US"/>
+              <a:t>Click to edit Master text styles</a:t>
+            </a:r>
+          </a:p>
+          <a:p>
+            <a:pPr lvl="1"/>
+            <a:r>
+              <a:rPr lang="en-US"/>
+              <a:t>Second level</a:t>
+            </a:r>
+          </a:p>
+          <a:p>
+            <a:pPr lvl="2"/>
+            <a:r>
+              <a:rPr lang="en-US"/>
+              <a:t>Third level</a:t>
+            </a:r>
+          </a:p>
+          <a:p>
+            <a:pPr lvl="3"/>
+            <a:r>
+              <a:rPr lang="en-US"/>
+              <a:t>Fourth level</a:t>
+            </a:r>
+          </a:p>
+          <a:p>
+            <a:pPr lvl="4"/>
+            <a:r>
+              <a:rPr lang="en-US"/>
+              <a:t>Fifth level</a:t>
+            </a:r>
+            <a:endParaRPr lang="LID4096"/>
+          </a:p>
+        </p:txBody>
+      </p:sp>
+      <p:sp>
+        <p:nvSpPr>
+          <p:cNvPr id="6" name="Footer Placeholder 5"/>
+          <p:cNvSpPr>
+            <a:spLocks noGrp="1"/>
+          </p:cNvSpPr>
+          <p:nvPr>
+            <p:ph type="ftr" sz="quarter" idx="4"/>
+          </p:nvPr>
+        </p:nvSpPr>
+        <p:spPr>
+          <a:xfrm>
+            <a:off x="0" y="8685213"/>
+            <a:ext cx="2971800" cy="458787"/>
+          </a:xfrm>
+          <a:prstGeom prst="rect">
+            <a:avLst/>
+          </a:prstGeom>
+        </p:spPr>
+        <p:txBody>
+          <a:bodyPr vert="horz" lIns="91440" tIns="45720" rIns="91440" bIns="45720" rtlCol="0" anchor="b"/>
+          <a:lstStyle>
+            <a:lvl1pPr algn="l">
+              <a:defRPr sz="1200"/>
+            </a:lvl1pPr>
+          </a:lstStyle>
+          <a:p>
+            <a:endParaRPr lang="LID4096"/>
+          </a:p>
+        </p:txBody>
+      </p:sp>
+      <p:sp>
+        <p:nvSpPr>
+          <p:cNvPr id="7" name="Slide Number Placeholder 6"/>
+          <p:cNvSpPr>
+            <a:spLocks noGrp="1"/>
+          </p:cNvSpPr>
+          <p:nvPr>
+            <p:ph type="sldNum" sz="quarter" idx="5"/>
+          </p:nvPr>
+        </p:nvSpPr>
+        <p:spPr>
+          <a:xfrm>
+            <a:off x="3884613" y="8685213"/>
+            <a:ext cx="2971800" cy="458787"/>
+          </a:xfrm>
+          <a:prstGeom prst="rect">
+            <a:avLst/>
+          </a:prstGeom>
+        </p:spPr>
+        <p:txBody>
+          <a:bodyPr vert="horz" lIns="91440" tIns="45720" rIns="91440" bIns="45720" rtlCol="0" anchor="b"/>
+          <a:lstStyle>
+            <a:lvl1pPr algn="r">
+              <a:defRPr sz="1200"/>
+            </a:lvl1pPr>
+          </a:lstStyle>
+          <a:p>
+            <a:fld id="{7C2418C1-7360-4F47-BE8A-095E5E15AB8F}" type="slidenum">
+              <a:rPr lang="LID4096" smtClean="0"/>
+              <a:t>‹#›</a:t>
+            </a:fld>
+            <a:endParaRPr lang="LID4096"/>
+          </a:p>
+        </p:txBody>
+      </p:sp>
+    </p:spTree>
+    <p:extLst>
+      <p:ext uri="{BB962C8B-B14F-4D97-AF65-F5344CB8AC3E}">
+        <p14:creationId xmlns:p14="http://schemas.microsoft.com/office/powerpoint/2010/main" val="3223441098"/>
+      </p:ext>
+    </p:extLst>
+  </p:cSld>
+  <p:clrMap bg1="lt1" tx1="dk1" bg2="lt2" tx2="dk2" accent1="accent1" accent2="accent2" accent3="accent3" accent4="accent4" accent5="accent5" accent6="accent6" hlink="hlink" folHlink="folHlink"/>
+  <p:notesStyle>
+    <a:lvl1pPr marL="0" algn="l" defTabSz="914400" rtl="0" eaLnBrk="1" latinLnBrk="0" hangingPunct="1">
+      <a:defRPr sz="1200" kern="1200">
+        <a:solidFill>
+          <a:schemeClr val="tx1"/>
+        </a:solidFill>
+        <a:latin typeface="+mn-lt"/>
+        <a:ea typeface="+mn-ea"/>
+        <a:cs typeface="+mn-cs"/>
+      </a:defRPr>
+    </a:lvl1pPr>
+    <a:lvl2pPr marL="457200" algn="l" defTabSz="914400" rtl="0" eaLnBrk="1" latinLnBrk="0" hangingPunct="1">
+      <a:defRPr sz="1200" kern="1200">
+        <a:solidFill>
+          <a:schemeClr val="tx1"/>
+        </a:solidFill>
+        <a:latin typeface="+mn-lt"/>
+        <a:ea typeface="+mn-ea"/>
+        <a:cs typeface="+mn-cs"/>
+      </a:defRPr>
+    </a:lvl2pPr>
+    <a:lvl3pPr marL="914400" algn="l" defTabSz="914400" rtl="0" eaLnBrk="1" latinLnBrk="0" hangingPunct="1">
+      <a:defRPr sz="1200" kern="1200">
+        <a:solidFill>
+          <a:schemeClr val="tx1"/>
+        </a:solidFill>
+        <a:latin typeface="+mn-lt"/>
+        <a:ea typeface="+mn-ea"/>
+        <a:cs typeface="+mn-cs"/>
+      </a:defRPr>
+    </a:lvl3pPr>
+    <a:lvl4pPr marL="1371600" algn="l" defTabSz="914400" rtl="0" eaLnBrk="1" latinLnBrk="0" hangingPunct="1">
+      <a:defRPr sz="1200" kern="1200">
+        <a:solidFill>
+          <a:schemeClr val="tx1"/>
+        </a:solidFill>
+        <a:latin typeface="+mn-lt"/>
+        <a:ea typeface="+mn-ea"/>
+        <a:cs typeface="+mn-cs"/>
+      </a:defRPr>
+    </a:lvl4pPr>
+    <a:lvl5pPr marL="1828800" algn="l" defTabSz="914400" rtl="0" eaLnBrk="1" latinLnBrk="0" hangingPunct="1">
+      <a:defRPr sz="1200" kern="1200">
+        <a:solidFill>
+          <a:schemeClr val="tx1"/>
+        </a:solidFill>
+        <a:latin typeface="+mn-lt"/>
+        <a:ea typeface="+mn-ea"/>
+        <a:cs typeface="+mn-cs"/>
+      </a:defRPr>
+    </a:lvl5pPr>
+    <a:lvl6pPr marL="2286000" algn="l" defTabSz="914400" rtl="0" eaLnBrk="1" latinLnBrk="0" hangingPunct="1">
+      <a:defRPr sz="1200" kern="1200">
+        <a:solidFill>
+          <a:schemeClr val="tx1"/>
+        </a:solidFill>
+        <a:latin typeface="+mn-lt"/>
+        <a:ea typeface="+mn-ea"/>
+        <a:cs typeface="+mn-cs"/>
+      </a:defRPr>
+    </a:lvl6pPr>
+    <a:lvl7pPr marL="2743200" algn="l" defTabSz="914400" rtl="0" eaLnBrk="1" latinLnBrk="0" hangingPunct="1">
+      <a:defRPr sz="1200" kern="1200">
+        <a:solidFill>
+          <a:schemeClr val="tx1"/>
+        </a:solidFill>
+        <a:latin typeface="+mn-lt"/>
+        <a:ea typeface="+mn-ea"/>
+        <a:cs typeface="+mn-cs"/>
+      </a:defRPr>
+    </a:lvl7pPr>
+    <a:lvl8pPr marL="3200400" algn="l" defTabSz="914400" rtl="0" eaLnBrk="1" latinLnBrk="0" hangingPunct="1">
+      <a:defRPr sz="1200" kern="1200">
+        <a:solidFill>
+          <a:schemeClr val="tx1"/>
+        </a:solidFill>
+        <a:latin typeface="+mn-lt"/>
+        <a:ea typeface="+mn-ea"/>
+        <a:cs typeface="+mn-cs"/>
+      </a:defRPr>
+    </a:lvl8pPr>
+    <a:lvl9pPr marL="3657600" algn="l" defTabSz="914400" rtl="0" eaLnBrk="1" latinLnBrk="0" hangingPunct="1">
+      <a:defRPr sz="1200" kern="1200">
+        <a:solidFill>
+          <a:schemeClr val="tx1"/>
+        </a:solidFill>
+        <a:latin typeface="+mn-lt"/>
+        <a:ea typeface="+mn-ea"/>
+        <a:cs typeface="+mn-cs"/>
+      </a:defRPr>
+    </a:lvl9pPr>
+  </p:notesStyle>
+</p:notesMaster>
+</file>
+
 <file path=ppt/slideLayouts/slideLayout1.xml><?xml version="1.0" encoding="utf-8"?>
 <p:sldLayout xmlns:a="http://schemas.openxmlformats.org/drawingml/2006/main" xmlns:r="http://schemas.openxmlformats.org/officeDocument/2006/relationships" xmlns:p="http://schemas.openxmlformats.org/presentationml/2006/main" type="title" preserve="1">
   <p:cSld name="Title Slide">
@@ -336,7 +731,7 @@
           <a:bodyPr/>
           <a:lstStyle/>
           <a:p>
-            <a:fld id="{9ABE1DF9-2622-487B-8511-7077A12324DC}" type="datetimeFigureOut">
+            <a:fld id="{D4CCEB0E-618E-45C7-A579-AD180C33220D}" type="datetime1">
               <a:rPr lang="LID4096" smtClean="0"/>
               <a:t>05/17/2024</a:t>
             </a:fld>
@@ -536,7 +931,7 @@
           <a:bodyPr/>
           <a:lstStyle/>
           <a:p>
-            <a:fld id="{9ABE1DF9-2622-487B-8511-7077A12324DC}" type="datetimeFigureOut">
+            <a:fld id="{8F9B0D5F-347B-4B69-9FE7-43363B46D130}" type="datetime1">
               <a:rPr lang="LID4096" smtClean="0"/>
               <a:t>05/17/2024</a:t>
             </a:fld>
@@ -746,7 +1141,7 @@
           <a:bodyPr/>
           <a:lstStyle/>
           <a:p>
-            <a:fld id="{9ABE1DF9-2622-487B-8511-7077A12324DC}" type="datetimeFigureOut">
+            <a:fld id="{A72936A9-07CF-4428-8F68-9DB53105CCBE}" type="datetime1">
               <a:rPr lang="LID4096" smtClean="0"/>
               <a:t>05/17/2024</a:t>
             </a:fld>
@@ -946,7 +1341,7 @@
           <a:bodyPr/>
           <a:lstStyle/>
           <a:p>
-            <a:fld id="{9ABE1DF9-2622-487B-8511-7077A12324DC}" type="datetimeFigureOut">
+            <a:fld id="{136170E8-8909-47C9-AECF-C7A110A9E262}" type="datetime1">
               <a:rPr lang="LID4096" smtClean="0"/>
               <a:t>05/17/2024</a:t>
             </a:fld>
@@ -1222,7 +1617,7 @@
           <a:bodyPr/>
           <a:lstStyle/>
           <a:p>
-            <a:fld id="{9ABE1DF9-2622-487B-8511-7077A12324DC}" type="datetimeFigureOut">
+            <a:fld id="{D37C590D-7973-43C9-B207-04F7CE471508}" type="datetime1">
               <a:rPr lang="LID4096" smtClean="0"/>
               <a:t>05/17/2024</a:t>
             </a:fld>
@@ -1490,7 +1885,7 @@
           <a:bodyPr/>
           <a:lstStyle/>
           <a:p>
-            <a:fld id="{9ABE1DF9-2622-487B-8511-7077A12324DC}" type="datetimeFigureOut">
+            <a:fld id="{D8E041D7-7EA6-423B-88A0-A217731AA946}" type="datetime1">
               <a:rPr lang="LID4096" smtClean="0"/>
               <a:t>05/17/2024</a:t>
             </a:fld>
@@ -1905,7 +2300,7 @@
           <a:bodyPr/>
           <a:lstStyle/>
           <a:p>
-            <a:fld id="{9ABE1DF9-2622-487B-8511-7077A12324DC}" type="datetimeFigureOut">
+            <a:fld id="{1BDF2A55-FD61-4AC5-A515-ED3F1E80F296}" type="datetime1">
               <a:rPr lang="LID4096" smtClean="0"/>
               <a:t>05/17/2024</a:t>
             </a:fld>
@@ -2047,7 +2442,7 @@
           <a:bodyPr/>
           <a:lstStyle/>
           <a:p>
-            <a:fld id="{9ABE1DF9-2622-487B-8511-7077A12324DC}" type="datetimeFigureOut">
+            <a:fld id="{AAED7C0E-94F0-4D14-8F58-6D25D315F3DC}" type="datetime1">
               <a:rPr lang="LID4096" smtClean="0"/>
               <a:t>05/17/2024</a:t>
             </a:fld>
@@ -2160,7 +2555,7 @@
           <a:bodyPr/>
           <a:lstStyle/>
           <a:p>
-            <a:fld id="{9ABE1DF9-2622-487B-8511-7077A12324DC}" type="datetimeFigureOut">
+            <a:fld id="{2888AB77-1B4E-4D00-8D86-8CBF03A7E13C}" type="datetime1">
               <a:rPr lang="LID4096" smtClean="0"/>
               <a:t>05/17/2024</a:t>
             </a:fld>
@@ -2473,7 +2868,7 @@
           <a:bodyPr/>
           <a:lstStyle/>
           <a:p>
-            <a:fld id="{9ABE1DF9-2622-487B-8511-7077A12324DC}" type="datetimeFigureOut">
+            <a:fld id="{013C0D7F-F788-458A-93D6-DCF4C7F29636}" type="datetime1">
               <a:rPr lang="LID4096" smtClean="0"/>
               <a:t>05/17/2024</a:t>
             </a:fld>
@@ -2762,7 +3157,7 @@
           <a:bodyPr/>
           <a:lstStyle/>
           <a:p>
-            <a:fld id="{9ABE1DF9-2622-487B-8511-7077A12324DC}" type="datetimeFigureOut">
+            <a:fld id="{EEC7CCBC-154E-498D-B8FD-669CE3C64250}" type="datetime1">
               <a:rPr lang="LID4096" smtClean="0"/>
               <a:t>05/17/2024</a:t>
             </a:fld>
@@ -3005,7 +3400,7 @@
             </a:lvl1pPr>
           </a:lstStyle>
           <a:p>
-            <a:fld id="{9ABE1DF9-2622-487B-8511-7077A12324DC}" type="datetimeFigureOut">
+            <a:fld id="{161B14D2-6539-4609-80C5-044F9B782269}" type="datetime1">
               <a:rPr lang="LID4096" smtClean="0"/>
               <a:t>05/17/2024</a:t>
             </a:fld>
@@ -3124,6 +3519,7 @@
     <p:sldLayoutId id="2147483658" r:id="rId10"/>
     <p:sldLayoutId id="2147483659" r:id="rId11"/>
   </p:sldLayoutIdLst>
+  <p:hf hdr="0" ftr="0" dt="0"/>
   <p:txStyles>
     <p:titleStyle>
       <a:lvl1pPr algn="l" defTabSz="914400" rtl="0" eaLnBrk="1" latinLnBrk="0" hangingPunct="1">
@@ -3612,6 +4008,35 @@
           </a:extLst>
         </p:spPr>
       </p:pic>
+      <p:sp>
+        <p:nvSpPr>
+          <p:cNvPr id="7" name="Slide Number Placeholder 6">
+            <a:extLst>
+              <a:ext uri="{FF2B5EF4-FFF2-40B4-BE49-F238E27FC236}">
+                <a16:creationId xmlns:a16="http://schemas.microsoft.com/office/drawing/2014/main" id="{9B3592C4-57A7-F374-8CFA-06D95B636DDF}"/>
+              </a:ext>
+            </a:extLst>
+          </p:cNvPr>
+          <p:cNvSpPr>
+            <a:spLocks noGrp="1"/>
+          </p:cNvSpPr>
+          <p:nvPr>
+            <p:ph type="sldNum" sz="quarter" idx="12"/>
+          </p:nvPr>
+        </p:nvSpPr>
+        <p:spPr/>
+        <p:txBody>
+          <a:bodyPr/>
+          <a:lstStyle/>
+          <a:p>
+            <a:fld id="{FDB1AA33-DFBB-49AC-8CEE-23FFECEB5648}" type="slidenum">
+              <a:rPr lang="LID4096" smtClean="0"/>
+              <a:t>1</a:t>
+            </a:fld>
+            <a:endParaRPr lang="LID4096"/>
+          </a:p>
+        </p:txBody>
+      </p:sp>
     </p:spTree>
     <p:extLst>
       <p:ext uri="{BB962C8B-B14F-4D97-AF65-F5344CB8AC3E}">
@@ -3647,6 +4072,1132 @@
           <p:cNvPr id="2" name="Title 1">
             <a:extLst>
               <a:ext uri="{FF2B5EF4-FFF2-40B4-BE49-F238E27FC236}">
+                <a16:creationId xmlns:a16="http://schemas.microsoft.com/office/drawing/2014/main" id="{AED34170-C529-4CAC-B31D-56A78C9F11EA}"/>
+              </a:ext>
+            </a:extLst>
+          </p:cNvPr>
+          <p:cNvSpPr>
+            <a:spLocks noGrp="1"/>
+          </p:cNvSpPr>
+          <p:nvPr>
+            <p:ph type="title"/>
+          </p:nvPr>
+        </p:nvSpPr>
+        <p:spPr/>
+        <p:txBody>
+          <a:bodyPr/>
+          <a:lstStyle/>
+          <a:p>
+            <a:r>
+              <a:rPr lang="en-US" dirty="0"/>
+              <a:t>Use language idioms</a:t>
+            </a:r>
+          </a:p>
+        </p:txBody>
+      </p:sp>
+      <p:sp>
+        <p:nvSpPr>
+          <p:cNvPr id="3" name="Content Placeholder 2">
+            <a:extLst>
+              <a:ext uri="{FF2B5EF4-FFF2-40B4-BE49-F238E27FC236}">
+                <a16:creationId xmlns:a16="http://schemas.microsoft.com/office/drawing/2014/main" id="{5A409A1C-2A90-428E-983C-53F1E59F0E27}"/>
+              </a:ext>
+            </a:extLst>
+          </p:cNvPr>
+          <p:cNvSpPr>
+            <a:spLocks noGrp="1"/>
+          </p:cNvSpPr>
+          <p:nvPr>
+            <p:ph idx="1"/>
+          </p:nvPr>
+        </p:nvSpPr>
+        <p:spPr/>
+        <p:txBody>
+          <a:bodyPr/>
+          <a:lstStyle/>
+          <a:p>
+            <a:r>
+              <a:rPr lang="en-US" dirty="0"/>
+              <a:t>Don’t</a:t>
+            </a:r>
+          </a:p>
+          <a:p>
+            <a:endParaRPr lang="en-US" dirty="0"/>
+          </a:p>
+          <a:p>
+            <a:endParaRPr lang="en-US" dirty="0"/>
+          </a:p>
+          <a:p>
+            <a:endParaRPr lang="en-US" dirty="0"/>
+          </a:p>
+          <a:p>
+            <a:r>
+              <a:rPr lang="en-US" dirty="0"/>
+              <a:t>Do</a:t>
+            </a:r>
+          </a:p>
+        </p:txBody>
+      </p:sp>
+      <p:sp>
+        <p:nvSpPr>
+          <p:cNvPr id="4" name="Slide Number Placeholder 3">
+            <a:extLst>
+              <a:ext uri="{FF2B5EF4-FFF2-40B4-BE49-F238E27FC236}">
+                <a16:creationId xmlns:a16="http://schemas.microsoft.com/office/drawing/2014/main" id="{9DFEED60-6777-4684-A163-0EF2C4B31738}"/>
+              </a:ext>
+            </a:extLst>
+          </p:cNvPr>
+          <p:cNvSpPr>
+            <a:spLocks noGrp="1"/>
+          </p:cNvSpPr>
+          <p:nvPr>
+            <p:ph type="sldNum" sz="quarter" idx="12"/>
+          </p:nvPr>
+        </p:nvSpPr>
+        <p:spPr/>
+        <p:txBody>
+          <a:bodyPr/>
+          <a:lstStyle/>
+          <a:p>
+            <a:fld id="{5A209D72-2E9D-49B0-8977-41DCCC66C0BB}" type="slidenum">
+              <a:rPr lang="nl-BE" smtClean="0"/>
+              <a:t>10</a:t>
+            </a:fld>
+            <a:endParaRPr lang="nl-BE"/>
+          </a:p>
+        </p:txBody>
+      </p:sp>
+      <p:sp>
+        <p:nvSpPr>
+          <p:cNvPr id="5" name="TextBox 4">
+            <a:extLst>
+              <a:ext uri="{FF2B5EF4-FFF2-40B4-BE49-F238E27FC236}">
+                <a16:creationId xmlns:a16="http://schemas.microsoft.com/office/drawing/2014/main" id="{DA7C955A-E935-474D-BE32-4BF9E04A2DB2}"/>
+              </a:ext>
+            </a:extLst>
+          </p:cNvPr>
+          <p:cNvSpPr txBox="1"/>
+          <p:nvPr/>
+        </p:nvSpPr>
+        <p:spPr>
+          <a:xfrm>
+            <a:off x="644550" y="2368743"/>
+            <a:ext cx="4871847" cy="1200329"/>
+          </a:xfrm>
+          <a:prstGeom prst="rect">
+            <a:avLst/>
+          </a:prstGeom>
+          <a:solidFill>
+            <a:schemeClr val="bg1">
+              <a:lumMod val="85000"/>
+            </a:schemeClr>
+          </a:solidFill>
+        </p:spPr>
+        <p:txBody>
+          <a:bodyPr wrap="none" rtlCol="0">
+            <a:spAutoFit/>
+          </a:bodyPr>
+          <a:lstStyle/>
+          <a:p>
+            <a:r>
+              <a:rPr lang="en-US" dirty="0">
+                <a:solidFill>
+                  <a:prstClr val="black"/>
+                </a:solidFill>
+                <a:latin typeface="Courier New" pitchFamily="49" charset="0"/>
+                <a:cs typeface="Courier New" pitchFamily="49" charset="0"/>
+              </a:rPr>
+              <a:t>std::vector&lt;double&gt; v;</a:t>
+            </a:r>
+          </a:p>
+          <a:p>
+            <a:r>
+              <a:rPr lang="en-US" dirty="0">
+                <a:solidFill>
+                  <a:prstClr val="black"/>
+                </a:solidFill>
+                <a:latin typeface="Courier New" pitchFamily="49" charset="0"/>
+                <a:cs typeface="Courier New" pitchFamily="49" charset="0"/>
+                <a:sym typeface="Symbol" panose="05050102010706020507" pitchFamily="18" charset="2"/>
+              </a:rPr>
+              <a:t></a:t>
+            </a:r>
+            <a:endParaRPr lang="en-US" dirty="0">
+              <a:solidFill>
+                <a:prstClr val="black"/>
+              </a:solidFill>
+              <a:latin typeface="Courier New" pitchFamily="49" charset="0"/>
+              <a:cs typeface="Courier New" pitchFamily="49" charset="0"/>
+            </a:endParaRPr>
+          </a:p>
+          <a:p>
+            <a:r>
+              <a:rPr lang="en-US" dirty="0">
+                <a:solidFill>
+                  <a:prstClr val="black"/>
+                </a:solidFill>
+                <a:latin typeface="Courier New" pitchFamily="49" charset="0"/>
+                <a:cs typeface="Courier New" pitchFamily="49" charset="0"/>
+              </a:rPr>
+              <a:t>for (int </a:t>
+            </a:r>
+            <a:r>
+              <a:rPr lang="en-US" dirty="0" err="1">
+                <a:solidFill>
+                  <a:prstClr val="black"/>
+                </a:solidFill>
+                <a:latin typeface="Courier New" pitchFamily="49" charset="0"/>
+                <a:cs typeface="Courier New" pitchFamily="49" charset="0"/>
+              </a:rPr>
+              <a:t>i</a:t>
+            </a:r>
+            <a:r>
+              <a:rPr lang="en-US" dirty="0">
+                <a:solidFill>
+                  <a:prstClr val="black"/>
+                </a:solidFill>
+                <a:latin typeface="Courier New" pitchFamily="49" charset="0"/>
+                <a:cs typeface="Courier New" pitchFamily="49" charset="0"/>
+              </a:rPr>
+              <a:t> = 0; I &lt; </a:t>
+            </a:r>
+            <a:r>
+              <a:rPr lang="en-US" dirty="0" err="1">
+                <a:solidFill>
+                  <a:prstClr val="black"/>
+                </a:solidFill>
+                <a:latin typeface="Courier New" pitchFamily="49" charset="0"/>
+                <a:cs typeface="Courier New" pitchFamily="49" charset="0"/>
+              </a:rPr>
+              <a:t>v.size</a:t>
+            </a:r>
+            <a:r>
+              <a:rPr lang="en-US" dirty="0">
+                <a:solidFill>
+                  <a:prstClr val="black"/>
+                </a:solidFill>
+                <a:latin typeface="Courier New" pitchFamily="49" charset="0"/>
+                <a:cs typeface="Courier New" pitchFamily="49" charset="0"/>
+              </a:rPr>
+              <a:t>(); ++</a:t>
+            </a:r>
+            <a:r>
+              <a:rPr lang="en-US" dirty="0" err="1">
+                <a:solidFill>
+                  <a:prstClr val="black"/>
+                </a:solidFill>
+                <a:latin typeface="Courier New" pitchFamily="49" charset="0"/>
+                <a:cs typeface="Courier New" pitchFamily="49" charset="0"/>
+              </a:rPr>
+              <a:t>i</a:t>
+            </a:r>
+            <a:r>
+              <a:rPr lang="en-US" dirty="0">
+                <a:solidFill>
+                  <a:prstClr val="black"/>
+                </a:solidFill>
+                <a:latin typeface="Courier New" pitchFamily="49" charset="0"/>
+                <a:cs typeface="Courier New" pitchFamily="49" charset="0"/>
+              </a:rPr>
+              <a:t>)</a:t>
+            </a:r>
+          </a:p>
+          <a:p>
+            <a:r>
+              <a:rPr lang="en-US" dirty="0">
+                <a:solidFill>
+                  <a:prstClr val="black"/>
+                </a:solidFill>
+                <a:latin typeface="Courier New" pitchFamily="49" charset="0"/>
+                <a:cs typeface="Courier New" pitchFamily="49" charset="0"/>
+              </a:rPr>
+              <a:t>    std::</a:t>
+            </a:r>
+            <a:r>
+              <a:rPr lang="en-US" dirty="0" err="1">
+                <a:solidFill>
+                  <a:prstClr val="black"/>
+                </a:solidFill>
+                <a:latin typeface="Courier New" pitchFamily="49" charset="0"/>
+                <a:cs typeface="Courier New" pitchFamily="49" charset="0"/>
+              </a:rPr>
+              <a:t>cout</a:t>
+            </a:r>
+            <a:r>
+              <a:rPr lang="en-US" dirty="0">
+                <a:solidFill>
+                  <a:prstClr val="black"/>
+                </a:solidFill>
+                <a:latin typeface="Courier New" pitchFamily="49" charset="0"/>
+                <a:cs typeface="Courier New" pitchFamily="49" charset="0"/>
+              </a:rPr>
+              <a:t> &lt;&lt; v[</a:t>
+            </a:r>
+            <a:r>
+              <a:rPr lang="en-US" dirty="0" err="1">
+                <a:solidFill>
+                  <a:prstClr val="black"/>
+                </a:solidFill>
+                <a:latin typeface="Courier New" pitchFamily="49" charset="0"/>
+                <a:cs typeface="Courier New" pitchFamily="49" charset="0"/>
+              </a:rPr>
+              <a:t>i</a:t>
+            </a:r>
+            <a:r>
+              <a:rPr lang="en-US" dirty="0">
+                <a:solidFill>
+                  <a:prstClr val="black"/>
+                </a:solidFill>
+                <a:latin typeface="Courier New" pitchFamily="49" charset="0"/>
+                <a:cs typeface="Courier New" pitchFamily="49" charset="0"/>
+              </a:rPr>
+              <a:t>] &lt;&lt; " ";</a:t>
+            </a:r>
+            <a:endParaRPr lang="nl-BE" dirty="0">
+              <a:solidFill>
+                <a:prstClr val="black"/>
+              </a:solidFill>
+              <a:latin typeface="Courier New" pitchFamily="49" charset="0"/>
+              <a:cs typeface="Courier New" pitchFamily="49" charset="0"/>
+            </a:endParaRPr>
+          </a:p>
+        </p:txBody>
+      </p:sp>
+      <p:sp>
+        <p:nvSpPr>
+          <p:cNvPr id="7" name="TextBox 6">
+            <a:extLst>
+              <a:ext uri="{FF2B5EF4-FFF2-40B4-BE49-F238E27FC236}">
+                <a16:creationId xmlns:a16="http://schemas.microsoft.com/office/drawing/2014/main" id="{E8E19105-815C-4274-AABE-17BC582DEE62}"/>
+              </a:ext>
+            </a:extLst>
+          </p:cNvPr>
+          <p:cNvSpPr txBox="1"/>
+          <p:nvPr/>
+        </p:nvSpPr>
+        <p:spPr>
+          <a:xfrm>
+            <a:off x="6278723" y="2365723"/>
+            <a:ext cx="5423280" cy="1477328"/>
+          </a:xfrm>
+          <a:prstGeom prst="rect">
+            <a:avLst/>
+          </a:prstGeom>
+          <a:solidFill>
+            <a:schemeClr val="bg1">
+              <a:lumMod val="85000"/>
+            </a:schemeClr>
+          </a:solidFill>
+        </p:spPr>
+        <p:txBody>
+          <a:bodyPr wrap="square" rtlCol="0">
+            <a:spAutoFit/>
+          </a:bodyPr>
+          <a:lstStyle/>
+          <a:p>
+            <a:r>
+              <a:rPr lang="en-US" dirty="0">
+                <a:solidFill>
+                  <a:prstClr val="black"/>
+                </a:solidFill>
+                <a:latin typeface="Courier New" pitchFamily="49" charset="0"/>
+                <a:cs typeface="Courier New" pitchFamily="49" charset="0"/>
+              </a:rPr>
+              <a:t>std::vector&lt;double&gt; v;</a:t>
+            </a:r>
+          </a:p>
+          <a:p>
+            <a:r>
+              <a:rPr lang="en-US" dirty="0">
+                <a:solidFill>
+                  <a:prstClr val="black"/>
+                </a:solidFill>
+                <a:latin typeface="Courier New" pitchFamily="49" charset="0"/>
+                <a:cs typeface="Courier New" pitchFamily="49" charset="0"/>
+                <a:sym typeface="Symbol" panose="05050102010706020507" pitchFamily="18" charset="2"/>
+              </a:rPr>
+              <a:t></a:t>
+            </a:r>
+            <a:endParaRPr lang="en-US" dirty="0">
+              <a:solidFill>
+                <a:prstClr val="black"/>
+              </a:solidFill>
+              <a:latin typeface="Courier New" pitchFamily="49" charset="0"/>
+              <a:cs typeface="Courier New" pitchFamily="49" charset="0"/>
+            </a:endParaRPr>
+          </a:p>
+          <a:p>
+            <a:r>
+              <a:rPr lang="nl-BE" dirty="0">
+                <a:solidFill>
+                  <a:prstClr val="black"/>
+                </a:solidFill>
+                <a:latin typeface="Courier New" pitchFamily="49" charset="0"/>
+                <a:cs typeface="Courier New" pitchFamily="49" charset="0"/>
+              </a:rPr>
+              <a:t>double </a:t>
+            </a:r>
+            <a:r>
+              <a:rPr lang="nl-BE" dirty="0" err="1">
+                <a:solidFill>
+                  <a:prstClr val="black"/>
+                </a:solidFill>
+                <a:latin typeface="Courier New" pitchFamily="49" charset="0"/>
+                <a:cs typeface="Courier New" pitchFamily="49" charset="0"/>
+              </a:rPr>
+              <a:t>su</a:t>
+            </a:r>
+            <a:r>
+              <a:rPr lang="nl-BE" dirty="0">
+                <a:solidFill>
+                  <a:prstClr val="black"/>
+                </a:solidFill>
+                <a:latin typeface="Courier New" pitchFamily="49" charset="0"/>
+                <a:cs typeface="Courier New" pitchFamily="49" charset="0"/>
+              </a:rPr>
+              <a:t>₼{0.0};</a:t>
+            </a:r>
+          </a:p>
+          <a:p>
+            <a:r>
+              <a:rPr lang="nl-BE" dirty="0">
+                <a:solidFill>
+                  <a:prstClr val="black"/>
+                </a:solidFill>
+                <a:latin typeface="Courier New" pitchFamily="49" charset="0"/>
+                <a:cs typeface="Courier New" pitchFamily="49" charset="0"/>
+              </a:rPr>
+              <a:t>For (auto </a:t>
+            </a:r>
+            <a:r>
+              <a:rPr lang="nl-BE" dirty="0" err="1">
+                <a:solidFill>
+                  <a:prstClr val="black"/>
+                </a:solidFill>
+                <a:latin typeface="Courier New" pitchFamily="49" charset="0"/>
+                <a:cs typeface="Courier New" pitchFamily="49" charset="0"/>
+              </a:rPr>
+              <a:t>value</a:t>
+            </a:r>
+            <a:r>
+              <a:rPr lang="nl-BE" dirty="0">
+                <a:solidFill>
+                  <a:prstClr val="black"/>
+                </a:solidFill>
+                <a:latin typeface="Courier New" pitchFamily="49" charset="0"/>
+                <a:cs typeface="Courier New" pitchFamily="49" charset="0"/>
+              </a:rPr>
+              <a:t>: v)</a:t>
+            </a:r>
+          </a:p>
+          <a:p>
+            <a:r>
+              <a:rPr lang="nl-BE" dirty="0">
+                <a:solidFill>
+                  <a:prstClr val="black"/>
+                </a:solidFill>
+                <a:latin typeface="Courier New" pitchFamily="49" charset="0"/>
+                <a:cs typeface="Courier New" pitchFamily="49" charset="0"/>
+              </a:rPr>
+              <a:t>    </a:t>
+            </a:r>
+            <a:r>
+              <a:rPr lang="nl-BE" dirty="0" err="1">
+                <a:solidFill>
+                  <a:prstClr val="black"/>
+                </a:solidFill>
+                <a:latin typeface="Courier New" pitchFamily="49" charset="0"/>
+                <a:cs typeface="Courier New" pitchFamily="49" charset="0"/>
+              </a:rPr>
+              <a:t>sum</a:t>
+            </a:r>
+            <a:r>
+              <a:rPr lang="nl-BE" dirty="0">
+                <a:solidFill>
+                  <a:prstClr val="black"/>
+                </a:solidFill>
+                <a:latin typeface="Courier New" pitchFamily="49" charset="0"/>
+                <a:cs typeface="Courier New" pitchFamily="49" charset="0"/>
+              </a:rPr>
+              <a:t> += </a:t>
+            </a:r>
+            <a:r>
+              <a:rPr lang="nl-BE" dirty="0" err="1">
+                <a:solidFill>
+                  <a:prstClr val="black"/>
+                </a:solidFill>
+                <a:latin typeface="Courier New" pitchFamily="49" charset="0"/>
+                <a:cs typeface="Courier New" pitchFamily="49" charset="0"/>
+              </a:rPr>
+              <a:t>value</a:t>
+            </a:r>
+            <a:r>
+              <a:rPr lang="nl-BE" dirty="0">
+                <a:solidFill>
+                  <a:prstClr val="black"/>
+                </a:solidFill>
+                <a:latin typeface="Courier New" pitchFamily="49" charset="0"/>
+                <a:cs typeface="Courier New" pitchFamily="49" charset="0"/>
+              </a:rPr>
+              <a:t>;</a:t>
+            </a:r>
+          </a:p>
+        </p:txBody>
+      </p:sp>
+      <p:sp>
+        <p:nvSpPr>
+          <p:cNvPr id="9" name="TextBox 8">
+            <a:extLst>
+              <a:ext uri="{FF2B5EF4-FFF2-40B4-BE49-F238E27FC236}">
+                <a16:creationId xmlns:a16="http://schemas.microsoft.com/office/drawing/2014/main" id="{7BD44A4A-665B-155F-48AB-6FA96AA271F1}"/>
+              </a:ext>
+            </a:extLst>
+          </p:cNvPr>
+          <p:cNvSpPr txBox="1"/>
+          <p:nvPr/>
+        </p:nvSpPr>
+        <p:spPr>
+          <a:xfrm>
+            <a:off x="703044" y="4466163"/>
+            <a:ext cx="4458272" cy="1200329"/>
+          </a:xfrm>
+          <a:prstGeom prst="rect">
+            <a:avLst/>
+          </a:prstGeom>
+          <a:solidFill>
+            <a:schemeClr val="bg1">
+              <a:lumMod val="85000"/>
+            </a:schemeClr>
+          </a:solidFill>
+        </p:spPr>
+        <p:txBody>
+          <a:bodyPr wrap="none" rtlCol="0">
+            <a:spAutoFit/>
+          </a:bodyPr>
+          <a:lstStyle/>
+          <a:p>
+            <a:r>
+              <a:rPr lang="en-US" dirty="0">
+                <a:solidFill>
+                  <a:prstClr val="black"/>
+                </a:solidFill>
+                <a:latin typeface="Courier New" pitchFamily="49" charset="0"/>
+                <a:cs typeface="Courier New" pitchFamily="49" charset="0"/>
+              </a:rPr>
+              <a:t>std::vector&lt;double&gt; v;</a:t>
+            </a:r>
+          </a:p>
+          <a:p>
+            <a:r>
+              <a:rPr lang="en-US" dirty="0">
+                <a:solidFill>
+                  <a:prstClr val="black"/>
+                </a:solidFill>
+                <a:latin typeface="Courier New" pitchFamily="49" charset="0"/>
+                <a:cs typeface="Courier New" pitchFamily="49" charset="0"/>
+                <a:sym typeface="Symbol" panose="05050102010706020507" pitchFamily="18" charset="2"/>
+              </a:rPr>
+              <a:t></a:t>
+            </a:r>
+            <a:endParaRPr lang="en-US" dirty="0">
+              <a:solidFill>
+                <a:prstClr val="black"/>
+              </a:solidFill>
+              <a:latin typeface="Courier New" pitchFamily="49" charset="0"/>
+              <a:cs typeface="Courier New" pitchFamily="49" charset="0"/>
+            </a:endParaRPr>
+          </a:p>
+          <a:p>
+            <a:r>
+              <a:rPr lang="en-US" dirty="0">
+                <a:solidFill>
+                  <a:prstClr val="black"/>
+                </a:solidFill>
+                <a:latin typeface="Courier New" pitchFamily="49" charset="0"/>
+                <a:cs typeface="Courier New" pitchFamily="49" charset="0"/>
+              </a:rPr>
+              <a:t>for (auto value: v)</a:t>
+            </a:r>
+          </a:p>
+          <a:p>
+            <a:r>
+              <a:rPr lang="en-US" dirty="0">
+                <a:solidFill>
+                  <a:prstClr val="black"/>
+                </a:solidFill>
+                <a:latin typeface="Courier New" pitchFamily="49" charset="0"/>
+                <a:cs typeface="Courier New" pitchFamily="49" charset="0"/>
+              </a:rPr>
+              <a:t>    std::</a:t>
+            </a:r>
+            <a:r>
+              <a:rPr lang="en-US" dirty="0" err="1">
+                <a:solidFill>
+                  <a:prstClr val="black"/>
+                </a:solidFill>
+                <a:latin typeface="Courier New" pitchFamily="49" charset="0"/>
+                <a:cs typeface="Courier New" pitchFamily="49" charset="0"/>
+              </a:rPr>
+              <a:t>cout</a:t>
+            </a:r>
+            <a:r>
+              <a:rPr lang="en-US" dirty="0">
+                <a:solidFill>
+                  <a:prstClr val="black"/>
+                </a:solidFill>
+                <a:latin typeface="Courier New" pitchFamily="49" charset="0"/>
+                <a:cs typeface="Courier New" pitchFamily="49" charset="0"/>
+              </a:rPr>
+              <a:t> &lt;&lt; values &lt;&lt; " ";</a:t>
+            </a:r>
+            <a:endParaRPr lang="nl-BE" dirty="0">
+              <a:solidFill>
+                <a:prstClr val="black"/>
+              </a:solidFill>
+              <a:latin typeface="Courier New" pitchFamily="49" charset="0"/>
+              <a:cs typeface="Courier New" pitchFamily="49" charset="0"/>
+            </a:endParaRPr>
+          </a:p>
+        </p:txBody>
+      </p:sp>
+      <p:sp>
+        <p:nvSpPr>
+          <p:cNvPr id="10" name="TextBox 9">
+            <a:extLst>
+              <a:ext uri="{FF2B5EF4-FFF2-40B4-BE49-F238E27FC236}">
+                <a16:creationId xmlns:a16="http://schemas.microsoft.com/office/drawing/2014/main" id="{1A1D85EF-1115-C567-A5BA-08BEDBD335B8}"/>
+              </a:ext>
+            </a:extLst>
+          </p:cNvPr>
+          <p:cNvSpPr txBox="1"/>
+          <p:nvPr/>
+        </p:nvSpPr>
+        <p:spPr>
+          <a:xfrm>
+            <a:off x="6278723" y="4466163"/>
+            <a:ext cx="5423280" cy="1754326"/>
+          </a:xfrm>
+          <a:prstGeom prst="rect">
+            <a:avLst/>
+          </a:prstGeom>
+          <a:solidFill>
+            <a:schemeClr val="bg1">
+              <a:lumMod val="85000"/>
+            </a:schemeClr>
+          </a:solidFill>
+        </p:spPr>
+        <p:txBody>
+          <a:bodyPr wrap="none" rtlCol="0">
+            <a:spAutoFit/>
+          </a:bodyPr>
+          <a:lstStyle/>
+          <a:p>
+            <a:r>
+              <a:rPr lang="en-US" dirty="0">
+                <a:solidFill>
+                  <a:prstClr val="black"/>
+                </a:solidFill>
+                <a:latin typeface="Courier New" pitchFamily="49" charset="0"/>
+                <a:cs typeface="Courier New" pitchFamily="49" charset="0"/>
+              </a:rPr>
+              <a:t>#include &lt;numeric&gt;</a:t>
+            </a:r>
+          </a:p>
+          <a:p>
+            <a:r>
+              <a:rPr lang="en-US" dirty="0">
+                <a:solidFill>
+                  <a:prstClr val="black"/>
+                </a:solidFill>
+                <a:latin typeface="Courier New" pitchFamily="49" charset="0"/>
+                <a:cs typeface="Courier New" pitchFamily="49" charset="0"/>
+                <a:sym typeface="Symbol" panose="05050102010706020507" pitchFamily="18" charset="2"/>
+              </a:rPr>
+              <a:t></a:t>
+            </a:r>
+            <a:endParaRPr lang="en-US" dirty="0">
+              <a:solidFill>
+                <a:prstClr val="black"/>
+              </a:solidFill>
+              <a:latin typeface="Courier New" pitchFamily="49" charset="0"/>
+              <a:cs typeface="Courier New" pitchFamily="49" charset="0"/>
+            </a:endParaRPr>
+          </a:p>
+          <a:p>
+            <a:r>
+              <a:rPr lang="en-US" dirty="0">
+                <a:solidFill>
+                  <a:prstClr val="black"/>
+                </a:solidFill>
+                <a:latin typeface="Courier New" pitchFamily="49" charset="0"/>
+                <a:cs typeface="Courier New" pitchFamily="49" charset="0"/>
+              </a:rPr>
+              <a:t>std::vector&lt;double&gt; v;</a:t>
+            </a:r>
+          </a:p>
+          <a:p>
+            <a:r>
+              <a:rPr lang="en-US" dirty="0">
+                <a:solidFill>
+                  <a:prstClr val="black"/>
+                </a:solidFill>
+                <a:latin typeface="Courier New" pitchFamily="49" charset="0"/>
+                <a:cs typeface="Courier New" pitchFamily="49" charset="0"/>
+                <a:sym typeface="Symbol" panose="05050102010706020507" pitchFamily="18" charset="2"/>
+              </a:rPr>
+              <a:t></a:t>
+            </a:r>
+            <a:endParaRPr lang="en-US" dirty="0">
+              <a:solidFill>
+                <a:prstClr val="black"/>
+              </a:solidFill>
+              <a:latin typeface="Courier New" pitchFamily="49" charset="0"/>
+              <a:cs typeface="Courier New" pitchFamily="49" charset="0"/>
+            </a:endParaRPr>
+          </a:p>
+          <a:p>
+            <a:r>
+              <a:rPr lang="nl-BE" dirty="0">
+                <a:solidFill>
+                  <a:prstClr val="black"/>
+                </a:solidFill>
+                <a:latin typeface="Courier New" pitchFamily="49" charset="0"/>
+                <a:cs typeface="Courier New" pitchFamily="49" charset="0"/>
+              </a:rPr>
+              <a:t>double </a:t>
+            </a:r>
+            <a:r>
+              <a:rPr lang="nl-BE" dirty="0" err="1">
+                <a:solidFill>
+                  <a:prstClr val="black"/>
+                </a:solidFill>
+                <a:latin typeface="Courier New" pitchFamily="49" charset="0"/>
+                <a:cs typeface="Courier New" pitchFamily="49" charset="0"/>
+              </a:rPr>
+              <a:t>su</a:t>
+            </a:r>
+            <a:r>
+              <a:rPr lang="nl-BE" dirty="0">
+                <a:solidFill>
+                  <a:prstClr val="black"/>
+                </a:solidFill>
+                <a:latin typeface="Courier New" pitchFamily="49" charset="0"/>
+                <a:cs typeface="Courier New" pitchFamily="49" charset="0"/>
+              </a:rPr>
+              <a:t>₼{</a:t>
+            </a:r>
+            <a:r>
+              <a:rPr lang="nl-BE" dirty="0" err="1">
+                <a:solidFill>
+                  <a:prstClr val="black"/>
+                </a:solidFill>
+                <a:latin typeface="Courier New" pitchFamily="49" charset="0"/>
+                <a:cs typeface="Courier New" pitchFamily="49" charset="0"/>
+              </a:rPr>
+              <a:t>std</a:t>
+            </a:r>
+            <a:r>
+              <a:rPr lang="nl-BE" dirty="0">
+                <a:solidFill>
+                  <a:prstClr val="black"/>
+                </a:solidFill>
+                <a:latin typeface="Courier New" pitchFamily="49" charset="0"/>
+                <a:cs typeface="Courier New" pitchFamily="49" charset="0"/>
+              </a:rPr>
+              <a:t>::</a:t>
+            </a:r>
+            <a:r>
+              <a:rPr lang="nl-BE" dirty="0" err="1">
+                <a:solidFill>
+                  <a:prstClr val="black"/>
+                </a:solidFill>
+                <a:latin typeface="Courier New" pitchFamily="49" charset="0"/>
+                <a:cs typeface="Courier New" pitchFamily="49" charset="0"/>
+              </a:rPr>
+              <a:t>accumulate</a:t>
+            </a:r>
+            <a:r>
+              <a:rPr lang="nl-BE" dirty="0">
+                <a:solidFill>
+                  <a:prstClr val="black"/>
+                </a:solidFill>
+                <a:latin typeface="Courier New" pitchFamily="49" charset="0"/>
+                <a:cs typeface="Courier New" pitchFamily="49" charset="0"/>
+              </a:rPr>
+              <a:t>(</a:t>
+            </a:r>
+            <a:r>
+              <a:rPr lang="nl-BE" dirty="0" err="1">
+                <a:solidFill>
+                  <a:prstClr val="black"/>
+                </a:solidFill>
+                <a:latin typeface="Courier New" pitchFamily="49" charset="0"/>
+                <a:cs typeface="Courier New" pitchFamily="49" charset="0"/>
+              </a:rPr>
+              <a:t>v.cbegin</a:t>
+            </a:r>
+            <a:r>
+              <a:rPr lang="nl-BE" dirty="0">
+                <a:solidFill>
+                  <a:prstClr val="black"/>
+                </a:solidFill>
+                <a:latin typeface="Courier New" pitchFamily="49" charset="0"/>
+                <a:cs typeface="Courier New" pitchFamily="49" charset="0"/>
+              </a:rPr>
+              <a:t>(),</a:t>
+            </a:r>
+          </a:p>
+          <a:p>
+            <a:r>
+              <a:rPr lang="nl-BE" dirty="0">
+                <a:solidFill>
+                  <a:prstClr val="black"/>
+                </a:solidFill>
+                <a:latin typeface="Courier New" pitchFamily="49" charset="0"/>
+                <a:cs typeface="Courier New" pitchFamily="49" charset="0"/>
+              </a:rPr>
+              <a:t>                    </a:t>
+            </a:r>
+            <a:r>
+              <a:rPr lang="nl-BE" dirty="0" err="1">
+                <a:solidFill>
+                  <a:prstClr val="black"/>
+                </a:solidFill>
+                <a:latin typeface="Courier New" pitchFamily="49" charset="0"/>
+                <a:cs typeface="Courier New" pitchFamily="49" charset="0"/>
+              </a:rPr>
+              <a:t>v.cend</a:t>
+            </a:r>
+            <a:r>
+              <a:rPr lang="nl-BE" dirty="0">
+                <a:solidFill>
+                  <a:prstClr val="black"/>
+                </a:solidFill>
+                <a:latin typeface="Courier New" pitchFamily="49" charset="0"/>
+                <a:cs typeface="Courier New" pitchFamily="49" charset="0"/>
+              </a:rPr>
+              <a:t>(), 0.0)};</a:t>
+            </a:r>
+          </a:p>
+        </p:txBody>
+      </p:sp>
+    </p:spTree>
+    <p:extLst>
+      <p:ext uri="{BB962C8B-B14F-4D97-AF65-F5344CB8AC3E}">
+        <p14:creationId xmlns:p14="http://schemas.microsoft.com/office/powerpoint/2010/main" val="4072105404"/>
+      </p:ext>
+    </p:extLst>
+  </p:cSld>
+  <p:clrMapOvr>
+    <a:masterClrMapping/>
+  </p:clrMapOvr>
+  <p:timing>
+    <p:tnLst>
+      <p:par>
+        <p:cTn id="1" dur="indefinite" restart="never" nodeType="tmRoot">
+          <p:childTnLst>
+            <p:seq concurrent="1" nextAc="seek">
+              <p:cTn id="2" dur="indefinite" nodeType="mainSeq">
+                <p:childTnLst>
+                  <p:par>
+                    <p:cTn id="3" fill="hold">
+                      <p:stCondLst>
+                        <p:cond delay="indefinite"/>
+                        <p:cond evt="onBegin" delay="0">
+                          <p:tn val="2"/>
+                        </p:cond>
+                      </p:stCondLst>
+                      <p:childTnLst>
+                        <p:par>
+                          <p:cTn id="4" fill="hold">
+                            <p:stCondLst>
+                              <p:cond delay="0"/>
+                            </p:stCondLst>
+                            <p:childTnLst>
+                              <p:par>
+                                <p:cTn id="5" presetID="1" presetClass="entr" presetSubtype="0" fill="hold" grpId="0" nodeType="withEffect">
+                                  <p:stCondLst>
+                                    <p:cond delay="0"/>
+                                  </p:stCondLst>
+                                  <p:childTnLst>
+                                    <p:set>
+                                      <p:cBhvr>
+                                        <p:cTn id="6" dur="1" fill="hold">
+                                          <p:stCondLst>
+                                            <p:cond delay="0"/>
+                                          </p:stCondLst>
+                                        </p:cTn>
+                                        <p:tgtEl>
+                                          <p:spTgt spid="3">
+                                            <p:txEl>
+                                              <p:pRg st="0" end="0"/>
+                                            </p:txEl>
+                                          </p:spTgt>
+                                        </p:tgtEl>
+                                        <p:attrNameLst>
+                                          <p:attrName>style.visibility</p:attrName>
+                                        </p:attrNameLst>
+                                      </p:cBhvr>
+                                      <p:to>
+                                        <p:strVal val="visible"/>
+                                      </p:to>
+                                    </p:set>
+                                  </p:childTnLst>
+                                </p:cTn>
+                              </p:par>
+                              <p:par>
+                                <p:cTn id="7" presetID="1" presetClass="entr" presetSubtype="0" fill="hold" grpId="0" nodeType="withEffect">
+                                  <p:stCondLst>
+                                    <p:cond delay="0"/>
+                                  </p:stCondLst>
+                                  <p:childTnLst>
+                                    <p:set>
+                                      <p:cBhvr>
+                                        <p:cTn id="8" dur="1" fill="hold">
+                                          <p:stCondLst>
+                                            <p:cond delay="0"/>
+                                          </p:stCondLst>
+                                        </p:cTn>
+                                        <p:tgtEl>
+                                          <p:spTgt spid="5"/>
+                                        </p:tgtEl>
+                                        <p:attrNameLst>
+                                          <p:attrName>style.visibility</p:attrName>
+                                        </p:attrNameLst>
+                                      </p:cBhvr>
+                                      <p:to>
+                                        <p:strVal val="visible"/>
+                                      </p:to>
+                                    </p:set>
+                                  </p:childTnLst>
+                                </p:cTn>
+                              </p:par>
+                            </p:childTnLst>
+                          </p:cTn>
+                        </p:par>
+                      </p:childTnLst>
+                    </p:cTn>
+                  </p:par>
+                  <p:par>
+                    <p:cTn id="9" fill="hold">
+                      <p:stCondLst>
+                        <p:cond delay="indefinite"/>
+                      </p:stCondLst>
+                      <p:childTnLst>
+                        <p:par>
+                          <p:cTn id="10" fill="hold">
+                            <p:stCondLst>
+                              <p:cond delay="0"/>
+                            </p:stCondLst>
+                            <p:childTnLst>
+                              <p:par>
+                                <p:cTn id="11" presetID="1" presetClass="entr" presetSubtype="0" fill="hold" grpId="0" nodeType="clickEffect">
+                                  <p:stCondLst>
+                                    <p:cond delay="0"/>
+                                  </p:stCondLst>
+                                  <p:childTnLst>
+                                    <p:set>
+                                      <p:cBhvr>
+                                        <p:cTn id="12" dur="1" fill="hold">
+                                          <p:stCondLst>
+                                            <p:cond delay="0"/>
+                                          </p:stCondLst>
+                                        </p:cTn>
+                                        <p:tgtEl>
+                                          <p:spTgt spid="3">
+                                            <p:txEl>
+                                              <p:pRg st="4" end="4"/>
+                                            </p:txEl>
+                                          </p:spTgt>
+                                        </p:tgtEl>
+                                        <p:attrNameLst>
+                                          <p:attrName>style.visibility</p:attrName>
+                                        </p:attrNameLst>
+                                      </p:cBhvr>
+                                      <p:to>
+                                        <p:strVal val="visible"/>
+                                      </p:to>
+                                    </p:set>
+                                  </p:childTnLst>
+                                </p:cTn>
+                              </p:par>
+                              <p:par>
+                                <p:cTn id="13" presetID="1" presetClass="entr" presetSubtype="0" fill="hold" grpId="0" nodeType="withEffect">
+                                  <p:stCondLst>
+                                    <p:cond delay="0"/>
+                                  </p:stCondLst>
+                                  <p:childTnLst>
+                                    <p:set>
+                                      <p:cBhvr>
+                                        <p:cTn id="14" dur="1" fill="hold">
+                                          <p:stCondLst>
+                                            <p:cond delay="0"/>
+                                          </p:stCondLst>
+                                        </p:cTn>
+                                        <p:tgtEl>
+                                          <p:spTgt spid="9"/>
+                                        </p:tgtEl>
+                                        <p:attrNameLst>
+                                          <p:attrName>style.visibility</p:attrName>
+                                        </p:attrNameLst>
+                                      </p:cBhvr>
+                                      <p:to>
+                                        <p:strVal val="visible"/>
+                                      </p:to>
+                                    </p:set>
+                                  </p:childTnLst>
+                                </p:cTn>
+                              </p:par>
+                            </p:childTnLst>
+                          </p:cTn>
+                        </p:par>
+                      </p:childTnLst>
+                    </p:cTn>
+                  </p:par>
+                  <p:par>
+                    <p:cTn id="15" fill="hold">
+                      <p:stCondLst>
+                        <p:cond delay="indefinite"/>
+                      </p:stCondLst>
+                      <p:childTnLst>
+                        <p:par>
+                          <p:cTn id="16" fill="hold">
+                            <p:stCondLst>
+                              <p:cond delay="0"/>
+                            </p:stCondLst>
+                            <p:childTnLst>
+                              <p:par>
+                                <p:cTn id="17" presetID="1" presetClass="entr" presetSubtype="0" fill="hold" grpId="0" nodeType="clickEffect">
+                                  <p:stCondLst>
+                                    <p:cond delay="0"/>
+                                  </p:stCondLst>
+                                  <p:childTnLst>
+                                    <p:set>
+                                      <p:cBhvr>
+                                        <p:cTn id="18" dur="1" fill="hold">
+                                          <p:stCondLst>
+                                            <p:cond delay="0"/>
+                                          </p:stCondLst>
+                                        </p:cTn>
+                                        <p:tgtEl>
+                                          <p:spTgt spid="7"/>
+                                        </p:tgtEl>
+                                        <p:attrNameLst>
+                                          <p:attrName>style.visibility</p:attrName>
+                                        </p:attrNameLst>
+                                      </p:cBhvr>
+                                      <p:to>
+                                        <p:strVal val="visible"/>
+                                      </p:to>
+                                    </p:set>
+                                  </p:childTnLst>
+                                </p:cTn>
+                              </p:par>
+                            </p:childTnLst>
+                          </p:cTn>
+                        </p:par>
+                      </p:childTnLst>
+                    </p:cTn>
+                  </p:par>
+                  <p:par>
+                    <p:cTn id="19" fill="hold">
+                      <p:stCondLst>
+                        <p:cond delay="indefinite"/>
+                      </p:stCondLst>
+                      <p:childTnLst>
+                        <p:par>
+                          <p:cTn id="20" fill="hold">
+                            <p:stCondLst>
+                              <p:cond delay="0"/>
+                            </p:stCondLst>
+                            <p:childTnLst>
+                              <p:par>
+                                <p:cTn id="21" presetID="1" presetClass="entr" presetSubtype="0" fill="hold" grpId="0" nodeType="clickEffect">
+                                  <p:stCondLst>
+                                    <p:cond delay="0"/>
+                                  </p:stCondLst>
+                                  <p:childTnLst>
+                                    <p:set>
+                                      <p:cBhvr>
+                                        <p:cTn id="22" dur="1" fill="hold">
+                                          <p:stCondLst>
+                                            <p:cond delay="0"/>
+                                          </p:stCondLst>
+                                        </p:cTn>
+                                        <p:tgtEl>
+                                          <p:spTgt spid="10"/>
+                                        </p:tgtEl>
+                                        <p:attrNameLst>
+                                          <p:attrName>style.visibility</p:attrName>
+                                        </p:attrNameLst>
+                                      </p:cBhvr>
+                                      <p:to>
+                                        <p:strVal val="visible"/>
+                                      </p:to>
+                                    </p:set>
+                                  </p:childTnLst>
+                                </p:cTn>
+                              </p:par>
+                            </p:childTnLst>
+                          </p:cTn>
+                        </p:par>
+                      </p:childTnLst>
+                    </p:cTn>
+                  </p:par>
+                </p:childTnLst>
+              </p:cTn>
+              <p:prevCondLst>
+                <p:cond evt="onPrev" delay="0">
+                  <p:tgtEl>
+                    <p:sldTgt/>
+                  </p:tgtEl>
+                </p:cond>
+              </p:prevCondLst>
+              <p:nextCondLst>
+                <p:cond evt="onNext" delay="0">
+                  <p:tgtEl>
+                    <p:sldTgt/>
+                  </p:tgtEl>
+                </p:cond>
+              </p:nextCondLst>
+            </p:seq>
+          </p:childTnLst>
+        </p:cTn>
+      </p:par>
+    </p:tnLst>
+    <p:bldLst>
+      <p:bldP spid="3" grpId="0" uiExpand="1" build="p"/>
+      <p:bldP spid="5" grpId="0" animBg="1"/>
+      <p:bldP spid="7" grpId="0" animBg="1"/>
+      <p:bldP spid="9" grpId="0" animBg="1"/>
+      <p:bldP spid="10" grpId="0" animBg="1"/>
+    </p:bldLst>
+  </p:timing>
+</p:sld>
+</file>
+
+<file path=ppt/slides/slide11.xml><?xml version="1.0" encoding="utf-8"?>
+<p:sld xmlns:a="http://schemas.openxmlformats.org/drawingml/2006/main" xmlns:r="http://schemas.openxmlformats.org/officeDocument/2006/relationships" xmlns:p="http://schemas.openxmlformats.org/presentationml/2006/main">
+  <p:cSld>
+    <p:spTree>
+      <p:nvGrpSpPr>
+        <p:cNvPr id="1" name=""/>
+        <p:cNvGrpSpPr/>
+        <p:nvPr/>
+      </p:nvGrpSpPr>
+      <p:grpSpPr>
+        <a:xfrm>
+          <a:off x="0" y="0"/>
+          <a:ext cx="0" cy="0"/>
+          <a:chOff x="0" y="0"/>
+          <a:chExt cx="0" cy="0"/>
+        </a:xfrm>
+      </p:grpSpPr>
+      <p:sp>
+        <p:nvSpPr>
+          <p:cNvPr id="2" name="Title 1">
+            <a:extLst>
+              <a:ext uri="{FF2B5EF4-FFF2-40B4-BE49-F238E27FC236}">
                 <a16:creationId xmlns:a16="http://schemas.microsoft.com/office/drawing/2014/main" id="{1CCA5E32-F314-468F-875A-42941A871C5D}"/>
               </a:ext>
             </a:extLst>
@@ -3730,7 +5281,7 @@
           <a:p>
             <a:fld id="{5A209D72-2E9D-49B0-8977-41DCCC66C0BB}" type="slidenum">
               <a:rPr lang="nl-BE" smtClean="0"/>
-              <a:t>10</a:t>
+              <a:t>11</a:t>
             </a:fld>
             <a:endParaRPr lang="nl-BE"/>
           </a:p>
@@ -3740,6 +5291,4051 @@
     <p:extLst>
       <p:ext uri="{BB962C8B-B14F-4D97-AF65-F5344CB8AC3E}">
         <p14:creationId xmlns:p14="http://schemas.microsoft.com/office/powerpoint/2010/main" val="1570732094"/>
+      </p:ext>
+    </p:extLst>
+  </p:cSld>
+  <p:clrMapOvr>
+    <a:masterClrMapping/>
+  </p:clrMapOvr>
+</p:sld>
+</file>
+
+<file path=ppt/slides/slide12.xml><?xml version="1.0" encoding="utf-8"?>
+<p:sld xmlns:a="http://schemas.openxmlformats.org/drawingml/2006/main" xmlns:r="http://schemas.openxmlformats.org/officeDocument/2006/relationships" xmlns:p="http://schemas.openxmlformats.org/presentationml/2006/main">
+  <p:cSld>
+    <p:spTree>
+      <p:nvGrpSpPr>
+        <p:cNvPr id="1" name=""/>
+        <p:cNvGrpSpPr/>
+        <p:nvPr/>
+      </p:nvGrpSpPr>
+      <p:grpSpPr>
+        <a:xfrm>
+          <a:off x="0" y="0"/>
+          <a:ext cx="0" cy="0"/>
+          <a:chOff x="0" y="0"/>
+          <a:chExt cx="0" cy="0"/>
+        </a:xfrm>
+      </p:grpSpPr>
+      <p:sp>
+        <p:nvSpPr>
+          <p:cNvPr id="2" name="Title 1">
+            <a:extLst>
+              <a:ext uri="{FF2B5EF4-FFF2-40B4-BE49-F238E27FC236}">
+                <a16:creationId xmlns:a16="http://schemas.microsoft.com/office/drawing/2014/main" id="{7FC9C77F-857D-D822-5622-4AD4E3DD9D27}"/>
+              </a:ext>
+            </a:extLst>
+          </p:cNvPr>
+          <p:cNvSpPr>
+            <a:spLocks noGrp="1"/>
+          </p:cNvSpPr>
+          <p:nvPr>
+            <p:ph type="title"/>
+          </p:nvPr>
+        </p:nvSpPr>
+        <p:spPr/>
+        <p:txBody>
+          <a:bodyPr/>
+          <a:lstStyle/>
+          <a:p>
+            <a:r>
+              <a:rPr lang="en-US" dirty="0"/>
+              <a:t>Building with </a:t>
+            </a:r>
+            <a:r>
+              <a:rPr lang="en-US" dirty="0" err="1"/>
+              <a:t>CMake</a:t>
+            </a:r>
+            <a:endParaRPr lang="LID4096" dirty="0"/>
+          </a:p>
+        </p:txBody>
+      </p:sp>
+      <p:sp>
+        <p:nvSpPr>
+          <p:cNvPr id="3" name="Text Placeholder 2">
+            <a:extLst>
+              <a:ext uri="{FF2B5EF4-FFF2-40B4-BE49-F238E27FC236}">
+                <a16:creationId xmlns:a16="http://schemas.microsoft.com/office/drawing/2014/main" id="{630A0957-E83A-0D6A-66FD-37AD637C6FA7}"/>
+              </a:ext>
+            </a:extLst>
+          </p:cNvPr>
+          <p:cNvSpPr>
+            <a:spLocks noGrp="1"/>
+          </p:cNvSpPr>
+          <p:nvPr>
+            <p:ph type="body" idx="1"/>
+          </p:nvPr>
+        </p:nvSpPr>
+        <p:spPr/>
+        <p:txBody>
+          <a:bodyPr/>
+          <a:lstStyle/>
+          <a:p>
+            <a:endParaRPr lang="LID4096"/>
+          </a:p>
+        </p:txBody>
+      </p:sp>
+      <p:sp>
+        <p:nvSpPr>
+          <p:cNvPr id="4" name="Slide Number Placeholder 3">
+            <a:extLst>
+              <a:ext uri="{FF2B5EF4-FFF2-40B4-BE49-F238E27FC236}">
+                <a16:creationId xmlns:a16="http://schemas.microsoft.com/office/drawing/2014/main" id="{47F742C5-EBF6-2744-C9C5-119479B126EF}"/>
+              </a:ext>
+            </a:extLst>
+          </p:cNvPr>
+          <p:cNvSpPr>
+            <a:spLocks noGrp="1"/>
+          </p:cNvSpPr>
+          <p:nvPr>
+            <p:ph type="sldNum" sz="quarter" idx="12"/>
+          </p:nvPr>
+        </p:nvSpPr>
+        <p:spPr/>
+        <p:txBody>
+          <a:bodyPr/>
+          <a:lstStyle/>
+          <a:p>
+            <a:fld id="{FDB1AA33-DFBB-49AC-8CEE-23FFECEB5648}" type="slidenum">
+              <a:rPr lang="LID4096" smtClean="0"/>
+              <a:t>12</a:t>
+            </a:fld>
+            <a:endParaRPr lang="LID4096"/>
+          </a:p>
+        </p:txBody>
+      </p:sp>
+    </p:spTree>
+    <p:extLst>
+      <p:ext uri="{BB962C8B-B14F-4D97-AF65-F5344CB8AC3E}">
+        <p14:creationId xmlns:p14="http://schemas.microsoft.com/office/powerpoint/2010/main" val="1199086963"/>
+      </p:ext>
+    </p:extLst>
+  </p:cSld>
+  <p:clrMapOvr>
+    <a:masterClrMapping/>
+  </p:clrMapOvr>
+</p:sld>
+</file>
+
+<file path=ppt/slides/slide13.xml><?xml version="1.0" encoding="utf-8"?>
+<p:sld xmlns:a="http://schemas.openxmlformats.org/drawingml/2006/main" xmlns:r="http://schemas.openxmlformats.org/officeDocument/2006/relationships" xmlns:p="http://schemas.openxmlformats.org/presentationml/2006/main">
+  <p:cSld>
+    <p:spTree>
+      <p:nvGrpSpPr>
+        <p:cNvPr id="1" name=""/>
+        <p:cNvGrpSpPr/>
+        <p:nvPr/>
+      </p:nvGrpSpPr>
+      <p:grpSpPr>
+        <a:xfrm>
+          <a:off x="0" y="0"/>
+          <a:ext cx="0" cy="0"/>
+          <a:chOff x="0" y="0"/>
+          <a:chExt cx="0" cy="0"/>
+        </a:xfrm>
+      </p:grpSpPr>
+      <p:sp>
+        <p:nvSpPr>
+          <p:cNvPr id="2" name="Title 1">
+            <a:extLst>
+              <a:ext uri="{FF2B5EF4-FFF2-40B4-BE49-F238E27FC236}">
+                <a16:creationId xmlns:a16="http://schemas.microsoft.com/office/drawing/2014/main" id="{D108A605-DA9E-9831-A130-E3E69C2920A6}"/>
+              </a:ext>
+            </a:extLst>
+          </p:cNvPr>
+          <p:cNvSpPr>
+            <a:spLocks noGrp="1"/>
+          </p:cNvSpPr>
+          <p:nvPr>
+            <p:ph type="title"/>
+          </p:nvPr>
+        </p:nvSpPr>
+        <p:spPr/>
+        <p:txBody>
+          <a:bodyPr/>
+          <a:lstStyle/>
+          <a:p>
+            <a:r>
+              <a:rPr lang="en-US" dirty="0"/>
+              <a:t>What is </a:t>
+            </a:r>
+            <a:r>
+              <a:rPr lang="en-US" dirty="0" err="1"/>
+              <a:t>Cmake</a:t>
+            </a:r>
+            <a:r>
+              <a:rPr lang="en-US" dirty="0"/>
+              <a:t>?</a:t>
+            </a:r>
+            <a:endParaRPr lang="LID4096" dirty="0"/>
+          </a:p>
+        </p:txBody>
+      </p:sp>
+      <p:sp>
+        <p:nvSpPr>
+          <p:cNvPr id="3" name="Content Placeholder 2">
+            <a:extLst>
+              <a:ext uri="{FF2B5EF4-FFF2-40B4-BE49-F238E27FC236}">
+                <a16:creationId xmlns:a16="http://schemas.microsoft.com/office/drawing/2014/main" id="{A08ACCE1-4AB2-D22D-52B2-2D69966505A8}"/>
+              </a:ext>
+            </a:extLst>
+          </p:cNvPr>
+          <p:cNvSpPr>
+            <a:spLocks noGrp="1"/>
+          </p:cNvSpPr>
+          <p:nvPr>
+            <p:ph idx="1"/>
+          </p:nvPr>
+        </p:nvSpPr>
+        <p:spPr/>
+        <p:txBody>
+          <a:bodyPr/>
+          <a:lstStyle/>
+          <a:p>
+            <a:r>
+              <a:rPr lang="en-US" dirty="0"/>
+              <a:t>Build system </a:t>
+            </a:r>
+            <a:r>
+              <a:rPr lang="en-US" i="1" dirty="0"/>
+              <a:t>generator</a:t>
+            </a:r>
+          </a:p>
+          <a:p>
+            <a:pPr lvl="1"/>
+            <a:r>
+              <a:rPr lang="en-US" dirty="0"/>
+              <a:t>Declarative</a:t>
+            </a:r>
+          </a:p>
+          <a:p>
+            <a:pPr lvl="1"/>
+            <a:r>
+              <a:rPr lang="en-US" dirty="0"/>
+              <a:t>Generates build files for, e.g., make, ninja,</a:t>
+            </a:r>
+            <a:r>
+              <a:rPr lang="en-US" dirty="0">
+                <a:sym typeface="Symbol" panose="05050102010706020507" pitchFamily="18" charset="2"/>
+              </a:rPr>
+              <a:t></a:t>
+            </a:r>
+          </a:p>
+          <a:p>
+            <a:r>
+              <a:rPr lang="en-US" dirty="0">
+                <a:sym typeface="Symbol" panose="05050102010706020507" pitchFamily="18" charset="2"/>
+              </a:rPr>
+              <a:t>Basic steps</a:t>
+            </a:r>
+          </a:p>
+          <a:p>
+            <a:pPr lvl="1"/>
+            <a:r>
+              <a:rPr lang="en-US" dirty="0">
+                <a:sym typeface="Symbol" panose="05050102010706020507" pitchFamily="18" charset="2"/>
+              </a:rPr>
+              <a:t>Write a </a:t>
+            </a:r>
+            <a:r>
+              <a:rPr lang="en-US" dirty="0">
+                <a:latin typeface="Courier New" panose="02070309020205020404" pitchFamily="49" charset="0"/>
+                <a:cs typeface="Courier New" panose="02070309020205020404" pitchFamily="49" charset="0"/>
+                <a:sym typeface="Symbol" panose="05050102010706020507" pitchFamily="18" charset="2"/>
+              </a:rPr>
+              <a:t>CMakeLists.txt</a:t>
+            </a:r>
+            <a:r>
+              <a:rPr lang="en-US" dirty="0">
+                <a:sym typeface="Symbol" panose="05050102010706020507" pitchFamily="18" charset="2"/>
+              </a:rPr>
+              <a:t> file</a:t>
+            </a:r>
+          </a:p>
+          <a:p>
+            <a:pPr lvl="1"/>
+            <a:r>
+              <a:rPr lang="en-US" dirty="0">
+                <a:sym typeface="Symbol" panose="05050102010706020507" pitchFamily="18" charset="2"/>
+              </a:rPr>
+              <a:t>Create build files</a:t>
+            </a:r>
+          </a:p>
+          <a:p>
+            <a:pPr lvl="1"/>
+            <a:endParaRPr lang="en-US" dirty="0">
+              <a:sym typeface="Symbol" panose="05050102010706020507" pitchFamily="18" charset="2"/>
+            </a:endParaRPr>
+          </a:p>
+          <a:p>
+            <a:pPr lvl="1"/>
+            <a:r>
+              <a:rPr lang="en-US" dirty="0">
+                <a:sym typeface="Symbol" panose="05050102010706020507" pitchFamily="18" charset="2"/>
+              </a:rPr>
+              <a:t>Build the project</a:t>
+            </a:r>
+          </a:p>
+          <a:p>
+            <a:pPr lvl="1"/>
+            <a:endParaRPr lang="en-US" dirty="0">
+              <a:sym typeface="Symbol" panose="05050102010706020507" pitchFamily="18" charset="2"/>
+            </a:endParaRPr>
+          </a:p>
+          <a:p>
+            <a:pPr lvl="1"/>
+            <a:r>
+              <a:rPr lang="en-US" dirty="0">
+                <a:sym typeface="Symbol" panose="05050102010706020507" pitchFamily="18" charset="2"/>
+              </a:rPr>
+              <a:t>Install the project</a:t>
+            </a:r>
+          </a:p>
+          <a:p>
+            <a:pPr lvl="1"/>
+            <a:endParaRPr lang="LID4096" dirty="0"/>
+          </a:p>
+        </p:txBody>
+      </p:sp>
+      <p:sp>
+        <p:nvSpPr>
+          <p:cNvPr id="4" name="TextBox 3">
+            <a:extLst>
+              <a:ext uri="{FF2B5EF4-FFF2-40B4-BE49-F238E27FC236}">
+                <a16:creationId xmlns:a16="http://schemas.microsoft.com/office/drawing/2014/main" id="{40C6BCEC-8B92-4D3B-A876-A8C53EC05F04}"/>
+              </a:ext>
+            </a:extLst>
+          </p:cNvPr>
+          <p:cNvSpPr txBox="1"/>
+          <p:nvPr/>
+        </p:nvSpPr>
+        <p:spPr>
+          <a:xfrm>
+            <a:off x="2071869" y="4345984"/>
+            <a:ext cx="4024129" cy="369332"/>
+          </a:xfrm>
+          <a:prstGeom prst="rect">
+            <a:avLst/>
+          </a:prstGeom>
+          <a:solidFill>
+            <a:schemeClr val="tx1"/>
+          </a:solidFill>
+          <a:ln>
+            <a:solidFill>
+              <a:schemeClr val="tx1"/>
+            </a:solidFill>
+          </a:ln>
+        </p:spPr>
+        <p:txBody>
+          <a:bodyPr wrap="square" rtlCol="0">
+            <a:spAutoFit/>
+          </a:bodyPr>
+          <a:lstStyle/>
+          <a:p>
+            <a:r>
+              <a:rPr lang="en-US" b="1" dirty="0">
+                <a:solidFill>
+                  <a:schemeClr val="bg1"/>
+                </a:solidFill>
+                <a:latin typeface="Courier New" pitchFamily="49" charset="0"/>
+                <a:cs typeface="Courier New" pitchFamily="49" charset="0"/>
+              </a:rPr>
+              <a:t>$  </a:t>
+            </a:r>
+            <a:r>
+              <a:rPr lang="en-US" b="1" dirty="0" err="1">
+                <a:solidFill>
+                  <a:schemeClr val="bg1"/>
+                </a:solidFill>
+                <a:latin typeface="Courier New" pitchFamily="49" charset="0"/>
+                <a:cs typeface="Courier New" pitchFamily="49" charset="0"/>
+              </a:rPr>
+              <a:t>cmake</a:t>
+            </a:r>
+            <a:r>
+              <a:rPr lang="en-US" b="1" dirty="0">
+                <a:solidFill>
+                  <a:schemeClr val="bg1"/>
+                </a:solidFill>
+                <a:latin typeface="Courier New" pitchFamily="49" charset="0"/>
+                <a:cs typeface="Courier New" pitchFamily="49" charset="0"/>
+              </a:rPr>
+              <a:t>  -B build/  -S .</a:t>
+            </a:r>
+            <a:endParaRPr lang="nl-BE" b="1" dirty="0">
+              <a:solidFill>
+                <a:schemeClr val="bg1"/>
+              </a:solidFill>
+              <a:latin typeface="Courier New" pitchFamily="49" charset="0"/>
+              <a:cs typeface="Courier New" pitchFamily="49" charset="0"/>
+            </a:endParaRPr>
+          </a:p>
+        </p:txBody>
+      </p:sp>
+      <p:sp>
+        <p:nvSpPr>
+          <p:cNvPr id="5" name="TextBox 4">
+            <a:extLst>
+              <a:ext uri="{FF2B5EF4-FFF2-40B4-BE49-F238E27FC236}">
+                <a16:creationId xmlns:a16="http://schemas.microsoft.com/office/drawing/2014/main" id="{B82433F6-C255-0ABE-EDFA-9F1681B547BA}"/>
+              </a:ext>
+            </a:extLst>
+          </p:cNvPr>
+          <p:cNvSpPr txBox="1"/>
+          <p:nvPr/>
+        </p:nvSpPr>
+        <p:spPr>
+          <a:xfrm>
+            <a:off x="2071870" y="5191382"/>
+            <a:ext cx="4024130" cy="369332"/>
+          </a:xfrm>
+          <a:prstGeom prst="rect">
+            <a:avLst/>
+          </a:prstGeom>
+          <a:solidFill>
+            <a:schemeClr val="tx1"/>
+          </a:solidFill>
+          <a:ln>
+            <a:solidFill>
+              <a:schemeClr val="tx1"/>
+            </a:solidFill>
+          </a:ln>
+        </p:spPr>
+        <p:txBody>
+          <a:bodyPr wrap="square" rtlCol="0">
+            <a:spAutoFit/>
+          </a:bodyPr>
+          <a:lstStyle/>
+          <a:p>
+            <a:r>
+              <a:rPr lang="en-US" b="1" dirty="0">
+                <a:solidFill>
+                  <a:schemeClr val="bg1"/>
+                </a:solidFill>
+                <a:latin typeface="Courier New" pitchFamily="49" charset="0"/>
+                <a:cs typeface="Courier New" pitchFamily="49" charset="0"/>
+              </a:rPr>
+              <a:t>$  </a:t>
+            </a:r>
+            <a:r>
+              <a:rPr lang="en-US" b="1" dirty="0" err="1">
+                <a:solidFill>
+                  <a:schemeClr val="bg1"/>
+                </a:solidFill>
+                <a:latin typeface="Courier New" pitchFamily="49" charset="0"/>
+                <a:cs typeface="Courier New" pitchFamily="49" charset="0"/>
+              </a:rPr>
+              <a:t>cmake</a:t>
+            </a:r>
+            <a:r>
+              <a:rPr lang="en-US" b="1" dirty="0">
+                <a:solidFill>
+                  <a:schemeClr val="bg1"/>
+                </a:solidFill>
+                <a:latin typeface="Courier New" pitchFamily="49" charset="0"/>
+                <a:cs typeface="Courier New" pitchFamily="49" charset="0"/>
+              </a:rPr>
+              <a:t>  --build build/</a:t>
+            </a:r>
+            <a:endParaRPr lang="nl-BE" b="1" dirty="0">
+              <a:solidFill>
+                <a:schemeClr val="bg1"/>
+              </a:solidFill>
+              <a:latin typeface="Courier New" pitchFamily="49" charset="0"/>
+              <a:cs typeface="Courier New" pitchFamily="49" charset="0"/>
+            </a:endParaRPr>
+          </a:p>
+        </p:txBody>
+      </p:sp>
+      <p:sp>
+        <p:nvSpPr>
+          <p:cNvPr id="6" name="TextBox 5">
+            <a:extLst>
+              <a:ext uri="{FF2B5EF4-FFF2-40B4-BE49-F238E27FC236}">
+                <a16:creationId xmlns:a16="http://schemas.microsoft.com/office/drawing/2014/main" id="{23C0BC2F-2AA0-1271-89BE-B8FFC780904A}"/>
+              </a:ext>
+            </a:extLst>
+          </p:cNvPr>
+          <p:cNvSpPr txBox="1"/>
+          <p:nvPr/>
+        </p:nvSpPr>
+        <p:spPr>
+          <a:xfrm>
+            <a:off x="2071870" y="5931088"/>
+            <a:ext cx="4024130" cy="369332"/>
+          </a:xfrm>
+          <a:prstGeom prst="rect">
+            <a:avLst/>
+          </a:prstGeom>
+          <a:solidFill>
+            <a:schemeClr val="tx1"/>
+          </a:solidFill>
+          <a:ln>
+            <a:solidFill>
+              <a:schemeClr val="tx1"/>
+            </a:solidFill>
+          </a:ln>
+        </p:spPr>
+        <p:txBody>
+          <a:bodyPr wrap="square" rtlCol="0">
+            <a:spAutoFit/>
+          </a:bodyPr>
+          <a:lstStyle/>
+          <a:p>
+            <a:r>
+              <a:rPr lang="en-US" b="1" dirty="0">
+                <a:solidFill>
+                  <a:schemeClr val="bg1"/>
+                </a:solidFill>
+                <a:latin typeface="Courier New" pitchFamily="49" charset="0"/>
+                <a:cs typeface="Courier New" pitchFamily="49" charset="0"/>
+              </a:rPr>
+              <a:t>$  </a:t>
+            </a:r>
+            <a:r>
+              <a:rPr lang="en-US" b="1" dirty="0" err="1">
+                <a:solidFill>
+                  <a:schemeClr val="bg1"/>
+                </a:solidFill>
+                <a:latin typeface="Courier New" pitchFamily="49" charset="0"/>
+                <a:cs typeface="Courier New" pitchFamily="49" charset="0"/>
+              </a:rPr>
+              <a:t>cmake</a:t>
+            </a:r>
+            <a:r>
+              <a:rPr lang="en-US" b="1" dirty="0">
+                <a:solidFill>
+                  <a:schemeClr val="bg1"/>
+                </a:solidFill>
+                <a:latin typeface="Courier New" pitchFamily="49" charset="0"/>
+                <a:cs typeface="Courier New" pitchFamily="49" charset="0"/>
+              </a:rPr>
+              <a:t>  --install build/</a:t>
+            </a:r>
+            <a:endParaRPr lang="nl-BE" b="1" dirty="0">
+              <a:solidFill>
+                <a:schemeClr val="bg1"/>
+              </a:solidFill>
+              <a:latin typeface="Courier New" pitchFamily="49" charset="0"/>
+              <a:cs typeface="Courier New" pitchFamily="49" charset="0"/>
+            </a:endParaRPr>
+          </a:p>
+        </p:txBody>
+      </p:sp>
+      <p:sp>
+        <p:nvSpPr>
+          <p:cNvPr id="7" name="Slide Number Placeholder 6">
+            <a:extLst>
+              <a:ext uri="{FF2B5EF4-FFF2-40B4-BE49-F238E27FC236}">
+                <a16:creationId xmlns:a16="http://schemas.microsoft.com/office/drawing/2014/main" id="{E42EE87C-596F-33CB-2255-168736227341}"/>
+              </a:ext>
+            </a:extLst>
+          </p:cNvPr>
+          <p:cNvSpPr>
+            <a:spLocks noGrp="1"/>
+          </p:cNvSpPr>
+          <p:nvPr>
+            <p:ph type="sldNum" sz="quarter" idx="12"/>
+          </p:nvPr>
+        </p:nvSpPr>
+        <p:spPr/>
+        <p:txBody>
+          <a:bodyPr/>
+          <a:lstStyle/>
+          <a:p>
+            <a:fld id="{FDB1AA33-DFBB-49AC-8CEE-23FFECEB5648}" type="slidenum">
+              <a:rPr lang="LID4096" smtClean="0"/>
+              <a:t>13</a:t>
+            </a:fld>
+            <a:endParaRPr lang="LID4096"/>
+          </a:p>
+        </p:txBody>
+      </p:sp>
+    </p:spTree>
+    <p:extLst>
+      <p:ext uri="{BB962C8B-B14F-4D97-AF65-F5344CB8AC3E}">
+        <p14:creationId xmlns:p14="http://schemas.microsoft.com/office/powerpoint/2010/main" val="3221427420"/>
+      </p:ext>
+    </p:extLst>
+  </p:cSld>
+  <p:clrMapOvr>
+    <a:masterClrMapping/>
+  </p:clrMapOvr>
+  <p:timing>
+    <p:tnLst>
+      <p:par>
+        <p:cTn id="1" dur="indefinite" restart="never" nodeType="tmRoot">
+          <p:childTnLst>
+            <p:seq concurrent="1" nextAc="seek">
+              <p:cTn id="2" dur="indefinite" nodeType="mainSeq">
+                <p:childTnLst>
+                  <p:par>
+                    <p:cTn id="3" fill="hold">
+                      <p:stCondLst>
+                        <p:cond delay="indefinite"/>
+                        <p:cond evt="onBegin" delay="0">
+                          <p:tn val="2"/>
+                        </p:cond>
+                      </p:stCondLst>
+                      <p:childTnLst>
+                        <p:par>
+                          <p:cTn id="4" fill="hold">
+                            <p:stCondLst>
+                              <p:cond delay="0"/>
+                            </p:stCondLst>
+                            <p:childTnLst>
+                              <p:par>
+                                <p:cTn id="5" presetID="1" presetClass="entr" presetSubtype="0" fill="hold" grpId="0" nodeType="withEffect">
+                                  <p:stCondLst>
+                                    <p:cond delay="0"/>
+                                  </p:stCondLst>
+                                  <p:childTnLst>
+                                    <p:set>
+                                      <p:cBhvr>
+                                        <p:cTn id="6" dur="1" fill="hold">
+                                          <p:stCondLst>
+                                            <p:cond delay="0"/>
+                                          </p:stCondLst>
+                                        </p:cTn>
+                                        <p:tgtEl>
+                                          <p:spTgt spid="3">
+                                            <p:txEl>
+                                              <p:pRg st="0" end="0"/>
+                                            </p:txEl>
+                                          </p:spTgt>
+                                        </p:tgtEl>
+                                        <p:attrNameLst>
+                                          <p:attrName>style.visibility</p:attrName>
+                                        </p:attrNameLst>
+                                      </p:cBhvr>
+                                      <p:to>
+                                        <p:strVal val="visible"/>
+                                      </p:to>
+                                    </p:set>
+                                  </p:childTnLst>
+                                </p:cTn>
+                              </p:par>
+                            </p:childTnLst>
+                          </p:cTn>
+                        </p:par>
+                      </p:childTnLst>
+                    </p:cTn>
+                  </p:par>
+                  <p:par>
+                    <p:cTn id="7" fill="hold">
+                      <p:stCondLst>
+                        <p:cond delay="indefinite"/>
+                      </p:stCondLst>
+                      <p:childTnLst>
+                        <p:par>
+                          <p:cTn id="8" fill="hold">
+                            <p:stCondLst>
+                              <p:cond delay="0"/>
+                            </p:stCondLst>
+                            <p:childTnLst>
+                              <p:par>
+                                <p:cTn id="9" presetID="1" presetClass="entr" presetSubtype="0" fill="hold" grpId="0" nodeType="clickEffect">
+                                  <p:stCondLst>
+                                    <p:cond delay="0"/>
+                                  </p:stCondLst>
+                                  <p:childTnLst>
+                                    <p:set>
+                                      <p:cBhvr>
+                                        <p:cTn id="10" dur="1" fill="hold">
+                                          <p:stCondLst>
+                                            <p:cond delay="0"/>
+                                          </p:stCondLst>
+                                        </p:cTn>
+                                        <p:tgtEl>
+                                          <p:spTgt spid="3">
+                                            <p:txEl>
+                                              <p:pRg st="1" end="1"/>
+                                            </p:txEl>
+                                          </p:spTgt>
+                                        </p:tgtEl>
+                                        <p:attrNameLst>
+                                          <p:attrName>style.visibility</p:attrName>
+                                        </p:attrNameLst>
+                                      </p:cBhvr>
+                                      <p:to>
+                                        <p:strVal val="visible"/>
+                                      </p:to>
+                                    </p:set>
+                                  </p:childTnLst>
+                                </p:cTn>
+                              </p:par>
+                            </p:childTnLst>
+                          </p:cTn>
+                        </p:par>
+                      </p:childTnLst>
+                    </p:cTn>
+                  </p:par>
+                  <p:par>
+                    <p:cTn id="11" fill="hold">
+                      <p:stCondLst>
+                        <p:cond delay="indefinite"/>
+                      </p:stCondLst>
+                      <p:childTnLst>
+                        <p:par>
+                          <p:cTn id="12" fill="hold">
+                            <p:stCondLst>
+                              <p:cond delay="0"/>
+                            </p:stCondLst>
+                            <p:childTnLst>
+                              <p:par>
+                                <p:cTn id="13" presetID="1" presetClass="entr" presetSubtype="0" fill="hold" grpId="0" nodeType="clickEffect">
+                                  <p:stCondLst>
+                                    <p:cond delay="0"/>
+                                  </p:stCondLst>
+                                  <p:childTnLst>
+                                    <p:set>
+                                      <p:cBhvr>
+                                        <p:cTn id="14" dur="1" fill="hold">
+                                          <p:stCondLst>
+                                            <p:cond delay="0"/>
+                                          </p:stCondLst>
+                                        </p:cTn>
+                                        <p:tgtEl>
+                                          <p:spTgt spid="3">
+                                            <p:txEl>
+                                              <p:pRg st="2" end="2"/>
+                                            </p:txEl>
+                                          </p:spTgt>
+                                        </p:tgtEl>
+                                        <p:attrNameLst>
+                                          <p:attrName>style.visibility</p:attrName>
+                                        </p:attrNameLst>
+                                      </p:cBhvr>
+                                      <p:to>
+                                        <p:strVal val="visible"/>
+                                      </p:to>
+                                    </p:set>
+                                  </p:childTnLst>
+                                </p:cTn>
+                              </p:par>
+                            </p:childTnLst>
+                          </p:cTn>
+                        </p:par>
+                      </p:childTnLst>
+                    </p:cTn>
+                  </p:par>
+                  <p:par>
+                    <p:cTn id="15" fill="hold">
+                      <p:stCondLst>
+                        <p:cond delay="indefinite"/>
+                      </p:stCondLst>
+                      <p:childTnLst>
+                        <p:par>
+                          <p:cTn id="16" fill="hold">
+                            <p:stCondLst>
+                              <p:cond delay="0"/>
+                            </p:stCondLst>
+                            <p:childTnLst>
+                              <p:par>
+                                <p:cTn id="17" presetID="1" presetClass="entr" presetSubtype="0" fill="hold" grpId="0" nodeType="clickEffect">
+                                  <p:stCondLst>
+                                    <p:cond delay="0"/>
+                                  </p:stCondLst>
+                                  <p:childTnLst>
+                                    <p:set>
+                                      <p:cBhvr>
+                                        <p:cTn id="18" dur="1" fill="hold">
+                                          <p:stCondLst>
+                                            <p:cond delay="0"/>
+                                          </p:stCondLst>
+                                        </p:cTn>
+                                        <p:tgtEl>
+                                          <p:spTgt spid="3">
+                                            <p:txEl>
+                                              <p:pRg st="3" end="3"/>
+                                            </p:txEl>
+                                          </p:spTgt>
+                                        </p:tgtEl>
+                                        <p:attrNameLst>
+                                          <p:attrName>style.visibility</p:attrName>
+                                        </p:attrNameLst>
+                                      </p:cBhvr>
+                                      <p:to>
+                                        <p:strVal val="visible"/>
+                                      </p:to>
+                                    </p:set>
+                                  </p:childTnLst>
+                                </p:cTn>
+                              </p:par>
+                              <p:par>
+                                <p:cTn id="19" presetID="1" presetClass="entr" presetSubtype="0" fill="hold" grpId="0" nodeType="withEffect">
+                                  <p:stCondLst>
+                                    <p:cond delay="0"/>
+                                  </p:stCondLst>
+                                  <p:childTnLst>
+                                    <p:set>
+                                      <p:cBhvr>
+                                        <p:cTn id="20" dur="1" fill="hold">
+                                          <p:stCondLst>
+                                            <p:cond delay="0"/>
+                                          </p:stCondLst>
+                                        </p:cTn>
+                                        <p:tgtEl>
+                                          <p:spTgt spid="3">
+                                            <p:txEl>
+                                              <p:pRg st="4" end="4"/>
+                                            </p:txEl>
+                                          </p:spTgt>
+                                        </p:tgtEl>
+                                        <p:attrNameLst>
+                                          <p:attrName>style.visibility</p:attrName>
+                                        </p:attrNameLst>
+                                      </p:cBhvr>
+                                      <p:to>
+                                        <p:strVal val="visible"/>
+                                      </p:to>
+                                    </p:set>
+                                  </p:childTnLst>
+                                </p:cTn>
+                              </p:par>
+                            </p:childTnLst>
+                          </p:cTn>
+                        </p:par>
+                      </p:childTnLst>
+                    </p:cTn>
+                  </p:par>
+                  <p:par>
+                    <p:cTn id="21" fill="hold">
+                      <p:stCondLst>
+                        <p:cond delay="indefinite"/>
+                      </p:stCondLst>
+                      <p:childTnLst>
+                        <p:par>
+                          <p:cTn id="22" fill="hold">
+                            <p:stCondLst>
+                              <p:cond delay="0"/>
+                            </p:stCondLst>
+                            <p:childTnLst>
+                              <p:par>
+                                <p:cTn id="23" presetID="1" presetClass="entr" presetSubtype="0" fill="hold" grpId="0" nodeType="clickEffect">
+                                  <p:stCondLst>
+                                    <p:cond delay="0"/>
+                                  </p:stCondLst>
+                                  <p:childTnLst>
+                                    <p:set>
+                                      <p:cBhvr>
+                                        <p:cTn id="24" dur="1" fill="hold">
+                                          <p:stCondLst>
+                                            <p:cond delay="0"/>
+                                          </p:stCondLst>
+                                        </p:cTn>
+                                        <p:tgtEl>
+                                          <p:spTgt spid="3">
+                                            <p:txEl>
+                                              <p:pRg st="5" end="5"/>
+                                            </p:txEl>
+                                          </p:spTgt>
+                                        </p:tgtEl>
+                                        <p:attrNameLst>
+                                          <p:attrName>style.visibility</p:attrName>
+                                        </p:attrNameLst>
+                                      </p:cBhvr>
+                                      <p:to>
+                                        <p:strVal val="visible"/>
+                                      </p:to>
+                                    </p:set>
+                                  </p:childTnLst>
+                                </p:cTn>
+                              </p:par>
+                              <p:par>
+                                <p:cTn id="25" presetID="1" presetClass="entr" presetSubtype="0" fill="hold" grpId="0" nodeType="withEffect">
+                                  <p:stCondLst>
+                                    <p:cond delay="0"/>
+                                  </p:stCondLst>
+                                  <p:childTnLst>
+                                    <p:set>
+                                      <p:cBhvr>
+                                        <p:cTn id="26" dur="1" fill="hold">
+                                          <p:stCondLst>
+                                            <p:cond delay="0"/>
+                                          </p:stCondLst>
+                                        </p:cTn>
+                                        <p:tgtEl>
+                                          <p:spTgt spid="4"/>
+                                        </p:tgtEl>
+                                        <p:attrNameLst>
+                                          <p:attrName>style.visibility</p:attrName>
+                                        </p:attrNameLst>
+                                      </p:cBhvr>
+                                      <p:to>
+                                        <p:strVal val="visible"/>
+                                      </p:to>
+                                    </p:set>
+                                  </p:childTnLst>
+                                </p:cTn>
+                              </p:par>
+                            </p:childTnLst>
+                          </p:cTn>
+                        </p:par>
+                      </p:childTnLst>
+                    </p:cTn>
+                  </p:par>
+                  <p:par>
+                    <p:cTn id="27" fill="hold">
+                      <p:stCondLst>
+                        <p:cond delay="indefinite"/>
+                      </p:stCondLst>
+                      <p:childTnLst>
+                        <p:par>
+                          <p:cTn id="28" fill="hold">
+                            <p:stCondLst>
+                              <p:cond delay="0"/>
+                            </p:stCondLst>
+                            <p:childTnLst>
+                              <p:par>
+                                <p:cTn id="29" presetID="1" presetClass="entr" presetSubtype="0" fill="hold" grpId="0" nodeType="clickEffect">
+                                  <p:stCondLst>
+                                    <p:cond delay="0"/>
+                                  </p:stCondLst>
+                                  <p:childTnLst>
+                                    <p:set>
+                                      <p:cBhvr>
+                                        <p:cTn id="30" dur="1" fill="hold">
+                                          <p:stCondLst>
+                                            <p:cond delay="0"/>
+                                          </p:stCondLst>
+                                        </p:cTn>
+                                        <p:tgtEl>
+                                          <p:spTgt spid="3">
+                                            <p:txEl>
+                                              <p:pRg st="7" end="7"/>
+                                            </p:txEl>
+                                          </p:spTgt>
+                                        </p:tgtEl>
+                                        <p:attrNameLst>
+                                          <p:attrName>style.visibility</p:attrName>
+                                        </p:attrNameLst>
+                                      </p:cBhvr>
+                                      <p:to>
+                                        <p:strVal val="visible"/>
+                                      </p:to>
+                                    </p:set>
+                                  </p:childTnLst>
+                                </p:cTn>
+                              </p:par>
+                              <p:par>
+                                <p:cTn id="31" presetID="1" presetClass="entr" presetSubtype="0" fill="hold" grpId="0" nodeType="withEffect">
+                                  <p:stCondLst>
+                                    <p:cond delay="0"/>
+                                  </p:stCondLst>
+                                  <p:childTnLst>
+                                    <p:set>
+                                      <p:cBhvr>
+                                        <p:cTn id="32" dur="1" fill="hold">
+                                          <p:stCondLst>
+                                            <p:cond delay="0"/>
+                                          </p:stCondLst>
+                                        </p:cTn>
+                                        <p:tgtEl>
+                                          <p:spTgt spid="5"/>
+                                        </p:tgtEl>
+                                        <p:attrNameLst>
+                                          <p:attrName>style.visibility</p:attrName>
+                                        </p:attrNameLst>
+                                      </p:cBhvr>
+                                      <p:to>
+                                        <p:strVal val="visible"/>
+                                      </p:to>
+                                    </p:set>
+                                  </p:childTnLst>
+                                </p:cTn>
+                              </p:par>
+                            </p:childTnLst>
+                          </p:cTn>
+                        </p:par>
+                      </p:childTnLst>
+                    </p:cTn>
+                  </p:par>
+                  <p:par>
+                    <p:cTn id="33" fill="hold">
+                      <p:stCondLst>
+                        <p:cond delay="indefinite"/>
+                      </p:stCondLst>
+                      <p:childTnLst>
+                        <p:par>
+                          <p:cTn id="34" fill="hold">
+                            <p:stCondLst>
+                              <p:cond delay="0"/>
+                            </p:stCondLst>
+                            <p:childTnLst>
+                              <p:par>
+                                <p:cTn id="35" presetID="1" presetClass="entr" presetSubtype="0" fill="hold" grpId="0" nodeType="clickEffect">
+                                  <p:stCondLst>
+                                    <p:cond delay="0"/>
+                                  </p:stCondLst>
+                                  <p:childTnLst>
+                                    <p:set>
+                                      <p:cBhvr>
+                                        <p:cTn id="36" dur="1" fill="hold">
+                                          <p:stCondLst>
+                                            <p:cond delay="0"/>
+                                          </p:stCondLst>
+                                        </p:cTn>
+                                        <p:tgtEl>
+                                          <p:spTgt spid="3">
+                                            <p:txEl>
+                                              <p:pRg st="9" end="9"/>
+                                            </p:txEl>
+                                          </p:spTgt>
+                                        </p:tgtEl>
+                                        <p:attrNameLst>
+                                          <p:attrName>style.visibility</p:attrName>
+                                        </p:attrNameLst>
+                                      </p:cBhvr>
+                                      <p:to>
+                                        <p:strVal val="visible"/>
+                                      </p:to>
+                                    </p:set>
+                                  </p:childTnLst>
+                                </p:cTn>
+                              </p:par>
+                              <p:par>
+                                <p:cTn id="37" presetID="1" presetClass="entr" presetSubtype="0" fill="hold" grpId="0" nodeType="withEffect">
+                                  <p:stCondLst>
+                                    <p:cond delay="0"/>
+                                  </p:stCondLst>
+                                  <p:childTnLst>
+                                    <p:set>
+                                      <p:cBhvr>
+                                        <p:cTn id="38" dur="1" fill="hold">
+                                          <p:stCondLst>
+                                            <p:cond delay="0"/>
+                                          </p:stCondLst>
+                                        </p:cTn>
+                                        <p:tgtEl>
+                                          <p:spTgt spid="6"/>
+                                        </p:tgtEl>
+                                        <p:attrNameLst>
+                                          <p:attrName>style.visibility</p:attrName>
+                                        </p:attrNameLst>
+                                      </p:cBhvr>
+                                      <p:to>
+                                        <p:strVal val="visible"/>
+                                      </p:to>
+                                    </p:set>
+                                  </p:childTnLst>
+                                </p:cTn>
+                              </p:par>
+                            </p:childTnLst>
+                          </p:cTn>
+                        </p:par>
+                      </p:childTnLst>
+                    </p:cTn>
+                  </p:par>
+                </p:childTnLst>
+              </p:cTn>
+              <p:prevCondLst>
+                <p:cond evt="onPrev" delay="0">
+                  <p:tgtEl>
+                    <p:sldTgt/>
+                  </p:tgtEl>
+                </p:cond>
+              </p:prevCondLst>
+              <p:nextCondLst>
+                <p:cond evt="onNext" delay="0">
+                  <p:tgtEl>
+                    <p:sldTgt/>
+                  </p:tgtEl>
+                </p:cond>
+              </p:nextCondLst>
+            </p:seq>
+          </p:childTnLst>
+        </p:cTn>
+      </p:par>
+    </p:tnLst>
+    <p:bldLst>
+      <p:bldP spid="3" grpId="0" uiExpand="1" build="p"/>
+      <p:bldP spid="4" grpId="0" animBg="1"/>
+      <p:bldP spid="5" grpId="0" animBg="1"/>
+      <p:bldP spid="6" grpId="0" animBg="1"/>
+    </p:bldLst>
+  </p:timing>
+</p:sld>
+</file>
+
+<file path=ppt/slides/slide14.xml><?xml version="1.0" encoding="utf-8"?>
+<p:sld xmlns:a="http://schemas.openxmlformats.org/drawingml/2006/main" xmlns:r="http://schemas.openxmlformats.org/officeDocument/2006/relationships" xmlns:p="http://schemas.openxmlformats.org/presentationml/2006/main">
+  <p:cSld>
+    <p:spTree>
+      <p:nvGrpSpPr>
+        <p:cNvPr id="1" name=""/>
+        <p:cNvGrpSpPr/>
+        <p:nvPr/>
+      </p:nvGrpSpPr>
+      <p:grpSpPr>
+        <a:xfrm>
+          <a:off x="0" y="0"/>
+          <a:ext cx="0" cy="0"/>
+          <a:chOff x="0" y="0"/>
+          <a:chExt cx="0" cy="0"/>
+        </a:xfrm>
+      </p:grpSpPr>
+      <p:sp>
+        <p:nvSpPr>
+          <p:cNvPr id="2" name="Title 1">
+            <a:extLst>
+              <a:ext uri="{FF2B5EF4-FFF2-40B4-BE49-F238E27FC236}">
+                <a16:creationId xmlns:a16="http://schemas.microsoft.com/office/drawing/2014/main" id="{47AA1CE2-B784-4767-1D3B-8E38D635AAA2}"/>
+              </a:ext>
+            </a:extLst>
+          </p:cNvPr>
+          <p:cNvSpPr>
+            <a:spLocks noGrp="1"/>
+          </p:cNvSpPr>
+          <p:nvPr>
+            <p:ph type="title"/>
+          </p:nvPr>
+        </p:nvSpPr>
+        <p:spPr/>
+        <p:txBody>
+          <a:bodyPr/>
+          <a:lstStyle/>
+          <a:p>
+            <a:r>
+              <a:rPr lang="en-US" dirty="0"/>
+              <a:t>Basic </a:t>
+            </a:r>
+            <a:r>
+              <a:rPr lang="en-US" dirty="0">
+                <a:latin typeface="Courier New" panose="02070309020205020404" pitchFamily="49" charset="0"/>
+                <a:cs typeface="Courier New" panose="02070309020205020404" pitchFamily="49" charset="0"/>
+              </a:rPr>
+              <a:t>CMakeLists.txt</a:t>
+            </a:r>
+            <a:r>
+              <a:rPr lang="en-US" dirty="0"/>
+              <a:t> file</a:t>
+            </a:r>
+            <a:endParaRPr lang="LID4096" dirty="0"/>
+          </a:p>
+        </p:txBody>
+      </p:sp>
+      <p:sp>
+        <p:nvSpPr>
+          <p:cNvPr id="4" name="Slide Number Placeholder 3">
+            <a:extLst>
+              <a:ext uri="{FF2B5EF4-FFF2-40B4-BE49-F238E27FC236}">
+                <a16:creationId xmlns:a16="http://schemas.microsoft.com/office/drawing/2014/main" id="{DE14F210-8614-9BAA-8F26-2B002129963C}"/>
+              </a:ext>
+            </a:extLst>
+          </p:cNvPr>
+          <p:cNvSpPr>
+            <a:spLocks noGrp="1"/>
+          </p:cNvSpPr>
+          <p:nvPr>
+            <p:ph type="sldNum" sz="quarter" idx="12"/>
+          </p:nvPr>
+        </p:nvSpPr>
+        <p:spPr/>
+        <p:txBody>
+          <a:bodyPr/>
+          <a:lstStyle/>
+          <a:p>
+            <a:fld id="{FDB1AA33-DFBB-49AC-8CEE-23FFECEB5648}" type="slidenum">
+              <a:rPr lang="LID4096" smtClean="0"/>
+              <a:t>14</a:t>
+            </a:fld>
+            <a:endParaRPr lang="LID4096"/>
+          </a:p>
+        </p:txBody>
+      </p:sp>
+      <p:sp>
+        <p:nvSpPr>
+          <p:cNvPr id="5" name="TextBox 4">
+            <a:extLst>
+              <a:ext uri="{FF2B5EF4-FFF2-40B4-BE49-F238E27FC236}">
+                <a16:creationId xmlns:a16="http://schemas.microsoft.com/office/drawing/2014/main" id="{A85251F6-FA02-48EC-C0D9-52CD50D3C336}"/>
+              </a:ext>
+            </a:extLst>
+          </p:cNvPr>
+          <p:cNvSpPr txBox="1"/>
+          <p:nvPr/>
+        </p:nvSpPr>
+        <p:spPr>
+          <a:xfrm>
+            <a:off x="961527" y="2261499"/>
+            <a:ext cx="5972673" cy="2585323"/>
+          </a:xfrm>
+          <a:prstGeom prst="rect">
+            <a:avLst/>
+          </a:prstGeom>
+          <a:solidFill>
+            <a:schemeClr val="accent6">
+              <a:lumMod val="20000"/>
+              <a:lumOff val="80000"/>
+            </a:schemeClr>
+          </a:solidFill>
+        </p:spPr>
+        <p:txBody>
+          <a:bodyPr wrap="square" rtlCol="0">
+            <a:spAutoFit/>
+          </a:bodyPr>
+          <a:lstStyle/>
+          <a:p>
+            <a:pPr lvl="0">
+              <a:defRPr/>
+            </a:pPr>
+            <a:r>
+              <a:rPr lang="en-US" dirty="0" err="1">
+                <a:solidFill>
+                  <a:prstClr val="black"/>
+                </a:solidFill>
+                <a:latin typeface="Courier New" pitchFamily="49" charset="0"/>
+                <a:cs typeface="Courier New" pitchFamily="49" charset="0"/>
+              </a:rPr>
+              <a:t>cmake_minimum_required</a:t>
+            </a:r>
+            <a:r>
+              <a:rPr lang="en-US" dirty="0">
+                <a:solidFill>
+                  <a:prstClr val="black"/>
+                </a:solidFill>
+                <a:latin typeface="Courier New" pitchFamily="49" charset="0"/>
+                <a:cs typeface="Courier New" pitchFamily="49" charset="0"/>
+              </a:rPr>
+              <a:t>(VERSION 3.20)</a:t>
+            </a:r>
+          </a:p>
+          <a:p>
+            <a:pPr lvl="0">
+              <a:defRPr/>
+            </a:pPr>
+            <a:endParaRPr lang="en-US" dirty="0">
+              <a:solidFill>
+                <a:prstClr val="black"/>
+              </a:solidFill>
+              <a:latin typeface="Courier New" pitchFamily="49" charset="0"/>
+              <a:cs typeface="Courier New" pitchFamily="49" charset="0"/>
+            </a:endParaRPr>
+          </a:p>
+          <a:p>
+            <a:pPr lvl="0">
+              <a:defRPr/>
+            </a:pPr>
+            <a:r>
+              <a:rPr lang="en-US" dirty="0">
+                <a:solidFill>
+                  <a:prstClr val="black"/>
+                </a:solidFill>
+                <a:latin typeface="Courier New" pitchFamily="49" charset="0"/>
+                <a:cs typeface="Courier New" pitchFamily="49" charset="0"/>
+              </a:rPr>
+              <a:t>project (hello LANGUAGES CXX)</a:t>
+            </a:r>
+          </a:p>
+          <a:p>
+            <a:pPr lvl="0">
+              <a:defRPr/>
+            </a:pPr>
+            <a:endParaRPr lang="en-US" dirty="0">
+              <a:solidFill>
+                <a:prstClr val="black"/>
+              </a:solidFill>
+              <a:latin typeface="Courier New" pitchFamily="49" charset="0"/>
+              <a:cs typeface="Courier New" pitchFamily="49" charset="0"/>
+            </a:endParaRPr>
+          </a:p>
+          <a:p>
+            <a:pPr lvl="0">
+              <a:defRPr/>
+            </a:pPr>
+            <a:r>
+              <a:rPr lang="en-US" dirty="0">
+                <a:solidFill>
+                  <a:prstClr val="black"/>
+                </a:solidFill>
+                <a:latin typeface="Courier New" pitchFamily="49" charset="0"/>
+                <a:cs typeface="Courier New" pitchFamily="49" charset="0"/>
+              </a:rPr>
+              <a:t>set(CMAKE_CXX_STANDARD 17)</a:t>
+            </a:r>
+          </a:p>
+          <a:p>
+            <a:pPr lvl="0">
+              <a:defRPr/>
+            </a:pPr>
+            <a:r>
+              <a:rPr lang="en-US" dirty="0">
+                <a:solidFill>
+                  <a:prstClr val="black"/>
+                </a:solidFill>
+                <a:latin typeface="Courier New" pitchFamily="49" charset="0"/>
+                <a:cs typeface="Courier New" pitchFamily="49" charset="0"/>
+              </a:rPr>
+              <a:t>set(CMAKE_CXX_STANDARD_REQUIRED ON)</a:t>
+            </a:r>
+          </a:p>
+          <a:p>
+            <a:pPr lvl="0">
+              <a:defRPr/>
+            </a:pPr>
+            <a:r>
+              <a:rPr lang="en-US" dirty="0">
+                <a:solidFill>
+                  <a:prstClr val="black"/>
+                </a:solidFill>
+                <a:latin typeface="Courier New" pitchFamily="49" charset="0"/>
+                <a:cs typeface="Courier New" pitchFamily="49" charset="0"/>
+              </a:rPr>
+              <a:t>set(CMAKE_CXX_EXTENSIONS OFF)</a:t>
+            </a:r>
+          </a:p>
+          <a:p>
+            <a:pPr lvl="0">
+              <a:defRPr/>
+            </a:pPr>
+            <a:endParaRPr lang="en-US" dirty="0">
+              <a:solidFill>
+                <a:prstClr val="black"/>
+              </a:solidFill>
+              <a:latin typeface="Courier New" pitchFamily="49" charset="0"/>
+              <a:cs typeface="Courier New" pitchFamily="49" charset="0"/>
+            </a:endParaRPr>
+          </a:p>
+          <a:p>
+            <a:pPr lvl="0">
+              <a:defRPr/>
+            </a:pPr>
+            <a:r>
+              <a:rPr lang="en-US" dirty="0">
+                <a:solidFill>
+                  <a:prstClr val="black"/>
+                </a:solidFill>
+                <a:latin typeface="Courier New" pitchFamily="49" charset="0"/>
+                <a:cs typeface="Courier New" pitchFamily="49" charset="0"/>
+              </a:rPr>
+              <a:t>add_executable(hello.exe hello_world.cpp)</a:t>
+            </a:r>
+            <a:endParaRPr kumimoji="0" lang="en-US" b="0" i="0" u="none" strike="noStrike" kern="1200" cap="none" spc="0" normalizeH="0" baseline="0" noProof="0" dirty="0">
+              <a:ln>
+                <a:noFill/>
+              </a:ln>
+              <a:solidFill>
+                <a:prstClr val="black"/>
+              </a:solidFill>
+              <a:effectLst/>
+              <a:uLnTx/>
+              <a:uFillTx/>
+              <a:latin typeface="Courier New" pitchFamily="49" charset="0"/>
+              <a:cs typeface="Courier New" pitchFamily="49" charset="0"/>
+            </a:endParaRPr>
+          </a:p>
+        </p:txBody>
+      </p:sp>
+      <p:grpSp>
+        <p:nvGrpSpPr>
+          <p:cNvPr id="13" name="Group 12">
+            <a:extLst>
+              <a:ext uri="{FF2B5EF4-FFF2-40B4-BE49-F238E27FC236}">
+                <a16:creationId xmlns:a16="http://schemas.microsoft.com/office/drawing/2014/main" id="{AE42B626-B940-61B1-5CC2-81A6DCFA5A35}"/>
+              </a:ext>
+            </a:extLst>
+          </p:cNvPr>
+          <p:cNvGrpSpPr/>
+          <p:nvPr/>
+        </p:nvGrpSpPr>
+        <p:grpSpPr>
+          <a:xfrm>
+            <a:off x="6226629" y="2076833"/>
+            <a:ext cx="5547908" cy="523220"/>
+            <a:chOff x="6226629" y="2076833"/>
+            <a:chExt cx="5547908" cy="523220"/>
+          </a:xfrm>
+        </p:grpSpPr>
+        <p:sp>
+          <p:nvSpPr>
+            <p:cNvPr id="10" name="TextBox 9">
+              <a:extLst>
+                <a:ext uri="{FF2B5EF4-FFF2-40B4-BE49-F238E27FC236}">
+                  <a16:creationId xmlns:a16="http://schemas.microsoft.com/office/drawing/2014/main" id="{BD103DF9-FC3F-E20D-9364-076F87802D72}"/>
+                </a:ext>
+              </a:extLst>
+            </p:cNvPr>
+            <p:cNvSpPr txBox="1"/>
+            <p:nvPr/>
+          </p:nvSpPr>
+          <p:spPr>
+            <a:xfrm>
+              <a:off x="8425543" y="2076833"/>
+              <a:ext cx="3348994" cy="523220"/>
+            </a:xfrm>
+            <a:prstGeom prst="rect">
+              <a:avLst/>
+            </a:prstGeom>
+            <a:noFill/>
+            <a:ln>
+              <a:solidFill>
+                <a:schemeClr val="tx1"/>
+              </a:solidFill>
+            </a:ln>
+          </p:spPr>
+          <p:txBody>
+            <a:bodyPr wrap="square" rtlCol="0">
+              <a:spAutoFit/>
+            </a:bodyPr>
+            <a:lstStyle/>
+            <a:p>
+              <a:pPr algn="ctr"/>
+              <a:r>
+                <a:rPr lang="en-US" sz="2800" dirty="0" err="1"/>
+                <a:t>CMake</a:t>
+              </a:r>
+              <a:r>
+                <a:rPr lang="en-US" sz="2800" dirty="0"/>
+                <a:t> version</a:t>
+              </a:r>
+              <a:endParaRPr lang="LID4096" sz="2800" dirty="0"/>
+            </a:p>
+          </p:txBody>
+        </p:sp>
+        <p:cxnSp>
+          <p:nvCxnSpPr>
+            <p:cNvPr id="12" name="Straight Arrow Connector 11">
+              <a:extLst>
+                <a:ext uri="{FF2B5EF4-FFF2-40B4-BE49-F238E27FC236}">
+                  <a16:creationId xmlns:a16="http://schemas.microsoft.com/office/drawing/2014/main" id="{A76BBC6F-7D5D-38EB-CEEA-530E5C620F24}"/>
+                </a:ext>
+              </a:extLst>
+            </p:cNvPr>
+            <p:cNvCxnSpPr>
+              <a:cxnSpLocks/>
+              <a:stCxn id="10" idx="1"/>
+            </p:cNvCxnSpPr>
+            <p:nvPr/>
+          </p:nvCxnSpPr>
+          <p:spPr>
+            <a:xfrm flipH="1">
+              <a:off x="6226629" y="2338443"/>
+              <a:ext cx="2198914" cy="99957"/>
+            </a:xfrm>
+            <a:prstGeom prst="straightConnector1">
+              <a:avLst/>
+            </a:prstGeom>
+            <a:ln>
+              <a:tailEnd type="stealth" w="lg" len="lg"/>
+            </a:ln>
+          </p:spPr>
+          <p:style>
+            <a:lnRef idx="2">
+              <a:schemeClr val="accent1"/>
+            </a:lnRef>
+            <a:fillRef idx="0">
+              <a:schemeClr val="accent1"/>
+            </a:fillRef>
+            <a:effectRef idx="1">
+              <a:schemeClr val="accent1"/>
+            </a:effectRef>
+            <a:fontRef idx="minor">
+              <a:schemeClr val="tx1"/>
+            </a:fontRef>
+          </p:style>
+        </p:cxnSp>
+      </p:grpSp>
+      <p:grpSp>
+        <p:nvGrpSpPr>
+          <p:cNvPr id="14" name="Group 13">
+            <a:extLst>
+              <a:ext uri="{FF2B5EF4-FFF2-40B4-BE49-F238E27FC236}">
+                <a16:creationId xmlns:a16="http://schemas.microsoft.com/office/drawing/2014/main" id="{3E94D9ED-9D9B-98D9-C780-ADEDBFB5E517}"/>
+              </a:ext>
+            </a:extLst>
+          </p:cNvPr>
+          <p:cNvGrpSpPr/>
+          <p:nvPr/>
+        </p:nvGrpSpPr>
+        <p:grpSpPr>
+          <a:xfrm>
+            <a:off x="5529943" y="2824545"/>
+            <a:ext cx="6244594" cy="954107"/>
+            <a:chOff x="5529943" y="2076833"/>
+            <a:chExt cx="6244594" cy="954107"/>
+          </a:xfrm>
+        </p:grpSpPr>
+        <p:sp>
+          <p:nvSpPr>
+            <p:cNvPr id="15" name="TextBox 14">
+              <a:extLst>
+                <a:ext uri="{FF2B5EF4-FFF2-40B4-BE49-F238E27FC236}">
+                  <a16:creationId xmlns:a16="http://schemas.microsoft.com/office/drawing/2014/main" id="{1204A9BC-4866-3167-BBCD-3DFA15D9390D}"/>
+                </a:ext>
+              </a:extLst>
+            </p:cNvPr>
+            <p:cNvSpPr txBox="1"/>
+            <p:nvPr/>
+          </p:nvSpPr>
+          <p:spPr>
+            <a:xfrm>
+              <a:off x="8425543" y="2076833"/>
+              <a:ext cx="3348994" cy="954107"/>
+            </a:xfrm>
+            <a:prstGeom prst="rect">
+              <a:avLst/>
+            </a:prstGeom>
+            <a:noFill/>
+            <a:ln>
+              <a:solidFill>
+                <a:schemeClr val="tx1"/>
+              </a:solidFill>
+            </a:ln>
+          </p:spPr>
+          <p:txBody>
+            <a:bodyPr wrap="square" rtlCol="0">
+              <a:spAutoFit/>
+            </a:bodyPr>
+            <a:lstStyle/>
+            <a:p>
+              <a:pPr algn="ctr"/>
+              <a:r>
+                <a:rPr lang="en-US" sz="2800" dirty="0"/>
+                <a:t>Project name &amp;</a:t>
+              </a:r>
+              <a:br>
+                <a:rPr lang="en-US" sz="2800" dirty="0"/>
+              </a:br>
+              <a:r>
+                <a:rPr lang="en-US" sz="2800" dirty="0"/>
+                <a:t>language(s)</a:t>
+              </a:r>
+              <a:endParaRPr lang="LID4096" sz="2800" dirty="0"/>
+            </a:p>
+          </p:txBody>
+        </p:sp>
+        <p:cxnSp>
+          <p:nvCxnSpPr>
+            <p:cNvPr id="16" name="Straight Arrow Connector 15">
+              <a:extLst>
+                <a:ext uri="{FF2B5EF4-FFF2-40B4-BE49-F238E27FC236}">
+                  <a16:creationId xmlns:a16="http://schemas.microsoft.com/office/drawing/2014/main" id="{B219F81D-A3CE-1F1C-9E12-B430CB7F7BBF}"/>
+                </a:ext>
+              </a:extLst>
+            </p:cNvPr>
+            <p:cNvCxnSpPr>
+              <a:cxnSpLocks/>
+              <a:stCxn id="15" idx="1"/>
+            </p:cNvCxnSpPr>
+            <p:nvPr/>
+          </p:nvCxnSpPr>
+          <p:spPr>
+            <a:xfrm flipH="1" flipV="1">
+              <a:off x="5529943" y="2338443"/>
+              <a:ext cx="2895600" cy="215444"/>
+            </a:xfrm>
+            <a:prstGeom prst="straightConnector1">
+              <a:avLst/>
+            </a:prstGeom>
+            <a:ln>
+              <a:tailEnd type="stealth" w="lg" len="lg"/>
+            </a:ln>
+          </p:spPr>
+          <p:style>
+            <a:lnRef idx="2">
+              <a:schemeClr val="accent1"/>
+            </a:lnRef>
+            <a:fillRef idx="0">
+              <a:schemeClr val="accent1"/>
+            </a:fillRef>
+            <a:effectRef idx="1">
+              <a:schemeClr val="accent1"/>
+            </a:effectRef>
+            <a:fontRef idx="minor">
+              <a:schemeClr val="tx1"/>
+            </a:fontRef>
+          </p:style>
+        </p:cxnSp>
+      </p:grpSp>
+      <p:grpSp>
+        <p:nvGrpSpPr>
+          <p:cNvPr id="23" name="Group 22">
+            <a:extLst>
+              <a:ext uri="{FF2B5EF4-FFF2-40B4-BE49-F238E27FC236}">
+                <a16:creationId xmlns:a16="http://schemas.microsoft.com/office/drawing/2014/main" id="{F36B58CA-534F-8E53-714B-441FB2C43141}"/>
+              </a:ext>
+            </a:extLst>
+          </p:cNvPr>
+          <p:cNvGrpSpPr/>
+          <p:nvPr/>
+        </p:nvGrpSpPr>
+        <p:grpSpPr>
+          <a:xfrm>
+            <a:off x="6934200" y="4762361"/>
+            <a:ext cx="4840337" cy="523220"/>
+            <a:chOff x="6934200" y="2076833"/>
+            <a:chExt cx="4840337" cy="523220"/>
+          </a:xfrm>
+        </p:grpSpPr>
+        <p:sp>
+          <p:nvSpPr>
+            <p:cNvPr id="24" name="TextBox 23">
+              <a:extLst>
+                <a:ext uri="{FF2B5EF4-FFF2-40B4-BE49-F238E27FC236}">
+                  <a16:creationId xmlns:a16="http://schemas.microsoft.com/office/drawing/2014/main" id="{7101B866-9BE6-DCA5-0F3D-BC6B5EC1A177}"/>
+                </a:ext>
+              </a:extLst>
+            </p:cNvPr>
+            <p:cNvSpPr txBox="1"/>
+            <p:nvPr/>
+          </p:nvSpPr>
+          <p:spPr>
+            <a:xfrm>
+              <a:off x="8425543" y="2076833"/>
+              <a:ext cx="3348994" cy="523220"/>
+            </a:xfrm>
+            <a:prstGeom prst="rect">
+              <a:avLst/>
+            </a:prstGeom>
+            <a:noFill/>
+            <a:ln>
+              <a:solidFill>
+                <a:schemeClr val="tx1"/>
+              </a:solidFill>
+            </a:ln>
+          </p:spPr>
+          <p:txBody>
+            <a:bodyPr wrap="square" rtlCol="0">
+              <a:spAutoFit/>
+            </a:bodyPr>
+            <a:lstStyle/>
+            <a:p>
+              <a:pPr algn="ctr"/>
+              <a:r>
+                <a:rPr lang="en-US" sz="2800" dirty="0"/>
+                <a:t>Build artifact</a:t>
+              </a:r>
+              <a:endParaRPr lang="LID4096" sz="2800" dirty="0"/>
+            </a:p>
+          </p:txBody>
+        </p:sp>
+        <p:cxnSp>
+          <p:nvCxnSpPr>
+            <p:cNvPr id="25" name="Straight Arrow Connector 24">
+              <a:extLst>
+                <a:ext uri="{FF2B5EF4-FFF2-40B4-BE49-F238E27FC236}">
+                  <a16:creationId xmlns:a16="http://schemas.microsoft.com/office/drawing/2014/main" id="{D8816A4B-D4E1-361E-1BB8-8DCB95482578}"/>
+                </a:ext>
+              </a:extLst>
+            </p:cNvPr>
+            <p:cNvCxnSpPr>
+              <a:cxnSpLocks/>
+              <a:stCxn id="24" idx="1"/>
+            </p:cNvCxnSpPr>
+            <p:nvPr/>
+          </p:nvCxnSpPr>
+          <p:spPr>
+            <a:xfrm flipH="1" flipV="1">
+              <a:off x="6934200" y="2076833"/>
+              <a:ext cx="1491343" cy="261610"/>
+            </a:xfrm>
+            <a:prstGeom prst="straightConnector1">
+              <a:avLst/>
+            </a:prstGeom>
+            <a:ln>
+              <a:tailEnd type="stealth" w="lg" len="lg"/>
+            </a:ln>
+          </p:spPr>
+          <p:style>
+            <a:lnRef idx="2">
+              <a:schemeClr val="accent1"/>
+            </a:lnRef>
+            <a:fillRef idx="0">
+              <a:schemeClr val="accent1"/>
+            </a:fillRef>
+            <a:effectRef idx="1">
+              <a:schemeClr val="accent1"/>
+            </a:effectRef>
+            <a:fontRef idx="minor">
+              <a:schemeClr val="tx1"/>
+            </a:fontRef>
+          </p:style>
+        </p:cxnSp>
+      </p:grpSp>
+      <p:grpSp>
+        <p:nvGrpSpPr>
+          <p:cNvPr id="33" name="Group 32">
+            <a:extLst>
+              <a:ext uri="{FF2B5EF4-FFF2-40B4-BE49-F238E27FC236}">
+                <a16:creationId xmlns:a16="http://schemas.microsoft.com/office/drawing/2014/main" id="{F50C2107-C4B9-A74A-78FE-6E201778EF5A}"/>
+              </a:ext>
+            </a:extLst>
+          </p:cNvPr>
+          <p:cNvGrpSpPr/>
+          <p:nvPr/>
+        </p:nvGrpSpPr>
+        <p:grpSpPr>
+          <a:xfrm>
+            <a:off x="6096000" y="3429000"/>
+            <a:ext cx="5678537" cy="995395"/>
+            <a:chOff x="6096000" y="3429000"/>
+            <a:chExt cx="5678537" cy="995395"/>
+          </a:xfrm>
+        </p:grpSpPr>
+        <p:grpSp>
+          <p:nvGrpSpPr>
+            <p:cNvPr id="19" name="Group 18">
+              <a:extLst>
+                <a:ext uri="{FF2B5EF4-FFF2-40B4-BE49-F238E27FC236}">
+                  <a16:creationId xmlns:a16="http://schemas.microsoft.com/office/drawing/2014/main" id="{2A80894A-BCAA-D2E9-F612-4A6F4D221FF2}"/>
+                </a:ext>
+              </a:extLst>
+            </p:cNvPr>
+            <p:cNvGrpSpPr/>
+            <p:nvPr/>
+          </p:nvGrpSpPr>
+          <p:grpSpPr>
+            <a:xfrm>
+              <a:off x="6226629" y="3853543"/>
+              <a:ext cx="5547908" cy="570852"/>
+              <a:chOff x="6226629" y="2029201"/>
+              <a:chExt cx="5547908" cy="570852"/>
+            </a:xfrm>
+          </p:grpSpPr>
+          <p:sp>
+            <p:nvSpPr>
+              <p:cNvPr id="20" name="TextBox 19">
+                <a:extLst>
+                  <a:ext uri="{FF2B5EF4-FFF2-40B4-BE49-F238E27FC236}">
+                    <a16:creationId xmlns:a16="http://schemas.microsoft.com/office/drawing/2014/main" id="{73153BDD-A8D8-DA4E-C2EE-44F0CBEB5C38}"/>
+                  </a:ext>
+                </a:extLst>
+              </p:cNvPr>
+              <p:cNvSpPr txBox="1"/>
+              <p:nvPr/>
+            </p:nvSpPr>
+            <p:spPr>
+              <a:xfrm>
+                <a:off x="8425543" y="2076833"/>
+                <a:ext cx="3348994" cy="523220"/>
+              </a:xfrm>
+              <a:prstGeom prst="rect">
+                <a:avLst/>
+              </a:prstGeom>
+              <a:noFill/>
+              <a:ln>
+                <a:solidFill>
+                  <a:schemeClr val="tx1"/>
+                </a:solidFill>
+              </a:ln>
+            </p:spPr>
+            <p:txBody>
+              <a:bodyPr wrap="none" rtlCol="0">
+                <a:spAutoFit/>
+              </a:bodyPr>
+              <a:lstStyle/>
+              <a:p>
+                <a:pPr algn="ctr"/>
+                <a:r>
+                  <a:rPr lang="en-US" sz="2800" dirty="0"/>
+                  <a:t>Language properties</a:t>
+                </a:r>
+                <a:endParaRPr lang="LID4096" sz="2800" dirty="0"/>
+              </a:p>
+            </p:txBody>
+          </p:sp>
+          <p:cxnSp>
+            <p:nvCxnSpPr>
+              <p:cNvPr id="21" name="Straight Arrow Connector 20">
+                <a:extLst>
+                  <a:ext uri="{FF2B5EF4-FFF2-40B4-BE49-F238E27FC236}">
+                    <a16:creationId xmlns:a16="http://schemas.microsoft.com/office/drawing/2014/main" id="{95C90506-8C84-3F2A-BA12-151DA6480D40}"/>
+                  </a:ext>
+                </a:extLst>
+              </p:cNvPr>
+              <p:cNvCxnSpPr>
+                <a:cxnSpLocks/>
+                <a:stCxn id="20" idx="1"/>
+                <a:endCxn id="31" idx="1"/>
+              </p:cNvCxnSpPr>
+              <p:nvPr/>
+            </p:nvCxnSpPr>
+            <p:spPr>
+              <a:xfrm flipH="1" flipV="1">
+                <a:off x="6226629" y="2029201"/>
+                <a:ext cx="2198914" cy="309242"/>
+              </a:xfrm>
+              <a:prstGeom prst="straightConnector1">
+                <a:avLst/>
+              </a:prstGeom>
+              <a:ln>
+                <a:tailEnd type="stealth" w="lg" len="lg"/>
+              </a:ln>
+            </p:spPr>
+            <p:style>
+              <a:lnRef idx="2">
+                <a:schemeClr val="accent1"/>
+              </a:lnRef>
+              <a:fillRef idx="0">
+                <a:schemeClr val="accent1"/>
+              </a:fillRef>
+              <a:effectRef idx="1">
+                <a:schemeClr val="accent1"/>
+              </a:effectRef>
+              <a:fontRef idx="minor">
+                <a:schemeClr val="tx1"/>
+              </a:fontRef>
+            </p:style>
+          </p:cxnSp>
+        </p:grpSp>
+        <p:sp>
+          <p:nvSpPr>
+            <p:cNvPr id="31" name="Right Brace 30">
+              <a:extLst>
+                <a:ext uri="{FF2B5EF4-FFF2-40B4-BE49-F238E27FC236}">
+                  <a16:creationId xmlns:a16="http://schemas.microsoft.com/office/drawing/2014/main" id="{2853D7A9-AA73-343F-4B59-0DB0345B2798}"/>
+                </a:ext>
+              </a:extLst>
+            </p:cNvPr>
+            <p:cNvSpPr/>
+            <p:nvPr/>
+          </p:nvSpPr>
+          <p:spPr>
+            <a:xfrm>
+              <a:off x="6096000" y="3429000"/>
+              <a:ext cx="130629" cy="849086"/>
+            </a:xfrm>
+            <a:prstGeom prst="rightBrace">
+              <a:avLst/>
+            </a:prstGeom>
+            <a:ln>
+              <a:solidFill>
+                <a:schemeClr val="tx1"/>
+              </a:solidFill>
+            </a:ln>
+          </p:spPr>
+          <p:style>
+            <a:lnRef idx="2">
+              <a:schemeClr val="accent1"/>
+            </a:lnRef>
+            <a:fillRef idx="0">
+              <a:schemeClr val="accent1"/>
+            </a:fillRef>
+            <a:effectRef idx="1">
+              <a:schemeClr val="accent1"/>
+            </a:effectRef>
+            <a:fontRef idx="minor">
+              <a:schemeClr val="tx1"/>
+            </a:fontRef>
+          </p:style>
+          <p:txBody>
+            <a:bodyPr rtlCol="0" anchor="ctr"/>
+            <a:lstStyle/>
+            <a:p>
+              <a:pPr algn="ctr"/>
+              <a:endParaRPr lang="LID4096"/>
+            </a:p>
+          </p:txBody>
+        </p:sp>
+      </p:grpSp>
+    </p:spTree>
+    <p:extLst>
+      <p:ext uri="{BB962C8B-B14F-4D97-AF65-F5344CB8AC3E}">
+        <p14:creationId xmlns:p14="http://schemas.microsoft.com/office/powerpoint/2010/main" val="959294341"/>
+      </p:ext>
+    </p:extLst>
+  </p:cSld>
+  <p:clrMapOvr>
+    <a:masterClrMapping/>
+  </p:clrMapOvr>
+  <p:timing>
+    <p:tnLst>
+      <p:par>
+        <p:cTn id="1" dur="indefinite" restart="never" nodeType="tmRoot">
+          <p:childTnLst>
+            <p:seq concurrent="1" nextAc="seek">
+              <p:cTn id="2" dur="indefinite" nodeType="mainSeq">
+                <p:childTnLst>
+                  <p:par>
+                    <p:cTn id="3" fill="hold">
+                      <p:stCondLst>
+                        <p:cond delay="indefinite"/>
+                      </p:stCondLst>
+                      <p:childTnLst>
+                        <p:par>
+                          <p:cTn id="4" fill="hold">
+                            <p:stCondLst>
+                              <p:cond delay="0"/>
+                            </p:stCondLst>
+                            <p:childTnLst>
+                              <p:par>
+                                <p:cTn id="5" presetID="1" presetClass="entr" presetSubtype="0" fill="hold" nodeType="clickEffect">
+                                  <p:stCondLst>
+                                    <p:cond delay="0"/>
+                                  </p:stCondLst>
+                                  <p:childTnLst>
+                                    <p:set>
+                                      <p:cBhvr>
+                                        <p:cTn id="6" dur="1" fill="hold">
+                                          <p:stCondLst>
+                                            <p:cond delay="0"/>
+                                          </p:stCondLst>
+                                        </p:cTn>
+                                        <p:tgtEl>
+                                          <p:spTgt spid="13"/>
+                                        </p:tgtEl>
+                                        <p:attrNameLst>
+                                          <p:attrName>style.visibility</p:attrName>
+                                        </p:attrNameLst>
+                                      </p:cBhvr>
+                                      <p:to>
+                                        <p:strVal val="visible"/>
+                                      </p:to>
+                                    </p:set>
+                                  </p:childTnLst>
+                                </p:cTn>
+                              </p:par>
+                            </p:childTnLst>
+                          </p:cTn>
+                        </p:par>
+                      </p:childTnLst>
+                    </p:cTn>
+                  </p:par>
+                  <p:par>
+                    <p:cTn id="7" fill="hold">
+                      <p:stCondLst>
+                        <p:cond delay="indefinite"/>
+                      </p:stCondLst>
+                      <p:childTnLst>
+                        <p:par>
+                          <p:cTn id="8" fill="hold">
+                            <p:stCondLst>
+                              <p:cond delay="0"/>
+                            </p:stCondLst>
+                            <p:childTnLst>
+                              <p:par>
+                                <p:cTn id="9" presetID="1" presetClass="entr" presetSubtype="0" fill="hold" nodeType="clickEffect">
+                                  <p:stCondLst>
+                                    <p:cond delay="0"/>
+                                  </p:stCondLst>
+                                  <p:childTnLst>
+                                    <p:set>
+                                      <p:cBhvr>
+                                        <p:cTn id="10" dur="1" fill="hold">
+                                          <p:stCondLst>
+                                            <p:cond delay="0"/>
+                                          </p:stCondLst>
+                                        </p:cTn>
+                                        <p:tgtEl>
+                                          <p:spTgt spid="14"/>
+                                        </p:tgtEl>
+                                        <p:attrNameLst>
+                                          <p:attrName>style.visibility</p:attrName>
+                                        </p:attrNameLst>
+                                      </p:cBhvr>
+                                      <p:to>
+                                        <p:strVal val="visible"/>
+                                      </p:to>
+                                    </p:set>
+                                  </p:childTnLst>
+                                </p:cTn>
+                              </p:par>
+                            </p:childTnLst>
+                          </p:cTn>
+                        </p:par>
+                      </p:childTnLst>
+                    </p:cTn>
+                  </p:par>
+                  <p:par>
+                    <p:cTn id="11" fill="hold">
+                      <p:stCondLst>
+                        <p:cond delay="indefinite"/>
+                      </p:stCondLst>
+                      <p:childTnLst>
+                        <p:par>
+                          <p:cTn id="12" fill="hold">
+                            <p:stCondLst>
+                              <p:cond delay="0"/>
+                            </p:stCondLst>
+                            <p:childTnLst>
+                              <p:par>
+                                <p:cTn id="13" presetID="1" presetClass="entr" presetSubtype="0" fill="hold" nodeType="clickEffect">
+                                  <p:stCondLst>
+                                    <p:cond delay="0"/>
+                                  </p:stCondLst>
+                                  <p:childTnLst>
+                                    <p:set>
+                                      <p:cBhvr>
+                                        <p:cTn id="14" dur="1" fill="hold">
+                                          <p:stCondLst>
+                                            <p:cond delay="0"/>
+                                          </p:stCondLst>
+                                        </p:cTn>
+                                        <p:tgtEl>
+                                          <p:spTgt spid="33"/>
+                                        </p:tgtEl>
+                                        <p:attrNameLst>
+                                          <p:attrName>style.visibility</p:attrName>
+                                        </p:attrNameLst>
+                                      </p:cBhvr>
+                                      <p:to>
+                                        <p:strVal val="visible"/>
+                                      </p:to>
+                                    </p:set>
+                                  </p:childTnLst>
+                                </p:cTn>
+                              </p:par>
+                            </p:childTnLst>
+                          </p:cTn>
+                        </p:par>
+                      </p:childTnLst>
+                    </p:cTn>
+                  </p:par>
+                  <p:par>
+                    <p:cTn id="15" fill="hold">
+                      <p:stCondLst>
+                        <p:cond delay="indefinite"/>
+                      </p:stCondLst>
+                      <p:childTnLst>
+                        <p:par>
+                          <p:cTn id="16" fill="hold">
+                            <p:stCondLst>
+                              <p:cond delay="0"/>
+                            </p:stCondLst>
+                            <p:childTnLst>
+                              <p:par>
+                                <p:cTn id="17" presetID="1" presetClass="entr" presetSubtype="0" fill="hold" nodeType="clickEffect">
+                                  <p:stCondLst>
+                                    <p:cond delay="0"/>
+                                  </p:stCondLst>
+                                  <p:childTnLst>
+                                    <p:set>
+                                      <p:cBhvr>
+                                        <p:cTn id="18" dur="1" fill="hold">
+                                          <p:stCondLst>
+                                            <p:cond delay="0"/>
+                                          </p:stCondLst>
+                                        </p:cTn>
+                                        <p:tgtEl>
+                                          <p:spTgt spid="23"/>
+                                        </p:tgtEl>
+                                        <p:attrNameLst>
+                                          <p:attrName>style.visibility</p:attrName>
+                                        </p:attrNameLst>
+                                      </p:cBhvr>
+                                      <p:to>
+                                        <p:strVal val="visible"/>
+                                      </p:to>
+                                    </p:set>
+                                  </p:childTnLst>
+                                </p:cTn>
+                              </p:par>
+                            </p:childTnLst>
+                          </p:cTn>
+                        </p:par>
+                      </p:childTnLst>
+                    </p:cTn>
+                  </p:par>
+                </p:childTnLst>
+              </p:cTn>
+              <p:prevCondLst>
+                <p:cond evt="onPrev" delay="0">
+                  <p:tgtEl>
+                    <p:sldTgt/>
+                  </p:tgtEl>
+                </p:cond>
+              </p:prevCondLst>
+              <p:nextCondLst>
+                <p:cond evt="onNext" delay="0">
+                  <p:tgtEl>
+                    <p:sldTgt/>
+                  </p:tgtEl>
+                </p:cond>
+              </p:nextCondLst>
+            </p:seq>
+          </p:childTnLst>
+        </p:cTn>
+      </p:par>
+    </p:tnLst>
+  </p:timing>
+</p:sld>
+</file>
+
+<file path=ppt/slides/slide15.xml><?xml version="1.0" encoding="utf-8"?>
+<p:sld xmlns:a="http://schemas.openxmlformats.org/drawingml/2006/main" xmlns:r="http://schemas.openxmlformats.org/officeDocument/2006/relationships" xmlns:p="http://schemas.openxmlformats.org/presentationml/2006/main">
+  <p:cSld>
+    <p:spTree>
+      <p:nvGrpSpPr>
+        <p:cNvPr id="1" name=""/>
+        <p:cNvGrpSpPr/>
+        <p:nvPr/>
+      </p:nvGrpSpPr>
+      <p:grpSpPr>
+        <a:xfrm>
+          <a:off x="0" y="0"/>
+          <a:ext cx="0" cy="0"/>
+          <a:chOff x="0" y="0"/>
+          <a:chExt cx="0" cy="0"/>
+        </a:xfrm>
+      </p:grpSpPr>
+      <p:sp>
+        <p:nvSpPr>
+          <p:cNvPr id="2" name="Title 1">
+            <a:extLst>
+              <a:ext uri="{FF2B5EF4-FFF2-40B4-BE49-F238E27FC236}">
+                <a16:creationId xmlns:a16="http://schemas.microsoft.com/office/drawing/2014/main" id="{1B3C6D61-D89D-5A47-77AD-4E16CFFB99C4}"/>
+              </a:ext>
+            </a:extLst>
+          </p:cNvPr>
+          <p:cNvSpPr>
+            <a:spLocks noGrp="1"/>
+          </p:cNvSpPr>
+          <p:nvPr>
+            <p:ph type="title"/>
+          </p:nvPr>
+        </p:nvSpPr>
+        <p:spPr/>
+        <p:txBody>
+          <a:bodyPr/>
+          <a:lstStyle/>
+          <a:p>
+            <a:r>
+              <a:rPr lang="en-US" dirty="0"/>
+              <a:t>Generate build files</a:t>
+            </a:r>
+            <a:endParaRPr lang="LID4096" dirty="0"/>
+          </a:p>
+        </p:txBody>
+      </p:sp>
+      <p:sp>
+        <p:nvSpPr>
+          <p:cNvPr id="3" name="Content Placeholder 2">
+            <a:extLst>
+              <a:ext uri="{FF2B5EF4-FFF2-40B4-BE49-F238E27FC236}">
+                <a16:creationId xmlns:a16="http://schemas.microsoft.com/office/drawing/2014/main" id="{17439330-9C28-B17B-9020-91E477F25EEF}"/>
+              </a:ext>
+            </a:extLst>
+          </p:cNvPr>
+          <p:cNvSpPr>
+            <a:spLocks noGrp="1"/>
+          </p:cNvSpPr>
+          <p:nvPr>
+            <p:ph idx="1"/>
+          </p:nvPr>
+        </p:nvSpPr>
+        <p:spPr/>
+        <p:txBody>
+          <a:bodyPr/>
+          <a:lstStyle/>
+          <a:p>
+            <a:r>
+              <a:rPr lang="en-US" dirty="0"/>
+              <a:t>Specify installation directory</a:t>
+            </a:r>
+          </a:p>
+          <a:p>
+            <a:endParaRPr lang="en-US" dirty="0"/>
+          </a:p>
+          <a:p>
+            <a:endParaRPr lang="en-US" dirty="0"/>
+          </a:p>
+          <a:p>
+            <a:r>
+              <a:rPr lang="en-US" dirty="0"/>
+              <a:t>Specify build type, e.g., </a:t>
+            </a:r>
+            <a:r>
+              <a:rPr lang="en-US" dirty="0">
+                <a:latin typeface="Courier New" panose="02070309020205020404" pitchFamily="49" charset="0"/>
+                <a:cs typeface="Courier New" panose="02070309020205020404" pitchFamily="49" charset="0"/>
+              </a:rPr>
+              <a:t>Debug</a:t>
+            </a:r>
+            <a:r>
+              <a:rPr lang="en-US" dirty="0"/>
+              <a:t>, </a:t>
+            </a:r>
+            <a:r>
+              <a:rPr lang="en-US" dirty="0" err="1">
+                <a:latin typeface="Courier New" panose="02070309020205020404" pitchFamily="49" charset="0"/>
+                <a:cs typeface="Courier New" panose="02070309020205020404" pitchFamily="49" charset="0"/>
+              </a:rPr>
+              <a:t>RelWithDebInfo</a:t>
+            </a:r>
+            <a:r>
+              <a:rPr lang="en-US" dirty="0"/>
+              <a:t>, </a:t>
+            </a:r>
+            <a:r>
+              <a:rPr lang="en-US" dirty="0">
+                <a:latin typeface="Courier New" panose="02070309020205020404" pitchFamily="49" charset="0"/>
+                <a:cs typeface="Courier New" panose="02070309020205020404" pitchFamily="49" charset="0"/>
+              </a:rPr>
+              <a:t>Release</a:t>
+            </a:r>
+          </a:p>
+          <a:p>
+            <a:endParaRPr lang="en-US" dirty="0"/>
+          </a:p>
+          <a:p>
+            <a:endParaRPr lang="en-US" dirty="0"/>
+          </a:p>
+          <a:p>
+            <a:r>
+              <a:rPr lang="en-US" dirty="0"/>
+              <a:t>Specify a compiler</a:t>
+            </a:r>
+            <a:endParaRPr lang="LID4096" dirty="0"/>
+          </a:p>
+        </p:txBody>
+      </p:sp>
+      <p:sp>
+        <p:nvSpPr>
+          <p:cNvPr id="4" name="Slide Number Placeholder 3">
+            <a:extLst>
+              <a:ext uri="{FF2B5EF4-FFF2-40B4-BE49-F238E27FC236}">
+                <a16:creationId xmlns:a16="http://schemas.microsoft.com/office/drawing/2014/main" id="{8833E781-F30A-F0FB-655F-F91A6C3E58F3}"/>
+              </a:ext>
+            </a:extLst>
+          </p:cNvPr>
+          <p:cNvSpPr>
+            <a:spLocks noGrp="1"/>
+          </p:cNvSpPr>
+          <p:nvPr>
+            <p:ph type="sldNum" sz="quarter" idx="12"/>
+          </p:nvPr>
+        </p:nvSpPr>
+        <p:spPr/>
+        <p:txBody>
+          <a:bodyPr/>
+          <a:lstStyle/>
+          <a:p>
+            <a:fld id="{FDB1AA33-DFBB-49AC-8CEE-23FFECEB5648}" type="slidenum">
+              <a:rPr lang="LID4096" smtClean="0"/>
+              <a:t>15</a:t>
+            </a:fld>
+            <a:endParaRPr lang="LID4096"/>
+          </a:p>
+        </p:txBody>
+      </p:sp>
+      <p:sp>
+        <p:nvSpPr>
+          <p:cNvPr id="5" name="TextBox 4">
+            <a:extLst>
+              <a:ext uri="{FF2B5EF4-FFF2-40B4-BE49-F238E27FC236}">
+                <a16:creationId xmlns:a16="http://schemas.microsoft.com/office/drawing/2014/main" id="{BC6D7755-9325-9BD5-A1D6-3182D428660B}"/>
+              </a:ext>
+            </a:extLst>
+          </p:cNvPr>
+          <p:cNvSpPr txBox="1"/>
+          <p:nvPr/>
+        </p:nvSpPr>
+        <p:spPr>
+          <a:xfrm>
+            <a:off x="1320756" y="2440984"/>
+            <a:ext cx="7170553" cy="369332"/>
+          </a:xfrm>
+          <a:prstGeom prst="rect">
+            <a:avLst/>
+          </a:prstGeom>
+          <a:solidFill>
+            <a:schemeClr val="tx1"/>
+          </a:solidFill>
+          <a:ln>
+            <a:solidFill>
+              <a:schemeClr val="tx1"/>
+            </a:solidFill>
+          </a:ln>
+        </p:spPr>
+        <p:txBody>
+          <a:bodyPr wrap="none" rtlCol="0">
+            <a:spAutoFit/>
+          </a:bodyPr>
+          <a:lstStyle/>
+          <a:p>
+            <a:r>
+              <a:rPr lang="en-US" b="1" dirty="0">
+                <a:solidFill>
+                  <a:schemeClr val="bg1"/>
+                </a:solidFill>
+                <a:latin typeface="Courier New" pitchFamily="49" charset="0"/>
+                <a:cs typeface="Courier New" pitchFamily="49" charset="0"/>
+              </a:rPr>
+              <a:t>$  </a:t>
+            </a:r>
+            <a:r>
+              <a:rPr lang="en-US" b="1" dirty="0" err="1">
+                <a:solidFill>
+                  <a:schemeClr val="bg1"/>
+                </a:solidFill>
+                <a:latin typeface="Courier New" pitchFamily="49" charset="0"/>
+                <a:cs typeface="Courier New" pitchFamily="49" charset="0"/>
+              </a:rPr>
+              <a:t>cmake</a:t>
+            </a:r>
+            <a:r>
+              <a:rPr lang="en-US" b="1" dirty="0">
+                <a:solidFill>
+                  <a:schemeClr val="bg1"/>
+                </a:solidFill>
+                <a:latin typeface="Courier New" pitchFamily="49" charset="0"/>
+                <a:cs typeface="Courier New" pitchFamily="49" charset="0"/>
+              </a:rPr>
+              <a:t> </a:t>
+            </a:r>
+            <a:r>
+              <a:rPr lang="en-US" b="1" dirty="0">
+                <a:solidFill>
+                  <a:schemeClr val="bg1"/>
+                </a:solidFill>
+                <a:latin typeface="Courier New" pitchFamily="49" charset="0"/>
+                <a:cs typeface="Courier New" pitchFamily="49" charset="0"/>
+                <a:sym typeface="Symbol" panose="05050102010706020507" pitchFamily="18" charset="2"/>
+              </a:rPr>
+              <a:t></a:t>
+            </a:r>
+            <a:r>
+              <a:rPr lang="en-US" b="1" dirty="0">
+                <a:solidFill>
+                  <a:schemeClr val="bg1"/>
+                </a:solidFill>
+                <a:latin typeface="Courier New" pitchFamily="49" charset="0"/>
+                <a:cs typeface="Courier New" pitchFamily="49" charset="0"/>
+              </a:rPr>
+              <a:t>  -DCMAKE_INSTALL_PREFIX= </a:t>
+            </a:r>
+            <a:r>
+              <a:rPr lang="en-US" b="1" dirty="0" err="1">
+                <a:solidFill>
+                  <a:schemeClr val="bg1"/>
+                </a:solidFill>
+                <a:latin typeface="Courier New" pitchFamily="49" charset="0"/>
+                <a:cs typeface="Courier New" pitchFamily="49" charset="0"/>
+              </a:rPr>
+              <a:t>some_directory</a:t>
+            </a:r>
+            <a:endParaRPr lang="nl-BE" b="1" dirty="0">
+              <a:solidFill>
+                <a:schemeClr val="bg1"/>
+              </a:solidFill>
+              <a:latin typeface="Courier New" pitchFamily="49" charset="0"/>
+              <a:cs typeface="Courier New" pitchFamily="49" charset="0"/>
+            </a:endParaRPr>
+          </a:p>
+        </p:txBody>
+      </p:sp>
+      <p:sp>
+        <p:nvSpPr>
+          <p:cNvPr id="6" name="TextBox 5">
+            <a:extLst>
+              <a:ext uri="{FF2B5EF4-FFF2-40B4-BE49-F238E27FC236}">
+                <a16:creationId xmlns:a16="http://schemas.microsoft.com/office/drawing/2014/main" id="{A562AD2A-53B2-D25A-0DCD-FF9938006EF4}"/>
+              </a:ext>
+            </a:extLst>
+          </p:cNvPr>
+          <p:cNvSpPr txBox="1"/>
+          <p:nvPr/>
+        </p:nvSpPr>
+        <p:spPr>
+          <a:xfrm>
+            <a:off x="1320756" y="4001294"/>
+            <a:ext cx="7170553" cy="369332"/>
+          </a:xfrm>
+          <a:prstGeom prst="rect">
+            <a:avLst/>
+          </a:prstGeom>
+          <a:solidFill>
+            <a:schemeClr val="tx1"/>
+          </a:solidFill>
+          <a:ln>
+            <a:solidFill>
+              <a:schemeClr val="tx1"/>
+            </a:solidFill>
+          </a:ln>
+        </p:spPr>
+        <p:txBody>
+          <a:bodyPr wrap="square" rtlCol="0">
+            <a:spAutoFit/>
+          </a:bodyPr>
+          <a:lstStyle/>
+          <a:p>
+            <a:r>
+              <a:rPr lang="en-US" b="1" dirty="0">
+                <a:solidFill>
+                  <a:schemeClr val="bg1"/>
+                </a:solidFill>
+                <a:latin typeface="Courier New" pitchFamily="49" charset="0"/>
+                <a:cs typeface="Courier New" pitchFamily="49" charset="0"/>
+              </a:rPr>
+              <a:t>$  </a:t>
+            </a:r>
+            <a:r>
+              <a:rPr lang="en-US" b="1" dirty="0" err="1">
+                <a:solidFill>
+                  <a:schemeClr val="bg1"/>
+                </a:solidFill>
+                <a:latin typeface="Courier New" pitchFamily="49" charset="0"/>
+                <a:cs typeface="Courier New" pitchFamily="49" charset="0"/>
+              </a:rPr>
+              <a:t>cmake</a:t>
+            </a:r>
+            <a:r>
+              <a:rPr lang="en-US" b="1" dirty="0">
+                <a:solidFill>
+                  <a:schemeClr val="bg1"/>
+                </a:solidFill>
+                <a:latin typeface="Courier New" pitchFamily="49" charset="0"/>
+                <a:cs typeface="Courier New" pitchFamily="49" charset="0"/>
+              </a:rPr>
+              <a:t>  </a:t>
+            </a:r>
+            <a:r>
+              <a:rPr lang="en-US" b="1" dirty="0">
+                <a:solidFill>
+                  <a:schemeClr val="bg1"/>
+                </a:solidFill>
+                <a:latin typeface="Courier New" pitchFamily="49" charset="0"/>
+                <a:cs typeface="Courier New" pitchFamily="49" charset="0"/>
+                <a:sym typeface="Symbol" panose="05050102010706020507" pitchFamily="18" charset="2"/>
+              </a:rPr>
+              <a:t></a:t>
+            </a:r>
+            <a:r>
+              <a:rPr lang="en-US" b="1" dirty="0">
+                <a:solidFill>
+                  <a:schemeClr val="bg1"/>
+                </a:solidFill>
+                <a:latin typeface="Courier New" pitchFamily="49" charset="0"/>
+                <a:cs typeface="Courier New" pitchFamily="49" charset="0"/>
+              </a:rPr>
+              <a:t>  -DCMAKE_BUILD_TYPE=Release</a:t>
+            </a:r>
+            <a:endParaRPr lang="nl-BE" b="1" dirty="0">
+              <a:solidFill>
+                <a:schemeClr val="bg1"/>
+              </a:solidFill>
+              <a:latin typeface="Courier New" pitchFamily="49" charset="0"/>
+              <a:cs typeface="Courier New" pitchFamily="49" charset="0"/>
+            </a:endParaRPr>
+          </a:p>
+        </p:txBody>
+      </p:sp>
+      <p:sp>
+        <p:nvSpPr>
+          <p:cNvPr id="7" name="TextBox 6">
+            <a:extLst>
+              <a:ext uri="{FF2B5EF4-FFF2-40B4-BE49-F238E27FC236}">
+                <a16:creationId xmlns:a16="http://schemas.microsoft.com/office/drawing/2014/main" id="{A059F539-D86C-9B93-84F4-1368ED8733F3}"/>
+              </a:ext>
+            </a:extLst>
+          </p:cNvPr>
+          <p:cNvSpPr txBox="1"/>
+          <p:nvPr/>
+        </p:nvSpPr>
+        <p:spPr>
+          <a:xfrm>
+            <a:off x="1320755" y="5561604"/>
+            <a:ext cx="7170553" cy="369332"/>
+          </a:xfrm>
+          <a:prstGeom prst="rect">
+            <a:avLst/>
+          </a:prstGeom>
+          <a:solidFill>
+            <a:schemeClr val="tx1"/>
+          </a:solidFill>
+          <a:ln>
+            <a:solidFill>
+              <a:schemeClr val="tx1"/>
+            </a:solidFill>
+          </a:ln>
+        </p:spPr>
+        <p:txBody>
+          <a:bodyPr wrap="square" rtlCol="0">
+            <a:spAutoFit/>
+          </a:bodyPr>
+          <a:lstStyle/>
+          <a:p>
+            <a:r>
+              <a:rPr lang="en-US" b="1" dirty="0">
+                <a:solidFill>
+                  <a:schemeClr val="bg1"/>
+                </a:solidFill>
+                <a:latin typeface="Courier New" pitchFamily="49" charset="0"/>
+                <a:cs typeface="Courier New" pitchFamily="49" charset="0"/>
+              </a:rPr>
+              <a:t>$  CXX=</a:t>
+            </a:r>
+            <a:r>
+              <a:rPr lang="en-US" b="1" dirty="0" err="1">
+                <a:solidFill>
+                  <a:schemeClr val="bg1"/>
+                </a:solidFill>
+                <a:latin typeface="Courier New" pitchFamily="49" charset="0"/>
+                <a:cs typeface="Courier New" pitchFamily="49" charset="0"/>
+              </a:rPr>
+              <a:t>ipcx</a:t>
+            </a:r>
+            <a:r>
+              <a:rPr lang="en-US" b="1" dirty="0">
+                <a:solidFill>
+                  <a:schemeClr val="bg1"/>
+                </a:solidFill>
+                <a:latin typeface="Courier New" pitchFamily="49" charset="0"/>
+                <a:cs typeface="Courier New" pitchFamily="49" charset="0"/>
+              </a:rPr>
+              <a:t>  </a:t>
+            </a:r>
+            <a:r>
+              <a:rPr lang="en-US" b="1" dirty="0" err="1">
+                <a:solidFill>
+                  <a:schemeClr val="bg1"/>
+                </a:solidFill>
+                <a:latin typeface="Courier New" pitchFamily="49" charset="0"/>
+                <a:cs typeface="Courier New" pitchFamily="49" charset="0"/>
+              </a:rPr>
+              <a:t>cmake</a:t>
+            </a:r>
+            <a:r>
+              <a:rPr lang="en-US" b="1" dirty="0">
+                <a:solidFill>
+                  <a:schemeClr val="bg1"/>
+                </a:solidFill>
+                <a:latin typeface="Courier New" pitchFamily="49" charset="0"/>
+                <a:cs typeface="Courier New" pitchFamily="49" charset="0"/>
+              </a:rPr>
+              <a:t>  </a:t>
+            </a:r>
+            <a:r>
+              <a:rPr lang="en-US" b="1" dirty="0">
+                <a:solidFill>
+                  <a:schemeClr val="bg1"/>
+                </a:solidFill>
+                <a:latin typeface="Courier New" pitchFamily="49" charset="0"/>
+                <a:cs typeface="Courier New" pitchFamily="49" charset="0"/>
+                <a:sym typeface="Symbol" panose="05050102010706020507" pitchFamily="18" charset="2"/>
+              </a:rPr>
+              <a:t></a:t>
+            </a:r>
+            <a:endParaRPr lang="nl-BE" b="1" dirty="0">
+              <a:solidFill>
+                <a:schemeClr val="bg1"/>
+              </a:solidFill>
+              <a:latin typeface="Courier New" pitchFamily="49" charset="0"/>
+              <a:cs typeface="Courier New" pitchFamily="49" charset="0"/>
+            </a:endParaRPr>
+          </a:p>
+        </p:txBody>
+      </p:sp>
+    </p:spTree>
+    <p:extLst>
+      <p:ext uri="{BB962C8B-B14F-4D97-AF65-F5344CB8AC3E}">
+        <p14:creationId xmlns:p14="http://schemas.microsoft.com/office/powerpoint/2010/main" val="1715169035"/>
+      </p:ext>
+    </p:extLst>
+  </p:cSld>
+  <p:clrMapOvr>
+    <a:masterClrMapping/>
+  </p:clrMapOvr>
+  <p:timing>
+    <p:tnLst>
+      <p:par>
+        <p:cTn id="1" dur="indefinite" restart="never" nodeType="tmRoot">
+          <p:childTnLst>
+            <p:seq concurrent="1" nextAc="seek">
+              <p:cTn id="2" dur="indefinite" nodeType="mainSeq">
+                <p:childTnLst>
+                  <p:par>
+                    <p:cTn id="3" fill="hold">
+                      <p:stCondLst>
+                        <p:cond delay="indefinite"/>
+                        <p:cond evt="onBegin" delay="0">
+                          <p:tn val="2"/>
+                        </p:cond>
+                      </p:stCondLst>
+                      <p:childTnLst>
+                        <p:par>
+                          <p:cTn id="4" fill="hold">
+                            <p:stCondLst>
+                              <p:cond delay="0"/>
+                            </p:stCondLst>
+                            <p:childTnLst>
+                              <p:par>
+                                <p:cTn id="5" presetID="1" presetClass="entr" presetSubtype="0" fill="hold" grpId="0" nodeType="withEffect">
+                                  <p:stCondLst>
+                                    <p:cond delay="0"/>
+                                  </p:stCondLst>
+                                  <p:childTnLst>
+                                    <p:set>
+                                      <p:cBhvr>
+                                        <p:cTn id="6" dur="1" fill="hold">
+                                          <p:stCondLst>
+                                            <p:cond delay="0"/>
+                                          </p:stCondLst>
+                                        </p:cTn>
+                                        <p:tgtEl>
+                                          <p:spTgt spid="3">
+                                            <p:txEl>
+                                              <p:pRg st="0" end="0"/>
+                                            </p:txEl>
+                                          </p:spTgt>
+                                        </p:tgtEl>
+                                        <p:attrNameLst>
+                                          <p:attrName>style.visibility</p:attrName>
+                                        </p:attrNameLst>
+                                      </p:cBhvr>
+                                      <p:to>
+                                        <p:strVal val="visible"/>
+                                      </p:to>
+                                    </p:set>
+                                  </p:childTnLst>
+                                </p:cTn>
+                              </p:par>
+                              <p:par>
+                                <p:cTn id="7" presetID="1" presetClass="entr" presetSubtype="0" fill="hold" grpId="0" nodeType="withEffect">
+                                  <p:stCondLst>
+                                    <p:cond delay="0"/>
+                                  </p:stCondLst>
+                                  <p:childTnLst>
+                                    <p:set>
+                                      <p:cBhvr>
+                                        <p:cTn id="8" dur="1" fill="hold">
+                                          <p:stCondLst>
+                                            <p:cond delay="0"/>
+                                          </p:stCondLst>
+                                        </p:cTn>
+                                        <p:tgtEl>
+                                          <p:spTgt spid="5"/>
+                                        </p:tgtEl>
+                                        <p:attrNameLst>
+                                          <p:attrName>style.visibility</p:attrName>
+                                        </p:attrNameLst>
+                                      </p:cBhvr>
+                                      <p:to>
+                                        <p:strVal val="visible"/>
+                                      </p:to>
+                                    </p:set>
+                                  </p:childTnLst>
+                                </p:cTn>
+                              </p:par>
+                            </p:childTnLst>
+                          </p:cTn>
+                        </p:par>
+                      </p:childTnLst>
+                    </p:cTn>
+                  </p:par>
+                  <p:par>
+                    <p:cTn id="9" fill="hold">
+                      <p:stCondLst>
+                        <p:cond delay="indefinite"/>
+                      </p:stCondLst>
+                      <p:childTnLst>
+                        <p:par>
+                          <p:cTn id="10" fill="hold">
+                            <p:stCondLst>
+                              <p:cond delay="0"/>
+                            </p:stCondLst>
+                            <p:childTnLst>
+                              <p:par>
+                                <p:cTn id="11" presetID="1" presetClass="entr" presetSubtype="0" fill="hold" grpId="0" nodeType="clickEffect">
+                                  <p:stCondLst>
+                                    <p:cond delay="0"/>
+                                  </p:stCondLst>
+                                  <p:childTnLst>
+                                    <p:set>
+                                      <p:cBhvr>
+                                        <p:cTn id="12" dur="1" fill="hold">
+                                          <p:stCondLst>
+                                            <p:cond delay="0"/>
+                                          </p:stCondLst>
+                                        </p:cTn>
+                                        <p:tgtEl>
+                                          <p:spTgt spid="3">
+                                            <p:txEl>
+                                              <p:pRg st="3" end="3"/>
+                                            </p:txEl>
+                                          </p:spTgt>
+                                        </p:tgtEl>
+                                        <p:attrNameLst>
+                                          <p:attrName>style.visibility</p:attrName>
+                                        </p:attrNameLst>
+                                      </p:cBhvr>
+                                      <p:to>
+                                        <p:strVal val="visible"/>
+                                      </p:to>
+                                    </p:set>
+                                  </p:childTnLst>
+                                </p:cTn>
+                              </p:par>
+                              <p:par>
+                                <p:cTn id="13" presetID="1" presetClass="entr" presetSubtype="0" fill="hold" grpId="0" nodeType="withEffect">
+                                  <p:stCondLst>
+                                    <p:cond delay="0"/>
+                                  </p:stCondLst>
+                                  <p:childTnLst>
+                                    <p:set>
+                                      <p:cBhvr>
+                                        <p:cTn id="14" dur="1" fill="hold">
+                                          <p:stCondLst>
+                                            <p:cond delay="0"/>
+                                          </p:stCondLst>
+                                        </p:cTn>
+                                        <p:tgtEl>
+                                          <p:spTgt spid="6"/>
+                                        </p:tgtEl>
+                                        <p:attrNameLst>
+                                          <p:attrName>style.visibility</p:attrName>
+                                        </p:attrNameLst>
+                                      </p:cBhvr>
+                                      <p:to>
+                                        <p:strVal val="visible"/>
+                                      </p:to>
+                                    </p:set>
+                                  </p:childTnLst>
+                                </p:cTn>
+                              </p:par>
+                            </p:childTnLst>
+                          </p:cTn>
+                        </p:par>
+                      </p:childTnLst>
+                    </p:cTn>
+                  </p:par>
+                  <p:par>
+                    <p:cTn id="15" fill="hold">
+                      <p:stCondLst>
+                        <p:cond delay="indefinite"/>
+                      </p:stCondLst>
+                      <p:childTnLst>
+                        <p:par>
+                          <p:cTn id="16" fill="hold">
+                            <p:stCondLst>
+                              <p:cond delay="0"/>
+                            </p:stCondLst>
+                            <p:childTnLst>
+                              <p:par>
+                                <p:cTn id="17" presetID="1" presetClass="entr" presetSubtype="0" fill="hold" grpId="0" nodeType="clickEffect">
+                                  <p:stCondLst>
+                                    <p:cond delay="0"/>
+                                  </p:stCondLst>
+                                  <p:childTnLst>
+                                    <p:set>
+                                      <p:cBhvr>
+                                        <p:cTn id="18" dur="1" fill="hold">
+                                          <p:stCondLst>
+                                            <p:cond delay="0"/>
+                                          </p:stCondLst>
+                                        </p:cTn>
+                                        <p:tgtEl>
+                                          <p:spTgt spid="3">
+                                            <p:txEl>
+                                              <p:pRg st="6" end="6"/>
+                                            </p:txEl>
+                                          </p:spTgt>
+                                        </p:tgtEl>
+                                        <p:attrNameLst>
+                                          <p:attrName>style.visibility</p:attrName>
+                                        </p:attrNameLst>
+                                      </p:cBhvr>
+                                      <p:to>
+                                        <p:strVal val="visible"/>
+                                      </p:to>
+                                    </p:set>
+                                  </p:childTnLst>
+                                </p:cTn>
+                              </p:par>
+                              <p:par>
+                                <p:cTn id="19" presetID="1" presetClass="entr" presetSubtype="0" fill="hold" grpId="0" nodeType="withEffect">
+                                  <p:stCondLst>
+                                    <p:cond delay="0"/>
+                                  </p:stCondLst>
+                                  <p:childTnLst>
+                                    <p:set>
+                                      <p:cBhvr>
+                                        <p:cTn id="20" dur="1" fill="hold">
+                                          <p:stCondLst>
+                                            <p:cond delay="0"/>
+                                          </p:stCondLst>
+                                        </p:cTn>
+                                        <p:tgtEl>
+                                          <p:spTgt spid="7"/>
+                                        </p:tgtEl>
+                                        <p:attrNameLst>
+                                          <p:attrName>style.visibility</p:attrName>
+                                        </p:attrNameLst>
+                                      </p:cBhvr>
+                                      <p:to>
+                                        <p:strVal val="visible"/>
+                                      </p:to>
+                                    </p:set>
+                                  </p:childTnLst>
+                                </p:cTn>
+                              </p:par>
+                            </p:childTnLst>
+                          </p:cTn>
+                        </p:par>
+                      </p:childTnLst>
+                    </p:cTn>
+                  </p:par>
+                </p:childTnLst>
+              </p:cTn>
+              <p:prevCondLst>
+                <p:cond evt="onPrev" delay="0">
+                  <p:tgtEl>
+                    <p:sldTgt/>
+                  </p:tgtEl>
+                </p:cond>
+              </p:prevCondLst>
+              <p:nextCondLst>
+                <p:cond evt="onNext" delay="0">
+                  <p:tgtEl>
+                    <p:sldTgt/>
+                  </p:tgtEl>
+                </p:cond>
+              </p:nextCondLst>
+            </p:seq>
+          </p:childTnLst>
+        </p:cTn>
+      </p:par>
+    </p:tnLst>
+    <p:bldLst>
+      <p:bldP spid="3" grpId="0" uiExpand="1" build="p"/>
+      <p:bldP spid="5" grpId="0" animBg="1"/>
+      <p:bldP spid="6" grpId="0" animBg="1"/>
+      <p:bldP spid="7" grpId="0" animBg="1"/>
+    </p:bldLst>
+  </p:timing>
+</p:sld>
+</file>
+
+<file path=ppt/slides/slide16.xml><?xml version="1.0" encoding="utf-8"?>
+<p:sld xmlns:a="http://schemas.openxmlformats.org/drawingml/2006/main" xmlns:r="http://schemas.openxmlformats.org/officeDocument/2006/relationships" xmlns:p="http://schemas.openxmlformats.org/presentationml/2006/main">
+  <p:cSld>
+    <p:spTree>
+      <p:nvGrpSpPr>
+        <p:cNvPr id="1" name=""/>
+        <p:cNvGrpSpPr/>
+        <p:nvPr/>
+      </p:nvGrpSpPr>
+      <p:grpSpPr>
+        <a:xfrm>
+          <a:off x="0" y="0"/>
+          <a:ext cx="0" cy="0"/>
+          <a:chOff x="0" y="0"/>
+          <a:chExt cx="0" cy="0"/>
+        </a:xfrm>
+      </p:grpSpPr>
+      <p:sp>
+        <p:nvSpPr>
+          <p:cNvPr id="2" name="Title 1">
+            <a:extLst>
+              <a:ext uri="{FF2B5EF4-FFF2-40B4-BE49-F238E27FC236}">
+                <a16:creationId xmlns:a16="http://schemas.microsoft.com/office/drawing/2014/main" id="{1B3C6D61-D89D-5A47-77AD-4E16CFFB99C4}"/>
+              </a:ext>
+            </a:extLst>
+          </p:cNvPr>
+          <p:cNvSpPr>
+            <a:spLocks noGrp="1"/>
+          </p:cNvSpPr>
+          <p:nvPr>
+            <p:ph type="title"/>
+          </p:nvPr>
+        </p:nvSpPr>
+        <p:spPr/>
+        <p:txBody>
+          <a:bodyPr/>
+          <a:lstStyle/>
+          <a:p>
+            <a:r>
+              <a:rPr lang="en-US" dirty="0"/>
+              <a:t>Building &amp; installing</a:t>
+            </a:r>
+            <a:endParaRPr lang="LID4096" dirty="0"/>
+          </a:p>
+        </p:txBody>
+      </p:sp>
+      <p:sp>
+        <p:nvSpPr>
+          <p:cNvPr id="3" name="Content Placeholder 2">
+            <a:extLst>
+              <a:ext uri="{FF2B5EF4-FFF2-40B4-BE49-F238E27FC236}">
+                <a16:creationId xmlns:a16="http://schemas.microsoft.com/office/drawing/2014/main" id="{17439330-9C28-B17B-9020-91E477F25EEF}"/>
+              </a:ext>
+            </a:extLst>
+          </p:cNvPr>
+          <p:cNvSpPr>
+            <a:spLocks noGrp="1"/>
+          </p:cNvSpPr>
+          <p:nvPr>
+            <p:ph idx="1"/>
+          </p:nvPr>
+        </p:nvSpPr>
+        <p:spPr/>
+        <p:txBody>
+          <a:bodyPr/>
+          <a:lstStyle/>
+          <a:p>
+            <a:r>
+              <a:rPr lang="en-US" dirty="0"/>
+              <a:t>Build project</a:t>
+            </a:r>
+          </a:p>
+          <a:p>
+            <a:endParaRPr lang="en-US" dirty="0"/>
+          </a:p>
+          <a:p>
+            <a:r>
+              <a:rPr lang="en-US" dirty="0"/>
+              <a:t>Build, but clean first</a:t>
+            </a:r>
+            <a:endParaRPr lang="en-US" dirty="0">
+              <a:latin typeface="Courier New" panose="02070309020205020404" pitchFamily="49" charset="0"/>
+              <a:cs typeface="Courier New" panose="02070309020205020404" pitchFamily="49" charset="0"/>
+            </a:endParaRPr>
+          </a:p>
+          <a:p>
+            <a:endParaRPr lang="en-US" dirty="0"/>
+          </a:p>
+          <a:p>
+            <a:r>
+              <a:rPr lang="en-US" dirty="0"/>
+              <a:t>Install</a:t>
+            </a:r>
+          </a:p>
+          <a:p>
+            <a:endParaRPr lang="en-US" dirty="0"/>
+          </a:p>
+          <a:p>
+            <a:r>
+              <a:rPr lang="en-US" dirty="0"/>
+              <a:t>Clean</a:t>
+            </a:r>
+          </a:p>
+          <a:p>
+            <a:endParaRPr lang="en-US" dirty="0"/>
+          </a:p>
+          <a:p>
+            <a:endParaRPr lang="LID4096" dirty="0"/>
+          </a:p>
+        </p:txBody>
+      </p:sp>
+      <p:sp>
+        <p:nvSpPr>
+          <p:cNvPr id="4" name="Slide Number Placeholder 3">
+            <a:extLst>
+              <a:ext uri="{FF2B5EF4-FFF2-40B4-BE49-F238E27FC236}">
+                <a16:creationId xmlns:a16="http://schemas.microsoft.com/office/drawing/2014/main" id="{8833E781-F30A-F0FB-655F-F91A6C3E58F3}"/>
+              </a:ext>
+            </a:extLst>
+          </p:cNvPr>
+          <p:cNvSpPr>
+            <a:spLocks noGrp="1"/>
+          </p:cNvSpPr>
+          <p:nvPr>
+            <p:ph type="sldNum" sz="quarter" idx="12"/>
+          </p:nvPr>
+        </p:nvSpPr>
+        <p:spPr/>
+        <p:txBody>
+          <a:bodyPr/>
+          <a:lstStyle/>
+          <a:p>
+            <a:fld id="{FDB1AA33-DFBB-49AC-8CEE-23FFECEB5648}" type="slidenum">
+              <a:rPr lang="LID4096" smtClean="0"/>
+              <a:t>16</a:t>
+            </a:fld>
+            <a:endParaRPr lang="LID4096"/>
+          </a:p>
+        </p:txBody>
+      </p:sp>
+      <p:sp>
+        <p:nvSpPr>
+          <p:cNvPr id="5" name="TextBox 4">
+            <a:extLst>
+              <a:ext uri="{FF2B5EF4-FFF2-40B4-BE49-F238E27FC236}">
+                <a16:creationId xmlns:a16="http://schemas.microsoft.com/office/drawing/2014/main" id="{BC6D7755-9325-9BD5-A1D6-3182D428660B}"/>
+              </a:ext>
+            </a:extLst>
+          </p:cNvPr>
+          <p:cNvSpPr txBox="1"/>
+          <p:nvPr/>
+        </p:nvSpPr>
+        <p:spPr>
+          <a:xfrm>
+            <a:off x="1320756" y="2375668"/>
+            <a:ext cx="5744072" cy="369332"/>
+          </a:xfrm>
+          <a:prstGeom prst="rect">
+            <a:avLst/>
+          </a:prstGeom>
+          <a:solidFill>
+            <a:schemeClr val="tx1"/>
+          </a:solidFill>
+          <a:ln>
+            <a:solidFill>
+              <a:schemeClr val="tx1"/>
+            </a:solidFill>
+          </a:ln>
+        </p:spPr>
+        <p:txBody>
+          <a:bodyPr wrap="square" rtlCol="0">
+            <a:spAutoFit/>
+          </a:bodyPr>
+          <a:lstStyle/>
+          <a:p>
+            <a:r>
+              <a:rPr lang="en-US" b="1" dirty="0">
+                <a:solidFill>
+                  <a:schemeClr val="bg1"/>
+                </a:solidFill>
+                <a:latin typeface="Courier New" pitchFamily="49" charset="0"/>
+                <a:cs typeface="Courier New" pitchFamily="49" charset="0"/>
+              </a:rPr>
+              <a:t>$  </a:t>
+            </a:r>
+            <a:r>
+              <a:rPr lang="en-US" b="1" dirty="0" err="1">
+                <a:solidFill>
+                  <a:schemeClr val="bg1"/>
+                </a:solidFill>
+                <a:latin typeface="Courier New" pitchFamily="49" charset="0"/>
+                <a:cs typeface="Courier New" pitchFamily="49" charset="0"/>
+              </a:rPr>
+              <a:t>cmake</a:t>
+            </a:r>
+            <a:r>
+              <a:rPr lang="en-US" b="1" dirty="0">
+                <a:solidFill>
+                  <a:schemeClr val="bg1"/>
+                </a:solidFill>
+                <a:latin typeface="Courier New" pitchFamily="49" charset="0"/>
+                <a:cs typeface="Courier New" pitchFamily="49" charset="0"/>
+              </a:rPr>
+              <a:t> </a:t>
+            </a:r>
+            <a:r>
+              <a:rPr lang="en-US" b="1" dirty="0">
+                <a:solidFill>
+                  <a:schemeClr val="bg1"/>
+                </a:solidFill>
+                <a:latin typeface="Courier New" pitchFamily="49" charset="0"/>
+                <a:cs typeface="Courier New" pitchFamily="49" charset="0"/>
+                <a:sym typeface="Symbol" panose="05050102010706020507" pitchFamily="18" charset="2"/>
+              </a:rPr>
+              <a:t>--build build/</a:t>
+            </a:r>
+            <a:endParaRPr lang="nl-BE" b="1" dirty="0">
+              <a:solidFill>
+                <a:schemeClr val="bg1"/>
+              </a:solidFill>
+              <a:latin typeface="Courier New" pitchFamily="49" charset="0"/>
+              <a:cs typeface="Courier New" pitchFamily="49" charset="0"/>
+            </a:endParaRPr>
+          </a:p>
+        </p:txBody>
+      </p:sp>
+      <p:sp>
+        <p:nvSpPr>
+          <p:cNvPr id="6" name="TextBox 5">
+            <a:extLst>
+              <a:ext uri="{FF2B5EF4-FFF2-40B4-BE49-F238E27FC236}">
+                <a16:creationId xmlns:a16="http://schemas.microsoft.com/office/drawing/2014/main" id="{A562AD2A-53B2-D25A-0DCD-FF9938006EF4}"/>
+              </a:ext>
+            </a:extLst>
+          </p:cNvPr>
+          <p:cNvSpPr txBox="1"/>
+          <p:nvPr/>
+        </p:nvSpPr>
+        <p:spPr>
+          <a:xfrm>
+            <a:off x="1320756" y="3324283"/>
+            <a:ext cx="5744074" cy="369332"/>
+          </a:xfrm>
+          <a:prstGeom prst="rect">
+            <a:avLst/>
+          </a:prstGeom>
+          <a:solidFill>
+            <a:schemeClr val="tx1"/>
+          </a:solidFill>
+          <a:ln>
+            <a:solidFill>
+              <a:schemeClr val="tx1"/>
+            </a:solidFill>
+          </a:ln>
+        </p:spPr>
+        <p:txBody>
+          <a:bodyPr wrap="square" rtlCol="0">
+            <a:spAutoFit/>
+          </a:bodyPr>
+          <a:lstStyle/>
+          <a:p>
+            <a:r>
+              <a:rPr lang="en-US" b="1" dirty="0">
+                <a:solidFill>
+                  <a:schemeClr val="bg1"/>
+                </a:solidFill>
+                <a:latin typeface="Courier New" pitchFamily="49" charset="0"/>
+                <a:cs typeface="Courier New" pitchFamily="49" charset="0"/>
+              </a:rPr>
+              <a:t>$  </a:t>
+            </a:r>
+            <a:r>
+              <a:rPr lang="en-US" b="1" dirty="0" err="1">
+                <a:solidFill>
+                  <a:schemeClr val="bg1"/>
+                </a:solidFill>
+                <a:latin typeface="Courier New" pitchFamily="49" charset="0"/>
+                <a:cs typeface="Courier New" pitchFamily="49" charset="0"/>
+              </a:rPr>
+              <a:t>cmake</a:t>
+            </a:r>
+            <a:r>
+              <a:rPr lang="en-US" b="1" dirty="0">
+                <a:solidFill>
+                  <a:schemeClr val="bg1"/>
+                </a:solidFill>
+                <a:latin typeface="Courier New" pitchFamily="49" charset="0"/>
+                <a:cs typeface="Courier New" pitchFamily="49" charset="0"/>
+              </a:rPr>
+              <a:t>  </a:t>
+            </a:r>
+            <a:r>
+              <a:rPr lang="en-US" b="1" dirty="0">
+                <a:solidFill>
+                  <a:schemeClr val="bg1"/>
+                </a:solidFill>
+                <a:latin typeface="Courier New" pitchFamily="49" charset="0"/>
+                <a:cs typeface="Courier New" pitchFamily="49" charset="0"/>
+                <a:sym typeface="Symbol" panose="05050102010706020507" pitchFamily="18" charset="2"/>
+              </a:rPr>
+              <a:t>--build build/  --clean-first</a:t>
+            </a:r>
+            <a:endParaRPr lang="nl-BE" b="1" dirty="0">
+              <a:solidFill>
+                <a:schemeClr val="bg1"/>
+              </a:solidFill>
+              <a:latin typeface="Courier New" pitchFamily="49" charset="0"/>
+              <a:cs typeface="Courier New" pitchFamily="49" charset="0"/>
+            </a:endParaRPr>
+          </a:p>
+        </p:txBody>
+      </p:sp>
+      <p:sp>
+        <p:nvSpPr>
+          <p:cNvPr id="7" name="TextBox 6">
+            <a:extLst>
+              <a:ext uri="{FF2B5EF4-FFF2-40B4-BE49-F238E27FC236}">
+                <a16:creationId xmlns:a16="http://schemas.microsoft.com/office/drawing/2014/main" id="{A059F539-D86C-9B93-84F4-1368ED8733F3}"/>
+              </a:ext>
+            </a:extLst>
+          </p:cNvPr>
+          <p:cNvSpPr txBox="1"/>
+          <p:nvPr/>
+        </p:nvSpPr>
+        <p:spPr>
+          <a:xfrm>
+            <a:off x="1320754" y="4391181"/>
+            <a:ext cx="5744075" cy="369332"/>
+          </a:xfrm>
+          <a:prstGeom prst="rect">
+            <a:avLst/>
+          </a:prstGeom>
+          <a:solidFill>
+            <a:schemeClr val="tx1"/>
+          </a:solidFill>
+          <a:ln>
+            <a:solidFill>
+              <a:schemeClr val="tx1"/>
+            </a:solidFill>
+          </a:ln>
+        </p:spPr>
+        <p:txBody>
+          <a:bodyPr wrap="square" rtlCol="0">
+            <a:spAutoFit/>
+          </a:bodyPr>
+          <a:lstStyle/>
+          <a:p>
+            <a:r>
+              <a:rPr lang="en-US" b="1" dirty="0">
+                <a:solidFill>
+                  <a:schemeClr val="bg1"/>
+                </a:solidFill>
+                <a:latin typeface="Courier New" pitchFamily="49" charset="0"/>
+                <a:cs typeface="Courier New" pitchFamily="49" charset="0"/>
+              </a:rPr>
+              <a:t>$  </a:t>
+            </a:r>
+            <a:r>
+              <a:rPr lang="en-US" b="1" dirty="0" err="1">
+                <a:solidFill>
+                  <a:schemeClr val="bg1"/>
+                </a:solidFill>
+                <a:latin typeface="Courier New" pitchFamily="49" charset="0"/>
+                <a:cs typeface="Courier New" pitchFamily="49" charset="0"/>
+              </a:rPr>
+              <a:t>cmake</a:t>
+            </a:r>
+            <a:r>
+              <a:rPr lang="en-US" b="1" dirty="0">
+                <a:solidFill>
+                  <a:schemeClr val="bg1"/>
+                </a:solidFill>
+                <a:latin typeface="Courier New" pitchFamily="49" charset="0"/>
+                <a:cs typeface="Courier New" pitchFamily="49" charset="0"/>
+              </a:rPr>
+              <a:t>  --install build/</a:t>
+            </a:r>
+            <a:endParaRPr lang="nl-BE" b="1" dirty="0">
+              <a:solidFill>
+                <a:schemeClr val="bg1"/>
+              </a:solidFill>
+              <a:latin typeface="Courier New" pitchFamily="49" charset="0"/>
+              <a:cs typeface="Courier New" pitchFamily="49" charset="0"/>
+            </a:endParaRPr>
+          </a:p>
+        </p:txBody>
+      </p:sp>
+      <p:sp>
+        <p:nvSpPr>
+          <p:cNvPr id="8" name="TextBox 7">
+            <a:extLst>
+              <a:ext uri="{FF2B5EF4-FFF2-40B4-BE49-F238E27FC236}">
+                <a16:creationId xmlns:a16="http://schemas.microsoft.com/office/drawing/2014/main" id="{0D2B9CA8-B854-0CE6-A8C2-3080D3BCA8D0}"/>
+              </a:ext>
+            </a:extLst>
+          </p:cNvPr>
+          <p:cNvSpPr txBox="1"/>
+          <p:nvPr/>
+        </p:nvSpPr>
+        <p:spPr>
+          <a:xfrm>
+            <a:off x="1320753" y="5458079"/>
+            <a:ext cx="5744075" cy="369332"/>
+          </a:xfrm>
+          <a:prstGeom prst="rect">
+            <a:avLst/>
+          </a:prstGeom>
+          <a:solidFill>
+            <a:schemeClr val="tx1"/>
+          </a:solidFill>
+          <a:ln>
+            <a:solidFill>
+              <a:schemeClr val="tx1"/>
+            </a:solidFill>
+          </a:ln>
+        </p:spPr>
+        <p:txBody>
+          <a:bodyPr wrap="square" rtlCol="0">
+            <a:spAutoFit/>
+          </a:bodyPr>
+          <a:lstStyle/>
+          <a:p>
+            <a:r>
+              <a:rPr lang="en-US" b="1" dirty="0">
+                <a:solidFill>
+                  <a:schemeClr val="bg1"/>
+                </a:solidFill>
+                <a:latin typeface="Courier New" pitchFamily="49" charset="0"/>
+                <a:cs typeface="Courier New" pitchFamily="49" charset="0"/>
+              </a:rPr>
+              <a:t>$  </a:t>
+            </a:r>
+            <a:r>
+              <a:rPr lang="en-US" b="1" dirty="0" err="1">
+                <a:solidFill>
+                  <a:schemeClr val="bg1"/>
+                </a:solidFill>
+                <a:latin typeface="Courier New" pitchFamily="49" charset="0"/>
+                <a:cs typeface="Courier New" pitchFamily="49" charset="0"/>
+              </a:rPr>
+              <a:t>cmake</a:t>
+            </a:r>
+            <a:r>
+              <a:rPr lang="en-US" b="1" dirty="0">
+                <a:solidFill>
+                  <a:schemeClr val="bg1"/>
+                </a:solidFill>
+                <a:latin typeface="Courier New" pitchFamily="49" charset="0"/>
+                <a:cs typeface="Courier New" pitchFamily="49" charset="0"/>
+              </a:rPr>
+              <a:t>  --build build/  --target clean</a:t>
+            </a:r>
+            <a:endParaRPr lang="nl-BE" b="1" dirty="0">
+              <a:solidFill>
+                <a:schemeClr val="bg1"/>
+              </a:solidFill>
+              <a:latin typeface="Courier New" pitchFamily="49" charset="0"/>
+              <a:cs typeface="Courier New" pitchFamily="49" charset="0"/>
+            </a:endParaRPr>
+          </a:p>
+        </p:txBody>
+      </p:sp>
+    </p:spTree>
+    <p:extLst>
+      <p:ext uri="{BB962C8B-B14F-4D97-AF65-F5344CB8AC3E}">
+        <p14:creationId xmlns:p14="http://schemas.microsoft.com/office/powerpoint/2010/main" val="3160591201"/>
+      </p:ext>
+    </p:extLst>
+  </p:cSld>
+  <p:clrMapOvr>
+    <a:masterClrMapping/>
+  </p:clrMapOvr>
+  <p:timing>
+    <p:tnLst>
+      <p:par>
+        <p:cTn id="1" dur="indefinite" restart="never" nodeType="tmRoot">
+          <p:childTnLst>
+            <p:seq concurrent="1" nextAc="seek">
+              <p:cTn id="2" dur="indefinite" nodeType="mainSeq">
+                <p:childTnLst>
+                  <p:par>
+                    <p:cTn id="3" fill="hold">
+                      <p:stCondLst>
+                        <p:cond delay="indefinite"/>
+                        <p:cond evt="onBegin" delay="0">
+                          <p:tn val="2"/>
+                        </p:cond>
+                      </p:stCondLst>
+                      <p:childTnLst>
+                        <p:par>
+                          <p:cTn id="4" fill="hold">
+                            <p:stCondLst>
+                              <p:cond delay="0"/>
+                            </p:stCondLst>
+                            <p:childTnLst>
+                              <p:par>
+                                <p:cTn id="5" presetID="1" presetClass="entr" presetSubtype="0" fill="hold" grpId="0" nodeType="withEffect">
+                                  <p:stCondLst>
+                                    <p:cond delay="0"/>
+                                  </p:stCondLst>
+                                  <p:childTnLst>
+                                    <p:set>
+                                      <p:cBhvr>
+                                        <p:cTn id="6" dur="1" fill="hold">
+                                          <p:stCondLst>
+                                            <p:cond delay="0"/>
+                                          </p:stCondLst>
+                                        </p:cTn>
+                                        <p:tgtEl>
+                                          <p:spTgt spid="3">
+                                            <p:txEl>
+                                              <p:pRg st="0" end="0"/>
+                                            </p:txEl>
+                                          </p:spTgt>
+                                        </p:tgtEl>
+                                        <p:attrNameLst>
+                                          <p:attrName>style.visibility</p:attrName>
+                                        </p:attrNameLst>
+                                      </p:cBhvr>
+                                      <p:to>
+                                        <p:strVal val="visible"/>
+                                      </p:to>
+                                    </p:set>
+                                  </p:childTnLst>
+                                </p:cTn>
+                              </p:par>
+                              <p:par>
+                                <p:cTn id="7" presetID="1" presetClass="entr" presetSubtype="0" fill="hold" grpId="0" nodeType="withEffect">
+                                  <p:stCondLst>
+                                    <p:cond delay="0"/>
+                                  </p:stCondLst>
+                                  <p:childTnLst>
+                                    <p:set>
+                                      <p:cBhvr>
+                                        <p:cTn id="8" dur="1" fill="hold">
+                                          <p:stCondLst>
+                                            <p:cond delay="0"/>
+                                          </p:stCondLst>
+                                        </p:cTn>
+                                        <p:tgtEl>
+                                          <p:spTgt spid="5"/>
+                                        </p:tgtEl>
+                                        <p:attrNameLst>
+                                          <p:attrName>style.visibility</p:attrName>
+                                        </p:attrNameLst>
+                                      </p:cBhvr>
+                                      <p:to>
+                                        <p:strVal val="visible"/>
+                                      </p:to>
+                                    </p:set>
+                                  </p:childTnLst>
+                                </p:cTn>
+                              </p:par>
+                            </p:childTnLst>
+                          </p:cTn>
+                        </p:par>
+                      </p:childTnLst>
+                    </p:cTn>
+                  </p:par>
+                  <p:par>
+                    <p:cTn id="9" fill="hold">
+                      <p:stCondLst>
+                        <p:cond delay="indefinite"/>
+                      </p:stCondLst>
+                      <p:childTnLst>
+                        <p:par>
+                          <p:cTn id="10" fill="hold">
+                            <p:stCondLst>
+                              <p:cond delay="0"/>
+                            </p:stCondLst>
+                            <p:childTnLst>
+                              <p:par>
+                                <p:cTn id="11" presetID="1" presetClass="entr" presetSubtype="0" fill="hold" grpId="0" nodeType="clickEffect">
+                                  <p:stCondLst>
+                                    <p:cond delay="0"/>
+                                  </p:stCondLst>
+                                  <p:childTnLst>
+                                    <p:set>
+                                      <p:cBhvr>
+                                        <p:cTn id="12" dur="1" fill="hold">
+                                          <p:stCondLst>
+                                            <p:cond delay="0"/>
+                                          </p:stCondLst>
+                                        </p:cTn>
+                                        <p:tgtEl>
+                                          <p:spTgt spid="3">
+                                            <p:txEl>
+                                              <p:pRg st="2" end="2"/>
+                                            </p:txEl>
+                                          </p:spTgt>
+                                        </p:tgtEl>
+                                        <p:attrNameLst>
+                                          <p:attrName>style.visibility</p:attrName>
+                                        </p:attrNameLst>
+                                      </p:cBhvr>
+                                      <p:to>
+                                        <p:strVal val="visible"/>
+                                      </p:to>
+                                    </p:set>
+                                  </p:childTnLst>
+                                </p:cTn>
+                              </p:par>
+                              <p:par>
+                                <p:cTn id="13" presetID="1" presetClass="entr" presetSubtype="0" fill="hold" grpId="0" nodeType="withEffect">
+                                  <p:stCondLst>
+                                    <p:cond delay="0"/>
+                                  </p:stCondLst>
+                                  <p:childTnLst>
+                                    <p:set>
+                                      <p:cBhvr>
+                                        <p:cTn id="14" dur="1" fill="hold">
+                                          <p:stCondLst>
+                                            <p:cond delay="0"/>
+                                          </p:stCondLst>
+                                        </p:cTn>
+                                        <p:tgtEl>
+                                          <p:spTgt spid="6"/>
+                                        </p:tgtEl>
+                                        <p:attrNameLst>
+                                          <p:attrName>style.visibility</p:attrName>
+                                        </p:attrNameLst>
+                                      </p:cBhvr>
+                                      <p:to>
+                                        <p:strVal val="visible"/>
+                                      </p:to>
+                                    </p:set>
+                                  </p:childTnLst>
+                                </p:cTn>
+                              </p:par>
+                            </p:childTnLst>
+                          </p:cTn>
+                        </p:par>
+                      </p:childTnLst>
+                    </p:cTn>
+                  </p:par>
+                  <p:par>
+                    <p:cTn id="15" fill="hold">
+                      <p:stCondLst>
+                        <p:cond delay="indefinite"/>
+                      </p:stCondLst>
+                      <p:childTnLst>
+                        <p:par>
+                          <p:cTn id="16" fill="hold">
+                            <p:stCondLst>
+                              <p:cond delay="0"/>
+                            </p:stCondLst>
+                            <p:childTnLst>
+                              <p:par>
+                                <p:cTn id="17" presetID="1" presetClass="entr" presetSubtype="0" fill="hold" grpId="0" nodeType="clickEffect">
+                                  <p:stCondLst>
+                                    <p:cond delay="0"/>
+                                  </p:stCondLst>
+                                  <p:childTnLst>
+                                    <p:set>
+                                      <p:cBhvr>
+                                        <p:cTn id="18" dur="1" fill="hold">
+                                          <p:stCondLst>
+                                            <p:cond delay="0"/>
+                                          </p:stCondLst>
+                                        </p:cTn>
+                                        <p:tgtEl>
+                                          <p:spTgt spid="3">
+                                            <p:txEl>
+                                              <p:pRg st="4" end="4"/>
+                                            </p:txEl>
+                                          </p:spTgt>
+                                        </p:tgtEl>
+                                        <p:attrNameLst>
+                                          <p:attrName>style.visibility</p:attrName>
+                                        </p:attrNameLst>
+                                      </p:cBhvr>
+                                      <p:to>
+                                        <p:strVal val="visible"/>
+                                      </p:to>
+                                    </p:set>
+                                  </p:childTnLst>
+                                </p:cTn>
+                              </p:par>
+                              <p:par>
+                                <p:cTn id="19" presetID="1" presetClass="entr" presetSubtype="0" fill="hold" grpId="0" nodeType="withEffect">
+                                  <p:stCondLst>
+                                    <p:cond delay="0"/>
+                                  </p:stCondLst>
+                                  <p:childTnLst>
+                                    <p:set>
+                                      <p:cBhvr>
+                                        <p:cTn id="20" dur="1" fill="hold">
+                                          <p:stCondLst>
+                                            <p:cond delay="0"/>
+                                          </p:stCondLst>
+                                        </p:cTn>
+                                        <p:tgtEl>
+                                          <p:spTgt spid="7"/>
+                                        </p:tgtEl>
+                                        <p:attrNameLst>
+                                          <p:attrName>style.visibility</p:attrName>
+                                        </p:attrNameLst>
+                                      </p:cBhvr>
+                                      <p:to>
+                                        <p:strVal val="visible"/>
+                                      </p:to>
+                                    </p:set>
+                                  </p:childTnLst>
+                                </p:cTn>
+                              </p:par>
+                            </p:childTnLst>
+                          </p:cTn>
+                        </p:par>
+                      </p:childTnLst>
+                    </p:cTn>
+                  </p:par>
+                  <p:par>
+                    <p:cTn id="21" fill="hold">
+                      <p:stCondLst>
+                        <p:cond delay="indefinite"/>
+                      </p:stCondLst>
+                      <p:childTnLst>
+                        <p:par>
+                          <p:cTn id="22" fill="hold">
+                            <p:stCondLst>
+                              <p:cond delay="0"/>
+                            </p:stCondLst>
+                            <p:childTnLst>
+                              <p:par>
+                                <p:cTn id="23" presetID="1" presetClass="entr" presetSubtype="0" fill="hold" grpId="0" nodeType="clickEffect">
+                                  <p:stCondLst>
+                                    <p:cond delay="0"/>
+                                  </p:stCondLst>
+                                  <p:childTnLst>
+                                    <p:set>
+                                      <p:cBhvr>
+                                        <p:cTn id="24" dur="1" fill="hold">
+                                          <p:stCondLst>
+                                            <p:cond delay="0"/>
+                                          </p:stCondLst>
+                                        </p:cTn>
+                                        <p:tgtEl>
+                                          <p:spTgt spid="3">
+                                            <p:txEl>
+                                              <p:pRg st="6" end="6"/>
+                                            </p:txEl>
+                                          </p:spTgt>
+                                        </p:tgtEl>
+                                        <p:attrNameLst>
+                                          <p:attrName>style.visibility</p:attrName>
+                                        </p:attrNameLst>
+                                      </p:cBhvr>
+                                      <p:to>
+                                        <p:strVal val="visible"/>
+                                      </p:to>
+                                    </p:set>
+                                  </p:childTnLst>
+                                </p:cTn>
+                              </p:par>
+                              <p:par>
+                                <p:cTn id="25" presetID="1" presetClass="entr" presetSubtype="0" fill="hold" grpId="0" nodeType="withEffect">
+                                  <p:stCondLst>
+                                    <p:cond delay="0"/>
+                                  </p:stCondLst>
+                                  <p:childTnLst>
+                                    <p:set>
+                                      <p:cBhvr>
+                                        <p:cTn id="26" dur="1" fill="hold">
+                                          <p:stCondLst>
+                                            <p:cond delay="0"/>
+                                          </p:stCondLst>
+                                        </p:cTn>
+                                        <p:tgtEl>
+                                          <p:spTgt spid="8"/>
+                                        </p:tgtEl>
+                                        <p:attrNameLst>
+                                          <p:attrName>style.visibility</p:attrName>
+                                        </p:attrNameLst>
+                                      </p:cBhvr>
+                                      <p:to>
+                                        <p:strVal val="visible"/>
+                                      </p:to>
+                                    </p:set>
+                                  </p:childTnLst>
+                                </p:cTn>
+                              </p:par>
+                            </p:childTnLst>
+                          </p:cTn>
+                        </p:par>
+                      </p:childTnLst>
+                    </p:cTn>
+                  </p:par>
+                </p:childTnLst>
+              </p:cTn>
+              <p:prevCondLst>
+                <p:cond evt="onPrev" delay="0">
+                  <p:tgtEl>
+                    <p:sldTgt/>
+                  </p:tgtEl>
+                </p:cond>
+              </p:prevCondLst>
+              <p:nextCondLst>
+                <p:cond evt="onNext" delay="0">
+                  <p:tgtEl>
+                    <p:sldTgt/>
+                  </p:tgtEl>
+                </p:cond>
+              </p:nextCondLst>
+            </p:seq>
+          </p:childTnLst>
+        </p:cTn>
+      </p:par>
+    </p:tnLst>
+    <p:bldLst>
+      <p:bldP spid="3" grpId="0" uiExpand="1" build="p"/>
+      <p:bldP spid="5" grpId="0" animBg="1"/>
+      <p:bldP spid="6" grpId="0" animBg="1"/>
+      <p:bldP spid="7" grpId="0" animBg="1"/>
+      <p:bldP spid="8" grpId="0" animBg="1"/>
+    </p:bldLst>
+  </p:timing>
+</p:sld>
+</file>
+
+<file path=ppt/slides/slide17.xml><?xml version="1.0" encoding="utf-8"?>
+<p:sld xmlns:a="http://schemas.openxmlformats.org/drawingml/2006/main" xmlns:r="http://schemas.openxmlformats.org/officeDocument/2006/relationships" xmlns:p="http://schemas.openxmlformats.org/presentationml/2006/main">
+  <p:cSld>
+    <p:spTree>
+      <p:nvGrpSpPr>
+        <p:cNvPr id="1" name=""/>
+        <p:cNvGrpSpPr/>
+        <p:nvPr/>
+      </p:nvGrpSpPr>
+      <p:grpSpPr>
+        <a:xfrm>
+          <a:off x="0" y="0"/>
+          <a:ext cx="0" cy="0"/>
+          <a:chOff x="0" y="0"/>
+          <a:chExt cx="0" cy="0"/>
+        </a:xfrm>
+      </p:grpSpPr>
+      <p:sp>
+        <p:nvSpPr>
+          <p:cNvPr id="2" name="Title 1">
+            <a:extLst>
+              <a:ext uri="{FF2B5EF4-FFF2-40B4-BE49-F238E27FC236}">
+                <a16:creationId xmlns:a16="http://schemas.microsoft.com/office/drawing/2014/main" id="{07345C9C-7D76-745A-A2D7-73BF7C3F22CF}"/>
+              </a:ext>
+            </a:extLst>
+          </p:cNvPr>
+          <p:cNvSpPr>
+            <a:spLocks noGrp="1"/>
+          </p:cNvSpPr>
+          <p:nvPr>
+            <p:ph type="title"/>
+          </p:nvPr>
+        </p:nvSpPr>
+        <p:spPr/>
+        <p:txBody>
+          <a:bodyPr/>
+          <a:lstStyle/>
+          <a:p>
+            <a:r>
+              <a:rPr lang="en-US" dirty="0"/>
+              <a:t>More complex examples</a:t>
+            </a:r>
+            <a:endParaRPr lang="LID4096" dirty="0"/>
+          </a:p>
+        </p:txBody>
+      </p:sp>
+      <p:sp>
+        <p:nvSpPr>
+          <p:cNvPr id="3" name="Content Placeholder 2">
+            <a:extLst>
+              <a:ext uri="{FF2B5EF4-FFF2-40B4-BE49-F238E27FC236}">
+                <a16:creationId xmlns:a16="http://schemas.microsoft.com/office/drawing/2014/main" id="{D671A25A-E0DF-F20E-F522-0FC3336AD8D4}"/>
+              </a:ext>
+            </a:extLst>
+          </p:cNvPr>
+          <p:cNvSpPr>
+            <a:spLocks noGrp="1"/>
+          </p:cNvSpPr>
+          <p:nvPr>
+            <p:ph idx="1"/>
+          </p:nvPr>
+        </p:nvSpPr>
+        <p:spPr>
+          <a:xfrm>
+            <a:off x="838200" y="1825625"/>
+            <a:ext cx="10515600" cy="3813175"/>
+          </a:xfrm>
+        </p:spPr>
+        <p:txBody>
+          <a:bodyPr>
+            <a:normAutofit fontScale="92500" lnSpcReduction="20000"/>
+          </a:bodyPr>
+          <a:lstStyle/>
+          <a:p>
+            <a:r>
+              <a:rPr lang="en-US" dirty="0"/>
+              <a:t>Building a library: </a:t>
+            </a:r>
+            <a:r>
+              <a:rPr lang="en-US" dirty="0">
+                <a:latin typeface="Courier New" panose="02070309020205020404" pitchFamily="49" charset="0"/>
+                <a:cs typeface="Courier New" panose="02070309020205020404" pitchFamily="49" charset="0"/>
+              </a:rPr>
+              <a:t>library</a:t>
+            </a:r>
+          </a:p>
+          <a:p>
+            <a:r>
+              <a:rPr lang="en-US" dirty="0"/>
+              <a:t>Using GNU GSL: </a:t>
+            </a:r>
+            <a:r>
+              <a:rPr lang="en-US" dirty="0">
+                <a:latin typeface="Courier New" panose="02070309020205020404" pitchFamily="49" charset="0"/>
+                <a:cs typeface="Courier New" panose="02070309020205020404" pitchFamily="49" charset="0"/>
+              </a:rPr>
+              <a:t>external-library</a:t>
+            </a:r>
+          </a:p>
+          <a:p>
+            <a:r>
+              <a:rPr lang="en-US" dirty="0"/>
+              <a:t>Using Boost: </a:t>
+            </a:r>
+            <a:r>
+              <a:rPr lang="en-US" dirty="0">
+                <a:latin typeface="Courier New" panose="02070309020205020404" pitchFamily="49" charset="0"/>
+                <a:cs typeface="Courier New" panose="02070309020205020404" pitchFamily="49" charset="0"/>
+              </a:rPr>
+              <a:t>boost</a:t>
+            </a:r>
+          </a:p>
+          <a:p>
+            <a:r>
+              <a:rPr lang="en-US" dirty="0"/>
+              <a:t>Using BLAS/</a:t>
+            </a:r>
+            <a:r>
+              <a:rPr lang="en-US" dirty="0" err="1"/>
+              <a:t>Lapack</a:t>
+            </a:r>
+            <a:r>
+              <a:rPr lang="en-US" dirty="0"/>
+              <a:t>: </a:t>
+            </a:r>
+            <a:r>
+              <a:rPr lang="en-US" dirty="0" err="1">
+                <a:latin typeface="Courier New" panose="02070309020205020404" pitchFamily="49" charset="0"/>
+                <a:cs typeface="Courier New" panose="02070309020205020404" pitchFamily="49" charset="0"/>
+              </a:rPr>
+              <a:t>blas-lapack</a:t>
+            </a:r>
+            <a:endParaRPr lang="en-US" dirty="0">
+              <a:latin typeface="Courier New" panose="02070309020205020404" pitchFamily="49" charset="0"/>
+              <a:cs typeface="Courier New" panose="02070309020205020404" pitchFamily="49" charset="0"/>
+            </a:endParaRPr>
+          </a:p>
+          <a:p>
+            <a:r>
+              <a:rPr lang="en-US" dirty="0"/>
+              <a:t>Installing executables and scripts: </a:t>
+            </a:r>
+            <a:r>
+              <a:rPr lang="en-US" dirty="0">
+                <a:latin typeface="Courier New" panose="02070309020205020404" pitchFamily="49" charset="0"/>
+                <a:cs typeface="Courier New" panose="02070309020205020404" pitchFamily="49" charset="0"/>
+              </a:rPr>
+              <a:t>mixed-code-and-scripts-install</a:t>
+            </a:r>
+          </a:p>
+          <a:p>
+            <a:r>
+              <a:rPr lang="en-US" dirty="0"/>
+              <a:t>Doing a static build: </a:t>
+            </a:r>
+            <a:r>
+              <a:rPr lang="en-US" dirty="0">
+                <a:latin typeface="Courier New" panose="02070309020205020404" pitchFamily="49" charset="0"/>
+                <a:cs typeface="Courier New" panose="02070309020205020404" pitchFamily="49" charset="0"/>
+              </a:rPr>
+              <a:t>static-build</a:t>
+            </a:r>
+          </a:p>
+          <a:p>
+            <a:r>
+              <a:rPr lang="en-US" dirty="0"/>
+              <a:t>Compiling OpenMP: </a:t>
+            </a:r>
+            <a:r>
+              <a:rPr lang="en-US" dirty="0" err="1">
+                <a:latin typeface="Courier New" panose="02070309020205020404" pitchFamily="49" charset="0"/>
+                <a:cs typeface="Courier New" panose="02070309020205020404" pitchFamily="49" charset="0"/>
+              </a:rPr>
+              <a:t>openmp</a:t>
+            </a:r>
+            <a:endParaRPr lang="en-US" dirty="0">
+              <a:latin typeface="Courier New" panose="02070309020205020404" pitchFamily="49" charset="0"/>
+              <a:cs typeface="Courier New" panose="02070309020205020404" pitchFamily="49" charset="0"/>
+            </a:endParaRPr>
+          </a:p>
+          <a:p>
+            <a:r>
+              <a:rPr lang="en-US" dirty="0"/>
+              <a:t>Using TBB: </a:t>
+            </a:r>
+            <a:r>
+              <a:rPr lang="en-US" dirty="0" err="1">
+                <a:latin typeface="Courier New" panose="02070309020205020404" pitchFamily="49" charset="0"/>
+                <a:cs typeface="Courier New" panose="02070309020205020404" pitchFamily="49" charset="0"/>
+              </a:rPr>
+              <a:t>tbb</a:t>
+            </a:r>
+            <a:endParaRPr lang="en-US" dirty="0">
+              <a:latin typeface="Courier New" panose="02070309020205020404" pitchFamily="49" charset="0"/>
+              <a:cs typeface="Courier New" panose="02070309020205020404" pitchFamily="49" charset="0"/>
+            </a:endParaRPr>
+          </a:p>
+          <a:p>
+            <a:endParaRPr lang="LID4096" dirty="0"/>
+          </a:p>
+        </p:txBody>
+      </p:sp>
+      <p:sp>
+        <p:nvSpPr>
+          <p:cNvPr id="4" name="Slide Number Placeholder 3">
+            <a:extLst>
+              <a:ext uri="{FF2B5EF4-FFF2-40B4-BE49-F238E27FC236}">
+                <a16:creationId xmlns:a16="http://schemas.microsoft.com/office/drawing/2014/main" id="{902C3E23-543D-A09F-6DAD-0D96FC7772D7}"/>
+              </a:ext>
+            </a:extLst>
+          </p:cNvPr>
+          <p:cNvSpPr>
+            <a:spLocks noGrp="1"/>
+          </p:cNvSpPr>
+          <p:nvPr>
+            <p:ph type="sldNum" sz="quarter" idx="12"/>
+          </p:nvPr>
+        </p:nvSpPr>
+        <p:spPr/>
+        <p:txBody>
+          <a:bodyPr/>
+          <a:lstStyle/>
+          <a:p>
+            <a:fld id="{FDB1AA33-DFBB-49AC-8CEE-23FFECEB5648}" type="slidenum">
+              <a:rPr lang="LID4096" smtClean="0"/>
+              <a:t>17</a:t>
+            </a:fld>
+            <a:endParaRPr lang="LID4096"/>
+          </a:p>
+        </p:txBody>
+      </p:sp>
+      <p:sp>
+        <p:nvSpPr>
+          <p:cNvPr id="5" name="TextBox 4">
+            <a:extLst>
+              <a:ext uri="{FF2B5EF4-FFF2-40B4-BE49-F238E27FC236}">
+                <a16:creationId xmlns:a16="http://schemas.microsoft.com/office/drawing/2014/main" id="{B3955AC6-BCD4-5950-15BE-9C1D80357BFE}"/>
+              </a:ext>
+            </a:extLst>
+          </p:cNvPr>
+          <p:cNvSpPr txBox="1"/>
+          <p:nvPr/>
+        </p:nvSpPr>
+        <p:spPr>
+          <a:xfrm>
+            <a:off x="310281" y="5573682"/>
+            <a:ext cx="11571437" cy="400110"/>
+          </a:xfrm>
+          <a:prstGeom prst="rect">
+            <a:avLst/>
+          </a:prstGeom>
+          <a:noFill/>
+          <a:ln>
+            <a:solidFill>
+              <a:schemeClr val="tx1"/>
+            </a:solidFill>
+          </a:ln>
+        </p:spPr>
+        <p:txBody>
+          <a:bodyPr wrap="none" rtlCol="0">
+            <a:spAutoFit/>
+          </a:bodyPr>
+          <a:lstStyle/>
+          <a:p>
+            <a:r>
+              <a:rPr lang="en-US" sz="2000" dirty="0"/>
+              <a:t>See </a:t>
+            </a:r>
+            <a:r>
+              <a:rPr lang="en-US" sz="2000" dirty="0">
+                <a:hlinkClick r:id="rId2"/>
+              </a:rPr>
+              <a:t>https://github.com/gjbex/C-plus-plus-software-engineering/tree/development/source-code/cmake</a:t>
+            </a:r>
+            <a:r>
+              <a:rPr lang="en-US" sz="2000" dirty="0"/>
+              <a:t> </a:t>
+            </a:r>
+            <a:endParaRPr lang="LID4096" sz="2000" dirty="0"/>
+          </a:p>
+        </p:txBody>
+      </p:sp>
+    </p:spTree>
+    <p:extLst>
+      <p:ext uri="{BB962C8B-B14F-4D97-AF65-F5344CB8AC3E}">
+        <p14:creationId xmlns:p14="http://schemas.microsoft.com/office/powerpoint/2010/main" val="4032909571"/>
+      </p:ext>
+    </p:extLst>
+  </p:cSld>
+  <p:clrMapOvr>
+    <a:masterClrMapping/>
+  </p:clrMapOvr>
+</p:sld>
+</file>
+
+<file path=ppt/slides/slide18.xml><?xml version="1.0" encoding="utf-8"?>
+<p:sld xmlns:a="http://schemas.openxmlformats.org/drawingml/2006/main" xmlns:r="http://schemas.openxmlformats.org/officeDocument/2006/relationships" xmlns:p="http://schemas.openxmlformats.org/presentationml/2006/main">
+  <p:cSld>
+    <p:spTree>
+      <p:nvGrpSpPr>
+        <p:cNvPr id="1" name=""/>
+        <p:cNvGrpSpPr/>
+        <p:nvPr/>
+      </p:nvGrpSpPr>
+      <p:grpSpPr>
+        <a:xfrm>
+          <a:off x="0" y="0"/>
+          <a:ext cx="0" cy="0"/>
+          <a:chOff x="0" y="0"/>
+          <a:chExt cx="0" cy="0"/>
+        </a:xfrm>
+      </p:grpSpPr>
+      <p:sp>
+        <p:nvSpPr>
+          <p:cNvPr id="2" name="Title 1">
+            <a:extLst>
+              <a:ext uri="{FF2B5EF4-FFF2-40B4-BE49-F238E27FC236}">
+                <a16:creationId xmlns:a16="http://schemas.microsoft.com/office/drawing/2014/main" id="{1C27B6A9-87E8-33A2-208E-64291490C568}"/>
+              </a:ext>
+            </a:extLst>
+          </p:cNvPr>
+          <p:cNvSpPr>
+            <a:spLocks noGrp="1"/>
+          </p:cNvSpPr>
+          <p:nvPr>
+            <p:ph type="title"/>
+          </p:nvPr>
+        </p:nvSpPr>
+        <p:spPr/>
+        <p:txBody>
+          <a:bodyPr/>
+          <a:lstStyle/>
+          <a:p>
+            <a:r>
+              <a:rPr lang="en-US" dirty="0"/>
+              <a:t>Further reading</a:t>
+            </a:r>
+            <a:endParaRPr lang="LID4096" dirty="0"/>
+          </a:p>
+        </p:txBody>
+      </p:sp>
+      <p:sp>
+        <p:nvSpPr>
+          <p:cNvPr id="3" name="Content Placeholder 2">
+            <a:extLst>
+              <a:ext uri="{FF2B5EF4-FFF2-40B4-BE49-F238E27FC236}">
+                <a16:creationId xmlns:a16="http://schemas.microsoft.com/office/drawing/2014/main" id="{907CDAC0-9FAB-6CB2-6551-6461EA57BCF2}"/>
+              </a:ext>
+            </a:extLst>
+          </p:cNvPr>
+          <p:cNvSpPr>
+            <a:spLocks noGrp="1"/>
+          </p:cNvSpPr>
+          <p:nvPr>
+            <p:ph idx="1"/>
+          </p:nvPr>
+        </p:nvSpPr>
+        <p:spPr/>
+        <p:txBody>
+          <a:bodyPr/>
+          <a:lstStyle/>
+          <a:p>
+            <a:r>
+              <a:rPr lang="en-US" dirty="0" err="1"/>
+              <a:t>CMake</a:t>
+            </a:r>
+            <a:r>
+              <a:rPr lang="en-US" dirty="0"/>
+              <a:t> documentation &amp; community</a:t>
+            </a:r>
+            <a:br>
+              <a:rPr lang="en-US" dirty="0"/>
+            </a:br>
+            <a:r>
+              <a:rPr lang="en-US" dirty="0">
+                <a:hlinkClick r:id="rId2"/>
+              </a:rPr>
+              <a:t>https://cmake.org/documentation/</a:t>
+            </a:r>
+            <a:r>
+              <a:rPr lang="en-US" dirty="0"/>
+              <a:t> </a:t>
+            </a:r>
+            <a:endParaRPr lang="LID4096" dirty="0"/>
+          </a:p>
+        </p:txBody>
+      </p:sp>
+      <p:sp>
+        <p:nvSpPr>
+          <p:cNvPr id="4" name="Slide Number Placeholder 3">
+            <a:extLst>
+              <a:ext uri="{FF2B5EF4-FFF2-40B4-BE49-F238E27FC236}">
+                <a16:creationId xmlns:a16="http://schemas.microsoft.com/office/drawing/2014/main" id="{17E04F51-69AC-BC2B-B3BC-F1C0271BDEC8}"/>
+              </a:ext>
+            </a:extLst>
+          </p:cNvPr>
+          <p:cNvSpPr>
+            <a:spLocks noGrp="1"/>
+          </p:cNvSpPr>
+          <p:nvPr>
+            <p:ph type="sldNum" sz="quarter" idx="12"/>
+          </p:nvPr>
+        </p:nvSpPr>
+        <p:spPr/>
+        <p:txBody>
+          <a:bodyPr/>
+          <a:lstStyle/>
+          <a:p>
+            <a:fld id="{FDB1AA33-DFBB-49AC-8CEE-23FFECEB5648}" type="slidenum">
+              <a:rPr lang="LID4096" smtClean="0"/>
+              <a:t>18</a:t>
+            </a:fld>
+            <a:endParaRPr lang="LID4096"/>
+          </a:p>
+        </p:txBody>
+      </p:sp>
+    </p:spTree>
+    <p:extLst>
+      <p:ext uri="{BB962C8B-B14F-4D97-AF65-F5344CB8AC3E}">
+        <p14:creationId xmlns:p14="http://schemas.microsoft.com/office/powerpoint/2010/main" val="1989104609"/>
       </p:ext>
     </p:extLst>
   </p:cSld>
@@ -3920,6 +9516,35 @@
           </a:prstGeom>
         </p:spPr>
       </p:pic>
+      <p:sp>
+        <p:nvSpPr>
+          <p:cNvPr id="2" name="Slide Number Placeholder 1">
+            <a:extLst>
+              <a:ext uri="{FF2B5EF4-FFF2-40B4-BE49-F238E27FC236}">
+                <a16:creationId xmlns:a16="http://schemas.microsoft.com/office/drawing/2014/main" id="{6B6E4D0E-CF9C-8B5A-BB4F-51D500AD5E84}"/>
+              </a:ext>
+            </a:extLst>
+          </p:cNvPr>
+          <p:cNvSpPr>
+            <a:spLocks noGrp="1"/>
+          </p:cNvSpPr>
+          <p:nvPr>
+            <p:ph type="sldNum" sz="quarter" idx="12"/>
+          </p:nvPr>
+        </p:nvSpPr>
+        <p:spPr/>
+        <p:txBody>
+          <a:bodyPr/>
+          <a:lstStyle/>
+          <a:p>
+            <a:fld id="{FDB1AA33-DFBB-49AC-8CEE-23FFECEB5648}" type="slidenum">
+              <a:rPr lang="LID4096" smtClean="0"/>
+              <a:t>3</a:t>
+            </a:fld>
+            <a:endParaRPr lang="LID4096"/>
+          </a:p>
+        </p:txBody>
+      </p:sp>
     </p:spTree>
     <p:extLst>
       <p:ext uri="{BB962C8B-B14F-4D97-AF65-F5344CB8AC3E}">
@@ -3967,7 +9592,7 @@
           <a:p>
             <a:r>
               <a:rPr lang="en-US" dirty="0"/>
-              <a:t>Typographical conventions</a:t>
+              <a:t>Typographical conventions: code</a:t>
             </a:r>
             <a:endParaRPr lang="nl-BE" dirty="0"/>
           </a:p>
@@ -4023,7 +9648,15 @@
           <a:p>
             <a:r>
               <a:rPr lang="en-US" dirty="0"/>
-              <a:t>Data files are rendered as</a:t>
+              <a:t>Data or </a:t>
+            </a:r>
+            <a:r>
+              <a:rPr lang="en-US" dirty="0" err="1"/>
+              <a:t>CMake</a:t>
+            </a:r>
+            <a:r>
+              <a:rPr lang="en-US" dirty="0"/>
+              <a:t> files are rendered as</a:t>
             </a:r>
             <a:endParaRPr lang="nl-BE" dirty="0"/>
           </a:p>
@@ -5267,13 +10900,7 @@
       </p:grpSpPr>
       <p:sp>
         <p:nvSpPr>
-          <p:cNvPr id="2" name="Title 1">
-            <a:extLst>
-              <a:ext uri="{FF2B5EF4-FFF2-40B4-BE49-F238E27FC236}">
-                <a16:creationId xmlns:a16="http://schemas.microsoft.com/office/drawing/2014/main" id="{CD8A5471-A4D8-4F5E-B450-200A4C371BE2}"/>
-              </a:ext>
-            </a:extLst>
-          </p:cNvPr>
+          <p:cNvPr id="2" name="Title 1"/>
           <p:cNvSpPr>
             <a:spLocks noGrp="1"/>
           </p:cNvSpPr>
@@ -5288,25 +10915,20 @@
           <a:p>
             <a:r>
               <a:rPr lang="en-US" dirty="0"/>
-              <a:t>Best practices</a:t>
-            </a:r>
-          </a:p>
-        </p:txBody>
-      </p:sp>
-      <p:sp>
-        <p:nvSpPr>
-          <p:cNvPr id="3" name="Text Placeholder 2">
-            <a:extLst>
-              <a:ext uri="{FF2B5EF4-FFF2-40B4-BE49-F238E27FC236}">
-                <a16:creationId xmlns:a16="http://schemas.microsoft.com/office/drawing/2014/main" id="{46302BE0-A82A-4DCE-87F1-E8BD131C79CD}"/>
-              </a:ext>
-            </a:extLst>
-          </p:cNvPr>
+              <a:t>Typographical conventions: shell</a:t>
+            </a:r>
+            <a:endParaRPr lang="nl-BE" dirty="0"/>
+          </a:p>
+        </p:txBody>
+      </p:sp>
+      <p:sp>
+        <p:nvSpPr>
+          <p:cNvPr id="3" name="Content Placeholder 2"/>
           <p:cNvSpPr>
             <a:spLocks noGrp="1"/>
           </p:cNvSpPr>
           <p:nvPr>
-            <p:ph type="body" idx="1"/>
+            <p:ph idx="1"/>
           </p:nvPr>
         </p:nvSpPr>
         <p:spPr/>
@@ -5314,19 +10936,114 @@
           <a:bodyPr/>
           <a:lstStyle/>
           <a:p>
-            <a:endParaRPr lang="en-US"/>
-          </a:p>
-        </p:txBody>
-      </p:sp>
-      <p:sp>
-        <p:nvSpPr>
-          <p:cNvPr id="4" name="Slide Number Placeholder 3">
-            <a:extLst>
-              <a:ext uri="{FF2B5EF4-FFF2-40B4-BE49-F238E27FC236}">
-                <a16:creationId xmlns:a16="http://schemas.microsoft.com/office/drawing/2014/main" id="{D678DF20-6449-4B12-9A41-DCB2C682E0F0}"/>
-              </a:ext>
-            </a:extLst>
-          </p:cNvPr>
+            <a:r>
+              <a:rPr lang="en-US" dirty="0"/>
+              <a:t>Shell commands are rendered as</a:t>
+            </a:r>
+          </a:p>
+          <a:p>
+            <a:endParaRPr lang="en-US" dirty="0"/>
+          </a:p>
+          <a:p>
+            <a:pPr lvl="1"/>
+            <a:r>
+              <a:rPr lang="en-US" dirty="0"/>
+              <a:t>Do </a:t>
+            </a:r>
+            <a:r>
+              <a:rPr lang="en-US" i="1" dirty="0"/>
+              <a:t>not</a:t>
+            </a:r>
+            <a:r>
+              <a:rPr lang="en-US" dirty="0"/>
+              <a:t> type </a:t>
+            </a:r>
+            <a:r>
+              <a:rPr lang="en-US" dirty="0">
+                <a:latin typeface="Courier New" pitchFamily="49" charset="0"/>
+                <a:cs typeface="Courier New" pitchFamily="49" charset="0"/>
+              </a:rPr>
+              <a:t>$</a:t>
+            </a:r>
+            <a:r>
+              <a:rPr lang="en-US" dirty="0"/>
+              <a:t>, it represents your shell prompt!</a:t>
+            </a:r>
+          </a:p>
+        </p:txBody>
+      </p:sp>
+      <p:sp>
+        <p:nvSpPr>
+          <p:cNvPr id="4" name="TextBox 3"/>
+          <p:cNvSpPr txBox="1"/>
+          <p:nvPr/>
+        </p:nvSpPr>
+        <p:spPr>
+          <a:xfrm>
+            <a:off x="2855641" y="2321241"/>
+            <a:ext cx="3631122" cy="369332"/>
+          </a:xfrm>
+          <a:prstGeom prst="rect">
+            <a:avLst/>
+          </a:prstGeom>
+          <a:solidFill>
+            <a:schemeClr val="tx1"/>
+          </a:solidFill>
+          <a:ln>
+            <a:solidFill>
+              <a:schemeClr val="tx1"/>
+            </a:solidFill>
+          </a:ln>
+        </p:spPr>
+        <p:txBody>
+          <a:bodyPr wrap="none" rtlCol="0">
+            <a:spAutoFit/>
+          </a:bodyPr>
+          <a:lstStyle/>
+          <a:p>
+            <a:r>
+              <a:rPr lang="en-US" b="1" dirty="0">
+                <a:solidFill>
+                  <a:schemeClr val="bg1"/>
+                </a:solidFill>
+                <a:latin typeface="Courier New" pitchFamily="49" charset="0"/>
+                <a:cs typeface="Courier New" pitchFamily="49" charset="0"/>
+              </a:rPr>
+              <a:t>$  </a:t>
+            </a:r>
+            <a:r>
+              <a:rPr lang="en-US" b="1" dirty="0" err="1">
+                <a:solidFill>
+                  <a:schemeClr val="bg1"/>
+                </a:solidFill>
+                <a:latin typeface="Courier New" pitchFamily="49" charset="0"/>
+                <a:cs typeface="Courier New" pitchFamily="49" charset="0"/>
+              </a:rPr>
+              <a:t>cmake</a:t>
+            </a:r>
+            <a:r>
+              <a:rPr lang="en-US" b="1" dirty="0">
+                <a:solidFill>
+                  <a:schemeClr val="bg1"/>
+                </a:solidFill>
+                <a:latin typeface="Courier New" pitchFamily="49" charset="0"/>
+                <a:cs typeface="Courier New" pitchFamily="49" charset="0"/>
+              </a:rPr>
+              <a:t>  -B build/  -S .</a:t>
+            </a:r>
+            <a:endParaRPr lang="nl-BE" b="1" dirty="0">
+              <a:solidFill>
+                <a:schemeClr val="bg1"/>
+              </a:solidFill>
+              <a:latin typeface="Courier New" pitchFamily="49" charset="0"/>
+              <a:cs typeface="Courier New" pitchFamily="49" charset="0"/>
+            </a:endParaRPr>
+          </a:p>
+        </p:txBody>
+      </p:sp>
+      <p:sp>
+        <p:nvSpPr>
+          <p:cNvPr id="5" name="Slide Number Placeholder 4"/>
           <p:cNvSpPr>
             <a:spLocks noGrp="1"/>
           </p:cNvSpPr>
@@ -5339,7 +11056,7 @@
           <a:bodyPr/>
           <a:lstStyle/>
           <a:p>
-            <a:fld id="{5A209D72-2E9D-49B0-8977-41DCCC66C0BB}" type="slidenum">
+            <a:fld id="{BB52A05A-A776-4391-ACD7-D6BC34D3145C}" type="slidenum">
               <a:rPr lang="nl-BE" smtClean="0"/>
               <a:t>5</a:t>
             </a:fld>
@@ -5350,13 +11067,157 @@
     </p:spTree>
     <p:extLst>
       <p:ext uri="{BB962C8B-B14F-4D97-AF65-F5344CB8AC3E}">
-        <p14:creationId xmlns:p14="http://schemas.microsoft.com/office/powerpoint/2010/main" val="2154523888"/>
+        <p14:creationId xmlns:p14="http://schemas.microsoft.com/office/powerpoint/2010/main" val="2597093166"/>
       </p:ext>
     </p:extLst>
   </p:cSld>
   <p:clrMapOvr>
     <a:masterClrMapping/>
   </p:clrMapOvr>
+  <p:timing>
+    <p:tnLst>
+      <p:par>
+        <p:cTn id="1" dur="indefinite" restart="never" nodeType="tmRoot">
+          <p:childTnLst>
+            <p:seq concurrent="1" nextAc="seek">
+              <p:cTn id="2" dur="indefinite" nodeType="mainSeq">
+                <p:childTnLst>
+                  <p:par>
+                    <p:cTn id="3" fill="hold">
+                      <p:stCondLst>
+                        <p:cond delay="indefinite"/>
+                        <p:cond evt="onBegin" delay="0">
+                          <p:tn val="2"/>
+                        </p:cond>
+                      </p:stCondLst>
+                      <p:childTnLst>
+                        <p:par>
+                          <p:cTn id="4" fill="hold">
+                            <p:stCondLst>
+                              <p:cond delay="0"/>
+                            </p:stCondLst>
+                            <p:childTnLst>
+                              <p:par>
+                                <p:cTn id="5" presetID="1" presetClass="entr" presetSubtype="0" fill="hold" grpId="0" nodeType="withEffect">
+                                  <p:stCondLst>
+                                    <p:cond delay="0"/>
+                                  </p:stCondLst>
+                                  <p:childTnLst>
+                                    <p:set>
+                                      <p:cBhvr>
+                                        <p:cTn id="6" dur="1" fill="hold">
+                                          <p:stCondLst>
+                                            <p:cond delay="0"/>
+                                          </p:stCondLst>
+                                        </p:cTn>
+                                        <p:tgtEl>
+                                          <p:spTgt spid="3">
+                                            <p:txEl>
+                                              <p:pRg st="0" end="0"/>
+                                            </p:txEl>
+                                          </p:spTgt>
+                                        </p:tgtEl>
+                                        <p:attrNameLst>
+                                          <p:attrName>style.visibility</p:attrName>
+                                        </p:attrNameLst>
+                                      </p:cBhvr>
+                                      <p:to>
+                                        <p:strVal val="visible"/>
+                                      </p:to>
+                                    </p:set>
+                                  </p:childTnLst>
+                                </p:cTn>
+                              </p:par>
+                              <p:par>
+                                <p:cTn id="7" presetID="1" presetClass="entr" presetSubtype="0" fill="hold" grpId="0" nodeType="withEffect">
+                                  <p:stCondLst>
+                                    <p:cond delay="0"/>
+                                  </p:stCondLst>
+                                  <p:childTnLst>
+                                    <p:set>
+                                      <p:cBhvr>
+                                        <p:cTn id="8" dur="1" fill="hold">
+                                          <p:stCondLst>
+                                            <p:cond delay="0"/>
+                                          </p:stCondLst>
+                                        </p:cTn>
+                                        <p:tgtEl>
+                                          <p:spTgt spid="4"/>
+                                        </p:tgtEl>
+                                        <p:attrNameLst>
+                                          <p:attrName>style.visibility</p:attrName>
+                                        </p:attrNameLst>
+                                      </p:cBhvr>
+                                      <p:to>
+                                        <p:strVal val="visible"/>
+                                      </p:to>
+                                    </p:set>
+                                  </p:childTnLst>
+                                </p:cTn>
+                              </p:par>
+                              <p:par>
+                                <p:cTn id="9" presetID="1" presetClass="entr" presetSubtype="0" fill="hold" grpId="0" nodeType="withEffect">
+                                  <p:stCondLst>
+                                    <p:cond delay="0"/>
+                                  </p:stCondLst>
+                                  <p:childTnLst>
+                                    <p:set>
+                                      <p:cBhvr>
+                                        <p:cTn id="10" dur="1" fill="hold">
+                                          <p:stCondLst>
+                                            <p:cond delay="0"/>
+                                          </p:stCondLst>
+                                        </p:cTn>
+                                        <p:tgtEl>
+                                          <p:spTgt spid="3">
+                                            <p:txEl>
+                                              <p:pRg st="2" end="2"/>
+                                            </p:txEl>
+                                          </p:spTgt>
+                                        </p:tgtEl>
+                                        <p:attrNameLst>
+                                          <p:attrName>style.visibility</p:attrName>
+                                        </p:attrNameLst>
+                                      </p:cBhvr>
+                                      <p:to>
+                                        <p:strVal val="visible"/>
+                                      </p:to>
+                                    </p:set>
+                                  </p:childTnLst>
+                                </p:cTn>
+                              </p:par>
+                            </p:childTnLst>
+                          </p:cTn>
+                        </p:par>
+                      </p:childTnLst>
+                    </p:cTn>
+                  </p:par>
+                </p:childTnLst>
+              </p:cTn>
+              <p:prevCondLst>
+                <p:cond evt="onPrev" delay="0">
+                  <p:tgtEl>
+                    <p:sldTgt/>
+                  </p:tgtEl>
+                </p:cond>
+              </p:prevCondLst>
+              <p:nextCondLst>
+                <p:cond evt="onNext" delay="0">
+                  <p:tgtEl>
+                    <p:sldTgt/>
+                  </p:tgtEl>
+                </p:cond>
+              </p:nextCondLst>
+            </p:seq>
+          </p:childTnLst>
+        </p:cTn>
+      </p:par>
+    </p:tnLst>
+    <p:bldLst>
+      <p:bldP spid="3" grpId="0" uiExpand="1" build="p"/>
+      <p:bldP spid="4" grpId="0" animBg="1"/>
+    </p:bldLst>
+  </p:timing>
 </p:sld>
 </file>
 
@@ -5382,6 +11243,118 @@
           <p:cNvPr id="2" name="Title 1">
             <a:extLst>
               <a:ext uri="{FF2B5EF4-FFF2-40B4-BE49-F238E27FC236}">
+                <a16:creationId xmlns:a16="http://schemas.microsoft.com/office/drawing/2014/main" id="{CD8A5471-A4D8-4F5E-B450-200A4C371BE2}"/>
+              </a:ext>
+            </a:extLst>
+          </p:cNvPr>
+          <p:cNvSpPr>
+            <a:spLocks noGrp="1"/>
+          </p:cNvSpPr>
+          <p:nvPr>
+            <p:ph type="title"/>
+          </p:nvPr>
+        </p:nvSpPr>
+        <p:spPr/>
+        <p:txBody>
+          <a:bodyPr/>
+          <a:lstStyle/>
+          <a:p>
+            <a:r>
+              <a:rPr lang="en-US" dirty="0"/>
+              <a:t>Best practices</a:t>
+            </a:r>
+          </a:p>
+        </p:txBody>
+      </p:sp>
+      <p:sp>
+        <p:nvSpPr>
+          <p:cNvPr id="3" name="Text Placeholder 2">
+            <a:extLst>
+              <a:ext uri="{FF2B5EF4-FFF2-40B4-BE49-F238E27FC236}">
+                <a16:creationId xmlns:a16="http://schemas.microsoft.com/office/drawing/2014/main" id="{46302BE0-A82A-4DCE-87F1-E8BD131C79CD}"/>
+              </a:ext>
+            </a:extLst>
+          </p:cNvPr>
+          <p:cNvSpPr>
+            <a:spLocks noGrp="1"/>
+          </p:cNvSpPr>
+          <p:nvPr>
+            <p:ph type="body" idx="1"/>
+          </p:nvPr>
+        </p:nvSpPr>
+        <p:spPr/>
+        <p:txBody>
+          <a:bodyPr/>
+          <a:lstStyle/>
+          <a:p>
+            <a:endParaRPr lang="en-US"/>
+          </a:p>
+        </p:txBody>
+      </p:sp>
+      <p:sp>
+        <p:nvSpPr>
+          <p:cNvPr id="4" name="Slide Number Placeholder 3">
+            <a:extLst>
+              <a:ext uri="{FF2B5EF4-FFF2-40B4-BE49-F238E27FC236}">
+                <a16:creationId xmlns:a16="http://schemas.microsoft.com/office/drawing/2014/main" id="{D678DF20-6449-4B12-9A41-DCB2C682E0F0}"/>
+              </a:ext>
+            </a:extLst>
+          </p:cNvPr>
+          <p:cNvSpPr>
+            <a:spLocks noGrp="1"/>
+          </p:cNvSpPr>
+          <p:nvPr>
+            <p:ph type="sldNum" sz="quarter" idx="12"/>
+          </p:nvPr>
+        </p:nvSpPr>
+        <p:spPr/>
+        <p:txBody>
+          <a:bodyPr/>
+          <a:lstStyle/>
+          <a:p>
+            <a:fld id="{5A209D72-2E9D-49B0-8977-41DCCC66C0BB}" type="slidenum">
+              <a:rPr lang="nl-BE" smtClean="0"/>
+              <a:t>6</a:t>
+            </a:fld>
+            <a:endParaRPr lang="nl-BE"/>
+          </a:p>
+        </p:txBody>
+      </p:sp>
+    </p:spTree>
+    <p:extLst>
+      <p:ext uri="{BB962C8B-B14F-4D97-AF65-F5344CB8AC3E}">
+        <p14:creationId xmlns:p14="http://schemas.microsoft.com/office/powerpoint/2010/main" val="2154523888"/>
+      </p:ext>
+    </p:extLst>
+  </p:cSld>
+  <p:clrMapOvr>
+    <a:masterClrMapping/>
+  </p:clrMapOvr>
+</p:sld>
+</file>
+
+<file path=ppt/slides/slide7.xml><?xml version="1.0" encoding="utf-8"?>
+<p:sld xmlns:a="http://schemas.openxmlformats.org/drawingml/2006/main" xmlns:r="http://schemas.openxmlformats.org/officeDocument/2006/relationships" xmlns:p="http://schemas.openxmlformats.org/presentationml/2006/main">
+  <p:cSld>
+    <p:spTree>
+      <p:nvGrpSpPr>
+        <p:cNvPr id="1" name=""/>
+        <p:cNvGrpSpPr/>
+        <p:nvPr/>
+      </p:nvGrpSpPr>
+      <p:grpSpPr>
+        <a:xfrm>
+          <a:off x="0" y="0"/>
+          <a:ext cx="0" cy="0"/>
+          <a:chOff x="0" y="0"/>
+          <a:chExt cx="0" cy="0"/>
+        </a:xfrm>
+      </p:grpSpPr>
+      <p:sp>
+        <p:nvSpPr>
+          <p:cNvPr id="2" name="Title 1">
+            <a:extLst>
+              <a:ext uri="{FF2B5EF4-FFF2-40B4-BE49-F238E27FC236}">
                 <a16:creationId xmlns:a16="http://schemas.microsoft.com/office/drawing/2014/main" id="{E93FBFC3-766E-4263-9027-38AAA7CE014F}"/>
               </a:ext>
             </a:extLst>
@@ -5486,7 +11459,7 @@
           <a:p>
             <a:fld id="{5A209D72-2E9D-49B0-8977-41DCCC66C0BB}" type="slidenum">
               <a:rPr lang="nl-BE" smtClean="0"/>
-              <a:t>6</a:t>
+              <a:t>7</a:t>
             </a:fld>
             <a:endParaRPr lang="nl-BE"/>
           </a:p>
@@ -5941,7 +11914,7 @@
 </p:sld>
 </file>
 
-<file path=ppt/slides/slide7.xml><?xml version="1.0" encoding="utf-8"?>
+<file path=ppt/slides/slide8.xml><?xml version="1.0" encoding="utf-8"?>
 <p:sld xmlns:a="http://schemas.openxmlformats.org/drawingml/2006/main" xmlns:r="http://schemas.openxmlformats.org/officeDocument/2006/relationships" xmlns:p="http://schemas.openxmlformats.org/presentationml/2006/main">
   <p:cSld>
     <p:spTree>
@@ -6096,7 +12069,7 @@
           <a:p>
             <a:fld id="{5A209D72-2E9D-49B0-8977-41DCCC66C0BB}" type="slidenum">
               <a:rPr lang="nl-BE" smtClean="0"/>
-              <a:t>7</a:t>
+              <a:t>8</a:t>
             </a:fld>
             <a:endParaRPr lang="nl-BE"/>
           </a:p>
@@ -6576,7 +12549,7 @@
 </p:sld>
 </file>
 
-<file path=ppt/slides/slide8.xml><?xml version="1.0" encoding="utf-8"?>
+<file path=ppt/slides/slide9.xml><?xml version="1.0" encoding="utf-8"?>
 <p:sld xmlns:a="http://schemas.openxmlformats.org/drawingml/2006/main" xmlns:r="http://schemas.openxmlformats.org/officeDocument/2006/relationships" xmlns:p="http://schemas.openxmlformats.org/presentationml/2006/main">
   <p:cSld>
     <p:spTree>
@@ -6746,7 +12719,7 @@
           <a:p>
             <a:fld id="{5A209D72-2E9D-49B0-8977-41DCCC66C0BB}" type="slidenum">
               <a:rPr lang="nl-BE" smtClean="0"/>
-              <a:t>8</a:t>
+              <a:t>9</a:t>
             </a:fld>
             <a:endParaRPr lang="nl-BE"/>
           </a:p>
@@ -7054,1070 +13027,6 @@
     </p:tnLst>
     <p:bldLst>
       <p:bldP spid="3" grpId="0" uiExpand="1" build="p"/>
-    </p:bldLst>
-  </p:timing>
-</p:sld>
-</file>
-
-<file path=ppt/slides/slide9.xml><?xml version="1.0" encoding="utf-8"?>
-<p:sld xmlns:a="http://schemas.openxmlformats.org/drawingml/2006/main" xmlns:r="http://schemas.openxmlformats.org/officeDocument/2006/relationships" xmlns:p="http://schemas.openxmlformats.org/presentationml/2006/main">
-  <p:cSld>
-    <p:spTree>
-      <p:nvGrpSpPr>
-        <p:cNvPr id="1" name=""/>
-        <p:cNvGrpSpPr/>
-        <p:nvPr/>
-      </p:nvGrpSpPr>
-      <p:grpSpPr>
-        <a:xfrm>
-          <a:off x="0" y="0"/>
-          <a:ext cx="0" cy="0"/>
-          <a:chOff x="0" y="0"/>
-          <a:chExt cx="0" cy="0"/>
-        </a:xfrm>
-      </p:grpSpPr>
-      <p:sp>
-        <p:nvSpPr>
-          <p:cNvPr id="2" name="Title 1">
-            <a:extLst>
-              <a:ext uri="{FF2B5EF4-FFF2-40B4-BE49-F238E27FC236}">
-                <a16:creationId xmlns:a16="http://schemas.microsoft.com/office/drawing/2014/main" id="{AED34170-C529-4CAC-B31D-56A78C9F11EA}"/>
-              </a:ext>
-            </a:extLst>
-          </p:cNvPr>
-          <p:cNvSpPr>
-            <a:spLocks noGrp="1"/>
-          </p:cNvSpPr>
-          <p:nvPr>
-            <p:ph type="title"/>
-          </p:nvPr>
-        </p:nvSpPr>
-        <p:spPr/>
-        <p:txBody>
-          <a:bodyPr/>
-          <a:lstStyle/>
-          <a:p>
-            <a:r>
-              <a:rPr lang="en-US" dirty="0"/>
-              <a:t>Use language idioms</a:t>
-            </a:r>
-          </a:p>
-        </p:txBody>
-      </p:sp>
-      <p:sp>
-        <p:nvSpPr>
-          <p:cNvPr id="3" name="Content Placeholder 2">
-            <a:extLst>
-              <a:ext uri="{FF2B5EF4-FFF2-40B4-BE49-F238E27FC236}">
-                <a16:creationId xmlns:a16="http://schemas.microsoft.com/office/drawing/2014/main" id="{5A409A1C-2A90-428E-983C-53F1E59F0E27}"/>
-              </a:ext>
-            </a:extLst>
-          </p:cNvPr>
-          <p:cNvSpPr>
-            <a:spLocks noGrp="1"/>
-          </p:cNvSpPr>
-          <p:nvPr>
-            <p:ph idx="1"/>
-          </p:nvPr>
-        </p:nvSpPr>
-        <p:spPr/>
-        <p:txBody>
-          <a:bodyPr/>
-          <a:lstStyle/>
-          <a:p>
-            <a:r>
-              <a:rPr lang="en-US" dirty="0"/>
-              <a:t>Don’t</a:t>
-            </a:r>
-          </a:p>
-          <a:p>
-            <a:endParaRPr lang="en-US" dirty="0"/>
-          </a:p>
-          <a:p>
-            <a:endParaRPr lang="en-US" dirty="0"/>
-          </a:p>
-          <a:p>
-            <a:endParaRPr lang="en-US" dirty="0"/>
-          </a:p>
-          <a:p>
-            <a:r>
-              <a:rPr lang="en-US" dirty="0"/>
-              <a:t>Do</a:t>
-            </a:r>
-          </a:p>
-        </p:txBody>
-      </p:sp>
-      <p:sp>
-        <p:nvSpPr>
-          <p:cNvPr id="4" name="Slide Number Placeholder 3">
-            <a:extLst>
-              <a:ext uri="{FF2B5EF4-FFF2-40B4-BE49-F238E27FC236}">
-                <a16:creationId xmlns:a16="http://schemas.microsoft.com/office/drawing/2014/main" id="{9DFEED60-6777-4684-A163-0EF2C4B31738}"/>
-              </a:ext>
-            </a:extLst>
-          </p:cNvPr>
-          <p:cNvSpPr>
-            <a:spLocks noGrp="1"/>
-          </p:cNvSpPr>
-          <p:nvPr>
-            <p:ph type="sldNum" sz="quarter" idx="12"/>
-          </p:nvPr>
-        </p:nvSpPr>
-        <p:spPr/>
-        <p:txBody>
-          <a:bodyPr/>
-          <a:lstStyle/>
-          <a:p>
-            <a:fld id="{5A209D72-2E9D-49B0-8977-41DCCC66C0BB}" type="slidenum">
-              <a:rPr lang="nl-BE" smtClean="0"/>
-              <a:t>9</a:t>
-            </a:fld>
-            <a:endParaRPr lang="nl-BE"/>
-          </a:p>
-        </p:txBody>
-      </p:sp>
-      <p:sp>
-        <p:nvSpPr>
-          <p:cNvPr id="5" name="TextBox 4">
-            <a:extLst>
-              <a:ext uri="{FF2B5EF4-FFF2-40B4-BE49-F238E27FC236}">
-                <a16:creationId xmlns:a16="http://schemas.microsoft.com/office/drawing/2014/main" id="{DA7C955A-E935-474D-BE32-4BF9E04A2DB2}"/>
-              </a:ext>
-            </a:extLst>
-          </p:cNvPr>
-          <p:cNvSpPr txBox="1"/>
-          <p:nvPr/>
-        </p:nvSpPr>
-        <p:spPr>
-          <a:xfrm>
-            <a:off x="644550" y="2368743"/>
-            <a:ext cx="4871847" cy="1200329"/>
-          </a:xfrm>
-          <a:prstGeom prst="rect">
-            <a:avLst/>
-          </a:prstGeom>
-          <a:solidFill>
-            <a:schemeClr val="accent4">
-              <a:lumMod val="40000"/>
-              <a:lumOff val="60000"/>
-            </a:schemeClr>
-          </a:solidFill>
-        </p:spPr>
-        <p:txBody>
-          <a:bodyPr wrap="none" rtlCol="0">
-            <a:spAutoFit/>
-          </a:bodyPr>
-          <a:lstStyle/>
-          <a:p>
-            <a:r>
-              <a:rPr lang="en-US" dirty="0">
-                <a:solidFill>
-                  <a:prstClr val="black"/>
-                </a:solidFill>
-                <a:latin typeface="Courier New" pitchFamily="49" charset="0"/>
-                <a:cs typeface="Courier New" pitchFamily="49" charset="0"/>
-              </a:rPr>
-              <a:t>std::vector&lt;double&gt; v;</a:t>
-            </a:r>
-          </a:p>
-          <a:p>
-            <a:r>
-              <a:rPr lang="en-US" dirty="0">
-                <a:solidFill>
-                  <a:prstClr val="black"/>
-                </a:solidFill>
-                <a:latin typeface="Courier New" pitchFamily="49" charset="0"/>
-                <a:cs typeface="Courier New" pitchFamily="49" charset="0"/>
-                <a:sym typeface="Symbol" panose="05050102010706020507" pitchFamily="18" charset="2"/>
-              </a:rPr>
-              <a:t></a:t>
-            </a:r>
-            <a:endParaRPr lang="en-US" dirty="0">
-              <a:solidFill>
-                <a:prstClr val="black"/>
-              </a:solidFill>
-              <a:latin typeface="Courier New" pitchFamily="49" charset="0"/>
-              <a:cs typeface="Courier New" pitchFamily="49" charset="0"/>
-            </a:endParaRPr>
-          </a:p>
-          <a:p>
-            <a:r>
-              <a:rPr lang="en-US" dirty="0">
-                <a:solidFill>
-                  <a:prstClr val="black"/>
-                </a:solidFill>
-                <a:latin typeface="Courier New" pitchFamily="49" charset="0"/>
-                <a:cs typeface="Courier New" pitchFamily="49" charset="0"/>
-              </a:rPr>
-              <a:t>for (int </a:t>
-            </a:r>
-            <a:r>
-              <a:rPr lang="en-US" dirty="0" err="1">
-                <a:solidFill>
-                  <a:prstClr val="black"/>
-                </a:solidFill>
-                <a:latin typeface="Courier New" pitchFamily="49" charset="0"/>
-                <a:cs typeface="Courier New" pitchFamily="49" charset="0"/>
-              </a:rPr>
-              <a:t>i</a:t>
-            </a:r>
-            <a:r>
-              <a:rPr lang="en-US" dirty="0">
-                <a:solidFill>
-                  <a:prstClr val="black"/>
-                </a:solidFill>
-                <a:latin typeface="Courier New" pitchFamily="49" charset="0"/>
-                <a:cs typeface="Courier New" pitchFamily="49" charset="0"/>
-              </a:rPr>
-              <a:t> = 0; I &lt; </a:t>
-            </a:r>
-            <a:r>
-              <a:rPr lang="en-US" dirty="0" err="1">
-                <a:solidFill>
-                  <a:prstClr val="black"/>
-                </a:solidFill>
-                <a:latin typeface="Courier New" pitchFamily="49" charset="0"/>
-                <a:cs typeface="Courier New" pitchFamily="49" charset="0"/>
-              </a:rPr>
-              <a:t>v.size</a:t>
-            </a:r>
-            <a:r>
-              <a:rPr lang="en-US" dirty="0">
-                <a:solidFill>
-                  <a:prstClr val="black"/>
-                </a:solidFill>
-                <a:latin typeface="Courier New" pitchFamily="49" charset="0"/>
-                <a:cs typeface="Courier New" pitchFamily="49" charset="0"/>
-              </a:rPr>
-              <a:t>(); ++</a:t>
-            </a:r>
-            <a:r>
-              <a:rPr lang="en-US" dirty="0" err="1">
-                <a:solidFill>
-                  <a:prstClr val="black"/>
-                </a:solidFill>
-                <a:latin typeface="Courier New" pitchFamily="49" charset="0"/>
-                <a:cs typeface="Courier New" pitchFamily="49" charset="0"/>
-              </a:rPr>
-              <a:t>i</a:t>
-            </a:r>
-            <a:r>
-              <a:rPr lang="en-US" dirty="0">
-                <a:solidFill>
-                  <a:prstClr val="black"/>
-                </a:solidFill>
-                <a:latin typeface="Courier New" pitchFamily="49" charset="0"/>
-                <a:cs typeface="Courier New" pitchFamily="49" charset="0"/>
-              </a:rPr>
-              <a:t>)</a:t>
-            </a:r>
-          </a:p>
-          <a:p>
-            <a:r>
-              <a:rPr lang="en-US" dirty="0">
-                <a:solidFill>
-                  <a:prstClr val="black"/>
-                </a:solidFill>
-                <a:latin typeface="Courier New" pitchFamily="49" charset="0"/>
-                <a:cs typeface="Courier New" pitchFamily="49" charset="0"/>
-              </a:rPr>
-              <a:t>    std::</a:t>
-            </a:r>
-            <a:r>
-              <a:rPr lang="en-US" dirty="0" err="1">
-                <a:solidFill>
-                  <a:prstClr val="black"/>
-                </a:solidFill>
-                <a:latin typeface="Courier New" pitchFamily="49" charset="0"/>
-                <a:cs typeface="Courier New" pitchFamily="49" charset="0"/>
-              </a:rPr>
-              <a:t>cout</a:t>
-            </a:r>
-            <a:r>
-              <a:rPr lang="en-US" dirty="0">
-                <a:solidFill>
-                  <a:prstClr val="black"/>
-                </a:solidFill>
-                <a:latin typeface="Courier New" pitchFamily="49" charset="0"/>
-                <a:cs typeface="Courier New" pitchFamily="49" charset="0"/>
-              </a:rPr>
-              <a:t> &lt;&lt; v[</a:t>
-            </a:r>
-            <a:r>
-              <a:rPr lang="en-US" dirty="0" err="1">
-                <a:solidFill>
-                  <a:prstClr val="black"/>
-                </a:solidFill>
-                <a:latin typeface="Courier New" pitchFamily="49" charset="0"/>
-                <a:cs typeface="Courier New" pitchFamily="49" charset="0"/>
-              </a:rPr>
-              <a:t>i</a:t>
-            </a:r>
-            <a:r>
-              <a:rPr lang="en-US" dirty="0">
-                <a:solidFill>
-                  <a:prstClr val="black"/>
-                </a:solidFill>
-                <a:latin typeface="Courier New" pitchFamily="49" charset="0"/>
-                <a:cs typeface="Courier New" pitchFamily="49" charset="0"/>
-              </a:rPr>
-              <a:t>] &lt;&lt; " ";</a:t>
-            </a:r>
-            <a:endParaRPr lang="nl-BE" dirty="0">
-              <a:solidFill>
-                <a:prstClr val="black"/>
-              </a:solidFill>
-              <a:latin typeface="Courier New" pitchFamily="49" charset="0"/>
-              <a:cs typeface="Courier New" pitchFamily="49" charset="0"/>
-            </a:endParaRPr>
-          </a:p>
-        </p:txBody>
-      </p:sp>
-      <p:sp>
-        <p:nvSpPr>
-          <p:cNvPr id="7" name="TextBox 6">
-            <a:extLst>
-              <a:ext uri="{FF2B5EF4-FFF2-40B4-BE49-F238E27FC236}">
-                <a16:creationId xmlns:a16="http://schemas.microsoft.com/office/drawing/2014/main" id="{E8E19105-815C-4274-AABE-17BC582DEE62}"/>
-              </a:ext>
-            </a:extLst>
-          </p:cNvPr>
-          <p:cNvSpPr txBox="1"/>
-          <p:nvPr/>
-        </p:nvSpPr>
-        <p:spPr>
-          <a:xfrm>
-            <a:off x="6278723" y="2365723"/>
-            <a:ext cx="5423280" cy="1477328"/>
-          </a:xfrm>
-          <a:prstGeom prst="rect">
-            <a:avLst/>
-          </a:prstGeom>
-          <a:solidFill>
-            <a:schemeClr val="accent4">
-              <a:lumMod val="40000"/>
-              <a:lumOff val="60000"/>
-            </a:schemeClr>
-          </a:solidFill>
-        </p:spPr>
-        <p:txBody>
-          <a:bodyPr wrap="square" rtlCol="0">
-            <a:spAutoFit/>
-          </a:bodyPr>
-          <a:lstStyle/>
-          <a:p>
-            <a:r>
-              <a:rPr lang="en-US" dirty="0">
-                <a:solidFill>
-                  <a:prstClr val="black"/>
-                </a:solidFill>
-                <a:latin typeface="Courier New" pitchFamily="49" charset="0"/>
-                <a:cs typeface="Courier New" pitchFamily="49" charset="0"/>
-              </a:rPr>
-              <a:t>std::vector&lt;double&gt; v;</a:t>
-            </a:r>
-          </a:p>
-          <a:p>
-            <a:r>
-              <a:rPr lang="en-US" dirty="0">
-                <a:solidFill>
-                  <a:prstClr val="black"/>
-                </a:solidFill>
-                <a:latin typeface="Courier New" pitchFamily="49" charset="0"/>
-                <a:cs typeface="Courier New" pitchFamily="49" charset="0"/>
-                <a:sym typeface="Symbol" panose="05050102010706020507" pitchFamily="18" charset="2"/>
-              </a:rPr>
-              <a:t></a:t>
-            </a:r>
-            <a:endParaRPr lang="en-US" dirty="0">
-              <a:solidFill>
-                <a:prstClr val="black"/>
-              </a:solidFill>
-              <a:latin typeface="Courier New" pitchFamily="49" charset="0"/>
-              <a:cs typeface="Courier New" pitchFamily="49" charset="0"/>
-            </a:endParaRPr>
-          </a:p>
-          <a:p>
-            <a:r>
-              <a:rPr lang="nl-BE" dirty="0">
-                <a:solidFill>
-                  <a:prstClr val="black"/>
-                </a:solidFill>
-                <a:latin typeface="Courier New" pitchFamily="49" charset="0"/>
-                <a:cs typeface="Courier New" pitchFamily="49" charset="0"/>
-              </a:rPr>
-              <a:t>double </a:t>
-            </a:r>
-            <a:r>
-              <a:rPr lang="nl-BE" dirty="0" err="1">
-                <a:solidFill>
-                  <a:prstClr val="black"/>
-                </a:solidFill>
-                <a:latin typeface="Courier New" pitchFamily="49" charset="0"/>
-                <a:cs typeface="Courier New" pitchFamily="49" charset="0"/>
-              </a:rPr>
-              <a:t>su</a:t>
-            </a:r>
-            <a:r>
-              <a:rPr lang="nl-BE" dirty="0">
-                <a:solidFill>
-                  <a:prstClr val="black"/>
-                </a:solidFill>
-                <a:latin typeface="Courier New" pitchFamily="49" charset="0"/>
-                <a:cs typeface="Courier New" pitchFamily="49" charset="0"/>
-              </a:rPr>
-              <a:t>₼{0.0};</a:t>
-            </a:r>
-          </a:p>
-          <a:p>
-            <a:r>
-              <a:rPr lang="nl-BE" dirty="0">
-                <a:solidFill>
-                  <a:prstClr val="black"/>
-                </a:solidFill>
-                <a:latin typeface="Courier New" pitchFamily="49" charset="0"/>
-                <a:cs typeface="Courier New" pitchFamily="49" charset="0"/>
-              </a:rPr>
-              <a:t>For (auto </a:t>
-            </a:r>
-            <a:r>
-              <a:rPr lang="nl-BE" dirty="0" err="1">
-                <a:solidFill>
-                  <a:prstClr val="black"/>
-                </a:solidFill>
-                <a:latin typeface="Courier New" pitchFamily="49" charset="0"/>
-                <a:cs typeface="Courier New" pitchFamily="49" charset="0"/>
-              </a:rPr>
-              <a:t>value</a:t>
-            </a:r>
-            <a:r>
-              <a:rPr lang="nl-BE" dirty="0">
-                <a:solidFill>
-                  <a:prstClr val="black"/>
-                </a:solidFill>
-                <a:latin typeface="Courier New" pitchFamily="49" charset="0"/>
-                <a:cs typeface="Courier New" pitchFamily="49" charset="0"/>
-              </a:rPr>
-              <a:t>: v)</a:t>
-            </a:r>
-          </a:p>
-          <a:p>
-            <a:r>
-              <a:rPr lang="nl-BE" dirty="0">
-                <a:solidFill>
-                  <a:prstClr val="black"/>
-                </a:solidFill>
-                <a:latin typeface="Courier New" pitchFamily="49" charset="0"/>
-                <a:cs typeface="Courier New" pitchFamily="49" charset="0"/>
-              </a:rPr>
-              <a:t>    </a:t>
-            </a:r>
-            <a:r>
-              <a:rPr lang="nl-BE" dirty="0" err="1">
-                <a:solidFill>
-                  <a:prstClr val="black"/>
-                </a:solidFill>
-                <a:latin typeface="Courier New" pitchFamily="49" charset="0"/>
-                <a:cs typeface="Courier New" pitchFamily="49" charset="0"/>
-              </a:rPr>
-              <a:t>sum</a:t>
-            </a:r>
-            <a:r>
-              <a:rPr lang="nl-BE" dirty="0">
-                <a:solidFill>
-                  <a:prstClr val="black"/>
-                </a:solidFill>
-                <a:latin typeface="Courier New" pitchFamily="49" charset="0"/>
-                <a:cs typeface="Courier New" pitchFamily="49" charset="0"/>
-              </a:rPr>
-              <a:t> += </a:t>
-            </a:r>
-            <a:r>
-              <a:rPr lang="nl-BE" dirty="0" err="1">
-                <a:solidFill>
-                  <a:prstClr val="black"/>
-                </a:solidFill>
-                <a:latin typeface="Courier New" pitchFamily="49" charset="0"/>
-                <a:cs typeface="Courier New" pitchFamily="49" charset="0"/>
-              </a:rPr>
-              <a:t>value</a:t>
-            </a:r>
-            <a:r>
-              <a:rPr lang="nl-BE" dirty="0">
-                <a:solidFill>
-                  <a:prstClr val="black"/>
-                </a:solidFill>
-                <a:latin typeface="Courier New" pitchFamily="49" charset="0"/>
-                <a:cs typeface="Courier New" pitchFamily="49" charset="0"/>
-              </a:rPr>
-              <a:t>;</a:t>
-            </a:r>
-          </a:p>
-        </p:txBody>
-      </p:sp>
-      <p:sp>
-        <p:nvSpPr>
-          <p:cNvPr id="9" name="TextBox 8">
-            <a:extLst>
-              <a:ext uri="{FF2B5EF4-FFF2-40B4-BE49-F238E27FC236}">
-                <a16:creationId xmlns:a16="http://schemas.microsoft.com/office/drawing/2014/main" id="{7BD44A4A-665B-155F-48AB-6FA96AA271F1}"/>
-              </a:ext>
-            </a:extLst>
-          </p:cNvPr>
-          <p:cNvSpPr txBox="1"/>
-          <p:nvPr/>
-        </p:nvSpPr>
-        <p:spPr>
-          <a:xfrm>
-            <a:off x="703044" y="4466163"/>
-            <a:ext cx="4458272" cy="1200329"/>
-          </a:xfrm>
-          <a:prstGeom prst="rect">
-            <a:avLst/>
-          </a:prstGeom>
-          <a:solidFill>
-            <a:schemeClr val="accent4">
-              <a:lumMod val="40000"/>
-              <a:lumOff val="60000"/>
-            </a:schemeClr>
-          </a:solidFill>
-        </p:spPr>
-        <p:txBody>
-          <a:bodyPr wrap="none" rtlCol="0">
-            <a:spAutoFit/>
-          </a:bodyPr>
-          <a:lstStyle/>
-          <a:p>
-            <a:r>
-              <a:rPr lang="en-US" dirty="0">
-                <a:solidFill>
-                  <a:prstClr val="black"/>
-                </a:solidFill>
-                <a:latin typeface="Courier New" pitchFamily="49" charset="0"/>
-                <a:cs typeface="Courier New" pitchFamily="49" charset="0"/>
-              </a:rPr>
-              <a:t>std::vector&lt;double&gt; v;</a:t>
-            </a:r>
-          </a:p>
-          <a:p>
-            <a:r>
-              <a:rPr lang="en-US" dirty="0">
-                <a:solidFill>
-                  <a:prstClr val="black"/>
-                </a:solidFill>
-                <a:latin typeface="Courier New" pitchFamily="49" charset="0"/>
-                <a:cs typeface="Courier New" pitchFamily="49" charset="0"/>
-                <a:sym typeface="Symbol" panose="05050102010706020507" pitchFamily="18" charset="2"/>
-              </a:rPr>
-              <a:t></a:t>
-            </a:r>
-            <a:endParaRPr lang="en-US" dirty="0">
-              <a:solidFill>
-                <a:prstClr val="black"/>
-              </a:solidFill>
-              <a:latin typeface="Courier New" pitchFamily="49" charset="0"/>
-              <a:cs typeface="Courier New" pitchFamily="49" charset="0"/>
-            </a:endParaRPr>
-          </a:p>
-          <a:p>
-            <a:r>
-              <a:rPr lang="en-US" dirty="0">
-                <a:solidFill>
-                  <a:prstClr val="black"/>
-                </a:solidFill>
-                <a:latin typeface="Courier New" pitchFamily="49" charset="0"/>
-                <a:cs typeface="Courier New" pitchFamily="49" charset="0"/>
-              </a:rPr>
-              <a:t>for (auto value: v)</a:t>
-            </a:r>
-          </a:p>
-          <a:p>
-            <a:r>
-              <a:rPr lang="en-US" dirty="0">
-                <a:solidFill>
-                  <a:prstClr val="black"/>
-                </a:solidFill>
-                <a:latin typeface="Courier New" pitchFamily="49" charset="0"/>
-                <a:cs typeface="Courier New" pitchFamily="49" charset="0"/>
-              </a:rPr>
-              <a:t>    std::</a:t>
-            </a:r>
-            <a:r>
-              <a:rPr lang="en-US" dirty="0" err="1">
-                <a:solidFill>
-                  <a:prstClr val="black"/>
-                </a:solidFill>
-                <a:latin typeface="Courier New" pitchFamily="49" charset="0"/>
-                <a:cs typeface="Courier New" pitchFamily="49" charset="0"/>
-              </a:rPr>
-              <a:t>cout</a:t>
-            </a:r>
-            <a:r>
-              <a:rPr lang="en-US" dirty="0">
-                <a:solidFill>
-                  <a:prstClr val="black"/>
-                </a:solidFill>
-                <a:latin typeface="Courier New" pitchFamily="49" charset="0"/>
-                <a:cs typeface="Courier New" pitchFamily="49" charset="0"/>
-              </a:rPr>
-              <a:t> &lt;&lt; values &lt;&lt; " ";</a:t>
-            </a:r>
-            <a:endParaRPr lang="nl-BE" dirty="0">
-              <a:solidFill>
-                <a:prstClr val="black"/>
-              </a:solidFill>
-              <a:latin typeface="Courier New" pitchFamily="49" charset="0"/>
-              <a:cs typeface="Courier New" pitchFamily="49" charset="0"/>
-            </a:endParaRPr>
-          </a:p>
-        </p:txBody>
-      </p:sp>
-      <p:sp>
-        <p:nvSpPr>
-          <p:cNvPr id="10" name="TextBox 9">
-            <a:extLst>
-              <a:ext uri="{FF2B5EF4-FFF2-40B4-BE49-F238E27FC236}">
-                <a16:creationId xmlns:a16="http://schemas.microsoft.com/office/drawing/2014/main" id="{1A1D85EF-1115-C567-A5BA-08BEDBD335B8}"/>
-              </a:ext>
-            </a:extLst>
-          </p:cNvPr>
-          <p:cNvSpPr txBox="1"/>
-          <p:nvPr/>
-        </p:nvSpPr>
-        <p:spPr>
-          <a:xfrm>
-            <a:off x="6278723" y="4466163"/>
-            <a:ext cx="5423280" cy="1754326"/>
-          </a:xfrm>
-          <a:prstGeom prst="rect">
-            <a:avLst/>
-          </a:prstGeom>
-          <a:solidFill>
-            <a:schemeClr val="accent4">
-              <a:lumMod val="40000"/>
-              <a:lumOff val="60000"/>
-            </a:schemeClr>
-          </a:solidFill>
-        </p:spPr>
-        <p:txBody>
-          <a:bodyPr wrap="none" rtlCol="0">
-            <a:spAutoFit/>
-          </a:bodyPr>
-          <a:lstStyle/>
-          <a:p>
-            <a:r>
-              <a:rPr lang="en-US" dirty="0">
-                <a:solidFill>
-                  <a:prstClr val="black"/>
-                </a:solidFill>
-                <a:latin typeface="Courier New" pitchFamily="49" charset="0"/>
-                <a:cs typeface="Courier New" pitchFamily="49" charset="0"/>
-              </a:rPr>
-              <a:t>#include &lt;numeric&gt;</a:t>
-            </a:r>
-          </a:p>
-          <a:p>
-            <a:r>
-              <a:rPr lang="en-US" dirty="0">
-                <a:solidFill>
-                  <a:prstClr val="black"/>
-                </a:solidFill>
-                <a:latin typeface="Courier New" pitchFamily="49" charset="0"/>
-                <a:cs typeface="Courier New" pitchFamily="49" charset="0"/>
-                <a:sym typeface="Symbol" panose="05050102010706020507" pitchFamily="18" charset="2"/>
-              </a:rPr>
-              <a:t></a:t>
-            </a:r>
-            <a:endParaRPr lang="en-US" dirty="0">
-              <a:solidFill>
-                <a:prstClr val="black"/>
-              </a:solidFill>
-              <a:latin typeface="Courier New" pitchFamily="49" charset="0"/>
-              <a:cs typeface="Courier New" pitchFamily="49" charset="0"/>
-            </a:endParaRPr>
-          </a:p>
-          <a:p>
-            <a:r>
-              <a:rPr lang="en-US" dirty="0">
-                <a:solidFill>
-                  <a:prstClr val="black"/>
-                </a:solidFill>
-                <a:latin typeface="Courier New" pitchFamily="49" charset="0"/>
-                <a:cs typeface="Courier New" pitchFamily="49" charset="0"/>
-              </a:rPr>
-              <a:t>std::vector&lt;double&gt; v;</a:t>
-            </a:r>
-          </a:p>
-          <a:p>
-            <a:r>
-              <a:rPr lang="en-US" dirty="0">
-                <a:solidFill>
-                  <a:prstClr val="black"/>
-                </a:solidFill>
-                <a:latin typeface="Courier New" pitchFamily="49" charset="0"/>
-                <a:cs typeface="Courier New" pitchFamily="49" charset="0"/>
-                <a:sym typeface="Symbol" panose="05050102010706020507" pitchFamily="18" charset="2"/>
-              </a:rPr>
-              <a:t></a:t>
-            </a:r>
-            <a:endParaRPr lang="en-US" dirty="0">
-              <a:solidFill>
-                <a:prstClr val="black"/>
-              </a:solidFill>
-              <a:latin typeface="Courier New" pitchFamily="49" charset="0"/>
-              <a:cs typeface="Courier New" pitchFamily="49" charset="0"/>
-            </a:endParaRPr>
-          </a:p>
-          <a:p>
-            <a:r>
-              <a:rPr lang="nl-BE" dirty="0">
-                <a:solidFill>
-                  <a:prstClr val="black"/>
-                </a:solidFill>
-                <a:latin typeface="Courier New" pitchFamily="49" charset="0"/>
-                <a:cs typeface="Courier New" pitchFamily="49" charset="0"/>
-              </a:rPr>
-              <a:t>double </a:t>
-            </a:r>
-            <a:r>
-              <a:rPr lang="nl-BE" dirty="0" err="1">
-                <a:solidFill>
-                  <a:prstClr val="black"/>
-                </a:solidFill>
-                <a:latin typeface="Courier New" pitchFamily="49" charset="0"/>
-                <a:cs typeface="Courier New" pitchFamily="49" charset="0"/>
-              </a:rPr>
-              <a:t>su</a:t>
-            </a:r>
-            <a:r>
-              <a:rPr lang="nl-BE" dirty="0">
-                <a:solidFill>
-                  <a:prstClr val="black"/>
-                </a:solidFill>
-                <a:latin typeface="Courier New" pitchFamily="49" charset="0"/>
-                <a:cs typeface="Courier New" pitchFamily="49" charset="0"/>
-              </a:rPr>
-              <a:t>₼{</a:t>
-            </a:r>
-            <a:r>
-              <a:rPr lang="nl-BE" dirty="0" err="1">
-                <a:solidFill>
-                  <a:prstClr val="black"/>
-                </a:solidFill>
-                <a:latin typeface="Courier New" pitchFamily="49" charset="0"/>
-                <a:cs typeface="Courier New" pitchFamily="49" charset="0"/>
-              </a:rPr>
-              <a:t>std</a:t>
-            </a:r>
-            <a:r>
-              <a:rPr lang="nl-BE" dirty="0">
-                <a:solidFill>
-                  <a:prstClr val="black"/>
-                </a:solidFill>
-                <a:latin typeface="Courier New" pitchFamily="49" charset="0"/>
-                <a:cs typeface="Courier New" pitchFamily="49" charset="0"/>
-              </a:rPr>
-              <a:t>::</a:t>
-            </a:r>
-            <a:r>
-              <a:rPr lang="nl-BE" dirty="0" err="1">
-                <a:solidFill>
-                  <a:prstClr val="black"/>
-                </a:solidFill>
-                <a:latin typeface="Courier New" pitchFamily="49" charset="0"/>
-                <a:cs typeface="Courier New" pitchFamily="49" charset="0"/>
-              </a:rPr>
-              <a:t>accumulate</a:t>
-            </a:r>
-            <a:r>
-              <a:rPr lang="nl-BE" dirty="0">
-                <a:solidFill>
-                  <a:prstClr val="black"/>
-                </a:solidFill>
-                <a:latin typeface="Courier New" pitchFamily="49" charset="0"/>
-                <a:cs typeface="Courier New" pitchFamily="49" charset="0"/>
-              </a:rPr>
-              <a:t>(</a:t>
-            </a:r>
-            <a:r>
-              <a:rPr lang="nl-BE" dirty="0" err="1">
-                <a:solidFill>
-                  <a:prstClr val="black"/>
-                </a:solidFill>
-                <a:latin typeface="Courier New" pitchFamily="49" charset="0"/>
-                <a:cs typeface="Courier New" pitchFamily="49" charset="0"/>
-              </a:rPr>
-              <a:t>v.cbegin</a:t>
-            </a:r>
-            <a:r>
-              <a:rPr lang="nl-BE" dirty="0">
-                <a:solidFill>
-                  <a:prstClr val="black"/>
-                </a:solidFill>
-                <a:latin typeface="Courier New" pitchFamily="49" charset="0"/>
-                <a:cs typeface="Courier New" pitchFamily="49" charset="0"/>
-              </a:rPr>
-              <a:t>(),</a:t>
-            </a:r>
-          </a:p>
-          <a:p>
-            <a:r>
-              <a:rPr lang="nl-BE" dirty="0">
-                <a:solidFill>
-                  <a:prstClr val="black"/>
-                </a:solidFill>
-                <a:latin typeface="Courier New" pitchFamily="49" charset="0"/>
-                <a:cs typeface="Courier New" pitchFamily="49" charset="0"/>
-              </a:rPr>
-              <a:t>                    </a:t>
-            </a:r>
-            <a:r>
-              <a:rPr lang="nl-BE" dirty="0" err="1">
-                <a:solidFill>
-                  <a:prstClr val="black"/>
-                </a:solidFill>
-                <a:latin typeface="Courier New" pitchFamily="49" charset="0"/>
-                <a:cs typeface="Courier New" pitchFamily="49" charset="0"/>
-              </a:rPr>
-              <a:t>v.cend</a:t>
-            </a:r>
-            <a:r>
-              <a:rPr lang="nl-BE" dirty="0">
-                <a:solidFill>
-                  <a:prstClr val="black"/>
-                </a:solidFill>
-                <a:latin typeface="Courier New" pitchFamily="49" charset="0"/>
-                <a:cs typeface="Courier New" pitchFamily="49" charset="0"/>
-              </a:rPr>
-              <a:t>(), 0.0)};</a:t>
-            </a:r>
-          </a:p>
-        </p:txBody>
-      </p:sp>
-    </p:spTree>
-    <p:extLst>
-      <p:ext uri="{BB962C8B-B14F-4D97-AF65-F5344CB8AC3E}">
-        <p14:creationId xmlns:p14="http://schemas.microsoft.com/office/powerpoint/2010/main" val="4072105404"/>
-      </p:ext>
-    </p:extLst>
-  </p:cSld>
-  <p:clrMapOvr>
-    <a:masterClrMapping/>
-  </p:clrMapOvr>
-  <p:timing>
-    <p:tnLst>
-      <p:par>
-        <p:cTn id="1" dur="indefinite" restart="never" nodeType="tmRoot">
-          <p:childTnLst>
-            <p:seq concurrent="1" nextAc="seek">
-              <p:cTn id="2" dur="indefinite" nodeType="mainSeq">
-                <p:childTnLst>
-                  <p:par>
-                    <p:cTn id="3" fill="hold">
-                      <p:stCondLst>
-                        <p:cond delay="indefinite"/>
-                      </p:stCondLst>
-                      <p:childTnLst>
-                        <p:par>
-                          <p:cTn id="4" fill="hold">
-                            <p:stCondLst>
-                              <p:cond delay="0"/>
-                            </p:stCondLst>
-                            <p:childTnLst>
-                              <p:par>
-                                <p:cTn id="5" presetID="1" presetClass="entr" presetSubtype="0" fill="hold" grpId="0" nodeType="clickEffect">
-                                  <p:stCondLst>
-                                    <p:cond delay="0"/>
-                                  </p:stCondLst>
-                                  <p:childTnLst>
-                                    <p:set>
-                                      <p:cBhvr>
-                                        <p:cTn id="6" dur="1" fill="hold">
-                                          <p:stCondLst>
-                                            <p:cond delay="0"/>
-                                          </p:stCondLst>
-                                        </p:cTn>
-                                        <p:tgtEl>
-                                          <p:spTgt spid="5"/>
-                                        </p:tgtEl>
-                                        <p:attrNameLst>
-                                          <p:attrName>style.visibility</p:attrName>
-                                        </p:attrNameLst>
-                                      </p:cBhvr>
-                                      <p:to>
-                                        <p:strVal val="visible"/>
-                                      </p:to>
-                                    </p:set>
-                                  </p:childTnLst>
-                                </p:cTn>
-                              </p:par>
-                            </p:childTnLst>
-                          </p:cTn>
-                        </p:par>
-                      </p:childTnLst>
-                    </p:cTn>
-                  </p:par>
-                  <p:par>
-                    <p:cTn id="7" fill="hold">
-                      <p:stCondLst>
-                        <p:cond delay="indefinite"/>
-                      </p:stCondLst>
-                      <p:childTnLst>
-                        <p:par>
-                          <p:cTn id="8" fill="hold">
-                            <p:stCondLst>
-                              <p:cond delay="0"/>
-                            </p:stCondLst>
-                            <p:childTnLst>
-                              <p:par>
-                                <p:cTn id="9" presetID="1" presetClass="entr" presetSubtype="0" fill="hold" grpId="0" nodeType="clickEffect">
-                                  <p:stCondLst>
-                                    <p:cond delay="0"/>
-                                  </p:stCondLst>
-                                  <p:childTnLst>
-                                    <p:set>
-                                      <p:cBhvr>
-                                        <p:cTn id="10" dur="1" fill="hold">
-                                          <p:stCondLst>
-                                            <p:cond delay="0"/>
-                                          </p:stCondLst>
-                                        </p:cTn>
-                                        <p:tgtEl>
-                                          <p:spTgt spid="7"/>
-                                        </p:tgtEl>
-                                        <p:attrNameLst>
-                                          <p:attrName>style.visibility</p:attrName>
-                                        </p:attrNameLst>
-                                      </p:cBhvr>
-                                      <p:to>
-                                        <p:strVal val="visible"/>
-                                      </p:to>
-                                    </p:set>
-                                  </p:childTnLst>
-                                </p:cTn>
-                              </p:par>
-                            </p:childTnLst>
-                          </p:cTn>
-                        </p:par>
-                      </p:childTnLst>
-                    </p:cTn>
-                  </p:par>
-                  <p:par>
-                    <p:cTn id="11" fill="hold">
-                      <p:stCondLst>
-                        <p:cond delay="indefinite"/>
-                      </p:stCondLst>
-                      <p:childTnLst>
-                        <p:par>
-                          <p:cTn id="12" fill="hold">
-                            <p:stCondLst>
-                              <p:cond delay="0"/>
-                            </p:stCondLst>
-                            <p:childTnLst>
-                              <p:par>
-                                <p:cTn id="13" presetID="1" presetClass="entr" presetSubtype="0" fill="hold" grpId="0" nodeType="clickEffect">
-                                  <p:stCondLst>
-                                    <p:cond delay="0"/>
-                                  </p:stCondLst>
-                                  <p:childTnLst>
-                                    <p:set>
-                                      <p:cBhvr>
-                                        <p:cTn id="14" dur="1" fill="hold">
-                                          <p:stCondLst>
-                                            <p:cond delay="0"/>
-                                          </p:stCondLst>
-                                        </p:cTn>
-                                        <p:tgtEl>
-                                          <p:spTgt spid="9"/>
-                                        </p:tgtEl>
-                                        <p:attrNameLst>
-                                          <p:attrName>style.visibility</p:attrName>
-                                        </p:attrNameLst>
-                                      </p:cBhvr>
-                                      <p:to>
-                                        <p:strVal val="visible"/>
-                                      </p:to>
-                                    </p:set>
-                                  </p:childTnLst>
-                                </p:cTn>
-                              </p:par>
-                            </p:childTnLst>
-                          </p:cTn>
-                        </p:par>
-                      </p:childTnLst>
-                    </p:cTn>
-                  </p:par>
-                  <p:par>
-                    <p:cTn id="15" fill="hold">
-                      <p:stCondLst>
-                        <p:cond delay="indefinite"/>
-                      </p:stCondLst>
-                      <p:childTnLst>
-                        <p:par>
-                          <p:cTn id="16" fill="hold">
-                            <p:stCondLst>
-                              <p:cond delay="0"/>
-                            </p:stCondLst>
-                            <p:childTnLst>
-                              <p:par>
-                                <p:cTn id="17" presetID="1" presetClass="entr" presetSubtype="0" fill="hold" grpId="0" nodeType="clickEffect">
-                                  <p:stCondLst>
-                                    <p:cond delay="0"/>
-                                  </p:stCondLst>
-                                  <p:childTnLst>
-                                    <p:set>
-                                      <p:cBhvr>
-                                        <p:cTn id="18" dur="1" fill="hold">
-                                          <p:stCondLst>
-                                            <p:cond delay="0"/>
-                                          </p:stCondLst>
-                                        </p:cTn>
-                                        <p:tgtEl>
-                                          <p:spTgt spid="10"/>
-                                        </p:tgtEl>
-                                        <p:attrNameLst>
-                                          <p:attrName>style.visibility</p:attrName>
-                                        </p:attrNameLst>
-                                      </p:cBhvr>
-                                      <p:to>
-                                        <p:strVal val="visible"/>
-                                      </p:to>
-                                    </p:set>
-                                  </p:childTnLst>
-                                </p:cTn>
-                              </p:par>
-                            </p:childTnLst>
-                          </p:cTn>
-                        </p:par>
-                      </p:childTnLst>
-                    </p:cTn>
-                  </p:par>
-                </p:childTnLst>
-              </p:cTn>
-              <p:prevCondLst>
-                <p:cond evt="onPrev" delay="0">
-                  <p:tgtEl>
-                    <p:sldTgt/>
-                  </p:tgtEl>
-                </p:cond>
-              </p:prevCondLst>
-              <p:nextCondLst>
-                <p:cond evt="onNext" delay="0">
-                  <p:tgtEl>
-                    <p:sldTgt/>
-                  </p:tgtEl>
-                </p:cond>
-              </p:nextCondLst>
-            </p:seq>
-          </p:childTnLst>
-        </p:cTn>
-      </p:par>
-    </p:tnLst>
-    <p:bldLst>
-      <p:bldP spid="5" grpId="0" animBg="1"/>
-      <p:bldP spid="7" grpId="0" animBg="1"/>
-      <p:bldP spid="9" grpId="0" animBg="1"/>
-      <p:bldP spid="10" grpId="0" animBg="1"/>
     </p:bldLst>
   </p:timing>
 </p:sld>
@@ -8436,4 +13345,319 @@
     </a:ext>
   </a:extLst>
 </a:theme>
+</file>
+
+<file path=ppt/theme/theme2.xml><?xml version="1.0" encoding="utf-8"?>
+<a:theme xmlns:a="http://schemas.openxmlformats.org/drawingml/2006/main" name="Office Theme">
+  <a:themeElements>
+    <a:clrScheme name="Office">
+      <a:dk1>
+        <a:sysClr val="windowText" lastClr="000000"/>
+      </a:dk1>
+      <a:lt1>
+        <a:sysClr val="window" lastClr="FFFFFF"/>
+      </a:lt1>
+      <a:dk2>
+        <a:srgbClr val="0E2841"/>
+      </a:dk2>
+      <a:lt2>
+        <a:srgbClr val="E8E8E8"/>
+      </a:lt2>
+      <a:accent1>
+        <a:srgbClr val="156082"/>
+      </a:accent1>
+      <a:accent2>
+        <a:srgbClr val="E97132"/>
+      </a:accent2>
+      <a:accent3>
+        <a:srgbClr val="196B24"/>
+      </a:accent3>
+      <a:accent4>
+        <a:srgbClr val="0F9ED5"/>
+      </a:accent4>
+      <a:accent5>
+        <a:srgbClr val="A02B93"/>
+      </a:accent5>
+      <a:accent6>
+        <a:srgbClr val="4EA72E"/>
+      </a:accent6>
+      <a:hlink>
+        <a:srgbClr val="467886"/>
+      </a:hlink>
+      <a:folHlink>
+        <a:srgbClr val="96607D"/>
+      </a:folHlink>
+    </a:clrScheme>
+    <a:fontScheme name="Office">
+      <a:majorFont>
+        <a:latin typeface="Aptos Display" panose="02110004020202020204"/>
+        <a:ea typeface=""/>
+        <a:cs typeface=""/>
+        <a:font script="Jpan" typeface="游ゴシック Light"/>
+        <a:font script="Hang" typeface="맑은 고딕"/>
+        <a:font script="Hans" typeface="等线 Light"/>
+        <a:font script="Hant" typeface="新細明體"/>
+        <a:font script="Arab" typeface="Times New Roman"/>
+        <a:font script="Hebr" typeface="Times New Roman"/>
+        <a:font script="Thai" typeface="Angsana New"/>
+        <a:font script="Ethi" typeface="Nyala"/>
+        <a:font script="Beng" typeface="Vrinda"/>
+        <a:font script="Gujr" typeface="Shruti"/>
+        <a:font script="Khmr" typeface="MoolBoran"/>
+        <a:font script="Knda" typeface="Tunga"/>
+        <a:font script="Guru" typeface="Raavi"/>
+        <a:font script="Cans" typeface="Euphemia"/>
+        <a:font script="Cher" typeface="Plantagenet Cherokee"/>
+        <a:font script="Yiii" typeface="Microsoft Yi Baiti"/>
+        <a:font script="Tibt" typeface="Microsoft Himalaya"/>
+        <a:font script="Thaa" typeface="MV Boli"/>
+        <a:font script="Deva" typeface="Mangal"/>
+        <a:font script="Telu" typeface="Gautami"/>
+        <a:font script="Taml" typeface="Latha"/>
+        <a:font script="Syrc" typeface="Estrangelo Edessa"/>
+        <a:font script="Orya" typeface="Kalinga"/>
+        <a:font script="Mlym" typeface="Kartika"/>
+        <a:font script="Laoo" typeface="DokChampa"/>
+        <a:font script="Sinh" typeface="Iskoola Pota"/>
+        <a:font script="Mong" typeface="Mongolian Baiti"/>
+        <a:font script="Viet" typeface="Times New Roman"/>
+        <a:font script="Uigh" typeface="Microsoft Uighur"/>
+        <a:font script="Geor" typeface="Sylfaen"/>
+        <a:font script="Armn" typeface="Arial"/>
+        <a:font script="Bugi" typeface="Leelawadee UI"/>
+        <a:font script="Bopo" typeface="Microsoft JhengHei"/>
+        <a:font script="Java" typeface="Javanese Text"/>
+        <a:font script="Lisu" typeface="Segoe UI"/>
+        <a:font script="Mymr" typeface="Myanmar Text"/>
+        <a:font script="Nkoo" typeface="Ebrima"/>
+        <a:font script="Olck" typeface="Nirmala UI"/>
+        <a:font script="Osma" typeface="Ebrima"/>
+        <a:font script="Phag" typeface="Phagspa"/>
+        <a:font script="Syrn" typeface="Estrangelo Edessa"/>
+        <a:font script="Syrj" typeface="Estrangelo Edessa"/>
+        <a:font script="Syre" typeface="Estrangelo Edessa"/>
+        <a:font script="Sora" typeface="Nirmala UI"/>
+        <a:font script="Tale" typeface="Microsoft Tai Le"/>
+        <a:font script="Talu" typeface="Microsoft New Tai Lue"/>
+        <a:font script="Tfng" typeface="Ebrima"/>
+      </a:majorFont>
+      <a:minorFont>
+        <a:latin typeface="Aptos" panose="02110004020202020204"/>
+        <a:ea typeface=""/>
+        <a:cs typeface=""/>
+        <a:font script="Jpan" typeface="游ゴシック"/>
+        <a:font script="Hang" typeface="맑은 고딕"/>
+        <a:font script="Hans" typeface="等线"/>
+        <a:font script="Hant" typeface="新細明體"/>
+        <a:font script="Arab" typeface="Arial"/>
+        <a:font script="Hebr" typeface="Arial"/>
+        <a:font script="Thai" typeface="Cordia New"/>
+        <a:font script="Ethi" typeface="Nyala"/>
+        <a:font script="Beng" typeface="Vrinda"/>
+        <a:font script="Gujr" typeface="Shruti"/>
+        <a:font script="Khmr" typeface="DaunPenh"/>
+        <a:font script="Knda" typeface="Tunga"/>
+        <a:font script="Guru" typeface="Raavi"/>
+        <a:font script="Cans" typeface="Euphemia"/>
+        <a:font script="Cher" typeface="Plantagenet Cherokee"/>
+        <a:font script="Yiii" typeface="Microsoft Yi Baiti"/>
+        <a:font script="Tibt" typeface="Microsoft Himalaya"/>
+        <a:font script="Thaa" typeface="MV Boli"/>
+        <a:font script="Deva" typeface="Mangal"/>
+        <a:font script="Telu" typeface="Gautami"/>
+        <a:font script="Taml" typeface="Latha"/>
+        <a:font script="Syrc" typeface="Estrangelo Edessa"/>
+        <a:font script="Orya" typeface="Kalinga"/>
+        <a:font script="Mlym" typeface="Kartika"/>
+        <a:font script="Laoo" typeface="DokChampa"/>
+        <a:font script="Sinh" typeface="Iskoola Pota"/>
+        <a:font script="Mong" typeface="Mongolian Baiti"/>
+        <a:font script="Viet" typeface="Arial"/>
+        <a:font script="Uigh" typeface="Microsoft Uighur"/>
+        <a:font script="Geor" typeface="Sylfaen"/>
+        <a:font script="Armn" typeface="Arial"/>
+        <a:font script="Bugi" typeface="Leelawadee UI"/>
+        <a:font script="Bopo" typeface="Microsoft JhengHei"/>
+        <a:font script="Java" typeface="Javanese Text"/>
+        <a:font script="Lisu" typeface="Segoe UI"/>
+        <a:font script="Mymr" typeface="Myanmar Text"/>
+        <a:font script="Nkoo" typeface="Ebrima"/>
+        <a:font script="Olck" typeface="Nirmala UI"/>
+        <a:font script="Osma" typeface="Ebrima"/>
+        <a:font script="Phag" typeface="Phagspa"/>
+        <a:font script="Syrn" typeface="Estrangelo Edessa"/>
+        <a:font script="Syrj" typeface="Estrangelo Edessa"/>
+        <a:font script="Syre" typeface="Estrangelo Edessa"/>
+        <a:font script="Sora" typeface="Nirmala UI"/>
+        <a:font script="Tale" typeface="Microsoft Tai Le"/>
+        <a:font script="Talu" typeface="Microsoft New Tai Lue"/>
+        <a:font script="Tfng" typeface="Ebrima"/>
+      </a:minorFont>
+    </a:fontScheme>
+    <a:fmtScheme name="Office">
+      <a:fillStyleLst>
+        <a:solidFill>
+          <a:schemeClr val="phClr"/>
+        </a:solidFill>
+        <a:gradFill rotWithShape="1">
+          <a:gsLst>
+            <a:gs pos="0">
+              <a:schemeClr val="phClr">
+                <a:lumMod val="110000"/>
+                <a:satMod val="105000"/>
+                <a:tint val="67000"/>
+              </a:schemeClr>
+            </a:gs>
+            <a:gs pos="50000">
+              <a:schemeClr val="phClr">
+                <a:lumMod val="105000"/>
+                <a:satMod val="103000"/>
+                <a:tint val="73000"/>
+              </a:schemeClr>
+            </a:gs>
+            <a:gs pos="100000">
+              <a:schemeClr val="phClr">
+                <a:lumMod val="105000"/>
+                <a:satMod val="109000"/>
+                <a:tint val="81000"/>
+              </a:schemeClr>
+            </a:gs>
+          </a:gsLst>
+          <a:lin ang="5400000" scaled="0"/>
+        </a:gradFill>
+        <a:gradFill rotWithShape="1">
+          <a:gsLst>
+            <a:gs pos="0">
+              <a:schemeClr val="phClr">
+                <a:satMod val="103000"/>
+                <a:lumMod val="102000"/>
+                <a:tint val="94000"/>
+              </a:schemeClr>
+            </a:gs>
+            <a:gs pos="50000">
+              <a:schemeClr val="phClr">
+                <a:satMod val="110000"/>
+                <a:lumMod val="100000"/>
+                <a:shade val="100000"/>
+              </a:schemeClr>
+            </a:gs>
+            <a:gs pos="100000">
+              <a:schemeClr val="phClr">
+                <a:lumMod val="99000"/>
+                <a:satMod val="120000"/>
+                <a:shade val="78000"/>
+              </a:schemeClr>
+            </a:gs>
+          </a:gsLst>
+          <a:lin ang="5400000" scaled="0"/>
+        </a:gradFill>
+      </a:fillStyleLst>
+      <a:lnStyleLst>
+        <a:ln w="12700" cap="flat" cmpd="sng" algn="ctr">
+          <a:solidFill>
+            <a:schemeClr val="phClr"/>
+          </a:solidFill>
+          <a:prstDash val="solid"/>
+          <a:miter lim="800000"/>
+        </a:ln>
+        <a:ln w="19050" cap="flat" cmpd="sng" algn="ctr">
+          <a:solidFill>
+            <a:schemeClr val="phClr"/>
+          </a:solidFill>
+          <a:prstDash val="solid"/>
+          <a:miter lim="800000"/>
+        </a:ln>
+        <a:ln w="25400" cap="flat" cmpd="sng" algn="ctr">
+          <a:solidFill>
+            <a:schemeClr val="phClr"/>
+          </a:solidFill>
+          <a:prstDash val="solid"/>
+          <a:miter lim="800000"/>
+        </a:ln>
+      </a:lnStyleLst>
+      <a:effectStyleLst>
+        <a:effectStyle>
+          <a:effectLst/>
+        </a:effectStyle>
+        <a:effectStyle>
+          <a:effectLst/>
+        </a:effectStyle>
+        <a:effectStyle>
+          <a:effectLst>
+            <a:outerShdw blurRad="57150" dist="19050" dir="5400000" algn="ctr" rotWithShape="0">
+              <a:srgbClr val="000000">
+                <a:alpha val="63000"/>
+              </a:srgbClr>
+            </a:outerShdw>
+          </a:effectLst>
+        </a:effectStyle>
+      </a:effectStyleLst>
+      <a:bgFillStyleLst>
+        <a:solidFill>
+          <a:schemeClr val="phClr"/>
+        </a:solidFill>
+        <a:solidFill>
+          <a:schemeClr val="phClr">
+            <a:tint val="95000"/>
+            <a:satMod val="170000"/>
+          </a:schemeClr>
+        </a:solidFill>
+        <a:gradFill rotWithShape="1">
+          <a:gsLst>
+            <a:gs pos="0">
+              <a:schemeClr val="phClr">
+                <a:tint val="93000"/>
+                <a:satMod val="150000"/>
+                <a:shade val="98000"/>
+                <a:lumMod val="102000"/>
+              </a:schemeClr>
+            </a:gs>
+            <a:gs pos="50000">
+              <a:schemeClr val="phClr">
+                <a:tint val="98000"/>
+                <a:satMod val="130000"/>
+                <a:shade val="90000"/>
+                <a:lumMod val="103000"/>
+              </a:schemeClr>
+            </a:gs>
+            <a:gs pos="100000">
+              <a:schemeClr val="phClr">
+                <a:shade val="63000"/>
+                <a:satMod val="120000"/>
+              </a:schemeClr>
+            </a:gs>
+          </a:gsLst>
+          <a:lin ang="5400000" scaled="0"/>
+        </a:gradFill>
+      </a:bgFillStyleLst>
+    </a:fmtScheme>
+  </a:themeElements>
+  <a:objectDefaults>
+    <a:lnDef>
+      <a:spPr/>
+      <a:bodyPr/>
+      <a:lstStyle/>
+      <a:style>
+        <a:lnRef idx="2">
+          <a:schemeClr val="accent1"/>
+        </a:lnRef>
+        <a:fillRef idx="0">
+          <a:schemeClr val="accent1"/>
+        </a:fillRef>
+        <a:effectRef idx="1">
+          <a:schemeClr val="accent1"/>
+        </a:effectRef>
+        <a:fontRef idx="minor">
+          <a:schemeClr val="tx1"/>
+        </a:fontRef>
+      </a:style>
+    </a:lnDef>
+  </a:objectDefaults>
+  <a:extraClrSchemeLst/>
+  <a:extLst>
+    <a:ext uri="{05A4C25C-085E-4340-85A3-A5531E510DB2}">
+      <thm15:themeFamily xmlns:thm15="http://schemas.microsoft.com/office/thememl/2012/main" name="Office Theme" id="{2E142A2C-CD16-42D6-873A-C26D2A0506FA}" vid="{1BDDFF52-6CD6-40A5-AB3C-68EB2F1E4D0A}"/>
+    </a:ext>
+  </a:extLst>
+</a:theme>
 </file>
--- a/cpp_software_engineering.pptx
+++ b/cpp_software_engineering.pptx
@@ -5,7 +5,7 @@
     <p:sldMasterId id="2147483648" r:id="rId1"/>
   </p:sldMasterIdLst>
   <p:notesMasterIdLst>
-    <p:notesMasterId r:id="rId20"/>
+    <p:notesMasterId r:id="rId30"/>
   </p:notesMasterIdLst>
   <p:sldIdLst>
     <p:sldId id="257" r:id="rId2"/>
@@ -26,6 +26,16 @@
     <p:sldId id="370" r:id="rId17"/>
     <p:sldId id="371" r:id="rId18"/>
     <p:sldId id="372" r:id="rId19"/>
+    <p:sldId id="373" r:id="rId20"/>
+    <p:sldId id="374" r:id="rId21"/>
+    <p:sldId id="375" r:id="rId22"/>
+    <p:sldId id="376" r:id="rId23"/>
+    <p:sldId id="377" r:id="rId24"/>
+    <p:sldId id="304" r:id="rId25"/>
+    <p:sldId id="379" r:id="rId26"/>
+    <p:sldId id="378" r:id="rId27"/>
+    <p:sldId id="380" r:id="rId28"/>
+    <p:sldId id="381" r:id="rId29"/>
   </p:sldIdLst>
   <p:sldSz cx="12192000" cy="6858000"/>
   <p:notesSz cx="6858000" cy="9144000"/>
@@ -155,6 +165,28 @@
             <p14:sldId id="370"/>
             <p14:sldId id="371"/>
             <p14:sldId id="372"/>
+          </p14:sldIdLst>
+        </p14:section>
+        <p14:section name="Static code analysis" id="{7E2168B1-3151-45FE-95B5-60C458E6EA14}">
+          <p14:sldIdLst>
+            <p14:sldId id="373"/>
+            <p14:sldId id="374"/>
+            <p14:sldId id="375"/>
+          </p14:sldIdLst>
+        </p14:section>
+        <p14:section name="Testing" id="{7E5DC78A-CBFE-4668-B154-057392F09201}">
+          <p14:sldIdLst>
+            <p14:sldId id="376"/>
+            <p14:sldId id="377"/>
+            <p14:sldId id="304"/>
+            <p14:sldId id="379"/>
+            <p14:sldId id="378"/>
+          </p14:sldIdLst>
+        </p14:section>
+        <p14:section name="Dependency maangement" id="{E98903FD-FEF5-43E0-9A24-6760A06D0647}">
+          <p14:sldIdLst>
+            <p14:sldId id="380"/>
+            <p14:sldId id="381"/>
           </p14:sldIdLst>
         </p14:section>
       </p14:sectionLst>
@@ -9345,6 +9377,119 @@
 </p:sld>
 </file>
 
+<file path=ppt/slides/slide19.xml><?xml version="1.0" encoding="utf-8"?>
+<p:sld xmlns:a="http://schemas.openxmlformats.org/drawingml/2006/main" xmlns:r="http://schemas.openxmlformats.org/officeDocument/2006/relationships" xmlns:p="http://schemas.openxmlformats.org/presentationml/2006/main">
+  <p:cSld>
+    <p:spTree>
+      <p:nvGrpSpPr>
+        <p:cNvPr id="1" name=""/>
+        <p:cNvGrpSpPr/>
+        <p:nvPr/>
+      </p:nvGrpSpPr>
+      <p:grpSpPr>
+        <a:xfrm>
+          <a:off x="0" y="0"/>
+          <a:ext cx="0" cy="0"/>
+          <a:chOff x="0" y="0"/>
+          <a:chExt cx="0" cy="0"/>
+        </a:xfrm>
+      </p:grpSpPr>
+      <p:sp>
+        <p:nvSpPr>
+          <p:cNvPr id="2" name="Title 1">
+            <a:extLst>
+              <a:ext uri="{FF2B5EF4-FFF2-40B4-BE49-F238E27FC236}">
+                <a16:creationId xmlns:a16="http://schemas.microsoft.com/office/drawing/2014/main" id="{0A9A4F0A-2A84-7AF9-7709-87E9D11D58BC}"/>
+              </a:ext>
+            </a:extLst>
+          </p:cNvPr>
+          <p:cNvSpPr>
+            <a:spLocks noGrp="1"/>
+          </p:cNvSpPr>
+          <p:nvPr>
+            <p:ph type="title"/>
+          </p:nvPr>
+        </p:nvSpPr>
+        <p:spPr/>
+        <p:txBody>
+          <a:bodyPr/>
+          <a:lstStyle/>
+          <a:p>
+            <a:r>
+              <a:rPr lang="en-US" dirty="0"/>
+              <a:t>Static code analysis</a:t>
+            </a:r>
+            <a:endParaRPr lang="LID4096" dirty="0"/>
+          </a:p>
+        </p:txBody>
+      </p:sp>
+      <p:sp>
+        <p:nvSpPr>
+          <p:cNvPr id="3" name="Text Placeholder 2">
+            <a:extLst>
+              <a:ext uri="{FF2B5EF4-FFF2-40B4-BE49-F238E27FC236}">
+                <a16:creationId xmlns:a16="http://schemas.microsoft.com/office/drawing/2014/main" id="{BD39A529-FC28-9BA3-DB34-576128C290AF}"/>
+              </a:ext>
+            </a:extLst>
+          </p:cNvPr>
+          <p:cNvSpPr>
+            <a:spLocks noGrp="1"/>
+          </p:cNvSpPr>
+          <p:nvPr>
+            <p:ph type="body" idx="1"/>
+          </p:nvPr>
+        </p:nvSpPr>
+        <p:spPr/>
+        <p:txBody>
+          <a:bodyPr/>
+          <a:lstStyle/>
+          <a:p>
+            <a:endParaRPr lang="LID4096"/>
+          </a:p>
+        </p:txBody>
+      </p:sp>
+      <p:sp>
+        <p:nvSpPr>
+          <p:cNvPr id="4" name="Slide Number Placeholder 3">
+            <a:extLst>
+              <a:ext uri="{FF2B5EF4-FFF2-40B4-BE49-F238E27FC236}">
+                <a16:creationId xmlns:a16="http://schemas.microsoft.com/office/drawing/2014/main" id="{85BD80E7-7B5E-E5E8-E17C-8EEEC1B251D1}"/>
+              </a:ext>
+            </a:extLst>
+          </p:cNvPr>
+          <p:cNvSpPr>
+            <a:spLocks noGrp="1"/>
+          </p:cNvSpPr>
+          <p:nvPr>
+            <p:ph type="sldNum" sz="quarter" idx="12"/>
+          </p:nvPr>
+        </p:nvSpPr>
+        <p:spPr/>
+        <p:txBody>
+          <a:bodyPr/>
+          <a:lstStyle/>
+          <a:p>
+            <a:fld id="{FDB1AA33-DFBB-49AC-8CEE-23FFECEB5648}" type="slidenum">
+              <a:rPr lang="LID4096" smtClean="0"/>
+              <a:t>19</a:t>
+            </a:fld>
+            <a:endParaRPr lang="LID4096"/>
+          </a:p>
+        </p:txBody>
+      </p:sp>
+    </p:spTree>
+    <p:extLst>
+      <p:ext uri="{BB962C8B-B14F-4D97-AF65-F5344CB8AC3E}">
+        <p14:creationId xmlns:p14="http://schemas.microsoft.com/office/powerpoint/2010/main" val="1717687650"/>
+      </p:ext>
+    </p:extLst>
+  </p:cSld>
+  <p:clrMapOvr>
+    <a:masterClrMapping/>
+  </p:clrMapOvr>
+</p:sld>
+</file>
+
 <file path=ppt/slides/slide2.xml><?xml version="1.0" encoding="utf-8"?>
 <p:sld xmlns:a="http://schemas.openxmlformats.org/drawingml/2006/main" xmlns:r="http://schemas.openxmlformats.org/officeDocument/2006/relationships" xmlns:p="http://schemas.openxmlformats.org/presentationml/2006/main">
   <p:cSld>
@@ -9454,6 +9599,2940 @@
     <p:extLst>
       <p:ext uri="{BB962C8B-B14F-4D97-AF65-F5344CB8AC3E}">
         <p14:creationId xmlns:p14="http://schemas.microsoft.com/office/powerpoint/2010/main" val="4231110881"/>
+      </p:ext>
+    </p:extLst>
+  </p:cSld>
+  <p:clrMapOvr>
+    <a:masterClrMapping/>
+  </p:clrMapOvr>
+</p:sld>
+</file>
+
+<file path=ppt/slides/slide20.xml><?xml version="1.0" encoding="utf-8"?>
+<p:sld xmlns:a="http://schemas.openxmlformats.org/drawingml/2006/main" xmlns:r="http://schemas.openxmlformats.org/officeDocument/2006/relationships" xmlns:p="http://schemas.openxmlformats.org/presentationml/2006/main">
+  <p:cSld>
+    <p:spTree>
+      <p:nvGrpSpPr>
+        <p:cNvPr id="1" name=""/>
+        <p:cNvGrpSpPr/>
+        <p:nvPr/>
+      </p:nvGrpSpPr>
+      <p:grpSpPr>
+        <a:xfrm>
+          <a:off x="0" y="0"/>
+          <a:ext cx="0" cy="0"/>
+          <a:chOff x="0" y="0"/>
+          <a:chExt cx="0" cy="0"/>
+        </a:xfrm>
+      </p:grpSpPr>
+      <p:sp>
+        <p:nvSpPr>
+          <p:cNvPr id="2" name="Title 1">
+            <a:extLst>
+              <a:ext uri="{FF2B5EF4-FFF2-40B4-BE49-F238E27FC236}">
+                <a16:creationId xmlns:a16="http://schemas.microsoft.com/office/drawing/2014/main" id="{AB1846BC-E71F-1929-301C-C215D040A743}"/>
+              </a:ext>
+            </a:extLst>
+          </p:cNvPr>
+          <p:cNvSpPr>
+            <a:spLocks noGrp="1"/>
+          </p:cNvSpPr>
+          <p:nvPr>
+            <p:ph type="title"/>
+          </p:nvPr>
+        </p:nvSpPr>
+        <p:spPr/>
+        <p:txBody>
+          <a:bodyPr/>
+          <a:lstStyle/>
+          <a:p>
+            <a:r>
+              <a:rPr lang="en-US" dirty="0"/>
+              <a:t>What is it?</a:t>
+            </a:r>
+            <a:endParaRPr lang="LID4096" dirty="0"/>
+          </a:p>
+        </p:txBody>
+      </p:sp>
+      <p:sp>
+        <p:nvSpPr>
+          <p:cNvPr id="3" name="Content Placeholder 2">
+            <a:extLst>
+              <a:ext uri="{FF2B5EF4-FFF2-40B4-BE49-F238E27FC236}">
+                <a16:creationId xmlns:a16="http://schemas.microsoft.com/office/drawing/2014/main" id="{FCE71F70-59FE-A16C-E6C8-51F668BD5692}"/>
+              </a:ext>
+            </a:extLst>
+          </p:cNvPr>
+          <p:cNvSpPr>
+            <a:spLocks noGrp="1"/>
+          </p:cNvSpPr>
+          <p:nvPr>
+            <p:ph idx="1"/>
+          </p:nvPr>
+        </p:nvSpPr>
+        <p:spPr/>
+        <p:txBody>
+          <a:bodyPr/>
+          <a:lstStyle/>
+          <a:p>
+            <a:r>
+              <a:rPr lang="en-US" dirty="0"/>
+              <a:t>Search for known</a:t>
+            </a:r>
+          </a:p>
+          <a:p>
+            <a:pPr lvl="1"/>
+            <a:r>
+              <a:rPr lang="en-US" dirty="0"/>
+              <a:t>buggy code patterns</a:t>
+            </a:r>
+          </a:p>
+          <a:p>
+            <a:pPr lvl="1"/>
+            <a:r>
+              <a:rPr lang="en-US" dirty="0"/>
+              <a:t>performance issues</a:t>
+            </a:r>
+          </a:p>
+          <a:p>
+            <a:pPr lvl="1"/>
+            <a:r>
+              <a:rPr lang="en-US" dirty="0"/>
+              <a:t>deprecated coding style</a:t>
+            </a:r>
+          </a:p>
+          <a:p>
+            <a:pPr lvl="1"/>
+            <a:r>
+              <a:rPr lang="en-US" dirty="0"/>
+              <a:t>...</a:t>
+            </a:r>
+          </a:p>
+          <a:p>
+            <a:r>
+              <a:rPr lang="en-US" dirty="0"/>
+              <a:t>Various implementations</a:t>
+            </a:r>
+          </a:p>
+          <a:p>
+            <a:pPr lvl="1"/>
+            <a:r>
+              <a:rPr lang="en-US" dirty="0"/>
+              <a:t>clang-tidy</a:t>
+            </a:r>
+          </a:p>
+          <a:p>
+            <a:pPr lvl="1"/>
+            <a:r>
+              <a:rPr lang="en-US" dirty="0" err="1"/>
+              <a:t>cppcheck</a:t>
+            </a:r>
+            <a:endParaRPr lang="en-US" dirty="0"/>
+          </a:p>
+          <a:p>
+            <a:endParaRPr lang="LID4096" dirty="0"/>
+          </a:p>
+        </p:txBody>
+      </p:sp>
+      <p:sp>
+        <p:nvSpPr>
+          <p:cNvPr id="4" name="Slide Number Placeholder 3">
+            <a:extLst>
+              <a:ext uri="{FF2B5EF4-FFF2-40B4-BE49-F238E27FC236}">
+                <a16:creationId xmlns:a16="http://schemas.microsoft.com/office/drawing/2014/main" id="{0C138307-A730-BDEC-3EC9-01FC74C4FEC1}"/>
+              </a:ext>
+            </a:extLst>
+          </p:cNvPr>
+          <p:cNvSpPr>
+            <a:spLocks noGrp="1"/>
+          </p:cNvSpPr>
+          <p:nvPr>
+            <p:ph type="sldNum" sz="quarter" idx="12"/>
+          </p:nvPr>
+        </p:nvSpPr>
+        <p:spPr/>
+        <p:txBody>
+          <a:bodyPr/>
+          <a:lstStyle/>
+          <a:p>
+            <a:fld id="{FDB1AA33-DFBB-49AC-8CEE-23FFECEB5648}" type="slidenum">
+              <a:rPr lang="LID4096" smtClean="0"/>
+              <a:t>20</a:t>
+            </a:fld>
+            <a:endParaRPr lang="LID4096"/>
+          </a:p>
+        </p:txBody>
+      </p:sp>
+      <p:sp>
+        <p:nvSpPr>
+          <p:cNvPr id="5" name="TextBox 4">
+            <a:extLst>
+              <a:ext uri="{FF2B5EF4-FFF2-40B4-BE49-F238E27FC236}">
+                <a16:creationId xmlns:a16="http://schemas.microsoft.com/office/drawing/2014/main" id="{1F3B1101-4F8B-017C-6A05-A10FD69F6145}"/>
+              </a:ext>
+            </a:extLst>
+          </p:cNvPr>
+          <p:cNvSpPr txBox="1"/>
+          <p:nvPr/>
+        </p:nvSpPr>
+        <p:spPr>
+          <a:xfrm>
+            <a:off x="92564" y="5486594"/>
+            <a:ext cx="11976612" cy="707886"/>
+          </a:xfrm>
+          <a:prstGeom prst="rect">
+            <a:avLst/>
+          </a:prstGeom>
+          <a:noFill/>
+          <a:ln>
+            <a:solidFill>
+              <a:schemeClr val="tx1"/>
+            </a:solidFill>
+          </a:ln>
+        </p:spPr>
+        <p:txBody>
+          <a:bodyPr wrap="none" rtlCol="0">
+            <a:spAutoFit/>
+          </a:bodyPr>
+          <a:lstStyle/>
+          <a:p>
+            <a:r>
+              <a:rPr lang="en-US" sz="2000" dirty="0"/>
+              <a:t>See</a:t>
+            </a:r>
+          </a:p>
+          <a:p>
+            <a:r>
+              <a:rPr lang="en-US" sz="2000" dirty="0">
+                <a:hlinkClick r:id="rId2"/>
+              </a:rPr>
+              <a:t>https://github.com/gjbex/C-plus-plus-software-engineering/tree/development/source-code/static-analysis</a:t>
+            </a:r>
+            <a:r>
+              <a:rPr lang="en-US" sz="2000" dirty="0"/>
+              <a:t> </a:t>
+            </a:r>
+            <a:endParaRPr lang="LID4096" sz="2000" dirty="0"/>
+          </a:p>
+        </p:txBody>
+      </p:sp>
+    </p:spTree>
+    <p:extLst>
+      <p:ext uri="{BB962C8B-B14F-4D97-AF65-F5344CB8AC3E}">
+        <p14:creationId xmlns:p14="http://schemas.microsoft.com/office/powerpoint/2010/main" val="3069155746"/>
+      </p:ext>
+    </p:extLst>
+  </p:cSld>
+  <p:clrMapOvr>
+    <a:masterClrMapping/>
+  </p:clrMapOvr>
+</p:sld>
+</file>
+
+<file path=ppt/slides/slide21.xml><?xml version="1.0" encoding="utf-8"?>
+<p:sld xmlns:a="http://schemas.openxmlformats.org/drawingml/2006/main" xmlns:r="http://schemas.openxmlformats.org/officeDocument/2006/relationships" xmlns:p="http://schemas.openxmlformats.org/presentationml/2006/main">
+  <p:cSld>
+    <p:spTree>
+      <p:nvGrpSpPr>
+        <p:cNvPr id="1" name=""/>
+        <p:cNvGrpSpPr/>
+        <p:nvPr/>
+      </p:nvGrpSpPr>
+      <p:grpSpPr>
+        <a:xfrm>
+          <a:off x="0" y="0"/>
+          <a:ext cx="0" cy="0"/>
+          <a:chOff x="0" y="0"/>
+          <a:chExt cx="0" cy="0"/>
+        </a:xfrm>
+      </p:grpSpPr>
+      <p:sp>
+        <p:nvSpPr>
+          <p:cNvPr id="2" name="Title 1">
+            <a:extLst>
+              <a:ext uri="{FF2B5EF4-FFF2-40B4-BE49-F238E27FC236}">
+                <a16:creationId xmlns:a16="http://schemas.microsoft.com/office/drawing/2014/main" id="{2FF549CA-6E36-F65E-1A27-A74B160DDF9A}"/>
+              </a:ext>
+            </a:extLst>
+          </p:cNvPr>
+          <p:cNvSpPr>
+            <a:spLocks noGrp="1"/>
+          </p:cNvSpPr>
+          <p:nvPr>
+            <p:ph type="title"/>
+          </p:nvPr>
+        </p:nvSpPr>
+        <p:spPr/>
+        <p:txBody>
+          <a:bodyPr/>
+          <a:lstStyle/>
+          <a:p>
+            <a:r>
+              <a:rPr lang="en-US" dirty="0"/>
+              <a:t>Further reading</a:t>
+            </a:r>
+            <a:endParaRPr lang="LID4096" dirty="0"/>
+          </a:p>
+        </p:txBody>
+      </p:sp>
+      <p:sp>
+        <p:nvSpPr>
+          <p:cNvPr id="3" name="Content Placeholder 2">
+            <a:extLst>
+              <a:ext uri="{FF2B5EF4-FFF2-40B4-BE49-F238E27FC236}">
+                <a16:creationId xmlns:a16="http://schemas.microsoft.com/office/drawing/2014/main" id="{CB941343-A9C5-D765-4E2E-E3736731272F}"/>
+              </a:ext>
+            </a:extLst>
+          </p:cNvPr>
+          <p:cNvSpPr>
+            <a:spLocks noGrp="1"/>
+          </p:cNvSpPr>
+          <p:nvPr>
+            <p:ph idx="1"/>
+          </p:nvPr>
+        </p:nvSpPr>
+        <p:spPr/>
+        <p:txBody>
+          <a:bodyPr/>
+          <a:lstStyle/>
+          <a:p>
+            <a:r>
+              <a:rPr lang="en-US" dirty="0"/>
+              <a:t>clang-tidy documentation</a:t>
+            </a:r>
+            <a:br>
+              <a:rPr lang="en-US" dirty="0"/>
+            </a:br>
+            <a:r>
+              <a:rPr lang="en-US" dirty="0">
+                <a:hlinkClick r:id="rId2"/>
+              </a:rPr>
+              <a:t>https://clang.llvm.org/extra/clang-tidy/</a:t>
+            </a:r>
+            <a:r>
+              <a:rPr lang="en-US" dirty="0"/>
+              <a:t> </a:t>
+            </a:r>
+          </a:p>
+          <a:p>
+            <a:r>
+              <a:rPr lang="en-US" dirty="0" err="1"/>
+              <a:t>cppcheck</a:t>
+            </a:r>
+            <a:r>
+              <a:rPr lang="en-US" dirty="0"/>
+              <a:t> documentation</a:t>
+            </a:r>
+            <a:br>
+              <a:rPr lang="en-US" dirty="0"/>
+            </a:br>
+            <a:r>
+              <a:rPr lang="en-US" dirty="0">
+                <a:hlinkClick r:id="rId3"/>
+              </a:rPr>
+              <a:t>https://cppcheck.sourceforge.io/#documentation</a:t>
+            </a:r>
+            <a:r>
+              <a:rPr lang="en-US" dirty="0"/>
+              <a:t> </a:t>
+            </a:r>
+            <a:endParaRPr lang="LID4096" dirty="0"/>
+          </a:p>
+        </p:txBody>
+      </p:sp>
+      <p:sp>
+        <p:nvSpPr>
+          <p:cNvPr id="4" name="Slide Number Placeholder 3">
+            <a:extLst>
+              <a:ext uri="{FF2B5EF4-FFF2-40B4-BE49-F238E27FC236}">
+                <a16:creationId xmlns:a16="http://schemas.microsoft.com/office/drawing/2014/main" id="{B912BED7-5D3F-391D-1E2C-0B002A979332}"/>
+              </a:ext>
+            </a:extLst>
+          </p:cNvPr>
+          <p:cNvSpPr>
+            <a:spLocks noGrp="1"/>
+          </p:cNvSpPr>
+          <p:nvPr>
+            <p:ph type="sldNum" sz="quarter" idx="12"/>
+          </p:nvPr>
+        </p:nvSpPr>
+        <p:spPr/>
+        <p:txBody>
+          <a:bodyPr/>
+          <a:lstStyle/>
+          <a:p>
+            <a:fld id="{FDB1AA33-DFBB-49AC-8CEE-23FFECEB5648}" type="slidenum">
+              <a:rPr lang="LID4096" smtClean="0"/>
+              <a:t>21</a:t>
+            </a:fld>
+            <a:endParaRPr lang="LID4096"/>
+          </a:p>
+        </p:txBody>
+      </p:sp>
+    </p:spTree>
+    <p:extLst>
+      <p:ext uri="{BB962C8B-B14F-4D97-AF65-F5344CB8AC3E}">
+        <p14:creationId xmlns:p14="http://schemas.microsoft.com/office/powerpoint/2010/main" val="4199631407"/>
+      </p:ext>
+    </p:extLst>
+  </p:cSld>
+  <p:clrMapOvr>
+    <a:masterClrMapping/>
+  </p:clrMapOvr>
+</p:sld>
+</file>
+
+<file path=ppt/slides/slide22.xml><?xml version="1.0" encoding="utf-8"?>
+<p:sld xmlns:a="http://schemas.openxmlformats.org/drawingml/2006/main" xmlns:r="http://schemas.openxmlformats.org/officeDocument/2006/relationships" xmlns:p="http://schemas.openxmlformats.org/presentationml/2006/main">
+  <p:cSld>
+    <p:spTree>
+      <p:nvGrpSpPr>
+        <p:cNvPr id="1" name=""/>
+        <p:cNvGrpSpPr/>
+        <p:nvPr/>
+      </p:nvGrpSpPr>
+      <p:grpSpPr>
+        <a:xfrm>
+          <a:off x="0" y="0"/>
+          <a:ext cx="0" cy="0"/>
+          <a:chOff x="0" y="0"/>
+          <a:chExt cx="0" cy="0"/>
+        </a:xfrm>
+      </p:grpSpPr>
+      <p:sp>
+        <p:nvSpPr>
+          <p:cNvPr id="2" name="Title 1">
+            <a:extLst>
+              <a:ext uri="{FF2B5EF4-FFF2-40B4-BE49-F238E27FC236}">
+                <a16:creationId xmlns:a16="http://schemas.microsoft.com/office/drawing/2014/main" id="{017B73CB-2434-132E-8DCF-BA439F009315}"/>
+              </a:ext>
+            </a:extLst>
+          </p:cNvPr>
+          <p:cNvSpPr>
+            <a:spLocks noGrp="1"/>
+          </p:cNvSpPr>
+          <p:nvPr>
+            <p:ph type="title"/>
+          </p:nvPr>
+        </p:nvSpPr>
+        <p:spPr/>
+        <p:txBody>
+          <a:bodyPr/>
+          <a:lstStyle/>
+          <a:p>
+            <a:r>
+              <a:rPr lang="en-US" dirty="0"/>
+              <a:t>Testing</a:t>
+            </a:r>
+            <a:endParaRPr lang="LID4096" dirty="0"/>
+          </a:p>
+        </p:txBody>
+      </p:sp>
+      <p:sp>
+        <p:nvSpPr>
+          <p:cNvPr id="3" name="Text Placeholder 2">
+            <a:extLst>
+              <a:ext uri="{FF2B5EF4-FFF2-40B4-BE49-F238E27FC236}">
+                <a16:creationId xmlns:a16="http://schemas.microsoft.com/office/drawing/2014/main" id="{FC79DC32-9D2C-63F2-E64F-DEC55584D93D}"/>
+              </a:ext>
+            </a:extLst>
+          </p:cNvPr>
+          <p:cNvSpPr>
+            <a:spLocks noGrp="1"/>
+          </p:cNvSpPr>
+          <p:nvPr>
+            <p:ph type="body" idx="1"/>
+          </p:nvPr>
+        </p:nvSpPr>
+        <p:spPr/>
+        <p:txBody>
+          <a:bodyPr/>
+          <a:lstStyle/>
+          <a:p>
+            <a:endParaRPr lang="LID4096"/>
+          </a:p>
+        </p:txBody>
+      </p:sp>
+      <p:sp>
+        <p:nvSpPr>
+          <p:cNvPr id="4" name="Slide Number Placeholder 3">
+            <a:extLst>
+              <a:ext uri="{FF2B5EF4-FFF2-40B4-BE49-F238E27FC236}">
+                <a16:creationId xmlns:a16="http://schemas.microsoft.com/office/drawing/2014/main" id="{4FE94A69-BEA7-FBFA-9E48-F2BC9913F21A}"/>
+              </a:ext>
+            </a:extLst>
+          </p:cNvPr>
+          <p:cNvSpPr>
+            <a:spLocks noGrp="1"/>
+          </p:cNvSpPr>
+          <p:nvPr>
+            <p:ph type="sldNum" sz="quarter" idx="12"/>
+          </p:nvPr>
+        </p:nvSpPr>
+        <p:spPr/>
+        <p:txBody>
+          <a:bodyPr/>
+          <a:lstStyle/>
+          <a:p>
+            <a:fld id="{FDB1AA33-DFBB-49AC-8CEE-23FFECEB5648}" type="slidenum">
+              <a:rPr lang="LID4096" smtClean="0"/>
+              <a:t>22</a:t>
+            </a:fld>
+            <a:endParaRPr lang="LID4096"/>
+          </a:p>
+        </p:txBody>
+      </p:sp>
+    </p:spTree>
+    <p:extLst>
+      <p:ext uri="{BB962C8B-B14F-4D97-AF65-F5344CB8AC3E}">
+        <p14:creationId xmlns:p14="http://schemas.microsoft.com/office/powerpoint/2010/main" val="3050132282"/>
+      </p:ext>
+    </p:extLst>
+  </p:cSld>
+  <p:clrMapOvr>
+    <a:masterClrMapping/>
+  </p:clrMapOvr>
+</p:sld>
+</file>
+
+<file path=ppt/slides/slide23.xml><?xml version="1.0" encoding="utf-8"?>
+<p:sld xmlns:a="http://schemas.openxmlformats.org/drawingml/2006/main" xmlns:r="http://schemas.openxmlformats.org/officeDocument/2006/relationships" xmlns:p="http://schemas.openxmlformats.org/presentationml/2006/main">
+  <p:cSld>
+    <p:spTree>
+      <p:nvGrpSpPr>
+        <p:cNvPr id="1" name=""/>
+        <p:cNvGrpSpPr/>
+        <p:nvPr/>
+      </p:nvGrpSpPr>
+      <p:grpSpPr>
+        <a:xfrm>
+          <a:off x="0" y="0"/>
+          <a:ext cx="0" cy="0"/>
+          <a:chOff x="0" y="0"/>
+          <a:chExt cx="0" cy="0"/>
+        </a:xfrm>
+      </p:grpSpPr>
+      <p:sp>
+        <p:nvSpPr>
+          <p:cNvPr id="2" name="Title 1">
+            <a:extLst>
+              <a:ext uri="{FF2B5EF4-FFF2-40B4-BE49-F238E27FC236}">
+                <a16:creationId xmlns:a16="http://schemas.microsoft.com/office/drawing/2014/main" id="{B31A3D2F-F6C6-95B0-3A39-A6919D0FA868}"/>
+              </a:ext>
+            </a:extLst>
+          </p:cNvPr>
+          <p:cNvSpPr>
+            <a:spLocks noGrp="1"/>
+          </p:cNvSpPr>
+          <p:nvPr>
+            <p:ph type="title"/>
+          </p:nvPr>
+        </p:nvSpPr>
+        <p:spPr/>
+        <p:txBody>
+          <a:bodyPr/>
+          <a:lstStyle/>
+          <a:p>
+            <a:r>
+              <a:rPr lang="en-US" dirty="0"/>
+              <a:t>Types of testing</a:t>
+            </a:r>
+            <a:endParaRPr lang="LID4096" dirty="0"/>
+          </a:p>
+        </p:txBody>
+      </p:sp>
+      <p:sp>
+        <p:nvSpPr>
+          <p:cNvPr id="3" name="Content Placeholder 2">
+            <a:extLst>
+              <a:ext uri="{FF2B5EF4-FFF2-40B4-BE49-F238E27FC236}">
+                <a16:creationId xmlns:a16="http://schemas.microsoft.com/office/drawing/2014/main" id="{D753267F-7BE9-8A04-BDF4-689EF366E406}"/>
+              </a:ext>
+            </a:extLst>
+          </p:cNvPr>
+          <p:cNvSpPr>
+            <a:spLocks noGrp="1"/>
+          </p:cNvSpPr>
+          <p:nvPr>
+            <p:ph idx="1"/>
+          </p:nvPr>
+        </p:nvSpPr>
+        <p:spPr/>
+        <p:txBody>
+          <a:bodyPr>
+            <a:normAutofit fontScale="85000" lnSpcReduction="20000"/>
+          </a:bodyPr>
+          <a:lstStyle/>
+          <a:p>
+            <a:r>
+              <a:rPr lang="en-US" dirty="0"/>
+              <a:t>Unit testing</a:t>
+            </a:r>
+          </a:p>
+          <a:p>
+            <a:pPr lvl="1"/>
+            <a:r>
+              <a:rPr lang="en-US" dirty="0"/>
+              <a:t>API level</a:t>
+            </a:r>
+          </a:p>
+          <a:p>
+            <a:pPr lvl="1"/>
+            <a:r>
+              <a:rPr lang="en-US" dirty="0"/>
+              <a:t>Various frameworks</a:t>
+            </a:r>
+          </a:p>
+          <a:p>
+            <a:pPr lvl="2"/>
+            <a:r>
+              <a:rPr lang="en-US" dirty="0"/>
+              <a:t>Catch2</a:t>
+            </a:r>
+          </a:p>
+          <a:p>
+            <a:pPr lvl="2"/>
+            <a:r>
+              <a:rPr lang="en-US" dirty="0"/>
+              <a:t>Google Test</a:t>
+            </a:r>
+          </a:p>
+          <a:p>
+            <a:pPr lvl="2"/>
+            <a:r>
+              <a:rPr lang="en-US" dirty="0" err="1"/>
+              <a:t>cppunit</a:t>
+            </a:r>
+            <a:endParaRPr lang="en-US" dirty="0"/>
+          </a:p>
+          <a:p>
+            <a:pPr lvl="2"/>
+            <a:r>
+              <a:rPr lang="en-US" dirty="0"/>
+              <a:t>Google </a:t>
+            </a:r>
+            <a:r>
+              <a:rPr lang="en-US" dirty="0" err="1"/>
+              <a:t>FuzzyTest</a:t>
+            </a:r>
+            <a:endParaRPr lang="en-US" dirty="0"/>
+          </a:p>
+          <a:p>
+            <a:r>
+              <a:rPr lang="en-US" dirty="0"/>
+              <a:t>Functional testing</a:t>
+            </a:r>
+          </a:p>
+          <a:p>
+            <a:pPr lvl="1"/>
+            <a:r>
+              <a:rPr lang="en-US" dirty="0"/>
+              <a:t>Application level</a:t>
+            </a:r>
+          </a:p>
+          <a:p>
+            <a:pPr lvl="1"/>
+            <a:r>
+              <a:rPr lang="en-US" dirty="0"/>
+              <a:t>Various frameworks</a:t>
+            </a:r>
+          </a:p>
+          <a:p>
+            <a:pPr lvl="2"/>
+            <a:r>
+              <a:rPr lang="en-US" dirty="0" err="1"/>
+              <a:t>CTest</a:t>
+            </a:r>
+            <a:endParaRPr lang="en-US" dirty="0"/>
+          </a:p>
+          <a:p>
+            <a:pPr lvl="2"/>
+            <a:r>
+              <a:rPr lang="en-US" dirty="0"/>
+              <a:t>Shunit2</a:t>
+            </a:r>
+          </a:p>
+          <a:p>
+            <a:pPr lvl="2"/>
+            <a:r>
+              <a:rPr lang="en-US" dirty="0"/>
+              <a:t>Google </a:t>
+            </a:r>
+            <a:r>
+              <a:rPr lang="en-US" dirty="0" err="1"/>
+              <a:t>FuzzyTest</a:t>
+            </a:r>
+            <a:endParaRPr lang="en-US" dirty="0"/>
+          </a:p>
+          <a:p>
+            <a:r>
+              <a:rPr lang="en-US" dirty="0"/>
+              <a:t>...</a:t>
+            </a:r>
+            <a:endParaRPr lang="LID4096" dirty="0"/>
+          </a:p>
+        </p:txBody>
+      </p:sp>
+      <p:sp>
+        <p:nvSpPr>
+          <p:cNvPr id="4" name="Slide Number Placeholder 3">
+            <a:extLst>
+              <a:ext uri="{FF2B5EF4-FFF2-40B4-BE49-F238E27FC236}">
+                <a16:creationId xmlns:a16="http://schemas.microsoft.com/office/drawing/2014/main" id="{6C502D11-C8B1-FCCE-45DC-355EB5441024}"/>
+              </a:ext>
+            </a:extLst>
+          </p:cNvPr>
+          <p:cNvSpPr>
+            <a:spLocks noGrp="1"/>
+          </p:cNvSpPr>
+          <p:nvPr>
+            <p:ph type="sldNum" sz="quarter" idx="12"/>
+          </p:nvPr>
+        </p:nvSpPr>
+        <p:spPr/>
+        <p:txBody>
+          <a:bodyPr/>
+          <a:lstStyle/>
+          <a:p>
+            <a:fld id="{FDB1AA33-DFBB-49AC-8CEE-23FFECEB5648}" type="slidenum">
+              <a:rPr lang="LID4096" smtClean="0"/>
+              <a:t>23</a:t>
+            </a:fld>
+            <a:endParaRPr lang="LID4096"/>
+          </a:p>
+        </p:txBody>
+      </p:sp>
+    </p:spTree>
+    <p:extLst>
+      <p:ext uri="{BB962C8B-B14F-4D97-AF65-F5344CB8AC3E}">
+        <p14:creationId xmlns:p14="http://schemas.microsoft.com/office/powerpoint/2010/main" val="1505899698"/>
+      </p:ext>
+    </p:extLst>
+  </p:cSld>
+  <p:clrMapOvr>
+    <a:masterClrMapping/>
+  </p:clrMapOvr>
+  <p:timing>
+    <p:tnLst>
+      <p:par>
+        <p:cTn id="1" dur="indefinite" restart="never" nodeType="tmRoot">
+          <p:childTnLst>
+            <p:seq concurrent="1" nextAc="seek">
+              <p:cTn id="2" dur="indefinite" nodeType="mainSeq">
+                <p:childTnLst>
+                  <p:par>
+                    <p:cTn id="3" fill="hold">
+                      <p:stCondLst>
+                        <p:cond delay="indefinite"/>
+                      </p:stCondLst>
+                      <p:childTnLst>
+                        <p:par>
+                          <p:cTn id="4" fill="hold">
+                            <p:stCondLst>
+                              <p:cond delay="0"/>
+                            </p:stCondLst>
+                            <p:childTnLst>
+                              <p:par>
+                                <p:cTn id="5" presetID="1" presetClass="entr" presetSubtype="0" fill="hold" grpId="0" nodeType="clickEffect">
+                                  <p:stCondLst>
+                                    <p:cond delay="0"/>
+                                  </p:stCondLst>
+                                  <p:childTnLst>
+                                    <p:set>
+                                      <p:cBhvr>
+                                        <p:cTn id="6" dur="1" fill="hold">
+                                          <p:stCondLst>
+                                            <p:cond delay="0"/>
+                                          </p:stCondLst>
+                                        </p:cTn>
+                                        <p:tgtEl>
+                                          <p:spTgt spid="3">
+                                            <p:txEl>
+                                              <p:pRg st="0" end="0"/>
+                                            </p:txEl>
+                                          </p:spTgt>
+                                        </p:tgtEl>
+                                        <p:attrNameLst>
+                                          <p:attrName>style.visibility</p:attrName>
+                                        </p:attrNameLst>
+                                      </p:cBhvr>
+                                      <p:to>
+                                        <p:strVal val="visible"/>
+                                      </p:to>
+                                    </p:set>
+                                  </p:childTnLst>
+                                </p:cTn>
+                              </p:par>
+                              <p:par>
+                                <p:cTn id="7" presetID="1" presetClass="entr" presetSubtype="0" fill="hold" grpId="0" nodeType="withEffect">
+                                  <p:stCondLst>
+                                    <p:cond delay="0"/>
+                                  </p:stCondLst>
+                                  <p:childTnLst>
+                                    <p:set>
+                                      <p:cBhvr>
+                                        <p:cTn id="8" dur="1" fill="hold">
+                                          <p:stCondLst>
+                                            <p:cond delay="0"/>
+                                          </p:stCondLst>
+                                        </p:cTn>
+                                        <p:tgtEl>
+                                          <p:spTgt spid="3">
+                                            <p:txEl>
+                                              <p:pRg st="1" end="1"/>
+                                            </p:txEl>
+                                          </p:spTgt>
+                                        </p:tgtEl>
+                                        <p:attrNameLst>
+                                          <p:attrName>style.visibility</p:attrName>
+                                        </p:attrNameLst>
+                                      </p:cBhvr>
+                                      <p:to>
+                                        <p:strVal val="visible"/>
+                                      </p:to>
+                                    </p:set>
+                                  </p:childTnLst>
+                                </p:cTn>
+                              </p:par>
+                              <p:par>
+                                <p:cTn id="9" presetID="1" presetClass="entr" presetSubtype="0" fill="hold" grpId="0" nodeType="withEffect">
+                                  <p:stCondLst>
+                                    <p:cond delay="0"/>
+                                  </p:stCondLst>
+                                  <p:childTnLst>
+                                    <p:set>
+                                      <p:cBhvr>
+                                        <p:cTn id="10" dur="1" fill="hold">
+                                          <p:stCondLst>
+                                            <p:cond delay="0"/>
+                                          </p:stCondLst>
+                                        </p:cTn>
+                                        <p:tgtEl>
+                                          <p:spTgt spid="3">
+                                            <p:txEl>
+                                              <p:pRg st="2" end="2"/>
+                                            </p:txEl>
+                                          </p:spTgt>
+                                        </p:tgtEl>
+                                        <p:attrNameLst>
+                                          <p:attrName>style.visibility</p:attrName>
+                                        </p:attrNameLst>
+                                      </p:cBhvr>
+                                      <p:to>
+                                        <p:strVal val="visible"/>
+                                      </p:to>
+                                    </p:set>
+                                  </p:childTnLst>
+                                </p:cTn>
+                              </p:par>
+                              <p:par>
+                                <p:cTn id="11" presetID="1" presetClass="entr" presetSubtype="0" fill="hold" grpId="0" nodeType="withEffect">
+                                  <p:stCondLst>
+                                    <p:cond delay="0"/>
+                                  </p:stCondLst>
+                                  <p:childTnLst>
+                                    <p:set>
+                                      <p:cBhvr>
+                                        <p:cTn id="12" dur="1" fill="hold">
+                                          <p:stCondLst>
+                                            <p:cond delay="0"/>
+                                          </p:stCondLst>
+                                        </p:cTn>
+                                        <p:tgtEl>
+                                          <p:spTgt spid="3">
+                                            <p:txEl>
+                                              <p:pRg st="3" end="3"/>
+                                            </p:txEl>
+                                          </p:spTgt>
+                                        </p:tgtEl>
+                                        <p:attrNameLst>
+                                          <p:attrName>style.visibility</p:attrName>
+                                        </p:attrNameLst>
+                                      </p:cBhvr>
+                                      <p:to>
+                                        <p:strVal val="visible"/>
+                                      </p:to>
+                                    </p:set>
+                                  </p:childTnLst>
+                                </p:cTn>
+                              </p:par>
+                              <p:par>
+                                <p:cTn id="13" presetID="1" presetClass="entr" presetSubtype="0" fill="hold" grpId="0" nodeType="withEffect">
+                                  <p:stCondLst>
+                                    <p:cond delay="0"/>
+                                  </p:stCondLst>
+                                  <p:childTnLst>
+                                    <p:set>
+                                      <p:cBhvr>
+                                        <p:cTn id="14" dur="1" fill="hold">
+                                          <p:stCondLst>
+                                            <p:cond delay="0"/>
+                                          </p:stCondLst>
+                                        </p:cTn>
+                                        <p:tgtEl>
+                                          <p:spTgt spid="3">
+                                            <p:txEl>
+                                              <p:pRg st="4" end="4"/>
+                                            </p:txEl>
+                                          </p:spTgt>
+                                        </p:tgtEl>
+                                        <p:attrNameLst>
+                                          <p:attrName>style.visibility</p:attrName>
+                                        </p:attrNameLst>
+                                      </p:cBhvr>
+                                      <p:to>
+                                        <p:strVal val="visible"/>
+                                      </p:to>
+                                    </p:set>
+                                  </p:childTnLst>
+                                </p:cTn>
+                              </p:par>
+                              <p:par>
+                                <p:cTn id="15" presetID="1" presetClass="entr" presetSubtype="0" fill="hold" grpId="0" nodeType="withEffect">
+                                  <p:stCondLst>
+                                    <p:cond delay="0"/>
+                                  </p:stCondLst>
+                                  <p:childTnLst>
+                                    <p:set>
+                                      <p:cBhvr>
+                                        <p:cTn id="16" dur="1" fill="hold">
+                                          <p:stCondLst>
+                                            <p:cond delay="0"/>
+                                          </p:stCondLst>
+                                        </p:cTn>
+                                        <p:tgtEl>
+                                          <p:spTgt spid="3">
+                                            <p:txEl>
+                                              <p:pRg st="5" end="5"/>
+                                            </p:txEl>
+                                          </p:spTgt>
+                                        </p:tgtEl>
+                                        <p:attrNameLst>
+                                          <p:attrName>style.visibility</p:attrName>
+                                        </p:attrNameLst>
+                                      </p:cBhvr>
+                                      <p:to>
+                                        <p:strVal val="visible"/>
+                                      </p:to>
+                                    </p:set>
+                                  </p:childTnLst>
+                                </p:cTn>
+                              </p:par>
+                              <p:par>
+                                <p:cTn id="17" presetID="1" presetClass="entr" presetSubtype="0" fill="hold" grpId="0" nodeType="withEffect">
+                                  <p:stCondLst>
+                                    <p:cond delay="0"/>
+                                  </p:stCondLst>
+                                  <p:childTnLst>
+                                    <p:set>
+                                      <p:cBhvr>
+                                        <p:cTn id="18" dur="1" fill="hold">
+                                          <p:stCondLst>
+                                            <p:cond delay="0"/>
+                                          </p:stCondLst>
+                                        </p:cTn>
+                                        <p:tgtEl>
+                                          <p:spTgt spid="3">
+                                            <p:txEl>
+                                              <p:pRg st="6" end="6"/>
+                                            </p:txEl>
+                                          </p:spTgt>
+                                        </p:tgtEl>
+                                        <p:attrNameLst>
+                                          <p:attrName>style.visibility</p:attrName>
+                                        </p:attrNameLst>
+                                      </p:cBhvr>
+                                      <p:to>
+                                        <p:strVal val="visible"/>
+                                      </p:to>
+                                    </p:set>
+                                  </p:childTnLst>
+                                </p:cTn>
+                              </p:par>
+                            </p:childTnLst>
+                          </p:cTn>
+                        </p:par>
+                      </p:childTnLst>
+                    </p:cTn>
+                  </p:par>
+                  <p:par>
+                    <p:cTn id="19" fill="hold">
+                      <p:stCondLst>
+                        <p:cond delay="indefinite"/>
+                      </p:stCondLst>
+                      <p:childTnLst>
+                        <p:par>
+                          <p:cTn id="20" fill="hold">
+                            <p:stCondLst>
+                              <p:cond delay="0"/>
+                            </p:stCondLst>
+                            <p:childTnLst>
+                              <p:par>
+                                <p:cTn id="21" presetID="1" presetClass="entr" presetSubtype="0" fill="hold" grpId="0" nodeType="clickEffect">
+                                  <p:stCondLst>
+                                    <p:cond delay="0"/>
+                                  </p:stCondLst>
+                                  <p:childTnLst>
+                                    <p:set>
+                                      <p:cBhvr>
+                                        <p:cTn id="22" dur="1" fill="hold">
+                                          <p:stCondLst>
+                                            <p:cond delay="0"/>
+                                          </p:stCondLst>
+                                        </p:cTn>
+                                        <p:tgtEl>
+                                          <p:spTgt spid="3">
+                                            <p:txEl>
+                                              <p:pRg st="7" end="7"/>
+                                            </p:txEl>
+                                          </p:spTgt>
+                                        </p:tgtEl>
+                                        <p:attrNameLst>
+                                          <p:attrName>style.visibility</p:attrName>
+                                        </p:attrNameLst>
+                                      </p:cBhvr>
+                                      <p:to>
+                                        <p:strVal val="visible"/>
+                                      </p:to>
+                                    </p:set>
+                                  </p:childTnLst>
+                                </p:cTn>
+                              </p:par>
+                              <p:par>
+                                <p:cTn id="23" presetID="1" presetClass="entr" presetSubtype="0" fill="hold" grpId="0" nodeType="withEffect">
+                                  <p:stCondLst>
+                                    <p:cond delay="0"/>
+                                  </p:stCondLst>
+                                  <p:childTnLst>
+                                    <p:set>
+                                      <p:cBhvr>
+                                        <p:cTn id="24" dur="1" fill="hold">
+                                          <p:stCondLst>
+                                            <p:cond delay="0"/>
+                                          </p:stCondLst>
+                                        </p:cTn>
+                                        <p:tgtEl>
+                                          <p:spTgt spid="3">
+                                            <p:txEl>
+                                              <p:pRg st="8" end="8"/>
+                                            </p:txEl>
+                                          </p:spTgt>
+                                        </p:tgtEl>
+                                        <p:attrNameLst>
+                                          <p:attrName>style.visibility</p:attrName>
+                                        </p:attrNameLst>
+                                      </p:cBhvr>
+                                      <p:to>
+                                        <p:strVal val="visible"/>
+                                      </p:to>
+                                    </p:set>
+                                  </p:childTnLst>
+                                </p:cTn>
+                              </p:par>
+                              <p:par>
+                                <p:cTn id="25" presetID="1" presetClass="entr" presetSubtype="0" fill="hold" grpId="0" nodeType="withEffect">
+                                  <p:stCondLst>
+                                    <p:cond delay="0"/>
+                                  </p:stCondLst>
+                                  <p:childTnLst>
+                                    <p:set>
+                                      <p:cBhvr>
+                                        <p:cTn id="26" dur="1" fill="hold">
+                                          <p:stCondLst>
+                                            <p:cond delay="0"/>
+                                          </p:stCondLst>
+                                        </p:cTn>
+                                        <p:tgtEl>
+                                          <p:spTgt spid="3">
+                                            <p:txEl>
+                                              <p:pRg st="9" end="9"/>
+                                            </p:txEl>
+                                          </p:spTgt>
+                                        </p:tgtEl>
+                                        <p:attrNameLst>
+                                          <p:attrName>style.visibility</p:attrName>
+                                        </p:attrNameLst>
+                                      </p:cBhvr>
+                                      <p:to>
+                                        <p:strVal val="visible"/>
+                                      </p:to>
+                                    </p:set>
+                                  </p:childTnLst>
+                                </p:cTn>
+                              </p:par>
+                              <p:par>
+                                <p:cTn id="27" presetID="1" presetClass="entr" presetSubtype="0" fill="hold" grpId="0" nodeType="withEffect">
+                                  <p:stCondLst>
+                                    <p:cond delay="0"/>
+                                  </p:stCondLst>
+                                  <p:childTnLst>
+                                    <p:set>
+                                      <p:cBhvr>
+                                        <p:cTn id="28" dur="1" fill="hold">
+                                          <p:stCondLst>
+                                            <p:cond delay="0"/>
+                                          </p:stCondLst>
+                                        </p:cTn>
+                                        <p:tgtEl>
+                                          <p:spTgt spid="3">
+                                            <p:txEl>
+                                              <p:pRg st="10" end="10"/>
+                                            </p:txEl>
+                                          </p:spTgt>
+                                        </p:tgtEl>
+                                        <p:attrNameLst>
+                                          <p:attrName>style.visibility</p:attrName>
+                                        </p:attrNameLst>
+                                      </p:cBhvr>
+                                      <p:to>
+                                        <p:strVal val="visible"/>
+                                      </p:to>
+                                    </p:set>
+                                  </p:childTnLst>
+                                </p:cTn>
+                              </p:par>
+                              <p:par>
+                                <p:cTn id="29" presetID="1" presetClass="entr" presetSubtype="0" fill="hold" grpId="0" nodeType="withEffect">
+                                  <p:stCondLst>
+                                    <p:cond delay="0"/>
+                                  </p:stCondLst>
+                                  <p:childTnLst>
+                                    <p:set>
+                                      <p:cBhvr>
+                                        <p:cTn id="30" dur="1" fill="hold">
+                                          <p:stCondLst>
+                                            <p:cond delay="0"/>
+                                          </p:stCondLst>
+                                        </p:cTn>
+                                        <p:tgtEl>
+                                          <p:spTgt spid="3">
+                                            <p:txEl>
+                                              <p:pRg st="11" end="11"/>
+                                            </p:txEl>
+                                          </p:spTgt>
+                                        </p:tgtEl>
+                                        <p:attrNameLst>
+                                          <p:attrName>style.visibility</p:attrName>
+                                        </p:attrNameLst>
+                                      </p:cBhvr>
+                                      <p:to>
+                                        <p:strVal val="visible"/>
+                                      </p:to>
+                                    </p:set>
+                                  </p:childTnLst>
+                                </p:cTn>
+                              </p:par>
+                              <p:par>
+                                <p:cTn id="31" presetID="1" presetClass="entr" presetSubtype="0" fill="hold" grpId="0" nodeType="withEffect">
+                                  <p:stCondLst>
+                                    <p:cond delay="0"/>
+                                  </p:stCondLst>
+                                  <p:childTnLst>
+                                    <p:set>
+                                      <p:cBhvr>
+                                        <p:cTn id="32" dur="1" fill="hold">
+                                          <p:stCondLst>
+                                            <p:cond delay="0"/>
+                                          </p:stCondLst>
+                                        </p:cTn>
+                                        <p:tgtEl>
+                                          <p:spTgt spid="3">
+                                            <p:txEl>
+                                              <p:pRg st="12" end="12"/>
+                                            </p:txEl>
+                                          </p:spTgt>
+                                        </p:tgtEl>
+                                        <p:attrNameLst>
+                                          <p:attrName>style.visibility</p:attrName>
+                                        </p:attrNameLst>
+                                      </p:cBhvr>
+                                      <p:to>
+                                        <p:strVal val="visible"/>
+                                      </p:to>
+                                    </p:set>
+                                  </p:childTnLst>
+                                </p:cTn>
+                              </p:par>
+                            </p:childTnLst>
+                          </p:cTn>
+                        </p:par>
+                      </p:childTnLst>
+                    </p:cTn>
+                  </p:par>
+                  <p:par>
+                    <p:cTn id="33" fill="hold">
+                      <p:stCondLst>
+                        <p:cond delay="indefinite"/>
+                      </p:stCondLst>
+                      <p:childTnLst>
+                        <p:par>
+                          <p:cTn id="34" fill="hold">
+                            <p:stCondLst>
+                              <p:cond delay="0"/>
+                            </p:stCondLst>
+                            <p:childTnLst>
+                              <p:par>
+                                <p:cTn id="35" presetID="1" presetClass="entr" presetSubtype="0" fill="hold" grpId="0" nodeType="clickEffect">
+                                  <p:stCondLst>
+                                    <p:cond delay="0"/>
+                                  </p:stCondLst>
+                                  <p:childTnLst>
+                                    <p:set>
+                                      <p:cBhvr>
+                                        <p:cTn id="36" dur="1" fill="hold">
+                                          <p:stCondLst>
+                                            <p:cond delay="0"/>
+                                          </p:stCondLst>
+                                        </p:cTn>
+                                        <p:tgtEl>
+                                          <p:spTgt spid="3">
+                                            <p:txEl>
+                                              <p:pRg st="13" end="13"/>
+                                            </p:txEl>
+                                          </p:spTgt>
+                                        </p:tgtEl>
+                                        <p:attrNameLst>
+                                          <p:attrName>style.visibility</p:attrName>
+                                        </p:attrNameLst>
+                                      </p:cBhvr>
+                                      <p:to>
+                                        <p:strVal val="visible"/>
+                                      </p:to>
+                                    </p:set>
+                                  </p:childTnLst>
+                                </p:cTn>
+                              </p:par>
+                            </p:childTnLst>
+                          </p:cTn>
+                        </p:par>
+                      </p:childTnLst>
+                    </p:cTn>
+                  </p:par>
+                </p:childTnLst>
+              </p:cTn>
+              <p:prevCondLst>
+                <p:cond evt="onPrev" delay="0">
+                  <p:tgtEl>
+                    <p:sldTgt/>
+                  </p:tgtEl>
+                </p:cond>
+              </p:prevCondLst>
+              <p:nextCondLst>
+                <p:cond evt="onNext" delay="0">
+                  <p:tgtEl>
+                    <p:sldTgt/>
+                  </p:tgtEl>
+                </p:cond>
+              </p:nextCondLst>
+            </p:seq>
+          </p:childTnLst>
+        </p:cTn>
+      </p:par>
+    </p:tnLst>
+    <p:bldLst>
+      <p:bldP spid="3" grpId="0" uiExpand="1" build="p"/>
+    </p:bldLst>
+  </p:timing>
+</p:sld>
+</file>
+
+<file path=ppt/slides/slide24.xml><?xml version="1.0" encoding="utf-8"?>
+<p:sld xmlns:a="http://schemas.openxmlformats.org/drawingml/2006/main" xmlns:r="http://schemas.openxmlformats.org/officeDocument/2006/relationships" xmlns:p="http://schemas.openxmlformats.org/presentationml/2006/main">
+  <p:cSld>
+    <p:spTree>
+      <p:nvGrpSpPr>
+        <p:cNvPr id="1" name=""/>
+        <p:cNvGrpSpPr/>
+        <p:nvPr/>
+      </p:nvGrpSpPr>
+      <p:grpSpPr>
+        <a:xfrm>
+          <a:off x="0" y="0"/>
+          <a:ext cx="0" cy="0"/>
+          <a:chOff x="0" y="0"/>
+          <a:chExt cx="0" cy="0"/>
+        </a:xfrm>
+      </p:grpSpPr>
+      <p:sp>
+        <p:nvSpPr>
+          <p:cNvPr id="4" name="Title 3"/>
+          <p:cNvSpPr>
+            <a:spLocks noGrp="1"/>
+          </p:cNvSpPr>
+          <p:nvPr>
+            <p:ph type="title"/>
+          </p:nvPr>
+        </p:nvSpPr>
+        <p:spPr/>
+        <p:txBody>
+          <a:bodyPr/>
+          <a:lstStyle/>
+          <a:p>
+            <a:r>
+              <a:rPr lang="en-US" dirty="0"/>
+              <a:t>Unit testing</a:t>
+            </a:r>
+            <a:endParaRPr lang="nl-BE" dirty="0"/>
+          </a:p>
+        </p:txBody>
+      </p:sp>
+      <p:sp>
+        <p:nvSpPr>
+          <p:cNvPr id="5" name="Content Placeholder 4"/>
+          <p:cNvSpPr>
+            <a:spLocks noGrp="1"/>
+          </p:cNvSpPr>
+          <p:nvPr>
+            <p:ph idx="1"/>
+          </p:nvPr>
+        </p:nvSpPr>
+        <p:spPr>
+          <a:xfrm>
+            <a:off x="838200" y="1825625"/>
+            <a:ext cx="10515600" cy="4074629"/>
+          </a:xfrm>
+        </p:spPr>
+        <p:txBody>
+          <a:bodyPr>
+            <a:normAutofit fontScale="92500" lnSpcReduction="10000"/>
+          </a:bodyPr>
+          <a:lstStyle/>
+          <a:p>
+            <a:r>
+              <a:rPr lang="en-US" dirty="0"/>
+              <a:t>Key concepts</a:t>
+            </a:r>
+          </a:p>
+          <a:p>
+            <a:pPr lvl="1"/>
+            <a:r>
+              <a:rPr lang="en-US" dirty="0"/>
+              <a:t>Implementation tested through API</a:t>
+            </a:r>
+          </a:p>
+          <a:p>
+            <a:pPr lvl="1"/>
+            <a:r>
+              <a:rPr lang="en-US" dirty="0"/>
+              <a:t>Testing should be easy</a:t>
+            </a:r>
+          </a:p>
+          <a:p>
+            <a:pPr lvl="1"/>
+            <a:r>
+              <a:rPr lang="en-US" dirty="0"/>
+              <a:t>Tests are independent of one another</a:t>
+            </a:r>
+          </a:p>
+          <a:p>
+            <a:r>
+              <a:rPr lang="en-US" dirty="0"/>
+              <a:t>Find problems early/fast</a:t>
+            </a:r>
+          </a:p>
+          <a:p>
+            <a:r>
+              <a:rPr lang="en-US" dirty="0"/>
+              <a:t>Facilitates change</a:t>
+            </a:r>
+          </a:p>
+          <a:p>
+            <a:pPr lvl="1"/>
+            <a:r>
+              <a:rPr lang="en-US" dirty="0"/>
+              <a:t>Make small change, run tests</a:t>
+            </a:r>
+          </a:p>
+          <a:p>
+            <a:r>
+              <a:rPr lang="en-US" dirty="0"/>
+              <a:t>TDD: Test Driven Development</a:t>
+            </a:r>
+          </a:p>
+          <a:p>
+            <a:pPr lvl="1"/>
+            <a:r>
+              <a:rPr lang="en-US" dirty="0"/>
+              <a:t>Write tests first, then implement</a:t>
+            </a:r>
+          </a:p>
+          <a:p>
+            <a:r>
+              <a:rPr lang="en-US" dirty="0"/>
+              <a:t>Programming framework, e.g., Catch2</a:t>
+            </a:r>
+            <a:endParaRPr lang="nl-BE" dirty="0"/>
+          </a:p>
+        </p:txBody>
+      </p:sp>
+      <p:grpSp>
+        <p:nvGrpSpPr>
+          <p:cNvPr id="6" name="Group 5"/>
+          <p:cNvGrpSpPr/>
+          <p:nvPr/>
+        </p:nvGrpSpPr>
+        <p:grpSpPr>
+          <a:xfrm>
+            <a:off x="7320137" y="3284985"/>
+            <a:ext cx="3155315" cy="1980559"/>
+            <a:chOff x="4821276" y="3871774"/>
+            <a:chExt cx="3155315" cy="1980559"/>
+          </a:xfrm>
+        </p:grpSpPr>
+        <p:sp>
+          <p:nvSpPr>
+            <p:cNvPr id="7" name="Rounded Rectangle 6"/>
+            <p:cNvSpPr/>
+            <p:nvPr/>
+          </p:nvSpPr>
+          <p:spPr>
+            <a:xfrm>
+              <a:off x="4821276" y="3871774"/>
+              <a:ext cx="3155315" cy="1980559"/>
+            </a:xfrm>
+            <a:prstGeom prst="roundRect">
+              <a:avLst/>
+            </a:prstGeom>
+            <a:solidFill>
+              <a:schemeClr val="bg1"/>
+            </a:solidFill>
+            <a:ln>
+              <a:solidFill>
+                <a:srgbClr val="0070C0"/>
+              </a:solidFill>
+            </a:ln>
+          </p:spPr>
+          <p:style>
+            <a:lnRef idx="2">
+              <a:schemeClr val="accent1">
+                <a:shade val="50000"/>
+              </a:schemeClr>
+            </a:lnRef>
+            <a:fillRef idx="1">
+              <a:schemeClr val="accent1"/>
+            </a:fillRef>
+            <a:effectRef idx="0">
+              <a:schemeClr val="accent1"/>
+            </a:effectRef>
+            <a:fontRef idx="minor">
+              <a:schemeClr val="lt1"/>
+            </a:fontRef>
+          </p:style>
+          <p:txBody>
+            <a:bodyPr rtlCol="0" anchor="ctr"/>
+            <a:lstStyle/>
+            <a:p>
+              <a:pPr algn="ctr"/>
+              <a:endParaRPr lang="en-US">
+                <a:solidFill>
+                  <a:prstClr val="white"/>
+                </a:solidFill>
+                <a:latin typeface="Calibri"/>
+              </a:endParaRPr>
+            </a:p>
+          </p:txBody>
+        </p:sp>
+        <p:sp>
+          <p:nvSpPr>
+            <p:cNvPr id="8" name="TextBox 7"/>
+            <p:cNvSpPr txBox="1"/>
+            <p:nvPr/>
+          </p:nvSpPr>
+          <p:spPr>
+            <a:xfrm>
+              <a:off x="4860032" y="3896713"/>
+              <a:ext cx="3116559" cy="1477328"/>
+            </a:xfrm>
+            <a:prstGeom prst="rect">
+              <a:avLst/>
+            </a:prstGeom>
+            <a:noFill/>
+          </p:spPr>
+          <p:txBody>
+            <a:bodyPr wrap="none" rtlCol="0">
+              <a:spAutoFit/>
+            </a:bodyPr>
+            <a:lstStyle/>
+            <a:p>
+              <a:pPr algn="just"/>
+              <a:r>
+                <a:rPr lang="en-US" dirty="0">
+                  <a:solidFill>
+                    <a:srgbClr val="0070C0"/>
+                  </a:solidFill>
+                  <a:latin typeface="Informal Roman" panose="030604020304060B0204" pitchFamily="66" charset="0"/>
+                </a:rPr>
+                <a:t>"How to test?" is a question that</a:t>
+              </a:r>
+            </a:p>
+            <a:p>
+              <a:pPr algn="just"/>
+              <a:r>
+                <a:rPr lang="en-US" dirty="0">
+                  <a:solidFill>
+                    <a:srgbClr val="0070C0"/>
+                  </a:solidFill>
+                  <a:latin typeface="Informal Roman" panose="030604020304060B0204" pitchFamily="66" charset="0"/>
+                </a:rPr>
+                <a:t>cannot be answered in general.</a:t>
+              </a:r>
+            </a:p>
+            <a:p>
+              <a:pPr algn="just"/>
+              <a:r>
+                <a:rPr lang="en-US" dirty="0">
+                  <a:solidFill>
+                    <a:srgbClr val="0070C0"/>
+                  </a:solidFill>
+                  <a:latin typeface="Informal Roman" panose="030604020304060B0204" pitchFamily="66" charset="0"/>
+                </a:rPr>
+                <a:t>"When to test?" however, does have</a:t>
+              </a:r>
+            </a:p>
+            <a:p>
+              <a:pPr algn="just"/>
+              <a:r>
+                <a:rPr lang="en-US" dirty="0">
+                  <a:solidFill>
+                    <a:srgbClr val="0070C0"/>
+                  </a:solidFill>
+                  <a:latin typeface="Informal Roman" panose="030604020304060B0204" pitchFamily="66" charset="0"/>
+                </a:rPr>
+                <a:t>a general answer: as early and as</a:t>
+              </a:r>
+            </a:p>
+            <a:p>
+              <a:pPr algn="just"/>
+              <a:r>
+                <a:rPr lang="en-US" dirty="0">
+                  <a:solidFill>
+                    <a:srgbClr val="0070C0"/>
+                  </a:solidFill>
+                  <a:latin typeface="Informal Roman" panose="030604020304060B0204" pitchFamily="66" charset="0"/>
+                </a:rPr>
+                <a:t>often as possible.</a:t>
+              </a:r>
+            </a:p>
+          </p:txBody>
+        </p:sp>
+        <p:sp>
+          <p:nvSpPr>
+            <p:cNvPr id="9" name="TextBox 8"/>
+            <p:cNvSpPr txBox="1"/>
+            <p:nvPr/>
+          </p:nvSpPr>
+          <p:spPr>
+            <a:xfrm>
+              <a:off x="5839790" y="5408069"/>
+              <a:ext cx="1887824" cy="338554"/>
+            </a:xfrm>
+            <a:prstGeom prst="rect">
+              <a:avLst/>
+            </a:prstGeom>
+            <a:noFill/>
+          </p:spPr>
+          <p:txBody>
+            <a:bodyPr wrap="none" rtlCol="0">
+              <a:spAutoFit/>
+            </a:bodyPr>
+            <a:lstStyle/>
+            <a:p>
+              <a:r>
+                <a:rPr lang="en-US" sz="1600" dirty="0">
+                  <a:solidFill>
+                    <a:srgbClr val="0070C0"/>
+                  </a:solidFill>
+                  <a:latin typeface="Calibri"/>
+                </a:rPr>
+                <a:t>— Bjarne </a:t>
+              </a:r>
+              <a:r>
+                <a:rPr lang="en-US" sz="1600" dirty="0" err="1">
+                  <a:solidFill>
+                    <a:srgbClr val="0070C0"/>
+                  </a:solidFill>
+                  <a:latin typeface="Calibri"/>
+                </a:rPr>
+                <a:t>Stroustrup</a:t>
+              </a:r>
+              <a:endParaRPr lang="en-US" sz="1600" dirty="0">
+                <a:solidFill>
+                  <a:srgbClr val="0070C0"/>
+                </a:solidFill>
+                <a:latin typeface="Calibri"/>
+              </a:endParaRPr>
+            </a:p>
+          </p:txBody>
+        </p:sp>
+      </p:grpSp>
+      <p:sp>
+        <p:nvSpPr>
+          <p:cNvPr id="2" name="TextBox 1">
+            <a:extLst>
+              <a:ext uri="{FF2B5EF4-FFF2-40B4-BE49-F238E27FC236}">
+                <a16:creationId xmlns:a16="http://schemas.microsoft.com/office/drawing/2014/main" id="{625959B0-A5E0-E823-3BE8-2CAE1318BB5B}"/>
+              </a:ext>
+            </a:extLst>
+          </p:cNvPr>
+          <p:cNvSpPr txBox="1"/>
+          <p:nvPr/>
+        </p:nvSpPr>
+        <p:spPr>
+          <a:xfrm>
+            <a:off x="92564" y="5628104"/>
+            <a:ext cx="11976612" cy="707886"/>
+          </a:xfrm>
+          <a:prstGeom prst="rect">
+            <a:avLst/>
+          </a:prstGeom>
+          <a:noFill/>
+          <a:ln>
+            <a:solidFill>
+              <a:schemeClr val="tx1"/>
+            </a:solidFill>
+          </a:ln>
+        </p:spPr>
+        <p:txBody>
+          <a:bodyPr wrap="none" rtlCol="0">
+            <a:spAutoFit/>
+          </a:bodyPr>
+          <a:lstStyle/>
+          <a:p>
+            <a:r>
+              <a:rPr lang="en-US" sz="2000" dirty="0"/>
+              <a:t>See</a:t>
+            </a:r>
+          </a:p>
+          <a:p>
+            <a:r>
+              <a:rPr lang="en-US" sz="2000" dirty="0">
+                <a:hlinkClick r:id="rId2"/>
+              </a:rPr>
+              <a:t>https://github.com/gjbex/C-plus-plus-software-engineering/tree/development/source-code/testing/catch2</a:t>
+            </a:r>
+            <a:r>
+              <a:rPr lang="en-US" sz="2000" dirty="0"/>
+              <a:t> </a:t>
+            </a:r>
+            <a:endParaRPr lang="LID4096" sz="2000" dirty="0"/>
+          </a:p>
+        </p:txBody>
+      </p:sp>
+      <p:sp>
+        <p:nvSpPr>
+          <p:cNvPr id="3" name="Slide Number Placeholder 2">
+            <a:extLst>
+              <a:ext uri="{FF2B5EF4-FFF2-40B4-BE49-F238E27FC236}">
+                <a16:creationId xmlns:a16="http://schemas.microsoft.com/office/drawing/2014/main" id="{83815017-2C3F-178B-ED98-26815A80D881}"/>
+              </a:ext>
+            </a:extLst>
+          </p:cNvPr>
+          <p:cNvSpPr>
+            <a:spLocks noGrp="1"/>
+          </p:cNvSpPr>
+          <p:nvPr>
+            <p:ph type="sldNum" sz="quarter" idx="12"/>
+          </p:nvPr>
+        </p:nvSpPr>
+        <p:spPr/>
+        <p:txBody>
+          <a:bodyPr/>
+          <a:lstStyle/>
+          <a:p>
+            <a:fld id="{FDB1AA33-DFBB-49AC-8CEE-23FFECEB5648}" type="slidenum">
+              <a:rPr lang="LID4096" smtClean="0"/>
+              <a:t>24</a:t>
+            </a:fld>
+            <a:endParaRPr lang="LID4096"/>
+          </a:p>
+        </p:txBody>
+      </p:sp>
+    </p:spTree>
+    <p:extLst>
+      <p:ext uri="{BB962C8B-B14F-4D97-AF65-F5344CB8AC3E}">
+        <p14:creationId xmlns:p14="http://schemas.microsoft.com/office/powerpoint/2010/main" val="54639014"/>
+      </p:ext>
+    </p:extLst>
+  </p:cSld>
+  <p:clrMapOvr>
+    <a:masterClrMapping/>
+  </p:clrMapOvr>
+  <p:timing>
+    <p:tnLst>
+      <p:par>
+        <p:cTn id="1" dur="indefinite" restart="never" nodeType="tmRoot">
+          <p:childTnLst>
+            <p:seq concurrent="1" nextAc="seek">
+              <p:cTn id="2" dur="indefinite" nodeType="mainSeq">
+                <p:childTnLst>
+                  <p:par>
+                    <p:cTn id="3" fill="hold">
+                      <p:stCondLst>
+                        <p:cond delay="indefinite"/>
+                        <p:cond evt="onBegin" delay="0">
+                          <p:tn val="2"/>
+                        </p:cond>
+                      </p:stCondLst>
+                      <p:childTnLst>
+                        <p:par>
+                          <p:cTn id="4" fill="hold">
+                            <p:stCondLst>
+                              <p:cond delay="0"/>
+                            </p:stCondLst>
+                            <p:childTnLst>
+                              <p:par>
+                                <p:cTn id="5" presetID="1" presetClass="entr" presetSubtype="0" fill="hold" grpId="0" nodeType="withEffect">
+                                  <p:stCondLst>
+                                    <p:cond delay="0"/>
+                                  </p:stCondLst>
+                                  <p:childTnLst>
+                                    <p:set>
+                                      <p:cBhvr>
+                                        <p:cTn id="6" dur="1" fill="hold">
+                                          <p:stCondLst>
+                                            <p:cond delay="0"/>
+                                          </p:stCondLst>
+                                        </p:cTn>
+                                        <p:tgtEl>
+                                          <p:spTgt spid="5">
+                                            <p:txEl>
+                                              <p:pRg st="0" end="0"/>
+                                            </p:txEl>
+                                          </p:spTgt>
+                                        </p:tgtEl>
+                                        <p:attrNameLst>
+                                          <p:attrName>style.visibility</p:attrName>
+                                        </p:attrNameLst>
+                                      </p:cBhvr>
+                                      <p:to>
+                                        <p:strVal val="visible"/>
+                                      </p:to>
+                                    </p:set>
+                                  </p:childTnLst>
+                                </p:cTn>
+                              </p:par>
+                              <p:par>
+                                <p:cTn id="7" presetID="1" presetClass="entr" presetSubtype="0" fill="hold" grpId="0" nodeType="withEffect">
+                                  <p:stCondLst>
+                                    <p:cond delay="0"/>
+                                  </p:stCondLst>
+                                  <p:childTnLst>
+                                    <p:set>
+                                      <p:cBhvr>
+                                        <p:cTn id="8" dur="1" fill="hold">
+                                          <p:stCondLst>
+                                            <p:cond delay="0"/>
+                                          </p:stCondLst>
+                                        </p:cTn>
+                                        <p:tgtEl>
+                                          <p:spTgt spid="5">
+                                            <p:txEl>
+                                              <p:pRg st="1" end="1"/>
+                                            </p:txEl>
+                                          </p:spTgt>
+                                        </p:tgtEl>
+                                        <p:attrNameLst>
+                                          <p:attrName>style.visibility</p:attrName>
+                                        </p:attrNameLst>
+                                      </p:cBhvr>
+                                      <p:to>
+                                        <p:strVal val="visible"/>
+                                      </p:to>
+                                    </p:set>
+                                  </p:childTnLst>
+                                </p:cTn>
+                              </p:par>
+                              <p:par>
+                                <p:cTn id="9" presetID="1" presetClass="entr" presetSubtype="0" fill="hold" grpId="0" nodeType="withEffect">
+                                  <p:stCondLst>
+                                    <p:cond delay="0"/>
+                                  </p:stCondLst>
+                                  <p:childTnLst>
+                                    <p:set>
+                                      <p:cBhvr>
+                                        <p:cTn id="10" dur="1" fill="hold">
+                                          <p:stCondLst>
+                                            <p:cond delay="0"/>
+                                          </p:stCondLst>
+                                        </p:cTn>
+                                        <p:tgtEl>
+                                          <p:spTgt spid="5">
+                                            <p:txEl>
+                                              <p:pRg st="2" end="2"/>
+                                            </p:txEl>
+                                          </p:spTgt>
+                                        </p:tgtEl>
+                                        <p:attrNameLst>
+                                          <p:attrName>style.visibility</p:attrName>
+                                        </p:attrNameLst>
+                                      </p:cBhvr>
+                                      <p:to>
+                                        <p:strVal val="visible"/>
+                                      </p:to>
+                                    </p:set>
+                                  </p:childTnLst>
+                                </p:cTn>
+                              </p:par>
+                              <p:par>
+                                <p:cTn id="11" presetID="1" presetClass="entr" presetSubtype="0" fill="hold" grpId="0" nodeType="withEffect">
+                                  <p:stCondLst>
+                                    <p:cond delay="0"/>
+                                  </p:stCondLst>
+                                  <p:childTnLst>
+                                    <p:set>
+                                      <p:cBhvr>
+                                        <p:cTn id="12" dur="1" fill="hold">
+                                          <p:stCondLst>
+                                            <p:cond delay="0"/>
+                                          </p:stCondLst>
+                                        </p:cTn>
+                                        <p:tgtEl>
+                                          <p:spTgt spid="5">
+                                            <p:txEl>
+                                              <p:pRg st="3" end="3"/>
+                                            </p:txEl>
+                                          </p:spTgt>
+                                        </p:tgtEl>
+                                        <p:attrNameLst>
+                                          <p:attrName>style.visibility</p:attrName>
+                                        </p:attrNameLst>
+                                      </p:cBhvr>
+                                      <p:to>
+                                        <p:strVal val="visible"/>
+                                      </p:to>
+                                    </p:set>
+                                  </p:childTnLst>
+                                </p:cTn>
+                              </p:par>
+                            </p:childTnLst>
+                          </p:cTn>
+                        </p:par>
+                      </p:childTnLst>
+                    </p:cTn>
+                  </p:par>
+                  <p:par>
+                    <p:cTn id="13" fill="hold">
+                      <p:stCondLst>
+                        <p:cond delay="indefinite"/>
+                      </p:stCondLst>
+                      <p:childTnLst>
+                        <p:par>
+                          <p:cTn id="14" fill="hold">
+                            <p:stCondLst>
+                              <p:cond delay="0"/>
+                            </p:stCondLst>
+                            <p:childTnLst>
+                              <p:par>
+                                <p:cTn id="15" presetID="1" presetClass="entr" presetSubtype="0" fill="hold" grpId="0" nodeType="clickEffect">
+                                  <p:stCondLst>
+                                    <p:cond delay="0"/>
+                                  </p:stCondLst>
+                                  <p:childTnLst>
+                                    <p:set>
+                                      <p:cBhvr>
+                                        <p:cTn id="16" dur="1" fill="hold">
+                                          <p:stCondLst>
+                                            <p:cond delay="0"/>
+                                          </p:stCondLst>
+                                        </p:cTn>
+                                        <p:tgtEl>
+                                          <p:spTgt spid="5">
+                                            <p:txEl>
+                                              <p:pRg st="4" end="4"/>
+                                            </p:txEl>
+                                          </p:spTgt>
+                                        </p:tgtEl>
+                                        <p:attrNameLst>
+                                          <p:attrName>style.visibility</p:attrName>
+                                        </p:attrNameLst>
+                                      </p:cBhvr>
+                                      <p:to>
+                                        <p:strVal val="visible"/>
+                                      </p:to>
+                                    </p:set>
+                                  </p:childTnLst>
+                                </p:cTn>
+                              </p:par>
+                            </p:childTnLst>
+                          </p:cTn>
+                        </p:par>
+                      </p:childTnLst>
+                    </p:cTn>
+                  </p:par>
+                  <p:par>
+                    <p:cTn id="17" fill="hold">
+                      <p:stCondLst>
+                        <p:cond delay="indefinite"/>
+                      </p:stCondLst>
+                      <p:childTnLst>
+                        <p:par>
+                          <p:cTn id="18" fill="hold">
+                            <p:stCondLst>
+                              <p:cond delay="0"/>
+                            </p:stCondLst>
+                            <p:childTnLst>
+                              <p:par>
+                                <p:cTn id="19" presetID="1" presetClass="entr" presetSubtype="0" fill="hold" grpId="0" nodeType="clickEffect">
+                                  <p:stCondLst>
+                                    <p:cond delay="0"/>
+                                  </p:stCondLst>
+                                  <p:childTnLst>
+                                    <p:set>
+                                      <p:cBhvr>
+                                        <p:cTn id="20" dur="1" fill="hold">
+                                          <p:stCondLst>
+                                            <p:cond delay="0"/>
+                                          </p:stCondLst>
+                                        </p:cTn>
+                                        <p:tgtEl>
+                                          <p:spTgt spid="5">
+                                            <p:txEl>
+                                              <p:pRg st="5" end="5"/>
+                                            </p:txEl>
+                                          </p:spTgt>
+                                        </p:tgtEl>
+                                        <p:attrNameLst>
+                                          <p:attrName>style.visibility</p:attrName>
+                                        </p:attrNameLst>
+                                      </p:cBhvr>
+                                      <p:to>
+                                        <p:strVal val="visible"/>
+                                      </p:to>
+                                    </p:set>
+                                  </p:childTnLst>
+                                </p:cTn>
+                              </p:par>
+                              <p:par>
+                                <p:cTn id="21" presetID="1" presetClass="entr" presetSubtype="0" fill="hold" grpId="0" nodeType="withEffect">
+                                  <p:stCondLst>
+                                    <p:cond delay="0"/>
+                                  </p:stCondLst>
+                                  <p:childTnLst>
+                                    <p:set>
+                                      <p:cBhvr>
+                                        <p:cTn id="22" dur="1" fill="hold">
+                                          <p:stCondLst>
+                                            <p:cond delay="0"/>
+                                          </p:stCondLst>
+                                        </p:cTn>
+                                        <p:tgtEl>
+                                          <p:spTgt spid="5">
+                                            <p:txEl>
+                                              <p:pRg st="6" end="6"/>
+                                            </p:txEl>
+                                          </p:spTgt>
+                                        </p:tgtEl>
+                                        <p:attrNameLst>
+                                          <p:attrName>style.visibility</p:attrName>
+                                        </p:attrNameLst>
+                                      </p:cBhvr>
+                                      <p:to>
+                                        <p:strVal val="visible"/>
+                                      </p:to>
+                                    </p:set>
+                                  </p:childTnLst>
+                                </p:cTn>
+                              </p:par>
+                            </p:childTnLst>
+                          </p:cTn>
+                        </p:par>
+                      </p:childTnLst>
+                    </p:cTn>
+                  </p:par>
+                  <p:par>
+                    <p:cTn id="23" fill="hold">
+                      <p:stCondLst>
+                        <p:cond delay="indefinite"/>
+                      </p:stCondLst>
+                      <p:childTnLst>
+                        <p:par>
+                          <p:cTn id="24" fill="hold">
+                            <p:stCondLst>
+                              <p:cond delay="0"/>
+                            </p:stCondLst>
+                            <p:childTnLst>
+                              <p:par>
+                                <p:cTn id="25" presetID="1" presetClass="entr" presetSubtype="0" fill="hold" grpId="0" nodeType="clickEffect">
+                                  <p:stCondLst>
+                                    <p:cond delay="0"/>
+                                  </p:stCondLst>
+                                  <p:childTnLst>
+                                    <p:set>
+                                      <p:cBhvr>
+                                        <p:cTn id="26" dur="1" fill="hold">
+                                          <p:stCondLst>
+                                            <p:cond delay="0"/>
+                                          </p:stCondLst>
+                                        </p:cTn>
+                                        <p:tgtEl>
+                                          <p:spTgt spid="5">
+                                            <p:txEl>
+                                              <p:pRg st="7" end="7"/>
+                                            </p:txEl>
+                                          </p:spTgt>
+                                        </p:tgtEl>
+                                        <p:attrNameLst>
+                                          <p:attrName>style.visibility</p:attrName>
+                                        </p:attrNameLst>
+                                      </p:cBhvr>
+                                      <p:to>
+                                        <p:strVal val="visible"/>
+                                      </p:to>
+                                    </p:set>
+                                  </p:childTnLst>
+                                </p:cTn>
+                              </p:par>
+                              <p:par>
+                                <p:cTn id="27" presetID="1" presetClass="entr" presetSubtype="0" fill="hold" grpId="0" nodeType="withEffect">
+                                  <p:stCondLst>
+                                    <p:cond delay="0"/>
+                                  </p:stCondLst>
+                                  <p:childTnLst>
+                                    <p:set>
+                                      <p:cBhvr>
+                                        <p:cTn id="28" dur="1" fill="hold">
+                                          <p:stCondLst>
+                                            <p:cond delay="0"/>
+                                          </p:stCondLst>
+                                        </p:cTn>
+                                        <p:tgtEl>
+                                          <p:spTgt spid="5">
+                                            <p:txEl>
+                                              <p:pRg st="8" end="8"/>
+                                            </p:txEl>
+                                          </p:spTgt>
+                                        </p:tgtEl>
+                                        <p:attrNameLst>
+                                          <p:attrName>style.visibility</p:attrName>
+                                        </p:attrNameLst>
+                                      </p:cBhvr>
+                                      <p:to>
+                                        <p:strVal val="visible"/>
+                                      </p:to>
+                                    </p:set>
+                                  </p:childTnLst>
+                                </p:cTn>
+                              </p:par>
+                            </p:childTnLst>
+                          </p:cTn>
+                        </p:par>
+                      </p:childTnLst>
+                    </p:cTn>
+                  </p:par>
+                  <p:par>
+                    <p:cTn id="29" fill="hold">
+                      <p:stCondLst>
+                        <p:cond delay="indefinite"/>
+                      </p:stCondLst>
+                      <p:childTnLst>
+                        <p:par>
+                          <p:cTn id="30" fill="hold">
+                            <p:stCondLst>
+                              <p:cond delay="0"/>
+                            </p:stCondLst>
+                            <p:childTnLst>
+                              <p:par>
+                                <p:cTn id="31" presetID="1" presetClass="entr" presetSubtype="0" fill="hold" grpId="0" nodeType="clickEffect">
+                                  <p:stCondLst>
+                                    <p:cond delay="0"/>
+                                  </p:stCondLst>
+                                  <p:childTnLst>
+                                    <p:set>
+                                      <p:cBhvr>
+                                        <p:cTn id="32" dur="1" fill="hold">
+                                          <p:stCondLst>
+                                            <p:cond delay="0"/>
+                                          </p:stCondLst>
+                                        </p:cTn>
+                                        <p:tgtEl>
+                                          <p:spTgt spid="5">
+                                            <p:txEl>
+                                              <p:pRg st="9" end="9"/>
+                                            </p:txEl>
+                                          </p:spTgt>
+                                        </p:tgtEl>
+                                        <p:attrNameLst>
+                                          <p:attrName>style.visibility</p:attrName>
+                                        </p:attrNameLst>
+                                      </p:cBhvr>
+                                      <p:to>
+                                        <p:strVal val="visible"/>
+                                      </p:to>
+                                    </p:set>
+                                  </p:childTnLst>
+                                </p:cTn>
+                              </p:par>
+                            </p:childTnLst>
+                          </p:cTn>
+                        </p:par>
+                      </p:childTnLst>
+                    </p:cTn>
+                  </p:par>
+                  <p:par>
+                    <p:cTn id="33" fill="hold">
+                      <p:stCondLst>
+                        <p:cond delay="indefinite"/>
+                      </p:stCondLst>
+                      <p:childTnLst>
+                        <p:par>
+                          <p:cTn id="34" fill="hold">
+                            <p:stCondLst>
+                              <p:cond delay="0"/>
+                            </p:stCondLst>
+                            <p:childTnLst>
+                              <p:par>
+                                <p:cTn id="35" presetID="1" presetClass="entr" presetSubtype="0" fill="hold" nodeType="clickEffect">
+                                  <p:stCondLst>
+                                    <p:cond delay="0"/>
+                                  </p:stCondLst>
+                                  <p:childTnLst>
+                                    <p:set>
+                                      <p:cBhvr>
+                                        <p:cTn id="36" dur="1" fill="hold">
+                                          <p:stCondLst>
+                                            <p:cond delay="0"/>
+                                          </p:stCondLst>
+                                        </p:cTn>
+                                        <p:tgtEl>
+                                          <p:spTgt spid="6"/>
+                                        </p:tgtEl>
+                                        <p:attrNameLst>
+                                          <p:attrName>style.visibility</p:attrName>
+                                        </p:attrNameLst>
+                                      </p:cBhvr>
+                                      <p:to>
+                                        <p:strVal val="visible"/>
+                                      </p:to>
+                                    </p:set>
+                                  </p:childTnLst>
+                                </p:cTn>
+                              </p:par>
+                            </p:childTnLst>
+                          </p:cTn>
+                        </p:par>
+                      </p:childTnLst>
+                    </p:cTn>
+                  </p:par>
+                  <p:par>
+                    <p:cTn id="37" fill="hold">
+                      <p:stCondLst>
+                        <p:cond delay="indefinite"/>
+                      </p:stCondLst>
+                      <p:childTnLst>
+                        <p:par>
+                          <p:cTn id="38" fill="hold">
+                            <p:stCondLst>
+                              <p:cond delay="0"/>
+                            </p:stCondLst>
+                            <p:childTnLst>
+                              <p:par>
+                                <p:cTn id="39" presetID="1" presetClass="entr" presetSubtype="0" fill="hold" grpId="0" nodeType="clickEffect">
+                                  <p:stCondLst>
+                                    <p:cond delay="0"/>
+                                  </p:stCondLst>
+                                  <p:childTnLst>
+                                    <p:set>
+                                      <p:cBhvr>
+                                        <p:cTn id="40" dur="1" fill="hold">
+                                          <p:stCondLst>
+                                            <p:cond delay="0"/>
+                                          </p:stCondLst>
+                                        </p:cTn>
+                                        <p:tgtEl>
+                                          <p:spTgt spid="2"/>
+                                        </p:tgtEl>
+                                        <p:attrNameLst>
+                                          <p:attrName>style.visibility</p:attrName>
+                                        </p:attrNameLst>
+                                      </p:cBhvr>
+                                      <p:to>
+                                        <p:strVal val="visible"/>
+                                      </p:to>
+                                    </p:set>
+                                  </p:childTnLst>
+                                </p:cTn>
+                              </p:par>
+                            </p:childTnLst>
+                          </p:cTn>
+                        </p:par>
+                      </p:childTnLst>
+                    </p:cTn>
+                  </p:par>
+                </p:childTnLst>
+              </p:cTn>
+              <p:prevCondLst>
+                <p:cond evt="onPrev" delay="0">
+                  <p:tgtEl>
+                    <p:sldTgt/>
+                  </p:tgtEl>
+                </p:cond>
+              </p:prevCondLst>
+              <p:nextCondLst>
+                <p:cond evt="onNext" delay="0">
+                  <p:tgtEl>
+                    <p:sldTgt/>
+                  </p:tgtEl>
+                </p:cond>
+              </p:nextCondLst>
+            </p:seq>
+          </p:childTnLst>
+        </p:cTn>
+      </p:par>
+    </p:tnLst>
+    <p:bldLst>
+      <p:bldP spid="5" grpId="0" build="p"/>
+      <p:bldP spid="2" grpId="0" animBg="1"/>
+    </p:bldLst>
+  </p:timing>
+</p:sld>
+</file>
+
+<file path=ppt/slides/slide25.xml><?xml version="1.0" encoding="utf-8"?>
+<p:sld xmlns:a="http://schemas.openxmlformats.org/drawingml/2006/main" xmlns:r="http://schemas.openxmlformats.org/officeDocument/2006/relationships" xmlns:p="http://schemas.openxmlformats.org/presentationml/2006/main">
+  <p:cSld>
+    <p:spTree>
+      <p:nvGrpSpPr>
+        <p:cNvPr id="1" name=""/>
+        <p:cNvGrpSpPr/>
+        <p:nvPr/>
+      </p:nvGrpSpPr>
+      <p:grpSpPr>
+        <a:xfrm>
+          <a:off x="0" y="0"/>
+          <a:ext cx="0" cy="0"/>
+          <a:chOff x="0" y="0"/>
+          <a:chExt cx="0" cy="0"/>
+        </a:xfrm>
+      </p:grpSpPr>
+      <p:sp>
+        <p:nvSpPr>
+          <p:cNvPr id="2" name="Title 1">
+            <a:extLst>
+              <a:ext uri="{FF2B5EF4-FFF2-40B4-BE49-F238E27FC236}">
+                <a16:creationId xmlns:a16="http://schemas.microsoft.com/office/drawing/2014/main" id="{1326C305-1691-253D-899F-2529DA2F8C14}"/>
+              </a:ext>
+            </a:extLst>
+          </p:cNvPr>
+          <p:cNvSpPr>
+            <a:spLocks noGrp="1"/>
+          </p:cNvSpPr>
+          <p:nvPr>
+            <p:ph type="title"/>
+          </p:nvPr>
+        </p:nvSpPr>
+        <p:spPr/>
+        <p:txBody>
+          <a:bodyPr/>
+          <a:lstStyle/>
+          <a:p>
+            <a:r>
+              <a:rPr lang="en-US" dirty="0"/>
+              <a:t>Functional testing</a:t>
+            </a:r>
+            <a:endParaRPr lang="LID4096" dirty="0"/>
+          </a:p>
+        </p:txBody>
+      </p:sp>
+      <p:sp>
+        <p:nvSpPr>
+          <p:cNvPr id="3" name="Content Placeholder 2">
+            <a:extLst>
+              <a:ext uri="{FF2B5EF4-FFF2-40B4-BE49-F238E27FC236}">
+                <a16:creationId xmlns:a16="http://schemas.microsoft.com/office/drawing/2014/main" id="{702F1548-00CD-56AC-8AE0-2F71AB048038}"/>
+              </a:ext>
+            </a:extLst>
+          </p:cNvPr>
+          <p:cNvSpPr>
+            <a:spLocks noGrp="1"/>
+          </p:cNvSpPr>
+          <p:nvPr>
+            <p:ph idx="1"/>
+          </p:nvPr>
+        </p:nvSpPr>
+        <p:spPr/>
+        <p:txBody>
+          <a:bodyPr/>
+          <a:lstStyle/>
+          <a:p>
+            <a:r>
+              <a:rPr lang="en-US" dirty="0"/>
+              <a:t>Run application and test results</a:t>
+            </a:r>
+          </a:p>
+        </p:txBody>
+      </p:sp>
+      <p:sp>
+        <p:nvSpPr>
+          <p:cNvPr id="4" name="Slide Number Placeholder 3">
+            <a:extLst>
+              <a:ext uri="{FF2B5EF4-FFF2-40B4-BE49-F238E27FC236}">
+                <a16:creationId xmlns:a16="http://schemas.microsoft.com/office/drawing/2014/main" id="{C652B5F1-BECE-8C34-3175-DE4394D8FDB1}"/>
+              </a:ext>
+            </a:extLst>
+          </p:cNvPr>
+          <p:cNvSpPr>
+            <a:spLocks noGrp="1"/>
+          </p:cNvSpPr>
+          <p:nvPr>
+            <p:ph type="sldNum" sz="quarter" idx="12"/>
+          </p:nvPr>
+        </p:nvSpPr>
+        <p:spPr/>
+        <p:txBody>
+          <a:bodyPr/>
+          <a:lstStyle/>
+          <a:p>
+            <a:fld id="{FDB1AA33-DFBB-49AC-8CEE-23FFECEB5648}" type="slidenum">
+              <a:rPr lang="LID4096" smtClean="0"/>
+              <a:t>25</a:t>
+            </a:fld>
+            <a:endParaRPr lang="LID4096"/>
+          </a:p>
+        </p:txBody>
+      </p:sp>
+      <p:sp>
+        <p:nvSpPr>
+          <p:cNvPr id="5" name="TextBox 4">
+            <a:extLst>
+              <a:ext uri="{FF2B5EF4-FFF2-40B4-BE49-F238E27FC236}">
+                <a16:creationId xmlns:a16="http://schemas.microsoft.com/office/drawing/2014/main" id="{1C3D44E7-5D9C-4329-6ACC-7C98642694A0}"/>
+              </a:ext>
+            </a:extLst>
+          </p:cNvPr>
+          <p:cNvSpPr txBox="1"/>
+          <p:nvPr/>
+        </p:nvSpPr>
+        <p:spPr>
+          <a:xfrm>
+            <a:off x="107694" y="2547447"/>
+            <a:ext cx="11976612" cy="707886"/>
+          </a:xfrm>
+          <a:prstGeom prst="rect">
+            <a:avLst/>
+          </a:prstGeom>
+          <a:noFill/>
+          <a:ln>
+            <a:solidFill>
+              <a:schemeClr val="tx1"/>
+            </a:solidFill>
+          </a:ln>
+        </p:spPr>
+        <p:txBody>
+          <a:bodyPr wrap="none" rtlCol="0">
+            <a:spAutoFit/>
+          </a:bodyPr>
+          <a:lstStyle/>
+          <a:p>
+            <a:r>
+              <a:rPr lang="en-US" sz="2000" dirty="0"/>
+              <a:t>See</a:t>
+            </a:r>
+          </a:p>
+          <a:p>
+            <a:r>
+              <a:rPr lang="en-US" sz="2000" dirty="0">
+                <a:hlinkClick r:id="rId2"/>
+              </a:rPr>
+              <a:t>https://github.com/gjbex/C-plus-plus-software-engineering/tree/development/source-code/testing/ctest</a:t>
+            </a:r>
+            <a:r>
+              <a:rPr lang="en-US" sz="2000" dirty="0"/>
+              <a:t>  </a:t>
+            </a:r>
+            <a:endParaRPr lang="LID4096" sz="2000" dirty="0"/>
+          </a:p>
+        </p:txBody>
+      </p:sp>
+    </p:spTree>
+    <p:extLst>
+      <p:ext uri="{BB962C8B-B14F-4D97-AF65-F5344CB8AC3E}">
+        <p14:creationId xmlns:p14="http://schemas.microsoft.com/office/powerpoint/2010/main" val="1488497271"/>
+      </p:ext>
+    </p:extLst>
+  </p:cSld>
+  <p:clrMapOvr>
+    <a:masterClrMapping/>
+  </p:clrMapOvr>
+  <p:timing>
+    <p:tnLst>
+      <p:par>
+        <p:cTn id="1" dur="indefinite" restart="never" nodeType="tmRoot">
+          <p:childTnLst>
+            <p:seq concurrent="1" nextAc="seek">
+              <p:cTn id="2" dur="indefinite" nodeType="mainSeq">
+                <p:childTnLst>
+                  <p:par>
+                    <p:cTn id="3" fill="hold">
+                      <p:stCondLst>
+                        <p:cond delay="indefinite"/>
+                      </p:stCondLst>
+                      <p:childTnLst>
+                        <p:par>
+                          <p:cTn id="4" fill="hold">
+                            <p:stCondLst>
+                              <p:cond delay="0"/>
+                            </p:stCondLst>
+                            <p:childTnLst>
+                              <p:par>
+                                <p:cTn id="5" presetID="1" presetClass="entr" presetSubtype="0" fill="hold" grpId="0" nodeType="clickEffect">
+                                  <p:stCondLst>
+                                    <p:cond delay="0"/>
+                                  </p:stCondLst>
+                                  <p:childTnLst>
+                                    <p:set>
+                                      <p:cBhvr>
+                                        <p:cTn id="6" dur="1" fill="hold">
+                                          <p:stCondLst>
+                                            <p:cond delay="0"/>
+                                          </p:stCondLst>
+                                        </p:cTn>
+                                        <p:tgtEl>
+                                          <p:spTgt spid="5"/>
+                                        </p:tgtEl>
+                                        <p:attrNameLst>
+                                          <p:attrName>style.visibility</p:attrName>
+                                        </p:attrNameLst>
+                                      </p:cBhvr>
+                                      <p:to>
+                                        <p:strVal val="visible"/>
+                                      </p:to>
+                                    </p:set>
+                                  </p:childTnLst>
+                                </p:cTn>
+                              </p:par>
+                            </p:childTnLst>
+                          </p:cTn>
+                        </p:par>
+                      </p:childTnLst>
+                    </p:cTn>
+                  </p:par>
+                </p:childTnLst>
+              </p:cTn>
+              <p:prevCondLst>
+                <p:cond evt="onPrev" delay="0">
+                  <p:tgtEl>
+                    <p:sldTgt/>
+                  </p:tgtEl>
+                </p:cond>
+              </p:prevCondLst>
+              <p:nextCondLst>
+                <p:cond evt="onNext" delay="0">
+                  <p:tgtEl>
+                    <p:sldTgt/>
+                  </p:tgtEl>
+                </p:cond>
+              </p:nextCondLst>
+            </p:seq>
+          </p:childTnLst>
+        </p:cTn>
+      </p:par>
+    </p:tnLst>
+    <p:bldLst>
+      <p:bldP spid="5" grpId="0" animBg="1"/>
+    </p:bldLst>
+  </p:timing>
+</p:sld>
+</file>
+
+<file path=ppt/slides/slide26.xml><?xml version="1.0" encoding="utf-8"?>
+<p:sld xmlns:a="http://schemas.openxmlformats.org/drawingml/2006/main" xmlns:r="http://schemas.openxmlformats.org/officeDocument/2006/relationships" xmlns:p="http://schemas.openxmlformats.org/presentationml/2006/main">
+  <p:cSld>
+    <p:spTree>
+      <p:nvGrpSpPr>
+        <p:cNvPr id="1" name=""/>
+        <p:cNvGrpSpPr/>
+        <p:nvPr/>
+      </p:nvGrpSpPr>
+      <p:grpSpPr>
+        <a:xfrm>
+          <a:off x="0" y="0"/>
+          <a:ext cx="0" cy="0"/>
+          <a:chOff x="0" y="0"/>
+          <a:chExt cx="0" cy="0"/>
+        </a:xfrm>
+      </p:grpSpPr>
+      <p:sp>
+        <p:nvSpPr>
+          <p:cNvPr id="2" name="Title 1">
+            <a:extLst>
+              <a:ext uri="{FF2B5EF4-FFF2-40B4-BE49-F238E27FC236}">
+                <a16:creationId xmlns:a16="http://schemas.microsoft.com/office/drawing/2014/main" id="{EB8FEFB0-A4A9-60C0-B838-D76179340907}"/>
+              </a:ext>
+            </a:extLst>
+          </p:cNvPr>
+          <p:cNvSpPr>
+            <a:spLocks noGrp="1"/>
+          </p:cNvSpPr>
+          <p:nvPr>
+            <p:ph type="title"/>
+          </p:nvPr>
+        </p:nvSpPr>
+        <p:spPr/>
+        <p:txBody>
+          <a:bodyPr/>
+          <a:lstStyle/>
+          <a:p>
+            <a:r>
+              <a:rPr lang="en-US" dirty="0"/>
+              <a:t>Further reading</a:t>
+            </a:r>
+            <a:endParaRPr lang="LID4096" dirty="0"/>
+          </a:p>
+        </p:txBody>
+      </p:sp>
+      <p:sp>
+        <p:nvSpPr>
+          <p:cNvPr id="3" name="Content Placeholder 2">
+            <a:extLst>
+              <a:ext uri="{FF2B5EF4-FFF2-40B4-BE49-F238E27FC236}">
+                <a16:creationId xmlns:a16="http://schemas.microsoft.com/office/drawing/2014/main" id="{1201784A-7F6B-CC16-C0F2-B288CC15E1A8}"/>
+              </a:ext>
+            </a:extLst>
+          </p:cNvPr>
+          <p:cNvSpPr>
+            <a:spLocks noGrp="1"/>
+          </p:cNvSpPr>
+          <p:nvPr>
+            <p:ph idx="1"/>
+          </p:nvPr>
+        </p:nvSpPr>
+        <p:spPr>
+          <a:xfrm>
+            <a:off x="838200" y="1803853"/>
+            <a:ext cx="10515600" cy="4351338"/>
+          </a:xfrm>
+        </p:spPr>
+        <p:txBody>
+          <a:bodyPr>
+            <a:normAutofit fontScale="92500" lnSpcReduction="20000"/>
+          </a:bodyPr>
+          <a:lstStyle/>
+          <a:p>
+            <a:r>
+              <a:rPr lang="en-US" dirty="0"/>
+              <a:t>Catch2 tutorial</a:t>
+            </a:r>
+            <a:br>
+              <a:rPr lang="en-US" dirty="0"/>
+            </a:br>
+            <a:r>
+              <a:rPr lang="en-US" dirty="0">
+                <a:hlinkClick r:id="rId2"/>
+              </a:rPr>
+              <a:t>https://github.com/catchorg/Catch2/blob/devel/docs/tutorial.md#top</a:t>
+            </a:r>
+            <a:r>
+              <a:rPr lang="en-US" dirty="0"/>
+              <a:t> </a:t>
+            </a:r>
+          </a:p>
+          <a:p>
+            <a:r>
+              <a:rPr lang="en-US" dirty="0"/>
+              <a:t>Google Test primer</a:t>
+            </a:r>
+            <a:br>
+              <a:rPr lang="en-US" dirty="0"/>
+            </a:br>
+            <a:r>
+              <a:rPr lang="en-US" dirty="0">
+                <a:hlinkClick r:id="rId3"/>
+              </a:rPr>
+              <a:t>https://google.github.io/googletest/primer.html</a:t>
+            </a:r>
+            <a:r>
+              <a:rPr lang="en-US" dirty="0"/>
+              <a:t> </a:t>
+            </a:r>
+          </a:p>
+          <a:p>
+            <a:r>
+              <a:rPr lang="en-US" dirty="0" err="1"/>
+              <a:t>cppunit</a:t>
+            </a:r>
+            <a:br>
+              <a:rPr lang="en-US" dirty="0"/>
+            </a:br>
+            <a:r>
+              <a:rPr lang="en-US" dirty="0">
+                <a:hlinkClick r:id="rId4"/>
+              </a:rPr>
+              <a:t>https://www.freedesktop.org/wiki/Software/cppunit/</a:t>
+            </a:r>
+            <a:r>
+              <a:rPr lang="en-US" dirty="0"/>
+              <a:t> </a:t>
+            </a:r>
+          </a:p>
+          <a:p>
+            <a:r>
+              <a:rPr lang="en-US" dirty="0" err="1"/>
+              <a:t>CTest</a:t>
+            </a:r>
+            <a:br>
+              <a:rPr lang="en-US" dirty="0"/>
+            </a:br>
+            <a:r>
+              <a:rPr lang="en-US" dirty="0">
+                <a:hlinkClick r:id="rId5"/>
+              </a:rPr>
+              <a:t>https://cmake.org/cmake/help/latest/module/CTest.html</a:t>
+            </a:r>
+            <a:r>
+              <a:rPr lang="en-US" dirty="0"/>
+              <a:t> </a:t>
+            </a:r>
+          </a:p>
+          <a:p>
+            <a:r>
+              <a:rPr lang="en-US" dirty="0"/>
+              <a:t>Google </a:t>
+            </a:r>
+            <a:r>
+              <a:rPr lang="en-US" dirty="0" err="1"/>
+              <a:t>FuzzTest</a:t>
+            </a:r>
+            <a:br>
+              <a:rPr lang="en-US" dirty="0"/>
+            </a:br>
+            <a:r>
+              <a:rPr lang="en-US" dirty="0">
+                <a:hlinkClick r:id="rId6"/>
+              </a:rPr>
+              <a:t>https://github.com/google/fuzztest</a:t>
+            </a:r>
+            <a:r>
+              <a:rPr lang="en-US" dirty="0"/>
+              <a:t> </a:t>
+            </a:r>
+          </a:p>
+          <a:p>
+            <a:r>
+              <a:rPr lang="en-US" dirty="0"/>
+              <a:t>shunit2</a:t>
+            </a:r>
+            <a:br>
+              <a:rPr lang="en-US" dirty="0"/>
+            </a:br>
+            <a:r>
+              <a:rPr lang="en-US" dirty="0">
+                <a:hlinkClick r:id="rId7"/>
+              </a:rPr>
+              <a:t>https://github.com/kward/shunit2</a:t>
+            </a:r>
+            <a:r>
+              <a:rPr lang="en-US" dirty="0"/>
+              <a:t> </a:t>
+            </a:r>
+            <a:endParaRPr lang="LID4096" dirty="0"/>
+          </a:p>
+        </p:txBody>
+      </p:sp>
+      <p:sp>
+        <p:nvSpPr>
+          <p:cNvPr id="4" name="Slide Number Placeholder 3">
+            <a:extLst>
+              <a:ext uri="{FF2B5EF4-FFF2-40B4-BE49-F238E27FC236}">
+                <a16:creationId xmlns:a16="http://schemas.microsoft.com/office/drawing/2014/main" id="{A09F9615-03AB-3F06-69F5-EC793295A749}"/>
+              </a:ext>
+            </a:extLst>
+          </p:cNvPr>
+          <p:cNvSpPr>
+            <a:spLocks noGrp="1"/>
+          </p:cNvSpPr>
+          <p:nvPr>
+            <p:ph type="sldNum" sz="quarter" idx="12"/>
+          </p:nvPr>
+        </p:nvSpPr>
+        <p:spPr/>
+        <p:txBody>
+          <a:bodyPr/>
+          <a:lstStyle/>
+          <a:p>
+            <a:fld id="{FDB1AA33-DFBB-49AC-8CEE-23FFECEB5648}" type="slidenum">
+              <a:rPr lang="LID4096" smtClean="0"/>
+              <a:t>26</a:t>
+            </a:fld>
+            <a:endParaRPr lang="LID4096"/>
+          </a:p>
+        </p:txBody>
+      </p:sp>
+    </p:spTree>
+    <p:extLst>
+      <p:ext uri="{BB962C8B-B14F-4D97-AF65-F5344CB8AC3E}">
+        <p14:creationId xmlns:p14="http://schemas.microsoft.com/office/powerpoint/2010/main" val="206501493"/>
+      </p:ext>
+    </p:extLst>
+  </p:cSld>
+  <p:clrMapOvr>
+    <a:masterClrMapping/>
+  </p:clrMapOvr>
+</p:sld>
+</file>
+
+<file path=ppt/slides/slide27.xml><?xml version="1.0" encoding="utf-8"?>
+<p:sld xmlns:a="http://schemas.openxmlformats.org/drawingml/2006/main" xmlns:r="http://schemas.openxmlformats.org/officeDocument/2006/relationships" xmlns:p="http://schemas.openxmlformats.org/presentationml/2006/main">
+  <p:cSld>
+    <p:spTree>
+      <p:nvGrpSpPr>
+        <p:cNvPr id="1" name=""/>
+        <p:cNvGrpSpPr/>
+        <p:nvPr/>
+      </p:nvGrpSpPr>
+      <p:grpSpPr>
+        <a:xfrm>
+          <a:off x="0" y="0"/>
+          <a:ext cx="0" cy="0"/>
+          <a:chOff x="0" y="0"/>
+          <a:chExt cx="0" cy="0"/>
+        </a:xfrm>
+      </p:grpSpPr>
+      <p:sp>
+        <p:nvSpPr>
+          <p:cNvPr id="2" name="Title 1">
+            <a:extLst>
+              <a:ext uri="{FF2B5EF4-FFF2-40B4-BE49-F238E27FC236}">
+                <a16:creationId xmlns:a16="http://schemas.microsoft.com/office/drawing/2014/main" id="{2C069EDD-AAA1-86E7-6663-1799EEA4BBEE}"/>
+              </a:ext>
+            </a:extLst>
+          </p:cNvPr>
+          <p:cNvSpPr>
+            <a:spLocks noGrp="1"/>
+          </p:cNvSpPr>
+          <p:nvPr>
+            <p:ph type="title"/>
+          </p:nvPr>
+        </p:nvSpPr>
+        <p:spPr/>
+        <p:txBody>
+          <a:bodyPr/>
+          <a:lstStyle/>
+          <a:p>
+            <a:r>
+              <a:rPr lang="en-US" dirty="0"/>
+              <a:t>Dependency management</a:t>
+            </a:r>
+            <a:endParaRPr lang="LID4096" dirty="0"/>
+          </a:p>
+        </p:txBody>
+      </p:sp>
+      <p:sp>
+        <p:nvSpPr>
+          <p:cNvPr id="3" name="Text Placeholder 2">
+            <a:extLst>
+              <a:ext uri="{FF2B5EF4-FFF2-40B4-BE49-F238E27FC236}">
+                <a16:creationId xmlns:a16="http://schemas.microsoft.com/office/drawing/2014/main" id="{7A84B348-AA22-783F-4CC3-747D6B717161}"/>
+              </a:ext>
+            </a:extLst>
+          </p:cNvPr>
+          <p:cNvSpPr>
+            <a:spLocks noGrp="1"/>
+          </p:cNvSpPr>
+          <p:nvPr>
+            <p:ph type="body" idx="1"/>
+          </p:nvPr>
+        </p:nvSpPr>
+        <p:spPr/>
+        <p:txBody>
+          <a:bodyPr/>
+          <a:lstStyle/>
+          <a:p>
+            <a:endParaRPr lang="LID4096"/>
+          </a:p>
+        </p:txBody>
+      </p:sp>
+      <p:sp>
+        <p:nvSpPr>
+          <p:cNvPr id="4" name="Slide Number Placeholder 3">
+            <a:extLst>
+              <a:ext uri="{FF2B5EF4-FFF2-40B4-BE49-F238E27FC236}">
+                <a16:creationId xmlns:a16="http://schemas.microsoft.com/office/drawing/2014/main" id="{A322FDCA-806A-FB0B-1F52-91BD6306481E}"/>
+              </a:ext>
+            </a:extLst>
+          </p:cNvPr>
+          <p:cNvSpPr>
+            <a:spLocks noGrp="1"/>
+          </p:cNvSpPr>
+          <p:nvPr>
+            <p:ph type="sldNum" sz="quarter" idx="12"/>
+          </p:nvPr>
+        </p:nvSpPr>
+        <p:spPr/>
+        <p:txBody>
+          <a:bodyPr/>
+          <a:lstStyle/>
+          <a:p>
+            <a:fld id="{FDB1AA33-DFBB-49AC-8CEE-23FFECEB5648}" type="slidenum">
+              <a:rPr lang="LID4096" smtClean="0"/>
+              <a:t>27</a:t>
+            </a:fld>
+            <a:endParaRPr lang="LID4096"/>
+          </a:p>
+        </p:txBody>
+      </p:sp>
+    </p:spTree>
+    <p:extLst>
+      <p:ext uri="{BB962C8B-B14F-4D97-AF65-F5344CB8AC3E}">
+        <p14:creationId xmlns:p14="http://schemas.microsoft.com/office/powerpoint/2010/main" val="634670316"/>
+      </p:ext>
+    </p:extLst>
+  </p:cSld>
+  <p:clrMapOvr>
+    <a:masterClrMapping/>
+  </p:clrMapOvr>
+</p:sld>
+</file>
+
+<file path=ppt/slides/slide28.xml><?xml version="1.0" encoding="utf-8"?>
+<p:sld xmlns:a="http://schemas.openxmlformats.org/drawingml/2006/main" xmlns:r="http://schemas.openxmlformats.org/officeDocument/2006/relationships" xmlns:p="http://schemas.openxmlformats.org/presentationml/2006/main">
+  <p:cSld>
+    <p:spTree>
+      <p:nvGrpSpPr>
+        <p:cNvPr id="1" name=""/>
+        <p:cNvGrpSpPr/>
+        <p:nvPr/>
+      </p:nvGrpSpPr>
+      <p:grpSpPr>
+        <a:xfrm>
+          <a:off x="0" y="0"/>
+          <a:ext cx="0" cy="0"/>
+          <a:chOff x="0" y="0"/>
+          <a:chExt cx="0" cy="0"/>
+        </a:xfrm>
+      </p:grpSpPr>
+      <p:sp>
+        <p:nvSpPr>
+          <p:cNvPr id="2" name="Title 1">
+            <a:extLst>
+              <a:ext uri="{FF2B5EF4-FFF2-40B4-BE49-F238E27FC236}">
+                <a16:creationId xmlns:a16="http://schemas.microsoft.com/office/drawing/2014/main" id="{748B151D-EE93-90D9-EB18-32064A36C5D7}"/>
+              </a:ext>
+            </a:extLst>
+          </p:cNvPr>
+          <p:cNvSpPr>
+            <a:spLocks noGrp="1"/>
+          </p:cNvSpPr>
+          <p:nvPr>
+            <p:ph type="title"/>
+          </p:nvPr>
+        </p:nvSpPr>
+        <p:spPr/>
+        <p:txBody>
+          <a:bodyPr/>
+          <a:lstStyle/>
+          <a:p>
+            <a:r>
+              <a:rPr lang="en-US" dirty="0"/>
+              <a:t>Package managers</a:t>
+            </a:r>
+            <a:endParaRPr lang="LID4096" dirty="0"/>
+          </a:p>
+        </p:txBody>
+      </p:sp>
+      <p:sp>
+        <p:nvSpPr>
+          <p:cNvPr id="3" name="Content Placeholder 2">
+            <a:extLst>
+              <a:ext uri="{FF2B5EF4-FFF2-40B4-BE49-F238E27FC236}">
+                <a16:creationId xmlns:a16="http://schemas.microsoft.com/office/drawing/2014/main" id="{533301B4-11F1-BA22-7463-50F7F9042A19}"/>
+              </a:ext>
+            </a:extLst>
+          </p:cNvPr>
+          <p:cNvSpPr>
+            <a:spLocks noGrp="1"/>
+          </p:cNvSpPr>
+          <p:nvPr>
+            <p:ph idx="1"/>
+          </p:nvPr>
+        </p:nvSpPr>
+        <p:spPr/>
+        <p:txBody>
+          <a:bodyPr/>
+          <a:lstStyle/>
+          <a:p>
+            <a:r>
+              <a:rPr lang="en-US" dirty="0"/>
+              <a:t>Conan</a:t>
+            </a:r>
+          </a:p>
+          <a:p>
+            <a:pPr lvl="1"/>
+            <a:r>
+              <a:rPr lang="en-US" dirty="0"/>
+              <a:t>Wide range of software packages</a:t>
+            </a:r>
+          </a:p>
+          <a:p>
+            <a:pPr lvl="1"/>
+            <a:r>
+              <a:rPr lang="en-US" dirty="0"/>
+              <a:t>Mature</a:t>
+            </a:r>
+          </a:p>
+          <a:p>
+            <a:r>
+              <a:rPr lang="en-US" dirty="0" err="1"/>
+              <a:t>vcpkg</a:t>
+            </a:r>
+            <a:endParaRPr lang="en-US" dirty="0"/>
+          </a:p>
+          <a:p>
+            <a:r>
+              <a:rPr lang="en-US" dirty="0"/>
+              <a:t>CPM</a:t>
+            </a:r>
+          </a:p>
+          <a:p>
+            <a:pPr lvl="1"/>
+            <a:r>
+              <a:rPr lang="en-US" dirty="0"/>
+              <a:t>Pure </a:t>
+            </a:r>
+            <a:r>
+              <a:rPr lang="en-US" dirty="0" err="1"/>
+              <a:t>Cmake</a:t>
+            </a:r>
+            <a:r>
+              <a:rPr lang="en-US" dirty="0"/>
+              <a:t>, (almost) zero install</a:t>
+            </a:r>
+            <a:endParaRPr lang="LID4096" dirty="0"/>
+          </a:p>
+        </p:txBody>
+      </p:sp>
+      <p:sp>
+        <p:nvSpPr>
+          <p:cNvPr id="4" name="Slide Number Placeholder 3">
+            <a:extLst>
+              <a:ext uri="{FF2B5EF4-FFF2-40B4-BE49-F238E27FC236}">
+                <a16:creationId xmlns:a16="http://schemas.microsoft.com/office/drawing/2014/main" id="{938E0D5F-6FF4-E9A6-B9F1-99B865015060}"/>
+              </a:ext>
+            </a:extLst>
+          </p:cNvPr>
+          <p:cNvSpPr>
+            <a:spLocks noGrp="1"/>
+          </p:cNvSpPr>
+          <p:nvPr>
+            <p:ph type="sldNum" sz="quarter" idx="12"/>
+          </p:nvPr>
+        </p:nvSpPr>
+        <p:spPr/>
+        <p:txBody>
+          <a:bodyPr/>
+          <a:lstStyle/>
+          <a:p>
+            <a:fld id="{FDB1AA33-DFBB-49AC-8CEE-23FFECEB5648}" type="slidenum">
+              <a:rPr lang="LID4096" smtClean="0"/>
+              <a:t>28</a:t>
+            </a:fld>
+            <a:endParaRPr lang="LID4096"/>
+          </a:p>
+        </p:txBody>
+      </p:sp>
+    </p:spTree>
+    <p:extLst>
+      <p:ext uri="{BB962C8B-B14F-4D97-AF65-F5344CB8AC3E}">
+        <p14:creationId xmlns:p14="http://schemas.microsoft.com/office/powerpoint/2010/main" val="30804723"/>
       </p:ext>
     </p:extLst>
   </p:cSld>

--- a/cpp_software_engineering.pptx
+++ b/cpp_software_engineering.pptx
@@ -5,7 +5,7 @@
     <p:sldMasterId id="2147483648" r:id="rId1"/>
   </p:sldMasterIdLst>
   <p:notesMasterIdLst>
-    <p:notesMasterId r:id="rId30"/>
+    <p:notesMasterId r:id="rId37"/>
   </p:notesMasterIdLst>
   <p:sldIdLst>
     <p:sldId id="257" r:id="rId2"/>
@@ -36,6 +36,13 @@
     <p:sldId id="378" r:id="rId27"/>
     <p:sldId id="380" r:id="rId28"/>
     <p:sldId id="381" r:id="rId29"/>
+    <p:sldId id="382" r:id="rId30"/>
+    <p:sldId id="383" r:id="rId31"/>
+    <p:sldId id="384" r:id="rId32"/>
+    <p:sldId id="386" r:id="rId33"/>
+    <p:sldId id="387" r:id="rId34"/>
+    <p:sldId id="385" r:id="rId35"/>
+    <p:sldId id="388" r:id="rId36"/>
   </p:sldIdLst>
   <p:sldSz cx="12192000" cy="6858000"/>
   <p:notesSz cx="6858000" cy="9144000"/>
@@ -187,6 +194,13 @@
           <p14:sldIdLst>
             <p14:sldId id="380"/>
             <p14:sldId id="381"/>
+            <p14:sldId id="382"/>
+            <p14:sldId id="383"/>
+            <p14:sldId id="384"/>
+            <p14:sldId id="386"/>
+            <p14:sldId id="387"/>
+            <p14:sldId id="385"/>
+            <p14:sldId id="388"/>
           </p14:sldIdLst>
         </p14:section>
       </p14:sectionLst>
@@ -6749,6 +6763,9 @@
               <a:avLst/>
             </a:prstGeom>
             <a:ln>
+              <a:solidFill>
+                <a:schemeClr val="tx1"/>
+              </a:solidFill>
               <a:tailEnd type="stealth" w="lg" len="lg"/>
             </a:ln>
           </p:spPr>
@@ -6861,6 +6878,9 @@
               <a:avLst/>
             </a:prstGeom>
             <a:ln>
+              <a:solidFill>
+                <a:schemeClr val="tx1"/>
+              </a:solidFill>
               <a:tailEnd type="stealth" w="lg" len="lg"/>
             </a:ln>
           </p:spPr>
@@ -6966,6 +6986,9 @@
               <a:avLst/>
             </a:prstGeom>
             <a:ln>
+              <a:solidFill>
+                <a:schemeClr val="tx1"/>
+              </a:solidFill>
               <a:tailEnd type="stealth" w="lg" len="lg"/>
             </a:ln>
           </p:spPr>
@@ -7092,6 +7115,9 @@
                 <a:avLst/>
               </a:prstGeom>
               <a:ln>
+                <a:solidFill>
+                  <a:schemeClr val="tx1"/>
+                </a:solidFill>
                 <a:tailEnd type="stealth" w="lg" len="lg"/>
               </a:ln>
             </p:spPr>
@@ -9194,7 +9220,7 @@
         <p:spPr>
           <a:xfrm>
             <a:off x="310281" y="5573682"/>
-            <a:ext cx="11571437" cy="400110"/>
+            <a:ext cx="10684592" cy="400110"/>
           </a:xfrm>
           <a:prstGeom prst="rect">
             <a:avLst/>
@@ -9220,7 +9246,7 @@
               <a:rPr lang="en-US" sz="2000" dirty="0">
                 <a:hlinkClick r:id="rId2"/>
               </a:rPr>
-              <a:t>https://github.com/gjbex/C-plus-plus-software-engineering/tree/development/source-code/cmake</a:t>
+              <a:t>https://github.com/gjbex/C-plus-plus-software-engineering/tree/main/source-code/cmake</a:t>
             </a:r>
             <a:r>
               <a:rPr lang="en-US" sz="2000" dirty="0"/>
@@ -9778,7 +9804,7 @@
         <p:spPr>
           <a:xfrm>
             <a:off x="92564" y="5486594"/>
-            <a:ext cx="11976612" cy="707886"/>
+            <a:ext cx="11089767" cy="707886"/>
           </a:xfrm>
           <a:prstGeom prst="rect">
             <a:avLst/>
@@ -9806,7 +9832,7 @@
               <a:rPr lang="en-US" sz="2000" dirty="0">
                 <a:hlinkClick r:id="rId2"/>
               </a:rPr>
-              <a:t>https://github.com/gjbex/C-plus-plus-software-engineering/tree/development/source-code/static-analysis</a:t>
+              <a:t>https://github.com/gjbex/C-plus-plus-software-engineering/tree/main/source-code/static-analysis</a:t>
             </a:r>
             <a:r>
               <a:rPr lang="en-US" sz="2000" dirty="0"/>
@@ -11180,7 +11206,7 @@
         <p:spPr>
           <a:xfrm>
             <a:off x="92564" y="5628104"/>
-            <a:ext cx="11976612" cy="707886"/>
+            <a:ext cx="11068030" cy="707886"/>
           </a:xfrm>
           <a:prstGeom prst="rect">
             <a:avLst/>
@@ -11208,7 +11234,7 @@
               <a:rPr lang="en-US" sz="2000" dirty="0">
                 <a:hlinkClick r:id="rId2"/>
               </a:rPr>
-              <a:t>https://github.com/gjbex/C-plus-plus-software-engineering/tree/development/source-code/testing/catch2</a:t>
+              <a:t>https://github.com/gjbex/C-plus-plus-software-engineering/tree/main/source-code/testing/catch2</a:t>
             </a:r>
             <a:r>
               <a:rPr lang="en-US" sz="2000" dirty="0"/>
@@ -11905,7 +11931,7 @@
         <p:spPr>
           <a:xfrm>
             <a:off x="107694" y="2547447"/>
-            <a:ext cx="11976612" cy="707886"/>
+            <a:ext cx="10917989" cy="707886"/>
           </a:xfrm>
           <a:prstGeom prst="rect">
             <a:avLst/>
@@ -11933,7 +11959,7 @@
               <a:rPr lang="en-US" sz="2000" dirty="0">
                 <a:hlinkClick r:id="rId2"/>
               </a:rPr>
-              <a:t>https://github.com/gjbex/C-plus-plus-software-engineering/tree/development/source-code/testing/ctest</a:t>
+              <a:t>https://github.com/gjbex/C-plus-plus-software-engineering/tree/main/source-code/testing/ctest</a:t>
             </a:r>
             <a:r>
               <a:rPr lang="en-US" sz="2000" dirty="0"/>
@@ -12447,7 +12473,9 @@
         </p:nvSpPr>
         <p:spPr/>
         <p:txBody>
-          <a:bodyPr/>
+          <a:bodyPr>
+            <a:normAutofit lnSpcReduction="10000"/>
+          </a:bodyPr>
           <a:lstStyle/>
           <a:p>
             <a:r>
@@ -12477,6 +12505,20 @@
             <a:endParaRPr lang="en-US" dirty="0"/>
           </a:p>
           <a:p>
+            <a:pPr lvl="1"/>
+            <a:r>
+              <a:rPr lang="en-US" dirty="0"/>
+              <a:t>Microsoft-backed</a:t>
+            </a:r>
+          </a:p>
+          <a:p>
+            <a:pPr lvl="1"/>
+            <a:r>
+              <a:rPr lang="en-US" dirty="0"/>
+              <a:t>Wide range of software packages</a:t>
+            </a:r>
+          </a:p>
+          <a:p>
             <a:r>
               <a:rPr lang="en-US" dirty="0"/>
               <a:t>CPM</a:t>
@@ -12485,6 +12527,17 @@
           <a:p>
             <a:pPr lvl="1"/>
             <a:r>
+              <a:rPr lang="en-US" dirty="0" err="1"/>
+              <a:t>CMake</a:t>
+            </a:r>
+            <a:r>
+              <a:rPr lang="en-US" dirty="0"/>
+              <a:t> centric</a:t>
+            </a:r>
+          </a:p>
+          <a:p>
+            <a:pPr lvl="1"/>
+            <a:r>
               <a:rPr lang="en-US" dirty="0"/>
               <a:t>Pure </a:t>
             </a:r>
@@ -12495,6 +12548,20 @@
             <a:r>
               <a:rPr lang="en-US" dirty="0"/>
               <a:t>, (almost) zero install</a:t>
+            </a:r>
+          </a:p>
+          <a:p>
+            <a:pPr lvl="1"/>
+            <a:r>
+              <a:rPr lang="en-US" dirty="0"/>
+              <a:t>Relies on CMakeLists.txt of software packages</a:t>
+            </a:r>
+          </a:p>
+          <a:p>
+            <a:pPr lvl="1"/>
+            <a:r>
+              <a:rPr lang="en-US" dirty="0"/>
+              <a:t>Can pull GitHub repositories</a:t>
             </a:r>
             <a:endParaRPr lang="LID4096" dirty="0"/>
           </a:p>
@@ -12539,6 +12606,1054 @@
   <p:clrMapOvr>
     <a:masterClrMapping/>
   </p:clrMapOvr>
+</p:sld>
+</file>
+
+<file path=ppt/slides/slide29.xml><?xml version="1.0" encoding="utf-8"?>
+<p:sld xmlns:a="http://schemas.openxmlformats.org/drawingml/2006/main" xmlns:r="http://schemas.openxmlformats.org/officeDocument/2006/relationships" xmlns:p="http://schemas.openxmlformats.org/presentationml/2006/main">
+  <p:cSld>
+    <p:spTree>
+      <p:nvGrpSpPr>
+        <p:cNvPr id="1" name=""/>
+        <p:cNvGrpSpPr/>
+        <p:nvPr/>
+      </p:nvGrpSpPr>
+      <p:grpSpPr>
+        <a:xfrm>
+          <a:off x="0" y="0"/>
+          <a:ext cx="0" cy="0"/>
+          <a:chOff x="0" y="0"/>
+          <a:chExt cx="0" cy="0"/>
+        </a:xfrm>
+      </p:grpSpPr>
+      <p:sp>
+        <p:nvSpPr>
+          <p:cNvPr id="2" name="Title 1">
+            <a:extLst>
+              <a:ext uri="{FF2B5EF4-FFF2-40B4-BE49-F238E27FC236}">
+                <a16:creationId xmlns:a16="http://schemas.microsoft.com/office/drawing/2014/main" id="{24072BB8-489C-2322-537A-7D10CD60E267}"/>
+              </a:ext>
+            </a:extLst>
+          </p:cNvPr>
+          <p:cNvSpPr>
+            <a:spLocks noGrp="1"/>
+          </p:cNvSpPr>
+          <p:nvPr>
+            <p:ph type="title"/>
+          </p:nvPr>
+        </p:nvSpPr>
+        <p:spPr/>
+        <p:txBody>
+          <a:bodyPr/>
+          <a:lstStyle/>
+          <a:p>
+            <a:r>
+              <a:rPr lang="en-US" dirty="0"/>
+              <a:t>Conan basic usage</a:t>
+            </a:r>
+            <a:endParaRPr lang="LID4096" dirty="0"/>
+          </a:p>
+        </p:txBody>
+      </p:sp>
+      <p:sp>
+        <p:nvSpPr>
+          <p:cNvPr id="3" name="Content Placeholder 2">
+            <a:extLst>
+              <a:ext uri="{FF2B5EF4-FFF2-40B4-BE49-F238E27FC236}">
+                <a16:creationId xmlns:a16="http://schemas.microsoft.com/office/drawing/2014/main" id="{2833EA31-C42C-5434-AB56-1E275880B3E6}"/>
+              </a:ext>
+            </a:extLst>
+          </p:cNvPr>
+          <p:cNvSpPr>
+            <a:spLocks noGrp="1"/>
+          </p:cNvSpPr>
+          <p:nvPr>
+            <p:ph idx="1"/>
+          </p:nvPr>
+        </p:nvSpPr>
+        <p:spPr/>
+        <p:txBody>
+          <a:bodyPr>
+            <a:normAutofit fontScale="85000" lnSpcReduction="20000"/>
+          </a:bodyPr>
+          <a:lstStyle/>
+          <a:p>
+            <a:r>
+              <a:rPr lang="en-US" dirty="0"/>
+              <a:t>Set up</a:t>
+            </a:r>
+          </a:p>
+          <a:p>
+            <a:endParaRPr lang="en-US" dirty="0"/>
+          </a:p>
+          <a:p>
+            <a:r>
+              <a:rPr lang="en-US" dirty="0"/>
+              <a:t>Write project requirement  </a:t>
+            </a:r>
+            <a:r>
+              <a:rPr lang="en-US" dirty="0">
+                <a:latin typeface="Courier New" panose="02070309020205020404" pitchFamily="49" charset="0"/>
+                <a:cs typeface="Courier New" panose="02070309020205020404" pitchFamily="49" charset="0"/>
+              </a:rPr>
+              <a:t>conanfile.txt</a:t>
+            </a:r>
+          </a:p>
+          <a:p>
+            <a:r>
+              <a:rPr lang="en-US" dirty="0"/>
+              <a:t>Install dependencies</a:t>
+            </a:r>
+          </a:p>
+          <a:p>
+            <a:endParaRPr lang="en-US" dirty="0"/>
+          </a:p>
+          <a:p>
+            <a:r>
+              <a:rPr lang="en-US" dirty="0"/>
+              <a:t>Change to build directory</a:t>
+            </a:r>
+          </a:p>
+          <a:p>
+            <a:endParaRPr lang="en-US" dirty="0"/>
+          </a:p>
+          <a:p>
+            <a:r>
+              <a:rPr lang="en-US" dirty="0"/>
+              <a:t>Generate build files</a:t>
+            </a:r>
+          </a:p>
+          <a:p>
+            <a:endParaRPr lang="en-US" dirty="0"/>
+          </a:p>
+          <a:p>
+            <a:endParaRPr lang="en-US" dirty="0"/>
+          </a:p>
+          <a:p>
+            <a:r>
+              <a:rPr lang="en-US" dirty="0"/>
+              <a:t>Build project</a:t>
+            </a:r>
+            <a:endParaRPr lang="LID4096" dirty="0"/>
+          </a:p>
+        </p:txBody>
+      </p:sp>
+      <p:sp>
+        <p:nvSpPr>
+          <p:cNvPr id="4" name="Slide Number Placeholder 3">
+            <a:extLst>
+              <a:ext uri="{FF2B5EF4-FFF2-40B4-BE49-F238E27FC236}">
+                <a16:creationId xmlns:a16="http://schemas.microsoft.com/office/drawing/2014/main" id="{44DC3C9C-C2DF-9153-4AC9-6C00AF6C5187}"/>
+              </a:ext>
+            </a:extLst>
+          </p:cNvPr>
+          <p:cNvSpPr>
+            <a:spLocks noGrp="1"/>
+          </p:cNvSpPr>
+          <p:nvPr>
+            <p:ph type="sldNum" sz="quarter" idx="12"/>
+          </p:nvPr>
+        </p:nvSpPr>
+        <p:spPr/>
+        <p:txBody>
+          <a:bodyPr/>
+          <a:lstStyle/>
+          <a:p>
+            <a:fld id="{FDB1AA33-DFBB-49AC-8CEE-23FFECEB5648}" type="slidenum">
+              <a:rPr lang="LID4096" smtClean="0"/>
+              <a:t>29</a:t>
+            </a:fld>
+            <a:endParaRPr lang="LID4096"/>
+          </a:p>
+        </p:txBody>
+      </p:sp>
+      <p:sp>
+        <p:nvSpPr>
+          <p:cNvPr id="5" name="TextBox 4">
+            <a:extLst>
+              <a:ext uri="{FF2B5EF4-FFF2-40B4-BE49-F238E27FC236}">
+                <a16:creationId xmlns:a16="http://schemas.microsoft.com/office/drawing/2014/main" id="{9E5810F3-8FBD-0FB5-304B-AE7E19556B08}"/>
+              </a:ext>
+            </a:extLst>
+          </p:cNvPr>
+          <p:cNvSpPr txBox="1"/>
+          <p:nvPr/>
+        </p:nvSpPr>
+        <p:spPr>
+          <a:xfrm>
+            <a:off x="1320756" y="2190610"/>
+            <a:ext cx="8519930" cy="369332"/>
+          </a:xfrm>
+          <a:prstGeom prst="rect">
+            <a:avLst/>
+          </a:prstGeom>
+          <a:solidFill>
+            <a:schemeClr val="tx1"/>
+          </a:solidFill>
+          <a:ln>
+            <a:solidFill>
+              <a:schemeClr val="tx1"/>
+            </a:solidFill>
+          </a:ln>
+        </p:spPr>
+        <p:txBody>
+          <a:bodyPr wrap="square" rtlCol="0">
+            <a:spAutoFit/>
+          </a:bodyPr>
+          <a:lstStyle/>
+          <a:p>
+            <a:r>
+              <a:rPr lang="en-US" b="1" dirty="0">
+                <a:solidFill>
+                  <a:schemeClr val="bg1"/>
+                </a:solidFill>
+                <a:latin typeface="Courier New" pitchFamily="49" charset="0"/>
+                <a:cs typeface="Courier New" pitchFamily="49" charset="0"/>
+              </a:rPr>
+              <a:t>$  pip install </a:t>
+            </a:r>
+            <a:r>
+              <a:rPr lang="en-US" b="1" dirty="0" err="1">
+                <a:solidFill>
+                  <a:schemeClr val="bg1"/>
+                </a:solidFill>
+                <a:latin typeface="Courier New" pitchFamily="49" charset="0"/>
+                <a:cs typeface="Courier New" pitchFamily="49" charset="0"/>
+              </a:rPr>
+              <a:t>conan</a:t>
+            </a:r>
+            <a:r>
+              <a:rPr lang="en-US" b="1" dirty="0">
+                <a:solidFill>
+                  <a:schemeClr val="bg1"/>
+                </a:solidFill>
+                <a:latin typeface="Courier New" pitchFamily="49" charset="0"/>
+                <a:cs typeface="Courier New" pitchFamily="49" charset="0"/>
+              </a:rPr>
+              <a:t> &amp;&amp; </a:t>
+            </a:r>
+            <a:r>
+              <a:rPr lang="en-US" b="1" dirty="0" err="1">
+                <a:solidFill>
+                  <a:schemeClr val="bg1"/>
+                </a:solidFill>
+                <a:latin typeface="Courier New" pitchFamily="49" charset="0"/>
+                <a:cs typeface="Courier New" pitchFamily="49" charset="0"/>
+              </a:rPr>
+              <a:t>conan</a:t>
+            </a:r>
+            <a:r>
+              <a:rPr lang="en-US" b="1" dirty="0">
+                <a:solidFill>
+                  <a:schemeClr val="bg1"/>
+                </a:solidFill>
+                <a:latin typeface="Courier New" pitchFamily="49" charset="0"/>
+                <a:cs typeface="Courier New" pitchFamily="49" charset="0"/>
+              </a:rPr>
+              <a:t> profile detect  --force  </a:t>
+            </a:r>
+            <a:endParaRPr lang="nl-BE" b="1" dirty="0">
+              <a:solidFill>
+                <a:schemeClr val="bg1"/>
+              </a:solidFill>
+              <a:latin typeface="Courier New" pitchFamily="49" charset="0"/>
+              <a:cs typeface="Courier New" pitchFamily="49" charset="0"/>
+            </a:endParaRPr>
+          </a:p>
+        </p:txBody>
+      </p:sp>
+      <p:sp>
+        <p:nvSpPr>
+          <p:cNvPr id="9" name="TextBox 8">
+            <a:extLst>
+              <a:ext uri="{FF2B5EF4-FFF2-40B4-BE49-F238E27FC236}">
+                <a16:creationId xmlns:a16="http://schemas.microsoft.com/office/drawing/2014/main" id="{FFD7ED03-37FB-D1F6-E11E-87F957D13740}"/>
+              </a:ext>
+            </a:extLst>
+          </p:cNvPr>
+          <p:cNvSpPr txBox="1"/>
+          <p:nvPr/>
+        </p:nvSpPr>
+        <p:spPr>
+          <a:xfrm>
+            <a:off x="1244556" y="3315885"/>
+            <a:ext cx="8596130" cy="369332"/>
+          </a:xfrm>
+          <a:prstGeom prst="rect">
+            <a:avLst/>
+          </a:prstGeom>
+          <a:solidFill>
+            <a:schemeClr val="tx1"/>
+          </a:solidFill>
+          <a:ln>
+            <a:solidFill>
+              <a:schemeClr val="tx1"/>
+            </a:solidFill>
+          </a:ln>
+        </p:spPr>
+        <p:txBody>
+          <a:bodyPr wrap="square" rtlCol="0">
+            <a:spAutoFit/>
+          </a:bodyPr>
+          <a:lstStyle/>
+          <a:p>
+            <a:r>
+              <a:rPr lang="en-US" b="1" dirty="0">
+                <a:solidFill>
+                  <a:schemeClr val="bg1"/>
+                </a:solidFill>
+                <a:latin typeface="Courier New" pitchFamily="49" charset="0"/>
+                <a:cs typeface="Courier New" pitchFamily="49" charset="0"/>
+              </a:rPr>
+              <a:t>$  </a:t>
+            </a:r>
+            <a:r>
+              <a:rPr lang="en-US" b="1" dirty="0" err="1">
+                <a:solidFill>
+                  <a:schemeClr val="bg1"/>
+                </a:solidFill>
+                <a:latin typeface="Courier New" pitchFamily="49" charset="0"/>
+                <a:cs typeface="Courier New" pitchFamily="49" charset="0"/>
+              </a:rPr>
+              <a:t>conan</a:t>
+            </a:r>
+            <a:r>
+              <a:rPr lang="en-US" b="1" dirty="0">
+                <a:solidFill>
+                  <a:schemeClr val="bg1"/>
+                </a:solidFill>
+                <a:latin typeface="Courier New" pitchFamily="49" charset="0"/>
+                <a:cs typeface="Courier New" pitchFamily="49" charset="0"/>
+              </a:rPr>
+              <a:t> install . --output-folder=build/  --build=missing</a:t>
+            </a:r>
+            <a:endParaRPr lang="nl-BE" b="1" dirty="0">
+              <a:solidFill>
+                <a:schemeClr val="bg1"/>
+              </a:solidFill>
+              <a:latin typeface="Courier New" pitchFamily="49" charset="0"/>
+              <a:cs typeface="Courier New" pitchFamily="49" charset="0"/>
+            </a:endParaRPr>
+          </a:p>
+        </p:txBody>
+      </p:sp>
+      <p:sp>
+        <p:nvSpPr>
+          <p:cNvPr id="10" name="TextBox 9">
+            <a:extLst>
+              <a:ext uri="{FF2B5EF4-FFF2-40B4-BE49-F238E27FC236}">
+                <a16:creationId xmlns:a16="http://schemas.microsoft.com/office/drawing/2014/main" id="{27AA2343-8684-816B-C4E4-32B1A369AB46}"/>
+              </a:ext>
+            </a:extLst>
+          </p:cNvPr>
+          <p:cNvSpPr txBox="1"/>
+          <p:nvPr/>
+        </p:nvSpPr>
+        <p:spPr>
+          <a:xfrm>
+            <a:off x="1244556" y="4093598"/>
+            <a:ext cx="8596130" cy="369332"/>
+          </a:xfrm>
+          <a:prstGeom prst="rect">
+            <a:avLst/>
+          </a:prstGeom>
+          <a:solidFill>
+            <a:schemeClr val="tx1"/>
+          </a:solidFill>
+          <a:ln>
+            <a:solidFill>
+              <a:schemeClr val="tx1"/>
+            </a:solidFill>
+          </a:ln>
+        </p:spPr>
+        <p:txBody>
+          <a:bodyPr wrap="square" rtlCol="0">
+            <a:spAutoFit/>
+          </a:bodyPr>
+          <a:lstStyle/>
+          <a:p>
+            <a:r>
+              <a:rPr lang="en-US" b="1" dirty="0">
+                <a:solidFill>
+                  <a:schemeClr val="bg1"/>
+                </a:solidFill>
+                <a:latin typeface="Courier New" pitchFamily="49" charset="0"/>
+                <a:cs typeface="Courier New" pitchFamily="49" charset="0"/>
+              </a:rPr>
+              <a:t>$  cd build/</a:t>
+            </a:r>
+            <a:endParaRPr lang="nl-BE" b="1" dirty="0">
+              <a:solidFill>
+                <a:schemeClr val="bg1"/>
+              </a:solidFill>
+              <a:latin typeface="Courier New" pitchFamily="49" charset="0"/>
+              <a:cs typeface="Courier New" pitchFamily="49" charset="0"/>
+            </a:endParaRPr>
+          </a:p>
+        </p:txBody>
+      </p:sp>
+      <p:sp>
+        <p:nvSpPr>
+          <p:cNvPr id="11" name="TextBox 10">
+            <a:extLst>
+              <a:ext uri="{FF2B5EF4-FFF2-40B4-BE49-F238E27FC236}">
+                <a16:creationId xmlns:a16="http://schemas.microsoft.com/office/drawing/2014/main" id="{80D800B7-D9CD-26C6-E7F5-C225C0026105}"/>
+              </a:ext>
+            </a:extLst>
+          </p:cNvPr>
+          <p:cNvSpPr txBox="1"/>
+          <p:nvPr/>
+        </p:nvSpPr>
+        <p:spPr>
+          <a:xfrm>
+            <a:off x="1244556" y="4843113"/>
+            <a:ext cx="8596130" cy="646331"/>
+          </a:xfrm>
+          <a:prstGeom prst="rect">
+            <a:avLst/>
+          </a:prstGeom>
+          <a:solidFill>
+            <a:schemeClr val="tx1"/>
+          </a:solidFill>
+          <a:ln>
+            <a:solidFill>
+              <a:schemeClr val="tx1"/>
+            </a:solidFill>
+          </a:ln>
+        </p:spPr>
+        <p:txBody>
+          <a:bodyPr wrap="square" rtlCol="0">
+            <a:spAutoFit/>
+          </a:bodyPr>
+          <a:lstStyle/>
+          <a:p>
+            <a:r>
+              <a:rPr lang="en-US" b="1" dirty="0">
+                <a:solidFill>
+                  <a:schemeClr val="bg1"/>
+                </a:solidFill>
+                <a:latin typeface="Courier New" pitchFamily="49" charset="0"/>
+                <a:cs typeface="Courier New" pitchFamily="49" charset="0"/>
+              </a:rPr>
+              <a:t>$  </a:t>
+            </a:r>
+            <a:r>
+              <a:rPr lang="en-US" b="1" dirty="0" err="1">
+                <a:solidFill>
+                  <a:schemeClr val="bg1"/>
+                </a:solidFill>
+                <a:latin typeface="Courier New" pitchFamily="49" charset="0"/>
+                <a:cs typeface="Courier New" pitchFamily="49" charset="0"/>
+              </a:rPr>
+              <a:t>cmake</a:t>
+            </a:r>
+            <a:r>
+              <a:rPr lang="en-US" b="1" dirty="0">
+                <a:solidFill>
+                  <a:schemeClr val="bg1"/>
+                </a:solidFill>
+                <a:latin typeface="Courier New" pitchFamily="49" charset="0"/>
+                <a:cs typeface="Courier New" pitchFamily="49" charset="0"/>
+              </a:rPr>
+              <a:t> .. -DCMAKE_TOOLCHAIN_FILE=</a:t>
+            </a:r>
+            <a:r>
+              <a:rPr lang="en-US" b="1" dirty="0" err="1">
+                <a:solidFill>
+                  <a:schemeClr val="bg1"/>
+                </a:solidFill>
+                <a:latin typeface="Courier New" pitchFamily="49" charset="0"/>
+                <a:cs typeface="Courier New" pitchFamily="49" charset="0"/>
+              </a:rPr>
+              <a:t>conan_toolchain.cmake</a:t>
+            </a:r>
+            <a:r>
+              <a:rPr lang="en-US" b="1" dirty="0">
+                <a:solidFill>
+                  <a:schemeClr val="bg1"/>
+                </a:solidFill>
+                <a:latin typeface="Courier New" pitchFamily="49" charset="0"/>
+                <a:cs typeface="Courier New" pitchFamily="49" charset="0"/>
+              </a:rPr>
+              <a:t> \</a:t>
+            </a:r>
+          </a:p>
+          <a:p>
+            <a:r>
+              <a:rPr lang="en-US" b="1" dirty="0">
+                <a:solidFill>
+                  <a:schemeClr val="bg1"/>
+                </a:solidFill>
+                <a:latin typeface="Courier New" pitchFamily="49" charset="0"/>
+                <a:cs typeface="Courier New" pitchFamily="49" charset="0"/>
+              </a:rPr>
+              <a:t>            -DCMAKE_BUILD_TYPE=Release</a:t>
+            </a:r>
+            <a:endParaRPr lang="nl-BE" b="1" dirty="0">
+              <a:solidFill>
+                <a:schemeClr val="bg1"/>
+              </a:solidFill>
+              <a:latin typeface="Courier New" pitchFamily="49" charset="0"/>
+              <a:cs typeface="Courier New" pitchFamily="49" charset="0"/>
+            </a:endParaRPr>
+          </a:p>
+        </p:txBody>
+      </p:sp>
+      <p:sp>
+        <p:nvSpPr>
+          <p:cNvPr id="12" name="TextBox 11">
+            <a:extLst>
+              <a:ext uri="{FF2B5EF4-FFF2-40B4-BE49-F238E27FC236}">
+                <a16:creationId xmlns:a16="http://schemas.microsoft.com/office/drawing/2014/main" id="{F71EF2D7-BBEF-BF21-3B57-3989D45D8C00}"/>
+              </a:ext>
+            </a:extLst>
+          </p:cNvPr>
+          <p:cNvSpPr txBox="1"/>
+          <p:nvPr/>
+        </p:nvSpPr>
+        <p:spPr>
+          <a:xfrm>
+            <a:off x="1244556" y="6010793"/>
+            <a:ext cx="8596130" cy="369332"/>
+          </a:xfrm>
+          <a:prstGeom prst="rect">
+            <a:avLst/>
+          </a:prstGeom>
+          <a:solidFill>
+            <a:schemeClr val="tx1"/>
+          </a:solidFill>
+          <a:ln>
+            <a:solidFill>
+              <a:schemeClr val="tx1"/>
+            </a:solidFill>
+          </a:ln>
+        </p:spPr>
+        <p:txBody>
+          <a:bodyPr wrap="square" rtlCol="0">
+            <a:spAutoFit/>
+          </a:bodyPr>
+          <a:lstStyle/>
+          <a:p>
+            <a:r>
+              <a:rPr lang="en-US" b="1" dirty="0">
+                <a:solidFill>
+                  <a:schemeClr val="bg1"/>
+                </a:solidFill>
+                <a:latin typeface="Courier New" pitchFamily="49" charset="0"/>
+                <a:cs typeface="Courier New" pitchFamily="49" charset="0"/>
+              </a:rPr>
+              <a:t>$  </a:t>
+            </a:r>
+            <a:r>
+              <a:rPr lang="en-US" b="1" dirty="0" err="1">
+                <a:solidFill>
+                  <a:schemeClr val="bg1"/>
+                </a:solidFill>
+                <a:latin typeface="Courier New" pitchFamily="49" charset="0"/>
+                <a:cs typeface="Courier New" pitchFamily="49" charset="0"/>
+              </a:rPr>
+              <a:t>cmake</a:t>
+            </a:r>
+            <a:r>
+              <a:rPr lang="en-US" b="1" dirty="0">
+                <a:solidFill>
+                  <a:schemeClr val="bg1"/>
+                </a:solidFill>
+                <a:latin typeface="Courier New" pitchFamily="49" charset="0"/>
+                <a:cs typeface="Courier New" pitchFamily="49" charset="0"/>
+              </a:rPr>
+              <a:t>  --build .</a:t>
+            </a:r>
+            <a:endParaRPr lang="nl-BE" b="1" dirty="0">
+              <a:solidFill>
+                <a:schemeClr val="bg1"/>
+              </a:solidFill>
+              <a:latin typeface="Courier New" pitchFamily="49" charset="0"/>
+              <a:cs typeface="Courier New" pitchFamily="49" charset="0"/>
+            </a:endParaRPr>
+          </a:p>
+        </p:txBody>
+      </p:sp>
+    </p:spTree>
+    <p:extLst>
+      <p:ext uri="{BB962C8B-B14F-4D97-AF65-F5344CB8AC3E}">
+        <p14:creationId xmlns:p14="http://schemas.microsoft.com/office/powerpoint/2010/main" val="320320306"/>
+      </p:ext>
+    </p:extLst>
+  </p:cSld>
+  <p:clrMapOvr>
+    <a:masterClrMapping/>
+  </p:clrMapOvr>
+  <p:timing>
+    <p:tnLst>
+      <p:par>
+        <p:cTn id="1" dur="indefinite" restart="never" nodeType="tmRoot">
+          <p:childTnLst>
+            <p:seq concurrent="1" nextAc="seek">
+              <p:cTn id="2" dur="indefinite" nodeType="mainSeq">
+                <p:childTnLst>
+                  <p:par>
+                    <p:cTn id="3" fill="hold">
+                      <p:stCondLst>
+                        <p:cond delay="indefinite"/>
+                        <p:cond evt="onBegin" delay="0">
+                          <p:tn val="2"/>
+                        </p:cond>
+                      </p:stCondLst>
+                      <p:childTnLst>
+                        <p:par>
+                          <p:cTn id="4" fill="hold">
+                            <p:stCondLst>
+                              <p:cond delay="0"/>
+                            </p:stCondLst>
+                            <p:childTnLst>
+                              <p:par>
+                                <p:cTn id="5" presetID="1" presetClass="entr" presetSubtype="0" fill="hold" grpId="0" nodeType="withEffect">
+                                  <p:stCondLst>
+                                    <p:cond delay="0"/>
+                                  </p:stCondLst>
+                                  <p:childTnLst>
+                                    <p:set>
+                                      <p:cBhvr>
+                                        <p:cTn id="6" dur="1" fill="hold">
+                                          <p:stCondLst>
+                                            <p:cond delay="0"/>
+                                          </p:stCondLst>
+                                        </p:cTn>
+                                        <p:tgtEl>
+                                          <p:spTgt spid="3">
+                                            <p:txEl>
+                                              <p:pRg st="0" end="0"/>
+                                            </p:txEl>
+                                          </p:spTgt>
+                                        </p:tgtEl>
+                                        <p:attrNameLst>
+                                          <p:attrName>style.visibility</p:attrName>
+                                        </p:attrNameLst>
+                                      </p:cBhvr>
+                                      <p:to>
+                                        <p:strVal val="visible"/>
+                                      </p:to>
+                                    </p:set>
+                                  </p:childTnLst>
+                                </p:cTn>
+                              </p:par>
+                              <p:par>
+                                <p:cTn id="7" presetID="1" presetClass="entr" presetSubtype="0" fill="hold" grpId="0" nodeType="withEffect">
+                                  <p:stCondLst>
+                                    <p:cond delay="0"/>
+                                  </p:stCondLst>
+                                  <p:childTnLst>
+                                    <p:set>
+                                      <p:cBhvr>
+                                        <p:cTn id="8" dur="1" fill="hold">
+                                          <p:stCondLst>
+                                            <p:cond delay="0"/>
+                                          </p:stCondLst>
+                                        </p:cTn>
+                                        <p:tgtEl>
+                                          <p:spTgt spid="5"/>
+                                        </p:tgtEl>
+                                        <p:attrNameLst>
+                                          <p:attrName>style.visibility</p:attrName>
+                                        </p:attrNameLst>
+                                      </p:cBhvr>
+                                      <p:to>
+                                        <p:strVal val="visible"/>
+                                      </p:to>
+                                    </p:set>
+                                  </p:childTnLst>
+                                </p:cTn>
+                              </p:par>
+                            </p:childTnLst>
+                          </p:cTn>
+                        </p:par>
+                      </p:childTnLst>
+                    </p:cTn>
+                  </p:par>
+                  <p:par>
+                    <p:cTn id="9" fill="hold">
+                      <p:stCondLst>
+                        <p:cond delay="indefinite"/>
+                      </p:stCondLst>
+                      <p:childTnLst>
+                        <p:par>
+                          <p:cTn id="10" fill="hold">
+                            <p:stCondLst>
+                              <p:cond delay="0"/>
+                            </p:stCondLst>
+                            <p:childTnLst>
+                              <p:par>
+                                <p:cTn id="11" presetID="1" presetClass="entr" presetSubtype="0" fill="hold" grpId="0" nodeType="clickEffect">
+                                  <p:stCondLst>
+                                    <p:cond delay="0"/>
+                                  </p:stCondLst>
+                                  <p:childTnLst>
+                                    <p:set>
+                                      <p:cBhvr>
+                                        <p:cTn id="12" dur="1" fill="hold">
+                                          <p:stCondLst>
+                                            <p:cond delay="0"/>
+                                          </p:stCondLst>
+                                        </p:cTn>
+                                        <p:tgtEl>
+                                          <p:spTgt spid="3">
+                                            <p:txEl>
+                                              <p:pRg st="2" end="2"/>
+                                            </p:txEl>
+                                          </p:spTgt>
+                                        </p:tgtEl>
+                                        <p:attrNameLst>
+                                          <p:attrName>style.visibility</p:attrName>
+                                        </p:attrNameLst>
+                                      </p:cBhvr>
+                                      <p:to>
+                                        <p:strVal val="visible"/>
+                                      </p:to>
+                                    </p:set>
+                                  </p:childTnLst>
+                                </p:cTn>
+                              </p:par>
+                            </p:childTnLst>
+                          </p:cTn>
+                        </p:par>
+                      </p:childTnLst>
+                    </p:cTn>
+                  </p:par>
+                  <p:par>
+                    <p:cTn id="13" fill="hold">
+                      <p:stCondLst>
+                        <p:cond delay="indefinite"/>
+                      </p:stCondLst>
+                      <p:childTnLst>
+                        <p:par>
+                          <p:cTn id="14" fill="hold">
+                            <p:stCondLst>
+                              <p:cond delay="0"/>
+                            </p:stCondLst>
+                            <p:childTnLst>
+                              <p:par>
+                                <p:cTn id="15" presetID="1" presetClass="entr" presetSubtype="0" fill="hold" grpId="0" nodeType="clickEffect">
+                                  <p:stCondLst>
+                                    <p:cond delay="0"/>
+                                  </p:stCondLst>
+                                  <p:childTnLst>
+                                    <p:set>
+                                      <p:cBhvr>
+                                        <p:cTn id="16" dur="1" fill="hold">
+                                          <p:stCondLst>
+                                            <p:cond delay="0"/>
+                                          </p:stCondLst>
+                                        </p:cTn>
+                                        <p:tgtEl>
+                                          <p:spTgt spid="3">
+                                            <p:txEl>
+                                              <p:pRg st="3" end="3"/>
+                                            </p:txEl>
+                                          </p:spTgt>
+                                        </p:tgtEl>
+                                        <p:attrNameLst>
+                                          <p:attrName>style.visibility</p:attrName>
+                                        </p:attrNameLst>
+                                      </p:cBhvr>
+                                      <p:to>
+                                        <p:strVal val="visible"/>
+                                      </p:to>
+                                    </p:set>
+                                  </p:childTnLst>
+                                </p:cTn>
+                              </p:par>
+                              <p:par>
+                                <p:cTn id="17" presetID="1" presetClass="entr" presetSubtype="0" fill="hold" grpId="0" nodeType="withEffect">
+                                  <p:stCondLst>
+                                    <p:cond delay="0"/>
+                                  </p:stCondLst>
+                                  <p:childTnLst>
+                                    <p:set>
+                                      <p:cBhvr>
+                                        <p:cTn id="18" dur="1" fill="hold">
+                                          <p:stCondLst>
+                                            <p:cond delay="0"/>
+                                          </p:stCondLst>
+                                        </p:cTn>
+                                        <p:tgtEl>
+                                          <p:spTgt spid="9"/>
+                                        </p:tgtEl>
+                                        <p:attrNameLst>
+                                          <p:attrName>style.visibility</p:attrName>
+                                        </p:attrNameLst>
+                                      </p:cBhvr>
+                                      <p:to>
+                                        <p:strVal val="visible"/>
+                                      </p:to>
+                                    </p:set>
+                                  </p:childTnLst>
+                                </p:cTn>
+                              </p:par>
+                            </p:childTnLst>
+                          </p:cTn>
+                        </p:par>
+                      </p:childTnLst>
+                    </p:cTn>
+                  </p:par>
+                  <p:par>
+                    <p:cTn id="19" fill="hold">
+                      <p:stCondLst>
+                        <p:cond delay="indefinite"/>
+                      </p:stCondLst>
+                      <p:childTnLst>
+                        <p:par>
+                          <p:cTn id="20" fill="hold">
+                            <p:stCondLst>
+                              <p:cond delay="0"/>
+                            </p:stCondLst>
+                            <p:childTnLst>
+                              <p:par>
+                                <p:cTn id="21" presetID="1" presetClass="entr" presetSubtype="0" fill="hold" grpId="0" nodeType="clickEffect">
+                                  <p:stCondLst>
+                                    <p:cond delay="0"/>
+                                  </p:stCondLst>
+                                  <p:childTnLst>
+                                    <p:set>
+                                      <p:cBhvr>
+                                        <p:cTn id="22" dur="1" fill="hold">
+                                          <p:stCondLst>
+                                            <p:cond delay="0"/>
+                                          </p:stCondLst>
+                                        </p:cTn>
+                                        <p:tgtEl>
+                                          <p:spTgt spid="3">
+                                            <p:txEl>
+                                              <p:pRg st="5" end="5"/>
+                                            </p:txEl>
+                                          </p:spTgt>
+                                        </p:tgtEl>
+                                        <p:attrNameLst>
+                                          <p:attrName>style.visibility</p:attrName>
+                                        </p:attrNameLst>
+                                      </p:cBhvr>
+                                      <p:to>
+                                        <p:strVal val="visible"/>
+                                      </p:to>
+                                    </p:set>
+                                  </p:childTnLst>
+                                </p:cTn>
+                              </p:par>
+                              <p:par>
+                                <p:cTn id="23" presetID="1" presetClass="entr" presetSubtype="0" fill="hold" grpId="0" nodeType="withEffect">
+                                  <p:stCondLst>
+                                    <p:cond delay="0"/>
+                                  </p:stCondLst>
+                                  <p:childTnLst>
+                                    <p:set>
+                                      <p:cBhvr>
+                                        <p:cTn id="24" dur="1" fill="hold">
+                                          <p:stCondLst>
+                                            <p:cond delay="0"/>
+                                          </p:stCondLst>
+                                        </p:cTn>
+                                        <p:tgtEl>
+                                          <p:spTgt spid="10"/>
+                                        </p:tgtEl>
+                                        <p:attrNameLst>
+                                          <p:attrName>style.visibility</p:attrName>
+                                        </p:attrNameLst>
+                                      </p:cBhvr>
+                                      <p:to>
+                                        <p:strVal val="visible"/>
+                                      </p:to>
+                                    </p:set>
+                                  </p:childTnLst>
+                                </p:cTn>
+                              </p:par>
+                            </p:childTnLst>
+                          </p:cTn>
+                        </p:par>
+                      </p:childTnLst>
+                    </p:cTn>
+                  </p:par>
+                  <p:par>
+                    <p:cTn id="25" fill="hold">
+                      <p:stCondLst>
+                        <p:cond delay="indefinite"/>
+                      </p:stCondLst>
+                      <p:childTnLst>
+                        <p:par>
+                          <p:cTn id="26" fill="hold">
+                            <p:stCondLst>
+                              <p:cond delay="0"/>
+                            </p:stCondLst>
+                            <p:childTnLst>
+                              <p:par>
+                                <p:cTn id="27" presetID="1" presetClass="entr" presetSubtype="0" fill="hold" grpId="0" nodeType="clickEffect">
+                                  <p:stCondLst>
+                                    <p:cond delay="0"/>
+                                  </p:stCondLst>
+                                  <p:childTnLst>
+                                    <p:set>
+                                      <p:cBhvr>
+                                        <p:cTn id="28" dur="1" fill="hold">
+                                          <p:stCondLst>
+                                            <p:cond delay="0"/>
+                                          </p:stCondLst>
+                                        </p:cTn>
+                                        <p:tgtEl>
+                                          <p:spTgt spid="3">
+                                            <p:txEl>
+                                              <p:pRg st="7" end="7"/>
+                                            </p:txEl>
+                                          </p:spTgt>
+                                        </p:tgtEl>
+                                        <p:attrNameLst>
+                                          <p:attrName>style.visibility</p:attrName>
+                                        </p:attrNameLst>
+                                      </p:cBhvr>
+                                      <p:to>
+                                        <p:strVal val="visible"/>
+                                      </p:to>
+                                    </p:set>
+                                  </p:childTnLst>
+                                </p:cTn>
+                              </p:par>
+                              <p:par>
+                                <p:cTn id="29" presetID="1" presetClass="entr" presetSubtype="0" fill="hold" grpId="0" nodeType="withEffect">
+                                  <p:stCondLst>
+                                    <p:cond delay="0"/>
+                                  </p:stCondLst>
+                                  <p:childTnLst>
+                                    <p:set>
+                                      <p:cBhvr>
+                                        <p:cTn id="30" dur="1" fill="hold">
+                                          <p:stCondLst>
+                                            <p:cond delay="0"/>
+                                          </p:stCondLst>
+                                        </p:cTn>
+                                        <p:tgtEl>
+                                          <p:spTgt spid="11"/>
+                                        </p:tgtEl>
+                                        <p:attrNameLst>
+                                          <p:attrName>style.visibility</p:attrName>
+                                        </p:attrNameLst>
+                                      </p:cBhvr>
+                                      <p:to>
+                                        <p:strVal val="visible"/>
+                                      </p:to>
+                                    </p:set>
+                                  </p:childTnLst>
+                                </p:cTn>
+                              </p:par>
+                            </p:childTnLst>
+                          </p:cTn>
+                        </p:par>
+                      </p:childTnLst>
+                    </p:cTn>
+                  </p:par>
+                  <p:par>
+                    <p:cTn id="31" fill="hold">
+                      <p:stCondLst>
+                        <p:cond delay="indefinite"/>
+                      </p:stCondLst>
+                      <p:childTnLst>
+                        <p:par>
+                          <p:cTn id="32" fill="hold">
+                            <p:stCondLst>
+                              <p:cond delay="0"/>
+                            </p:stCondLst>
+                            <p:childTnLst>
+                              <p:par>
+                                <p:cTn id="33" presetID="1" presetClass="entr" presetSubtype="0" fill="hold" grpId="0" nodeType="clickEffect">
+                                  <p:stCondLst>
+                                    <p:cond delay="0"/>
+                                  </p:stCondLst>
+                                  <p:childTnLst>
+                                    <p:set>
+                                      <p:cBhvr>
+                                        <p:cTn id="34" dur="1" fill="hold">
+                                          <p:stCondLst>
+                                            <p:cond delay="0"/>
+                                          </p:stCondLst>
+                                        </p:cTn>
+                                        <p:tgtEl>
+                                          <p:spTgt spid="3">
+                                            <p:txEl>
+                                              <p:pRg st="10" end="10"/>
+                                            </p:txEl>
+                                          </p:spTgt>
+                                        </p:tgtEl>
+                                        <p:attrNameLst>
+                                          <p:attrName>style.visibility</p:attrName>
+                                        </p:attrNameLst>
+                                      </p:cBhvr>
+                                      <p:to>
+                                        <p:strVal val="visible"/>
+                                      </p:to>
+                                    </p:set>
+                                  </p:childTnLst>
+                                </p:cTn>
+                              </p:par>
+                              <p:par>
+                                <p:cTn id="35" presetID="1" presetClass="entr" presetSubtype="0" fill="hold" grpId="0" nodeType="withEffect">
+                                  <p:stCondLst>
+                                    <p:cond delay="0"/>
+                                  </p:stCondLst>
+                                  <p:childTnLst>
+                                    <p:set>
+                                      <p:cBhvr>
+                                        <p:cTn id="36" dur="1" fill="hold">
+                                          <p:stCondLst>
+                                            <p:cond delay="0"/>
+                                          </p:stCondLst>
+                                        </p:cTn>
+                                        <p:tgtEl>
+                                          <p:spTgt spid="12"/>
+                                        </p:tgtEl>
+                                        <p:attrNameLst>
+                                          <p:attrName>style.visibility</p:attrName>
+                                        </p:attrNameLst>
+                                      </p:cBhvr>
+                                      <p:to>
+                                        <p:strVal val="visible"/>
+                                      </p:to>
+                                    </p:set>
+                                  </p:childTnLst>
+                                </p:cTn>
+                              </p:par>
+                            </p:childTnLst>
+                          </p:cTn>
+                        </p:par>
+                      </p:childTnLst>
+                    </p:cTn>
+                  </p:par>
+                </p:childTnLst>
+              </p:cTn>
+              <p:prevCondLst>
+                <p:cond evt="onPrev" delay="0">
+                  <p:tgtEl>
+                    <p:sldTgt/>
+                  </p:tgtEl>
+                </p:cond>
+              </p:prevCondLst>
+              <p:nextCondLst>
+                <p:cond evt="onNext" delay="0">
+                  <p:tgtEl>
+                    <p:sldTgt/>
+                  </p:tgtEl>
+                </p:cond>
+              </p:nextCondLst>
+            </p:seq>
+          </p:childTnLst>
+        </p:cTn>
+      </p:par>
+    </p:tnLst>
+    <p:bldLst>
+      <p:bldP spid="3" grpId="0" uiExpand="1" build="p"/>
+      <p:bldP spid="5" grpId="0" animBg="1"/>
+      <p:bldP spid="9" grpId="0" animBg="1"/>
+      <p:bldP spid="10" grpId="0" animBg="1"/>
+      <p:bldP spid="11" grpId="0" animBg="1"/>
+      <p:bldP spid="12" grpId="0" animBg="1"/>
+    </p:bldLst>
+  </p:timing>
 </p:sld>
 </file>
 
@@ -12628,6 +13743,2766 @@
     <p:extLst>
       <p:ext uri="{BB962C8B-B14F-4D97-AF65-F5344CB8AC3E}">
         <p14:creationId xmlns:p14="http://schemas.microsoft.com/office/powerpoint/2010/main" val="2488509471"/>
+      </p:ext>
+    </p:extLst>
+  </p:cSld>
+  <p:clrMapOvr>
+    <a:masterClrMapping/>
+  </p:clrMapOvr>
+</p:sld>
+</file>
+
+<file path=ppt/slides/slide30.xml><?xml version="1.0" encoding="utf-8"?>
+<p:sld xmlns:a="http://schemas.openxmlformats.org/drawingml/2006/main" xmlns:r="http://schemas.openxmlformats.org/officeDocument/2006/relationships" xmlns:p="http://schemas.openxmlformats.org/presentationml/2006/main">
+  <p:cSld>
+    <p:spTree>
+      <p:nvGrpSpPr>
+        <p:cNvPr id="1" name=""/>
+        <p:cNvGrpSpPr/>
+        <p:nvPr/>
+      </p:nvGrpSpPr>
+      <p:grpSpPr>
+        <a:xfrm>
+          <a:off x="0" y="0"/>
+          <a:ext cx="0" cy="0"/>
+          <a:chOff x="0" y="0"/>
+          <a:chExt cx="0" cy="0"/>
+        </a:xfrm>
+      </p:grpSpPr>
+      <p:sp>
+        <p:nvSpPr>
+          <p:cNvPr id="2" name="Title 1">
+            <a:extLst>
+              <a:ext uri="{FF2B5EF4-FFF2-40B4-BE49-F238E27FC236}">
+                <a16:creationId xmlns:a16="http://schemas.microsoft.com/office/drawing/2014/main" id="{DC88F323-D508-052E-81AA-3967DF5D3EE4}"/>
+              </a:ext>
+            </a:extLst>
+          </p:cNvPr>
+          <p:cNvSpPr>
+            <a:spLocks noGrp="1"/>
+          </p:cNvSpPr>
+          <p:nvPr>
+            <p:ph type="title"/>
+          </p:nvPr>
+        </p:nvSpPr>
+        <p:spPr/>
+        <p:txBody>
+          <a:bodyPr/>
+          <a:lstStyle/>
+          <a:p>
+            <a:r>
+              <a:rPr lang="en-US" dirty="0"/>
+              <a:t>Conan </a:t>
+            </a:r>
+            <a:r>
+              <a:rPr lang="en-US" dirty="0">
+                <a:latin typeface="Courier New" panose="02070309020205020404" pitchFamily="49" charset="0"/>
+                <a:cs typeface="Courier New" panose="02070309020205020404" pitchFamily="49" charset="0"/>
+              </a:rPr>
+              <a:t>conanfile.txt</a:t>
+            </a:r>
+            <a:endParaRPr lang="LID4096" dirty="0">
+              <a:latin typeface="Courier New" panose="02070309020205020404" pitchFamily="49" charset="0"/>
+              <a:cs typeface="Courier New" panose="02070309020205020404" pitchFamily="49" charset="0"/>
+            </a:endParaRPr>
+          </a:p>
+        </p:txBody>
+      </p:sp>
+      <p:sp>
+        <p:nvSpPr>
+          <p:cNvPr id="4" name="Slide Number Placeholder 3">
+            <a:extLst>
+              <a:ext uri="{FF2B5EF4-FFF2-40B4-BE49-F238E27FC236}">
+                <a16:creationId xmlns:a16="http://schemas.microsoft.com/office/drawing/2014/main" id="{94948D6F-B812-A6FE-48AE-8C1C6DAC7086}"/>
+              </a:ext>
+            </a:extLst>
+          </p:cNvPr>
+          <p:cNvSpPr>
+            <a:spLocks noGrp="1"/>
+          </p:cNvSpPr>
+          <p:nvPr>
+            <p:ph type="sldNum" sz="quarter" idx="12"/>
+          </p:nvPr>
+        </p:nvSpPr>
+        <p:spPr/>
+        <p:txBody>
+          <a:bodyPr/>
+          <a:lstStyle/>
+          <a:p>
+            <a:fld id="{FDB1AA33-DFBB-49AC-8CEE-23FFECEB5648}" type="slidenum">
+              <a:rPr lang="LID4096" smtClean="0"/>
+              <a:t>30</a:t>
+            </a:fld>
+            <a:endParaRPr lang="LID4096"/>
+          </a:p>
+        </p:txBody>
+      </p:sp>
+      <p:sp>
+        <p:nvSpPr>
+          <p:cNvPr id="6" name="TextBox 5">
+            <a:extLst>
+              <a:ext uri="{FF2B5EF4-FFF2-40B4-BE49-F238E27FC236}">
+                <a16:creationId xmlns:a16="http://schemas.microsoft.com/office/drawing/2014/main" id="{03885617-2387-7D06-419B-33D3DD032E99}"/>
+              </a:ext>
+            </a:extLst>
+          </p:cNvPr>
+          <p:cNvSpPr txBox="1"/>
+          <p:nvPr/>
+        </p:nvSpPr>
+        <p:spPr>
+          <a:xfrm>
+            <a:off x="961528" y="2261499"/>
+            <a:ext cx="3882616" cy="1754326"/>
+          </a:xfrm>
+          <a:prstGeom prst="rect">
+            <a:avLst/>
+          </a:prstGeom>
+          <a:solidFill>
+            <a:schemeClr val="accent6">
+              <a:lumMod val="20000"/>
+              <a:lumOff val="80000"/>
+            </a:schemeClr>
+          </a:solidFill>
+        </p:spPr>
+        <p:txBody>
+          <a:bodyPr wrap="square" rtlCol="0">
+            <a:spAutoFit/>
+          </a:bodyPr>
+          <a:lstStyle/>
+          <a:p>
+            <a:pPr lvl="0">
+              <a:defRPr/>
+            </a:pPr>
+            <a:r>
+              <a:rPr lang="en-US">
+                <a:solidFill>
+                  <a:prstClr val="black"/>
+                </a:solidFill>
+                <a:latin typeface="Courier New" pitchFamily="49" charset="0"/>
+                <a:cs typeface="Courier New" pitchFamily="49" charset="0"/>
+              </a:rPr>
+              <a:t>[requires]</a:t>
+            </a:r>
+          </a:p>
+          <a:p>
+            <a:pPr lvl="0">
+              <a:defRPr/>
+            </a:pPr>
+            <a:r>
+              <a:rPr lang="en-US">
+                <a:solidFill>
+                  <a:prstClr val="black"/>
+                </a:solidFill>
+                <a:latin typeface="Courier New" pitchFamily="49" charset="0"/>
+                <a:cs typeface="Courier New" pitchFamily="49" charset="0"/>
+              </a:rPr>
+              <a:t>blaze/3.8.2@</a:t>
+            </a:r>
+          </a:p>
+          <a:p>
+            <a:pPr lvl="0">
+              <a:defRPr/>
+            </a:pPr>
+            <a:endParaRPr lang="en-US">
+              <a:solidFill>
+                <a:prstClr val="black"/>
+              </a:solidFill>
+              <a:latin typeface="Courier New" pitchFamily="49" charset="0"/>
+              <a:cs typeface="Courier New" pitchFamily="49" charset="0"/>
+            </a:endParaRPr>
+          </a:p>
+          <a:p>
+            <a:pPr lvl="0">
+              <a:defRPr/>
+            </a:pPr>
+            <a:r>
+              <a:rPr lang="en-US">
+                <a:solidFill>
+                  <a:prstClr val="black"/>
+                </a:solidFill>
+                <a:latin typeface="Courier New" pitchFamily="49" charset="0"/>
+                <a:cs typeface="Courier New" pitchFamily="49" charset="0"/>
+              </a:rPr>
+              <a:t>[generators]</a:t>
+            </a:r>
+          </a:p>
+          <a:p>
+            <a:pPr lvl="0">
+              <a:defRPr/>
+            </a:pPr>
+            <a:r>
+              <a:rPr lang="en-US">
+                <a:solidFill>
+                  <a:prstClr val="black"/>
+                </a:solidFill>
+                <a:latin typeface="Courier New" pitchFamily="49" charset="0"/>
+                <a:cs typeface="Courier New" pitchFamily="49" charset="0"/>
+              </a:rPr>
+              <a:t>CMakeDeps</a:t>
+            </a:r>
+          </a:p>
+          <a:p>
+            <a:pPr lvl="0">
+              <a:defRPr/>
+            </a:pPr>
+            <a:r>
+              <a:rPr lang="en-US">
+                <a:solidFill>
+                  <a:prstClr val="black"/>
+                </a:solidFill>
+                <a:latin typeface="Courier New" pitchFamily="49" charset="0"/>
+                <a:cs typeface="Courier New" pitchFamily="49" charset="0"/>
+              </a:rPr>
+              <a:t>CMakeToolchain</a:t>
+            </a:r>
+            <a:endParaRPr kumimoji="0" lang="en-US" b="0" i="0" u="none" strike="noStrike" kern="1200" cap="none" spc="0" normalizeH="0" baseline="0" noProof="0" dirty="0">
+              <a:ln>
+                <a:noFill/>
+              </a:ln>
+              <a:solidFill>
+                <a:prstClr val="black"/>
+              </a:solidFill>
+              <a:effectLst/>
+              <a:uLnTx/>
+              <a:uFillTx/>
+              <a:latin typeface="Courier New" pitchFamily="49" charset="0"/>
+              <a:cs typeface="Courier New" pitchFamily="49" charset="0"/>
+            </a:endParaRPr>
+          </a:p>
+        </p:txBody>
+      </p:sp>
+      <p:grpSp>
+        <p:nvGrpSpPr>
+          <p:cNvPr id="7" name="Group 6">
+            <a:extLst>
+              <a:ext uri="{FF2B5EF4-FFF2-40B4-BE49-F238E27FC236}">
+                <a16:creationId xmlns:a16="http://schemas.microsoft.com/office/drawing/2014/main" id="{8D1DBEB0-B557-06A2-DEA1-A7F8BE805909}"/>
+              </a:ext>
+            </a:extLst>
+          </p:cNvPr>
+          <p:cNvGrpSpPr/>
+          <p:nvPr/>
+        </p:nvGrpSpPr>
+        <p:grpSpPr>
+          <a:xfrm>
+            <a:off x="2775858" y="2359861"/>
+            <a:ext cx="5547908" cy="523220"/>
+            <a:chOff x="6226629" y="2076833"/>
+            <a:chExt cx="5547908" cy="523220"/>
+          </a:xfrm>
+        </p:grpSpPr>
+        <p:sp>
+          <p:nvSpPr>
+            <p:cNvPr id="8" name="TextBox 7">
+              <a:extLst>
+                <a:ext uri="{FF2B5EF4-FFF2-40B4-BE49-F238E27FC236}">
+                  <a16:creationId xmlns:a16="http://schemas.microsoft.com/office/drawing/2014/main" id="{C971371F-2DC9-3A08-DFDE-0F24C0B7576C}"/>
+                </a:ext>
+              </a:extLst>
+            </p:cNvPr>
+            <p:cNvSpPr txBox="1"/>
+            <p:nvPr/>
+          </p:nvSpPr>
+          <p:spPr>
+            <a:xfrm>
+              <a:off x="8425543" y="2076833"/>
+              <a:ext cx="3348994" cy="523220"/>
+            </a:xfrm>
+            <a:prstGeom prst="rect">
+              <a:avLst/>
+            </a:prstGeom>
+            <a:noFill/>
+            <a:ln>
+              <a:solidFill>
+                <a:schemeClr val="tx1"/>
+              </a:solidFill>
+            </a:ln>
+          </p:spPr>
+          <p:txBody>
+            <a:bodyPr wrap="square" rtlCol="0">
+              <a:spAutoFit/>
+            </a:bodyPr>
+            <a:lstStyle/>
+            <a:p>
+              <a:pPr algn="ctr"/>
+              <a:r>
+                <a:rPr lang="en-US" sz="2800" dirty="0"/>
+                <a:t>Dependencies</a:t>
+              </a:r>
+              <a:endParaRPr lang="LID4096" sz="2800" dirty="0"/>
+            </a:p>
+          </p:txBody>
+        </p:sp>
+        <p:cxnSp>
+          <p:nvCxnSpPr>
+            <p:cNvPr id="9" name="Straight Arrow Connector 8">
+              <a:extLst>
+                <a:ext uri="{FF2B5EF4-FFF2-40B4-BE49-F238E27FC236}">
+                  <a16:creationId xmlns:a16="http://schemas.microsoft.com/office/drawing/2014/main" id="{D3CA3A64-A19E-614C-9D2E-8EC0B253E329}"/>
+                </a:ext>
+              </a:extLst>
+            </p:cNvPr>
+            <p:cNvCxnSpPr>
+              <a:cxnSpLocks/>
+              <a:stCxn id="8" idx="1"/>
+            </p:cNvCxnSpPr>
+            <p:nvPr/>
+          </p:nvCxnSpPr>
+          <p:spPr>
+            <a:xfrm flipH="1">
+              <a:off x="6226629" y="2338443"/>
+              <a:ext cx="2198914" cy="99957"/>
+            </a:xfrm>
+            <a:prstGeom prst="straightConnector1">
+              <a:avLst/>
+            </a:prstGeom>
+            <a:ln>
+              <a:solidFill>
+                <a:schemeClr val="tx1"/>
+              </a:solidFill>
+              <a:tailEnd type="stealth" w="lg" len="lg"/>
+            </a:ln>
+          </p:spPr>
+          <p:style>
+            <a:lnRef idx="2">
+              <a:schemeClr val="accent1"/>
+            </a:lnRef>
+            <a:fillRef idx="0">
+              <a:schemeClr val="accent1"/>
+            </a:fillRef>
+            <a:effectRef idx="1">
+              <a:schemeClr val="accent1"/>
+            </a:effectRef>
+            <a:fontRef idx="minor">
+              <a:schemeClr val="tx1"/>
+            </a:fontRef>
+          </p:style>
+        </p:cxnSp>
+      </p:grpSp>
+      <p:grpSp>
+        <p:nvGrpSpPr>
+          <p:cNvPr id="10" name="Group 9">
+            <a:extLst>
+              <a:ext uri="{FF2B5EF4-FFF2-40B4-BE49-F238E27FC236}">
+                <a16:creationId xmlns:a16="http://schemas.microsoft.com/office/drawing/2014/main" id="{A8F2148E-D168-66D4-0394-2B03932499A8}"/>
+              </a:ext>
+            </a:extLst>
+          </p:cNvPr>
+          <p:cNvGrpSpPr/>
+          <p:nvPr/>
+        </p:nvGrpSpPr>
+        <p:grpSpPr>
+          <a:xfrm>
+            <a:off x="3200400" y="3311822"/>
+            <a:ext cx="5123366" cy="523220"/>
+            <a:chOff x="6651171" y="2076833"/>
+            <a:chExt cx="5123366" cy="523220"/>
+          </a:xfrm>
+        </p:grpSpPr>
+        <p:sp>
+          <p:nvSpPr>
+            <p:cNvPr id="11" name="TextBox 10">
+              <a:extLst>
+                <a:ext uri="{FF2B5EF4-FFF2-40B4-BE49-F238E27FC236}">
+                  <a16:creationId xmlns:a16="http://schemas.microsoft.com/office/drawing/2014/main" id="{4AF9A261-C482-DD5C-5981-86DCB3D9621D}"/>
+                </a:ext>
+              </a:extLst>
+            </p:cNvPr>
+            <p:cNvSpPr txBox="1"/>
+            <p:nvPr/>
+          </p:nvSpPr>
+          <p:spPr>
+            <a:xfrm>
+              <a:off x="8425543" y="2076833"/>
+              <a:ext cx="3348994" cy="523220"/>
+            </a:xfrm>
+            <a:prstGeom prst="rect">
+              <a:avLst/>
+            </a:prstGeom>
+            <a:noFill/>
+            <a:ln>
+              <a:solidFill>
+                <a:schemeClr val="tx1"/>
+              </a:solidFill>
+            </a:ln>
+          </p:spPr>
+          <p:txBody>
+            <a:bodyPr wrap="square" rtlCol="0">
+              <a:spAutoFit/>
+            </a:bodyPr>
+            <a:lstStyle/>
+            <a:p>
+              <a:pPr algn="ctr"/>
+              <a:r>
+                <a:rPr lang="en-US" sz="2800" dirty="0"/>
+                <a:t>Build generator</a:t>
+              </a:r>
+              <a:endParaRPr lang="LID4096" sz="2800" dirty="0"/>
+            </a:p>
+          </p:txBody>
+        </p:sp>
+        <p:cxnSp>
+          <p:nvCxnSpPr>
+            <p:cNvPr id="12" name="Straight Arrow Connector 11">
+              <a:extLst>
+                <a:ext uri="{FF2B5EF4-FFF2-40B4-BE49-F238E27FC236}">
+                  <a16:creationId xmlns:a16="http://schemas.microsoft.com/office/drawing/2014/main" id="{2C7EBFB8-4B1A-B948-4738-A820942FCF25}"/>
+                </a:ext>
+              </a:extLst>
+            </p:cNvPr>
+            <p:cNvCxnSpPr>
+              <a:cxnSpLocks/>
+              <a:stCxn id="11" idx="1"/>
+            </p:cNvCxnSpPr>
+            <p:nvPr/>
+          </p:nvCxnSpPr>
+          <p:spPr>
+            <a:xfrm flipH="1">
+              <a:off x="6651171" y="2338443"/>
+              <a:ext cx="1774372" cy="78779"/>
+            </a:xfrm>
+            <a:prstGeom prst="straightConnector1">
+              <a:avLst/>
+            </a:prstGeom>
+            <a:ln>
+              <a:solidFill>
+                <a:schemeClr val="tx1"/>
+              </a:solidFill>
+              <a:tailEnd type="stealth" w="lg" len="lg"/>
+            </a:ln>
+          </p:spPr>
+          <p:style>
+            <a:lnRef idx="2">
+              <a:schemeClr val="accent1"/>
+            </a:lnRef>
+            <a:fillRef idx="0">
+              <a:schemeClr val="accent1"/>
+            </a:fillRef>
+            <a:effectRef idx="1">
+              <a:schemeClr val="accent1"/>
+            </a:effectRef>
+            <a:fontRef idx="minor">
+              <a:schemeClr val="tx1"/>
+            </a:fontRef>
+          </p:style>
+        </p:cxnSp>
+      </p:grpSp>
+      <p:sp>
+        <p:nvSpPr>
+          <p:cNvPr id="14" name="TextBox 13">
+            <a:extLst>
+              <a:ext uri="{FF2B5EF4-FFF2-40B4-BE49-F238E27FC236}">
+                <a16:creationId xmlns:a16="http://schemas.microsoft.com/office/drawing/2014/main" id="{C33776B5-EDE2-7785-DB56-371FC5AE1F99}"/>
+              </a:ext>
+            </a:extLst>
+          </p:cNvPr>
+          <p:cNvSpPr txBox="1"/>
+          <p:nvPr/>
+        </p:nvSpPr>
+        <p:spPr>
+          <a:xfrm>
+            <a:off x="466923" y="4735915"/>
+            <a:ext cx="10578793" cy="646331"/>
+          </a:xfrm>
+          <a:prstGeom prst="rect">
+            <a:avLst/>
+          </a:prstGeom>
+          <a:noFill/>
+          <a:ln>
+            <a:solidFill>
+              <a:schemeClr val="tx1"/>
+            </a:solidFill>
+          </a:ln>
+        </p:spPr>
+        <p:txBody>
+          <a:bodyPr wrap="none" rtlCol="0">
+            <a:spAutoFit/>
+          </a:bodyPr>
+          <a:lstStyle/>
+          <a:p>
+            <a:r>
+              <a:rPr lang="en-US" sz="2000" dirty="0"/>
+              <a:t>See</a:t>
+            </a:r>
+          </a:p>
+          <a:p>
+            <a:r>
+              <a:rPr lang="en-US" sz="1600" dirty="0">
+                <a:hlinkClick r:id="rId2"/>
+              </a:rPr>
+              <a:t>https://github.com/gjbex/C-plus-plus-software-engineering/tree/main/source-code/dependency-management/conan</a:t>
+            </a:r>
+            <a:r>
+              <a:rPr lang="en-US" sz="1600" dirty="0"/>
+              <a:t>  </a:t>
+            </a:r>
+            <a:endParaRPr lang="LID4096" sz="1600" dirty="0"/>
+          </a:p>
+        </p:txBody>
+      </p:sp>
+    </p:spTree>
+    <p:extLst>
+      <p:ext uri="{BB962C8B-B14F-4D97-AF65-F5344CB8AC3E}">
+        <p14:creationId xmlns:p14="http://schemas.microsoft.com/office/powerpoint/2010/main" val="72915374"/>
+      </p:ext>
+    </p:extLst>
+  </p:cSld>
+  <p:clrMapOvr>
+    <a:masterClrMapping/>
+  </p:clrMapOvr>
+  <p:timing>
+    <p:tnLst>
+      <p:par>
+        <p:cTn id="1" dur="indefinite" restart="never" nodeType="tmRoot">
+          <p:childTnLst>
+            <p:seq concurrent="1" nextAc="seek">
+              <p:cTn id="2" dur="indefinite" nodeType="mainSeq">
+                <p:childTnLst>
+                  <p:par>
+                    <p:cTn id="3" fill="hold">
+                      <p:stCondLst>
+                        <p:cond delay="indefinite"/>
+                      </p:stCondLst>
+                      <p:childTnLst>
+                        <p:par>
+                          <p:cTn id="4" fill="hold">
+                            <p:stCondLst>
+                              <p:cond delay="0"/>
+                            </p:stCondLst>
+                            <p:childTnLst>
+                              <p:par>
+                                <p:cTn id="5" presetID="1" presetClass="entr" presetSubtype="0" fill="hold" nodeType="clickEffect">
+                                  <p:stCondLst>
+                                    <p:cond delay="0"/>
+                                  </p:stCondLst>
+                                  <p:childTnLst>
+                                    <p:set>
+                                      <p:cBhvr>
+                                        <p:cTn id="6" dur="1" fill="hold">
+                                          <p:stCondLst>
+                                            <p:cond delay="0"/>
+                                          </p:stCondLst>
+                                        </p:cTn>
+                                        <p:tgtEl>
+                                          <p:spTgt spid="7"/>
+                                        </p:tgtEl>
+                                        <p:attrNameLst>
+                                          <p:attrName>style.visibility</p:attrName>
+                                        </p:attrNameLst>
+                                      </p:cBhvr>
+                                      <p:to>
+                                        <p:strVal val="visible"/>
+                                      </p:to>
+                                    </p:set>
+                                  </p:childTnLst>
+                                </p:cTn>
+                              </p:par>
+                            </p:childTnLst>
+                          </p:cTn>
+                        </p:par>
+                      </p:childTnLst>
+                    </p:cTn>
+                  </p:par>
+                  <p:par>
+                    <p:cTn id="7" fill="hold">
+                      <p:stCondLst>
+                        <p:cond delay="indefinite"/>
+                      </p:stCondLst>
+                      <p:childTnLst>
+                        <p:par>
+                          <p:cTn id="8" fill="hold">
+                            <p:stCondLst>
+                              <p:cond delay="0"/>
+                            </p:stCondLst>
+                            <p:childTnLst>
+                              <p:par>
+                                <p:cTn id="9" presetID="1" presetClass="entr" presetSubtype="0" fill="hold" nodeType="clickEffect">
+                                  <p:stCondLst>
+                                    <p:cond delay="0"/>
+                                  </p:stCondLst>
+                                  <p:childTnLst>
+                                    <p:set>
+                                      <p:cBhvr>
+                                        <p:cTn id="10" dur="1" fill="hold">
+                                          <p:stCondLst>
+                                            <p:cond delay="0"/>
+                                          </p:stCondLst>
+                                        </p:cTn>
+                                        <p:tgtEl>
+                                          <p:spTgt spid="10"/>
+                                        </p:tgtEl>
+                                        <p:attrNameLst>
+                                          <p:attrName>style.visibility</p:attrName>
+                                        </p:attrNameLst>
+                                      </p:cBhvr>
+                                      <p:to>
+                                        <p:strVal val="visible"/>
+                                      </p:to>
+                                    </p:set>
+                                  </p:childTnLst>
+                                </p:cTn>
+                              </p:par>
+                            </p:childTnLst>
+                          </p:cTn>
+                        </p:par>
+                      </p:childTnLst>
+                    </p:cTn>
+                  </p:par>
+                  <p:par>
+                    <p:cTn id="11" fill="hold">
+                      <p:stCondLst>
+                        <p:cond delay="indefinite"/>
+                      </p:stCondLst>
+                      <p:childTnLst>
+                        <p:par>
+                          <p:cTn id="12" fill="hold">
+                            <p:stCondLst>
+                              <p:cond delay="0"/>
+                            </p:stCondLst>
+                            <p:childTnLst>
+                              <p:par>
+                                <p:cTn id="13" presetID="1" presetClass="entr" presetSubtype="0" fill="hold" grpId="0" nodeType="clickEffect">
+                                  <p:stCondLst>
+                                    <p:cond delay="0"/>
+                                  </p:stCondLst>
+                                  <p:childTnLst>
+                                    <p:set>
+                                      <p:cBhvr>
+                                        <p:cTn id="14" dur="1" fill="hold">
+                                          <p:stCondLst>
+                                            <p:cond delay="0"/>
+                                          </p:stCondLst>
+                                        </p:cTn>
+                                        <p:tgtEl>
+                                          <p:spTgt spid="14"/>
+                                        </p:tgtEl>
+                                        <p:attrNameLst>
+                                          <p:attrName>style.visibility</p:attrName>
+                                        </p:attrNameLst>
+                                      </p:cBhvr>
+                                      <p:to>
+                                        <p:strVal val="visible"/>
+                                      </p:to>
+                                    </p:set>
+                                  </p:childTnLst>
+                                </p:cTn>
+                              </p:par>
+                            </p:childTnLst>
+                          </p:cTn>
+                        </p:par>
+                      </p:childTnLst>
+                    </p:cTn>
+                  </p:par>
+                </p:childTnLst>
+              </p:cTn>
+              <p:prevCondLst>
+                <p:cond evt="onPrev" delay="0">
+                  <p:tgtEl>
+                    <p:sldTgt/>
+                  </p:tgtEl>
+                </p:cond>
+              </p:prevCondLst>
+              <p:nextCondLst>
+                <p:cond evt="onNext" delay="0">
+                  <p:tgtEl>
+                    <p:sldTgt/>
+                  </p:tgtEl>
+                </p:cond>
+              </p:nextCondLst>
+            </p:seq>
+          </p:childTnLst>
+        </p:cTn>
+      </p:par>
+    </p:tnLst>
+    <p:bldLst>
+      <p:bldP spid="14" grpId="0" animBg="1"/>
+    </p:bldLst>
+  </p:timing>
+</p:sld>
+</file>
+
+<file path=ppt/slides/slide31.xml><?xml version="1.0" encoding="utf-8"?>
+<p:sld xmlns:a="http://schemas.openxmlformats.org/drawingml/2006/main" xmlns:r="http://schemas.openxmlformats.org/officeDocument/2006/relationships" xmlns:p="http://schemas.openxmlformats.org/presentationml/2006/main">
+  <p:cSld>
+    <p:spTree>
+      <p:nvGrpSpPr>
+        <p:cNvPr id="1" name=""/>
+        <p:cNvGrpSpPr/>
+        <p:nvPr/>
+      </p:nvGrpSpPr>
+      <p:grpSpPr>
+        <a:xfrm>
+          <a:off x="0" y="0"/>
+          <a:ext cx="0" cy="0"/>
+          <a:chOff x="0" y="0"/>
+          <a:chExt cx="0" cy="0"/>
+        </a:xfrm>
+      </p:grpSpPr>
+      <p:sp>
+        <p:nvSpPr>
+          <p:cNvPr id="2" name="Title 1">
+            <a:extLst>
+              <a:ext uri="{FF2B5EF4-FFF2-40B4-BE49-F238E27FC236}">
+                <a16:creationId xmlns:a16="http://schemas.microsoft.com/office/drawing/2014/main" id="{D2382BC6-BD02-92B3-6DF5-32826DD98E9F}"/>
+              </a:ext>
+            </a:extLst>
+          </p:cNvPr>
+          <p:cNvSpPr>
+            <a:spLocks noGrp="1"/>
+          </p:cNvSpPr>
+          <p:nvPr>
+            <p:ph type="title"/>
+          </p:nvPr>
+        </p:nvSpPr>
+        <p:spPr/>
+        <p:txBody>
+          <a:bodyPr/>
+          <a:lstStyle/>
+          <a:p>
+            <a:r>
+              <a:rPr lang="en-US" dirty="0" err="1"/>
+              <a:t>vcpkg</a:t>
+            </a:r>
+            <a:endParaRPr lang="LID4096" dirty="0"/>
+          </a:p>
+        </p:txBody>
+      </p:sp>
+      <p:sp>
+        <p:nvSpPr>
+          <p:cNvPr id="4" name="Content Placeholder 3">
+            <a:extLst>
+              <a:ext uri="{FF2B5EF4-FFF2-40B4-BE49-F238E27FC236}">
+                <a16:creationId xmlns:a16="http://schemas.microsoft.com/office/drawing/2014/main" id="{1BC03A33-90AE-45DE-95DE-9952DA2C49FD}"/>
+              </a:ext>
+            </a:extLst>
+          </p:cNvPr>
+          <p:cNvSpPr>
+            <a:spLocks noGrp="1"/>
+          </p:cNvSpPr>
+          <p:nvPr>
+            <p:ph idx="1"/>
+          </p:nvPr>
+        </p:nvSpPr>
+        <p:spPr/>
+        <p:txBody>
+          <a:bodyPr/>
+          <a:lstStyle/>
+          <a:p>
+            <a:r>
+              <a:rPr lang="en-US" dirty="0"/>
+              <a:t>Install </a:t>
+            </a:r>
+            <a:r>
+              <a:rPr lang="en-US" dirty="0" err="1"/>
+              <a:t>vcpkg</a:t>
+            </a:r>
+            <a:endParaRPr lang="en-US" dirty="0"/>
+          </a:p>
+          <a:p>
+            <a:endParaRPr lang="en-US" dirty="0"/>
+          </a:p>
+          <a:p>
+            <a:endParaRPr lang="en-US" dirty="0"/>
+          </a:p>
+          <a:p>
+            <a:r>
+              <a:rPr lang="en-US" dirty="0"/>
+              <a:t>Install packages, e.g., blaze</a:t>
+            </a:r>
+          </a:p>
+          <a:p>
+            <a:endParaRPr lang="en-US" dirty="0"/>
+          </a:p>
+          <a:p>
+            <a:r>
+              <a:rPr lang="en-US" dirty="0"/>
+              <a:t>Build your software</a:t>
+            </a:r>
+            <a:endParaRPr lang="LID4096" dirty="0"/>
+          </a:p>
+        </p:txBody>
+      </p:sp>
+      <p:sp>
+        <p:nvSpPr>
+          <p:cNvPr id="3" name="Slide Number Placeholder 2">
+            <a:extLst>
+              <a:ext uri="{FF2B5EF4-FFF2-40B4-BE49-F238E27FC236}">
+                <a16:creationId xmlns:a16="http://schemas.microsoft.com/office/drawing/2014/main" id="{234AA61E-C7B7-2C01-844D-B47CFE0199FA}"/>
+              </a:ext>
+            </a:extLst>
+          </p:cNvPr>
+          <p:cNvSpPr>
+            <a:spLocks noGrp="1"/>
+          </p:cNvSpPr>
+          <p:nvPr>
+            <p:ph type="sldNum" sz="quarter" idx="12"/>
+          </p:nvPr>
+        </p:nvSpPr>
+        <p:spPr/>
+        <p:txBody>
+          <a:bodyPr/>
+          <a:lstStyle/>
+          <a:p>
+            <a:fld id="{FDB1AA33-DFBB-49AC-8CEE-23FFECEB5648}" type="slidenum">
+              <a:rPr lang="LID4096" smtClean="0"/>
+              <a:t>31</a:t>
+            </a:fld>
+            <a:endParaRPr lang="LID4096"/>
+          </a:p>
+        </p:txBody>
+      </p:sp>
+      <p:sp>
+        <p:nvSpPr>
+          <p:cNvPr id="9" name="TextBox 8">
+            <a:extLst>
+              <a:ext uri="{FF2B5EF4-FFF2-40B4-BE49-F238E27FC236}">
+                <a16:creationId xmlns:a16="http://schemas.microsoft.com/office/drawing/2014/main" id="{5C5911E9-B258-F3C0-F651-E01F9EEDC7BF}"/>
+              </a:ext>
+            </a:extLst>
+          </p:cNvPr>
+          <p:cNvSpPr txBox="1"/>
+          <p:nvPr/>
+        </p:nvSpPr>
+        <p:spPr>
+          <a:xfrm>
+            <a:off x="1320756" y="2321241"/>
+            <a:ext cx="10348728" cy="923330"/>
+          </a:xfrm>
+          <a:prstGeom prst="rect">
+            <a:avLst/>
+          </a:prstGeom>
+          <a:solidFill>
+            <a:schemeClr val="tx1"/>
+          </a:solidFill>
+          <a:ln>
+            <a:solidFill>
+              <a:schemeClr val="tx1"/>
+            </a:solidFill>
+          </a:ln>
+        </p:spPr>
+        <p:txBody>
+          <a:bodyPr wrap="square" rtlCol="0">
+            <a:spAutoFit/>
+          </a:bodyPr>
+          <a:lstStyle/>
+          <a:p>
+            <a:r>
+              <a:rPr lang="en-US" b="1" dirty="0">
+                <a:solidFill>
+                  <a:schemeClr val="bg1"/>
+                </a:solidFill>
+                <a:latin typeface="Courier New" pitchFamily="49" charset="0"/>
+                <a:cs typeface="Courier New" pitchFamily="49" charset="0"/>
+              </a:rPr>
+              <a:t>$ git clone https://github.com/microsoft/vcpkg</a:t>
+            </a:r>
+          </a:p>
+          <a:p>
+            <a:r>
+              <a:rPr lang="en-US" b="1" dirty="0">
+                <a:solidFill>
+                  <a:schemeClr val="bg1"/>
+                </a:solidFill>
+                <a:latin typeface="Courier New" pitchFamily="49" charset="0"/>
+                <a:cs typeface="Courier New" pitchFamily="49" charset="0"/>
+              </a:rPr>
+              <a:t>$ ./vcpkg/bootstrap-vcpkg.sh</a:t>
+            </a:r>
+          </a:p>
+          <a:p>
+            <a:r>
+              <a:rPr lang="en-US" b="1" dirty="0">
+                <a:solidFill>
+                  <a:schemeClr val="bg1"/>
+                </a:solidFill>
+                <a:latin typeface="Courier New" pitchFamily="49" charset="0"/>
+                <a:cs typeface="Courier New" pitchFamily="49" charset="0"/>
+              </a:rPr>
+              <a:t>$ export VCPKG_DIR=$(</a:t>
+            </a:r>
+            <a:r>
+              <a:rPr lang="en-US" b="1" dirty="0" err="1">
+                <a:solidFill>
+                  <a:schemeClr val="bg1"/>
+                </a:solidFill>
+                <a:latin typeface="Courier New" pitchFamily="49" charset="0"/>
+                <a:cs typeface="Courier New" pitchFamily="49" charset="0"/>
+              </a:rPr>
+              <a:t>pwdd</a:t>
+            </a:r>
+            <a:r>
+              <a:rPr lang="en-US" b="1" dirty="0">
+                <a:solidFill>
+                  <a:schemeClr val="bg1"/>
+                </a:solidFill>
+                <a:latin typeface="Courier New" pitchFamily="49" charset="0"/>
+                <a:cs typeface="Courier New" pitchFamily="49" charset="0"/>
+              </a:rPr>
+              <a:t>)/</a:t>
+            </a:r>
+            <a:r>
+              <a:rPr lang="en-US" b="1" dirty="0" err="1">
+                <a:solidFill>
+                  <a:schemeClr val="bg1"/>
+                </a:solidFill>
+                <a:latin typeface="Courier New" pitchFamily="49" charset="0"/>
+                <a:cs typeface="Courier New" pitchFamily="49" charset="0"/>
+              </a:rPr>
+              <a:t>vcpkg</a:t>
+            </a:r>
+            <a:endParaRPr lang="nl-BE" b="1" dirty="0">
+              <a:solidFill>
+                <a:schemeClr val="bg1"/>
+              </a:solidFill>
+              <a:latin typeface="Courier New" pitchFamily="49" charset="0"/>
+              <a:cs typeface="Courier New" pitchFamily="49" charset="0"/>
+            </a:endParaRPr>
+          </a:p>
+        </p:txBody>
+      </p:sp>
+      <p:sp>
+        <p:nvSpPr>
+          <p:cNvPr id="10" name="TextBox 9">
+            <a:extLst>
+              <a:ext uri="{FF2B5EF4-FFF2-40B4-BE49-F238E27FC236}">
+                <a16:creationId xmlns:a16="http://schemas.microsoft.com/office/drawing/2014/main" id="{16CFBE6D-9550-7036-54D5-55707E6A573F}"/>
+              </a:ext>
+            </a:extLst>
+          </p:cNvPr>
+          <p:cNvSpPr txBox="1"/>
+          <p:nvPr/>
+        </p:nvSpPr>
+        <p:spPr>
+          <a:xfrm>
+            <a:off x="1320755" y="3890428"/>
+            <a:ext cx="10348729" cy="374610"/>
+          </a:xfrm>
+          <a:prstGeom prst="rect">
+            <a:avLst/>
+          </a:prstGeom>
+          <a:solidFill>
+            <a:schemeClr val="tx1"/>
+          </a:solidFill>
+          <a:ln>
+            <a:solidFill>
+              <a:schemeClr val="tx1"/>
+            </a:solidFill>
+          </a:ln>
+        </p:spPr>
+        <p:txBody>
+          <a:bodyPr wrap="square" rtlCol="0">
+            <a:spAutoFit/>
+          </a:bodyPr>
+          <a:lstStyle/>
+          <a:p>
+            <a:r>
+              <a:rPr lang="en-US" b="1" dirty="0">
+                <a:solidFill>
+                  <a:schemeClr val="bg1"/>
+                </a:solidFill>
+                <a:latin typeface="Courier New" pitchFamily="49" charset="0"/>
+                <a:cs typeface="Courier New" pitchFamily="49" charset="0"/>
+              </a:rPr>
+              <a:t>$ $VCPKG_DIR/</a:t>
+            </a:r>
+            <a:r>
+              <a:rPr lang="en-US" b="1" dirty="0" err="1">
+                <a:solidFill>
+                  <a:schemeClr val="bg1"/>
+                </a:solidFill>
+                <a:latin typeface="Courier New" pitchFamily="49" charset="0"/>
+                <a:cs typeface="Courier New" pitchFamily="49" charset="0"/>
+              </a:rPr>
+              <a:t>vcpkg</a:t>
+            </a:r>
+            <a:r>
+              <a:rPr lang="en-US" b="1" dirty="0">
+                <a:solidFill>
+                  <a:schemeClr val="bg1"/>
+                </a:solidFill>
+                <a:latin typeface="Courier New" pitchFamily="49" charset="0"/>
+                <a:cs typeface="Courier New" pitchFamily="49" charset="0"/>
+              </a:rPr>
+              <a:t> install blaze</a:t>
+            </a:r>
+            <a:endParaRPr lang="nl-BE" b="1" dirty="0">
+              <a:solidFill>
+                <a:schemeClr val="bg1"/>
+              </a:solidFill>
+              <a:latin typeface="Courier New" pitchFamily="49" charset="0"/>
+              <a:cs typeface="Courier New" pitchFamily="49" charset="0"/>
+            </a:endParaRPr>
+          </a:p>
+        </p:txBody>
+      </p:sp>
+      <p:sp>
+        <p:nvSpPr>
+          <p:cNvPr id="13" name="TextBox 12">
+            <a:extLst>
+              <a:ext uri="{FF2B5EF4-FFF2-40B4-BE49-F238E27FC236}">
+                <a16:creationId xmlns:a16="http://schemas.microsoft.com/office/drawing/2014/main" id="{F9EBD776-B10E-52CA-3FAF-DA4973E7C030}"/>
+              </a:ext>
+            </a:extLst>
+          </p:cNvPr>
+          <p:cNvSpPr txBox="1"/>
+          <p:nvPr/>
+        </p:nvSpPr>
+        <p:spPr>
+          <a:xfrm>
+            <a:off x="1320756" y="4849029"/>
+            <a:ext cx="10348730" cy="923330"/>
+          </a:xfrm>
+          <a:prstGeom prst="rect">
+            <a:avLst/>
+          </a:prstGeom>
+          <a:solidFill>
+            <a:schemeClr val="tx1"/>
+          </a:solidFill>
+          <a:ln>
+            <a:solidFill>
+              <a:schemeClr val="tx1"/>
+            </a:solidFill>
+          </a:ln>
+        </p:spPr>
+        <p:txBody>
+          <a:bodyPr wrap="square" rtlCol="0">
+            <a:spAutoFit/>
+          </a:bodyPr>
+          <a:lstStyle/>
+          <a:p>
+            <a:r>
+              <a:rPr lang="en-US" b="1" dirty="0">
+                <a:solidFill>
+                  <a:schemeClr val="bg1"/>
+                </a:solidFill>
+                <a:latin typeface="Courier New" pitchFamily="49" charset="0"/>
+                <a:cs typeface="Courier New" pitchFamily="49" charset="0"/>
+              </a:rPr>
+              <a:t>$ </a:t>
+            </a:r>
+            <a:r>
+              <a:rPr lang="en-US" b="1" dirty="0" err="1">
+                <a:solidFill>
+                  <a:schemeClr val="bg1"/>
+                </a:solidFill>
+                <a:latin typeface="Courier New" pitchFamily="49" charset="0"/>
+                <a:cs typeface="Courier New" pitchFamily="49" charset="0"/>
+              </a:rPr>
+              <a:t>cmake</a:t>
+            </a:r>
+            <a:r>
+              <a:rPr lang="en-US" b="1" dirty="0">
+                <a:solidFill>
+                  <a:schemeClr val="bg1"/>
+                </a:solidFill>
+                <a:latin typeface="Courier New" pitchFamily="49" charset="0"/>
+                <a:cs typeface="Courier New" pitchFamily="49" charset="0"/>
+              </a:rPr>
+              <a:t>  -S .  -B build/  \</a:t>
+            </a:r>
+          </a:p>
+          <a:p>
+            <a:r>
+              <a:rPr lang="en-US" b="1" dirty="0">
+                <a:solidFill>
+                  <a:schemeClr val="bg1"/>
+                </a:solidFill>
+                <a:latin typeface="Courier New" pitchFamily="49" charset="0"/>
+                <a:cs typeface="Courier New" pitchFamily="49" charset="0"/>
+              </a:rPr>
+              <a:t>      -DCMAKE_TOOLCHAIN_FILE=$VCPKG_DIR/scripts/</a:t>
+            </a:r>
+            <a:r>
+              <a:rPr lang="en-US" b="1" dirty="0" err="1">
+                <a:solidFill>
+                  <a:schemeClr val="bg1"/>
+                </a:solidFill>
+                <a:latin typeface="Courier New" pitchFamily="49" charset="0"/>
+                <a:cs typeface="Courier New" pitchFamily="49" charset="0"/>
+              </a:rPr>
+              <a:t>buildsystems</a:t>
+            </a:r>
+            <a:r>
+              <a:rPr lang="en-US" b="1" dirty="0">
+                <a:solidFill>
+                  <a:schemeClr val="bg1"/>
+                </a:solidFill>
+                <a:latin typeface="Courier New" pitchFamily="49" charset="0"/>
+                <a:cs typeface="Courier New" pitchFamily="49" charset="0"/>
+              </a:rPr>
+              <a:t>/</a:t>
+            </a:r>
+            <a:r>
+              <a:rPr lang="en-US" b="1" dirty="0" err="1">
+                <a:solidFill>
+                  <a:schemeClr val="bg1"/>
+                </a:solidFill>
+                <a:latin typeface="Courier New" pitchFamily="49" charset="0"/>
+                <a:cs typeface="Courier New" pitchFamily="49" charset="0"/>
+              </a:rPr>
+              <a:t>vcpkg</a:t>
+            </a:r>
+            <a:r>
+              <a:rPr lang="en-US" b="1" dirty="0">
+                <a:solidFill>
+                  <a:schemeClr val="bg1"/>
+                </a:solidFill>
+                <a:latin typeface="Courier New" pitchFamily="49" charset="0"/>
+                <a:cs typeface="Courier New" pitchFamily="49" charset="0"/>
+              </a:rPr>
+              <a:t> .</a:t>
+            </a:r>
+            <a:r>
+              <a:rPr lang="en-US" b="1" dirty="0" err="1">
+                <a:solidFill>
+                  <a:schemeClr val="bg1"/>
+                </a:solidFill>
+                <a:latin typeface="Courier New" pitchFamily="49" charset="0"/>
+                <a:cs typeface="Courier New" pitchFamily="49" charset="0"/>
+              </a:rPr>
+              <a:t>cmake</a:t>
+            </a:r>
+            <a:endParaRPr lang="en-US" b="1" dirty="0">
+              <a:solidFill>
+                <a:schemeClr val="bg1"/>
+              </a:solidFill>
+              <a:latin typeface="Courier New" pitchFamily="49" charset="0"/>
+              <a:cs typeface="Courier New" pitchFamily="49" charset="0"/>
+            </a:endParaRPr>
+          </a:p>
+          <a:p>
+            <a:r>
+              <a:rPr lang="en-US" b="1" dirty="0">
+                <a:solidFill>
+                  <a:schemeClr val="bg1"/>
+                </a:solidFill>
+                <a:latin typeface="Courier New" pitchFamily="49" charset="0"/>
+                <a:cs typeface="Courier New" pitchFamily="49" charset="0"/>
+              </a:rPr>
+              <a:t>$ </a:t>
+            </a:r>
+            <a:r>
+              <a:rPr lang="en-US" b="1" dirty="0" err="1">
+                <a:solidFill>
+                  <a:schemeClr val="bg1"/>
+                </a:solidFill>
+                <a:latin typeface="Courier New" pitchFamily="49" charset="0"/>
+                <a:cs typeface="Courier New" pitchFamily="49" charset="0"/>
+              </a:rPr>
+              <a:t>cmake</a:t>
+            </a:r>
+            <a:r>
+              <a:rPr lang="en-US" b="1" dirty="0">
+                <a:solidFill>
+                  <a:schemeClr val="bg1"/>
+                </a:solidFill>
+                <a:latin typeface="Courier New" pitchFamily="49" charset="0"/>
+                <a:cs typeface="Courier New" pitchFamily="49" charset="0"/>
+              </a:rPr>
+              <a:t>  --build build/</a:t>
+            </a:r>
+            <a:endParaRPr lang="nl-BE" b="1" dirty="0">
+              <a:solidFill>
+                <a:schemeClr val="bg1"/>
+              </a:solidFill>
+              <a:latin typeface="Courier New" pitchFamily="49" charset="0"/>
+              <a:cs typeface="Courier New" pitchFamily="49" charset="0"/>
+            </a:endParaRPr>
+          </a:p>
+        </p:txBody>
+      </p:sp>
+    </p:spTree>
+    <p:extLst>
+      <p:ext uri="{BB962C8B-B14F-4D97-AF65-F5344CB8AC3E}">
+        <p14:creationId xmlns:p14="http://schemas.microsoft.com/office/powerpoint/2010/main" val="2060789449"/>
+      </p:ext>
+    </p:extLst>
+  </p:cSld>
+  <p:clrMapOvr>
+    <a:masterClrMapping/>
+  </p:clrMapOvr>
+  <p:timing>
+    <p:tnLst>
+      <p:par>
+        <p:cTn id="1" dur="indefinite" restart="never" nodeType="tmRoot">
+          <p:childTnLst>
+            <p:seq concurrent="1" nextAc="seek">
+              <p:cTn id="2" dur="indefinite" nodeType="mainSeq">
+                <p:childTnLst>
+                  <p:par>
+                    <p:cTn id="3" fill="hold">
+                      <p:stCondLst>
+                        <p:cond delay="indefinite"/>
+                        <p:cond evt="onBegin" delay="0">
+                          <p:tn val="2"/>
+                        </p:cond>
+                      </p:stCondLst>
+                      <p:childTnLst>
+                        <p:par>
+                          <p:cTn id="4" fill="hold">
+                            <p:stCondLst>
+                              <p:cond delay="0"/>
+                            </p:stCondLst>
+                            <p:childTnLst>
+                              <p:par>
+                                <p:cTn id="5" presetID="1" presetClass="entr" presetSubtype="0" fill="hold" grpId="0" nodeType="withEffect">
+                                  <p:stCondLst>
+                                    <p:cond delay="0"/>
+                                  </p:stCondLst>
+                                  <p:childTnLst>
+                                    <p:set>
+                                      <p:cBhvr>
+                                        <p:cTn id="6" dur="1" fill="hold">
+                                          <p:stCondLst>
+                                            <p:cond delay="0"/>
+                                          </p:stCondLst>
+                                        </p:cTn>
+                                        <p:tgtEl>
+                                          <p:spTgt spid="4">
+                                            <p:txEl>
+                                              <p:pRg st="0" end="0"/>
+                                            </p:txEl>
+                                          </p:spTgt>
+                                        </p:tgtEl>
+                                        <p:attrNameLst>
+                                          <p:attrName>style.visibility</p:attrName>
+                                        </p:attrNameLst>
+                                      </p:cBhvr>
+                                      <p:to>
+                                        <p:strVal val="visible"/>
+                                      </p:to>
+                                    </p:set>
+                                  </p:childTnLst>
+                                </p:cTn>
+                              </p:par>
+                              <p:par>
+                                <p:cTn id="7" presetID="1" presetClass="entr" presetSubtype="0" fill="hold" grpId="0" nodeType="withEffect">
+                                  <p:stCondLst>
+                                    <p:cond delay="0"/>
+                                  </p:stCondLst>
+                                  <p:childTnLst>
+                                    <p:set>
+                                      <p:cBhvr>
+                                        <p:cTn id="8" dur="1" fill="hold">
+                                          <p:stCondLst>
+                                            <p:cond delay="0"/>
+                                          </p:stCondLst>
+                                        </p:cTn>
+                                        <p:tgtEl>
+                                          <p:spTgt spid="9"/>
+                                        </p:tgtEl>
+                                        <p:attrNameLst>
+                                          <p:attrName>style.visibility</p:attrName>
+                                        </p:attrNameLst>
+                                      </p:cBhvr>
+                                      <p:to>
+                                        <p:strVal val="visible"/>
+                                      </p:to>
+                                    </p:set>
+                                  </p:childTnLst>
+                                </p:cTn>
+                              </p:par>
+                            </p:childTnLst>
+                          </p:cTn>
+                        </p:par>
+                      </p:childTnLst>
+                    </p:cTn>
+                  </p:par>
+                  <p:par>
+                    <p:cTn id="9" fill="hold">
+                      <p:stCondLst>
+                        <p:cond delay="indefinite"/>
+                      </p:stCondLst>
+                      <p:childTnLst>
+                        <p:par>
+                          <p:cTn id="10" fill="hold">
+                            <p:stCondLst>
+                              <p:cond delay="0"/>
+                            </p:stCondLst>
+                            <p:childTnLst>
+                              <p:par>
+                                <p:cTn id="11" presetID="1" presetClass="entr" presetSubtype="0" fill="hold" grpId="0" nodeType="clickEffect">
+                                  <p:stCondLst>
+                                    <p:cond delay="0"/>
+                                  </p:stCondLst>
+                                  <p:childTnLst>
+                                    <p:set>
+                                      <p:cBhvr>
+                                        <p:cTn id="12" dur="1" fill="hold">
+                                          <p:stCondLst>
+                                            <p:cond delay="0"/>
+                                          </p:stCondLst>
+                                        </p:cTn>
+                                        <p:tgtEl>
+                                          <p:spTgt spid="4">
+                                            <p:txEl>
+                                              <p:pRg st="3" end="3"/>
+                                            </p:txEl>
+                                          </p:spTgt>
+                                        </p:tgtEl>
+                                        <p:attrNameLst>
+                                          <p:attrName>style.visibility</p:attrName>
+                                        </p:attrNameLst>
+                                      </p:cBhvr>
+                                      <p:to>
+                                        <p:strVal val="visible"/>
+                                      </p:to>
+                                    </p:set>
+                                  </p:childTnLst>
+                                </p:cTn>
+                              </p:par>
+                              <p:par>
+                                <p:cTn id="13" presetID="1" presetClass="entr" presetSubtype="0" fill="hold" grpId="0" nodeType="withEffect">
+                                  <p:stCondLst>
+                                    <p:cond delay="0"/>
+                                  </p:stCondLst>
+                                  <p:childTnLst>
+                                    <p:set>
+                                      <p:cBhvr>
+                                        <p:cTn id="14" dur="1" fill="hold">
+                                          <p:stCondLst>
+                                            <p:cond delay="0"/>
+                                          </p:stCondLst>
+                                        </p:cTn>
+                                        <p:tgtEl>
+                                          <p:spTgt spid="10"/>
+                                        </p:tgtEl>
+                                        <p:attrNameLst>
+                                          <p:attrName>style.visibility</p:attrName>
+                                        </p:attrNameLst>
+                                      </p:cBhvr>
+                                      <p:to>
+                                        <p:strVal val="visible"/>
+                                      </p:to>
+                                    </p:set>
+                                  </p:childTnLst>
+                                </p:cTn>
+                              </p:par>
+                            </p:childTnLst>
+                          </p:cTn>
+                        </p:par>
+                      </p:childTnLst>
+                    </p:cTn>
+                  </p:par>
+                  <p:par>
+                    <p:cTn id="15" fill="hold">
+                      <p:stCondLst>
+                        <p:cond delay="indefinite"/>
+                      </p:stCondLst>
+                      <p:childTnLst>
+                        <p:par>
+                          <p:cTn id="16" fill="hold">
+                            <p:stCondLst>
+                              <p:cond delay="0"/>
+                            </p:stCondLst>
+                            <p:childTnLst>
+                              <p:par>
+                                <p:cTn id="17" presetID="1" presetClass="entr" presetSubtype="0" fill="hold" grpId="0" nodeType="clickEffect">
+                                  <p:stCondLst>
+                                    <p:cond delay="0"/>
+                                  </p:stCondLst>
+                                  <p:childTnLst>
+                                    <p:set>
+                                      <p:cBhvr>
+                                        <p:cTn id="18" dur="1" fill="hold">
+                                          <p:stCondLst>
+                                            <p:cond delay="0"/>
+                                          </p:stCondLst>
+                                        </p:cTn>
+                                        <p:tgtEl>
+                                          <p:spTgt spid="4">
+                                            <p:txEl>
+                                              <p:pRg st="5" end="5"/>
+                                            </p:txEl>
+                                          </p:spTgt>
+                                        </p:tgtEl>
+                                        <p:attrNameLst>
+                                          <p:attrName>style.visibility</p:attrName>
+                                        </p:attrNameLst>
+                                      </p:cBhvr>
+                                      <p:to>
+                                        <p:strVal val="visible"/>
+                                      </p:to>
+                                    </p:set>
+                                  </p:childTnLst>
+                                </p:cTn>
+                              </p:par>
+                              <p:par>
+                                <p:cTn id="19" presetID="1" presetClass="entr" presetSubtype="0" fill="hold" grpId="0" nodeType="withEffect">
+                                  <p:stCondLst>
+                                    <p:cond delay="0"/>
+                                  </p:stCondLst>
+                                  <p:childTnLst>
+                                    <p:set>
+                                      <p:cBhvr>
+                                        <p:cTn id="20" dur="1" fill="hold">
+                                          <p:stCondLst>
+                                            <p:cond delay="0"/>
+                                          </p:stCondLst>
+                                        </p:cTn>
+                                        <p:tgtEl>
+                                          <p:spTgt spid="13"/>
+                                        </p:tgtEl>
+                                        <p:attrNameLst>
+                                          <p:attrName>style.visibility</p:attrName>
+                                        </p:attrNameLst>
+                                      </p:cBhvr>
+                                      <p:to>
+                                        <p:strVal val="visible"/>
+                                      </p:to>
+                                    </p:set>
+                                  </p:childTnLst>
+                                </p:cTn>
+                              </p:par>
+                            </p:childTnLst>
+                          </p:cTn>
+                        </p:par>
+                      </p:childTnLst>
+                    </p:cTn>
+                  </p:par>
+                </p:childTnLst>
+              </p:cTn>
+              <p:prevCondLst>
+                <p:cond evt="onPrev" delay="0">
+                  <p:tgtEl>
+                    <p:sldTgt/>
+                  </p:tgtEl>
+                </p:cond>
+              </p:prevCondLst>
+              <p:nextCondLst>
+                <p:cond evt="onNext" delay="0">
+                  <p:tgtEl>
+                    <p:sldTgt/>
+                  </p:tgtEl>
+                </p:cond>
+              </p:nextCondLst>
+            </p:seq>
+          </p:childTnLst>
+        </p:cTn>
+      </p:par>
+    </p:tnLst>
+    <p:bldLst>
+      <p:bldP spid="4" grpId="0" uiExpand="1" build="p"/>
+      <p:bldP spid="9" grpId="0" animBg="1"/>
+      <p:bldP spid="10" grpId="0" animBg="1"/>
+      <p:bldP spid="13" grpId="0" animBg="1"/>
+    </p:bldLst>
+  </p:timing>
+</p:sld>
+</file>
+
+<file path=ppt/slides/slide32.xml><?xml version="1.0" encoding="utf-8"?>
+<p:sld xmlns:a="http://schemas.openxmlformats.org/drawingml/2006/main" xmlns:r="http://schemas.openxmlformats.org/officeDocument/2006/relationships" xmlns:p="http://schemas.openxmlformats.org/presentationml/2006/main">
+  <p:cSld>
+    <p:spTree>
+      <p:nvGrpSpPr>
+        <p:cNvPr id="1" name=""/>
+        <p:cNvGrpSpPr/>
+        <p:nvPr/>
+      </p:nvGrpSpPr>
+      <p:grpSpPr>
+        <a:xfrm>
+          <a:off x="0" y="0"/>
+          <a:ext cx="0" cy="0"/>
+          <a:chOff x="0" y="0"/>
+          <a:chExt cx="0" cy="0"/>
+        </a:xfrm>
+      </p:grpSpPr>
+      <p:sp>
+        <p:nvSpPr>
+          <p:cNvPr id="2" name="Title 1">
+            <a:extLst>
+              <a:ext uri="{FF2B5EF4-FFF2-40B4-BE49-F238E27FC236}">
+                <a16:creationId xmlns:a16="http://schemas.microsoft.com/office/drawing/2014/main" id="{212D882D-DD91-762A-9862-FA6E706576E3}"/>
+              </a:ext>
+            </a:extLst>
+          </p:cNvPr>
+          <p:cNvSpPr>
+            <a:spLocks noGrp="1"/>
+          </p:cNvSpPr>
+          <p:nvPr>
+            <p:ph type="title"/>
+          </p:nvPr>
+        </p:nvSpPr>
+        <p:spPr/>
+        <p:txBody>
+          <a:bodyPr/>
+          <a:lstStyle/>
+          <a:p>
+            <a:r>
+              <a:rPr lang="en-US" dirty="0"/>
+              <a:t>CPM</a:t>
+            </a:r>
+            <a:endParaRPr lang="LID4096" dirty="0"/>
+          </a:p>
+        </p:txBody>
+      </p:sp>
+      <p:sp>
+        <p:nvSpPr>
+          <p:cNvPr id="3" name="Content Placeholder 2">
+            <a:extLst>
+              <a:ext uri="{FF2B5EF4-FFF2-40B4-BE49-F238E27FC236}">
+                <a16:creationId xmlns:a16="http://schemas.microsoft.com/office/drawing/2014/main" id="{2D3556D6-66A1-32F0-325E-89EF55D4D684}"/>
+              </a:ext>
+            </a:extLst>
+          </p:cNvPr>
+          <p:cNvSpPr>
+            <a:spLocks noGrp="1"/>
+          </p:cNvSpPr>
+          <p:nvPr>
+            <p:ph idx="1"/>
+          </p:nvPr>
+        </p:nvSpPr>
+        <p:spPr/>
+        <p:txBody>
+          <a:bodyPr/>
+          <a:lstStyle/>
+          <a:p>
+            <a:r>
+              <a:rPr lang="en-US" dirty="0"/>
+              <a:t>Install via </a:t>
+            </a:r>
+            <a:r>
+              <a:rPr lang="en-US" dirty="0">
+                <a:latin typeface="Courier New" panose="02070309020205020404" pitchFamily="49" charset="0"/>
+                <a:cs typeface="Courier New" panose="02070309020205020404" pitchFamily="49" charset="0"/>
+              </a:rPr>
+              <a:t>CMakeLists.txt</a:t>
+            </a:r>
+            <a:endParaRPr lang="LID4096" dirty="0">
+              <a:latin typeface="Courier New" panose="02070309020205020404" pitchFamily="49" charset="0"/>
+              <a:cs typeface="Courier New" panose="02070309020205020404" pitchFamily="49" charset="0"/>
+            </a:endParaRPr>
+          </a:p>
+        </p:txBody>
+      </p:sp>
+      <p:sp>
+        <p:nvSpPr>
+          <p:cNvPr id="4" name="Slide Number Placeholder 3">
+            <a:extLst>
+              <a:ext uri="{FF2B5EF4-FFF2-40B4-BE49-F238E27FC236}">
+                <a16:creationId xmlns:a16="http://schemas.microsoft.com/office/drawing/2014/main" id="{841DACAC-48E5-D353-91C5-829E80964E4A}"/>
+              </a:ext>
+            </a:extLst>
+          </p:cNvPr>
+          <p:cNvSpPr>
+            <a:spLocks noGrp="1"/>
+          </p:cNvSpPr>
+          <p:nvPr>
+            <p:ph type="sldNum" sz="quarter" idx="12"/>
+          </p:nvPr>
+        </p:nvSpPr>
+        <p:spPr/>
+        <p:txBody>
+          <a:bodyPr/>
+          <a:lstStyle/>
+          <a:p>
+            <a:fld id="{FDB1AA33-DFBB-49AC-8CEE-23FFECEB5648}" type="slidenum">
+              <a:rPr lang="LID4096" smtClean="0"/>
+              <a:t>32</a:t>
+            </a:fld>
+            <a:endParaRPr lang="LID4096"/>
+          </a:p>
+        </p:txBody>
+      </p:sp>
+      <p:sp>
+        <p:nvSpPr>
+          <p:cNvPr id="5" name="TextBox 4">
+            <a:extLst>
+              <a:ext uri="{FF2B5EF4-FFF2-40B4-BE49-F238E27FC236}">
+                <a16:creationId xmlns:a16="http://schemas.microsoft.com/office/drawing/2014/main" id="{56A406B8-BE76-0E4B-5848-6008C26F5D6A}"/>
+              </a:ext>
+            </a:extLst>
+          </p:cNvPr>
+          <p:cNvSpPr txBox="1"/>
+          <p:nvPr/>
+        </p:nvSpPr>
+        <p:spPr>
+          <a:xfrm>
+            <a:off x="1055915" y="2413899"/>
+            <a:ext cx="9579429" cy="4062651"/>
+          </a:xfrm>
+          <a:prstGeom prst="rect">
+            <a:avLst/>
+          </a:prstGeom>
+          <a:solidFill>
+            <a:schemeClr val="accent6">
+              <a:lumMod val="20000"/>
+              <a:lumOff val="80000"/>
+            </a:schemeClr>
+          </a:solidFill>
+        </p:spPr>
+        <p:txBody>
+          <a:bodyPr wrap="square" rtlCol="0">
+            <a:spAutoFit/>
+          </a:bodyPr>
+          <a:lstStyle/>
+          <a:p>
+            <a:pPr lvl="0">
+              <a:defRPr/>
+            </a:pPr>
+            <a:r>
+              <a:rPr lang="en-US" sz="1200" dirty="0">
+                <a:solidFill>
+                  <a:prstClr val="black"/>
+                </a:solidFill>
+                <a:latin typeface="Courier New" pitchFamily="49" charset="0"/>
+                <a:cs typeface="Courier New" pitchFamily="49" charset="0"/>
+                <a:sym typeface="Symbol" panose="05050102010706020507" pitchFamily="18" charset="2"/>
+              </a:rPr>
+              <a:t></a:t>
+            </a:r>
+          </a:p>
+          <a:p>
+            <a:pPr lvl="0">
+              <a:defRPr/>
+            </a:pPr>
+            <a:r>
+              <a:rPr lang="en-US" sz="1200" dirty="0">
+                <a:solidFill>
+                  <a:prstClr val="black"/>
+                </a:solidFill>
+                <a:latin typeface="Courier New" pitchFamily="49" charset="0"/>
+                <a:cs typeface="Courier New" pitchFamily="49" charset="0"/>
+              </a:rPr>
+              <a:t>set(CPM_DOWNLOAD_VERSION 0.38.1)</a:t>
+            </a:r>
+          </a:p>
+          <a:p>
+            <a:pPr lvl="0">
+              <a:defRPr/>
+            </a:pPr>
+            <a:endParaRPr lang="en-US" sz="1200" dirty="0">
+              <a:solidFill>
+                <a:prstClr val="black"/>
+              </a:solidFill>
+              <a:latin typeface="Courier New" pitchFamily="49" charset="0"/>
+              <a:cs typeface="Courier New" pitchFamily="49" charset="0"/>
+            </a:endParaRPr>
+          </a:p>
+          <a:p>
+            <a:pPr lvl="0">
+              <a:defRPr/>
+            </a:pPr>
+            <a:r>
+              <a:rPr lang="en-US" sz="1200" dirty="0">
+                <a:solidFill>
+                  <a:prstClr val="black"/>
+                </a:solidFill>
+                <a:latin typeface="Courier New" pitchFamily="49" charset="0"/>
+                <a:cs typeface="Courier New" pitchFamily="49" charset="0"/>
+              </a:rPr>
+              <a:t>if(CPM_SOURCE_CACHE)</a:t>
+            </a:r>
+          </a:p>
+          <a:p>
+            <a:pPr lvl="0">
+              <a:defRPr/>
+            </a:pPr>
+            <a:r>
+              <a:rPr lang="en-US" sz="1200" dirty="0">
+                <a:solidFill>
+                  <a:prstClr val="black"/>
+                </a:solidFill>
+                <a:latin typeface="Courier New" pitchFamily="49" charset="0"/>
+                <a:cs typeface="Courier New" pitchFamily="49" charset="0"/>
+              </a:rPr>
+              <a:t>  set(CPM_DOWNLOAD_LOCATION "${CPM_SOURCE_CACHE}/</a:t>
+            </a:r>
+            <a:r>
+              <a:rPr lang="en-US" sz="1200" dirty="0" err="1">
+                <a:solidFill>
+                  <a:prstClr val="black"/>
+                </a:solidFill>
+                <a:latin typeface="Courier New" pitchFamily="49" charset="0"/>
+                <a:cs typeface="Courier New" pitchFamily="49" charset="0"/>
+              </a:rPr>
+              <a:t>cpm</a:t>
+            </a:r>
+            <a:r>
+              <a:rPr lang="en-US" sz="1200" dirty="0">
+                <a:solidFill>
+                  <a:prstClr val="black"/>
+                </a:solidFill>
+                <a:latin typeface="Courier New" pitchFamily="49" charset="0"/>
+                <a:cs typeface="Courier New" pitchFamily="49" charset="0"/>
+              </a:rPr>
+              <a:t>/CPM_${CPM_DOWNLOAD_VERSION}.</a:t>
+            </a:r>
+            <a:r>
+              <a:rPr lang="en-US" sz="1200" dirty="0" err="1">
+                <a:solidFill>
+                  <a:prstClr val="black"/>
+                </a:solidFill>
+                <a:latin typeface="Courier New" pitchFamily="49" charset="0"/>
+                <a:cs typeface="Courier New" pitchFamily="49" charset="0"/>
+              </a:rPr>
+              <a:t>cmake</a:t>
+            </a:r>
+            <a:r>
+              <a:rPr lang="en-US" sz="1200" dirty="0">
+                <a:solidFill>
+                  <a:prstClr val="black"/>
+                </a:solidFill>
+                <a:latin typeface="Courier New" pitchFamily="49" charset="0"/>
+                <a:cs typeface="Courier New" pitchFamily="49" charset="0"/>
+              </a:rPr>
+              <a:t>")</a:t>
+            </a:r>
+          </a:p>
+          <a:p>
+            <a:pPr lvl="0">
+              <a:defRPr/>
+            </a:pPr>
+            <a:r>
+              <a:rPr lang="en-US" sz="1200" dirty="0">
+                <a:solidFill>
+                  <a:prstClr val="black"/>
+                </a:solidFill>
+                <a:latin typeface="Courier New" pitchFamily="49" charset="0"/>
+                <a:cs typeface="Courier New" pitchFamily="49" charset="0"/>
+              </a:rPr>
+              <a:t>elseif(DEFINED ENV{CPM_SOURCE_CACHE})</a:t>
+            </a:r>
+          </a:p>
+          <a:p>
+            <a:pPr lvl="0">
+              <a:defRPr/>
+            </a:pPr>
+            <a:r>
+              <a:rPr lang="en-US" sz="1200" dirty="0">
+                <a:solidFill>
+                  <a:prstClr val="black"/>
+                </a:solidFill>
+                <a:latin typeface="Courier New" pitchFamily="49" charset="0"/>
+                <a:cs typeface="Courier New" pitchFamily="49" charset="0"/>
+              </a:rPr>
+              <a:t>  set(CPM_DOWNLOAD_LOCATION "$ENV{CPM_SOURCE_CACHE}/</a:t>
+            </a:r>
+            <a:r>
+              <a:rPr lang="en-US" sz="1200" dirty="0" err="1">
+                <a:solidFill>
+                  <a:prstClr val="black"/>
+                </a:solidFill>
+                <a:latin typeface="Courier New" pitchFamily="49" charset="0"/>
+                <a:cs typeface="Courier New" pitchFamily="49" charset="0"/>
+              </a:rPr>
+              <a:t>cpm</a:t>
+            </a:r>
+            <a:r>
+              <a:rPr lang="en-US" sz="1200" dirty="0">
+                <a:solidFill>
+                  <a:prstClr val="black"/>
+                </a:solidFill>
+                <a:latin typeface="Courier New" pitchFamily="49" charset="0"/>
+                <a:cs typeface="Courier New" pitchFamily="49" charset="0"/>
+              </a:rPr>
+              <a:t>/CPM_${CPM_DOWNLOAD_VERSION}.</a:t>
+            </a:r>
+            <a:r>
+              <a:rPr lang="en-US" sz="1200" dirty="0" err="1">
+                <a:solidFill>
+                  <a:prstClr val="black"/>
+                </a:solidFill>
+                <a:latin typeface="Courier New" pitchFamily="49" charset="0"/>
+                <a:cs typeface="Courier New" pitchFamily="49" charset="0"/>
+              </a:rPr>
+              <a:t>cmake</a:t>
+            </a:r>
+            <a:r>
+              <a:rPr lang="en-US" sz="1200" dirty="0">
+                <a:solidFill>
+                  <a:prstClr val="black"/>
+                </a:solidFill>
+                <a:latin typeface="Courier New" pitchFamily="49" charset="0"/>
+                <a:cs typeface="Courier New" pitchFamily="49" charset="0"/>
+              </a:rPr>
+              <a:t>")</a:t>
+            </a:r>
+          </a:p>
+          <a:p>
+            <a:pPr lvl="0">
+              <a:defRPr/>
+            </a:pPr>
+            <a:r>
+              <a:rPr lang="en-US" sz="1200" dirty="0">
+                <a:solidFill>
+                  <a:prstClr val="black"/>
+                </a:solidFill>
+                <a:latin typeface="Courier New" pitchFamily="49" charset="0"/>
+                <a:cs typeface="Courier New" pitchFamily="49" charset="0"/>
+              </a:rPr>
+              <a:t>else()</a:t>
+            </a:r>
+          </a:p>
+          <a:p>
+            <a:pPr lvl="0">
+              <a:defRPr/>
+            </a:pPr>
+            <a:r>
+              <a:rPr lang="en-US" sz="1200" dirty="0">
+                <a:solidFill>
+                  <a:prstClr val="black"/>
+                </a:solidFill>
+                <a:latin typeface="Courier New" pitchFamily="49" charset="0"/>
+                <a:cs typeface="Courier New" pitchFamily="49" charset="0"/>
+              </a:rPr>
+              <a:t>  set(CPM_DOWNLOAD_LOCATION "${CMAKE_BINARY_DIR}/</a:t>
+            </a:r>
+            <a:r>
+              <a:rPr lang="en-US" sz="1200" dirty="0" err="1">
+                <a:solidFill>
+                  <a:prstClr val="black"/>
+                </a:solidFill>
+                <a:latin typeface="Courier New" pitchFamily="49" charset="0"/>
+                <a:cs typeface="Courier New" pitchFamily="49" charset="0"/>
+              </a:rPr>
+              <a:t>cmake</a:t>
+            </a:r>
+            <a:r>
+              <a:rPr lang="en-US" sz="1200" dirty="0">
+                <a:solidFill>
+                  <a:prstClr val="black"/>
+                </a:solidFill>
+                <a:latin typeface="Courier New" pitchFamily="49" charset="0"/>
+                <a:cs typeface="Courier New" pitchFamily="49" charset="0"/>
+              </a:rPr>
+              <a:t>/CPM_${CPM_DOWNLOAD_VERSION}.</a:t>
+            </a:r>
+            <a:r>
+              <a:rPr lang="en-US" sz="1200" dirty="0" err="1">
+                <a:solidFill>
+                  <a:prstClr val="black"/>
+                </a:solidFill>
+                <a:latin typeface="Courier New" pitchFamily="49" charset="0"/>
+                <a:cs typeface="Courier New" pitchFamily="49" charset="0"/>
+              </a:rPr>
+              <a:t>cmake</a:t>
+            </a:r>
+            <a:r>
+              <a:rPr lang="en-US" sz="1200" dirty="0">
+                <a:solidFill>
+                  <a:prstClr val="black"/>
+                </a:solidFill>
+                <a:latin typeface="Courier New" pitchFamily="49" charset="0"/>
+                <a:cs typeface="Courier New" pitchFamily="49" charset="0"/>
+              </a:rPr>
+              <a:t>")</a:t>
+            </a:r>
+          </a:p>
+          <a:p>
+            <a:pPr lvl="0">
+              <a:defRPr/>
+            </a:pPr>
+            <a:r>
+              <a:rPr lang="en-US" sz="1200" dirty="0">
+                <a:solidFill>
+                  <a:prstClr val="black"/>
+                </a:solidFill>
+                <a:latin typeface="Courier New" pitchFamily="49" charset="0"/>
+                <a:cs typeface="Courier New" pitchFamily="49" charset="0"/>
+              </a:rPr>
+              <a:t>endif()</a:t>
+            </a:r>
+          </a:p>
+          <a:p>
+            <a:pPr lvl="0">
+              <a:defRPr/>
+            </a:pPr>
+            <a:endParaRPr lang="en-US" sz="1200" dirty="0">
+              <a:solidFill>
+                <a:prstClr val="black"/>
+              </a:solidFill>
+              <a:latin typeface="Courier New" pitchFamily="49" charset="0"/>
+              <a:cs typeface="Courier New" pitchFamily="49" charset="0"/>
+            </a:endParaRPr>
+          </a:p>
+          <a:p>
+            <a:pPr lvl="0">
+              <a:defRPr/>
+            </a:pPr>
+            <a:r>
+              <a:rPr lang="en-US" sz="1200" dirty="0">
+                <a:solidFill>
+                  <a:prstClr val="black"/>
+                </a:solidFill>
+                <a:latin typeface="Courier New" pitchFamily="49" charset="0"/>
+                <a:cs typeface="Courier New" pitchFamily="49" charset="0"/>
+              </a:rPr>
+              <a:t>if(NOT (EXISTS ${CPM_DOWNLOAD_LOCATION}))</a:t>
+            </a:r>
+          </a:p>
+          <a:p>
+            <a:pPr lvl="0">
+              <a:defRPr/>
+            </a:pPr>
+            <a:r>
+              <a:rPr lang="en-US" sz="1200" dirty="0">
+                <a:solidFill>
+                  <a:prstClr val="black"/>
+                </a:solidFill>
+                <a:latin typeface="Courier New" pitchFamily="49" charset="0"/>
+                <a:cs typeface="Courier New" pitchFamily="49" charset="0"/>
+              </a:rPr>
+              <a:t>  message(STATUS "Downloading </a:t>
+            </a:r>
+            <a:r>
+              <a:rPr lang="en-US" sz="1200" dirty="0" err="1">
+                <a:solidFill>
+                  <a:prstClr val="black"/>
+                </a:solidFill>
+                <a:latin typeface="Courier New" pitchFamily="49" charset="0"/>
+                <a:cs typeface="Courier New" pitchFamily="49" charset="0"/>
+              </a:rPr>
+              <a:t>CPM.cmake</a:t>
+            </a:r>
+            <a:r>
+              <a:rPr lang="en-US" sz="1200" dirty="0">
+                <a:solidFill>
+                  <a:prstClr val="black"/>
+                </a:solidFill>
+                <a:latin typeface="Courier New" pitchFamily="49" charset="0"/>
+                <a:cs typeface="Courier New" pitchFamily="49" charset="0"/>
+              </a:rPr>
+              <a:t> to ${CPM_DOWNLOAD_LOCATION}")</a:t>
+            </a:r>
+          </a:p>
+          <a:p>
+            <a:pPr lvl="0">
+              <a:defRPr/>
+            </a:pPr>
+            <a:r>
+              <a:rPr lang="en-US" sz="1200" dirty="0">
+                <a:solidFill>
+                  <a:prstClr val="black"/>
+                </a:solidFill>
+                <a:latin typeface="Courier New" pitchFamily="49" charset="0"/>
+                <a:cs typeface="Courier New" pitchFamily="49" charset="0"/>
+              </a:rPr>
+              <a:t>  file(DOWNLOAD</a:t>
+            </a:r>
+          </a:p>
+          <a:p>
+            <a:pPr lvl="0">
+              <a:defRPr/>
+            </a:pPr>
+            <a:r>
+              <a:rPr lang="en-US" sz="1200" dirty="0">
+                <a:solidFill>
+                  <a:prstClr val="black"/>
+                </a:solidFill>
+                <a:latin typeface="Courier New" pitchFamily="49" charset="0"/>
+                <a:cs typeface="Courier New" pitchFamily="49" charset="0"/>
+              </a:rPr>
+              <a:t>       https://github.com/TheLartians/CPM.cmake/releases/download/v${CPM_DOWNLOAD_VERSION}/CPM.cmake</a:t>
+            </a:r>
+          </a:p>
+          <a:p>
+            <a:pPr lvl="0">
+              <a:defRPr/>
+            </a:pPr>
+            <a:r>
+              <a:rPr lang="en-US" sz="1200" dirty="0">
+                <a:solidFill>
+                  <a:prstClr val="black"/>
+                </a:solidFill>
+                <a:latin typeface="Courier New" pitchFamily="49" charset="0"/>
+                <a:cs typeface="Courier New" pitchFamily="49" charset="0"/>
+              </a:rPr>
+              <a:t>       ${CPM_DOWNLOAD_LOCATION}</a:t>
+            </a:r>
+          </a:p>
+          <a:p>
+            <a:pPr lvl="0">
+              <a:defRPr/>
+            </a:pPr>
+            <a:r>
+              <a:rPr lang="en-US" sz="1200" dirty="0">
+                <a:solidFill>
+                  <a:prstClr val="black"/>
+                </a:solidFill>
+                <a:latin typeface="Courier New" pitchFamily="49" charset="0"/>
+                <a:cs typeface="Courier New" pitchFamily="49" charset="0"/>
+              </a:rPr>
+              <a:t>  )</a:t>
+            </a:r>
+          </a:p>
+          <a:p>
+            <a:pPr lvl="0">
+              <a:defRPr/>
+            </a:pPr>
+            <a:r>
+              <a:rPr lang="en-US" sz="1200" dirty="0">
+                <a:solidFill>
+                  <a:prstClr val="black"/>
+                </a:solidFill>
+                <a:latin typeface="Courier New" pitchFamily="49" charset="0"/>
+                <a:cs typeface="Courier New" pitchFamily="49" charset="0"/>
+              </a:rPr>
+              <a:t>endif()</a:t>
+            </a:r>
+          </a:p>
+          <a:p>
+            <a:pPr lvl="0">
+              <a:defRPr/>
+            </a:pPr>
+            <a:endParaRPr lang="en-US" sz="1200" dirty="0">
+              <a:solidFill>
+                <a:prstClr val="black"/>
+              </a:solidFill>
+              <a:latin typeface="Courier New" pitchFamily="49" charset="0"/>
+              <a:cs typeface="Courier New" pitchFamily="49" charset="0"/>
+            </a:endParaRPr>
+          </a:p>
+          <a:p>
+            <a:pPr lvl="0">
+              <a:defRPr/>
+            </a:pPr>
+            <a:r>
+              <a:rPr lang="en-US" sz="1200" dirty="0">
+                <a:solidFill>
+                  <a:prstClr val="black"/>
+                </a:solidFill>
+                <a:latin typeface="Courier New" pitchFamily="49" charset="0"/>
+                <a:cs typeface="Courier New" pitchFamily="49" charset="0"/>
+              </a:rPr>
+              <a:t>include(${CPM_DOWNLOAD_LOCATION})</a:t>
+            </a:r>
+          </a:p>
+          <a:p>
+            <a:pPr lvl="0">
+              <a:defRPr/>
+            </a:pPr>
+            <a:r>
+              <a:rPr lang="en-US" sz="1800" dirty="0">
+                <a:solidFill>
+                  <a:prstClr val="black"/>
+                </a:solidFill>
+                <a:latin typeface="Courier New" pitchFamily="49" charset="0"/>
+                <a:cs typeface="Courier New" pitchFamily="49" charset="0"/>
+                <a:sym typeface="Symbol" panose="05050102010706020507" pitchFamily="18" charset="2"/>
+              </a:rPr>
+              <a:t></a:t>
+            </a:r>
+            <a:endParaRPr kumimoji="0" lang="en-US" b="0" i="0" u="none" strike="noStrike" kern="1200" cap="none" spc="0" normalizeH="0" baseline="0" noProof="0" dirty="0">
+              <a:ln>
+                <a:noFill/>
+              </a:ln>
+              <a:solidFill>
+                <a:prstClr val="black"/>
+              </a:solidFill>
+              <a:effectLst/>
+              <a:uLnTx/>
+              <a:uFillTx/>
+              <a:latin typeface="Courier New" pitchFamily="49" charset="0"/>
+              <a:cs typeface="Courier New" pitchFamily="49" charset="0"/>
+            </a:endParaRPr>
+          </a:p>
+        </p:txBody>
+      </p:sp>
+    </p:spTree>
+    <p:extLst>
+      <p:ext uri="{BB962C8B-B14F-4D97-AF65-F5344CB8AC3E}">
+        <p14:creationId xmlns:p14="http://schemas.microsoft.com/office/powerpoint/2010/main" val="38105009"/>
+      </p:ext>
+    </p:extLst>
+  </p:cSld>
+  <p:clrMapOvr>
+    <a:masterClrMapping/>
+  </p:clrMapOvr>
+</p:sld>
+</file>
+
+<file path=ppt/slides/slide33.xml><?xml version="1.0" encoding="utf-8"?>
+<p:sld xmlns:a="http://schemas.openxmlformats.org/drawingml/2006/main" xmlns:r="http://schemas.openxmlformats.org/officeDocument/2006/relationships" xmlns:p="http://schemas.openxmlformats.org/presentationml/2006/main">
+  <p:cSld>
+    <p:spTree>
+      <p:nvGrpSpPr>
+        <p:cNvPr id="1" name=""/>
+        <p:cNvGrpSpPr/>
+        <p:nvPr/>
+      </p:nvGrpSpPr>
+      <p:grpSpPr>
+        <a:xfrm>
+          <a:off x="0" y="0"/>
+          <a:ext cx="0" cy="0"/>
+          <a:chOff x="0" y="0"/>
+          <a:chExt cx="0" cy="0"/>
+        </a:xfrm>
+      </p:grpSpPr>
+      <p:sp>
+        <p:nvSpPr>
+          <p:cNvPr id="2" name="Title 1">
+            <a:extLst>
+              <a:ext uri="{FF2B5EF4-FFF2-40B4-BE49-F238E27FC236}">
+                <a16:creationId xmlns:a16="http://schemas.microsoft.com/office/drawing/2014/main" id="{212D882D-DD91-762A-9862-FA6E706576E3}"/>
+              </a:ext>
+            </a:extLst>
+          </p:cNvPr>
+          <p:cNvSpPr>
+            <a:spLocks noGrp="1"/>
+          </p:cNvSpPr>
+          <p:nvPr>
+            <p:ph type="title"/>
+          </p:nvPr>
+        </p:nvSpPr>
+        <p:spPr/>
+        <p:txBody>
+          <a:bodyPr/>
+          <a:lstStyle/>
+          <a:p>
+            <a:r>
+              <a:rPr lang="en-US" dirty="0"/>
+              <a:t>CPM</a:t>
+            </a:r>
+            <a:endParaRPr lang="LID4096" dirty="0"/>
+          </a:p>
+        </p:txBody>
+      </p:sp>
+      <p:sp>
+        <p:nvSpPr>
+          <p:cNvPr id="3" name="Content Placeholder 2">
+            <a:extLst>
+              <a:ext uri="{FF2B5EF4-FFF2-40B4-BE49-F238E27FC236}">
+                <a16:creationId xmlns:a16="http://schemas.microsoft.com/office/drawing/2014/main" id="{2D3556D6-66A1-32F0-325E-89EF55D4D684}"/>
+              </a:ext>
+            </a:extLst>
+          </p:cNvPr>
+          <p:cNvSpPr>
+            <a:spLocks noGrp="1"/>
+          </p:cNvSpPr>
+          <p:nvPr>
+            <p:ph idx="1"/>
+          </p:nvPr>
+        </p:nvSpPr>
+        <p:spPr/>
+        <p:txBody>
+          <a:bodyPr/>
+          <a:lstStyle/>
+          <a:p>
+            <a:r>
+              <a:rPr lang="en-US" dirty="0"/>
+              <a:t>Install software packages</a:t>
+            </a:r>
+          </a:p>
+          <a:p>
+            <a:endParaRPr lang="en-US" dirty="0">
+              <a:latin typeface="Courier New" panose="02070309020205020404" pitchFamily="49" charset="0"/>
+              <a:cs typeface="Courier New" panose="02070309020205020404" pitchFamily="49" charset="0"/>
+            </a:endParaRPr>
+          </a:p>
+          <a:p>
+            <a:endParaRPr lang="en-US" dirty="0">
+              <a:latin typeface="Courier New" panose="02070309020205020404" pitchFamily="49" charset="0"/>
+              <a:cs typeface="Courier New" panose="02070309020205020404" pitchFamily="49" charset="0"/>
+            </a:endParaRPr>
+          </a:p>
+          <a:p>
+            <a:endParaRPr lang="en-US" dirty="0">
+              <a:latin typeface="Courier New" panose="02070309020205020404" pitchFamily="49" charset="0"/>
+              <a:cs typeface="Courier New" panose="02070309020205020404" pitchFamily="49" charset="0"/>
+            </a:endParaRPr>
+          </a:p>
+          <a:p>
+            <a:r>
+              <a:rPr lang="en-US" dirty="0">
+                <a:cs typeface="Courier New" panose="02070309020205020404" pitchFamily="49" charset="0"/>
+              </a:rPr>
+              <a:t>Download and build of dependencies done by </a:t>
+            </a:r>
+            <a:r>
+              <a:rPr lang="en-US" dirty="0" err="1">
+                <a:cs typeface="Courier New" panose="02070309020205020404" pitchFamily="49" charset="0"/>
+              </a:rPr>
+              <a:t>CMake</a:t>
+            </a:r>
+            <a:endParaRPr lang="LID4096" dirty="0">
+              <a:cs typeface="Courier New" panose="02070309020205020404" pitchFamily="49" charset="0"/>
+            </a:endParaRPr>
+          </a:p>
+        </p:txBody>
+      </p:sp>
+      <p:sp>
+        <p:nvSpPr>
+          <p:cNvPr id="4" name="Slide Number Placeholder 3">
+            <a:extLst>
+              <a:ext uri="{FF2B5EF4-FFF2-40B4-BE49-F238E27FC236}">
+                <a16:creationId xmlns:a16="http://schemas.microsoft.com/office/drawing/2014/main" id="{841DACAC-48E5-D353-91C5-829E80964E4A}"/>
+              </a:ext>
+            </a:extLst>
+          </p:cNvPr>
+          <p:cNvSpPr>
+            <a:spLocks noGrp="1"/>
+          </p:cNvSpPr>
+          <p:nvPr>
+            <p:ph type="sldNum" sz="quarter" idx="12"/>
+          </p:nvPr>
+        </p:nvSpPr>
+        <p:spPr/>
+        <p:txBody>
+          <a:bodyPr/>
+          <a:lstStyle/>
+          <a:p>
+            <a:fld id="{FDB1AA33-DFBB-49AC-8CEE-23FFECEB5648}" type="slidenum">
+              <a:rPr lang="LID4096" smtClean="0"/>
+              <a:t>33</a:t>
+            </a:fld>
+            <a:endParaRPr lang="LID4096"/>
+          </a:p>
+        </p:txBody>
+      </p:sp>
+      <p:sp>
+        <p:nvSpPr>
+          <p:cNvPr id="5" name="TextBox 4">
+            <a:extLst>
+              <a:ext uri="{FF2B5EF4-FFF2-40B4-BE49-F238E27FC236}">
+                <a16:creationId xmlns:a16="http://schemas.microsoft.com/office/drawing/2014/main" id="{56A406B8-BE76-0E4B-5848-6008C26F5D6A}"/>
+              </a:ext>
+            </a:extLst>
+          </p:cNvPr>
+          <p:cNvSpPr txBox="1"/>
+          <p:nvPr/>
+        </p:nvSpPr>
+        <p:spPr>
+          <a:xfrm>
+            <a:off x="1055915" y="2413899"/>
+            <a:ext cx="9579429" cy="1015663"/>
+          </a:xfrm>
+          <a:prstGeom prst="rect">
+            <a:avLst/>
+          </a:prstGeom>
+          <a:solidFill>
+            <a:schemeClr val="accent6">
+              <a:lumMod val="20000"/>
+              <a:lumOff val="80000"/>
+            </a:schemeClr>
+          </a:solidFill>
+        </p:spPr>
+        <p:txBody>
+          <a:bodyPr wrap="square" rtlCol="0">
+            <a:spAutoFit/>
+          </a:bodyPr>
+          <a:lstStyle/>
+          <a:p>
+            <a:pPr lvl="0">
+              <a:defRPr/>
+            </a:pPr>
+            <a:r>
+              <a:rPr lang="en-US" sz="2000" dirty="0">
+                <a:solidFill>
+                  <a:prstClr val="black"/>
+                </a:solidFill>
+                <a:latin typeface="Courier New" pitchFamily="49" charset="0"/>
+                <a:cs typeface="Courier New" pitchFamily="49" charset="0"/>
+                <a:sym typeface="Symbol" panose="05050102010706020507" pitchFamily="18" charset="2"/>
+              </a:rPr>
+              <a:t></a:t>
+            </a:r>
+          </a:p>
+          <a:p>
+            <a:pPr lvl="0">
+              <a:defRPr/>
+            </a:pPr>
+            <a:r>
+              <a:rPr lang="en-US" sz="2000" dirty="0" err="1">
+                <a:solidFill>
+                  <a:prstClr val="black"/>
+                </a:solidFill>
+                <a:latin typeface="Courier New" pitchFamily="49" charset="0"/>
+                <a:cs typeface="Courier New" pitchFamily="49" charset="0"/>
+                <a:sym typeface="Symbol" panose="05050102010706020507" pitchFamily="18" charset="2"/>
+              </a:rPr>
+              <a:t>CPMAddPackage</a:t>
+            </a:r>
+            <a:r>
+              <a:rPr lang="en-US" sz="2000" dirty="0">
+                <a:solidFill>
+                  <a:prstClr val="black"/>
+                </a:solidFill>
+                <a:latin typeface="Courier New" pitchFamily="49" charset="0"/>
+                <a:cs typeface="Courier New" pitchFamily="49" charset="0"/>
+                <a:sym typeface="Symbol" panose="05050102010706020507" pitchFamily="18" charset="2"/>
+              </a:rPr>
+              <a:t>("</a:t>
+            </a:r>
+            <a:r>
+              <a:rPr lang="en-US" sz="2000" dirty="0" err="1">
+                <a:solidFill>
+                  <a:prstClr val="black"/>
+                </a:solidFill>
+                <a:latin typeface="Courier New" pitchFamily="49" charset="0"/>
+                <a:cs typeface="Courier New" pitchFamily="49" charset="0"/>
+                <a:sym typeface="Symbol" panose="05050102010706020507" pitchFamily="18" charset="2"/>
+              </a:rPr>
+              <a:t>gh:fmtlib</a:t>
+            </a:r>
+            <a:r>
+              <a:rPr lang="en-US" sz="2000" dirty="0">
+                <a:solidFill>
+                  <a:prstClr val="black"/>
+                </a:solidFill>
+                <a:latin typeface="Courier New" pitchFamily="49" charset="0"/>
+                <a:cs typeface="Courier New" pitchFamily="49" charset="0"/>
+                <a:sym typeface="Symbol" panose="05050102010706020507" pitchFamily="18" charset="2"/>
+              </a:rPr>
+              <a:t>/fmt#9.1.0")</a:t>
+            </a:r>
+          </a:p>
+          <a:p>
+            <a:pPr lvl="0">
+              <a:defRPr/>
+            </a:pPr>
+            <a:r>
+              <a:rPr lang="en-US" sz="2000" dirty="0">
+                <a:solidFill>
+                  <a:prstClr val="black"/>
+                </a:solidFill>
+                <a:latin typeface="Courier New" pitchFamily="49" charset="0"/>
+                <a:cs typeface="Courier New" pitchFamily="49" charset="0"/>
+                <a:sym typeface="Symbol" panose="05050102010706020507" pitchFamily="18" charset="2"/>
+              </a:rPr>
+              <a:t></a:t>
+            </a:r>
+            <a:endParaRPr kumimoji="0" lang="en-US" sz="2000" b="0" i="0" u="none" strike="noStrike" kern="1200" cap="none" spc="0" normalizeH="0" baseline="0" noProof="0" dirty="0">
+              <a:ln>
+                <a:noFill/>
+              </a:ln>
+              <a:solidFill>
+                <a:prstClr val="black"/>
+              </a:solidFill>
+              <a:effectLst/>
+              <a:uLnTx/>
+              <a:uFillTx/>
+              <a:latin typeface="Courier New" pitchFamily="49" charset="0"/>
+              <a:cs typeface="Courier New" pitchFamily="49" charset="0"/>
+            </a:endParaRPr>
+          </a:p>
+        </p:txBody>
+      </p:sp>
+      <p:sp>
+        <p:nvSpPr>
+          <p:cNvPr id="7" name="TextBox 6">
+            <a:extLst>
+              <a:ext uri="{FF2B5EF4-FFF2-40B4-BE49-F238E27FC236}">
+                <a16:creationId xmlns:a16="http://schemas.microsoft.com/office/drawing/2014/main" id="{D24CD040-C2F1-2804-6DCE-6946592E60D7}"/>
+              </a:ext>
+            </a:extLst>
+          </p:cNvPr>
+          <p:cNvSpPr txBox="1"/>
+          <p:nvPr/>
+        </p:nvSpPr>
+        <p:spPr>
+          <a:xfrm>
+            <a:off x="499580" y="4735915"/>
+            <a:ext cx="10376815" cy="646331"/>
+          </a:xfrm>
+          <a:prstGeom prst="rect">
+            <a:avLst/>
+          </a:prstGeom>
+          <a:noFill/>
+          <a:ln>
+            <a:solidFill>
+              <a:schemeClr val="tx1"/>
+            </a:solidFill>
+          </a:ln>
+        </p:spPr>
+        <p:txBody>
+          <a:bodyPr wrap="none" rtlCol="0">
+            <a:spAutoFit/>
+          </a:bodyPr>
+          <a:lstStyle/>
+          <a:p>
+            <a:r>
+              <a:rPr lang="en-US" sz="2000" dirty="0"/>
+              <a:t>See</a:t>
+            </a:r>
+          </a:p>
+          <a:p>
+            <a:r>
+              <a:rPr lang="en-US" sz="1600" dirty="0">
+                <a:hlinkClick r:id="rId2"/>
+              </a:rPr>
+              <a:t>https://github.com/gjbex/C-plus-plus-software-engineering/tree/main/source-code/dependency-management/cpm</a:t>
+            </a:r>
+            <a:r>
+              <a:rPr lang="en-US" sz="1600" dirty="0"/>
+              <a:t> </a:t>
+            </a:r>
+            <a:endParaRPr lang="LID4096" sz="1600" dirty="0"/>
+          </a:p>
+        </p:txBody>
+      </p:sp>
+    </p:spTree>
+    <p:extLst>
+      <p:ext uri="{BB962C8B-B14F-4D97-AF65-F5344CB8AC3E}">
+        <p14:creationId xmlns:p14="http://schemas.microsoft.com/office/powerpoint/2010/main" val="1959778651"/>
+      </p:ext>
+    </p:extLst>
+  </p:cSld>
+  <p:clrMapOvr>
+    <a:masterClrMapping/>
+  </p:clrMapOvr>
+  <p:timing>
+    <p:tnLst>
+      <p:par>
+        <p:cTn id="1" dur="indefinite" restart="never" nodeType="tmRoot">
+          <p:childTnLst>
+            <p:seq concurrent="1" nextAc="seek">
+              <p:cTn id="2" dur="indefinite" nodeType="mainSeq">
+                <p:childTnLst>
+                  <p:par>
+                    <p:cTn id="3" fill="hold">
+                      <p:stCondLst>
+                        <p:cond delay="indefinite"/>
+                      </p:stCondLst>
+                      <p:childTnLst>
+                        <p:par>
+                          <p:cTn id="4" fill="hold">
+                            <p:stCondLst>
+                              <p:cond delay="0"/>
+                            </p:stCondLst>
+                            <p:childTnLst>
+                              <p:par>
+                                <p:cTn id="5" presetID="1" presetClass="entr" presetSubtype="0" fill="hold" grpId="0" nodeType="clickEffect">
+                                  <p:stCondLst>
+                                    <p:cond delay="0"/>
+                                  </p:stCondLst>
+                                  <p:childTnLst>
+                                    <p:set>
+                                      <p:cBhvr>
+                                        <p:cTn id="6" dur="1" fill="hold">
+                                          <p:stCondLst>
+                                            <p:cond delay="0"/>
+                                          </p:stCondLst>
+                                        </p:cTn>
+                                        <p:tgtEl>
+                                          <p:spTgt spid="7"/>
+                                        </p:tgtEl>
+                                        <p:attrNameLst>
+                                          <p:attrName>style.visibility</p:attrName>
+                                        </p:attrNameLst>
+                                      </p:cBhvr>
+                                      <p:to>
+                                        <p:strVal val="visible"/>
+                                      </p:to>
+                                    </p:set>
+                                  </p:childTnLst>
+                                </p:cTn>
+                              </p:par>
+                            </p:childTnLst>
+                          </p:cTn>
+                        </p:par>
+                      </p:childTnLst>
+                    </p:cTn>
+                  </p:par>
+                </p:childTnLst>
+              </p:cTn>
+              <p:prevCondLst>
+                <p:cond evt="onPrev" delay="0">
+                  <p:tgtEl>
+                    <p:sldTgt/>
+                  </p:tgtEl>
+                </p:cond>
+              </p:prevCondLst>
+              <p:nextCondLst>
+                <p:cond evt="onNext" delay="0">
+                  <p:tgtEl>
+                    <p:sldTgt/>
+                  </p:tgtEl>
+                </p:cond>
+              </p:nextCondLst>
+            </p:seq>
+          </p:childTnLst>
+        </p:cTn>
+      </p:par>
+    </p:tnLst>
+    <p:bldLst>
+      <p:bldP spid="7" grpId="0" animBg="1"/>
+    </p:bldLst>
+  </p:timing>
+</p:sld>
+</file>
+
+<file path=ppt/slides/slide34.xml><?xml version="1.0" encoding="utf-8"?>
+<p:sld xmlns:a="http://schemas.openxmlformats.org/drawingml/2006/main" xmlns:r="http://schemas.openxmlformats.org/officeDocument/2006/relationships" xmlns:p="http://schemas.openxmlformats.org/presentationml/2006/main">
+  <p:cSld>
+    <p:spTree>
+      <p:nvGrpSpPr>
+        <p:cNvPr id="1" name=""/>
+        <p:cNvGrpSpPr/>
+        <p:nvPr/>
+      </p:nvGrpSpPr>
+      <p:grpSpPr>
+        <a:xfrm>
+          <a:off x="0" y="0"/>
+          <a:ext cx="0" cy="0"/>
+          <a:chOff x="0" y="0"/>
+          <a:chExt cx="0" cy="0"/>
+        </a:xfrm>
+      </p:grpSpPr>
+      <p:sp>
+        <p:nvSpPr>
+          <p:cNvPr id="2" name="Title 1">
+            <a:extLst>
+              <a:ext uri="{FF2B5EF4-FFF2-40B4-BE49-F238E27FC236}">
+                <a16:creationId xmlns:a16="http://schemas.microsoft.com/office/drawing/2014/main" id="{5D47E52C-C68B-48ED-C2F6-90624F3E92FB}"/>
+              </a:ext>
+            </a:extLst>
+          </p:cNvPr>
+          <p:cNvSpPr>
+            <a:spLocks noGrp="1"/>
+          </p:cNvSpPr>
+          <p:nvPr>
+            <p:ph type="title"/>
+          </p:nvPr>
+        </p:nvSpPr>
+        <p:spPr/>
+        <p:txBody>
+          <a:bodyPr/>
+          <a:lstStyle/>
+          <a:p>
+            <a:r>
+              <a:rPr lang="en-US" dirty="0"/>
+              <a:t>Further reading</a:t>
+            </a:r>
+            <a:endParaRPr lang="LID4096" dirty="0"/>
+          </a:p>
+        </p:txBody>
+      </p:sp>
+      <p:sp>
+        <p:nvSpPr>
+          <p:cNvPr id="3" name="Content Placeholder 2">
+            <a:extLst>
+              <a:ext uri="{FF2B5EF4-FFF2-40B4-BE49-F238E27FC236}">
+                <a16:creationId xmlns:a16="http://schemas.microsoft.com/office/drawing/2014/main" id="{4185A2C6-A3DC-11B2-63F1-FAC2EF9310FD}"/>
+              </a:ext>
+            </a:extLst>
+          </p:cNvPr>
+          <p:cNvSpPr>
+            <a:spLocks noGrp="1"/>
+          </p:cNvSpPr>
+          <p:nvPr>
+            <p:ph idx="1"/>
+          </p:nvPr>
+        </p:nvSpPr>
+        <p:spPr/>
+        <p:txBody>
+          <a:bodyPr/>
+          <a:lstStyle/>
+          <a:p>
+            <a:r>
+              <a:rPr lang="en-US" dirty="0"/>
+              <a:t>Conan documentation</a:t>
+            </a:r>
+            <a:br>
+              <a:rPr lang="en-US" dirty="0"/>
+            </a:br>
+            <a:r>
+              <a:rPr lang="en-US" dirty="0">
+                <a:hlinkClick r:id="rId2"/>
+              </a:rPr>
+              <a:t>https://docs.conan.io/2/</a:t>
+            </a:r>
+            <a:r>
+              <a:rPr lang="en-US" dirty="0"/>
+              <a:t> </a:t>
+            </a:r>
+          </a:p>
+          <a:p>
+            <a:r>
+              <a:rPr lang="en-US" dirty="0" err="1"/>
+              <a:t>vcpkg</a:t>
+            </a:r>
+            <a:r>
+              <a:rPr lang="en-US" dirty="0"/>
+              <a:t> documentation</a:t>
+            </a:r>
+            <a:br>
+              <a:rPr lang="en-US" dirty="0"/>
+            </a:br>
+            <a:r>
+              <a:rPr lang="en-US" dirty="0">
+                <a:hlinkClick r:id="rId3"/>
+              </a:rPr>
+              <a:t>https://learn.microsoft.com/en-us/vcpkg/</a:t>
+            </a:r>
+            <a:endParaRPr lang="en-US" dirty="0"/>
+          </a:p>
+          <a:p>
+            <a:r>
+              <a:rPr lang="en-US" dirty="0"/>
+              <a:t>CPM site</a:t>
+            </a:r>
+            <a:br>
+              <a:rPr lang="en-US" dirty="0"/>
+            </a:br>
+            <a:r>
+              <a:rPr lang="en-US" dirty="0">
+                <a:hlinkClick r:id="rId4"/>
+              </a:rPr>
+              <a:t>https://github.com/cpm-cmake/CPM.cmake</a:t>
+            </a:r>
+            <a:r>
+              <a:rPr lang="en-US" dirty="0"/>
+              <a:t> </a:t>
+            </a:r>
+            <a:br>
+              <a:rPr lang="en-US" dirty="0"/>
+            </a:br>
+            <a:r>
+              <a:rPr lang="en-US" dirty="0"/>
+              <a:t> </a:t>
+            </a:r>
+            <a:endParaRPr lang="LID4096" dirty="0"/>
+          </a:p>
+        </p:txBody>
+      </p:sp>
+      <p:sp>
+        <p:nvSpPr>
+          <p:cNvPr id="4" name="Slide Number Placeholder 3">
+            <a:extLst>
+              <a:ext uri="{FF2B5EF4-FFF2-40B4-BE49-F238E27FC236}">
+                <a16:creationId xmlns:a16="http://schemas.microsoft.com/office/drawing/2014/main" id="{7A6CA5D4-ECE8-DEEA-8D8A-F23346724986}"/>
+              </a:ext>
+            </a:extLst>
+          </p:cNvPr>
+          <p:cNvSpPr>
+            <a:spLocks noGrp="1"/>
+          </p:cNvSpPr>
+          <p:nvPr>
+            <p:ph type="sldNum" sz="quarter" idx="12"/>
+          </p:nvPr>
+        </p:nvSpPr>
+        <p:spPr/>
+        <p:txBody>
+          <a:bodyPr/>
+          <a:lstStyle/>
+          <a:p>
+            <a:fld id="{FDB1AA33-DFBB-49AC-8CEE-23FFECEB5648}" type="slidenum">
+              <a:rPr lang="LID4096" smtClean="0"/>
+              <a:t>34</a:t>
+            </a:fld>
+            <a:endParaRPr lang="LID4096"/>
+          </a:p>
+        </p:txBody>
+      </p:sp>
+    </p:spTree>
+    <p:extLst>
+      <p:ext uri="{BB962C8B-B14F-4D97-AF65-F5344CB8AC3E}">
+        <p14:creationId xmlns:p14="http://schemas.microsoft.com/office/powerpoint/2010/main" val="82836660"/>
+      </p:ext>
+    </p:extLst>
+  </p:cSld>
+  <p:clrMapOvr>
+    <a:masterClrMapping/>
+  </p:clrMapOvr>
+</p:sld>
+</file>
+
+<file path=ppt/slides/slide35.xml><?xml version="1.0" encoding="utf-8"?>
+<p:sld xmlns:a="http://schemas.openxmlformats.org/drawingml/2006/main" xmlns:r="http://schemas.openxmlformats.org/officeDocument/2006/relationships" xmlns:p="http://schemas.openxmlformats.org/presentationml/2006/main">
+  <p:cSld>
+    <p:spTree>
+      <p:nvGrpSpPr>
+        <p:cNvPr id="1" name=""/>
+        <p:cNvGrpSpPr/>
+        <p:nvPr/>
+      </p:nvGrpSpPr>
+      <p:grpSpPr>
+        <a:xfrm>
+          <a:off x="0" y="0"/>
+          <a:ext cx="0" cy="0"/>
+          <a:chOff x="0" y="0"/>
+          <a:chExt cx="0" cy="0"/>
+        </a:xfrm>
+      </p:grpSpPr>
+      <p:sp>
+        <p:nvSpPr>
+          <p:cNvPr id="2" name="Title 1">
+            <a:extLst>
+              <a:ext uri="{FF2B5EF4-FFF2-40B4-BE49-F238E27FC236}">
+                <a16:creationId xmlns:a16="http://schemas.microsoft.com/office/drawing/2014/main" id="{22DA9DDC-00AC-C65F-BAB9-D666A4911419}"/>
+              </a:ext>
+            </a:extLst>
+          </p:cNvPr>
+          <p:cNvSpPr>
+            <a:spLocks noGrp="1"/>
+          </p:cNvSpPr>
+          <p:nvPr>
+            <p:ph type="title"/>
+          </p:nvPr>
+        </p:nvSpPr>
+        <p:spPr/>
+        <p:txBody>
+          <a:bodyPr/>
+          <a:lstStyle/>
+          <a:p>
+            <a:r>
+              <a:rPr lang="en-US" dirty="0"/>
+              <a:t>Design patterns</a:t>
+            </a:r>
+            <a:endParaRPr lang="LID4096" dirty="0"/>
+          </a:p>
+        </p:txBody>
+      </p:sp>
+      <p:sp>
+        <p:nvSpPr>
+          <p:cNvPr id="3" name="Text Placeholder 2">
+            <a:extLst>
+              <a:ext uri="{FF2B5EF4-FFF2-40B4-BE49-F238E27FC236}">
+                <a16:creationId xmlns:a16="http://schemas.microsoft.com/office/drawing/2014/main" id="{9A3CC304-7A54-167F-627F-941E46AB2D0A}"/>
+              </a:ext>
+            </a:extLst>
+          </p:cNvPr>
+          <p:cNvSpPr>
+            <a:spLocks noGrp="1"/>
+          </p:cNvSpPr>
+          <p:nvPr>
+            <p:ph type="body" idx="1"/>
+          </p:nvPr>
+        </p:nvSpPr>
+        <p:spPr/>
+        <p:txBody>
+          <a:bodyPr/>
+          <a:lstStyle/>
+          <a:p>
+            <a:endParaRPr lang="LID4096"/>
+          </a:p>
+        </p:txBody>
+      </p:sp>
+      <p:sp>
+        <p:nvSpPr>
+          <p:cNvPr id="4" name="Slide Number Placeholder 3">
+            <a:extLst>
+              <a:ext uri="{FF2B5EF4-FFF2-40B4-BE49-F238E27FC236}">
+                <a16:creationId xmlns:a16="http://schemas.microsoft.com/office/drawing/2014/main" id="{22A889D4-CBB4-A356-9FBF-17C5A6AB3E9C}"/>
+              </a:ext>
+            </a:extLst>
+          </p:cNvPr>
+          <p:cNvSpPr>
+            <a:spLocks noGrp="1"/>
+          </p:cNvSpPr>
+          <p:nvPr>
+            <p:ph type="sldNum" sz="quarter" idx="12"/>
+          </p:nvPr>
+        </p:nvSpPr>
+        <p:spPr/>
+        <p:txBody>
+          <a:bodyPr/>
+          <a:lstStyle/>
+          <a:p>
+            <a:fld id="{FDB1AA33-DFBB-49AC-8CEE-23FFECEB5648}" type="slidenum">
+              <a:rPr lang="LID4096" smtClean="0"/>
+              <a:t>35</a:t>
+            </a:fld>
+            <a:endParaRPr lang="LID4096"/>
+          </a:p>
+        </p:txBody>
+      </p:sp>
+    </p:spTree>
+    <p:extLst>
+      <p:ext uri="{BB962C8B-B14F-4D97-AF65-F5344CB8AC3E}">
+        <p14:creationId xmlns:p14="http://schemas.microsoft.com/office/powerpoint/2010/main" val="2812671867"/>
       </p:ext>
     </p:extLst>
   </p:cSld>

--- a/cpp_software_engineering.pptx
+++ b/cpp_software_engineering.pptx
@@ -5,7 +5,7 @@
     <p:sldMasterId id="2147483648" r:id="rId1"/>
   </p:sldMasterIdLst>
   <p:notesMasterIdLst>
-    <p:notesMasterId r:id="rId37"/>
+    <p:notesMasterId r:id="rId40"/>
   </p:notesMasterIdLst>
   <p:sldIdLst>
     <p:sldId id="257" r:id="rId2"/>
@@ -43,6 +43,9 @@
     <p:sldId id="387" r:id="rId34"/>
     <p:sldId id="385" r:id="rId35"/>
     <p:sldId id="388" r:id="rId36"/>
+    <p:sldId id="389" r:id="rId37"/>
+    <p:sldId id="390" r:id="rId38"/>
+    <p:sldId id="391" r:id="rId39"/>
   </p:sldIdLst>
   <p:sldSz cx="12192000" cy="6858000"/>
   <p:notesSz cx="6858000" cy="9144000"/>
@@ -200,7 +203,14 @@
             <p14:sldId id="386"/>
             <p14:sldId id="387"/>
             <p14:sldId id="385"/>
+          </p14:sldIdLst>
+        </p14:section>
+        <p14:section name="Design patterns" id="{0C77B766-F7F3-4118-BE76-9D5D9D4086B8}">
+          <p14:sldIdLst>
             <p14:sldId id="388"/>
+            <p14:sldId id="389"/>
+            <p14:sldId id="390"/>
+            <p14:sldId id="391"/>
           </p14:sldIdLst>
         </p14:section>
       </p14:sectionLst>
@@ -16503,6 +16513,565 @@
     <p:extLst>
       <p:ext uri="{BB962C8B-B14F-4D97-AF65-F5344CB8AC3E}">
         <p14:creationId xmlns:p14="http://schemas.microsoft.com/office/powerpoint/2010/main" val="2812671867"/>
+      </p:ext>
+    </p:extLst>
+  </p:cSld>
+  <p:clrMapOvr>
+    <a:masterClrMapping/>
+  </p:clrMapOvr>
+</p:sld>
+</file>
+
+<file path=ppt/slides/slide36.xml><?xml version="1.0" encoding="utf-8"?>
+<p:sld xmlns:a="http://schemas.openxmlformats.org/drawingml/2006/main" xmlns:r="http://schemas.openxmlformats.org/officeDocument/2006/relationships" xmlns:p="http://schemas.openxmlformats.org/presentationml/2006/main">
+  <p:cSld>
+    <p:spTree>
+      <p:nvGrpSpPr>
+        <p:cNvPr id="1" name=""/>
+        <p:cNvGrpSpPr/>
+        <p:nvPr/>
+      </p:nvGrpSpPr>
+      <p:grpSpPr>
+        <a:xfrm>
+          <a:off x="0" y="0"/>
+          <a:ext cx="0" cy="0"/>
+          <a:chOff x="0" y="0"/>
+          <a:chExt cx="0" cy="0"/>
+        </a:xfrm>
+      </p:grpSpPr>
+      <p:sp>
+        <p:nvSpPr>
+          <p:cNvPr id="2" name="Title 1">
+            <a:extLst>
+              <a:ext uri="{FF2B5EF4-FFF2-40B4-BE49-F238E27FC236}">
+                <a16:creationId xmlns:a16="http://schemas.microsoft.com/office/drawing/2014/main" id="{0CDE1B04-6F71-4330-B666-5B7B430C7C40}"/>
+              </a:ext>
+            </a:extLst>
+          </p:cNvPr>
+          <p:cNvSpPr>
+            <a:spLocks noGrp="1"/>
+          </p:cNvSpPr>
+          <p:nvPr>
+            <p:ph type="title"/>
+          </p:nvPr>
+        </p:nvSpPr>
+        <p:spPr/>
+        <p:txBody>
+          <a:bodyPr/>
+          <a:lstStyle/>
+          <a:p>
+            <a:r>
+              <a:rPr lang="en-US" dirty="0"/>
+              <a:t>Motivation</a:t>
+            </a:r>
+          </a:p>
+        </p:txBody>
+      </p:sp>
+      <p:sp>
+        <p:nvSpPr>
+          <p:cNvPr id="3" name="Content Placeholder 2">
+            <a:extLst>
+              <a:ext uri="{FF2B5EF4-FFF2-40B4-BE49-F238E27FC236}">
+                <a16:creationId xmlns:a16="http://schemas.microsoft.com/office/drawing/2014/main" id="{CC98AEC1-1A7F-4251-B837-4A655C9DC61E}"/>
+              </a:ext>
+            </a:extLst>
+          </p:cNvPr>
+          <p:cNvSpPr>
+            <a:spLocks noGrp="1"/>
+          </p:cNvSpPr>
+          <p:nvPr>
+            <p:ph idx="1"/>
+          </p:nvPr>
+        </p:nvSpPr>
+        <p:spPr/>
+        <p:txBody>
+          <a:bodyPr/>
+          <a:lstStyle/>
+          <a:p>
+            <a:r>
+              <a:rPr lang="en-US" dirty="0"/>
+              <a:t>Observation: patterns in problems to solve</a:t>
+            </a:r>
+          </a:p>
+          <a:p>
+            <a:r>
+              <a:rPr lang="en-US" dirty="0"/>
+              <a:t>Design pattern = recipe for software design</a:t>
+            </a:r>
+          </a:p>
+          <a:p>
+            <a:pPr lvl="1"/>
+            <a:r>
+              <a:rPr lang="en-US" dirty="0"/>
+              <a:t>Don’t reinvent the wheel</a:t>
+            </a:r>
+          </a:p>
+        </p:txBody>
+      </p:sp>
+      <p:sp>
+        <p:nvSpPr>
+          <p:cNvPr id="4" name="Slide Number Placeholder 3">
+            <a:extLst>
+              <a:ext uri="{FF2B5EF4-FFF2-40B4-BE49-F238E27FC236}">
+                <a16:creationId xmlns:a16="http://schemas.microsoft.com/office/drawing/2014/main" id="{9F31908B-C8B8-481C-9414-BA9B8EAA880A}"/>
+              </a:ext>
+            </a:extLst>
+          </p:cNvPr>
+          <p:cNvSpPr>
+            <a:spLocks noGrp="1"/>
+          </p:cNvSpPr>
+          <p:nvPr>
+            <p:ph type="sldNum" sz="quarter" idx="12"/>
+          </p:nvPr>
+        </p:nvSpPr>
+        <p:spPr/>
+        <p:txBody>
+          <a:bodyPr/>
+          <a:lstStyle/>
+          <a:p>
+            <a:fld id="{5A209D72-2E9D-49B0-8977-41DCCC66C0BB}" type="slidenum">
+              <a:rPr lang="nl-BE" smtClean="0"/>
+              <a:t>36</a:t>
+            </a:fld>
+            <a:endParaRPr lang="nl-BE"/>
+          </a:p>
+        </p:txBody>
+      </p:sp>
+    </p:spTree>
+    <p:extLst>
+      <p:ext uri="{BB962C8B-B14F-4D97-AF65-F5344CB8AC3E}">
+        <p14:creationId xmlns:p14="http://schemas.microsoft.com/office/powerpoint/2010/main" val="3503158207"/>
+      </p:ext>
+    </p:extLst>
+  </p:cSld>
+  <p:clrMapOvr>
+    <a:masterClrMapping/>
+  </p:clrMapOvr>
+</p:sld>
+</file>
+
+<file path=ppt/slides/slide37.xml><?xml version="1.0" encoding="utf-8"?>
+<p:sld xmlns:a="http://schemas.openxmlformats.org/drawingml/2006/main" xmlns:r="http://schemas.openxmlformats.org/officeDocument/2006/relationships" xmlns:p="http://schemas.openxmlformats.org/presentationml/2006/main">
+  <p:cSld>
+    <p:spTree>
+      <p:nvGrpSpPr>
+        <p:cNvPr id="1" name=""/>
+        <p:cNvGrpSpPr/>
+        <p:nvPr/>
+      </p:nvGrpSpPr>
+      <p:grpSpPr>
+        <a:xfrm>
+          <a:off x="0" y="0"/>
+          <a:ext cx="0" cy="0"/>
+          <a:chOff x="0" y="0"/>
+          <a:chExt cx="0" cy="0"/>
+        </a:xfrm>
+      </p:grpSpPr>
+      <p:sp>
+        <p:nvSpPr>
+          <p:cNvPr id="2" name="Title 1">
+            <a:extLst>
+              <a:ext uri="{FF2B5EF4-FFF2-40B4-BE49-F238E27FC236}">
+                <a16:creationId xmlns:a16="http://schemas.microsoft.com/office/drawing/2014/main" id="{AA5E72B2-61DF-4F7D-A226-9483D7C44016}"/>
+              </a:ext>
+            </a:extLst>
+          </p:cNvPr>
+          <p:cNvSpPr>
+            <a:spLocks noGrp="1"/>
+          </p:cNvSpPr>
+          <p:nvPr>
+            <p:ph type="title"/>
+          </p:nvPr>
+        </p:nvSpPr>
+        <p:spPr/>
+        <p:txBody>
+          <a:bodyPr/>
+          <a:lstStyle/>
+          <a:p>
+            <a:r>
+              <a:rPr lang="en-US" dirty="0"/>
+              <a:t>Patterns</a:t>
+            </a:r>
+          </a:p>
+        </p:txBody>
+      </p:sp>
+      <p:sp>
+        <p:nvSpPr>
+          <p:cNvPr id="3" name="Content Placeholder 2">
+            <a:extLst>
+              <a:ext uri="{FF2B5EF4-FFF2-40B4-BE49-F238E27FC236}">
+                <a16:creationId xmlns:a16="http://schemas.microsoft.com/office/drawing/2014/main" id="{D04ABB18-0664-4863-B217-DD2E149B55F2}"/>
+              </a:ext>
+            </a:extLst>
+          </p:cNvPr>
+          <p:cNvSpPr>
+            <a:spLocks noGrp="1"/>
+          </p:cNvSpPr>
+          <p:nvPr>
+            <p:ph idx="1"/>
+          </p:nvPr>
+        </p:nvSpPr>
+        <p:spPr/>
+        <p:txBody>
+          <a:bodyPr/>
+          <a:lstStyle/>
+          <a:p>
+            <a:r>
+              <a:rPr lang="en-US" dirty="0"/>
+              <a:t>Quite a lot (23 originally)</a:t>
+            </a:r>
+          </a:p>
+          <a:p>
+            <a:pPr lvl="1"/>
+            <a:r>
+              <a:rPr lang="en-US" dirty="0"/>
+              <a:t>Creational patterns</a:t>
+            </a:r>
+          </a:p>
+          <a:p>
+            <a:pPr lvl="2"/>
+            <a:r>
+              <a:rPr lang="en-US" dirty="0"/>
+              <a:t>E.g., builder, factory</a:t>
+            </a:r>
+          </a:p>
+          <a:p>
+            <a:pPr lvl="1"/>
+            <a:r>
+              <a:rPr lang="en-US" dirty="0"/>
+              <a:t>Structural patterns</a:t>
+            </a:r>
+          </a:p>
+          <a:p>
+            <a:pPr lvl="2"/>
+            <a:r>
+              <a:rPr lang="en-US" dirty="0"/>
+              <a:t>E.g., decorator</a:t>
+            </a:r>
+          </a:p>
+          <a:p>
+            <a:pPr lvl="1"/>
+            <a:r>
+              <a:rPr lang="en-US" dirty="0"/>
+              <a:t>Behavioral patterns</a:t>
+            </a:r>
+          </a:p>
+          <a:p>
+            <a:pPr lvl="2"/>
+            <a:r>
+              <a:rPr lang="en-US" dirty="0"/>
+              <a:t>E.g., state, strategy</a:t>
+            </a:r>
+          </a:p>
+          <a:p>
+            <a:pPr lvl="1"/>
+            <a:r>
+              <a:rPr lang="en-US" dirty="0"/>
+              <a:t>Parallel patterns</a:t>
+            </a:r>
+          </a:p>
+        </p:txBody>
+      </p:sp>
+      <p:sp>
+        <p:nvSpPr>
+          <p:cNvPr id="4" name="Slide Number Placeholder 3">
+            <a:extLst>
+              <a:ext uri="{FF2B5EF4-FFF2-40B4-BE49-F238E27FC236}">
+                <a16:creationId xmlns:a16="http://schemas.microsoft.com/office/drawing/2014/main" id="{6CAD0D00-276F-449C-8ED3-67B7F75E2EF3}"/>
+              </a:ext>
+            </a:extLst>
+          </p:cNvPr>
+          <p:cNvSpPr>
+            <a:spLocks noGrp="1"/>
+          </p:cNvSpPr>
+          <p:nvPr>
+            <p:ph type="sldNum" sz="quarter" idx="12"/>
+          </p:nvPr>
+        </p:nvSpPr>
+        <p:spPr/>
+        <p:txBody>
+          <a:bodyPr/>
+          <a:lstStyle/>
+          <a:p>
+            <a:fld id="{5A209D72-2E9D-49B0-8977-41DCCC66C0BB}" type="slidenum">
+              <a:rPr lang="nl-BE" smtClean="0"/>
+              <a:t>37</a:t>
+            </a:fld>
+            <a:endParaRPr lang="nl-BE"/>
+          </a:p>
+        </p:txBody>
+      </p:sp>
+      <p:sp>
+        <p:nvSpPr>
+          <p:cNvPr id="5" name="TextBox 4">
+            <a:extLst>
+              <a:ext uri="{FF2B5EF4-FFF2-40B4-BE49-F238E27FC236}">
+                <a16:creationId xmlns:a16="http://schemas.microsoft.com/office/drawing/2014/main" id="{0847D2CC-8781-2378-7EC4-F6B367CC3018}"/>
+              </a:ext>
+            </a:extLst>
+          </p:cNvPr>
+          <p:cNvSpPr txBox="1"/>
+          <p:nvPr/>
+        </p:nvSpPr>
+        <p:spPr>
+          <a:xfrm>
+            <a:off x="608437" y="5084258"/>
+            <a:ext cx="9022535" cy="646331"/>
+          </a:xfrm>
+          <a:prstGeom prst="rect">
+            <a:avLst/>
+          </a:prstGeom>
+          <a:noFill/>
+          <a:ln>
+            <a:solidFill>
+              <a:schemeClr val="tx1"/>
+            </a:solidFill>
+          </a:ln>
+        </p:spPr>
+        <p:txBody>
+          <a:bodyPr wrap="none" rtlCol="0">
+            <a:spAutoFit/>
+          </a:bodyPr>
+          <a:lstStyle/>
+          <a:p>
+            <a:r>
+              <a:rPr lang="en-US" sz="2000" dirty="0"/>
+              <a:t>See</a:t>
+            </a:r>
+          </a:p>
+          <a:p>
+            <a:r>
+              <a:rPr lang="en-US" sz="1600" dirty="0">
+                <a:hlinkClick r:id="rId2"/>
+              </a:rPr>
+              <a:t>https://github.com/gjbex/C-plus-plus-software-engineering/tree/main/source-code/design-patterns</a:t>
+            </a:r>
+            <a:r>
+              <a:rPr lang="en-US" sz="1600" dirty="0"/>
+              <a:t> </a:t>
+            </a:r>
+            <a:endParaRPr lang="LID4096" sz="1600" dirty="0"/>
+          </a:p>
+        </p:txBody>
+      </p:sp>
+    </p:spTree>
+    <p:extLst>
+      <p:ext uri="{BB962C8B-B14F-4D97-AF65-F5344CB8AC3E}">
+        <p14:creationId xmlns:p14="http://schemas.microsoft.com/office/powerpoint/2010/main" val="1597816929"/>
+      </p:ext>
+    </p:extLst>
+  </p:cSld>
+  <p:clrMapOvr>
+    <a:masterClrMapping/>
+  </p:clrMapOvr>
+  <p:timing>
+    <p:tnLst>
+      <p:par>
+        <p:cTn id="1" dur="indefinite" restart="never" nodeType="tmRoot">
+          <p:childTnLst>
+            <p:seq concurrent="1" nextAc="seek">
+              <p:cTn id="2" dur="indefinite" nodeType="mainSeq">
+                <p:childTnLst>
+                  <p:par>
+                    <p:cTn id="3" fill="hold">
+                      <p:stCondLst>
+                        <p:cond delay="indefinite"/>
+                      </p:stCondLst>
+                      <p:childTnLst>
+                        <p:par>
+                          <p:cTn id="4" fill="hold">
+                            <p:stCondLst>
+                              <p:cond delay="0"/>
+                            </p:stCondLst>
+                            <p:childTnLst>
+                              <p:par>
+                                <p:cTn id="5" presetID="1" presetClass="entr" presetSubtype="0" fill="hold" grpId="0" nodeType="clickEffect">
+                                  <p:stCondLst>
+                                    <p:cond delay="0"/>
+                                  </p:stCondLst>
+                                  <p:childTnLst>
+                                    <p:set>
+                                      <p:cBhvr>
+                                        <p:cTn id="6" dur="1" fill="hold">
+                                          <p:stCondLst>
+                                            <p:cond delay="0"/>
+                                          </p:stCondLst>
+                                        </p:cTn>
+                                        <p:tgtEl>
+                                          <p:spTgt spid="5"/>
+                                        </p:tgtEl>
+                                        <p:attrNameLst>
+                                          <p:attrName>style.visibility</p:attrName>
+                                        </p:attrNameLst>
+                                      </p:cBhvr>
+                                      <p:to>
+                                        <p:strVal val="visible"/>
+                                      </p:to>
+                                    </p:set>
+                                  </p:childTnLst>
+                                </p:cTn>
+                              </p:par>
+                            </p:childTnLst>
+                          </p:cTn>
+                        </p:par>
+                      </p:childTnLst>
+                    </p:cTn>
+                  </p:par>
+                </p:childTnLst>
+              </p:cTn>
+              <p:prevCondLst>
+                <p:cond evt="onPrev" delay="0">
+                  <p:tgtEl>
+                    <p:sldTgt/>
+                  </p:tgtEl>
+                </p:cond>
+              </p:prevCondLst>
+              <p:nextCondLst>
+                <p:cond evt="onNext" delay="0">
+                  <p:tgtEl>
+                    <p:sldTgt/>
+                  </p:tgtEl>
+                </p:cond>
+              </p:nextCondLst>
+            </p:seq>
+          </p:childTnLst>
+        </p:cTn>
+      </p:par>
+    </p:tnLst>
+    <p:bldLst>
+      <p:bldP spid="5" grpId="0" animBg="1"/>
+    </p:bldLst>
+  </p:timing>
+</p:sld>
+</file>
+
+<file path=ppt/slides/slide38.xml><?xml version="1.0" encoding="utf-8"?>
+<p:sld xmlns:a="http://schemas.openxmlformats.org/drawingml/2006/main" xmlns:r="http://schemas.openxmlformats.org/officeDocument/2006/relationships" xmlns:p="http://schemas.openxmlformats.org/presentationml/2006/main">
+  <p:cSld>
+    <p:spTree>
+      <p:nvGrpSpPr>
+        <p:cNvPr id="1" name=""/>
+        <p:cNvGrpSpPr/>
+        <p:nvPr/>
+      </p:nvGrpSpPr>
+      <p:grpSpPr>
+        <a:xfrm>
+          <a:off x="0" y="0"/>
+          <a:ext cx="0" cy="0"/>
+          <a:chOff x="0" y="0"/>
+          <a:chExt cx="0" cy="0"/>
+        </a:xfrm>
+      </p:grpSpPr>
+      <p:sp>
+        <p:nvSpPr>
+          <p:cNvPr id="2" name="Title 1"/>
+          <p:cNvSpPr>
+            <a:spLocks noGrp="1"/>
+          </p:cNvSpPr>
+          <p:nvPr>
+            <p:ph type="title"/>
+          </p:nvPr>
+        </p:nvSpPr>
+        <p:spPr/>
+        <p:txBody>
+          <a:bodyPr/>
+          <a:lstStyle/>
+          <a:p>
+            <a:r>
+              <a:rPr lang="en-US" dirty="0"/>
+              <a:t>Further reading</a:t>
+            </a:r>
+            <a:endParaRPr lang="nl-BE" dirty="0"/>
+          </a:p>
+        </p:txBody>
+      </p:sp>
+      <p:sp>
+        <p:nvSpPr>
+          <p:cNvPr id="3" name="Content Placeholder 2"/>
+          <p:cNvSpPr>
+            <a:spLocks noGrp="1"/>
+          </p:cNvSpPr>
+          <p:nvPr>
+            <p:ph idx="1"/>
+          </p:nvPr>
+        </p:nvSpPr>
+        <p:spPr/>
+        <p:txBody>
+          <a:bodyPr/>
+          <a:lstStyle/>
+          <a:p>
+            <a:r>
+              <a:rPr lang="en-US" dirty="0"/>
+              <a:t>Erich Gamma, Richard Helm, Ralph Johnson and John </a:t>
+            </a:r>
+            <a:r>
+              <a:rPr lang="en-US" dirty="0" err="1"/>
+              <a:t>Vlissides</a:t>
+            </a:r>
+            <a:r>
+              <a:rPr lang="en-US" dirty="0"/>
+              <a:t> (1994) </a:t>
+            </a:r>
+            <a:r>
+              <a:rPr lang="en-US" i="1" dirty="0"/>
+              <a:t>Design patterns: elements of reusable object-oriented software</a:t>
+            </a:r>
+            <a:r>
+              <a:rPr lang="en-US" dirty="0"/>
+              <a:t>, Addison-Wesley</a:t>
+            </a:r>
+            <a:endParaRPr lang="en-US" sz="2800" dirty="0"/>
+          </a:p>
+          <a:p>
+            <a:endParaRPr lang="en-US" sz="2800" dirty="0"/>
+          </a:p>
+          <a:p>
+            <a:endParaRPr lang="nl-BE" dirty="0"/>
+          </a:p>
+        </p:txBody>
+      </p:sp>
+      <p:sp>
+        <p:nvSpPr>
+          <p:cNvPr id="4" name="Slide Number Placeholder 3"/>
+          <p:cNvSpPr>
+            <a:spLocks noGrp="1"/>
+          </p:cNvSpPr>
+          <p:nvPr>
+            <p:ph type="sldNum" sz="quarter" idx="12"/>
+          </p:nvPr>
+        </p:nvSpPr>
+        <p:spPr/>
+        <p:txBody>
+          <a:bodyPr/>
+          <a:lstStyle/>
+          <a:p>
+            <a:fld id="{5A209D72-2E9D-49B0-8977-41DCCC66C0BB}" type="slidenum">
+              <a:rPr lang="nl-BE">
+                <a:solidFill>
+                  <a:prstClr val="black">
+                    <a:tint val="75000"/>
+                  </a:prstClr>
+                </a:solidFill>
+                <a:latin typeface="Calibri"/>
+              </a:rPr>
+              <a:pPr/>
+              <a:t>38</a:t>
+            </a:fld>
+            <a:endParaRPr lang="nl-BE">
+              <a:solidFill>
+                <a:prstClr val="black">
+                  <a:tint val="75000"/>
+                </a:prstClr>
+              </a:solidFill>
+              <a:latin typeface="Calibri"/>
+            </a:endParaRPr>
+          </a:p>
+        </p:txBody>
+      </p:sp>
+    </p:spTree>
+    <p:extLst>
+      <p:ext uri="{BB962C8B-B14F-4D97-AF65-F5344CB8AC3E}">
+        <p14:creationId xmlns:p14="http://schemas.microsoft.com/office/powerpoint/2010/main" val="4100769943"/>
       </p:ext>
     </p:extLst>
   </p:cSld>

--- a/cpp_software_engineering.pptx
+++ b/cpp_software_engineering.pptx
@@ -5,7 +5,7 @@
     <p:sldMasterId id="2147483648" r:id="rId1"/>
   </p:sldMasterIdLst>
   <p:notesMasterIdLst>
-    <p:notesMasterId r:id="rId40"/>
+    <p:notesMasterId r:id="rId42"/>
   </p:notesMasterIdLst>
   <p:sldIdLst>
     <p:sldId id="257" r:id="rId2"/>
@@ -46,6 +46,8 @@
     <p:sldId id="389" r:id="rId37"/>
     <p:sldId id="390" r:id="rId38"/>
     <p:sldId id="391" r:id="rId39"/>
+    <p:sldId id="392" r:id="rId40"/>
+    <p:sldId id="393" r:id="rId41"/>
   </p:sldIdLst>
   <p:sldSz cx="12192000" cy="6858000"/>
   <p:notesSz cx="6858000" cy="9144000"/>
@@ -211,6 +213,12 @@
             <p14:sldId id="389"/>
             <p14:sldId id="390"/>
             <p14:sldId id="391"/>
+          </p14:sldIdLst>
+        </p14:section>
+        <p14:section name="Functional approach" id="{4B4382B9-CC1F-4A42-846B-93E1F1BC9BBB}">
+          <p14:sldIdLst>
+            <p14:sldId id="392"/>
+            <p14:sldId id="393"/>
           </p14:sldIdLst>
         </p14:section>
       </p14:sectionLst>
@@ -17081,6 +17089,119 @@
 </p:sld>
 </file>
 
+<file path=ppt/slides/slide39.xml><?xml version="1.0" encoding="utf-8"?>
+<p:sld xmlns:a="http://schemas.openxmlformats.org/drawingml/2006/main" xmlns:r="http://schemas.openxmlformats.org/officeDocument/2006/relationships" xmlns:p="http://schemas.openxmlformats.org/presentationml/2006/main">
+  <p:cSld>
+    <p:spTree>
+      <p:nvGrpSpPr>
+        <p:cNvPr id="1" name=""/>
+        <p:cNvGrpSpPr/>
+        <p:nvPr/>
+      </p:nvGrpSpPr>
+      <p:grpSpPr>
+        <a:xfrm>
+          <a:off x="0" y="0"/>
+          <a:ext cx="0" cy="0"/>
+          <a:chOff x="0" y="0"/>
+          <a:chExt cx="0" cy="0"/>
+        </a:xfrm>
+      </p:grpSpPr>
+      <p:sp>
+        <p:nvSpPr>
+          <p:cNvPr id="5" name="Title 4">
+            <a:extLst>
+              <a:ext uri="{FF2B5EF4-FFF2-40B4-BE49-F238E27FC236}">
+                <a16:creationId xmlns:a16="http://schemas.microsoft.com/office/drawing/2014/main" id="{B047AC09-4137-6264-6757-2F13914ACA28}"/>
+              </a:ext>
+            </a:extLst>
+          </p:cNvPr>
+          <p:cNvSpPr>
+            <a:spLocks noGrp="1"/>
+          </p:cNvSpPr>
+          <p:nvPr>
+            <p:ph type="title"/>
+          </p:nvPr>
+        </p:nvSpPr>
+        <p:spPr/>
+        <p:txBody>
+          <a:bodyPr/>
+          <a:lstStyle/>
+          <a:p>
+            <a:r>
+              <a:rPr lang="en-US" dirty="0"/>
+              <a:t>Functional approach</a:t>
+            </a:r>
+            <a:endParaRPr lang="LID4096" dirty="0"/>
+          </a:p>
+        </p:txBody>
+      </p:sp>
+      <p:sp>
+        <p:nvSpPr>
+          <p:cNvPr id="6" name="Text Placeholder 5">
+            <a:extLst>
+              <a:ext uri="{FF2B5EF4-FFF2-40B4-BE49-F238E27FC236}">
+                <a16:creationId xmlns:a16="http://schemas.microsoft.com/office/drawing/2014/main" id="{482D214C-4E56-C7D6-335F-9FBD13AF24C6}"/>
+              </a:ext>
+            </a:extLst>
+          </p:cNvPr>
+          <p:cNvSpPr>
+            <a:spLocks noGrp="1"/>
+          </p:cNvSpPr>
+          <p:nvPr>
+            <p:ph type="body" idx="1"/>
+          </p:nvPr>
+        </p:nvSpPr>
+        <p:spPr/>
+        <p:txBody>
+          <a:bodyPr/>
+          <a:lstStyle/>
+          <a:p>
+            <a:endParaRPr lang="LID4096"/>
+          </a:p>
+        </p:txBody>
+      </p:sp>
+      <p:sp>
+        <p:nvSpPr>
+          <p:cNvPr id="4" name="Slide Number Placeholder 3">
+            <a:extLst>
+              <a:ext uri="{FF2B5EF4-FFF2-40B4-BE49-F238E27FC236}">
+                <a16:creationId xmlns:a16="http://schemas.microsoft.com/office/drawing/2014/main" id="{B66B75E1-EA21-65CD-B316-C1D421486EE7}"/>
+              </a:ext>
+            </a:extLst>
+          </p:cNvPr>
+          <p:cNvSpPr>
+            <a:spLocks noGrp="1"/>
+          </p:cNvSpPr>
+          <p:nvPr>
+            <p:ph type="sldNum" sz="quarter" idx="12"/>
+          </p:nvPr>
+        </p:nvSpPr>
+        <p:spPr/>
+        <p:txBody>
+          <a:bodyPr/>
+          <a:lstStyle/>
+          <a:p>
+            <a:fld id="{FDB1AA33-DFBB-49AC-8CEE-23FFECEB5648}" type="slidenum">
+              <a:rPr lang="LID4096" smtClean="0"/>
+              <a:t>39</a:t>
+            </a:fld>
+            <a:endParaRPr lang="LID4096"/>
+          </a:p>
+        </p:txBody>
+      </p:sp>
+    </p:spTree>
+    <p:extLst>
+      <p:ext uri="{BB962C8B-B14F-4D97-AF65-F5344CB8AC3E}">
+        <p14:creationId xmlns:p14="http://schemas.microsoft.com/office/powerpoint/2010/main" val="4080926898"/>
+      </p:ext>
+    </p:extLst>
+  </p:cSld>
+  <p:clrMapOvr>
+    <a:masterClrMapping/>
+  </p:clrMapOvr>
+</p:sld>
+</file>
+
 <file path=ppt/slides/slide4.xml><?xml version="1.0" encoding="utf-8"?>
 <p:sld xmlns:a="http://schemas.openxmlformats.org/drawingml/2006/main" xmlns:r="http://schemas.openxmlformats.org/officeDocument/2006/relationships" xmlns:p="http://schemas.openxmlformats.org/presentationml/2006/main">
   <p:cSld>
@@ -18399,6 +18520,272 @@
       <p:bldP spid="3" grpId="0" uiExpand="1" build="p"/>
       <p:bldP spid="5" grpId="0" animBg="1"/>
       <p:bldP spid="6" grpId="0" animBg="1"/>
+    </p:bldLst>
+  </p:timing>
+</p:sld>
+</file>
+
+<file path=ppt/slides/slide40.xml><?xml version="1.0" encoding="utf-8"?>
+<p:sld xmlns:a="http://schemas.openxmlformats.org/drawingml/2006/main" xmlns:r="http://schemas.openxmlformats.org/officeDocument/2006/relationships" xmlns:p="http://schemas.openxmlformats.org/presentationml/2006/main">
+  <p:cSld>
+    <p:spTree>
+      <p:nvGrpSpPr>
+        <p:cNvPr id="1" name=""/>
+        <p:cNvGrpSpPr/>
+        <p:nvPr/>
+      </p:nvGrpSpPr>
+      <p:grpSpPr>
+        <a:xfrm>
+          <a:off x="0" y="0"/>
+          <a:ext cx="0" cy="0"/>
+          <a:chOff x="0" y="0"/>
+          <a:chExt cx="0" cy="0"/>
+        </a:xfrm>
+      </p:grpSpPr>
+      <p:sp>
+        <p:nvSpPr>
+          <p:cNvPr id="2" name="Title 1">
+            <a:extLst>
+              <a:ext uri="{FF2B5EF4-FFF2-40B4-BE49-F238E27FC236}">
+                <a16:creationId xmlns:a16="http://schemas.microsoft.com/office/drawing/2014/main" id="{8F06986E-3696-7561-EFEC-42A2474822BD}"/>
+              </a:ext>
+            </a:extLst>
+          </p:cNvPr>
+          <p:cNvSpPr>
+            <a:spLocks noGrp="1"/>
+          </p:cNvSpPr>
+          <p:nvPr>
+            <p:ph type="title"/>
+          </p:nvPr>
+        </p:nvSpPr>
+        <p:spPr/>
+        <p:txBody>
+          <a:bodyPr/>
+          <a:lstStyle/>
+          <a:p>
+            <a:r>
+              <a:rPr lang="en-US" dirty="0"/>
+              <a:t>Functional features in C++</a:t>
+            </a:r>
+            <a:endParaRPr lang="LID4096" dirty="0"/>
+          </a:p>
+        </p:txBody>
+      </p:sp>
+      <p:sp>
+        <p:nvSpPr>
+          <p:cNvPr id="3" name="Content Placeholder 2">
+            <a:extLst>
+              <a:ext uri="{FF2B5EF4-FFF2-40B4-BE49-F238E27FC236}">
+                <a16:creationId xmlns:a16="http://schemas.microsoft.com/office/drawing/2014/main" id="{0CDB4156-11FC-1770-3D00-44985A46E102}"/>
+              </a:ext>
+            </a:extLst>
+          </p:cNvPr>
+          <p:cNvSpPr>
+            <a:spLocks noGrp="1"/>
+          </p:cNvSpPr>
+          <p:nvPr>
+            <p:ph idx="1"/>
+          </p:nvPr>
+        </p:nvSpPr>
+        <p:spPr/>
+        <p:txBody>
+          <a:bodyPr/>
+          <a:lstStyle/>
+          <a:p>
+            <a:r>
+              <a:rPr lang="en-US" dirty="0"/>
+              <a:t>Lambda functions</a:t>
+            </a:r>
+          </a:p>
+          <a:p>
+            <a:r>
+              <a:rPr lang="en-US" dirty="0"/>
+              <a:t>STL algorithms</a:t>
+            </a:r>
+          </a:p>
+          <a:p>
+            <a:r>
+              <a:rPr lang="en-US" dirty="0"/>
+              <a:t>STL ranges/views</a:t>
+            </a:r>
+          </a:p>
+          <a:p>
+            <a:r>
+              <a:rPr lang="en-US" dirty="0"/>
+              <a:t>STL generators</a:t>
+            </a:r>
+            <a:endParaRPr lang="LID4096" dirty="0"/>
+          </a:p>
+        </p:txBody>
+      </p:sp>
+      <p:sp>
+        <p:nvSpPr>
+          <p:cNvPr id="4" name="Slide Number Placeholder 3">
+            <a:extLst>
+              <a:ext uri="{FF2B5EF4-FFF2-40B4-BE49-F238E27FC236}">
+                <a16:creationId xmlns:a16="http://schemas.microsoft.com/office/drawing/2014/main" id="{DA0FD79C-C1CA-A2C6-29B6-1118C6206C43}"/>
+              </a:ext>
+            </a:extLst>
+          </p:cNvPr>
+          <p:cNvSpPr>
+            <a:spLocks noGrp="1"/>
+          </p:cNvSpPr>
+          <p:nvPr>
+            <p:ph type="sldNum" sz="quarter" idx="12"/>
+          </p:nvPr>
+        </p:nvSpPr>
+        <p:spPr/>
+        <p:txBody>
+          <a:bodyPr/>
+          <a:lstStyle/>
+          <a:p>
+            <a:fld id="{FDB1AA33-DFBB-49AC-8CEE-23FFECEB5648}" type="slidenum">
+              <a:rPr lang="LID4096" smtClean="0"/>
+              <a:t>40</a:t>
+            </a:fld>
+            <a:endParaRPr lang="LID4096"/>
+          </a:p>
+        </p:txBody>
+      </p:sp>
+      <p:sp>
+        <p:nvSpPr>
+          <p:cNvPr id="5" name="TextBox 4">
+            <a:extLst>
+              <a:ext uri="{FF2B5EF4-FFF2-40B4-BE49-F238E27FC236}">
+                <a16:creationId xmlns:a16="http://schemas.microsoft.com/office/drawing/2014/main" id="{C8E6E66E-0B41-F167-E211-1131037E0EC2}"/>
+              </a:ext>
+            </a:extLst>
+          </p:cNvPr>
+          <p:cNvSpPr txBox="1"/>
+          <p:nvPr/>
+        </p:nvSpPr>
+        <p:spPr>
+          <a:xfrm>
+            <a:off x="838200" y="4561744"/>
+            <a:ext cx="6652655" cy="646331"/>
+          </a:xfrm>
+          <a:prstGeom prst="rect">
+            <a:avLst/>
+          </a:prstGeom>
+          <a:noFill/>
+          <a:ln>
+            <a:solidFill>
+              <a:schemeClr val="tx1"/>
+            </a:solidFill>
+          </a:ln>
+        </p:spPr>
+        <p:txBody>
+          <a:bodyPr wrap="none" rtlCol="0">
+            <a:spAutoFit/>
+          </a:bodyPr>
+          <a:lstStyle/>
+          <a:p>
+            <a:r>
+              <a:rPr lang="en-US" sz="2000" dirty="0"/>
+              <a:t>See</a:t>
+            </a:r>
+          </a:p>
+          <a:p>
+            <a:r>
+              <a:rPr lang="en-US" sz="1600" dirty="0">
+                <a:hlinkClick r:id="rId2"/>
+              </a:rPr>
+              <a:t>https://github.com/gjbex/Scientific-C-plus-plus/tree/master/source-code</a:t>
+            </a:r>
+            <a:r>
+              <a:rPr lang="en-US" sz="1600" dirty="0"/>
+              <a:t> </a:t>
+            </a:r>
+            <a:endParaRPr lang="LID4096" sz="1600" dirty="0"/>
+          </a:p>
+        </p:txBody>
+      </p:sp>
+    </p:spTree>
+    <p:extLst>
+      <p:ext uri="{BB962C8B-B14F-4D97-AF65-F5344CB8AC3E}">
+        <p14:creationId xmlns:p14="http://schemas.microsoft.com/office/powerpoint/2010/main" val="1848637771"/>
+      </p:ext>
+    </p:extLst>
+  </p:cSld>
+  <p:clrMapOvr>
+    <a:masterClrMapping/>
+  </p:clrMapOvr>
+  <p:timing>
+    <p:tnLst>
+      <p:par>
+        <p:cTn id="1" dur="indefinite" restart="never" nodeType="tmRoot">
+          <p:childTnLst>
+            <p:seq concurrent="1" nextAc="seek">
+              <p:cTn id="2" dur="indefinite" nodeType="mainSeq">
+                <p:childTnLst>
+                  <p:par>
+                    <p:cTn id="3" fill="hold">
+                      <p:stCondLst>
+                        <p:cond delay="indefinite"/>
+                      </p:stCondLst>
+                      <p:childTnLst>
+                        <p:par>
+                          <p:cTn id="4" fill="hold">
+                            <p:stCondLst>
+                              <p:cond delay="0"/>
+                            </p:stCondLst>
+                            <p:childTnLst>
+                              <p:par>
+                                <p:cTn id="5" presetID="1" presetClass="entr" presetSubtype="0" fill="hold" grpId="0" nodeType="clickEffect">
+                                  <p:stCondLst>
+                                    <p:cond delay="0"/>
+                                  </p:stCondLst>
+                                  <p:childTnLst>
+                                    <p:set>
+                                      <p:cBhvr>
+                                        <p:cTn id="6" dur="1" fill="hold">
+                                          <p:stCondLst>
+                                            <p:cond delay="0"/>
+                                          </p:stCondLst>
+                                        </p:cTn>
+                                        <p:tgtEl>
+                                          <p:spTgt spid="5"/>
+                                        </p:tgtEl>
+                                        <p:attrNameLst>
+                                          <p:attrName>style.visibility</p:attrName>
+                                        </p:attrNameLst>
+                                      </p:cBhvr>
+                                      <p:to>
+                                        <p:strVal val="visible"/>
+                                      </p:to>
+                                    </p:set>
+                                  </p:childTnLst>
+                                </p:cTn>
+                              </p:par>
+                            </p:childTnLst>
+                          </p:cTn>
+                        </p:par>
+                      </p:childTnLst>
+                    </p:cTn>
+                  </p:par>
+                </p:childTnLst>
+              </p:cTn>
+              <p:prevCondLst>
+                <p:cond evt="onPrev" delay="0">
+                  <p:tgtEl>
+                    <p:sldTgt/>
+                  </p:tgtEl>
+                </p:cond>
+              </p:prevCondLst>
+              <p:nextCondLst>
+                <p:cond evt="onNext" delay="0">
+                  <p:tgtEl>
+                    <p:sldTgt/>
+                  </p:tgtEl>
+                </p:cond>
+              </p:nextCondLst>
+            </p:seq>
+          </p:childTnLst>
+        </p:cTn>
+      </p:par>
+    </p:tnLst>
+    <p:bldLst>
+      <p:bldP spid="5" grpId="0" animBg="1"/>
     </p:bldLst>
   </p:timing>
 </p:sld>

--- a/cpp_software_engineering.pptx
+++ b/cpp_software_engineering.pptx
@@ -380,7 +380,7 @@
           <a:p>
             <a:fld id="{75E18316-3541-442E-8E76-B95A0AF605E0}" type="datetimeFigureOut">
               <a:rPr lang="LID4096" smtClean="0"/>
-              <a:t>05/17/2024</a:t>
+              <a:t>05/21/2024</a:t>
             </a:fld>
             <a:endParaRPr lang="LID4096"/>
           </a:p>
@@ -797,7 +797,7 @@
           <a:p>
             <a:fld id="{D4CCEB0E-618E-45C7-A579-AD180C33220D}" type="datetime1">
               <a:rPr lang="LID4096" smtClean="0"/>
-              <a:t>05/17/2024</a:t>
+              <a:t>05/21/2024</a:t>
             </a:fld>
             <a:endParaRPr lang="LID4096"/>
           </a:p>
@@ -997,7 +997,7 @@
           <a:p>
             <a:fld id="{8F9B0D5F-347B-4B69-9FE7-43363B46D130}" type="datetime1">
               <a:rPr lang="LID4096" smtClean="0"/>
-              <a:t>05/17/2024</a:t>
+              <a:t>05/21/2024</a:t>
             </a:fld>
             <a:endParaRPr lang="LID4096"/>
           </a:p>
@@ -1207,7 +1207,7 @@
           <a:p>
             <a:fld id="{A72936A9-07CF-4428-8F68-9DB53105CCBE}" type="datetime1">
               <a:rPr lang="LID4096" smtClean="0"/>
-              <a:t>05/17/2024</a:t>
+              <a:t>05/21/2024</a:t>
             </a:fld>
             <a:endParaRPr lang="LID4096"/>
           </a:p>
@@ -1407,7 +1407,7 @@
           <a:p>
             <a:fld id="{136170E8-8909-47C9-AECF-C7A110A9E262}" type="datetime1">
               <a:rPr lang="LID4096" smtClean="0"/>
-              <a:t>05/17/2024</a:t>
+              <a:t>05/21/2024</a:t>
             </a:fld>
             <a:endParaRPr lang="LID4096"/>
           </a:p>
@@ -1683,7 +1683,7 @@
           <a:p>
             <a:fld id="{D37C590D-7973-43C9-B207-04F7CE471508}" type="datetime1">
               <a:rPr lang="LID4096" smtClean="0"/>
-              <a:t>05/17/2024</a:t>
+              <a:t>05/21/2024</a:t>
             </a:fld>
             <a:endParaRPr lang="LID4096"/>
           </a:p>
@@ -1951,7 +1951,7 @@
           <a:p>
             <a:fld id="{D8E041D7-7EA6-423B-88A0-A217731AA946}" type="datetime1">
               <a:rPr lang="LID4096" smtClean="0"/>
-              <a:t>05/17/2024</a:t>
+              <a:t>05/21/2024</a:t>
             </a:fld>
             <a:endParaRPr lang="LID4096"/>
           </a:p>
@@ -2366,7 +2366,7 @@
           <a:p>
             <a:fld id="{1BDF2A55-FD61-4AC5-A515-ED3F1E80F296}" type="datetime1">
               <a:rPr lang="LID4096" smtClean="0"/>
-              <a:t>05/17/2024</a:t>
+              <a:t>05/21/2024</a:t>
             </a:fld>
             <a:endParaRPr lang="LID4096"/>
           </a:p>
@@ -2508,7 +2508,7 @@
           <a:p>
             <a:fld id="{AAED7C0E-94F0-4D14-8F58-6D25D315F3DC}" type="datetime1">
               <a:rPr lang="LID4096" smtClean="0"/>
-              <a:t>05/17/2024</a:t>
+              <a:t>05/21/2024</a:t>
             </a:fld>
             <a:endParaRPr lang="LID4096"/>
           </a:p>
@@ -2621,7 +2621,7 @@
           <a:p>
             <a:fld id="{2888AB77-1B4E-4D00-8D86-8CBF03A7E13C}" type="datetime1">
               <a:rPr lang="LID4096" smtClean="0"/>
-              <a:t>05/17/2024</a:t>
+              <a:t>05/21/2024</a:t>
             </a:fld>
             <a:endParaRPr lang="LID4096"/>
           </a:p>
@@ -2934,7 +2934,7 @@
           <a:p>
             <a:fld id="{013C0D7F-F788-458A-93D6-DCF4C7F29636}" type="datetime1">
               <a:rPr lang="LID4096" smtClean="0"/>
-              <a:t>05/17/2024</a:t>
+              <a:t>05/21/2024</a:t>
             </a:fld>
             <a:endParaRPr lang="LID4096"/>
           </a:p>
@@ -3223,7 +3223,7 @@
           <a:p>
             <a:fld id="{EEC7CCBC-154E-498D-B8FD-669CE3C64250}" type="datetime1">
               <a:rPr lang="LID4096" smtClean="0"/>
-              <a:t>05/17/2024</a:t>
+              <a:t>05/21/2024</a:t>
             </a:fld>
             <a:endParaRPr lang="LID4096"/>
           </a:p>
@@ -3466,7 +3466,7 @@
           <a:p>
             <a:fld id="{161B14D2-6539-4609-80C5-044F9B782269}" type="datetime1">
               <a:rPr lang="LID4096" smtClean="0"/>
-              <a:t>05/17/2024</a:t>
+              <a:t>05/21/2024</a:t>
             </a:fld>
             <a:endParaRPr lang="LID4096"/>
           </a:p>
@@ -5525,7 +5525,7 @@
             </a:r>
             <a:r>
               <a:rPr lang="en-US" dirty="0" err="1"/>
-              <a:t>Cmake</a:t>
+              <a:t>CMake</a:t>
             </a:r>
             <a:r>
               <a:rPr lang="en-US" dirty="0"/>
@@ -7669,7 +7669,7 @@
                 <a:latin typeface="Courier New" pitchFamily="49" charset="0"/>
                 <a:cs typeface="Courier New" pitchFamily="49" charset="0"/>
               </a:rPr>
-              <a:t>  -DCMAKE_INSTALL_PREFIX= </a:t>
+              <a:t>  -DCMAKE_INSTALL_PREFIX=</a:t>
             </a:r>
             <a:r>
               <a:rPr lang="en-US" b="1" dirty="0" err="1">
@@ -9373,6 +9373,64 @@
             </a:r>
             <a:r>
               <a:rPr lang="en-US" dirty="0"/>
+              <a:t> </a:t>
+            </a:r>
+          </a:p>
+          <a:p>
+            <a:r>
+              <a:rPr lang="en-US" dirty="0"/>
+              <a:t> Dominik Berner and Mustafa Kemal </a:t>
+            </a:r>
+            <a:r>
+              <a:rPr lang="en-US" dirty="0" err="1"/>
+              <a:t>Gilor</a:t>
+            </a:r>
+            <a:r>
+              <a:rPr lang="en-US" dirty="0"/>
+              <a:t>, 2022, </a:t>
+            </a:r>
+            <a:r>
+              <a:rPr lang="en-US" i="1" dirty="0" err="1"/>
+              <a:t>CMake</a:t>
+            </a:r>
+            <a:r>
+              <a:rPr lang="en-US" i="1" dirty="0"/>
+              <a:t> Best Practices: Discover proven techniques for creating and maintaining programming projects with </a:t>
+            </a:r>
+            <a:r>
+              <a:rPr lang="en-US" i="1" dirty="0" err="1"/>
+              <a:t>Cmake</a:t>
+            </a:r>
+            <a:r>
+              <a:rPr lang="en-US" dirty="0"/>
+              <a:t>, </a:t>
+            </a:r>
+            <a:r>
+              <a:rPr lang="en-US" dirty="0" err="1"/>
+              <a:t>Packt</a:t>
+            </a:r>
+            <a:endParaRPr lang="en-US" dirty="0"/>
+          </a:p>
+          <a:p>
+            <a:r>
+              <a:rPr lang="en-US" dirty="0"/>
+              <a:t>Better </a:t>
+            </a:r>
+            <a:r>
+              <a:rPr lang="en-US" dirty="0" err="1"/>
+              <a:t>CMake</a:t>
+            </a:r>
+            <a:br>
+              <a:rPr lang="en-US" dirty="0"/>
+            </a:br>
+            <a:r>
+              <a:rPr lang="en-US" sz="2000" dirty="0">
+                <a:hlinkClick r:id="rId3"/>
+              </a:rPr>
+              <a:t>https://www.youtube.com/playlist?list=PL8i3OhJb4FNV10aIZ8oF0AA46HgA2ed8g</a:t>
+            </a:r>
+            <a:r>
+              <a:rPr lang="en-US" sz="2000" dirty="0"/>
               <a:t> </a:t>
             </a:r>
             <a:endParaRPr lang="LID4096" dirty="0"/>

--- a/cpp_software_engineering.pptx
+++ b/cpp_software_engineering.pptx
@@ -380,7 +380,7 @@
           <a:p>
             <a:fld id="{75E18316-3541-442E-8E76-B95A0AF605E0}" type="datetimeFigureOut">
               <a:rPr lang="LID4096" smtClean="0"/>
-              <a:t>05/21/2024</a:t>
+              <a:t>05/22/2024</a:t>
             </a:fld>
             <a:endParaRPr lang="LID4096"/>
           </a:p>
@@ -797,7 +797,7 @@
           <a:p>
             <a:fld id="{D4CCEB0E-618E-45C7-A579-AD180C33220D}" type="datetime1">
               <a:rPr lang="LID4096" smtClean="0"/>
-              <a:t>05/21/2024</a:t>
+              <a:t>05/22/2024</a:t>
             </a:fld>
             <a:endParaRPr lang="LID4096"/>
           </a:p>
@@ -997,7 +997,7 @@
           <a:p>
             <a:fld id="{8F9B0D5F-347B-4B69-9FE7-43363B46D130}" type="datetime1">
               <a:rPr lang="LID4096" smtClean="0"/>
-              <a:t>05/21/2024</a:t>
+              <a:t>05/22/2024</a:t>
             </a:fld>
             <a:endParaRPr lang="LID4096"/>
           </a:p>
@@ -1207,7 +1207,7 @@
           <a:p>
             <a:fld id="{A72936A9-07CF-4428-8F68-9DB53105CCBE}" type="datetime1">
               <a:rPr lang="LID4096" smtClean="0"/>
-              <a:t>05/21/2024</a:t>
+              <a:t>05/22/2024</a:t>
             </a:fld>
             <a:endParaRPr lang="LID4096"/>
           </a:p>
@@ -1407,7 +1407,7 @@
           <a:p>
             <a:fld id="{136170E8-8909-47C9-AECF-C7A110A9E262}" type="datetime1">
               <a:rPr lang="LID4096" smtClean="0"/>
-              <a:t>05/21/2024</a:t>
+              <a:t>05/22/2024</a:t>
             </a:fld>
             <a:endParaRPr lang="LID4096"/>
           </a:p>
@@ -1683,7 +1683,7 @@
           <a:p>
             <a:fld id="{D37C590D-7973-43C9-B207-04F7CE471508}" type="datetime1">
               <a:rPr lang="LID4096" smtClean="0"/>
-              <a:t>05/21/2024</a:t>
+              <a:t>05/22/2024</a:t>
             </a:fld>
             <a:endParaRPr lang="LID4096"/>
           </a:p>
@@ -1951,7 +1951,7 @@
           <a:p>
             <a:fld id="{D8E041D7-7EA6-423B-88A0-A217731AA946}" type="datetime1">
               <a:rPr lang="LID4096" smtClean="0"/>
-              <a:t>05/21/2024</a:t>
+              <a:t>05/22/2024</a:t>
             </a:fld>
             <a:endParaRPr lang="LID4096"/>
           </a:p>
@@ -2366,7 +2366,7 @@
           <a:p>
             <a:fld id="{1BDF2A55-FD61-4AC5-A515-ED3F1E80F296}" type="datetime1">
               <a:rPr lang="LID4096" smtClean="0"/>
-              <a:t>05/21/2024</a:t>
+              <a:t>05/22/2024</a:t>
             </a:fld>
             <a:endParaRPr lang="LID4096"/>
           </a:p>
@@ -2508,7 +2508,7 @@
           <a:p>
             <a:fld id="{AAED7C0E-94F0-4D14-8F58-6D25D315F3DC}" type="datetime1">
               <a:rPr lang="LID4096" smtClean="0"/>
-              <a:t>05/21/2024</a:t>
+              <a:t>05/22/2024</a:t>
             </a:fld>
             <a:endParaRPr lang="LID4096"/>
           </a:p>
@@ -2621,7 +2621,7 @@
           <a:p>
             <a:fld id="{2888AB77-1B4E-4D00-8D86-8CBF03A7E13C}" type="datetime1">
               <a:rPr lang="LID4096" smtClean="0"/>
-              <a:t>05/21/2024</a:t>
+              <a:t>05/22/2024</a:t>
             </a:fld>
             <a:endParaRPr lang="LID4096"/>
           </a:p>
@@ -2934,7 +2934,7 @@
           <a:p>
             <a:fld id="{013C0D7F-F788-458A-93D6-DCF4C7F29636}" type="datetime1">
               <a:rPr lang="LID4096" smtClean="0"/>
-              <a:t>05/21/2024</a:t>
+              <a:t>05/22/2024</a:t>
             </a:fld>
             <a:endParaRPr lang="LID4096"/>
           </a:p>
@@ -3223,7 +3223,7 @@
           <a:p>
             <a:fld id="{EEC7CCBC-154E-498D-B8FD-669CE3C64250}" type="datetime1">
               <a:rPr lang="LID4096" smtClean="0"/>
-              <a:t>05/21/2024</a:t>
+              <a:t>05/22/2024</a:t>
             </a:fld>
             <a:endParaRPr lang="LID4096"/>
           </a:p>
@@ -3466,7 +3466,7 @@
           <a:p>
             <a:fld id="{161B14D2-6539-4609-80C5-044F9B782269}" type="datetime1">
               <a:rPr lang="LID4096" smtClean="0"/>
-              <a:t>05/21/2024</a:t>
+              <a:t>05/22/2024</a:t>
             </a:fld>
             <a:endParaRPr lang="LID4096"/>
           </a:p>
@@ -9351,7 +9351,9 @@
         </p:nvSpPr>
         <p:spPr/>
         <p:txBody>
-          <a:bodyPr/>
+          <a:bodyPr>
+            <a:normAutofit lnSpcReduction="10000"/>
+          </a:bodyPr>
           <a:lstStyle/>
           <a:p>
             <a:r>
@@ -9428,6 +9430,52 @@
                 <a:hlinkClick r:id="rId3"/>
               </a:rPr>
               <a:t>https://www.youtube.com/playlist?list=PL8i3OhJb4FNV10aIZ8oF0AA46HgA2ed8g</a:t>
+            </a:r>
+            <a:r>
+              <a:rPr lang="en-US" sz="2000" dirty="0"/>
+              <a:t> </a:t>
+            </a:r>
+          </a:p>
+          <a:p>
+            <a:r>
+              <a:rPr lang="en-US" dirty="0"/>
+              <a:t>It is time to do </a:t>
+            </a:r>
+            <a:r>
+              <a:rPr lang="en-US" dirty="0" err="1"/>
+              <a:t>CMake</a:t>
+            </a:r>
+            <a:r>
+              <a:rPr lang="en-US" dirty="0"/>
+              <a:t> right</a:t>
+            </a:r>
+            <a:br>
+              <a:rPr lang="en-US" sz="2000" dirty="0"/>
+            </a:br>
+            <a:r>
+              <a:rPr lang="en-US" sz="2000" dirty="0">
+                <a:hlinkClick r:id="rId4"/>
+              </a:rPr>
+              <a:t>https://pabloariasal.github.io/2018/02/19/its-time-to-do-cmake-right/</a:t>
+            </a:r>
+            <a:r>
+              <a:rPr lang="en-US" sz="2000" dirty="0"/>
+              <a:t> </a:t>
+            </a:r>
+          </a:p>
+          <a:p>
+            <a:r>
+              <a:rPr lang="en-US" dirty="0" err="1"/>
+              <a:t>ModernCppStarter</a:t>
+            </a:r>
+            <a:br>
+              <a:rPr lang="en-US" sz="2000" dirty="0"/>
+            </a:br>
+            <a:r>
+              <a:rPr lang="en-US" sz="2000" dirty="0">
+                <a:hlinkClick r:id="rId5"/>
+              </a:rPr>
+              <a:t>https://github.com/TheLartians/ModernCppStarter?tab=readme-ov-file</a:t>
             </a:r>
             <a:r>
               <a:rPr lang="en-US" sz="2000" dirty="0"/>

--- a/cpp_software_engineering.pptx
+++ b/cpp_software_engineering.pptx
@@ -380,7 +380,7 @@
           <a:p>
             <a:fld id="{75E18316-3541-442E-8E76-B95A0AF605E0}" type="datetimeFigureOut">
               <a:rPr lang="LID4096" smtClean="0"/>
-              <a:t>05/22/2024</a:t>
+              <a:t>05/21/2024</a:t>
             </a:fld>
             <a:endParaRPr lang="LID4096"/>
           </a:p>
@@ -797,7 +797,7 @@
           <a:p>
             <a:fld id="{D4CCEB0E-618E-45C7-A579-AD180C33220D}" type="datetime1">
               <a:rPr lang="LID4096" smtClean="0"/>
-              <a:t>05/22/2024</a:t>
+              <a:t>05/21/2024</a:t>
             </a:fld>
             <a:endParaRPr lang="LID4096"/>
           </a:p>
@@ -997,7 +997,7 @@
           <a:p>
             <a:fld id="{8F9B0D5F-347B-4B69-9FE7-43363B46D130}" type="datetime1">
               <a:rPr lang="LID4096" smtClean="0"/>
-              <a:t>05/22/2024</a:t>
+              <a:t>05/21/2024</a:t>
             </a:fld>
             <a:endParaRPr lang="LID4096"/>
           </a:p>
@@ -1207,7 +1207,7 @@
           <a:p>
             <a:fld id="{A72936A9-07CF-4428-8F68-9DB53105CCBE}" type="datetime1">
               <a:rPr lang="LID4096" smtClean="0"/>
-              <a:t>05/22/2024</a:t>
+              <a:t>05/21/2024</a:t>
             </a:fld>
             <a:endParaRPr lang="LID4096"/>
           </a:p>
@@ -1407,7 +1407,7 @@
           <a:p>
             <a:fld id="{136170E8-8909-47C9-AECF-C7A110A9E262}" type="datetime1">
               <a:rPr lang="LID4096" smtClean="0"/>
-              <a:t>05/22/2024</a:t>
+              <a:t>05/21/2024</a:t>
             </a:fld>
             <a:endParaRPr lang="LID4096"/>
           </a:p>
@@ -1683,7 +1683,7 @@
           <a:p>
             <a:fld id="{D37C590D-7973-43C9-B207-04F7CE471508}" type="datetime1">
               <a:rPr lang="LID4096" smtClean="0"/>
-              <a:t>05/22/2024</a:t>
+              <a:t>05/21/2024</a:t>
             </a:fld>
             <a:endParaRPr lang="LID4096"/>
           </a:p>
@@ -1951,7 +1951,7 @@
           <a:p>
             <a:fld id="{D8E041D7-7EA6-423B-88A0-A217731AA946}" type="datetime1">
               <a:rPr lang="LID4096" smtClean="0"/>
-              <a:t>05/22/2024</a:t>
+              <a:t>05/21/2024</a:t>
             </a:fld>
             <a:endParaRPr lang="LID4096"/>
           </a:p>
@@ -2366,7 +2366,7 @@
           <a:p>
             <a:fld id="{1BDF2A55-FD61-4AC5-A515-ED3F1E80F296}" type="datetime1">
               <a:rPr lang="LID4096" smtClean="0"/>
-              <a:t>05/22/2024</a:t>
+              <a:t>05/21/2024</a:t>
             </a:fld>
             <a:endParaRPr lang="LID4096"/>
           </a:p>
@@ -2508,7 +2508,7 @@
           <a:p>
             <a:fld id="{AAED7C0E-94F0-4D14-8F58-6D25D315F3DC}" type="datetime1">
               <a:rPr lang="LID4096" smtClean="0"/>
-              <a:t>05/22/2024</a:t>
+              <a:t>05/21/2024</a:t>
             </a:fld>
             <a:endParaRPr lang="LID4096"/>
           </a:p>
@@ -2621,7 +2621,7 @@
           <a:p>
             <a:fld id="{2888AB77-1B4E-4D00-8D86-8CBF03A7E13C}" type="datetime1">
               <a:rPr lang="LID4096" smtClean="0"/>
-              <a:t>05/22/2024</a:t>
+              <a:t>05/21/2024</a:t>
             </a:fld>
             <a:endParaRPr lang="LID4096"/>
           </a:p>
@@ -2934,7 +2934,7 @@
           <a:p>
             <a:fld id="{013C0D7F-F788-458A-93D6-DCF4C7F29636}" type="datetime1">
               <a:rPr lang="LID4096" smtClean="0"/>
-              <a:t>05/22/2024</a:t>
+              <a:t>05/21/2024</a:t>
             </a:fld>
             <a:endParaRPr lang="LID4096"/>
           </a:p>
@@ -3223,7 +3223,7 @@
           <a:p>
             <a:fld id="{EEC7CCBC-154E-498D-B8FD-669CE3C64250}" type="datetime1">
               <a:rPr lang="LID4096" smtClean="0"/>
-              <a:t>05/22/2024</a:t>
+              <a:t>05/21/2024</a:t>
             </a:fld>
             <a:endParaRPr lang="LID4096"/>
           </a:p>
@@ -3466,7 +3466,7 @@
           <a:p>
             <a:fld id="{161B14D2-6539-4609-80C5-044F9B782269}" type="datetime1">
               <a:rPr lang="LID4096" smtClean="0"/>
-              <a:t>05/22/2024</a:t>
+              <a:t>05/21/2024</a:t>
             </a:fld>
             <a:endParaRPr lang="LID4096"/>
           </a:p>
@@ -9351,9 +9351,7 @@
         </p:nvSpPr>
         <p:spPr/>
         <p:txBody>
-          <a:bodyPr>
-            <a:normAutofit lnSpcReduction="10000"/>
-          </a:bodyPr>
+          <a:bodyPr/>
           <a:lstStyle/>
           <a:p>
             <a:r>
@@ -9430,52 +9428,6 @@
                 <a:hlinkClick r:id="rId3"/>
               </a:rPr>
               <a:t>https://www.youtube.com/playlist?list=PL8i3OhJb4FNV10aIZ8oF0AA46HgA2ed8g</a:t>
-            </a:r>
-            <a:r>
-              <a:rPr lang="en-US" sz="2000" dirty="0"/>
-              <a:t> </a:t>
-            </a:r>
-          </a:p>
-          <a:p>
-            <a:r>
-              <a:rPr lang="en-US" dirty="0"/>
-              <a:t>It is time to do </a:t>
-            </a:r>
-            <a:r>
-              <a:rPr lang="en-US" dirty="0" err="1"/>
-              <a:t>CMake</a:t>
-            </a:r>
-            <a:r>
-              <a:rPr lang="en-US" dirty="0"/>
-              <a:t> right</a:t>
-            </a:r>
-            <a:br>
-              <a:rPr lang="en-US" sz="2000" dirty="0"/>
-            </a:br>
-            <a:r>
-              <a:rPr lang="en-US" sz="2000" dirty="0">
-                <a:hlinkClick r:id="rId4"/>
-              </a:rPr>
-              <a:t>https://pabloariasal.github.io/2018/02/19/its-time-to-do-cmake-right/</a:t>
-            </a:r>
-            <a:r>
-              <a:rPr lang="en-US" sz="2000" dirty="0"/>
-              <a:t> </a:t>
-            </a:r>
-          </a:p>
-          <a:p>
-            <a:r>
-              <a:rPr lang="en-US" dirty="0" err="1"/>
-              <a:t>ModernCppStarter</a:t>
-            </a:r>
-            <a:br>
-              <a:rPr lang="en-US" sz="2000" dirty="0"/>
-            </a:br>
-            <a:r>
-              <a:rPr lang="en-US" sz="2000" dirty="0">
-                <a:hlinkClick r:id="rId5"/>
-              </a:rPr>
-              <a:t>https://github.com/TheLartians/ModernCppStarter?tab=readme-ov-file</a:t>
             </a:r>
             <a:r>
               <a:rPr lang="en-US" sz="2000" dirty="0"/>

--- a/cpp_software_engineering.pptx
+++ b/cpp_software_engineering.pptx
@@ -380,7 +380,7 @@
           <a:p>
             <a:fld id="{75E18316-3541-442E-8E76-B95A0AF605E0}" type="datetimeFigureOut">
               <a:rPr lang="LID4096" smtClean="0"/>
-              <a:t>05/21/2024</a:t>
+              <a:t>05/23/2024</a:t>
             </a:fld>
             <a:endParaRPr lang="LID4096"/>
           </a:p>
@@ -797,7 +797,7 @@
           <a:p>
             <a:fld id="{D4CCEB0E-618E-45C7-A579-AD180C33220D}" type="datetime1">
               <a:rPr lang="LID4096" smtClean="0"/>
-              <a:t>05/21/2024</a:t>
+              <a:t>05/23/2024</a:t>
             </a:fld>
             <a:endParaRPr lang="LID4096"/>
           </a:p>
@@ -997,7 +997,7 @@
           <a:p>
             <a:fld id="{8F9B0D5F-347B-4B69-9FE7-43363B46D130}" type="datetime1">
               <a:rPr lang="LID4096" smtClean="0"/>
-              <a:t>05/21/2024</a:t>
+              <a:t>05/23/2024</a:t>
             </a:fld>
             <a:endParaRPr lang="LID4096"/>
           </a:p>
@@ -1207,7 +1207,7 @@
           <a:p>
             <a:fld id="{A72936A9-07CF-4428-8F68-9DB53105CCBE}" type="datetime1">
               <a:rPr lang="LID4096" smtClean="0"/>
-              <a:t>05/21/2024</a:t>
+              <a:t>05/23/2024</a:t>
             </a:fld>
             <a:endParaRPr lang="LID4096"/>
           </a:p>
@@ -1407,7 +1407,7 @@
           <a:p>
             <a:fld id="{136170E8-8909-47C9-AECF-C7A110A9E262}" type="datetime1">
               <a:rPr lang="LID4096" smtClean="0"/>
-              <a:t>05/21/2024</a:t>
+              <a:t>05/23/2024</a:t>
             </a:fld>
             <a:endParaRPr lang="LID4096"/>
           </a:p>
@@ -1683,7 +1683,7 @@
           <a:p>
             <a:fld id="{D37C590D-7973-43C9-B207-04F7CE471508}" type="datetime1">
               <a:rPr lang="LID4096" smtClean="0"/>
-              <a:t>05/21/2024</a:t>
+              <a:t>05/23/2024</a:t>
             </a:fld>
             <a:endParaRPr lang="LID4096"/>
           </a:p>
@@ -1951,7 +1951,7 @@
           <a:p>
             <a:fld id="{D8E041D7-7EA6-423B-88A0-A217731AA946}" type="datetime1">
               <a:rPr lang="LID4096" smtClean="0"/>
-              <a:t>05/21/2024</a:t>
+              <a:t>05/23/2024</a:t>
             </a:fld>
             <a:endParaRPr lang="LID4096"/>
           </a:p>
@@ -2366,7 +2366,7 @@
           <a:p>
             <a:fld id="{1BDF2A55-FD61-4AC5-A515-ED3F1E80F296}" type="datetime1">
               <a:rPr lang="LID4096" smtClean="0"/>
-              <a:t>05/21/2024</a:t>
+              <a:t>05/23/2024</a:t>
             </a:fld>
             <a:endParaRPr lang="LID4096"/>
           </a:p>
@@ -2508,7 +2508,7 @@
           <a:p>
             <a:fld id="{AAED7C0E-94F0-4D14-8F58-6D25D315F3DC}" type="datetime1">
               <a:rPr lang="LID4096" smtClean="0"/>
-              <a:t>05/21/2024</a:t>
+              <a:t>05/23/2024</a:t>
             </a:fld>
             <a:endParaRPr lang="LID4096"/>
           </a:p>
@@ -2621,7 +2621,7 @@
           <a:p>
             <a:fld id="{2888AB77-1B4E-4D00-8D86-8CBF03A7E13C}" type="datetime1">
               <a:rPr lang="LID4096" smtClean="0"/>
-              <a:t>05/21/2024</a:t>
+              <a:t>05/23/2024</a:t>
             </a:fld>
             <a:endParaRPr lang="LID4096"/>
           </a:p>
@@ -2934,7 +2934,7 @@
           <a:p>
             <a:fld id="{013C0D7F-F788-458A-93D6-DCF4C7F29636}" type="datetime1">
               <a:rPr lang="LID4096" smtClean="0"/>
-              <a:t>05/21/2024</a:t>
+              <a:t>05/23/2024</a:t>
             </a:fld>
             <a:endParaRPr lang="LID4096"/>
           </a:p>
@@ -3223,7 +3223,7 @@
           <a:p>
             <a:fld id="{EEC7CCBC-154E-498D-B8FD-669CE3C64250}" type="datetime1">
               <a:rPr lang="LID4096" smtClean="0"/>
-              <a:t>05/21/2024</a:t>
+              <a:t>05/23/2024</a:t>
             </a:fld>
             <a:endParaRPr lang="LID4096"/>
           </a:p>
@@ -3466,7 +3466,7 @@
           <a:p>
             <a:fld id="{161B14D2-6539-4609-80C5-044F9B782269}" type="datetime1">
               <a:rPr lang="LID4096" smtClean="0"/>
-              <a:t>05/21/2024</a:t>
+              <a:t>05/23/2024</a:t>
             </a:fld>
             <a:endParaRPr lang="LID4096"/>
           </a:p>
@@ -9351,7 +9351,9 @@
         </p:nvSpPr>
         <p:spPr/>
         <p:txBody>
-          <a:bodyPr/>
+          <a:bodyPr>
+            <a:normAutofit lnSpcReduction="10000"/>
+          </a:bodyPr>
           <a:lstStyle/>
           <a:p>
             <a:r>
@@ -9387,7 +9389,7 @@
             </a:r>
             <a:r>
               <a:rPr lang="en-US" dirty="0"/>
-              <a:t>, 2022, </a:t>
+              <a:t> (2022) </a:t>
             </a:r>
             <a:r>
               <a:rPr lang="en-US" i="1" dirty="0" err="1"/>
@@ -9433,7 +9435,64 @@
               <a:rPr lang="en-US" sz="2000" dirty="0"/>
               <a:t> </a:t>
             </a:r>
-            <a:endParaRPr lang="LID4096" dirty="0"/>
+          </a:p>
+          <a:p>
+            <a:r>
+              <a:rPr lang="en-US" dirty="0"/>
+              <a:t>Pablo Arias (2018) </a:t>
+            </a:r>
+            <a:r>
+              <a:rPr lang="en-US" i="1" dirty="0"/>
+              <a:t>It's time to do </a:t>
+            </a:r>
+            <a:r>
+              <a:rPr lang="en-US" i="1" dirty="0" err="1"/>
+              <a:t>CMake</a:t>
+            </a:r>
+            <a:r>
+              <a:rPr lang="en-US" i="1" dirty="0"/>
+              <a:t> right</a:t>
+            </a:r>
+            <a:br>
+              <a:rPr lang="en-US" sz="2000" dirty="0"/>
+            </a:br>
+            <a:r>
+              <a:rPr lang="en-US" sz="2000" dirty="0">
+                <a:hlinkClick r:id="rId4"/>
+              </a:rPr>
+              <a:t>https://pabloariasal.github.io/2018/02/19/its-time-to-do-cmake-right/</a:t>
+            </a:r>
+            <a:r>
+              <a:rPr lang="en-US" sz="2000" dirty="0"/>
+              <a:t> </a:t>
+            </a:r>
+          </a:p>
+          <a:p>
+            <a:r>
+              <a:rPr lang="en-US" dirty="0"/>
+              <a:t>Daniel Pfeifer's </a:t>
+            </a:r>
+            <a:r>
+              <a:rPr lang="en-US" i="1" dirty="0"/>
+              <a:t>Effective </a:t>
+            </a:r>
+            <a:r>
+              <a:rPr lang="en-US" i="1" dirty="0" err="1"/>
+              <a:t>CMake</a:t>
+            </a:r>
+            <a:br>
+              <a:rPr lang="en-US" sz="2000" dirty="0"/>
+            </a:br>
+            <a:r>
+              <a:rPr lang="en-US" sz="2000" dirty="0">
+                <a:hlinkClick r:id="rId5"/>
+              </a:rPr>
+              <a:t>https://youtu.be/rLopVhns4Zs?si=iu9i97KpIIldR41D</a:t>
+            </a:r>
+            <a:r>
+              <a:rPr lang="en-US" sz="2000" dirty="0"/>
+              <a:t> </a:t>
+            </a:r>
           </a:p>
         </p:txBody>
       </p:sp>

--- a/cpp_software_engineering.pptx
+++ b/cpp_software_engineering.pptx
@@ -5,7 +5,7 @@
     <p:sldMasterId id="2147483648" r:id="rId1"/>
   </p:sldMasterIdLst>
   <p:notesMasterIdLst>
-    <p:notesMasterId r:id="rId42"/>
+    <p:notesMasterId r:id="rId47"/>
   </p:notesMasterIdLst>
   <p:sldIdLst>
     <p:sldId id="257" r:id="rId2"/>
@@ -48,6 +48,11 @@
     <p:sldId id="391" r:id="rId39"/>
     <p:sldId id="392" r:id="rId40"/>
     <p:sldId id="393" r:id="rId41"/>
+    <p:sldId id="394" r:id="rId42"/>
+    <p:sldId id="395" r:id="rId43"/>
+    <p:sldId id="396" r:id="rId44"/>
+    <p:sldId id="398" r:id="rId45"/>
+    <p:sldId id="397" r:id="rId46"/>
   </p:sldIdLst>
   <p:sldSz cx="12192000" cy="6858000"/>
   <p:notesSz cx="6858000" cy="9144000"/>
@@ -219,6 +224,11 @@
           <p14:sldIdLst>
             <p14:sldId id="392"/>
             <p14:sldId id="393"/>
+            <p14:sldId id="394"/>
+            <p14:sldId id="395"/>
+            <p14:sldId id="396"/>
+            <p14:sldId id="398"/>
+            <p14:sldId id="397"/>
           </p14:sldIdLst>
         </p14:section>
       </p14:sectionLst>
@@ -380,7 +390,7 @@
           <a:p>
             <a:fld id="{75E18316-3541-442E-8E76-B95A0AF605E0}" type="datetimeFigureOut">
               <a:rPr lang="LID4096" smtClean="0"/>
-              <a:t>05/23/2024</a:t>
+              <a:t>04/08/2025</a:t>
             </a:fld>
             <a:endParaRPr lang="LID4096"/>
           </a:p>
@@ -797,7 +807,7 @@
           <a:p>
             <a:fld id="{D4CCEB0E-618E-45C7-A579-AD180C33220D}" type="datetime1">
               <a:rPr lang="LID4096" smtClean="0"/>
-              <a:t>05/23/2024</a:t>
+              <a:t>04/08/2025</a:t>
             </a:fld>
             <a:endParaRPr lang="LID4096"/>
           </a:p>
@@ -997,7 +1007,7 @@
           <a:p>
             <a:fld id="{8F9B0D5F-347B-4B69-9FE7-43363B46D130}" type="datetime1">
               <a:rPr lang="LID4096" smtClean="0"/>
-              <a:t>05/23/2024</a:t>
+              <a:t>04/08/2025</a:t>
             </a:fld>
             <a:endParaRPr lang="LID4096"/>
           </a:p>
@@ -1207,7 +1217,7 @@
           <a:p>
             <a:fld id="{A72936A9-07CF-4428-8F68-9DB53105CCBE}" type="datetime1">
               <a:rPr lang="LID4096" smtClean="0"/>
-              <a:t>05/23/2024</a:t>
+              <a:t>04/08/2025</a:t>
             </a:fld>
             <a:endParaRPr lang="LID4096"/>
           </a:p>
@@ -1407,7 +1417,7 @@
           <a:p>
             <a:fld id="{136170E8-8909-47C9-AECF-C7A110A9E262}" type="datetime1">
               <a:rPr lang="LID4096" smtClean="0"/>
-              <a:t>05/23/2024</a:t>
+              <a:t>04/08/2025</a:t>
             </a:fld>
             <a:endParaRPr lang="LID4096"/>
           </a:p>
@@ -1683,7 +1693,7 @@
           <a:p>
             <a:fld id="{D37C590D-7973-43C9-B207-04F7CE471508}" type="datetime1">
               <a:rPr lang="LID4096" smtClean="0"/>
-              <a:t>05/23/2024</a:t>
+              <a:t>04/08/2025</a:t>
             </a:fld>
             <a:endParaRPr lang="LID4096"/>
           </a:p>
@@ -1951,7 +1961,7 @@
           <a:p>
             <a:fld id="{D8E041D7-7EA6-423B-88A0-A217731AA946}" type="datetime1">
               <a:rPr lang="LID4096" smtClean="0"/>
-              <a:t>05/23/2024</a:t>
+              <a:t>04/08/2025</a:t>
             </a:fld>
             <a:endParaRPr lang="LID4096"/>
           </a:p>
@@ -2366,7 +2376,7 @@
           <a:p>
             <a:fld id="{1BDF2A55-FD61-4AC5-A515-ED3F1E80F296}" type="datetime1">
               <a:rPr lang="LID4096" smtClean="0"/>
-              <a:t>05/23/2024</a:t>
+              <a:t>04/08/2025</a:t>
             </a:fld>
             <a:endParaRPr lang="LID4096"/>
           </a:p>
@@ -2508,7 +2518,7 @@
           <a:p>
             <a:fld id="{AAED7C0E-94F0-4D14-8F58-6D25D315F3DC}" type="datetime1">
               <a:rPr lang="LID4096" smtClean="0"/>
-              <a:t>05/23/2024</a:t>
+              <a:t>04/08/2025</a:t>
             </a:fld>
             <a:endParaRPr lang="LID4096"/>
           </a:p>
@@ -2621,7 +2631,7 @@
           <a:p>
             <a:fld id="{2888AB77-1B4E-4D00-8D86-8CBF03A7E13C}" type="datetime1">
               <a:rPr lang="LID4096" smtClean="0"/>
-              <a:t>05/23/2024</a:t>
+              <a:t>04/08/2025</a:t>
             </a:fld>
             <a:endParaRPr lang="LID4096"/>
           </a:p>
@@ -2934,7 +2944,7 @@
           <a:p>
             <a:fld id="{013C0D7F-F788-458A-93D6-DCF4C7F29636}" type="datetime1">
               <a:rPr lang="LID4096" smtClean="0"/>
-              <a:t>05/23/2024</a:t>
+              <a:t>04/08/2025</a:t>
             </a:fld>
             <a:endParaRPr lang="LID4096"/>
           </a:p>
@@ -3223,7 +3233,7 @@
           <a:p>
             <a:fld id="{EEC7CCBC-154E-498D-B8FD-669CE3C64250}" type="datetime1">
               <a:rPr lang="LID4096" smtClean="0"/>
-              <a:t>05/23/2024</a:t>
+              <a:t>04/08/2025</a:t>
             </a:fld>
             <a:endParaRPr lang="LID4096"/>
           </a:p>
@@ -3466,7 +3476,7 @@
           <a:p>
             <a:fld id="{161B14D2-6539-4609-80C5-044F9B782269}" type="datetime1">
               <a:rPr lang="LID4096" smtClean="0"/>
-              <a:t>05/23/2024</a:t>
+              <a:t>04/08/2025</a:t>
             </a:fld>
             <a:endParaRPr lang="LID4096"/>
           </a:p>
@@ -4154,7 +4164,7 @@
           <a:p>
             <a:r>
               <a:rPr lang="en-US" dirty="0"/>
-              <a:t>Use language idioms</a:t>
+              <a:t>Use (modern) language idioms</a:t>
             </a:r>
           </a:p>
         </p:txBody>
@@ -18905,6 +18915,2824 @@
       <p:bldP spid="5" grpId="0" animBg="1"/>
     </p:bldLst>
   </p:timing>
+</p:sld>
+</file>
+
+<file path=ppt/slides/slide41.xml><?xml version="1.0" encoding="utf-8"?>
+<p:sld xmlns:a="http://schemas.openxmlformats.org/drawingml/2006/main" xmlns:r="http://schemas.openxmlformats.org/officeDocument/2006/relationships" xmlns:p="http://schemas.openxmlformats.org/presentationml/2006/main">
+  <p:cSld>
+    <p:spTree>
+      <p:nvGrpSpPr>
+        <p:cNvPr id="1" name=""/>
+        <p:cNvGrpSpPr/>
+        <p:nvPr/>
+      </p:nvGrpSpPr>
+      <p:grpSpPr>
+        <a:xfrm>
+          <a:off x="0" y="0"/>
+          <a:ext cx="0" cy="0"/>
+          <a:chOff x="0" y="0"/>
+          <a:chExt cx="0" cy="0"/>
+        </a:xfrm>
+      </p:grpSpPr>
+      <p:sp>
+        <p:nvSpPr>
+          <p:cNvPr id="2" name="Title 1">
+            <a:extLst>
+              <a:ext uri="{FF2B5EF4-FFF2-40B4-BE49-F238E27FC236}">
+                <a16:creationId xmlns:a16="http://schemas.microsoft.com/office/drawing/2014/main" id="{96A48829-0721-1480-5994-E855FF935E6E}"/>
+              </a:ext>
+            </a:extLst>
+          </p:cNvPr>
+          <p:cNvSpPr>
+            <a:spLocks noGrp="1"/>
+          </p:cNvSpPr>
+          <p:nvPr>
+            <p:ph type="title"/>
+          </p:nvPr>
+        </p:nvSpPr>
+        <p:spPr/>
+        <p:txBody>
+          <a:bodyPr/>
+          <a:lstStyle/>
+          <a:p>
+            <a:r>
+              <a:rPr lang="en-US" dirty="0"/>
+              <a:t>Curiously, Repeating Template Pattern (CRTP)</a:t>
+            </a:r>
+            <a:endParaRPr lang="LID4096" dirty="0"/>
+          </a:p>
+        </p:txBody>
+      </p:sp>
+      <p:sp>
+        <p:nvSpPr>
+          <p:cNvPr id="3" name="Content Placeholder 2">
+            <a:extLst>
+              <a:ext uri="{FF2B5EF4-FFF2-40B4-BE49-F238E27FC236}">
+                <a16:creationId xmlns:a16="http://schemas.microsoft.com/office/drawing/2014/main" id="{9BB61A49-5C18-EB0F-3E0D-D280F9E302A4}"/>
+              </a:ext>
+            </a:extLst>
+          </p:cNvPr>
+          <p:cNvSpPr>
+            <a:spLocks noGrp="1"/>
+          </p:cNvSpPr>
+          <p:nvPr>
+            <p:ph idx="1"/>
+          </p:nvPr>
+        </p:nvSpPr>
+        <p:spPr/>
+        <p:txBody>
+          <a:bodyPr>
+            <a:normAutofit/>
+          </a:bodyPr>
+          <a:lstStyle/>
+          <a:p>
+            <a:r>
+              <a:rPr lang="en-US" dirty="0"/>
+              <a:t>Avoid virtual function overhead</a:t>
+            </a:r>
+          </a:p>
+          <a:p>
+            <a:r>
+              <a:rPr lang="en-US" dirty="0"/>
+              <a:t>Enforce compile time interface constraints</a:t>
+            </a:r>
+          </a:p>
+          <a:p>
+            <a:r>
+              <a:rPr lang="en-US" dirty="0"/>
+              <a:t>Code reuse without dynamic polymorphism</a:t>
+            </a:r>
+          </a:p>
+          <a:p>
+            <a:r>
+              <a:rPr lang="en-US" dirty="0"/>
+              <a:t>Static  polymorphism</a:t>
+            </a:r>
+          </a:p>
+        </p:txBody>
+      </p:sp>
+      <p:sp>
+        <p:nvSpPr>
+          <p:cNvPr id="4" name="Slide Number Placeholder 3">
+            <a:extLst>
+              <a:ext uri="{FF2B5EF4-FFF2-40B4-BE49-F238E27FC236}">
+                <a16:creationId xmlns:a16="http://schemas.microsoft.com/office/drawing/2014/main" id="{0D8837DD-4DFF-B3FC-6690-1408C5CBE0FA}"/>
+              </a:ext>
+            </a:extLst>
+          </p:cNvPr>
+          <p:cNvSpPr>
+            <a:spLocks noGrp="1"/>
+          </p:cNvSpPr>
+          <p:nvPr>
+            <p:ph type="sldNum" sz="quarter" idx="12"/>
+          </p:nvPr>
+        </p:nvSpPr>
+        <p:spPr/>
+        <p:txBody>
+          <a:bodyPr/>
+          <a:lstStyle/>
+          <a:p>
+            <a:fld id="{FDB1AA33-DFBB-49AC-8CEE-23FFECEB5648}" type="slidenum">
+              <a:rPr lang="LID4096" smtClean="0"/>
+              <a:t>41</a:t>
+            </a:fld>
+            <a:endParaRPr lang="LID4096"/>
+          </a:p>
+        </p:txBody>
+      </p:sp>
+    </p:spTree>
+    <p:extLst>
+      <p:ext uri="{BB962C8B-B14F-4D97-AF65-F5344CB8AC3E}">
+        <p14:creationId xmlns:p14="http://schemas.microsoft.com/office/powerpoint/2010/main" val="1803633621"/>
+      </p:ext>
+    </p:extLst>
+  </p:cSld>
+  <p:clrMapOvr>
+    <a:masterClrMapping/>
+  </p:clrMapOvr>
+</p:sld>
+</file>
+
+<file path=ppt/slides/slide42.xml><?xml version="1.0" encoding="utf-8"?>
+<p:sld xmlns:a="http://schemas.openxmlformats.org/drawingml/2006/main" xmlns:r="http://schemas.openxmlformats.org/officeDocument/2006/relationships" xmlns:p="http://schemas.openxmlformats.org/presentationml/2006/main">
+  <p:cSld>
+    <p:spTree>
+      <p:nvGrpSpPr>
+        <p:cNvPr id="1" name=""/>
+        <p:cNvGrpSpPr/>
+        <p:nvPr/>
+      </p:nvGrpSpPr>
+      <p:grpSpPr>
+        <a:xfrm>
+          <a:off x="0" y="0"/>
+          <a:ext cx="0" cy="0"/>
+          <a:chOff x="0" y="0"/>
+          <a:chExt cx="0" cy="0"/>
+        </a:xfrm>
+      </p:grpSpPr>
+      <p:sp>
+        <p:nvSpPr>
+          <p:cNvPr id="2" name="Title 1">
+            <a:extLst>
+              <a:ext uri="{FF2B5EF4-FFF2-40B4-BE49-F238E27FC236}">
+                <a16:creationId xmlns:a16="http://schemas.microsoft.com/office/drawing/2014/main" id="{08C9A350-282A-80DC-C746-795502250CAE}"/>
+              </a:ext>
+            </a:extLst>
+          </p:cNvPr>
+          <p:cNvSpPr>
+            <a:spLocks noGrp="1"/>
+          </p:cNvSpPr>
+          <p:nvPr>
+            <p:ph type="title"/>
+          </p:nvPr>
+        </p:nvSpPr>
+        <p:spPr/>
+        <p:txBody>
+          <a:bodyPr/>
+          <a:lstStyle/>
+          <a:p>
+            <a:r>
+              <a:rPr lang="en-US" dirty="0"/>
+              <a:t>CRTP: base class</a:t>
+            </a:r>
+            <a:endParaRPr lang="LID4096" dirty="0"/>
+          </a:p>
+        </p:txBody>
+      </p:sp>
+      <p:sp>
+        <p:nvSpPr>
+          <p:cNvPr id="4" name="Slide Number Placeholder 3">
+            <a:extLst>
+              <a:ext uri="{FF2B5EF4-FFF2-40B4-BE49-F238E27FC236}">
+                <a16:creationId xmlns:a16="http://schemas.microsoft.com/office/drawing/2014/main" id="{2B59DEA4-516B-75F2-1733-1B9E7DD26F95}"/>
+              </a:ext>
+            </a:extLst>
+          </p:cNvPr>
+          <p:cNvSpPr>
+            <a:spLocks noGrp="1"/>
+          </p:cNvSpPr>
+          <p:nvPr>
+            <p:ph type="sldNum" sz="quarter" idx="12"/>
+          </p:nvPr>
+        </p:nvSpPr>
+        <p:spPr/>
+        <p:txBody>
+          <a:bodyPr/>
+          <a:lstStyle/>
+          <a:p>
+            <a:fld id="{FDB1AA33-DFBB-49AC-8CEE-23FFECEB5648}" type="slidenum">
+              <a:rPr lang="LID4096" smtClean="0"/>
+              <a:t>42</a:t>
+            </a:fld>
+            <a:endParaRPr lang="LID4096"/>
+          </a:p>
+        </p:txBody>
+      </p:sp>
+      <p:grpSp>
+        <p:nvGrpSpPr>
+          <p:cNvPr id="6" name="Group 5">
+            <a:extLst>
+              <a:ext uri="{FF2B5EF4-FFF2-40B4-BE49-F238E27FC236}">
+                <a16:creationId xmlns:a16="http://schemas.microsoft.com/office/drawing/2014/main" id="{422A5259-8E34-23B7-D0B5-2A1B96CA029E}"/>
+              </a:ext>
+            </a:extLst>
+          </p:cNvPr>
+          <p:cNvGrpSpPr/>
+          <p:nvPr/>
+        </p:nvGrpSpPr>
+        <p:grpSpPr>
+          <a:xfrm>
+            <a:off x="217714" y="1747890"/>
+            <a:ext cx="11745686" cy="4524315"/>
+            <a:chOff x="-217714" y="1268919"/>
+            <a:chExt cx="11745686" cy="4524315"/>
+          </a:xfrm>
+        </p:grpSpPr>
+        <p:sp>
+          <p:nvSpPr>
+            <p:cNvPr id="5" name="TextBox 4">
+              <a:extLst>
+                <a:ext uri="{FF2B5EF4-FFF2-40B4-BE49-F238E27FC236}">
+                  <a16:creationId xmlns:a16="http://schemas.microsoft.com/office/drawing/2014/main" id="{95DA2B60-1900-8786-7856-DAE7BF3CF8C0}"/>
+                </a:ext>
+              </a:extLst>
+            </p:cNvPr>
+            <p:cNvSpPr txBox="1"/>
+            <p:nvPr/>
+          </p:nvSpPr>
+          <p:spPr>
+            <a:xfrm>
+              <a:off x="-217714" y="1268919"/>
+              <a:ext cx="11745686" cy="4524315"/>
+            </a:xfrm>
+            <a:prstGeom prst="rect">
+              <a:avLst/>
+            </a:prstGeom>
+            <a:solidFill>
+              <a:schemeClr val="bg1">
+                <a:lumMod val="85000"/>
+              </a:schemeClr>
+            </a:solidFill>
+            <a:ln>
+              <a:solidFill>
+                <a:schemeClr val="tx1"/>
+              </a:solidFill>
+            </a:ln>
+          </p:spPr>
+          <p:txBody>
+            <a:bodyPr wrap="square" rtlCol="0">
+              <a:spAutoFit/>
+            </a:bodyPr>
+            <a:lstStyle/>
+            <a:p>
+              <a:pPr lvl="0">
+                <a:defRPr/>
+              </a:pPr>
+              <a:r>
+                <a:rPr lang="en-US" dirty="0">
+                  <a:solidFill>
+                    <a:prstClr val="black"/>
+                  </a:solidFill>
+                  <a:latin typeface="Courier New" pitchFamily="49" charset="0"/>
+                  <a:cs typeface="Courier New" pitchFamily="49" charset="0"/>
+                </a:rPr>
+                <a:t>template&lt;class </a:t>
+              </a:r>
+              <a:r>
+                <a:rPr lang="en-US" b="1" dirty="0">
+                  <a:solidFill>
+                    <a:srgbClr val="FF0000"/>
+                  </a:solidFill>
+                  <a:latin typeface="Courier New" pitchFamily="49" charset="0"/>
+                  <a:cs typeface="Courier New" pitchFamily="49" charset="0"/>
+                </a:rPr>
+                <a:t>Derived</a:t>
+              </a:r>
+              <a:r>
+                <a:rPr lang="en-US" dirty="0">
+                  <a:solidFill>
+                    <a:prstClr val="black"/>
+                  </a:solidFill>
+                  <a:latin typeface="Courier New" pitchFamily="49" charset="0"/>
+                  <a:cs typeface="Courier New" pitchFamily="49" charset="0"/>
+                </a:rPr>
+                <a:t>&gt;</a:t>
+              </a:r>
+            </a:p>
+            <a:p>
+              <a:pPr lvl="0">
+                <a:defRPr/>
+              </a:pPr>
+              <a:r>
+                <a:rPr lang="en-US" dirty="0">
+                  <a:solidFill>
+                    <a:prstClr val="black"/>
+                  </a:solidFill>
+                  <a:latin typeface="Courier New" pitchFamily="49" charset="0"/>
+                  <a:cs typeface="Courier New" pitchFamily="49" charset="0"/>
+                </a:rPr>
+                <a:t>struct Simulation {</a:t>
+              </a:r>
+            </a:p>
+            <a:p>
+              <a:pPr lvl="0">
+                <a:defRPr/>
+              </a:pPr>
+              <a:r>
+                <a:rPr lang="en-US" dirty="0">
+                  <a:solidFill>
+                    <a:prstClr val="black"/>
+                  </a:solidFill>
+                  <a:latin typeface="Courier New" pitchFamily="49" charset="0"/>
+                  <a:cs typeface="Courier New" pitchFamily="49" charset="0"/>
+                </a:rPr>
+                <a:t>    protected:</a:t>
+              </a:r>
+            </a:p>
+            <a:p>
+              <a:pPr lvl="0">
+                <a:defRPr/>
+              </a:pPr>
+              <a:r>
+                <a:rPr lang="en-US" dirty="0">
+                  <a:solidFill>
+                    <a:prstClr val="black"/>
+                  </a:solidFill>
+                  <a:latin typeface="Courier New" pitchFamily="49" charset="0"/>
+                  <a:cs typeface="Courier New" pitchFamily="49" charset="0"/>
+                  <a:sym typeface="Symbol" panose="05050102010706020507" pitchFamily="18" charset="2"/>
+                </a:rPr>
+                <a:t>        </a:t>
+              </a:r>
+              <a:endParaRPr lang="en-US" dirty="0">
+                <a:solidFill>
+                  <a:prstClr val="black"/>
+                </a:solidFill>
+                <a:latin typeface="Courier New" pitchFamily="49" charset="0"/>
+                <a:cs typeface="Courier New" pitchFamily="49" charset="0"/>
+              </a:endParaRPr>
+            </a:p>
+            <a:p>
+              <a:pPr lvl="0">
+                <a:defRPr/>
+              </a:pPr>
+              <a:r>
+                <a:rPr lang="en-US" dirty="0">
+                  <a:solidFill>
+                    <a:prstClr val="black"/>
+                  </a:solidFill>
+                  <a:latin typeface="Courier New" pitchFamily="49" charset="0"/>
+                  <a:cs typeface="Courier New" pitchFamily="49" charset="0"/>
+                </a:rPr>
+                <a:t>    public:</a:t>
+              </a:r>
+            </a:p>
+            <a:p>
+              <a:pPr lvl="0">
+                <a:defRPr/>
+              </a:pPr>
+              <a:r>
+                <a:rPr lang="en-US" dirty="0">
+                  <a:solidFill>
+                    <a:prstClr val="black"/>
+                  </a:solidFill>
+                  <a:latin typeface="Courier New" pitchFamily="49" charset="0"/>
+                  <a:cs typeface="Courier New" pitchFamily="49" charset="0"/>
+                </a:rPr>
+                <a:t>        </a:t>
+              </a:r>
+              <a:r>
+                <a:rPr lang="en-US" dirty="0">
+                  <a:solidFill>
+                    <a:prstClr val="black"/>
+                  </a:solidFill>
+                  <a:latin typeface="Courier New" pitchFamily="49" charset="0"/>
+                  <a:cs typeface="Courier New" pitchFamily="49" charset="0"/>
+                  <a:sym typeface="Symbol" panose="05050102010706020507" pitchFamily="18" charset="2"/>
+                </a:rPr>
+                <a:t></a:t>
+              </a:r>
+              <a:endParaRPr lang="en-US" dirty="0">
+                <a:solidFill>
+                  <a:prstClr val="black"/>
+                </a:solidFill>
+                <a:latin typeface="Courier New" pitchFamily="49" charset="0"/>
+                <a:cs typeface="Courier New" pitchFamily="49" charset="0"/>
+              </a:endParaRPr>
+            </a:p>
+            <a:p>
+              <a:pPr lvl="0">
+                <a:defRPr/>
+              </a:pPr>
+              <a:r>
+                <a:rPr lang="en-US" dirty="0">
+                  <a:solidFill>
+                    <a:prstClr val="black"/>
+                  </a:solidFill>
+                  <a:latin typeface="Courier New" pitchFamily="49" charset="0"/>
+                  <a:cs typeface="Courier New" pitchFamily="49" charset="0"/>
+                </a:rPr>
+                <a:t>        void step() {</a:t>
+              </a:r>
+            </a:p>
+            <a:p>
+              <a:pPr lvl="0">
+                <a:defRPr/>
+              </a:pPr>
+              <a:r>
+                <a:rPr lang="en-US" dirty="0">
+                  <a:solidFill>
+                    <a:prstClr val="black"/>
+                  </a:solidFill>
+                  <a:latin typeface="Courier New" pitchFamily="49" charset="0"/>
+                  <a:cs typeface="Courier New" pitchFamily="49" charset="0"/>
+                </a:rPr>
+                <a:t>            if (</a:t>
+              </a:r>
+              <a:r>
+                <a:rPr lang="en-US" dirty="0" err="1">
+                  <a:solidFill>
+                    <a:prstClr val="black"/>
+                  </a:solidFill>
+                  <a:latin typeface="Courier New" pitchFamily="49" charset="0"/>
+                  <a:cs typeface="Courier New" pitchFamily="49" charset="0"/>
+                </a:rPr>
+                <a:t>is_verbose</a:t>
+              </a:r>
+              <a:r>
+                <a:rPr lang="en-US" dirty="0">
+                  <a:solidFill>
+                    <a:prstClr val="black"/>
+                  </a:solidFill>
+                  <a:latin typeface="Courier New" pitchFamily="49" charset="0"/>
+                  <a:cs typeface="Courier New" pitchFamily="49" charset="0"/>
+                </a:rPr>
+                <a:t>_) std::</a:t>
+              </a:r>
+              <a:r>
+                <a:rPr lang="en-US" dirty="0" err="1">
+                  <a:solidFill>
+                    <a:prstClr val="black"/>
+                  </a:solidFill>
+                  <a:latin typeface="Courier New" pitchFamily="49" charset="0"/>
+                  <a:cs typeface="Courier New" pitchFamily="49" charset="0"/>
+                </a:rPr>
+                <a:t>cout</a:t>
+              </a:r>
+              <a:r>
+                <a:rPr lang="en-US" dirty="0">
+                  <a:solidFill>
+                    <a:prstClr val="black"/>
+                  </a:solidFill>
+                  <a:latin typeface="Courier New" pitchFamily="49" charset="0"/>
+                  <a:cs typeface="Courier New" pitchFamily="49" charset="0"/>
+                </a:rPr>
+                <a:t> &lt;&lt; "start step " &lt;&lt; </a:t>
+              </a:r>
+              <a:r>
+                <a:rPr lang="en-US" dirty="0" err="1">
+                  <a:solidFill>
+                    <a:prstClr val="black"/>
+                  </a:solidFill>
+                  <a:latin typeface="Courier New" pitchFamily="49" charset="0"/>
+                  <a:cs typeface="Courier New" pitchFamily="49" charset="0"/>
+                </a:rPr>
+                <a:t>current_step</a:t>
+              </a:r>
+              <a:r>
+                <a:rPr lang="en-US" dirty="0">
+                  <a:solidFill>
+                    <a:prstClr val="black"/>
+                  </a:solidFill>
+                  <a:latin typeface="Courier New" pitchFamily="49" charset="0"/>
+                  <a:cs typeface="Courier New" pitchFamily="49" charset="0"/>
+                </a:rPr>
+                <a:t>_ &lt;&lt; '\n';</a:t>
+              </a:r>
+            </a:p>
+            <a:p>
+              <a:pPr lvl="0">
+                <a:defRPr/>
+              </a:pPr>
+              <a:r>
+                <a:rPr lang="en-US" dirty="0">
+                  <a:solidFill>
+                    <a:prstClr val="black"/>
+                  </a:solidFill>
+                  <a:latin typeface="Courier New" pitchFamily="49" charset="0"/>
+                  <a:cs typeface="Courier New" pitchFamily="49" charset="0"/>
+                </a:rPr>
+                <a:t>            </a:t>
+              </a:r>
+              <a:r>
+                <a:rPr lang="en-US" dirty="0" err="1">
+                  <a:solidFill>
+                    <a:prstClr val="black"/>
+                  </a:solidFill>
+                  <a:latin typeface="Courier New" pitchFamily="49" charset="0"/>
+                  <a:cs typeface="Courier New" pitchFamily="49" charset="0"/>
+                </a:rPr>
+                <a:t>static_cast</a:t>
+              </a:r>
+              <a:r>
+                <a:rPr lang="en-US" dirty="0">
+                  <a:solidFill>
+                    <a:prstClr val="black"/>
+                  </a:solidFill>
+                  <a:latin typeface="Courier New" pitchFamily="49" charset="0"/>
+                  <a:cs typeface="Courier New" pitchFamily="49" charset="0"/>
+                </a:rPr>
+                <a:t>&lt;</a:t>
+              </a:r>
+              <a:r>
+                <a:rPr lang="en-US" b="1" dirty="0">
+                  <a:solidFill>
+                    <a:srgbClr val="FF0000"/>
+                  </a:solidFill>
+                  <a:latin typeface="Courier New" pitchFamily="49" charset="0"/>
+                  <a:cs typeface="Courier New" pitchFamily="49" charset="0"/>
+                </a:rPr>
+                <a:t>Derived</a:t>
+              </a:r>
+              <a:r>
+                <a:rPr lang="en-US" dirty="0">
+                  <a:solidFill>
+                    <a:prstClr val="black"/>
+                  </a:solidFill>
+                  <a:latin typeface="Courier New" pitchFamily="49" charset="0"/>
+                  <a:cs typeface="Courier New" pitchFamily="49" charset="0"/>
+                </a:rPr>
+                <a:t>*&gt;(this)-&gt;</a:t>
+              </a:r>
+              <a:r>
+                <a:rPr lang="en-US" b="1" dirty="0" err="1">
+                  <a:solidFill>
+                    <a:srgbClr val="FF0000"/>
+                  </a:solidFill>
+                  <a:latin typeface="Courier New" pitchFamily="49" charset="0"/>
+                  <a:cs typeface="Courier New" pitchFamily="49" charset="0"/>
+                </a:rPr>
+                <a:t>step_implementation</a:t>
+              </a:r>
+              <a:r>
+                <a:rPr lang="en-US" dirty="0">
+                  <a:solidFill>
+                    <a:prstClr val="black"/>
+                  </a:solidFill>
+                  <a:latin typeface="Courier New" pitchFamily="49" charset="0"/>
+                  <a:cs typeface="Courier New" pitchFamily="49" charset="0"/>
+                </a:rPr>
+                <a:t>();</a:t>
+              </a:r>
+            </a:p>
+            <a:p>
+              <a:pPr lvl="0">
+                <a:defRPr/>
+              </a:pPr>
+              <a:r>
+                <a:rPr lang="en-US" dirty="0">
+                  <a:solidFill>
+                    <a:prstClr val="black"/>
+                  </a:solidFill>
+                  <a:latin typeface="Courier New" pitchFamily="49" charset="0"/>
+                  <a:cs typeface="Courier New" pitchFamily="49" charset="0"/>
+                </a:rPr>
+                <a:t>            if (</a:t>
+              </a:r>
+              <a:r>
+                <a:rPr lang="en-US" dirty="0" err="1">
+                  <a:solidFill>
+                    <a:prstClr val="black"/>
+                  </a:solidFill>
+                  <a:latin typeface="Courier New" pitchFamily="49" charset="0"/>
+                  <a:cs typeface="Courier New" pitchFamily="49" charset="0"/>
+                </a:rPr>
+                <a:t>is_verbose</a:t>
+              </a:r>
+              <a:r>
+                <a:rPr lang="en-US" dirty="0">
+                  <a:solidFill>
+                    <a:prstClr val="black"/>
+                  </a:solidFill>
+                  <a:latin typeface="Courier New" pitchFamily="49" charset="0"/>
+                  <a:cs typeface="Courier New" pitchFamily="49" charset="0"/>
+                </a:rPr>
+                <a:t>_) std::</a:t>
+              </a:r>
+              <a:r>
+                <a:rPr lang="en-US" dirty="0" err="1">
+                  <a:solidFill>
+                    <a:prstClr val="black"/>
+                  </a:solidFill>
+                  <a:latin typeface="Courier New" pitchFamily="49" charset="0"/>
+                  <a:cs typeface="Courier New" pitchFamily="49" charset="0"/>
+                </a:rPr>
+                <a:t>cout</a:t>
+              </a:r>
+              <a:r>
+                <a:rPr lang="en-US" dirty="0">
+                  <a:solidFill>
+                    <a:prstClr val="black"/>
+                  </a:solidFill>
+                  <a:latin typeface="Courier New" pitchFamily="49" charset="0"/>
+                  <a:cs typeface="Courier New" pitchFamily="49" charset="0"/>
+                </a:rPr>
+                <a:t> &lt;&lt; "end step " &lt;&lt; </a:t>
+              </a:r>
+              <a:r>
+                <a:rPr lang="en-US" dirty="0" err="1">
+                  <a:solidFill>
+                    <a:prstClr val="black"/>
+                  </a:solidFill>
+                  <a:latin typeface="Courier New" pitchFamily="49" charset="0"/>
+                  <a:cs typeface="Courier New" pitchFamily="49" charset="0"/>
+                </a:rPr>
+                <a:t>current_step</a:t>
+              </a:r>
+              <a:r>
+                <a:rPr lang="en-US" dirty="0">
+                  <a:solidFill>
+                    <a:prstClr val="black"/>
+                  </a:solidFill>
+                  <a:latin typeface="Courier New" pitchFamily="49" charset="0"/>
+                  <a:cs typeface="Courier New" pitchFamily="49" charset="0"/>
+                </a:rPr>
+                <a:t>_ &lt;&lt; '\n';</a:t>
+              </a:r>
+            </a:p>
+            <a:p>
+              <a:pPr lvl="0">
+                <a:defRPr/>
+              </a:pPr>
+              <a:r>
+                <a:rPr lang="en-US" dirty="0">
+                  <a:solidFill>
+                    <a:prstClr val="black"/>
+                  </a:solidFill>
+                  <a:latin typeface="Courier New" pitchFamily="49" charset="0"/>
+                  <a:cs typeface="Courier New" pitchFamily="49" charset="0"/>
+                </a:rPr>
+                <a:t>            </a:t>
+              </a:r>
+              <a:r>
+                <a:rPr lang="en-US" dirty="0" err="1">
+                  <a:solidFill>
+                    <a:prstClr val="black"/>
+                  </a:solidFill>
+                  <a:latin typeface="Courier New" pitchFamily="49" charset="0"/>
+                  <a:cs typeface="Courier New" pitchFamily="49" charset="0"/>
+                </a:rPr>
+                <a:t>current_step</a:t>
+              </a:r>
+              <a:r>
+                <a:rPr lang="en-US" dirty="0">
+                  <a:solidFill>
+                    <a:prstClr val="black"/>
+                  </a:solidFill>
+                  <a:latin typeface="Courier New" pitchFamily="49" charset="0"/>
+                  <a:cs typeface="Courier New" pitchFamily="49" charset="0"/>
+                </a:rPr>
+                <a:t>_++;</a:t>
+              </a:r>
+            </a:p>
+            <a:p>
+              <a:pPr lvl="0">
+                <a:defRPr/>
+              </a:pPr>
+              <a:r>
+                <a:rPr lang="en-US" dirty="0">
+                  <a:solidFill>
+                    <a:prstClr val="black"/>
+                  </a:solidFill>
+                  <a:latin typeface="Courier New" pitchFamily="49" charset="0"/>
+                  <a:cs typeface="Courier New" pitchFamily="49" charset="0"/>
+                </a:rPr>
+                <a:t>        }</a:t>
+              </a:r>
+            </a:p>
+            <a:p>
+              <a:pPr lvl="0">
+                <a:defRPr/>
+              </a:pPr>
+              <a:r>
+                <a:rPr lang="en-US" dirty="0">
+                  <a:solidFill>
+                    <a:prstClr val="black"/>
+                  </a:solidFill>
+                  <a:latin typeface="Courier New" pitchFamily="49" charset="0"/>
+                  <a:cs typeface="Courier New" pitchFamily="49" charset="0"/>
+                </a:rPr>
+                <a:t>        void run(const std::</a:t>
+              </a:r>
+              <a:r>
+                <a:rPr lang="en-US" dirty="0" err="1">
+                  <a:solidFill>
+                    <a:prstClr val="black"/>
+                  </a:solidFill>
+                  <a:latin typeface="Courier New" pitchFamily="49" charset="0"/>
+                  <a:cs typeface="Courier New" pitchFamily="49" charset="0"/>
+                </a:rPr>
+                <a:t>size_t</a:t>
+              </a:r>
+              <a:r>
+                <a:rPr lang="en-US" dirty="0">
+                  <a:solidFill>
+                    <a:prstClr val="black"/>
+                  </a:solidFill>
+                  <a:latin typeface="Courier New" pitchFamily="49" charset="0"/>
+                  <a:cs typeface="Courier New" pitchFamily="49" charset="0"/>
+                </a:rPr>
+                <a:t> </a:t>
+              </a:r>
+              <a:r>
+                <a:rPr lang="en-US" dirty="0" err="1">
+                  <a:solidFill>
+                    <a:prstClr val="black"/>
+                  </a:solidFill>
+                  <a:latin typeface="Courier New" pitchFamily="49" charset="0"/>
+                  <a:cs typeface="Courier New" pitchFamily="49" charset="0"/>
+                </a:rPr>
+                <a:t>max_nr_steps</a:t>
+              </a:r>
+              <a:r>
+                <a:rPr lang="en-US" dirty="0">
+                  <a:solidFill>
+                    <a:prstClr val="black"/>
+                  </a:solidFill>
+                  <a:latin typeface="Courier New" pitchFamily="49" charset="0"/>
+                  <a:cs typeface="Courier New" pitchFamily="49" charset="0"/>
+                </a:rPr>
+                <a:t>) {</a:t>
+              </a:r>
+            </a:p>
+            <a:p>
+              <a:pPr lvl="0">
+                <a:defRPr/>
+              </a:pPr>
+              <a:r>
+                <a:rPr lang="en-US" dirty="0">
+                  <a:solidFill>
+                    <a:prstClr val="black"/>
+                  </a:solidFill>
+                  <a:latin typeface="Courier New" pitchFamily="49" charset="0"/>
+                  <a:cs typeface="Courier New" pitchFamily="49" charset="0"/>
+                </a:rPr>
+                <a:t>            for (</a:t>
+              </a:r>
+              <a:r>
+                <a:rPr lang="en-US" dirty="0" err="1">
+                  <a:solidFill>
+                    <a:prstClr val="black"/>
+                  </a:solidFill>
+                  <a:latin typeface="Courier New" pitchFamily="49" charset="0"/>
+                  <a:cs typeface="Courier New" pitchFamily="49" charset="0"/>
+                </a:rPr>
+                <a:t>size_t</a:t>
+              </a:r>
+              <a:r>
+                <a:rPr lang="en-US" dirty="0">
+                  <a:solidFill>
+                    <a:prstClr val="black"/>
+                  </a:solidFill>
+                  <a:latin typeface="Courier New" pitchFamily="49" charset="0"/>
+                  <a:cs typeface="Courier New" pitchFamily="49" charset="0"/>
+                </a:rPr>
+                <a:t> </a:t>
+              </a:r>
+              <a:r>
+                <a:rPr lang="en-US" dirty="0" err="1">
+                  <a:solidFill>
+                    <a:prstClr val="black"/>
+                  </a:solidFill>
+                  <a:latin typeface="Courier New" pitchFamily="49" charset="0"/>
+                  <a:cs typeface="Courier New" pitchFamily="49" charset="0"/>
+                </a:rPr>
+                <a:t>step_nr</a:t>
+              </a:r>
+              <a:r>
+                <a:rPr lang="en-US" dirty="0">
+                  <a:solidFill>
+                    <a:prstClr val="black"/>
+                  </a:solidFill>
+                  <a:latin typeface="Courier New" pitchFamily="49" charset="0"/>
+                  <a:cs typeface="Courier New" pitchFamily="49" charset="0"/>
+                </a:rPr>
+                <a:t> = 0; </a:t>
+              </a:r>
+              <a:r>
+                <a:rPr lang="en-US" dirty="0" err="1">
+                  <a:solidFill>
+                    <a:prstClr val="black"/>
+                  </a:solidFill>
+                  <a:latin typeface="Courier New" pitchFamily="49" charset="0"/>
+                  <a:cs typeface="Courier New" pitchFamily="49" charset="0"/>
+                </a:rPr>
+                <a:t>step_nr</a:t>
+              </a:r>
+              <a:r>
+                <a:rPr lang="en-US" dirty="0">
+                  <a:solidFill>
+                    <a:prstClr val="black"/>
+                  </a:solidFill>
+                  <a:latin typeface="Courier New" pitchFamily="49" charset="0"/>
+                  <a:cs typeface="Courier New" pitchFamily="49" charset="0"/>
+                </a:rPr>
+                <a:t> &lt; </a:t>
+              </a:r>
+              <a:r>
+                <a:rPr lang="en-US" dirty="0" err="1">
+                  <a:solidFill>
+                    <a:prstClr val="black"/>
+                  </a:solidFill>
+                  <a:latin typeface="Courier New" pitchFamily="49" charset="0"/>
+                  <a:cs typeface="Courier New" pitchFamily="49" charset="0"/>
+                </a:rPr>
+                <a:t>max_nr_steps</a:t>
+              </a:r>
+              <a:r>
+                <a:rPr lang="en-US" dirty="0">
+                  <a:solidFill>
+                    <a:prstClr val="black"/>
+                  </a:solidFill>
+                  <a:latin typeface="Courier New" pitchFamily="49" charset="0"/>
+                  <a:cs typeface="Courier New" pitchFamily="49" charset="0"/>
+                </a:rPr>
+                <a:t>; ++</a:t>
+              </a:r>
+              <a:r>
+                <a:rPr lang="en-US" dirty="0" err="1">
+                  <a:solidFill>
+                    <a:prstClr val="black"/>
+                  </a:solidFill>
+                  <a:latin typeface="Courier New" pitchFamily="49" charset="0"/>
+                  <a:cs typeface="Courier New" pitchFamily="49" charset="0"/>
+                </a:rPr>
+                <a:t>step_nr</a:t>
+              </a:r>
+              <a:r>
+                <a:rPr lang="en-US" dirty="0">
+                  <a:solidFill>
+                    <a:prstClr val="black"/>
+                  </a:solidFill>
+                  <a:latin typeface="Courier New" pitchFamily="49" charset="0"/>
+                  <a:cs typeface="Courier New" pitchFamily="49" charset="0"/>
+                </a:rPr>
+                <a:t>) step();</a:t>
+              </a:r>
+            </a:p>
+            <a:p>
+              <a:pPr lvl="0">
+                <a:defRPr/>
+              </a:pPr>
+              <a:r>
+                <a:rPr lang="en-US" dirty="0">
+                  <a:solidFill>
+                    <a:prstClr val="black"/>
+                  </a:solidFill>
+                  <a:latin typeface="Courier New" pitchFamily="49" charset="0"/>
+                  <a:cs typeface="Courier New" pitchFamily="49" charset="0"/>
+                </a:rPr>
+                <a:t>        }</a:t>
+              </a:r>
+            </a:p>
+            <a:p>
+              <a:pPr lvl="0">
+                <a:defRPr/>
+              </a:pPr>
+              <a:r>
+                <a:rPr lang="en-US" dirty="0">
+                  <a:solidFill>
+                    <a:prstClr val="black"/>
+                  </a:solidFill>
+                  <a:latin typeface="Courier New" pitchFamily="49" charset="0"/>
+                  <a:cs typeface="Courier New" pitchFamily="49" charset="0"/>
+                </a:rPr>
+                <a:t>    </a:t>
+              </a:r>
+              <a:r>
+                <a:rPr lang="en-US" dirty="0">
+                  <a:solidFill>
+                    <a:prstClr val="black"/>
+                  </a:solidFill>
+                  <a:latin typeface="Courier New" pitchFamily="49" charset="0"/>
+                  <a:cs typeface="Courier New" pitchFamily="49" charset="0"/>
+                  <a:sym typeface="Symbol" panose="05050102010706020507" pitchFamily="18" charset="2"/>
+                </a:rPr>
+                <a:t></a:t>
+              </a:r>
+              <a:endParaRPr kumimoji="0" lang="en-US" b="0" i="0" u="none" strike="noStrike" kern="1200" cap="none" spc="0" normalizeH="0" baseline="0" noProof="0" dirty="0">
+                <a:ln>
+                  <a:noFill/>
+                </a:ln>
+                <a:solidFill>
+                  <a:prstClr val="black"/>
+                </a:solidFill>
+                <a:effectLst/>
+                <a:uLnTx/>
+                <a:uFillTx/>
+                <a:latin typeface="Courier New" pitchFamily="49" charset="0"/>
+                <a:cs typeface="Courier New" pitchFamily="49" charset="0"/>
+              </a:endParaRPr>
+            </a:p>
+          </p:txBody>
+        </p:sp>
+        <p:sp>
+          <p:nvSpPr>
+            <p:cNvPr id="3" name="TextBox 2">
+              <a:extLst>
+                <a:ext uri="{FF2B5EF4-FFF2-40B4-BE49-F238E27FC236}">
+                  <a16:creationId xmlns:a16="http://schemas.microsoft.com/office/drawing/2014/main" id="{07AEFD06-A58F-2F37-FB8D-9092DB0ECFFD}"/>
+                </a:ext>
+              </a:extLst>
+            </p:cNvPr>
+            <p:cNvSpPr txBox="1"/>
+            <p:nvPr/>
+          </p:nvSpPr>
+          <p:spPr>
+            <a:xfrm>
+              <a:off x="9851246" y="1268919"/>
+              <a:ext cx="1665841" cy="338554"/>
+            </a:xfrm>
+            <a:prstGeom prst="rect">
+              <a:avLst/>
+            </a:prstGeom>
+            <a:solidFill>
+              <a:schemeClr val="bg1"/>
+            </a:solidFill>
+            <a:ln>
+              <a:solidFill>
+                <a:schemeClr val="tx1"/>
+              </a:solidFill>
+            </a:ln>
+          </p:spPr>
+          <p:txBody>
+            <a:bodyPr wrap="none" rtlCol="0">
+              <a:spAutoFit/>
+            </a:bodyPr>
+            <a:lstStyle/>
+            <a:p>
+              <a:r>
+                <a:rPr lang="en-US" sz="1600" dirty="0" err="1">
+                  <a:latin typeface="Courier New" panose="02070309020205020404" pitchFamily="49" charset="0"/>
+                  <a:cs typeface="Courier New" panose="02070309020205020404" pitchFamily="49" charset="0"/>
+                </a:rPr>
+                <a:t>simulation.h</a:t>
+              </a:r>
+              <a:endParaRPr lang="LID4096" sz="1600" dirty="0">
+                <a:latin typeface="Courier New" panose="02070309020205020404" pitchFamily="49" charset="0"/>
+                <a:cs typeface="Courier New" panose="02070309020205020404" pitchFamily="49" charset="0"/>
+              </a:endParaRPr>
+            </a:p>
+          </p:txBody>
+        </p:sp>
+      </p:grpSp>
+    </p:spTree>
+    <p:extLst>
+      <p:ext uri="{BB962C8B-B14F-4D97-AF65-F5344CB8AC3E}">
+        <p14:creationId xmlns:p14="http://schemas.microsoft.com/office/powerpoint/2010/main" val="3866999852"/>
+      </p:ext>
+    </p:extLst>
+  </p:cSld>
+  <p:clrMapOvr>
+    <a:masterClrMapping/>
+  </p:clrMapOvr>
+</p:sld>
+</file>
+
+<file path=ppt/slides/slide43.xml><?xml version="1.0" encoding="utf-8"?>
+<p:sld xmlns:a="http://schemas.openxmlformats.org/drawingml/2006/main" xmlns:r="http://schemas.openxmlformats.org/officeDocument/2006/relationships" xmlns:p="http://schemas.openxmlformats.org/presentationml/2006/main">
+  <p:cSld>
+    <p:spTree>
+      <p:nvGrpSpPr>
+        <p:cNvPr id="1" name=""/>
+        <p:cNvGrpSpPr/>
+        <p:nvPr/>
+      </p:nvGrpSpPr>
+      <p:grpSpPr>
+        <a:xfrm>
+          <a:off x="0" y="0"/>
+          <a:ext cx="0" cy="0"/>
+          <a:chOff x="0" y="0"/>
+          <a:chExt cx="0" cy="0"/>
+        </a:xfrm>
+      </p:grpSpPr>
+      <p:sp>
+        <p:nvSpPr>
+          <p:cNvPr id="2" name="Title 1">
+            <a:extLst>
+              <a:ext uri="{FF2B5EF4-FFF2-40B4-BE49-F238E27FC236}">
+                <a16:creationId xmlns:a16="http://schemas.microsoft.com/office/drawing/2014/main" id="{F407F120-BE31-DEBE-569A-7E4F169F5A63}"/>
+              </a:ext>
+            </a:extLst>
+          </p:cNvPr>
+          <p:cNvSpPr>
+            <a:spLocks noGrp="1"/>
+          </p:cNvSpPr>
+          <p:nvPr>
+            <p:ph type="title"/>
+          </p:nvPr>
+        </p:nvSpPr>
+        <p:spPr/>
+        <p:txBody>
+          <a:bodyPr/>
+          <a:lstStyle/>
+          <a:p>
+            <a:r>
+              <a:rPr lang="en-US" dirty="0"/>
+              <a:t>CRTP: first derived class</a:t>
+            </a:r>
+            <a:endParaRPr lang="LID4096" dirty="0"/>
+          </a:p>
+        </p:txBody>
+      </p:sp>
+      <p:sp>
+        <p:nvSpPr>
+          <p:cNvPr id="3" name="Slide Number Placeholder 2">
+            <a:extLst>
+              <a:ext uri="{FF2B5EF4-FFF2-40B4-BE49-F238E27FC236}">
+                <a16:creationId xmlns:a16="http://schemas.microsoft.com/office/drawing/2014/main" id="{A8BA7589-2BE2-E21F-B60E-24CE64438779}"/>
+              </a:ext>
+            </a:extLst>
+          </p:cNvPr>
+          <p:cNvSpPr>
+            <a:spLocks noGrp="1"/>
+          </p:cNvSpPr>
+          <p:nvPr>
+            <p:ph type="sldNum" sz="quarter" idx="12"/>
+          </p:nvPr>
+        </p:nvSpPr>
+        <p:spPr/>
+        <p:txBody>
+          <a:bodyPr/>
+          <a:lstStyle/>
+          <a:p>
+            <a:fld id="{FDB1AA33-DFBB-49AC-8CEE-23FFECEB5648}" type="slidenum">
+              <a:rPr lang="LID4096" smtClean="0"/>
+              <a:t>43</a:t>
+            </a:fld>
+            <a:endParaRPr lang="LID4096"/>
+          </a:p>
+        </p:txBody>
+      </p:sp>
+      <p:grpSp>
+        <p:nvGrpSpPr>
+          <p:cNvPr id="7" name="Group 6">
+            <a:extLst>
+              <a:ext uri="{FF2B5EF4-FFF2-40B4-BE49-F238E27FC236}">
+                <a16:creationId xmlns:a16="http://schemas.microsoft.com/office/drawing/2014/main" id="{1CD1CE94-2C5B-A331-8ED4-4E4C9DA169DE}"/>
+              </a:ext>
+            </a:extLst>
+          </p:cNvPr>
+          <p:cNvGrpSpPr/>
+          <p:nvPr/>
+        </p:nvGrpSpPr>
+        <p:grpSpPr>
+          <a:xfrm>
+            <a:off x="435429" y="1569488"/>
+            <a:ext cx="10918372" cy="3139321"/>
+            <a:chOff x="435429" y="1569488"/>
+            <a:chExt cx="10918372" cy="3139321"/>
+          </a:xfrm>
+        </p:grpSpPr>
+        <p:sp>
+          <p:nvSpPr>
+            <p:cNvPr id="4" name="TextBox 3">
+              <a:extLst>
+                <a:ext uri="{FF2B5EF4-FFF2-40B4-BE49-F238E27FC236}">
+                  <a16:creationId xmlns:a16="http://schemas.microsoft.com/office/drawing/2014/main" id="{55D3781A-4AC6-5BD5-A245-BFB392168377}"/>
+                </a:ext>
+              </a:extLst>
+            </p:cNvPr>
+            <p:cNvSpPr txBox="1"/>
+            <p:nvPr/>
+          </p:nvSpPr>
+          <p:spPr>
+            <a:xfrm>
+              <a:off x="435429" y="1569488"/>
+              <a:ext cx="10918372" cy="3139321"/>
+            </a:xfrm>
+            <a:prstGeom prst="rect">
+              <a:avLst/>
+            </a:prstGeom>
+            <a:solidFill>
+              <a:schemeClr val="bg1">
+                <a:lumMod val="85000"/>
+              </a:schemeClr>
+            </a:solidFill>
+            <a:ln>
+              <a:solidFill>
+                <a:schemeClr val="tx1"/>
+              </a:solidFill>
+            </a:ln>
+          </p:spPr>
+          <p:txBody>
+            <a:bodyPr wrap="square" rtlCol="0">
+              <a:spAutoFit/>
+            </a:bodyPr>
+            <a:lstStyle/>
+            <a:p>
+              <a:pPr lvl="0">
+                <a:defRPr/>
+              </a:pPr>
+              <a:r>
+                <a:rPr lang="en-US" dirty="0">
+                  <a:solidFill>
+                    <a:prstClr val="black"/>
+                  </a:solidFill>
+                  <a:latin typeface="Courier New" pitchFamily="49" charset="0"/>
+                  <a:cs typeface="Courier New" pitchFamily="49" charset="0"/>
+                  <a:sym typeface="Symbol" panose="05050102010706020507" pitchFamily="18" charset="2"/>
+                </a:rPr>
+                <a:t> </a:t>
+              </a:r>
+            </a:p>
+            <a:p>
+              <a:pPr lvl="0">
+                <a:defRPr/>
+              </a:pPr>
+              <a:r>
+                <a:rPr lang="en-US" dirty="0">
+                  <a:solidFill>
+                    <a:prstClr val="black"/>
+                  </a:solidFill>
+                  <a:latin typeface="Courier New" pitchFamily="49" charset="0"/>
+                  <a:cs typeface="Courier New" pitchFamily="49" charset="0"/>
+                </a:rPr>
+                <a:t>#include "</a:t>
+              </a:r>
+              <a:r>
+                <a:rPr lang="en-US" dirty="0" err="1">
+                  <a:solidFill>
+                    <a:prstClr val="black"/>
+                  </a:solidFill>
+                  <a:latin typeface="Courier New" pitchFamily="49" charset="0"/>
+                  <a:cs typeface="Courier New" pitchFamily="49" charset="0"/>
+                </a:rPr>
+                <a:t>simulation.h</a:t>
+              </a:r>
+              <a:r>
+                <a:rPr lang="en-US" dirty="0">
+                  <a:solidFill>
+                    <a:prstClr val="black"/>
+                  </a:solidFill>
+                  <a:latin typeface="Courier New" pitchFamily="49" charset="0"/>
+                  <a:cs typeface="Courier New" pitchFamily="49" charset="0"/>
+                </a:rPr>
+                <a:t>"</a:t>
+              </a:r>
+            </a:p>
+            <a:p>
+              <a:pPr lvl="0">
+                <a:defRPr/>
+              </a:pPr>
+              <a:endParaRPr lang="en-US" dirty="0">
+                <a:solidFill>
+                  <a:prstClr val="black"/>
+                </a:solidFill>
+                <a:latin typeface="Courier New" pitchFamily="49" charset="0"/>
+                <a:cs typeface="Courier New" pitchFamily="49" charset="0"/>
+              </a:endParaRPr>
+            </a:p>
+            <a:p>
+              <a:pPr lvl="0">
+                <a:defRPr/>
+              </a:pPr>
+              <a:r>
+                <a:rPr lang="en-US" dirty="0">
+                  <a:solidFill>
+                    <a:prstClr val="black"/>
+                  </a:solidFill>
+                  <a:latin typeface="Courier New" pitchFamily="49" charset="0"/>
+                  <a:cs typeface="Courier New" pitchFamily="49" charset="0"/>
+                </a:rPr>
+                <a:t>struct </a:t>
+              </a:r>
+              <a:r>
+                <a:rPr lang="en-US" dirty="0" err="1">
+                  <a:solidFill>
+                    <a:prstClr val="black"/>
+                  </a:solidFill>
+                  <a:latin typeface="Courier New" pitchFamily="49" charset="0"/>
+                  <a:cs typeface="Courier New" pitchFamily="49" charset="0"/>
+                </a:rPr>
+                <a:t>DiceSimulation</a:t>
+              </a:r>
+              <a:r>
+                <a:rPr lang="en-US" dirty="0">
+                  <a:solidFill>
+                    <a:prstClr val="black"/>
+                  </a:solidFill>
+                  <a:latin typeface="Courier New" pitchFamily="49" charset="0"/>
+                  <a:cs typeface="Courier New" pitchFamily="49" charset="0"/>
+                </a:rPr>
+                <a:t> : public </a:t>
+              </a:r>
+              <a:r>
+                <a:rPr lang="en-US" b="1" dirty="0">
+                  <a:solidFill>
+                    <a:srgbClr val="FF0000"/>
+                  </a:solidFill>
+                  <a:latin typeface="Courier New" pitchFamily="49" charset="0"/>
+                  <a:cs typeface="Courier New" pitchFamily="49" charset="0"/>
+                </a:rPr>
+                <a:t>Simulation&lt;</a:t>
+              </a:r>
+              <a:r>
+                <a:rPr lang="en-US" b="1" dirty="0" err="1">
+                  <a:solidFill>
+                    <a:srgbClr val="FF0000"/>
+                  </a:solidFill>
+                  <a:latin typeface="Courier New" pitchFamily="49" charset="0"/>
+                  <a:cs typeface="Courier New" pitchFamily="49" charset="0"/>
+                </a:rPr>
+                <a:t>DiceSimulation</a:t>
+              </a:r>
+              <a:r>
+                <a:rPr lang="en-US" b="1" dirty="0">
+                  <a:solidFill>
+                    <a:srgbClr val="FF0000"/>
+                  </a:solidFill>
+                  <a:latin typeface="Courier New" pitchFamily="49" charset="0"/>
+                  <a:cs typeface="Courier New" pitchFamily="49" charset="0"/>
+                </a:rPr>
+                <a:t>&gt;</a:t>
+              </a:r>
+              <a:r>
+                <a:rPr lang="en-US" dirty="0">
+                  <a:solidFill>
+                    <a:prstClr val="black"/>
+                  </a:solidFill>
+                  <a:latin typeface="Courier New" pitchFamily="49" charset="0"/>
+                  <a:cs typeface="Courier New" pitchFamily="49" charset="0"/>
+                </a:rPr>
+                <a:t> {</a:t>
+              </a:r>
+            </a:p>
+            <a:p>
+              <a:pPr lvl="0">
+                <a:defRPr/>
+              </a:pPr>
+              <a:r>
+                <a:rPr lang="en-US" dirty="0">
+                  <a:solidFill>
+                    <a:prstClr val="black"/>
+                  </a:solidFill>
+                  <a:latin typeface="Courier New" pitchFamily="49" charset="0"/>
+                  <a:cs typeface="Courier New" pitchFamily="49" charset="0"/>
+                </a:rPr>
+                <a:t>    protected:</a:t>
+              </a:r>
+            </a:p>
+            <a:p>
+              <a:pPr lvl="0">
+                <a:defRPr/>
+              </a:pPr>
+              <a:r>
+                <a:rPr lang="en-US" dirty="0">
+                  <a:solidFill>
+                    <a:prstClr val="black"/>
+                  </a:solidFill>
+                  <a:latin typeface="Courier New" pitchFamily="49" charset="0"/>
+                  <a:cs typeface="Courier New" pitchFamily="49" charset="0"/>
+                </a:rPr>
+                <a:t>        std::mt19937_64 engine_;</a:t>
+              </a:r>
+            </a:p>
+            <a:p>
+              <a:pPr lvl="0">
+                <a:defRPr/>
+              </a:pPr>
+              <a:r>
+                <a:rPr lang="en-US" dirty="0">
+                  <a:solidFill>
+                    <a:prstClr val="black"/>
+                  </a:solidFill>
+                  <a:latin typeface="Courier New" pitchFamily="49" charset="0"/>
+                  <a:cs typeface="Courier New" pitchFamily="49" charset="0"/>
+                </a:rPr>
+                <a:t>        std::</a:t>
+              </a:r>
+              <a:r>
+                <a:rPr lang="en-US" dirty="0" err="1">
+                  <a:solidFill>
+                    <a:prstClr val="black"/>
+                  </a:solidFill>
+                  <a:latin typeface="Courier New" pitchFamily="49" charset="0"/>
+                  <a:cs typeface="Courier New" pitchFamily="49" charset="0"/>
+                </a:rPr>
+                <a:t>uniform_int_distribution</a:t>
+              </a:r>
+              <a:r>
+                <a:rPr lang="en-US" dirty="0">
+                  <a:solidFill>
+                    <a:prstClr val="black"/>
+                  </a:solidFill>
+                  <a:latin typeface="Courier New" pitchFamily="49" charset="0"/>
+                  <a:cs typeface="Courier New" pitchFamily="49" charset="0"/>
+                </a:rPr>
+                <a:t>&lt;int&gt; </a:t>
+              </a:r>
+              <a:r>
+                <a:rPr lang="en-US" dirty="0" err="1">
+                  <a:solidFill>
+                    <a:prstClr val="black"/>
+                  </a:solidFill>
+                  <a:latin typeface="Courier New" pitchFamily="49" charset="0"/>
+                  <a:cs typeface="Courier New" pitchFamily="49" charset="0"/>
+                </a:rPr>
+                <a:t>distr</a:t>
+              </a:r>
+              <a:r>
+                <a:rPr lang="en-US" dirty="0">
+                  <a:solidFill>
+                    <a:prstClr val="black"/>
+                  </a:solidFill>
+                  <a:latin typeface="Courier New" pitchFamily="49" charset="0"/>
+                  <a:cs typeface="Courier New" pitchFamily="49" charset="0"/>
+                </a:rPr>
+                <a:t>_ {1, 6};</a:t>
+              </a:r>
+            </a:p>
+            <a:p>
+              <a:pPr lvl="0">
+                <a:defRPr/>
+              </a:pPr>
+              <a:r>
+                <a:rPr lang="en-US" dirty="0">
+                  <a:solidFill>
+                    <a:prstClr val="black"/>
+                  </a:solidFill>
+                  <a:latin typeface="Courier New" pitchFamily="49" charset="0"/>
+                  <a:cs typeface="Courier New" pitchFamily="49" charset="0"/>
+                </a:rPr>
+                <a:t>    public:</a:t>
+              </a:r>
+            </a:p>
+            <a:p>
+              <a:pPr lvl="0">
+                <a:defRPr/>
+              </a:pPr>
+              <a:r>
+                <a:rPr lang="en-US" dirty="0">
+                  <a:solidFill>
+                    <a:prstClr val="black"/>
+                  </a:solidFill>
+                  <a:latin typeface="Courier New" pitchFamily="49" charset="0"/>
+                  <a:cs typeface="Courier New" pitchFamily="49" charset="0"/>
+                </a:rPr>
+                <a:t>        void seed(const std::</a:t>
+              </a:r>
+              <a:r>
+                <a:rPr lang="en-US" dirty="0" err="1">
+                  <a:solidFill>
+                    <a:prstClr val="black"/>
+                  </a:solidFill>
+                  <a:latin typeface="Courier New" pitchFamily="49" charset="0"/>
+                  <a:cs typeface="Courier New" pitchFamily="49" charset="0"/>
+                </a:rPr>
+                <a:t>size_t</a:t>
+              </a:r>
+              <a:r>
+                <a:rPr lang="en-US" dirty="0">
+                  <a:solidFill>
+                    <a:prstClr val="black"/>
+                  </a:solidFill>
+                  <a:latin typeface="Courier New" pitchFamily="49" charset="0"/>
+                  <a:cs typeface="Courier New" pitchFamily="49" charset="0"/>
+                </a:rPr>
+                <a:t> </a:t>
+              </a:r>
+              <a:r>
+                <a:rPr lang="en-US" dirty="0" err="1">
+                  <a:solidFill>
+                    <a:prstClr val="black"/>
+                  </a:solidFill>
+                  <a:latin typeface="Courier New" pitchFamily="49" charset="0"/>
+                  <a:cs typeface="Courier New" pitchFamily="49" charset="0"/>
+                </a:rPr>
+                <a:t>seed_value</a:t>
+              </a:r>
+              <a:r>
+                <a:rPr lang="en-US" dirty="0">
+                  <a:solidFill>
+                    <a:prstClr val="black"/>
+                  </a:solidFill>
+                  <a:latin typeface="Courier New" pitchFamily="49" charset="0"/>
+                  <a:cs typeface="Courier New" pitchFamily="49" charset="0"/>
+                </a:rPr>
+                <a:t>) { </a:t>
+              </a:r>
+              <a:r>
+                <a:rPr lang="en-US" dirty="0" err="1">
+                  <a:solidFill>
+                    <a:prstClr val="black"/>
+                  </a:solidFill>
+                  <a:latin typeface="Courier New" pitchFamily="49" charset="0"/>
+                  <a:cs typeface="Courier New" pitchFamily="49" charset="0"/>
+                </a:rPr>
+                <a:t>engine_.seed</a:t>
+              </a:r>
+              <a:r>
+                <a:rPr lang="en-US" dirty="0">
+                  <a:solidFill>
+                    <a:prstClr val="black"/>
+                  </a:solidFill>
+                  <a:latin typeface="Courier New" pitchFamily="49" charset="0"/>
+                  <a:cs typeface="Courier New" pitchFamily="49" charset="0"/>
+                </a:rPr>
+                <a:t>(</a:t>
+              </a:r>
+              <a:r>
+                <a:rPr lang="en-US" dirty="0" err="1">
+                  <a:solidFill>
+                    <a:prstClr val="black"/>
+                  </a:solidFill>
+                  <a:latin typeface="Courier New" pitchFamily="49" charset="0"/>
+                  <a:cs typeface="Courier New" pitchFamily="49" charset="0"/>
+                </a:rPr>
+                <a:t>seed_value</a:t>
+              </a:r>
+              <a:r>
+                <a:rPr lang="en-US" dirty="0">
+                  <a:solidFill>
+                    <a:prstClr val="black"/>
+                  </a:solidFill>
+                  <a:latin typeface="Courier New" pitchFamily="49" charset="0"/>
+                  <a:cs typeface="Courier New" pitchFamily="49" charset="0"/>
+                </a:rPr>
+                <a:t>); }</a:t>
+              </a:r>
+            </a:p>
+            <a:p>
+              <a:pPr lvl="0">
+                <a:defRPr/>
+              </a:pPr>
+              <a:r>
+                <a:rPr lang="en-US" dirty="0">
+                  <a:solidFill>
+                    <a:prstClr val="black"/>
+                  </a:solidFill>
+                  <a:latin typeface="Courier New" pitchFamily="49" charset="0"/>
+                  <a:cs typeface="Courier New" pitchFamily="49" charset="0"/>
+                </a:rPr>
+                <a:t>        void </a:t>
+              </a:r>
+              <a:r>
+                <a:rPr lang="en-US" b="1" dirty="0" err="1">
+                  <a:solidFill>
+                    <a:srgbClr val="FF0000"/>
+                  </a:solidFill>
+                  <a:latin typeface="Courier New" pitchFamily="49" charset="0"/>
+                  <a:cs typeface="Courier New" pitchFamily="49" charset="0"/>
+                </a:rPr>
+                <a:t>step_implementation</a:t>
+              </a:r>
+              <a:r>
+                <a:rPr lang="en-US" dirty="0">
+                  <a:solidFill>
+                    <a:prstClr val="black"/>
+                  </a:solidFill>
+                  <a:latin typeface="Courier New" pitchFamily="49" charset="0"/>
+                  <a:cs typeface="Courier New" pitchFamily="49" charset="0"/>
+                </a:rPr>
+                <a:t>() { std::</a:t>
+              </a:r>
+              <a:r>
+                <a:rPr lang="en-US" dirty="0" err="1">
+                  <a:solidFill>
+                    <a:prstClr val="black"/>
+                  </a:solidFill>
+                  <a:latin typeface="Courier New" pitchFamily="49" charset="0"/>
+                  <a:cs typeface="Courier New" pitchFamily="49" charset="0"/>
+                </a:rPr>
+                <a:t>cout</a:t>
+              </a:r>
+              <a:r>
+                <a:rPr lang="en-US" dirty="0">
+                  <a:solidFill>
+                    <a:prstClr val="black"/>
+                  </a:solidFill>
+                  <a:latin typeface="Courier New" pitchFamily="49" charset="0"/>
+                  <a:cs typeface="Courier New" pitchFamily="49" charset="0"/>
+                </a:rPr>
+                <a:t> &lt;&lt; </a:t>
+              </a:r>
+              <a:r>
+                <a:rPr lang="en-US" dirty="0" err="1">
+                  <a:solidFill>
+                    <a:prstClr val="black"/>
+                  </a:solidFill>
+                  <a:latin typeface="Courier New" pitchFamily="49" charset="0"/>
+                  <a:cs typeface="Courier New" pitchFamily="49" charset="0"/>
+                </a:rPr>
+                <a:t>distr</a:t>
+              </a:r>
+              <a:r>
+                <a:rPr lang="en-US" dirty="0">
+                  <a:solidFill>
+                    <a:prstClr val="black"/>
+                  </a:solidFill>
+                  <a:latin typeface="Courier New" pitchFamily="49" charset="0"/>
+                  <a:cs typeface="Courier New" pitchFamily="49" charset="0"/>
+                </a:rPr>
+                <a:t>_(engine_) &lt;&lt; '\n'; };</a:t>
+              </a:r>
+            </a:p>
+            <a:p>
+              <a:pPr lvl="0">
+                <a:defRPr/>
+              </a:pPr>
+              <a:r>
+                <a:rPr lang="en-US" dirty="0">
+                  <a:solidFill>
+                    <a:prstClr val="black"/>
+                  </a:solidFill>
+                  <a:latin typeface="Courier New" pitchFamily="49" charset="0"/>
+                  <a:cs typeface="Courier New" pitchFamily="49" charset="0"/>
+                </a:rPr>
+                <a:t>};</a:t>
+              </a:r>
+              <a:endParaRPr kumimoji="0" lang="en-US" sz="1800" b="0" i="0" u="none" strike="noStrike" kern="1200" cap="none" spc="0" normalizeH="0" baseline="0" noProof="0" dirty="0">
+                <a:ln>
+                  <a:noFill/>
+                </a:ln>
+                <a:solidFill>
+                  <a:prstClr val="black"/>
+                </a:solidFill>
+                <a:effectLst/>
+                <a:uLnTx/>
+                <a:uFillTx/>
+                <a:latin typeface="Courier New" pitchFamily="49" charset="0"/>
+                <a:ea typeface="+mn-ea"/>
+                <a:cs typeface="Courier New" pitchFamily="49" charset="0"/>
+              </a:endParaRPr>
+            </a:p>
+          </p:txBody>
+        </p:sp>
+        <p:sp>
+          <p:nvSpPr>
+            <p:cNvPr id="6" name="TextBox 5">
+              <a:extLst>
+                <a:ext uri="{FF2B5EF4-FFF2-40B4-BE49-F238E27FC236}">
+                  <a16:creationId xmlns:a16="http://schemas.microsoft.com/office/drawing/2014/main" id="{8B1C1ADF-6270-B7A5-7581-82AEB9353671}"/>
+                </a:ext>
+              </a:extLst>
+            </p:cNvPr>
+            <p:cNvSpPr txBox="1"/>
+            <p:nvPr/>
+          </p:nvSpPr>
+          <p:spPr>
+            <a:xfrm>
+              <a:off x="9067475" y="1569488"/>
+              <a:ext cx="2282997" cy="338554"/>
+            </a:xfrm>
+            <a:prstGeom prst="rect">
+              <a:avLst/>
+            </a:prstGeom>
+            <a:solidFill>
+              <a:schemeClr val="bg1"/>
+            </a:solidFill>
+            <a:ln>
+              <a:solidFill>
+                <a:schemeClr val="tx1"/>
+              </a:solidFill>
+            </a:ln>
+          </p:spPr>
+          <p:txBody>
+            <a:bodyPr wrap="none" rtlCol="0">
+              <a:spAutoFit/>
+            </a:bodyPr>
+            <a:lstStyle/>
+            <a:p>
+              <a:r>
+                <a:rPr lang="en-US" sz="1600" dirty="0" err="1">
+                  <a:latin typeface="Courier New" panose="02070309020205020404" pitchFamily="49" charset="0"/>
+                  <a:cs typeface="Courier New" panose="02070309020205020404" pitchFamily="49" charset="0"/>
+                </a:rPr>
+                <a:t>dice_simulation.h</a:t>
+              </a:r>
+              <a:endParaRPr lang="LID4096" sz="1600" dirty="0">
+                <a:latin typeface="Courier New" panose="02070309020205020404" pitchFamily="49" charset="0"/>
+                <a:cs typeface="Courier New" panose="02070309020205020404" pitchFamily="49" charset="0"/>
+              </a:endParaRPr>
+            </a:p>
+          </p:txBody>
+        </p:sp>
+      </p:grpSp>
+    </p:spTree>
+    <p:extLst>
+      <p:ext uri="{BB962C8B-B14F-4D97-AF65-F5344CB8AC3E}">
+        <p14:creationId xmlns:p14="http://schemas.microsoft.com/office/powerpoint/2010/main" val="4020257836"/>
+      </p:ext>
+    </p:extLst>
+  </p:cSld>
+  <p:clrMapOvr>
+    <a:masterClrMapping/>
+  </p:clrMapOvr>
+</p:sld>
+</file>
+
+<file path=ppt/slides/slide44.xml><?xml version="1.0" encoding="utf-8"?>
+<p:sld xmlns:a="http://schemas.openxmlformats.org/drawingml/2006/main" xmlns:r="http://schemas.openxmlformats.org/officeDocument/2006/relationships" xmlns:p="http://schemas.openxmlformats.org/presentationml/2006/main">
+  <p:cSld>
+    <p:spTree>
+      <p:nvGrpSpPr>
+        <p:cNvPr id="1" name=""/>
+        <p:cNvGrpSpPr/>
+        <p:nvPr/>
+      </p:nvGrpSpPr>
+      <p:grpSpPr>
+        <a:xfrm>
+          <a:off x="0" y="0"/>
+          <a:ext cx="0" cy="0"/>
+          <a:chOff x="0" y="0"/>
+          <a:chExt cx="0" cy="0"/>
+        </a:xfrm>
+      </p:grpSpPr>
+      <p:sp>
+        <p:nvSpPr>
+          <p:cNvPr id="2" name="Title 1">
+            <a:extLst>
+              <a:ext uri="{FF2B5EF4-FFF2-40B4-BE49-F238E27FC236}">
+                <a16:creationId xmlns:a16="http://schemas.microsoft.com/office/drawing/2014/main" id="{F90C6BCD-B0C3-91E9-B309-4BC7DE2128D7}"/>
+              </a:ext>
+            </a:extLst>
+          </p:cNvPr>
+          <p:cNvSpPr>
+            <a:spLocks noGrp="1"/>
+          </p:cNvSpPr>
+          <p:nvPr>
+            <p:ph type="title"/>
+          </p:nvPr>
+        </p:nvSpPr>
+        <p:spPr/>
+        <p:txBody>
+          <a:bodyPr/>
+          <a:lstStyle/>
+          <a:p>
+            <a:r>
+              <a:rPr lang="en-US" dirty="0"/>
+              <a:t>CRTP: second derived class</a:t>
+            </a:r>
+            <a:endParaRPr lang="LID4096" dirty="0"/>
+          </a:p>
+        </p:txBody>
+      </p:sp>
+      <p:sp>
+        <p:nvSpPr>
+          <p:cNvPr id="3" name="Slide Number Placeholder 2">
+            <a:extLst>
+              <a:ext uri="{FF2B5EF4-FFF2-40B4-BE49-F238E27FC236}">
+                <a16:creationId xmlns:a16="http://schemas.microsoft.com/office/drawing/2014/main" id="{700B4273-98E9-8C48-F760-D50BA9244A4D}"/>
+              </a:ext>
+            </a:extLst>
+          </p:cNvPr>
+          <p:cNvSpPr>
+            <a:spLocks noGrp="1"/>
+          </p:cNvSpPr>
+          <p:nvPr>
+            <p:ph type="sldNum" sz="quarter" idx="12"/>
+          </p:nvPr>
+        </p:nvSpPr>
+        <p:spPr/>
+        <p:txBody>
+          <a:bodyPr/>
+          <a:lstStyle/>
+          <a:p>
+            <a:fld id="{FDB1AA33-DFBB-49AC-8CEE-23FFECEB5648}" type="slidenum">
+              <a:rPr lang="LID4096" smtClean="0"/>
+              <a:t>44</a:t>
+            </a:fld>
+            <a:endParaRPr lang="LID4096"/>
+          </a:p>
+        </p:txBody>
+      </p:sp>
+      <p:grpSp>
+        <p:nvGrpSpPr>
+          <p:cNvPr id="5" name="Group 4">
+            <a:extLst>
+              <a:ext uri="{FF2B5EF4-FFF2-40B4-BE49-F238E27FC236}">
+                <a16:creationId xmlns:a16="http://schemas.microsoft.com/office/drawing/2014/main" id="{3D29181F-FEBF-B5C7-2BD1-180AA4CF2F9C}"/>
+              </a:ext>
+            </a:extLst>
+          </p:cNvPr>
+          <p:cNvGrpSpPr/>
+          <p:nvPr/>
+        </p:nvGrpSpPr>
+        <p:grpSpPr>
+          <a:xfrm>
+            <a:off x="435429" y="1438859"/>
+            <a:ext cx="10918372" cy="4801314"/>
+            <a:chOff x="435429" y="1569488"/>
+            <a:chExt cx="10918372" cy="4801314"/>
+          </a:xfrm>
+        </p:grpSpPr>
+        <p:sp>
+          <p:nvSpPr>
+            <p:cNvPr id="6" name="TextBox 5">
+              <a:extLst>
+                <a:ext uri="{FF2B5EF4-FFF2-40B4-BE49-F238E27FC236}">
+                  <a16:creationId xmlns:a16="http://schemas.microsoft.com/office/drawing/2014/main" id="{9F4F34E6-3A7F-E212-23B8-55AAF04035B4}"/>
+                </a:ext>
+              </a:extLst>
+            </p:cNvPr>
+            <p:cNvSpPr txBox="1"/>
+            <p:nvPr/>
+          </p:nvSpPr>
+          <p:spPr>
+            <a:xfrm>
+              <a:off x="435429" y="1569488"/>
+              <a:ext cx="10918372" cy="4801314"/>
+            </a:xfrm>
+            <a:prstGeom prst="rect">
+              <a:avLst/>
+            </a:prstGeom>
+            <a:solidFill>
+              <a:schemeClr val="bg1">
+                <a:lumMod val="85000"/>
+              </a:schemeClr>
+            </a:solidFill>
+            <a:ln>
+              <a:solidFill>
+                <a:schemeClr val="tx1"/>
+              </a:solidFill>
+            </a:ln>
+          </p:spPr>
+          <p:txBody>
+            <a:bodyPr wrap="square" rtlCol="0">
+              <a:spAutoFit/>
+            </a:bodyPr>
+            <a:lstStyle/>
+            <a:p>
+              <a:pPr lvl="0">
+                <a:defRPr/>
+              </a:pPr>
+              <a:r>
+                <a:rPr lang="en-US" dirty="0">
+                  <a:solidFill>
+                    <a:prstClr val="black"/>
+                  </a:solidFill>
+                  <a:latin typeface="Courier New" pitchFamily="49" charset="0"/>
+                  <a:cs typeface="Courier New" pitchFamily="49" charset="0"/>
+                  <a:sym typeface="Symbol" panose="05050102010706020507" pitchFamily="18" charset="2"/>
+                </a:rPr>
+                <a:t></a:t>
+              </a:r>
+              <a:endParaRPr lang="en-US" dirty="0">
+                <a:solidFill>
+                  <a:prstClr val="black"/>
+                </a:solidFill>
+                <a:latin typeface="Courier New" pitchFamily="49" charset="0"/>
+                <a:cs typeface="Courier New" pitchFamily="49" charset="0"/>
+              </a:endParaRPr>
+            </a:p>
+            <a:p>
+              <a:pPr lvl="0">
+                <a:defRPr/>
+              </a:pPr>
+              <a:r>
+                <a:rPr lang="en-US" dirty="0">
+                  <a:solidFill>
+                    <a:prstClr val="black"/>
+                  </a:solidFill>
+                  <a:latin typeface="Courier New" pitchFamily="49" charset="0"/>
+                  <a:cs typeface="Courier New" pitchFamily="49" charset="0"/>
+                </a:rPr>
+                <a:t>#include "</a:t>
+              </a:r>
+              <a:r>
+                <a:rPr lang="en-US" dirty="0" err="1">
+                  <a:solidFill>
+                    <a:prstClr val="black"/>
+                  </a:solidFill>
+                  <a:latin typeface="Courier New" pitchFamily="49" charset="0"/>
+                  <a:cs typeface="Courier New" pitchFamily="49" charset="0"/>
+                </a:rPr>
+                <a:t>simulation.h</a:t>
+              </a:r>
+              <a:r>
+                <a:rPr lang="en-US" dirty="0">
+                  <a:solidFill>
+                    <a:prstClr val="black"/>
+                  </a:solidFill>
+                  <a:latin typeface="Courier New" pitchFamily="49" charset="0"/>
+                  <a:cs typeface="Courier New" pitchFamily="49" charset="0"/>
+                </a:rPr>
+                <a:t>"</a:t>
+              </a:r>
+            </a:p>
+            <a:p>
+              <a:pPr lvl="0">
+                <a:defRPr/>
+              </a:pPr>
+              <a:endParaRPr lang="en-US" dirty="0">
+                <a:solidFill>
+                  <a:prstClr val="black"/>
+                </a:solidFill>
+                <a:latin typeface="Courier New" pitchFamily="49" charset="0"/>
+                <a:cs typeface="Courier New" pitchFamily="49" charset="0"/>
+              </a:endParaRPr>
+            </a:p>
+            <a:p>
+              <a:pPr lvl="0">
+                <a:defRPr/>
+              </a:pPr>
+              <a:r>
+                <a:rPr lang="en-US" dirty="0">
+                  <a:solidFill>
+                    <a:prstClr val="black"/>
+                  </a:solidFill>
+                  <a:latin typeface="Courier New" pitchFamily="49" charset="0"/>
+                  <a:cs typeface="Courier New" pitchFamily="49" charset="0"/>
+                </a:rPr>
+                <a:t>using Distribution = std::array&lt;std::</a:t>
+              </a:r>
+              <a:r>
+                <a:rPr lang="en-US" dirty="0" err="1">
+                  <a:solidFill>
+                    <a:prstClr val="black"/>
+                  </a:solidFill>
+                  <a:latin typeface="Courier New" pitchFamily="49" charset="0"/>
+                  <a:cs typeface="Courier New" pitchFamily="49" charset="0"/>
+                </a:rPr>
+                <a:t>size_t</a:t>
+              </a:r>
+              <a:r>
+                <a:rPr lang="en-US" dirty="0">
+                  <a:solidFill>
+                    <a:prstClr val="black"/>
+                  </a:solidFill>
+                  <a:latin typeface="Courier New" pitchFamily="49" charset="0"/>
+                  <a:cs typeface="Courier New" pitchFamily="49" charset="0"/>
+                </a:rPr>
+                <a:t>, 6&gt;;</a:t>
+              </a:r>
+            </a:p>
+            <a:p>
+              <a:pPr lvl="0">
+                <a:defRPr/>
+              </a:pPr>
+              <a:endParaRPr lang="en-US" dirty="0">
+                <a:solidFill>
+                  <a:prstClr val="black"/>
+                </a:solidFill>
+                <a:latin typeface="Courier New" pitchFamily="49" charset="0"/>
+                <a:cs typeface="Courier New" pitchFamily="49" charset="0"/>
+              </a:endParaRPr>
+            </a:p>
+            <a:p>
+              <a:pPr lvl="0">
+                <a:defRPr/>
+              </a:pPr>
+              <a:r>
+                <a:rPr lang="en-US" dirty="0">
+                  <a:solidFill>
+                    <a:prstClr val="black"/>
+                  </a:solidFill>
+                  <a:latin typeface="Courier New" pitchFamily="49" charset="0"/>
+                  <a:cs typeface="Courier New" pitchFamily="49" charset="0"/>
+                </a:rPr>
+                <a:t>struct </a:t>
+              </a:r>
+              <a:r>
+                <a:rPr lang="en-US" dirty="0" err="1">
+                  <a:solidFill>
+                    <a:prstClr val="black"/>
+                  </a:solidFill>
+                  <a:latin typeface="Courier New" pitchFamily="49" charset="0"/>
+                  <a:cs typeface="Courier New" pitchFamily="49" charset="0"/>
+                </a:rPr>
+                <a:t>DiceAvgSimulation</a:t>
+              </a:r>
+              <a:r>
+                <a:rPr lang="en-US" dirty="0">
+                  <a:solidFill>
+                    <a:prstClr val="black"/>
+                  </a:solidFill>
+                  <a:latin typeface="Courier New" pitchFamily="49" charset="0"/>
+                  <a:cs typeface="Courier New" pitchFamily="49" charset="0"/>
+                </a:rPr>
+                <a:t> : public </a:t>
+              </a:r>
+              <a:r>
+                <a:rPr lang="en-US" b="1" dirty="0">
+                  <a:solidFill>
+                    <a:srgbClr val="FF0000"/>
+                  </a:solidFill>
+                  <a:latin typeface="Courier New" pitchFamily="49" charset="0"/>
+                  <a:cs typeface="Courier New" pitchFamily="49" charset="0"/>
+                </a:rPr>
+                <a:t>Simulation&lt;</a:t>
+              </a:r>
+              <a:r>
+                <a:rPr lang="en-US" b="1" dirty="0" err="1">
+                  <a:solidFill>
+                    <a:srgbClr val="FF0000"/>
+                  </a:solidFill>
+                  <a:latin typeface="Courier New" pitchFamily="49" charset="0"/>
+                  <a:cs typeface="Courier New" pitchFamily="49" charset="0"/>
+                </a:rPr>
+                <a:t>DiceAvgSimulation</a:t>
+              </a:r>
+              <a:r>
+                <a:rPr lang="en-US" b="1" dirty="0">
+                  <a:solidFill>
+                    <a:srgbClr val="FF0000"/>
+                  </a:solidFill>
+                  <a:latin typeface="Courier New" pitchFamily="49" charset="0"/>
+                  <a:cs typeface="Courier New" pitchFamily="49" charset="0"/>
+                </a:rPr>
+                <a:t>&gt;</a:t>
+              </a:r>
+              <a:r>
+                <a:rPr lang="en-US" dirty="0">
+                  <a:solidFill>
+                    <a:prstClr val="black"/>
+                  </a:solidFill>
+                  <a:latin typeface="Courier New" pitchFamily="49" charset="0"/>
+                  <a:cs typeface="Courier New" pitchFamily="49" charset="0"/>
+                </a:rPr>
+                <a:t> {</a:t>
+              </a:r>
+            </a:p>
+            <a:p>
+              <a:pPr lvl="0">
+                <a:defRPr/>
+              </a:pPr>
+              <a:r>
+                <a:rPr lang="en-US" dirty="0">
+                  <a:solidFill>
+                    <a:prstClr val="black"/>
+                  </a:solidFill>
+                  <a:latin typeface="Courier New" pitchFamily="49" charset="0"/>
+                  <a:cs typeface="Courier New" pitchFamily="49" charset="0"/>
+                </a:rPr>
+                <a:t>    protected:</a:t>
+              </a:r>
+            </a:p>
+            <a:p>
+              <a:pPr lvl="0">
+                <a:defRPr/>
+              </a:pPr>
+              <a:r>
+                <a:rPr lang="en-US" dirty="0">
+                  <a:solidFill>
+                    <a:prstClr val="black"/>
+                  </a:solidFill>
+                  <a:latin typeface="Courier New" pitchFamily="49" charset="0"/>
+                  <a:cs typeface="Courier New" pitchFamily="49" charset="0"/>
+                </a:rPr>
+                <a:t>        std::mt19937_64 engine_;</a:t>
+              </a:r>
+            </a:p>
+            <a:p>
+              <a:pPr lvl="0">
+                <a:defRPr/>
+              </a:pPr>
+              <a:r>
+                <a:rPr lang="en-US" dirty="0">
+                  <a:solidFill>
+                    <a:prstClr val="black"/>
+                  </a:solidFill>
+                  <a:latin typeface="Courier New" pitchFamily="49" charset="0"/>
+                  <a:cs typeface="Courier New" pitchFamily="49" charset="0"/>
+                </a:rPr>
+                <a:t>        std::</a:t>
+              </a:r>
+              <a:r>
+                <a:rPr lang="en-US" dirty="0" err="1">
+                  <a:solidFill>
+                    <a:prstClr val="black"/>
+                  </a:solidFill>
+                  <a:latin typeface="Courier New" pitchFamily="49" charset="0"/>
+                  <a:cs typeface="Courier New" pitchFamily="49" charset="0"/>
+                </a:rPr>
+                <a:t>uniform_int_distribution</a:t>
+              </a:r>
+              <a:r>
+                <a:rPr lang="en-US" dirty="0">
+                  <a:solidFill>
+                    <a:prstClr val="black"/>
+                  </a:solidFill>
+                  <a:latin typeface="Courier New" pitchFamily="49" charset="0"/>
+                  <a:cs typeface="Courier New" pitchFamily="49" charset="0"/>
+                </a:rPr>
+                <a:t>&lt;int&gt; </a:t>
+              </a:r>
+              <a:r>
+                <a:rPr lang="en-US" dirty="0" err="1">
+                  <a:solidFill>
+                    <a:prstClr val="black"/>
+                  </a:solidFill>
+                  <a:latin typeface="Courier New" pitchFamily="49" charset="0"/>
+                  <a:cs typeface="Courier New" pitchFamily="49" charset="0"/>
+                </a:rPr>
+                <a:t>distr</a:t>
+              </a:r>
+              <a:r>
+                <a:rPr lang="en-US" dirty="0">
+                  <a:solidFill>
+                    <a:prstClr val="black"/>
+                  </a:solidFill>
+                  <a:latin typeface="Courier New" pitchFamily="49" charset="0"/>
+                  <a:cs typeface="Courier New" pitchFamily="49" charset="0"/>
+                </a:rPr>
+                <a:t>_ {1, 6};</a:t>
+              </a:r>
+            </a:p>
+            <a:p>
+              <a:pPr lvl="0">
+                <a:defRPr/>
+              </a:pPr>
+              <a:r>
+                <a:rPr lang="en-US" dirty="0">
+                  <a:solidFill>
+                    <a:prstClr val="black"/>
+                  </a:solidFill>
+                  <a:latin typeface="Courier New" pitchFamily="49" charset="0"/>
+                  <a:cs typeface="Courier New" pitchFamily="49" charset="0"/>
+                </a:rPr>
+                <a:t>        Distribution </a:t>
+              </a:r>
+              <a:r>
+                <a:rPr lang="en-US" dirty="0" err="1">
+                  <a:solidFill>
+                    <a:prstClr val="black"/>
+                  </a:solidFill>
+                  <a:latin typeface="Courier New" pitchFamily="49" charset="0"/>
+                  <a:cs typeface="Courier New" pitchFamily="49" charset="0"/>
+                </a:rPr>
+                <a:t>throw_distr</a:t>
+              </a:r>
+              <a:r>
+                <a:rPr lang="en-US" dirty="0">
+                  <a:solidFill>
+                    <a:prstClr val="black"/>
+                  </a:solidFill>
+                  <a:latin typeface="Courier New" pitchFamily="49" charset="0"/>
+                  <a:cs typeface="Courier New" pitchFamily="49" charset="0"/>
+                </a:rPr>
+                <a:t>_ = {0};</a:t>
+              </a:r>
+            </a:p>
+            <a:p>
+              <a:pPr lvl="0">
+                <a:defRPr/>
+              </a:pPr>
+              <a:r>
+                <a:rPr lang="en-US" dirty="0">
+                  <a:solidFill>
+                    <a:prstClr val="black"/>
+                  </a:solidFill>
+                  <a:latin typeface="Courier New" pitchFamily="49" charset="0"/>
+                  <a:cs typeface="Courier New" pitchFamily="49" charset="0"/>
+                </a:rPr>
+                <a:t>    public:</a:t>
+              </a:r>
+            </a:p>
+            <a:p>
+              <a:pPr lvl="0">
+                <a:defRPr/>
+              </a:pPr>
+              <a:r>
+                <a:rPr lang="en-US" dirty="0">
+                  <a:solidFill>
+                    <a:prstClr val="black"/>
+                  </a:solidFill>
+                  <a:latin typeface="Courier New" pitchFamily="49" charset="0"/>
+                  <a:cs typeface="Courier New" pitchFamily="49" charset="0"/>
+                </a:rPr>
+                <a:t>        void seed(const std::</a:t>
+              </a:r>
+              <a:r>
+                <a:rPr lang="en-US" dirty="0" err="1">
+                  <a:solidFill>
+                    <a:prstClr val="black"/>
+                  </a:solidFill>
+                  <a:latin typeface="Courier New" pitchFamily="49" charset="0"/>
+                  <a:cs typeface="Courier New" pitchFamily="49" charset="0"/>
+                </a:rPr>
+                <a:t>size_t</a:t>
+              </a:r>
+              <a:r>
+                <a:rPr lang="en-US" dirty="0">
+                  <a:solidFill>
+                    <a:prstClr val="black"/>
+                  </a:solidFill>
+                  <a:latin typeface="Courier New" pitchFamily="49" charset="0"/>
+                  <a:cs typeface="Courier New" pitchFamily="49" charset="0"/>
+                </a:rPr>
+                <a:t> </a:t>
+              </a:r>
+              <a:r>
+                <a:rPr lang="en-US" dirty="0" err="1">
+                  <a:solidFill>
+                    <a:prstClr val="black"/>
+                  </a:solidFill>
+                  <a:latin typeface="Courier New" pitchFamily="49" charset="0"/>
+                  <a:cs typeface="Courier New" pitchFamily="49" charset="0"/>
+                </a:rPr>
+                <a:t>seed_value</a:t>
+              </a:r>
+              <a:r>
+                <a:rPr lang="en-US" dirty="0">
+                  <a:solidFill>
+                    <a:prstClr val="black"/>
+                  </a:solidFill>
+                  <a:latin typeface="Courier New" pitchFamily="49" charset="0"/>
+                  <a:cs typeface="Courier New" pitchFamily="49" charset="0"/>
+                </a:rPr>
+                <a:t>) { </a:t>
+              </a:r>
+              <a:r>
+                <a:rPr lang="en-US" dirty="0" err="1">
+                  <a:solidFill>
+                    <a:prstClr val="black"/>
+                  </a:solidFill>
+                  <a:latin typeface="Courier New" pitchFamily="49" charset="0"/>
+                  <a:cs typeface="Courier New" pitchFamily="49" charset="0"/>
+                </a:rPr>
+                <a:t>engine_.seed</a:t>
+              </a:r>
+              <a:r>
+                <a:rPr lang="en-US" dirty="0">
+                  <a:solidFill>
+                    <a:prstClr val="black"/>
+                  </a:solidFill>
+                  <a:latin typeface="Courier New" pitchFamily="49" charset="0"/>
+                  <a:cs typeface="Courier New" pitchFamily="49" charset="0"/>
+                </a:rPr>
+                <a:t>(</a:t>
+              </a:r>
+              <a:r>
+                <a:rPr lang="en-US" dirty="0" err="1">
+                  <a:solidFill>
+                    <a:prstClr val="black"/>
+                  </a:solidFill>
+                  <a:latin typeface="Courier New" pitchFamily="49" charset="0"/>
+                  <a:cs typeface="Courier New" pitchFamily="49" charset="0"/>
+                </a:rPr>
+                <a:t>seed_value</a:t>
+              </a:r>
+              <a:r>
+                <a:rPr lang="en-US" dirty="0">
+                  <a:solidFill>
+                    <a:prstClr val="black"/>
+                  </a:solidFill>
+                  <a:latin typeface="Courier New" pitchFamily="49" charset="0"/>
+                  <a:cs typeface="Courier New" pitchFamily="49" charset="0"/>
+                </a:rPr>
+                <a:t>); }</a:t>
+              </a:r>
+            </a:p>
+            <a:p>
+              <a:pPr lvl="0">
+                <a:defRPr/>
+              </a:pPr>
+              <a:r>
+                <a:rPr lang="en-US" dirty="0">
+                  <a:solidFill>
+                    <a:prstClr val="black"/>
+                  </a:solidFill>
+                  <a:latin typeface="Courier New" pitchFamily="49" charset="0"/>
+                  <a:cs typeface="Courier New" pitchFamily="49" charset="0"/>
+                </a:rPr>
+                <a:t>        void </a:t>
+              </a:r>
+              <a:r>
+                <a:rPr lang="en-US" b="1" dirty="0" err="1">
+                  <a:solidFill>
+                    <a:srgbClr val="FF0000"/>
+                  </a:solidFill>
+                  <a:latin typeface="Courier New" pitchFamily="49" charset="0"/>
+                  <a:cs typeface="Courier New" pitchFamily="49" charset="0"/>
+                </a:rPr>
+                <a:t>step_implementation</a:t>
+              </a:r>
+              <a:r>
+                <a:rPr lang="en-US" dirty="0">
+                  <a:solidFill>
+                    <a:prstClr val="black"/>
+                  </a:solidFill>
+                  <a:latin typeface="Courier New" pitchFamily="49" charset="0"/>
+                  <a:cs typeface="Courier New" pitchFamily="49" charset="0"/>
+                </a:rPr>
+                <a:t>() {</a:t>
+              </a:r>
+            </a:p>
+            <a:p>
+              <a:pPr lvl="0">
+                <a:defRPr/>
+              </a:pPr>
+              <a:r>
+                <a:rPr lang="en-US" dirty="0">
+                  <a:solidFill>
+                    <a:prstClr val="black"/>
+                  </a:solidFill>
+                  <a:latin typeface="Courier New" pitchFamily="49" charset="0"/>
+                  <a:cs typeface="Courier New" pitchFamily="49" charset="0"/>
+                </a:rPr>
+                <a:t>            </a:t>
+              </a:r>
+              <a:r>
+                <a:rPr lang="en-US" dirty="0" err="1">
+                  <a:solidFill>
+                    <a:prstClr val="black"/>
+                  </a:solidFill>
+                  <a:latin typeface="Courier New" pitchFamily="49" charset="0"/>
+                  <a:cs typeface="Courier New" pitchFamily="49" charset="0"/>
+                </a:rPr>
+                <a:t>throw_distr</a:t>
+              </a:r>
+              <a:r>
+                <a:rPr lang="en-US" dirty="0">
+                  <a:solidFill>
+                    <a:prstClr val="black"/>
+                  </a:solidFill>
+                  <a:latin typeface="Courier New" pitchFamily="49" charset="0"/>
+                  <a:cs typeface="Courier New" pitchFamily="49" charset="0"/>
+                </a:rPr>
+                <a:t>_[</a:t>
+              </a:r>
+              <a:r>
+                <a:rPr lang="en-US" dirty="0" err="1">
+                  <a:solidFill>
+                    <a:prstClr val="black"/>
+                  </a:solidFill>
+                  <a:latin typeface="Courier New" pitchFamily="49" charset="0"/>
+                  <a:cs typeface="Courier New" pitchFamily="49" charset="0"/>
+                </a:rPr>
+                <a:t>distr</a:t>
+              </a:r>
+              <a:r>
+                <a:rPr lang="en-US" dirty="0">
+                  <a:solidFill>
+                    <a:prstClr val="black"/>
+                  </a:solidFill>
+                  <a:latin typeface="Courier New" pitchFamily="49" charset="0"/>
+                  <a:cs typeface="Courier New" pitchFamily="49" charset="0"/>
+                </a:rPr>
+                <a:t>_(engine_) - 1]++;</a:t>
+              </a:r>
+            </a:p>
+            <a:p>
+              <a:pPr lvl="0">
+                <a:defRPr/>
+              </a:pPr>
+              <a:r>
+                <a:rPr lang="en-US" dirty="0">
+                  <a:solidFill>
+                    <a:prstClr val="black"/>
+                  </a:solidFill>
+                  <a:latin typeface="Courier New" pitchFamily="49" charset="0"/>
+                  <a:cs typeface="Courier New" pitchFamily="49" charset="0"/>
+                </a:rPr>
+                <a:t>        };</a:t>
+              </a:r>
+            </a:p>
+            <a:p>
+              <a:pPr lvl="0">
+                <a:defRPr/>
+              </a:pPr>
+              <a:r>
+                <a:rPr lang="en-US" dirty="0">
+                  <a:solidFill>
+                    <a:prstClr val="black"/>
+                  </a:solidFill>
+                  <a:latin typeface="Courier New" pitchFamily="49" charset="0"/>
+                  <a:cs typeface="Courier New" pitchFamily="49" charset="0"/>
+                </a:rPr>
+                <a:t>        const Distribution&amp; distribution() const { return </a:t>
+              </a:r>
+              <a:r>
+                <a:rPr lang="en-US" dirty="0" err="1">
+                  <a:solidFill>
+                    <a:prstClr val="black"/>
+                  </a:solidFill>
+                  <a:latin typeface="Courier New" pitchFamily="49" charset="0"/>
+                  <a:cs typeface="Courier New" pitchFamily="49" charset="0"/>
+                </a:rPr>
+                <a:t>throw_distr</a:t>
+              </a:r>
+              <a:r>
+                <a:rPr lang="en-US" dirty="0">
+                  <a:solidFill>
+                    <a:prstClr val="black"/>
+                  </a:solidFill>
+                  <a:latin typeface="Courier New" pitchFamily="49" charset="0"/>
+                  <a:cs typeface="Courier New" pitchFamily="49" charset="0"/>
+                </a:rPr>
+                <a:t>_; }</a:t>
+              </a:r>
+            </a:p>
+            <a:p>
+              <a:pPr lvl="0">
+                <a:defRPr/>
+              </a:pPr>
+              <a:r>
+                <a:rPr lang="en-US" dirty="0">
+                  <a:solidFill>
+                    <a:prstClr val="black"/>
+                  </a:solidFill>
+                  <a:latin typeface="Courier New" pitchFamily="49" charset="0"/>
+                  <a:cs typeface="Courier New" pitchFamily="49" charset="0"/>
+                </a:rPr>
+                <a:t>};</a:t>
+              </a:r>
+              <a:endParaRPr kumimoji="0" lang="en-US" sz="1800" b="0" i="0" u="none" strike="noStrike" kern="1200" cap="none" spc="0" normalizeH="0" baseline="0" noProof="0" dirty="0">
+                <a:ln>
+                  <a:noFill/>
+                </a:ln>
+                <a:solidFill>
+                  <a:prstClr val="black"/>
+                </a:solidFill>
+                <a:effectLst/>
+                <a:uLnTx/>
+                <a:uFillTx/>
+                <a:latin typeface="Courier New" pitchFamily="49" charset="0"/>
+                <a:ea typeface="+mn-ea"/>
+                <a:cs typeface="Courier New" pitchFamily="49" charset="0"/>
+              </a:endParaRPr>
+            </a:p>
+          </p:txBody>
+        </p:sp>
+        <p:sp>
+          <p:nvSpPr>
+            <p:cNvPr id="7" name="TextBox 6">
+              <a:extLst>
+                <a:ext uri="{FF2B5EF4-FFF2-40B4-BE49-F238E27FC236}">
+                  <a16:creationId xmlns:a16="http://schemas.microsoft.com/office/drawing/2014/main" id="{4C007B6B-E184-723B-1236-E1C0C51E9351}"/>
+                </a:ext>
+              </a:extLst>
+            </p:cNvPr>
+            <p:cNvSpPr txBox="1"/>
+            <p:nvPr/>
+          </p:nvSpPr>
+          <p:spPr>
+            <a:xfrm>
+              <a:off x="8566729" y="1569488"/>
+              <a:ext cx="2776722" cy="338554"/>
+            </a:xfrm>
+            <a:prstGeom prst="rect">
+              <a:avLst/>
+            </a:prstGeom>
+            <a:solidFill>
+              <a:schemeClr val="bg1"/>
+            </a:solidFill>
+            <a:ln>
+              <a:solidFill>
+                <a:schemeClr val="tx1"/>
+              </a:solidFill>
+            </a:ln>
+          </p:spPr>
+          <p:txBody>
+            <a:bodyPr wrap="none" rtlCol="0">
+              <a:spAutoFit/>
+            </a:bodyPr>
+            <a:lstStyle/>
+            <a:p>
+              <a:r>
+                <a:rPr lang="en-US" sz="1600" dirty="0" err="1">
+                  <a:latin typeface="Courier New" panose="02070309020205020404" pitchFamily="49" charset="0"/>
+                  <a:cs typeface="Courier New" panose="02070309020205020404" pitchFamily="49" charset="0"/>
+                </a:rPr>
+                <a:t>dice_avg_simulation.h</a:t>
+              </a:r>
+              <a:endParaRPr lang="LID4096" sz="1600" dirty="0">
+                <a:latin typeface="Courier New" panose="02070309020205020404" pitchFamily="49" charset="0"/>
+                <a:cs typeface="Courier New" panose="02070309020205020404" pitchFamily="49" charset="0"/>
+              </a:endParaRPr>
+            </a:p>
+          </p:txBody>
+        </p:sp>
+      </p:grpSp>
+    </p:spTree>
+    <p:extLst>
+      <p:ext uri="{BB962C8B-B14F-4D97-AF65-F5344CB8AC3E}">
+        <p14:creationId xmlns:p14="http://schemas.microsoft.com/office/powerpoint/2010/main" val="2362631166"/>
+      </p:ext>
+    </p:extLst>
+  </p:cSld>
+  <p:clrMapOvr>
+    <a:masterClrMapping/>
+  </p:clrMapOvr>
+</p:sld>
+</file>
+
+<file path=ppt/slides/slide45.xml><?xml version="1.0" encoding="utf-8"?>
+<p:sld xmlns:a="http://schemas.openxmlformats.org/drawingml/2006/main" xmlns:r="http://schemas.openxmlformats.org/officeDocument/2006/relationships" xmlns:p="http://schemas.openxmlformats.org/presentationml/2006/main">
+  <p:cSld>
+    <p:spTree>
+      <p:nvGrpSpPr>
+        <p:cNvPr id="1" name=""/>
+        <p:cNvGrpSpPr/>
+        <p:nvPr/>
+      </p:nvGrpSpPr>
+      <p:grpSpPr>
+        <a:xfrm>
+          <a:off x="0" y="0"/>
+          <a:ext cx="0" cy="0"/>
+          <a:chOff x="0" y="0"/>
+          <a:chExt cx="0" cy="0"/>
+        </a:xfrm>
+      </p:grpSpPr>
+      <p:sp>
+        <p:nvSpPr>
+          <p:cNvPr id="2" name="Title 1">
+            <a:extLst>
+              <a:ext uri="{FF2B5EF4-FFF2-40B4-BE49-F238E27FC236}">
+                <a16:creationId xmlns:a16="http://schemas.microsoft.com/office/drawing/2014/main" id="{F744603A-1F27-3EED-2E6A-C27A51F7357A}"/>
+              </a:ext>
+            </a:extLst>
+          </p:cNvPr>
+          <p:cNvSpPr>
+            <a:spLocks noGrp="1"/>
+          </p:cNvSpPr>
+          <p:nvPr>
+            <p:ph type="title"/>
+          </p:nvPr>
+        </p:nvSpPr>
+        <p:spPr/>
+        <p:txBody>
+          <a:bodyPr/>
+          <a:lstStyle/>
+          <a:p>
+            <a:r>
+              <a:rPr lang="en-US" dirty="0"/>
+              <a:t>CRTP: usage</a:t>
+            </a:r>
+            <a:endParaRPr lang="LID4096" dirty="0"/>
+          </a:p>
+        </p:txBody>
+      </p:sp>
+      <p:sp>
+        <p:nvSpPr>
+          <p:cNvPr id="3" name="Slide Number Placeholder 2">
+            <a:extLst>
+              <a:ext uri="{FF2B5EF4-FFF2-40B4-BE49-F238E27FC236}">
+                <a16:creationId xmlns:a16="http://schemas.microsoft.com/office/drawing/2014/main" id="{E0D2256B-CB94-D51D-DB6F-45881B04579F}"/>
+              </a:ext>
+            </a:extLst>
+          </p:cNvPr>
+          <p:cNvSpPr>
+            <a:spLocks noGrp="1"/>
+          </p:cNvSpPr>
+          <p:nvPr>
+            <p:ph type="sldNum" sz="quarter" idx="12"/>
+          </p:nvPr>
+        </p:nvSpPr>
+        <p:spPr/>
+        <p:txBody>
+          <a:bodyPr/>
+          <a:lstStyle/>
+          <a:p>
+            <a:fld id="{FDB1AA33-DFBB-49AC-8CEE-23FFECEB5648}" type="slidenum">
+              <a:rPr lang="LID4096" smtClean="0"/>
+              <a:t>45</a:t>
+            </a:fld>
+            <a:endParaRPr lang="LID4096"/>
+          </a:p>
+        </p:txBody>
+      </p:sp>
+      <p:grpSp>
+        <p:nvGrpSpPr>
+          <p:cNvPr id="5" name="Group 4">
+            <a:extLst>
+              <a:ext uri="{FF2B5EF4-FFF2-40B4-BE49-F238E27FC236}">
+                <a16:creationId xmlns:a16="http://schemas.microsoft.com/office/drawing/2014/main" id="{38534744-3258-DB34-866B-761699A9A246}"/>
+              </a:ext>
+            </a:extLst>
+          </p:cNvPr>
+          <p:cNvGrpSpPr/>
+          <p:nvPr/>
+        </p:nvGrpSpPr>
+        <p:grpSpPr>
+          <a:xfrm>
+            <a:off x="533400" y="1997839"/>
+            <a:ext cx="10918372" cy="2585323"/>
+            <a:chOff x="435429" y="1569488"/>
+            <a:chExt cx="10918372" cy="2585323"/>
+          </a:xfrm>
+        </p:grpSpPr>
+        <p:sp>
+          <p:nvSpPr>
+            <p:cNvPr id="6" name="TextBox 5">
+              <a:extLst>
+                <a:ext uri="{FF2B5EF4-FFF2-40B4-BE49-F238E27FC236}">
+                  <a16:creationId xmlns:a16="http://schemas.microsoft.com/office/drawing/2014/main" id="{9FB38179-30D7-CD6C-1A2C-713D34181C14}"/>
+                </a:ext>
+              </a:extLst>
+            </p:cNvPr>
+            <p:cNvSpPr txBox="1"/>
+            <p:nvPr/>
+          </p:nvSpPr>
+          <p:spPr>
+            <a:xfrm>
+              <a:off x="435429" y="1569488"/>
+              <a:ext cx="10918372" cy="2585323"/>
+            </a:xfrm>
+            <a:prstGeom prst="rect">
+              <a:avLst/>
+            </a:prstGeom>
+            <a:solidFill>
+              <a:schemeClr val="bg1">
+                <a:lumMod val="85000"/>
+              </a:schemeClr>
+            </a:solidFill>
+            <a:ln>
+              <a:solidFill>
+                <a:schemeClr val="tx1"/>
+              </a:solidFill>
+            </a:ln>
+          </p:spPr>
+          <p:txBody>
+            <a:bodyPr wrap="square" rtlCol="0">
+              <a:spAutoFit/>
+            </a:bodyPr>
+            <a:lstStyle/>
+            <a:p>
+              <a:pPr lvl="0">
+                <a:defRPr/>
+              </a:pPr>
+              <a:r>
+                <a:rPr lang="en-US" dirty="0">
+                  <a:solidFill>
+                    <a:prstClr val="black"/>
+                  </a:solidFill>
+                  <a:latin typeface="Courier New" pitchFamily="49" charset="0"/>
+                  <a:cs typeface="Courier New" pitchFamily="49" charset="0"/>
+                  <a:sym typeface="Symbol" panose="05050102010706020507" pitchFamily="18" charset="2"/>
+                </a:rPr>
+                <a:t></a:t>
+              </a:r>
+              <a:endParaRPr lang="en-US" dirty="0">
+                <a:solidFill>
+                  <a:prstClr val="black"/>
+                </a:solidFill>
+                <a:latin typeface="Courier New" pitchFamily="49" charset="0"/>
+                <a:cs typeface="Courier New" pitchFamily="49" charset="0"/>
+              </a:endParaRPr>
+            </a:p>
+            <a:p>
+              <a:pPr lvl="0">
+                <a:defRPr/>
+              </a:pPr>
+              <a:r>
+                <a:rPr lang="en-US" dirty="0">
+                  <a:solidFill>
+                    <a:prstClr val="black"/>
+                  </a:solidFill>
+                  <a:latin typeface="Courier New" pitchFamily="49" charset="0"/>
+                  <a:cs typeface="Courier New" pitchFamily="49" charset="0"/>
+                </a:rPr>
+                <a:t>#include "</a:t>
+              </a:r>
+              <a:r>
+                <a:rPr lang="en-US" dirty="0" err="1">
+                  <a:solidFill>
+                    <a:prstClr val="black"/>
+                  </a:solidFill>
+                  <a:latin typeface="Courier New" pitchFamily="49" charset="0"/>
+                  <a:cs typeface="Courier New" pitchFamily="49" charset="0"/>
+                </a:rPr>
+                <a:t>dice_simulation.h</a:t>
+              </a:r>
+              <a:r>
+                <a:rPr lang="en-US" dirty="0">
+                  <a:solidFill>
+                    <a:prstClr val="black"/>
+                  </a:solidFill>
+                  <a:latin typeface="Courier New" pitchFamily="49" charset="0"/>
+                  <a:cs typeface="Courier New" pitchFamily="49" charset="0"/>
+                </a:rPr>
+                <a:t>"</a:t>
+              </a:r>
+            </a:p>
+            <a:p>
+              <a:pPr lvl="0">
+                <a:defRPr/>
+              </a:pPr>
+              <a:endParaRPr lang="en-US" dirty="0">
+                <a:solidFill>
+                  <a:prstClr val="black"/>
+                </a:solidFill>
+                <a:latin typeface="Courier New" pitchFamily="49" charset="0"/>
+                <a:cs typeface="Courier New" pitchFamily="49" charset="0"/>
+              </a:endParaRPr>
+            </a:p>
+            <a:p>
+              <a:pPr lvl="0">
+                <a:defRPr/>
+              </a:pPr>
+              <a:r>
+                <a:rPr lang="en-US" dirty="0">
+                  <a:solidFill>
+                    <a:prstClr val="black"/>
+                  </a:solidFill>
+                  <a:latin typeface="Courier New" pitchFamily="49" charset="0"/>
+                  <a:cs typeface="Courier New" pitchFamily="49" charset="0"/>
+                </a:rPr>
+                <a:t>int main() {</a:t>
+              </a:r>
+            </a:p>
+            <a:p>
+              <a:pPr lvl="0">
+                <a:defRPr/>
+              </a:pPr>
+              <a:r>
+                <a:rPr lang="en-US" dirty="0">
+                  <a:solidFill>
+                    <a:prstClr val="black"/>
+                  </a:solidFill>
+                  <a:latin typeface="Courier New" pitchFamily="49" charset="0"/>
+                  <a:cs typeface="Courier New" pitchFamily="49" charset="0"/>
+                </a:rPr>
+                <a:t>    </a:t>
+              </a:r>
+              <a:r>
+                <a:rPr lang="en-US" dirty="0" err="1">
+                  <a:solidFill>
+                    <a:prstClr val="black"/>
+                  </a:solidFill>
+                  <a:latin typeface="Courier New" pitchFamily="49" charset="0"/>
+                  <a:cs typeface="Courier New" pitchFamily="49" charset="0"/>
+                </a:rPr>
+                <a:t>DiceSimulation</a:t>
+              </a:r>
+              <a:r>
+                <a:rPr lang="en-US" dirty="0">
+                  <a:solidFill>
+                    <a:prstClr val="black"/>
+                  </a:solidFill>
+                  <a:latin typeface="Courier New" pitchFamily="49" charset="0"/>
+                  <a:cs typeface="Courier New" pitchFamily="49" charset="0"/>
+                </a:rPr>
+                <a:t> simulation;</a:t>
+              </a:r>
+            </a:p>
+            <a:p>
+              <a:pPr lvl="0">
+                <a:defRPr/>
+              </a:pPr>
+              <a:r>
+                <a:rPr lang="en-US" dirty="0">
+                  <a:solidFill>
+                    <a:prstClr val="black"/>
+                  </a:solidFill>
+                  <a:latin typeface="Courier New" pitchFamily="49" charset="0"/>
+                  <a:cs typeface="Courier New" pitchFamily="49" charset="0"/>
+                </a:rPr>
+                <a:t>    </a:t>
+              </a:r>
+              <a:r>
+                <a:rPr lang="en-US" dirty="0" err="1">
+                  <a:solidFill>
+                    <a:prstClr val="black"/>
+                  </a:solidFill>
+                  <a:latin typeface="Courier New" pitchFamily="49" charset="0"/>
+                  <a:cs typeface="Courier New" pitchFamily="49" charset="0"/>
+                </a:rPr>
+                <a:t>simulation.seed</a:t>
+              </a:r>
+              <a:r>
+                <a:rPr lang="en-US" dirty="0">
+                  <a:solidFill>
+                    <a:prstClr val="black"/>
+                  </a:solidFill>
+                  <a:latin typeface="Courier New" pitchFamily="49" charset="0"/>
+                  <a:cs typeface="Courier New" pitchFamily="49" charset="0"/>
+                </a:rPr>
+                <a:t>(1234);</a:t>
+              </a:r>
+            </a:p>
+            <a:p>
+              <a:pPr lvl="0">
+                <a:defRPr/>
+              </a:pPr>
+              <a:r>
+                <a:rPr lang="en-US" dirty="0">
+                  <a:solidFill>
+                    <a:prstClr val="black"/>
+                  </a:solidFill>
+                  <a:latin typeface="Courier New" pitchFamily="49" charset="0"/>
+                  <a:cs typeface="Courier New" pitchFamily="49" charset="0"/>
+                </a:rPr>
+                <a:t>    </a:t>
+              </a:r>
+              <a:r>
+                <a:rPr lang="en-US" dirty="0" err="1">
+                  <a:solidFill>
+                    <a:prstClr val="black"/>
+                  </a:solidFill>
+                  <a:latin typeface="Courier New" pitchFamily="49" charset="0"/>
+                  <a:cs typeface="Courier New" pitchFamily="49" charset="0"/>
+                </a:rPr>
+                <a:t>simulation.run</a:t>
+              </a:r>
+              <a:r>
+                <a:rPr lang="en-US" dirty="0">
+                  <a:solidFill>
+                    <a:prstClr val="black"/>
+                  </a:solidFill>
+                  <a:latin typeface="Courier New" pitchFamily="49" charset="0"/>
+                  <a:cs typeface="Courier New" pitchFamily="49" charset="0"/>
+                </a:rPr>
+                <a:t>(10);</a:t>
+              </a:r>
+            </a:p>
+            <a:p>
+              <a:pPr lvl="0">
+                <a:defRPr/>
+              </a:pPr>
+              <a:r>
+                <a:rPr lang="en-US" dirty="0">
+                  <a:solidFill>
+                    <a:prstClr val="black"/>
+                  </a:solidFill>
+                  <a:latin typeface="Courier New" pitchFamily="49" charset="0"/>
+                  <a:cs typeface="Courier New" pitchFamily="49" charset="0"/>
+                </a:rPr>
+                <a:t>    return 0;</a:t>
+              </a:r>
+            </a:p>
+            <a:p>
+              <a:pPr lvl="0">
+                <a:defRPr/>
+              </a:pPr>
+              <a:r>
+                <a:rPr lang="en-US" dirty="0">
+                  <a:solidFill>
+                    <a:prstClr val="black"/>
+                  </a:solidFill>
+                  <a:latin typeface="Courier New" pitchFamily="49" charset="0"/>
+                  <a:cs typeface="Courier New" pitchFamily="49" charset="0"/>
+                </a:rPr>
+                <a:t>}</a:t>
+              </a:r>
+            </a:p>
+          </p:txBody>
+        </p:sp>
+        <p:sp>
+          <p:nvSpPr>
+            <p:cNvPr id="7" name="TextBox 6">
+              <a:extLst>
+                <a:ext uri="{FF2B5EF4-FFF2-40B4-BE49-F238E27FC236}">
+                  <a16:creationId xmlns:a16="http://schemas.microsoft.com/office/drawing/2014/main" id="{ED07F3CC-91D8-8B6B-F98C-5BAF30813DAB}"/>
+                </a:ext>
+              </a:extLst>
+            </p:cNvPr>
+            <p:cNvSpPr txBox="1"/>
+            <p:nvPr/>
+          </p:nvSpPr>
+          <p:spPr>
+            <a:xfrm>
+              <a:off x="9557327" y="1569488"/>
+              <a:ext cx="1789272" cy="338554"/>
+            </a:xfrm>
+            <a:prstGeom prst="rect">
+              <a:avLst/>
+            </a:prstGeom>
+            <a:solidFill>
+              <a:schemeClr val="bg1"/>
+            </a:solidFill>
+            <a:ln>
+              <a:solidFill>
+                <a:schemeClr val="tx1"/>
+              </a:solidFill>
+            </a:ln>
+          </p:spPr>
+          <p:txBody>
+            <a:bodyPr wrap="none" rtlCol="0">
+              <a:spAutoFit/>
+            </a:bodyPr>
+            <a:lstStyle/>
+            <a:p>
+              <a:r>
+                <a:rPr lang="en-US" sz="1600" dirty="0">
+                  <a:latin typeface="Courier New" panose="02070309020205020404" pitchFamily="49" charset="0"/>
+                  <a:cs typeface="Courier New" panose="02070309020205020404" pitchFamily="49" charset="0"/>
+                </a:rPr>
+                <a:t>main_dice.cpp</a:t>
+              </a:r>
+              <a:endParaRPr lang="LID4096" sz="1600" dirty="0">
+                <a:latin typeface="Courier New" panose="02070309020205020404" pitchFamily="49" charset="0"/>
+                <a:cs typeface="Courier New" panose="02070309020205020404" pitchFamily="49" charset="0"/>
+              </a:endParaRPr>
+            </a:p>
+          </p:txBody>
+        </p:sp>
+      </p:grpSp>
+    </p:spTree>
+    <p:extLst>
+      <p:ext uri="{BB962C8B-B14F-4D97-AF65-F5344CB8AC3E}">
+        <p14:creationId xmlns:p14="http://schemas.microsoft.com/office/powerpoint/2010/main" val="542009304"/>
+      </p:ext>
+    </p:extLst>
+  </p:cSld>
+  <p:clrMapOvr>
+    <a:masterClrMapping/>
+  </p:clrMapOvr>
 </p:sld>
 </file>
 

--- a/cpp_software_engineering.pptx
+++ b/cpp_software_engineering.pptx
@@ -5,7 +5,7 @@
     <p:sldMasterId id="2147483648" r:id="rId1"/>
   </p:sldMasterIdLst>
   <p:notesMasterIdLst>
-    <p:notesMasterId r:id="rId47"/>
+    <p:notesMasterId r:id="rId48"/>
   </p:notesMasterIdLst>
   <p:sldIdLst>
     <p:sldId id="257" r:id="rId2"/>
@@ -45,14 +45,15 @@
     <p:sldId id="388" r:id="rId36"/>
     <p:sldId id="389" r:id="rId37"/>
     <p:sldId id="390" r:id="rId38"/>
-    <p:sldId id="391" r:id="rId39"/>
-    <p:sldId id="392" r:id="rId40"/>
-    <p:sldId id="393" r:id="rId41"/>
-    <p:sldId id="394" r:id="rId42"/>
-    <p:sldId id="395" r:id="rId43"/>
-    <p:sldId id="396" r:id="rId44"/>
-    <p:sldId id="398" r:id="rId45"/>
-    <p:sldId id="397" r:id="rId46"/>
+    <p:sldId id="399" r:id="rId39"/>
+    <p:sldId id="394" r:id="rId40"/>
+    <p:sldId id="395" r:id="rId41"/>
+    <p:sldId id="396" r:id="rId42"/>
+    <p:sldId id="398" r:id="rId43"/>
+    <p:sldId id="397" r:id="rId44"/>
+    <p:sldId id="391" r:id="rId45"/>
+    <p:sldId id="392" r:id="rId46"/>
+    <p:sldId id="393" r:id="rId47"/>
   </p:sldIdLst>
   <p:sldSz cx="12192000" cy="6858000"/>
   <p:notesSz cx="6858000" cy="9144000"/>
@@ -217,6 +218,12 @@
             <p14:sldId id="388"/>
             <p14:sldId id="389"/>
             <p14:sldId id="390"/>
+            <p14:sldId id="399"/>
+            <p14:sldId id="394"/>
+            <p14:sldId id="395"/>
+            <p14:sldId id="396"/>
+            <p14:sldId id="398"/>
+            <p14:sldId id="397"/>
             <p14:sldId id="391"/>
           </p14:sldIdLst>
         </p14:section>
@@ -224,11 +231,6 @@
           <p14:sldIdLst>
             <p14:sldId id="392"/>
             <p14:sldId id="393"/>
-            <p14:sldId id="394"/>
-            <p14:sldId id="395"/>
-            <p14:sldId id="396"/>
-            <p14:sldId id="398"/>
-            <p14:sldId id="397"/>
           </p14:sldIdLst>
         </p14:section>
       </p14:sectionLst>
@@ -17099,7 +17101,13 @@
       </p:grpSpPr>
       <p:sp>
         <p:nvSpPr>
-          <p:cNvPr id="2" name="Title 1"/>
+          <p:cNvPr id="2" name="Title 1">
+            <a:extLst>
+              <a:ext uri="{FF2B5EF4-FFF2-40B4-BE49-F238E27FC236}">
+                <a16:creationId xmlns:a16="http://schemas.microsoft.com/office/drawing/2014/main" id="{04B1C173-33AC-1DCA-ED63-D52D701FC426}"/>
+              </a:ext>
+            </a:extLst>
+          </p:cNvPr>
           <p:cNvSpPr>
             <a:spLocks noGrp="1"/>
           </p:cNvSpPr>
@@ -17114,15 +17122,21 @@
           <a:p>
             <a:r>
               <a:rPr lang="en-US" dirty="0"/>
-              <a:t>Further reading</a:t>
-            </a:r>
-            <a:endParaRPr lang="nl-BE" dirty="0"/>
+              <a:t>C++ specific patterns</a:t>
+            </a:r>
+            <a:endParaRPr lang="LID4096" dirty="0"/>
           </a:p>
         </p:txBody>
       </p:sp>
       <p:sp>
         <p:nvSpPr>
-          <p:cNvPr id="3" name="Content Placeholder 2"/>
+          <p:cNvPr id="3" name="Content Placeholder 2">
+            <a:extLst>
+              <a:ext uri="{FF2B5EF4-FFF2-40B4-BE49-F238E27FC236}">
+                <a16:creationId xmlns:a16="http://schemas.microsoft.com/office/drawing/2014/main" id="{B66B5779-A74C-52C0-DAF9-FC542132634A}"/>
+              </a:ext>
+            </a:extLst>
+          </p:cNvPr>
           <p:cNvSpPr>
             <a:spLocks noGrp="1"/>
           </p:cNvSpPr>
@@ -17137,37 +17151,41 @@
           <a:p>
             <a:r>
               <a:rPr lang="en-US" dirty="0"/>
-              <a:t>Erich Gamma, Richard Helm, Ralph Johnson and John </a:t>
+              <a:t>Curiously Repeating Template Pattern (CRTP)</a:t>
+            </a:r>
+          </a:p>
+          <a:p>
+            <a:r>
+              <a:rPr lang="en-US" dirty="0"/>
+              <a:t>Type erasure</a:t>
+            </a:r>
+          </a:p>
+          <a:p>
+            <a:r>
+              <a:rPr lang="en-US" dirty="0"/>
+              <a:t>Pointer to </a:t>
             </a:r>
             <a:r>
               <a:rPr lang="en-US" dirty="0" err="1"/>
-              <a:t>Vlissides</a:t>
+              <a:t>IMPLementation</a:t>
             </a:r>
             <a:r>
               <a:rPr lang="en-US" dirty="0"/>
-              <a:t> (1994) </a:t>
-            </a:r>
-            <a:r>
-              <a:rPr lang="en-US" i="1" dirty="0"/>
-              <a:t>Design patterns: elements of reusable object-oriented software</a:t>
-            </a:r>
-            <a:r>
-              <a:rPr lang="en-US" dirty="0"/>
-              <a:t>, Addison-Wesley</a:t>
-            </a:r>
-            <a:endParaRPr lang="en-US" sz="2800" dirty="0"/>
-          </a:p>
-          <a:p>
-            <a:endParaRPr lang="en-US" sz="2800" dirty="0"/>
-          </a:p>
-          <a:p>
-            <a:endParaRPr lang="nl-BE" dirty="0"/>
+              <a:t> (PIMPL)</a:t>
+            </a:r>
+            <a:endParaRPr lang="LID4096" dirty="0"/>
           </a:p>
         </p:txBody>
       </p:sp>
       <p:sp>
         <p:nvSpPr>
-          <p:cNvPr id="4" name="Slide Number Placeholder 3"/>
+          <p:cNvPr id="4" name="Slide Number Placeholder 3">
+            <a:extLst>
+              <a:ext uri="{FF2B5EF4-FFF2-40B4-BE49-F238E27FC236}">
+                <a16:creationId xmlns:a16="http://schemas.microsoft.com/office/drawing/2014/main" id="{396482FC-4A8B-74E1-56FE-EFDCEEF1C5E8}"/>
+              </a:ext>
+            </a:extLst>
+          </p:cNvPr>
           <p:cNvSpPr>
             <a:spLocks noGrp="1"/>
           </p:cNvSpPr>
@@ -17180,39 +17198,155 @@
           <a:bodyPr/>
           <a:lstStyle/>
           <a:p>
-            <a:fld id="{5A209D72-2E9D-49B0-8977-41DCCC66C0BB}" type="slidenum">
-              <a:rPr lang="nl-BE">
-                <a:solidFill>
-                  <a:prstClr val="black">
-                    <a:tint val="75000"/>
-                  </a:prstClr>
-                </a:solidFill>
-                <a:latin typeface="Calibri"/>
-              </a:rPr>
-              <a:pPr/>
+            <a:fld id="{FDB1AA33-DFBB-49AC-8CEE-23FFECEB5648}" type="slidenum">
+              <a:rPr lang="LID4096" smtClean="0"/>
               <a:t>38</a:t>
             </a:fld>
-            <a:endParaRPr lang="nl-BE">
-              <a:solidFill>
-                <a:prstClr val="black">
-                  <a:tint val="75000"/>
-                </a:prstClr>
-              </a:solidFill>
-              <a:latin typeface="Calibri"/>
-            </a:endParaRPr>
+            <a:endParaRPr lang="LID4096"/>
+          </a:p>
+        </p:txBody>
+      </p:sp>
+      <p:sp>
+        <p:nvSpPr>
+          <p:cNvPr id="5" name="TextBox 4">
+            <a:extLst>
+              <a:ext uri="{FF2B5EF4-FFF2-40B4-BE49-F238E27FC236}">
+                <a16:creationId xmlns:a16="http://schemas.microsoft.com/office/drawing/2014/main" id="{DE65696A-5112-7F9A-EB86-7820DE1B9B54}"/>
+              </a:ext>
+            </a:extLst>
+          </p:cNvPr>
+          <p:cNvSpPr txBox="1"/>
+          <p:nvPr/>
+        </p:nvSpPr>
+        <p:spPr>
+          <a:xfrm>
+            <a:off x="608437" y="5084258"/>
+            <a:ext cx="9022535" cy="646331"/>
+          </a:xfrm>
+          <a:prstGeom prst="rect">
+            <a:avLst/>
+          </a:prstGeom>
+          <a:noFill/>
+          <a:ln>
+            <a:solidFill>
+              <a:schemeClr val="tx1"/>
+            </a:solidFill>
+          </a:ln>
+        </p:spPr>
+        <p:txBody>
+          <a:bodyPr wrap="none" rtlCol="0">
+            <a:spAutoFit/>
+          </a:bodyPr>
+          <a:lstStyle/>
+          <a:p>
+            <a:r>
+              <a:rPr lang="en-US" sz="2000" dirty="0"/>
+              <a:t>See</a:t>
+            </a:r>
+          </a:p>
+          <a:p>
+            <a:r>
+              <a:rPr lang="en-US" sz="1600" dirty="0">
+                <a:hlinkClick r:id="rId2"/>
+              </a:rPr>
+              <a:t>https://github.com/gjbex/C-plus-plus-software-engineering/tree/main/source-code/design-patterns</a:t>
+            </a:r>
+            <a:r>
+              <a:rPr lang="en-US" sz="1600" dirty="0"/>
+              <a:t> </a:t>
+            </a:r>
+            <a:endParaRPr lang="LID4096" sz="1600" dirty="0"/>
           </a:p>
         </p:txBody>
       </p:sp>
     </p:spTree>
     <p:extLst>
       <p:ext uri="{BB962C8B-B14F-4D97-AF65-F5344CB8AC3E}">
-        <p14:creationId xmlns:p14="http://schemas.microsoft.com/office/powerpoint/2010/main" val="4100769943"/>
+        <p14:creationId xmlns:p14="http://schemas.microsoft.com/office/powerpoint/2010/main" val="3340427051"/>
       </p:ext>
     </p:extLst>
   </p:cSld>
   <p:clrMapOvr>
     <a:masterClrMapping/>
   </p:clrMapOvr>
+  <p:timing>
+    <p:tnLst>
+      <p:par>
+        <p:cTn id="1" dur="indefinite" restart="never" nodeType="tmRoot">
+          <p:childTnLst>
+            <p:seq concurrent="1" nextAc="seek">
+              <p:cTn id="2" dur="indefinite" nodeType="mainSeq">
+                <p:childTnLst>
+                  <p:par>
+                    <p:cTn id="3" fill="hold">
+                      <p:stCondLst>
+                        <p:cond delay="indefinite"/>
+                      </p:stCondLst>
+                      <p:childTnLst>
+                        <p:par>
+                          <p:cTn id="4" fill="hold">
+                            <p:stCondLst>
+                              <p:cond delay="0"/>
+                            </p:stCondLst>
+                            <p:childTnLst>
+                              <p:par>
+                                <p:cTn id="5" presetID="1" presetClass="entr" presetSubtype="0" fill="hold" grpId="0" nodeType="clickEffect">
+                                  <p:stCondLst>
+                                    <p:cond delay="0"/>
+                                  </p:stCondLst>
+                                  <p:childTnLst>
+                                    <p:set>
+                                      <p:cBhvr>
+                                        <p:cTn id="6" dur="1" fill="hold">
+                                          <p:stCondLst>
+                                            <p:cond delay="0"/>
+                                          </p:stCondLst>
+                                        </p:cTn>
+                                        <p:tgtEl>
+                                          <p:spTgt spid="5"/>
+                                        </p:tgtEl>
+                                        <p:attrNameLst>
+                                          <p:attrName>style.visibility</p:attrName>
+                                        </p:attrNameLst>
+                                      </p:cBhvr>
+                                      <p:to>
+                                        <p:strVal val="visible"/>
+                                      </p:to>
+                                    </p:set>
+                                  </p:childTnLst>
+                                </p:cTn>
+                              </p:par>
+                            </p:childTnLst>
+                          </p:cTn>
+                        </p:par>
+                      </p:childTnLst>
+                    </p:cTn>
+                  </p:par>
+                </p:childTnLst>
+              </p:cTn>
+              <p:prevCondLst>
+                <p:cond evt="onPrev" delay="0">
+                  <p:tgtEl>
+                    <p:sldTgt/>
+                  </p:tgtEl>
+                </p:cond>
+              </p:prevCondLst>
+              <p:nextCondLst>
+                <p:cond evt="onNext" delay="0">
+                  <p:tgtEl>
+                    <p:sldTgt/>
+                  </p:tgtEl>
+                </p:cond>
+              </p:nextCondLst>
+            </p:seq>
+          </p:childTnLst>
+        </p:cTn>
+      </p:par>
+    </p:tnLst>
+    <p:bldLst>
+      <p:bldP spid="5" grpId="0" animBg="1"/>
+    </p:bldLst>
+  </p:timing>
 </p:sld>
 </file>
 
@@ -17235,10 +17369,10 @@
       </p:grpSpPr>
       <p:sp>
         <p:nvSpPr>
-          <p:cNvPr id="5" name="Title 4">
+          <p:cNvPr id="2" name="Title 1">
             <a:extLst>
               <a:ext uri="{FF2B5EF4-FFF2-40B4-BE49-F238E27FC236}">
-                <a16:creationId xmlns:a16="http://schemas.microsoft.com/office/drawing/2014/main" id="{B047AC09-4137-6264-6757-2F13914ACA28}"/>
+                <a16:creationId xmlns:a16="http://schemas.microsoft.com/office/drawing/2014/main" id="{96A48829-0721-1480-5994-E855FF935E6E}"/>
               </a:ext>
             </a:extLst>
           </p:cNvPr>
@@ -17256,7 +17390,7 @@
           <a:p>
             <a:r>
               <a:rPr lang="en-US" dirty="0"/>
-              <a:t>Functional approach</a:t>
+              <a:t>Curiously, Repeating Template Pattern (CRTP)</a:t>
             </a:r>
             <a:endParaRPr lang="LID4096" dirty="0"/>
           </a:p>
@@ -17264,10 +17398,10 @@
       </p:sp>
       <p:sp>
         <p:nvSpPr>
-          <p:cNvPr id="6" name="Text Placeholder 5">
+          <p:cNvPr id="3" name="Content Placeholder 2">
             <a:extLst>
               <a:ext uri="{FF2B5EF4-FFF2-40B4-BE49-F238E27FC236}">
-                <a16:creationId xmlns:a16="http://schemas.microsoft.com/office/drawing/2014/main" id="{482D214C-4E56-C7D6-335F-9FBD13AF24C6}"/>
+                <a16:creationId xmlns:a16="http://schemas.microsoft.com/office/drawing/2014/main" id="{9BB61A49-5C18-EB0F-3E0D-D280F9E302A4}"/>
               </a:ext>
             </a:extLst>
           </p:cNvPr>
@@ -17275,15 +17409,38 @@
             <a:spLocks noGrp="1"/>
           </p:cNvSpPr>
           <p:nvPr>
-            <p:ph type="body" idx="1"/>
+            <p:ph idx="1"/>
           </p:nvPr>
         </p:nvSpPr>
         <p:spPr/>
         <p:txBody>
-          <a:bodyPr/>
+          <a:bodyPr>
+            <a:normAutofit/>
+          </a:bodyPr>
           <a:lstStyle/>
           <a:p>
-            <a:endParaRPr lang="LID4096"/>
+            <a:r>
+              <a:rPr lang="en-US" dirty="0"/>
+              <a:t>Avoid virtual function overhead</a:t>
+            </a:r>
+          </a:p>
+          <a:p>
+            <a:r>
+              <a:rPr lang="en-US" dirty="0"/>
+              <a:t>Enforce compile time interface constraints</a:t>
+            </a:r>
+          </a:p>
+          <a:p>
+            <a:r>
+              <a:rPr lang="en-US" dirty="0"/>
+              <a:t>Code reuse without dynamic polymorphism</a:t>
+            </a:r>
+          </a:p>
+          <a:p>
+            <a:r>
+              <a:rPr lang="en-US" dirty="0"/>
+              <a:t>Static  polymorphism</a:t>
+            </a:r>
           </a:p>
         </p:txBody>
       </p:sp>
@@ -17292,7 +17449,7 @@
           <p:cNvPr id="4" name="Slide Number Placeholder 3">
             <a:extLst>
               <a:ext uri="{FF2B5EF4-FFF2-40B4-BE49-F238E27FC236}">
-                <a16:creationId xmlns:a16="http://schemas.microsoft.com/office/drawing/2014/main" id="{B66B75E1-EA21-65CD-B316-C1D421486EE7}"/>
+                <a16:creationId xmlns:a16="http://schemas.microsoft.com/office/drawing/2014/main" id="{0D8837DD-4DFF-B3FC-6690-1408C5CBE0FA}"/>
               </a:ext>
             </a:extLst>
           </p:cNvPr>
@@ -17319,7 +17476,7 @@
     </p:spTree>
     <p:extLst>
       <p:ext uri="{BB962C8B-B14F-4D97-AF65-F5344CB8AC3E}">
-        <p14:creationId xmlns:p14="http://schemas.microsoft.com/office/powerpoint/2010/main" val="4080926898"/>
+        <p14:creationId xmlns:p14="http://schemas.microsoft.com/office/powerpoint/2010/main" val="2948353845"/>
       </p:ext>
     </p:extLst>
   </p:cSld>
@@ -18674,408 +18831,6 @@
           <p:cNvPr id="2" name="Title 1">
             <a:extLst>
               <a:ext uri="{FF2B5EF4-FFF2-40B4-BE49-F238E27FC236}">
-                <a16:creationId xmlns:a16="http://schemas.microsoft.com/office/drawing/2014/main" id="{8F06986E-3696-7561-EFEC-42A2474822BD}"/>
-              </a:ext>
-            </a:extLst>
-          </p:cNvPr>
-          <p:cNvSpPr>
-            <a:spLocks noGrp="1"/>
-          </p:cNvSpPr>
-          <p:nvPr>
-            <p:ph type="title"/>
-          </p:nvPr>
-        </p:nvSpPr>
-        <p:spPr/>
-        <p:txBody>
-          <a:bodyPr/>
-          <a:lstStyle/>
-          <a:p>
-            <a:r>
-              <a:rPr lang="en-US" dirty="0"/>
-              <a:t>Functional features in C++</a:t>
-            </a:r>
-            <a:endParaRPr lang="LID4096" dirty="0"/>
-          </a:p>
-        </p:txBody>
-      </p:sp>
-      <p:sp>
-        <p:nvSpPr>
-          <p:cNvPr id="3" name="Content Placeholder 2">
-            <a:extLst>
-              <a:ext uri="{FF2B5EF4-FFF2-40B4-BE49-F238E27FC236}">
-                <a16:creationId xmlns:a16="http://schemas.microsoft.com/office/drawing/2014/main" id="{0CDB4156-11FC-1770-3D00-44985A46E102}"/>
-              </a:ext>
-            </a:extLst>
-          </p:cNvPr>
-          <p:cNvSpPr>
-            <a:spLocks noGrp="1"/>
-          </p:cNvSpPr>
-          <p:nvPr>
-            <p:ph idx="1"/>
-          </p:nvPr>
-        </p:nvSpPr>
-        <p:spPr/>
-        <p:txBody>
-          <a:bodyPr/>
-          <a:lstStyle/>
-          <a:p>
-            <a:r>
-              <a:rPr lang="en-US" dirty="0"/>
-              <a:t>Lambda functions</a:t>
-            </a:r>
-          </a:p>
-          <a:p>
-            <a:r>
-              <a:rPr lang="en-US" dirty="0"/>
-              <a:t>STL algorithms</a:t>
-            </a:r>
-          </a:p>
-          <a:p>
-            <a:r>
-              <a:rPr lang="en-US" dirty="0"/>
-              <a:t>STL ranges/views</a:t>
-            </a:r>
-          </a:p>
-          <a:p>
-            <a:r>
-              <a:rPr lang="en-US" dirty="0"/>
-              <a:t>STL generators</a:t>
-            </a:r>
-            <a:endParaRPr lang="LID4096" dirty="0"/>
-          </a:p>
-        </p:txBody>
-      </p:sp>
-      <p:sp>
-        <p:nvSpPr>
-          <p:cNvPr id="4" name="Slide Number Placeholder 3">
-            <a:extLst>
-              <a:ext uri="{FF2B5EF4-FFF2-40B4-BE49-F238E27FC236}">
-                <a16:creationId xmlns:a16="http://schemas.microsoft.com/office/drawing/2014/main" id="{DA0FD79C-C1CA-A2C6-29B6-1118C6206C43}"/>
-              </a:ext>
-            </a:extLst>
-          </p:cNvPr>
-          <p:cNvSpPr>
-            <a:spLocks noGrp="1"/>
-          </p:cNvSpPr>
-          <p:nvPr>
-            <p:ph type="sldNum" sz="quarter" idx="12"/>
-          </p:nvPr>
-        </p:nvSpPr>
-        <p:spPr/>
-        <p:txBody>
-          <a:bodyPr/>
-          <a:lstStyle/>
-          <a:p>
-            <a:fld id="{FDB1AA33-DFBB-49AC-8CEE-23FFECEB5648}" type="slidenum">
-              <a:rPr lang="LID4096" smtClean="0"/>
-              <a:t>40</a:t>
-            </a:fld>
-            <a:endParaRPr lang="LID4096"/>
-          </a:p>
-        </p:txBody>
-      </p:sp>
-      <p:sp>
-        <p:nvSpPr>
-          <p:cNvPr id="5" name="TextBox 4">
-            <a:extLst>
-              <a:ext uri="{FF2B5EF4-FFF2-40B4-BE49-F238E27FC236}">
-                <a16:creationId xmlns:a16="http://schemas.microsoft.com/office/drawing/2014/main" id="{C8E6E66E-0B41-F167-E211-1131037E0EC2}"/>
-              </a:ext>
-            </a:extLst>
-          </p:cNvPr>
-          <p:cNvSpPr txBox="1"/>
-          <p:nvPr/>
-        </p:nvSpPr>
-        <p:spPr>
-          <a:xfrm>
-            <a:off x="838200" y="4561744"/>
-            <a:ext cx="6652655" cy="646331"/>
-          </a:xfrm>
-          <a:prstGeom prst="rect">
-            <a:avLst/>
-          </a:prstGeom>
-          <a:noFill/>
-          <a:ln>
-            <a:solidFill>
-              <a:schemeClr val="tx1"/>
-            </a:solidFill>
-          </a:ln>
-        </p:spPr>
-        <p:txBody>
-          <a:bodyPr wrap="none" rtlCol="0">
-            <a:spAutoFit/>
-          </a:bodyPr>
-          <a:lstStyle/>
-          <a:p>
-            <a:r>
-              <a:rPr lang="en-US" sz="2000" dirty="0"/>
-              <a:t>See</a:t>
-            </a:r>
-          </a:p>
-          <a:p>
-            <a:r>
-              <a:rPr lang="en-US" sz="1600" dirty="0">
-                <a:hlinkClick r:id="rId2"/>
-              </a:rPr>
-              <a:t>https://github.com/gjbex/Scientific-C-plus-plus/tree/master/source-code</a:t>
-            </a:r>
-            <a:r>
-              <a:rPr lang="en-US" sz="1600" dirty="0"/>
-              <a:t> </a:t>
-            </a:r>
-            <a:endParaRPr lang="LID4096" sz="1600" dirty="0"/>
-          </a:p>
-        </p:txBody>
-      </p:sp>
-    </p:spTree>
-    <p:extLst>
-      <p:ext uri="{BB962C8B-B14F-4D97-AF65-F5344CB8AC3E}">
-        <p14:creationId xmlns:p14="http://schemas.microsoft.com/office/powerpoint/2010/main" val="1848637771"/>
-      </p:ext>
-    </p:extLst>
-  </p:cSld>
-  <p:clrMapOvr>
-    <a:masterClrMapping/>
-  </p:clrMapOvr>
-  <p:timing>
-    <p:tnLst>
-      <p:par>
-        <p:cTn id="1" dur="indefinite" restart="never" nodeType="tmRoot">
-          <p:childTnLst>
-            <p:seq concurrent="1" nextAc="seek">
-              <p:cTn id="2" dur="indefinite" nodeType="mainSeq">
-                <p:childTnLst>
-                  <p:par>
-                    <p:cTn id="3" fill="hold">
-                      <p:stCondLst>
-                        <p:cond delay="indefinite"/>
-                      </p:stCondLst>
-                      <p:childTnLst>
-                        <p:par>
-                          <p:cTn id="4" fill="hold">
-                            <p:stCondLst>
-                              <p:cond delay="0"/>
-                            </p:stCondLst>
-                            <p:childTnLst>
-                              <p:par>
-                                <p:cTn id="5" presetID="1" presetClass="entr" presetSubtype="0" fill="hold" grpId="0" nodeType="clickEffect">
-                                  <p:stCondLst>
-                                    <p:cond delay="0"/>
-                                  </p:stCondLst>
-                                  <p:childTnLst>
-                                    <p:set>
-                                      <p:cBhvr>
-                                        <p:cTn id="6" dur="1" fill="hold">
-                                          <p:stCondLst>
-                                            <p:cond delay="0"/>
-                                          </p:stCondLst>
-                                        </p:cTn>
-                                        <p:tgtEl>
-                                          <p:spTgt spid="5"/>
-                                        </p:tgtEl>
-                                        <p:attrNameLst>
-                                          <p:attrName>style.visibility</p:attrName>
-                                        </p:attrNameLst>
-                                      </p:cBhvr>
-                                      <p:to>
-                                        <p:strVal val="visible"/>
-                                      </p:to>
-                                    </p:set>
-                                  </p:childTnLst>
-                                </p:cTn>
-                              </p:par>
-                            </p:childTnLst>
-                          </p:cTn>
-                        </p:par>
-                      </p:childTnLst>
-                    </p:cTn>
-                  </p:par>
-                </p:childTnLst>
-              </p:cTn>
-              <p:prevCondLst>
-                <p:cond evt="onPrev" delay="0">
-                  <p:tgtEl>
-                    <p:sldTgt/>
-                  </p:tgtEl>
-                </p:cond>
-              </p:prevCondLst>
-              <p:nextCondLst>
-                <p:cond evt="onNext" delay="0">
-                  <p:tgtEl>
-                    <p:sldTgt/>
-                  </p:tgtEl>
-                </p:cond>
-              </p:nextCondLst>
-            </p:seq>
-          </p:childTnLst>
-        </p:cTn>
-      </p:par>
-    </p:tnLst>
-    <p:bldLst>
-      <p:bldP spid="5" grpId="0" animBg="1"/>
-    </p:bldLst>
-  </p:timing>
-</p:sld>
-</file>
-
-<file path=ppt/slides/slide41.xml><?xml version="1.0" encoding="utf-8"?>
-<p:sld xmlns:a="http://schemas.openxmlformats.org/drawingml/2006/main" xmlns:r="http://schemas.openxmlformats.org/officeDocument/2006/relationships" xmlns:p="http://schemas.openxmlformats.org/presentationml/2006/main">
-  <p:cSld>
-    <p:spTree>
-      <p:nvGrpSpPr>
-        <p:cNvPr id="1" name=""/>
-        <p:cNvGrpSpPr/>
-        <p:nvPr/>
-      </p:nvGrpSpPr>
-      <p:grpSpPr>
-        <a:xfrm>
-          <a:off x="0" y="0"/>
-          <a:ext cx="0" cy="0"/>
-          <a:chOff x="0" y="0"/>
-          <a:chExt cx="0" cy="0"/>
-        </a:xfrm>
-      </p:grpSpPr>
-      <p:sp>
-        <p:nvSpPr>
-          <p:cNvPr id="2" name="Title 1">
-            <a:extLst>
-              <a:ext uri="{FF2B5EF4-FFF2-40B4-BE49-F238E27FC236}">
-                <a16:creationId xmlns:a16="http://schemas.microsoft.com/office/drawing/2014/main" id="{96A48829-0721-1480-5994-E855FF935E6E}"/>
-              </a:ext>
-            </a:extLst>
-          </p:cNvPr>
-          <p:cNvSpPr>
-            <a:spLocks noGrp="1"/>
-          </p:cNvSpPr>
-          <p:nvPr>
-            <p:ph type="title"/>
-          </p:nvPr>
-        </p:nvSpPr>
-        <p:spPr/>
-        <p:txBody>
-          <a:bodyPr/>
-          <a:lstStyle/>
-          <a:p>
-            <a:r>
-              <a:rPr lang="en-US" dirty="0"/>
-              <a:t>Curiously, Repeating Template Pattern (CRTP)</a:t>
-            </a:r>
-            <a:endParaRPr lang="LID4096" dirty="0"/>
-          </a:p>
-        </p:txBody>
-      </p:sp>
-      <p:sp>
-        <p:nvSpPr>
-          <p:cNvPr id="3" name="Content Placeholder 2">
-            <a:extLst>
-              <a:ext uri="{FF2B5EF4-FFF2-40B4-BE49-F238E27FC236}">
-                <a16:creationId xmlns:a16="http://schemas.microsoft.com/office/drawing/2014/main" id="{9BB61A49-5C18-EB0F-3E0D-D280F9E302A4}"/>
-              </a:ext>
-            </a:extLst>
-          </p:cNvPr>
-          <p:cNvSpPr>
-            <a:spLocks noGrp="1"/>
-          </p:cNvSpPr>
-          <p:nvPr>
-            <p:ph idx="1"/>
-          </p:nvPr>
-        </p:nvSpPr>
-        <p:spPr/>
-        <p:txBody>
-          <a:bodyPr>
-            <a:normAutofit/>
-          </a:bodyPr>
-          <a:lstStyle/>
-          <a:p>
-            <a:r>
-              <a:rPr lang="en-US" dirty="0"/>
-              <a:t>Avoid virtual function overhead</a:t>
-            </a:r>
-          </a:p>
-          <a:p>
-            <a:r>
-              <a:rPr lang="en-US" dirty="0"/>
-              <a:t>Enforce compile time interface constraints</a:t>
-            </a:r>
-          </a:p>
-          <a:p>
-            <a:r>
-              <a:rPr lang="en-US" dirty="0"/>
-              <a:t>Code reuse without dynamic polymorphism</a:t>
-            </a:r>
-          </a:p>
-          <a:p>
-            <a:r>
-              <a:rPr lang="en-US" dirty="0"/>
-              <a:t>Static  polymorphism</a:t>
-            </a:r>
-          </a:p>
-        </p:txBody>
-      </p:sp>
-      <p:sp>
-        <p:nvSpPr>
-          <p:cNvPr id="4" name="Slide Number Placeholder 3">
-            <a:extLst>
-              <a:ext uri="{FF2B5EF4-FFF2-40B4-BE49-F238E27FC236}">
-                <a16:creationId xmlns:a16="http://schemas.microsoft.com/office/drawing/2014/main" id="{0D8837DD-4DFF-B3FC-6690-1408C5CBE0FA}"/>
-              </a:ext>
-            </a:extLst>
-          </p:cNvPr>
-          <p:cNvSpPr>
-            <a:spLocks noGrp="1"/>
-          </p:cNvSpPr>
-          <p:nvPr>
-            <p:ph type="sldNum" sz="quarter" idx="12"/>
-          </p:nvPr>
-        </p:nvSpPr>
-        <p:spPr/>
-        <p:txBody>
-          <a:bodyPr/>
-          <a:lstStyle/>
-          <a:p>
-            <a:fld id="{FDB1AA33-DFBB-49AC-8CEE-23FFECEB5648}" type="slidenum">
-              <a:rPr lang="LID4096" smtClean="0"/>
-              <a:t>41</a:t>
-            </a:fld>
-            <a:endParaRPr lang="LID4096"/>
-          </a:p>
-        </p:txBody>
-      </p:sp>
-    </p:spTree>
-    <p:extLst>
-      <p:ext uri="{BB962C8B-B14F-4D97-AF65-F5344CB8AC3E}">
-        <p14:creationId xmlns:p14="http://schemas.microsoft.com/office/powerpoint/2010/main" val="1803633621"/>
-      </p:ext>
-    </p:extLst>
-  </p:cSld>
-  <p:clrMapOvr>
-    <a:masterClrMapping/>
-  </p:clrMapOvr>
-</p:sld>
-</file>
-
-<file path=ppt/slides/slide42.xml><?xml version="1.0" encoding="utf-8"?>
-<p:sld xmlns:a="http://schemas.openxmlformats.org/drawingml/2006/main" xmlns:r="http://schemas.openxmlformats.org/officeDocument/2006/relationships" xmlns:p="http://schemas.openxmlformats.org/presentationml/2006/main">
-  <p:cSld>
-    <p:spTree>
-      <p:nvGrpSpPr>
-        <p:cNvPr id="1" name=""/>
-        <p:cNvGrpSpPr/>
-        <p:nvPr/>
-      </p:nvGrpSpPr>
-      <p:grpSpPr>
-        <a:xfrm>
-          <a:off x="0" y="0"/>
-          <a:ext cx="0" cy="0"/>
-          <a:chOff x="0" y="0"/>
-          <a:chExt cx="0" cy="0"/>
-        </a:xfrm>
-      </p:grpSpPr>
-      <p:sp>
-        <p:nvSpPr>
-          <p:cNvPr id="2" name="Title 1">
-            <a:extLst>
-              <a:ext uri="{FF2B5EF4-FFF2-40B4-BE49-F238E27FC236}">
                 <a16:creationId xmlns:a16="http://schemas.microsoft.com/office/drawing/2014/main" id="{08C9A350-282A-80DC-C746-795502250CAE}"/>
               </a:ext>
             </a:extLst>
@@ -19123,7 +18878,7 @@
           <a:p>
             <a:fld id="{FDB1AA33-DFBB-49AC-8CEE-23FFECEB5648}" type="slidenum">
               <a:rPr lang="LID4096" smtClean="0"/>
-              <a:t>42</a:t>
+              <a:t>40</a:t>
             </a:fld>
             <a:endParaRPr lang="LID4096"/>
           </a:p>
@@ -19890,7 +19645,7 @@
     </p:spTree>
     <p:extLst>
       <p:ext uri="{BB962C8B-B14F-4D97-AF65-F5344CB8AC3E}">
-        <p14:creationId xmlns:p14="http://schemas.microsoft.com/office/powerpoint/2010/main" val="3866999852"/>
+        <p14:creationId xmlns:p14="http://schemas.microsoft.com/office/powerpoint/2010/main" val="3081757082"/>
       </p:ext>
     </p:extLst>
   </p:cSld>
@@ -19900,7 +19655,7 @@
 </p:sld>
 </file>
 
-<file path=ppt/slides/slide43.xml><?xml version="1.0" encoding="utf-8"?>
+<file path=ppt/slides/slide41.xml><?xml version="1.0" encoding="utf-8"?>
 <p:sld xmlns:a="http://schemas.openxmlformats.org/drawingml/2006/main" xmlns:r="http://schemas.openxmlformats.org/officeDocument/2006/relationships" xmlns:p="http://schemas.openxmlformats.org/presentationml/2006/main">
   <p:cSld>
     <p:spTree>
@@ -19969,7 +19724,7 @@
           <a:p>
             <a:fld id="{FDB1AA33-DFBB-49AC-8CEE-23FFECEB5648}" type="slidenum">
               <a:rPr lang="LID4096" smtClean="0"/>
-              <a:t>43</a:t>
+              <a:t>41</a:t>
             </a:fld>
             <a:endParaRPr lang="LID4096"/>
           </a:p>
@@ -20523,7 +20278,7 @@
     </p:spTree>
     <p:extLst>
       <p:ext uri="{BB962C8B-B14F-4D97-AF65-F5344CB8AC3E}">
-        <p14:creationId xmlns:p14="http://schemas.microsoft.com/office/powerpoint/2010/main" val="4020257836"/>
+        <p14:creationId xmlns:p14="http://schemas.microsoft.com/office/powerpoint/2010/main" val="1364277500"/>
       </p:ext>
     </p:extLst>
   </p:cSld>
@@ -20533,7 +20288,7 @@
 </p:sld>
 </file>
 
-<file path=ppt/slides/slide44.xml><?xml version="1.0" encoding="utf-8"?>
+<file path=ppt/slides/slide42.xml><?xml version="1.0" encoding="utf-8"?>
 <p:sld xmlns:a="http://schemas.openxmlformats.org/drawingml/2006/main" xmlns:r="http://schemas.openxmlformats.org/officeDocument/2006/relationships" xmlns:p="http://schemas.openxmlformats.org/presentationml/2006/main">
   <p:cSld>
     <p:spTree>
@@ -20602,7 +20357,7 @@
           <a:p>
             <a:fld id="{FDB1AA33-DFBB-49AC-8CEE-23FFECEB5648}" type="slidenum">
               <a:rPr lang="LID4096" smtClean="0"/>
-              <a:t>44</a:t>
+              <a:t>42</a:t>
             </a:fld>
             <a:endParaRPr lang="LID4096"/>
           </a:p>
@@ -21310,7 +21065,7 @@
     </p:spTree>
     <p:extLst>
       <p:ext uri="{BB962C8B-B14F-4D97-AF65-F5344CB8AC3E}">
-        <p14:creationId xmlns:p14="http://schemas.microsoft.com/office/powerpoint/2010/main" val="2362631166"/>
+        <p14:creationId xmlns:p14="http://schemas.microsoft.com/office/powerpoint/2010/main" val="1839378383"/>
       </p:ext>
     </p:extLst>
   </p:cSld>
@@ -21320,7 +21075,7 @@
 </p:sld>
 </file>
 
-<file path=ppt/slides/slide45.xml><?xml version="1.0" encoding="utf-8"?>
+<file path=ppt/slides/slide43.xml><?xml version="1.0" encoding="utf-8"?>
 <p:sld xmlns:a="http://schemas.openxmlformats.org/drawingml/2006/main" xmlns:r="http://schemas.openxmlformats.org/officeDocument/2006/relationships" xmlns:p="http://schemas.openxmlformats.org/presentationml/2006/main">
   <p:cSld>
     <p:spTree>
@@ -21389,7 +21144,7 @@
           <a:p>
             <a:fld id="{FDB1AA33-DFBB-49AC-8CEE-23FFECEB5648}" type="slidenum">
               <a:rPr lang="LID4096" smtClean="0"/>
-              <a:t>45</a:t>
+              <a:t>43</a:t>
             </a:fld>
             <a:endParaRPr lang="LID4096"/>
           </a:p>
@@ -21726,13 +21481,549 @@
     </p:spTree>
     <p:extLst>
       <p:ext uri="{BB962C8B-B14F-4D97-AF65-F5344CB8AC3E}">
-        <p14:creationId xmlns:p14="http://schemas.microsoft.com/office/powerpoint/2010/main" val="542009304"/>
+        <p14:creationId xmlns:p14="http://schemas.microsoft.com/office/powerpoint/2010/main" val="3759116655"/>
       </p:ext>
     </p:extLst>
   </p:cSld>
   <p:clrMapOvr>
     <a:masterClrMapping/>
   </p:clrMapOvr>
+</p:sld>
+</file>
+
+<file path=ppt/slides/slide44.xml><?xml version="1.0" encoding="utf-8"?>
+<p:sld xmlns:a="http://schemas.openxmlformats.org/drawingml/2006/main" xmlns:r="http://schemas.openxmlformats.org/officeDocument/2006/relationships" xmlns:p="http://schemas.openxmlformats.org/presentationml/2006/main">
+  <p:cSld>
+    <p:spTree>
+      <p:nvGrpSpPr>
+        <p:cNvPr id="1" name=""/>
+        <p:cNvGrpSpPr/>
+        <p:nvPr/>
+      </p:nvGrpSpPr>
+      <p:grpSpPr>
+        <a:xfrm>
+          <a:off x="0" y="0"/>
+          <a:ext cx="0" cy="0"/>
+          <a:chOff x="0" y="0"/>
+          <a:chExt cx="0" cy="0"/>
+        </a:xfrm>
+      </p:grpSpPr>
+      <p:sp>
+        <p:nvSpPr>
+          <p:cNvPr id="2" name="Title 1"/>
+          <p:cNvSpPr>
+            <a:spLocks noGrp="1"/>
+          </p:cNvSpPr>
+          <p:nvPr>
+            <p:ph type="title"/>
+          </p:nvPr>
+        </p:nvSpPr>
+        <p:spPr/>
+        <p:txBody>
+          <a:bodyPr/>
+          <a:lstStyle/>
+          <a:p>
+            <a:r>
+              <a:rPr lang="en-US" dirty="0"/>
+              <a:t>Further reading</a:t>
+            </a:r>
+            <a:endParaRPr lang="nl-BE" dirty="0"/>
+          </a:p>
+        </p:txBody>
+      </p:sp>
+      <p:sp>
+        <p:nvSpPr>
+          <p:cNvPr id="3" name="Content Placeholder 2"/>
+          <p:cNvSpPr>
+            <a:spLocks noGrp="1"/>
+          </p:cNvSpPr>
+          <p:nvPr>
+            <p:ph idx="1"/>
+          </p:nvPr>
+        </p:nvSpPr>
+        <p:spPr/>
+        <p:txBody>
+          <a:bodyPr/>
+          <a:lstStyle/>
+          <a:p>
+            <a:r>
+              <a:rPr lang="en-US" dirty="0"/>
+              <a:t>Erich Gamma, Richard Helm, Ralph Johnson and John </a:t>
+            </a:r>
+            <a:r>
+              <a:rPr lang="en-US" dirty="0" err="1"/>
+              <a:t>Vlissides</a:t>
+            </a:r>
+            <a:r>
+              <a:rPr lang="en-US" dirty="0"/>
+              <a:t> (1994) </a:t>
+            </a:r>
+            <a:r>
+              <a:rPr lang="en-US" i="1" dirty="0"/>
+              <a:t>Design patterns: elements of reusable object-oriented software</a:t>
+            </a:r>
+            <a:r>
+              <a:rPr lang="en-US" dirty="0"/>
+              <a:t>, Addison-Wesley</a:t>
+            </a:r>
+            <a:endParaRPr lang="en-US" sz="2800" dirty="0"/>
+          </a:p>
+          <a:p>
+            <a:endParaRPr lang="en-US" sz="2800" dirty="0"/>
+          </a:p>
+          <a:p>
+            <a:endParaRPr lang="nl-BE" dirty="0"/>
+          </a:p>
+        </p:txBody>
+      </p:sp>
+      <p:sp>
+        <p:nvSpPr>
+          <p:cNvPr id="4" name="Slide Number Placeholder 3"/>
+          <p:cNvSpPr>
+            <a:spLocks noGrp="1"/>
+          </p:cNvSpPr>
+          <p:nvPr>
+            <p:ph type="sldNum" sz="quarter" idx="12"/>
+          </p:nvPr>
+        </p:nvSpPr>
+        <p:spPr/>
+        <p:txBody>
+          <a:bodyPr/>
+          <a:lstStyle/>
+          <a:p>
+            <a:fld id="{5A209D72-2E9D-49B0-8977-41DCCC66C0BB}" type="slidenum">
+              <a:rPr lang="nl-BE">
+                <a:solidFill>
+                  <a:prstClr val="black">
+                    <a:tint val="75000"/>
+                  </a:prstClr>
+                </a:solidFill>
+                <a:latin typeface="Calibri"/>
+              </a:rPr>
+              <a:pPr/>
+              <a:t>44</a:t>
+            </a:fld>
+            <a:endParaRPr lang="nl-BE">
+              <a:solidFill>
+                <a:prstClr val="black">
+                  <a:tint val="75000"/>
+                </a:prstClr>
+              </a:solidFill>
+              <a:latin typeface="Calibri"/>
+            </a:endParaRPr>
+          </a:p>
+        </p:txBody>
+      </p:sp>
+    </p:spTree>
+    <p:extLst>
+      <p:ext uri="{BB962C8B-B14F-4D97-AF65-F5344CB8AC3E}">
+        <p14:creationId xmlns:p14="http://schemas.microsoft.com/office/powerpoint/2010/main" val="4100769943"/>
+      </p:ext>
+    </p:extLst>
+  </p:cSld>
+  <p:clrMapOvr>
+    <a:masterClrMapping/>
+  </p:clrMapOvr>
+</p:sld>
+</file>
+
+<file path=ppt/slides/slide45.xml><?xml version="1.0" encoding="utf-8"?>
+<p:sld xmlns:a="http://schemas.openxmlformats.org/drawingml/2006/main" xmlns:r="http://schemas.openxmlformats.org/officeDocument/2006/relationships" xmlns:p="http://schemas.openxmlformats.org/presentationml/2006/main">
+  <p:cSld>
+    <p:spTree>
+      <p:nvGrpSpPr>
+        <p:cNvPr id="1" name=""/>
+        <p:cNvGrpSpPr/>
+        <p:nvPr/>
+      </p:nvGrpSpPr>
+      <p:grpSpPr>
+        <a:xfrm>
+          <a:off x="0" y="0"/>
+          <a:ext cx="0" cy="0"/>
+          <a:chOff x="0" y="0"/>
+          <a:chExt cx="0" cy="0"/>
+        </a:xfrm>
+      </p:grpSpPr>
+      <p:sp>
+        <p:nvSpPr>
+          <p:cNvPr id="5" name="Title 4">
+            <a:extLst>
+              <a:ext uri="{FF2B5EF4-FFF2-40B4-BE49-F238E27FC236}">
+                <a16:creationId xmlns:a16="http://schemas.microsoft.com/office/drawing/2014/main" id="{B047AC09-4137-6264-6757-2F13914ACA28}"/>
+              </a:ext>
+            </a:extLst>
+          </p:cNvPr>
+          <p:cNvSpPr>
+            <a:spLocks noGrp="1"/>
+          </p:cNvSpPr>
+          <p:nvPr>
+            <p:ph type="title"/>
+          </p:nvPr>
+        </p:nvSpPr>
+        <p:spPr/>
+        <p:txBody>
+          <a:bodyPr/>
+          <a:lstStyle/>
+          <a:p>
+            <a:r>
+              <a:rPr lang="en-US" dirty="0"/>
+              <a:t>Functional approach</a:t>
+            </a:r>
+            <a:endParaRPr lang="LID4096" dirty="0"/>
+          </a:p>
+        </p:txBody>
+      </p:sp>
+      <p:sp>
+        <p:nvSpPr>
+          <p:cNvPr id="6" name="Text Placeholder 5">
+            <a:extLst>
+              <a:ext uri="{FF2B5EF4-FFF2-40B4-BE49-F238E27FC236}">
+                <a16:creationId xmlns:a16="http://schemas.microsoft.com/office/drawing/2014/main" id="{482D214C-4E56-C7D6-335F-9FBD13AF24C6}"/>
+              </a:ext>
+            </a:extLst>
+          </p:cNvPr>
+          <p:cNvSpPr>
+            <a:spLocks noGrp="1"/>
+          </p:cNvSpPr>
+          <p:nvPr>
+            <p:ph type="body" idx="1"/>
+          </p:nvPr>
+        </p:nvSpPr>
+        <p:spPr/>
+        <p:txBody>
+          <a:bodyPr/>
+          <a:lstStyle/>
+          <a:p>
+            <a:endParaRPr lang="LID4096"/>
+          </a:p>
+        </p:txBody>
+      </p:sp>
+      <p:sp>
+        <p:nvSpPr>
+          <p:cNvPr id="4" name="Slide Number Placeholder 3">
+            <a:extLst>
+              <a:ext uri="{FF2B5EF4-FFF2-40B4-BE49-F238E27FC236}">
+                <a16:creationId xmlns:a16="http://schemas.microsoft.com/office/drawing/2014/main" id="{B66B75E1-EA21-65CD-B316-C1D421486EE7}"/>
+              </a:ext>
+            </a:extLst>
+          </p:cNvPr>
+          <p:cNvSpPr>
+            <a:spLocks noGrp="1"/>
+          </p:cNvSpPr>
+          <p:nvPr>
+            <p:ph type="sldNum" sz="quarter" idx="12"/>
+          </p:nvPr>
+        </p:nvSpPr>
+        <p:spPr/>
+        <p:txBody>
+          <a:bodyPr/>
+          <a:lstStyle/>
+          <a:p>
+            <a:fld id="{FDB1AA33-DFBB-49AC-8CEE-23FFECEB5648}" type="slidenum">
+              <a:rPr lang="LID4096" smtClean="0"/>
+              <a:t>45</a:t>
+            </a:fld>
+            <a:endParaRPr lang="LID4096"/>
+          </a:p>
+        </p:txBody>
+      </p:sp>
+    </p:spTree>
+    <p:extLst>
+      <p:ext uri="{BB962C8B-B14F-4D97-AF65-F5344CB8AC3E}">
+        <p14:creationId xmlns:p14="http://schemas.microsoft.com/office/powerpoint/2010/main" val="4080926898"/>
+      </p:ext>
+    </p:extLst>
+  </p:cSld>
+  <p:clrMapOvr>
+    <a:masterClrMapping/>
+  </p:clrMapOvr>
+</p:sld>
+</file>
+
+<file path=ppt/slides/slide46.xml><?xml version="1.0" encoding="utf-8"?>
+<p:sld xmlns:a="http://schemas.openxmlformats.org/drawingml/2006/main" xmlns:r="http://schemas.openxmlformats.org/officeDocument/2006/relationships" xmlns:p="http://schemas.openxmlformats.org/presentationml/2006/main">
+  <p:cSld>
+    <p:spTree>
+      <p:nvGrpSpPr>
+        <p:cNvPr id="1" name=""/>
+        <p:cNvGrpSpPr/>
+        <p:nvPr/>
+      </p:nvGrpSpPr>
+      <p:grpSpPr>
+        <a:xfrm>
+          <a:off x="0" y="0"/>
+          <a:ext cx="0" cy="0"/>
+          <a:chOff x="0" y="0"/>
+          <a:chExt cx="0" cy="0"/>
+        </a:xfrm>
+      </p:grpSpPr>
+      <p:sp>
+        <p:nvSpPr>
+          <p:cNvPr id="2" name="Title 1">
+            <a:extLst>
+              <a:ext uri="{FF2B5EF4-FFF2-40B4-BE49-F238E27FC236}">
+                <a16:creationId xmlns:a16="http://schemas.microsoft.com/office/drawing/2014/main" id="{8F06986E-3696-7561-EFEC-42A2474822BD}"/>
+              </a:ext>
+            </a:extLst>
+          </p:cNvPr>
+          <p:cNvSpPr>
+            <a:spLocks noGrp="1"/>
+          </p:cNvSpPr>
+          <p:nvPr>
+            <p:ph type="title"/>
+          </p:nvPr>
+        </p:nvSpPr>
+        <p:spPr/>
+        <p:txBody>
+          <a:bodyPr/>
+          <a:lstStyle/>
+          <a:p>
+            <a:r>
+              <a:rPr lang="en-US" dirty="0"/>
+              <a:t>Functional features in C++</a:t>
+            </a:r>
+            <a:endParaRPr lang="LID4096" dirty="0"/>
+          </a:p>
+        </p:txBody>
+      </p:sp>
+      <p:sp>
+        <p:nvSpPr>
+          <p:cNvPr id="3" name="Content Placeholder 2">
+            <a:extLst>
+              <a:ext uri="{FF2B5EF4-FFF2-40B4-BE49-F238E27FC236}">
+                <a16:creationId xmlns:a16="http://schemas.microsoft.com/office/drawing/2014/main" id="{0CDB4156-11FC-1770-3D00-44985A46E102}"/>
+              </a:ext>
+            </a:extLst>
+          </p:cNvPr>
+          <p:cNvSpPr>
+            <a:spLocks noGrp="1"/>
+          </p:cNvSpPr>
+          <p:nvPr>
+            <p:ph idx="1"/>
+          </p:nvPr>
+        </p:nvSpPr>
+        <p:spPr/>
+        <p:txBody>
+          <a:bodyPr/>
+          <a:lstStyle/>
+          <a:p>
+            <a:r>
+              <a:rPr lang="en-US" dirty="0"/>
+              <a:t>Lambda functions</a:t>
+            </a:r>
+          </a:p>
+          <a:p>
+            <a:r>
+              <a:rPr lang="en-US" dirty="0"/>
+              <a:t>STL algorithms</a:t>
+            </a:r>
+          </a:p>
+          <a:p>
+            <a:r>
+              <a:rPr lang="en-US" dirty="0"/>
+              <a:t>STL ranges/views</a:t>
+            </a:r>
+          </a:p>
+          <a:p>
+            <a:r>
+              <a:rPr lang="en-US" dirty="0"/>
+              <a:t>STL generators</a:t>
+            </a:r>
+            <a:endParaRPr lang="LID4096" dirty="0"/>
+          </a:p>
+        </p:txBody>
+      </p:sp>
+      <p:sp>
+        <p:nvSpPr>
+          <p:cNvPr id="4" name="Slide Number Placeholder 3">
+            <a:extLst>
+              <a:ext uri="{FF2B5EF4-FFF2-40B4-BE49-F238E27FC236}">
+                <a16:creationId xmlns:a16="http://schemas.microsoft.com/office/drawing/2014/main" id="{DA0FD79C-C1CA-A2C6-29B6-1118C6206C43}"/>
+              </a:ext>
+            </a:extLst>
+          </p:cNvPr>
+          <p:cNvSpPr>
+            <a:spLocks noGrp="1"/>
+          </p:cNvSpPr>
+          <p:nvPr>
+            <p:ph type="sldNum" sz="quarter" idx="12"/>
+          </p:nvPr>
+        </p:nvSpPr>
+        <p:spPr/>
+        <p:txBody>
+          <a:bodyPr/>
+          <a:lstStyle/>
+          <a:p>
+            <a:fld id="{FDB1AA33-DFBB-49AC-8CEE-23FFECEB5648}" type="slidenum">
+              <a:rPr lang="LID4096" smtClean="0"/>
+              <a:t>46</a:t>
+            </a:fld>
+            <a:endParaRPr lang="LID4096"/>
+          </a:p>
+        </p:txBody>
+      </p:sp>
+      <p:sp>
+        <p:nvSpPr>
+          <p:cNvPr id="5" name="TextBox 4">
+            <a:extLst>
+              <a:ext uri="{FF2B5EF4-FFF2-40B4-BE49-F238E27FC236}">
+                <a16:creationId xmlns:a16="http://schemas.microsoft.com/office/drawing/2014/main" id="{C8E6E66E-0B41-F167-E211-1131037E0EC2}"/>
+              </a:ext>
+            </a:extLst>
+          </p:cNvPr>
+          <p:cNvSpPr txBox="1"/>
+          <p:nvPr/>
+        </p:nvSpPr>
+        <p:spPr>
+          <a:xfrm>
+            <a:off x="838200" y="4561744"/>
+            <a:ext cx="7669535" cy="1138773"/>
+          </a:xfrm>
+          <a:prstGeom prst="rect">
+            <a:avLst/>
+          </a:prstGeom>
+          <a:noFill/>
+          <a:ln>
+            <a:solidFill>
+              <a:schemeClr val="tx1"/>
+            </a:solidFill>
+          </a:ln>
+        </p:spPr>
+        <p:txBody>
+          <a:bodyPr wrap="none" rtlCol="0">
+            <a:spAutoFit/>
+          </a:bodyPr>
+          <a:lstStyle/>
+          <a:p>
+            <a:r>
+              <a:rPr lang="en-US" sz="2000" dirty="0"/>
+              <a:t>See</a:t>
+            </a:r>
+          </a:p>
+          <a:p>
+            <a:r>
+              <a:rPr lang="en-US" sz="1600" dirty="0">
+                <a:hlinkClick r:id="rId2"/>
+              </a:rPr>
+              <a:t>https://github.com/gjbex/Scientific-C-plus-plus/tree/master/source-code/Functional</a:t>
+            </a:r>
+            <a:endParaRPr lang="en-US" sz="1600" dirty="0"/>
+          </a:p>
+          <a:p>
+            <a:r>
+              <a:rPr lang="en-US" sz="1600" dirty="0">
+                <a:hlinkClick r:id="rId3"/>
+              </a:rPr>
+              <a:t>https://github.com/gjbex/Scientific-C-plus-plus/tree/master/source-code/Algorithms</a:t>
+            </a:r>
+            <a:r>
+              <a:rPr lang="en-US" sz="1600" dirty="0"/>
+              <a:t> </a:t>
+            </a:r>
+          </a:p>
+          <a:p>
+            <a:r>
+              <a:rPr lang="en-US" sz="1600" dirty="0">
+                <a:hlinkClick r:id="rId4"/>
+              </a:rPr>
+              <a:t>https://github.com/gjbex/Scientific-C-plus-plus/tree/master/source-code/Ranges</a:t>
+            </a:r>
+            <a:r>
+              <a:rPr lang="en-US" sz="1600" dirty="0"/>
+              <a:t> </a:t>
+            </a:r>
+            <a:endParaRPr lang="LID4096" sz="1600" dirty="0"/>
+          </a:p>
+        </p:txBody>
+      </p:sp>
+    </p:spTree>
+    <p:extLst>
+      <p:ext uri="{BB962C8B-B14F-4D97-AF65-F5344CB8AC3E}">
+        <p14:creationId xmlns:p14="http://schemas.microsoft.com/office/powerpoint/2010/main" val="1848637771"/>
+      </p:ext>
+    </p:extLst>
+  </p:cSld>
+  <p:clrMapOvr>
+    <a:masterClrMapping/>
+  </p:clrMapOvr>
+  <p:timing>
+    <p:tnLst>
+      <p:par>
+        <p:cTn id="1" dur="indefinite" restart="never" nodeType="tmRoot">
+          <p:childTnLst>
+            <p:seq concurrent="1" nextAc="seek">
+              <p:cTn id="2" dur="indefinite" nodeType="mainSeq">
+                <p:childTnLst>
+                  <p:par>
+                    <p:cTn id="3" fill="hold">
+                      <p:stCondLst>
+                        <p:cond delay="indefinite"/>
+                      </p:stCondLst>
+                      <p:childTnLst>
+                        <p:par>
+                          <p:cTn id="4" fill="hold">
+                            <p:stCondLst>
+                              <p:cond delay="0"/>
+                            </p:stCondLst>
+                            <p:childTnLst>
+                              <p:par>
+                                <p:cTn id="5" presetID="1" presetClass="entr" presetSubtype="0" fill="hold" grpId="0" nodeType="clickEffect">
+                                  <p:stCondLst>
+                                    <p:cond delay="0"/>
+                                  </p:stCondLst>
+                                  <p:childTnLst>
+                                    <p:set>
+                                      <p:cBhvr>
+                                        <p:cTn id="6" dur="1" fill="hold">
+                                          <p:stCondLst>
+                                            <p:cond delay="0"/>
+                                          </p:stCondLst>
+                                        </p:cTn>
+                                        <p:tgtEl>
+                                          <p:spTgt spid="5"/>
+                                        </p:tgtEl>
+                                        <p:attrNameLst>
+                                          <p:attrName>style.visibility</p:attrName>
+                                        </p:attrNameLst>
+                                      </p:cBhvr>
+                                      <p:to>
+                                        <p:strVal val="visible"/>
+                                      </p:to>
+                                    </p:set>
+                                  </p:childTnLst>
+                                </p:cTn>
+                              </p:par>
+                            </p:childTnLst>
+                          </p:cTn>
+                        </p:par>
+                      </p:childTnLst>
+                    </p:cTn>
+                  </p:par>
+                </p:childTnLst>
+              </p:cTn>
+              <p:prevCondLst>
+                <p:cond evt="onPrev" delay="0">
+                  <p:tgtEl>
+                    <p:sldTgt/>
+                  </p:tgtEl>
+                </p:cond>
+              </p:prevCondLst>
+              <p:nextCondLst>
+                <p:cond evt="onNext" delay="0">
+                  <p:tgtEl>
+                    <p:sldTgt/>
+                  </p:tgtEl>
+                </p:cond>
+              </p:nextCondLst>
+            </p:seq>
+          </p:childTnLst>
+        </p:cTn>
+      </p:par>
+    </p:tnLst>
+    <p:bldLst>
+      <p:bldP spid="5" grpId="0" animBg="1"/>
+    </p:bldLst>
+  </p:timing>
 </p:sld>
 </file>
 

--- a/cpp_software_engineering.pptx
+++ b/cpp_software_engineering.pptx
@@ -5,7 +5,7 @@
     <p:sldMasterId id="2147483648" r:id="rId1"/>
   </p:sldMasterIdLst>
   <p:notesMasterIdLst>
-    <p:notesMasterId r:id="rId48"/>
+    <p:notesMasterId r:id="rId51"/>
   </p:notesMasterIdLst>
   <p:sldIdLst>
     <p:sldId id="257" r:id="rId2"/>
@@ -45,15 +45,18 @@
     <p:sldId id="388" r:id="rId36"/>
     <p:sldId id="389" r:id="rId37"/>
     <p:sldId id="390" r:id="rId38"/>
-    <p:sldId id="399" r:id="rId39"/>
-    <p:sldId id="394" r:id="rId40"/>
-    <p:sldId id="395" r:id="rId41"/>
-    <p:sldId id="396" r:id="rId42"/>
-    <p:sldId id="398" r:id="rId43"/>
-    <p:sldId id="397" r:id="rId44"/>
-    <p:sldId id="391" r:id="rId45"/>
-    <p:sldId id="392" r:id="rId46"/>
-    <p:sldId id="393" r:id="rId47"/>
+    <p:sldId id="400" r:id="rId39"/>
+    <p:sldId id="401" r:id="rId40"/>
+    <p:sldId id="402" r:id="rId41"/>
+    <p:sldId id="399" r:id="rId42"/>
+    <p:sldId id="394" r:id="rId43"/>
+    <p:sldId id="395" r:id="rId44"/>
+    <p:sldId id="396" r:id="rId45"/>
+    <p:sldId id="398" r:id="rId46"/>
+    <p:sldId id="397" r:id="rId47"/>
+    <p:sldId id="391" r:id="rId48"/>
+    <p:sldId id="392" r:id="rId49"/>
+    <p:sldId id="393" r:id="rId50"/>
   </p:sldIdLst>
   <p:sldSz cx="12192000" cy="6858000"/>
   <p:notesSz cx="6858000" cy="9144000"/>
@@ -218,6 +221,9 @@
             <p14:sldId id="388"/>
             <p14:sldId id="389"/>
             <p14:sldId id="390"/>
+            <p14:sldId id="400"/>
+            <p14:sldId id="401"/>
+            <p14:sldId id="402"/>
             <p14:sldId id="399"/>
             <p14:sldId id="394"/>
             <p14:sldId id="395"/>
@@ -392,7 +398,7 @@
           <a:p>
             <a:fld id="{75E18316-3541-442E-8E76-B95A0AF605E0}" type="datetimeFigureOut">
               <a:rPr lang="LID4096" smtClean="0"/>
-              <a:t>04/08/2025</a:t>
+              <a:t>04/09/2025</a:t>
             </a:fld>
             <a:endParaRPr lang="LID4096"/>
           </a:p>
@@ -809,7 +815,7 @@
           <a:p>
             <a:fld id="{D4CCEB0E-618E-45C7-A579-AD180C33220D}" type="datetime1">
               <a:rPr lang="LID4096" smtClean="0"/>
-              <a:t>04/08/2025</a:t>
+              <a:t>04/09/2025</a:t>
             </a:fld>
             <a:endParaRPr lang="LID4096"/>
           </a:p>
@@ -1009,7 +1015,7 @@
           <a:p>
             <a:fld id="{8F9B0D5F-347B-4B69-9FE7-43363B46D130}" type="datetime1">
               <a:rPr lang="LID4096" smtClean="0"/>
-              <a:t>04/08/2025</a:t>
+              <a:t>04/09/2025</a:t>
             </a:fld>
             <a:endParaRPr lang="LID4096"/>
           </a:p>
@@ -1219,7 +1225,7 @@
           <a:p>
             <a:fld id="{A72936A9-07CF-4428-8F68-9DB53105CCBE}" type="datetime1">
               <a:rPr lang="LID4096" smtClean="0"/>
-              <a:t>04/08/2025</a:t>
+              <a:t>04/09/2025</a:t>
             </a:fld>
             <a:endParaRPr lang="LID4096"/>
           </a:p>
@@ -1419,7 +1425,7 @@
           <a:p>
             <a:fld id="{136170E8-8909-47C9-AECF-C7A110A9E262}" type="datetime1">
               <a:rPr lang="LID4096" smtClean="0"/>
-              <a:t>04/08/2025</a:t>
+              <a:t>04/09/2025</a:t>
             </a:fld>
             <a:endParaRPr lang="LID4096"/>
           </a:p>
@@ -1695,7 +1701,7 @@
           <a:p>
             <a:fld id="{D37C590D-7973-43C9-B207-04F7CE471508}" type="datetime1">
               <a:rPr lang="LID4096" smtClean="0"/>
-              <a:t>04/08/2025</a:t>
+              <a:t>04/09/2025</a:t>
             </a:fld>
             <a:endParaRPr lang="LID4096"/>
           </a:p>
@@ -1963,7 +1969,7 @@
           <a:p>
             <a:fld id="{D8E041D7-7EA6-423B-88A0-A217731AA946}" type="datetime1">
               <a:rPr lang="LID4096" smtClean="0"/>
-              <a:t>04/08/2025</a:t>
+              <a:t>04/09/2025</a:t>
             </a:fld>
             <a:endParaRPr lang="LID4096"/>
           </a:p>
@@ -2378,7 +2384,7 @@
           <a:p>
             <a:fld id="{1BDF2A55-FD61-4AC5-A515-ED3F1E80F296}" type="datetime1">
               <a:rPr lang="LID4096" smtClean="0"/>
-              <a:t>04/08/2025</a:t>
+              <a:t>04/09/2025</a:t>
             </a:fld>
             <a:endParaRPr lang="LID4096"/>
           </a:p>
@@ -2520,7 +2526,7 @@
           <a:p>
             <a:fld id="{AAED7C0E-94F0-4D14-8F58-6D25D315F3DC}" type="datetime1">
               <a:rPr lang="LID4096" smtClean="0"/>
-              <a:t>04/08/2025</a:t>
+              <a:t>04/09/2025</a:t>
             </a:fld>
             <a:endParaRPr lang="LID4096"/>
           </a:p>
@@ -2633,7 +2639,7 @@
           <a:p>
             <a:fld id="{2888AB77-1B4E-4D00-8D86-8CBF03A7E13C}" type="datetime1">
               <a:rPr lang="LID4096" smtClean="0"/>
-              <a:t>04/08/2025</a:t>
+              <a:t>04/09/2025</a:t>
             </a:fld>
             <a:endParaRPr lang="LID4096"/>
           </a:p>
@@ -2946,7 +2952,7 @@
           <a:p>
             <a:fld id="{013C0D7F-F788-458A-93D6-DCF4C7F29636}" type="datetime1">
               <a:rPr lang="LID4096" smtClean="0"/>
-              <a:t>04/08/2025</a:t>
+              <a:t>04/09/2025</a:t>
             </a:fld>
             <a:endParaRPr lang="LID4096"/>
           </a:p>
@@ -3235,7 +3241,7 @@
           <a:p>
             <a:fld id="{EEC7CCBC-154E-498D-B8FD-669CE3C64250}" type="datetime1">
               <a:rPr lang="LID4096" smtClean="0"/>
-              <a:t>04/08/2025</a:t>
+              <a:t>04/09/2025</a:t>
             </a:fld>
             <a:endParaRPr lang="LID4096"/>
           </a:p>
@@ -3478,7 +3484,7 @@
           <a:p>
             <a:fld id="{161B14D2-6539-4609-80C5-044F9B782269}" type="datetime1">
               <a:rPr lang="LID4096" smtClean="0"/>
-              <a:t>04/08/2025</a:t>
+              <a:t>04/09/2025</a:t>
             </a:fld>
             <a:endParaRPr lang="LID4096"/>
           </a:p>
@@ -16827,7 +16833,7 @@
           <a:p>
             <a:r>
               <a:rPr lang="en-US" dirty="0"/>
-              <a:t>Patterns</a:t>
+              <a:t>Design patterns</a:t>
             </a:r>
           </a:p>
         </p:txBody>
@@ -17104,7 +17110,7 @@
           <p:cNvPr id="2" name="Title 1">
             <a:extLst>
               <a:ext uri="{FF2B5EF4-FFF2-40B4-BE49-F238E27FC236}">
-                <a16:creationId xmlns:a16="http://schemas.microsoft.com/office/drawing/2014/main" id="{04B1C173-33AC-1DCA-ED63-D52D701FC426}"/>
+                <a16:creationId xmlns:a16="http://schemas.microsoft.com/office/drawing/2014/main" id="{6D22119F-79EC-4E00-B9D9-0B2587606086}"/>
               </a:ext>
             </a:extLst>
           </p:cNvPr>
@@ -17122,56 +17128,7 @@
           <a:p>
             <a:r>
               <a:rPr lang="en-US" dirty="0"/>
-              <a:t>C++ specific patterns</a:t>
-            </a:r>
-            <a:endParaRPr lang="LID4096" dirty="0"/>
-          </a:p>
-        </p:txBody>
-      </p:sp>
-      <p:sp>
-        <p:nvSpPr>
-          <p:cNvPr id="3" name="Content Placeholder 2">
-            <a:extLst>
-              <a:ext uri="{FF2B5EF4-FFF2-40B4-BE49-F238E27FC236}">
-                <a16:creationId xmlns:a16="http://schemas.microsoft.com/office/drawing/2014/main" id="{B66B5779-A74C-52C0-DAF9-FC542132634A}"/>
-              </a:ext>
-            </a:extLst>
-          </p:cNvPr>
-          <p:cNvSpPr>
-            <a:spLocks noGrp="1"/>
-          </p:cNvSpPr>
-          <p:nvPr>
-            <p:ph idx="1"/>
-          </p:nvPr>
-        </p:nvSpPr>
-        <p:spPr/>
-        <p:txBody>
-          <a:bodyPr/>
-          <a:lstStyle/>
-          <a:p>
-            <a:r>
-              <a:rPr lang="en-US" dirty="0"/>
-              <a:t>Curiously Repeating Template Pattern (CRTP)</a:t>
-            </a:r>
-          </a:p>
-          <a:p>
-            <a:r>
-              <a:rPr lang="en-US" dirty="0"/>
-              <a:t>Type erasure</a:t>
-            </a:r>
-          </a:p>
-          <a:p>
-            <a:r>
-              <a:rPr lang="en-US" dirty="0"/>
-              <a:t>Pointer to </a:t>
-            </a:r>
-            <a:r>
-              <a:rPr lang="en-US" dirty="0" err="1"/>
-              <a:t>IMPLementation</a:t>
-            </a:r>
-            <a:r>
-              <a:rPr lang="en-US" dirty="0"/>
-              <a:t> (PIMPL)</a:t>
+              <a:t>Builder design pattern</a:t>
             </a:r>
             <a:endParaRPr lang="LID4096" dirty="0"/>
           </a:p>
@@ -17182,7 +17139,7 @@
           <p:cNvPr id="4" name="Slide Number Placeholder 3">
             <a:extLst>
               <a:ext uri="{FF2B5EF4-FFF2-40B4-BE49-F238E27FC236}">
-                <a16:creationId xmlns:a16="http://schemas.microsoft.com/office/drawing/2014/main" id="{396482FC-4A8B-74E1-56FE-EFDCEEF1C5E8}"/>
+                <a16:creationId xmlns:a16="http://schemas.microsoft.com/office/drawing/2014/main" id="{DFF0D69E-6CD4-B5FE-C976-9D928F3B0DE9}"/>
               </a:ext>
             </a:extLst>
           </p:cNvPr>
@@ -17206,147 +17163,52 @@
           </a:p>
         </p:txBody>
       </p:sp>
-      <p:sp>
-        <p:nvSpPr>
-          <p:cNvPr id="5" name="TextBox 4">
+      <p:pic>
+        <p:nvPicPr>
+          <p:cNvPr id="6" name="Picture 5" descr="A diagram of a diagram&#10;&#10;AI-generated content may be incorrect.">
             <a:extLst>
               <a:ext uri="{FF2B5EF4-FFF2-40B4-BE49-F238E27FC236}">
-                <a16:creationId xmlns:a16="http://schemas.microsoft.com/office/drawing/2014/main" id="{DE65696A-5112-7F9A-EB86-7820DE1B9B54}"/>
+                <a16:creationId xmlns:a16="http://schemas.microsoft.com/office/drawing/2014/main" id="{D7E34681-6E5E-22EF-801F-FCFC18F408CF}"/>
               </a:ext>
             </a:extLst>
           </p:cNvPr>
-          <p:cNvSpPr txBox="1"/>
+          <p:cNvPicPr>
+            <a:picLocks noChangeAspect="1"/>
+          </p:cNvPicPr>
           <p:nvPr/>
-        </p:nvSpPr>
+        </p:nvPicPr>
+        <p:blipFill>
+          <a:blip r:embed="rId2">
+            <a:extLst>
+              <a:ext uri="{28A0092B-C50C-407E-A947-70E740481C1C}">
+                <a14:useLocalDpi xmlns:a14="http://schemas.microsoft.com/office/drawing/2010/main" val="0"/>
+              </a:ext>
+            </a:extLst>
+          </a:blip>
+          <a:stretch>
+            <a:fillRect/>
+          </a:stretch>
+        </p:blipFill>
         <p:spPr>
           <a:xfrm>
-            <a:off x="608437" y="5084258"/>
-            <a:ext cx="9022535" cy="646331"/>
+            <a:off x="838200" y="1611085"/>
+            <a:ext cx="10318750" cy="3537857"/>
           </a:xfrm>
           <a:prstGeom prst="rect">
             <a:avLst/>
           </a:prstGeom>
-          <a:noFill/>
-          <a:ln>
-            <a:solidFill>
-              <a:schemeClr val="tx1"/>
-            </a:solidFill>
-          </a:ln>
         </p:spPr>
-        <p:txBody>
-          <a:bodyPr wrap="none" rtlCol="0">
-            <a:spAutoFit/>
-          </a:bodyPr>
-          <a:lstStyle/>
-          <a:p>
-            <a:r>
-              <a:rPr lang="en-US" sz="2000" dirty="0"/>
-              <a:t>See</a:t>
-            </a:r>
-          </a:p>
-          <a:p>
-            <a:r>
-              <a:rPr lang="en-US" sz="1600" dirty="0">
-                <a:hlinkClick r:id="rId2"/>
-              </a:rPr>
-              <a:t>https://github.com/gjbex/C-plus-plus-software-engineering/tree/main/source-code/design-patterns</a:t>
-            </a:r>
-            <a:r>
-              <a:rPr lang="en-US" sz="1600" dirty="0"/>
-              <a:t> </a:t>
-            </a:r>
-            <a:endParaRPr lang="LID4096" sz="1600" dirty="0"/>
-          </a:p>
-        </p:txBody>
-      </p:sp>
+      </p:pic>
     </p:spTree>
     <p:extLst>
       <p:ext uri="{BB962C8B-B14F-4D97-AF65-F5344CB8AC3E}">
-        <p14:creationId xmlns:p14="http://schemas.microsoft.com/office/powerpoint/2010/main" val="3340427051"/>
+        <p14:creationId xmlns:p14="http://schemas.microsoft.com/office/powerpoint/2010/main" val="1803765814"/>
       </p:ext>
     </p:extLst>
   </p:cSld>
   <p:clrMapOvr>
     <a:masterClrMapping/>
   </p:clrMapOvr>
-  <p:timing>
-    <p:tnLst>
-      <p:par>
-        <p:cTn id="1" dur="indefinite" restart="never" nodeType="tmRoot">
-          <p:childTnLst>
-            <p:seq concurrent="1" nextAc="seek">
-              <p:cTn id="2" dur="indefinite" nodeType="mainSeq">
-                <p:childTnLst>
-                  <p:par>
-                    <p:cTn id="3" fill="hold">
-                      <p:stCondLst>
-                        <p:cond delay="indefinite"/>
-                      </p:stCondLst>
-                      <p:childTnLst>
-                        <p:par>
-                          <p:cTn id="4" fill="hold">
-                            <p:stCondLst>
-                              <p:cond delay="0"/>
-                            </p:stCondLst>
-                            <p:childTnLst>
-                              <p:par>
-                                <p:cTn id="5" presetID="1" presetClass="entr" presetSubtype="0" fill="hold" grpId="0" nodeType="clickEffect">
-                                  <p:stCondLst>
-                                    <p:cond delay="0"/>
-                                  </p:stCondLst>
-                                  <p:childTnLst>
-                                    <p:set>
-                                      <p:cBhvr>
-                                        <p:cTn id="6" dur="1" fill="hold">
-                                          <p:stCondLst>
-                                            <p:cond delay="0"/>
-                                          </p:stCondLst>
-                                        </p:cTn>
-                                        <p:tgtEl>
-                                          <p:spTgt spid="5"/>
-                                        </p:tgtEl>
-                                        <p:attrNameLst>
-                                          <p:attrName>style.visibility</p:attrName>
-                                        </p:attrNameLst>
-                                      </p:cBhvr>
-                                      <p:to>
-                                        <p:strVal val="visible"/>
-                                      </p:to>
-                                    </p:set>
-                                  </p:childTnLst>
-                                </p:cTn>
-                              </p:par>
-                            </p:childTnLst>
-                          </p:cTn>
-                        </p:par>
-                      </p:childTnLst>
-                    </p:cTn>
-                  </p:par>
-                </p:childTnLst>
-              </p:cTn>
-              <p:prevCondLst>
-                <p:cond evt="onPrev" delay="0">
-                  <p:tgtEl>
-                    <p:sldTgt/>
-                  </p:tgtEl>
-                </p:cond>
-              </p:prevCondLst>
-              <p:nextCondLst>
-                <p:cond evt="onNext" delay="0">
-                  <p:tgtEl>
-                    <p:sldTgt/>
-                  </p:tgtEl>
-                </p:cond>
-              </p:nextCondLst>
-            </p:seq>
-          </p:childTnLst>
-        </p:cTn>
-      </p:par>
-    </p:tnLst>
-    <p:bldLst>
-      <p:bldP spid="5" grpId="0" animBg="1"/>
-    </p:bldLst>
-  </p:timing>
 </p:sld>
 </file>
 
@@ -17372,7 +17234,7 @@
           <p:cNvPr id="2" name="Title 1">
             <a:extLst>
               <a:ext uri="{FF2B5EF4-FFF2-40B4-BE49-F238E27FC236}">
-                <a16:creationId xmlns:a16="http://schemas.microsoft.com/office/drawing/2014/main" id="{96A48829-0721-1480-5994-E855FF935E6E}"/>
+                <a16:creationId xmlns:a16="http://schemas.microsoft.com/office/drawing/2014/main" id="{27C65591-8615-7E00-CFBB-3B18270922B4}"/>
               </a:ext>
             </a:extLst>
           </p:cNvPr>
@@ -17390,7 +17252,7 @@
           <a:p>
             <a:r>
               <a:rPr lang="en-US" dirty="0"/>
-              <a:t>Curiously, Repeating Template Pattern (CRTP)</a:t>
+              <a:t>Factory design pattern</a:t>
             </a:r>
             <a:endParaRPr lang="LID4096" dirty="0"/>
           </a:p>
@@ -17398,58 +17260,10 @@
       </p:sp>
       <p:sp>
         <p:nvSpPr>
-          <p:cNvPr id="3" name="Content Placeholder 2">
+          <p:cNvPr id="3" name="Slide Number Placeholder 2">
             <a:extLst>
               <a:ext uri="{FF2B5EF4-FFF2-40B4-BE49-F238E27FC236}">
-                <a16:creationId xmlns:a16="http://schemas.microsoft.com/office/drawing/2014/main" id="{9BB61A49-5C18-EB0F-3E0D-D280F9E302A4}"/>
-              </a:ext>
-            </a:extLst>
-          </p:cNvPr>
-          <p:cNvSpPr>
-            <a:spLocks noGrp="1"/>
-          </p:cNvSpPr>
-          <p:nvPr>
-            <p:ph idx="1"/>
-          </p:nvPr>
-        </p:nvSpPr>
-        <p:spPr/>
-        <p:txBody>
-          <a:bodyPr>
-            <a:normAutofit/>
-          </a:bodyPr>
-          <a:lstStyle/>
-          <a:p>
-            <a:r>
-              <a:rPr lang="en-US" dirty="0"/>
-              <a:t>Avoid virtual function overhead</a:t>
-            </a:r>
-          </a:p>
-          <a:p>
-            <a:r>
-              <a:rPr lang="en-US" dirty="0"/>
-              <a:t>Enforce compile time interface constraints</a:t>
-            </a:r>
-          </a:p>
-          <a:p>
-            <a:r>
-              <a:rPr lang="en-US" dirty="0"/>
-              <a:t>Code reuse without dynamic polymorphism</a:t>
-            </a:r>
-          </a:p>
-          <a:p>
-            <a:r>
-              <a:rPr lang="en-US" dirty="0"/>
-              <a:t>Static  polymorphism</a:t>
-            </a:r>
-          </a:p>
-        </p:txBody>
-      </p:sp>
-      <p:sp>
-        <p:nvSpPr>
-          <p:cNvPr id="4" name="Slide Number Placeholder 3">
-            <a:extLst>
-              <a:ext uri="{FF2B5EF4-FFF2-40B4-BE49-F238E27FC236}">
-                <a16:creationId xmlns:a16="http://schemas.microsoft.com/office/drawing/2014/main" id="{0D8837DD-4DFF-B3FC-6690-1408C5CBE0FA}"/>
+                <a16:creationId xmlns:a16="http://schemas.microsoft.com/office/drawing/2014/main" id="{749C0292-7B1E-9B21-4614-155BA8F29F21}"/>
               </a:ext>
             </a:extLst>
           </p:cNvPr>
@@ -17473,10 +17287,46 @@
           </a:p>
         </p:txBody>
       </p:sp>
+      <p:pic>
+        <p:nvPicPr>
+          <p:cNvPr id="5" name="Picture 4" descr="A diagram of a product&#10;&#10;AI-generated content may be incorrect.">
+            <a:extLst>
+              <a:ext uri="{FF2B5EF4-FFF2-40B4-BE49-F238E27FC236}">
+                <a16:creationId xmlns:a16="http://schemas.microsoft.com/office/drawing/2014/main" id="{BBE229AF-EE3A-58FD-5C44-F9FB310063A8}"/>
+              </a:ext>
+            </a:extLst>
+          </p:cNvPr>
+          <p:cNvPicPr>
+            <a:picLocks noChangeAspect="1"/>
+          </p:cNvPicPr>
+          <p:nvPr/>
+        </p:nvPicPr>
+        <p:blipFill>
+          <a:blip r:embed="rId2">
+            <a:extLst>
+              <a:ext uri="{28A0092B-C50C-407E-A947-70E740481C1C}">
+                <a14:useLocalDpi xmlns:a14="http://schemas.microsoft.com/office/drawing/2010/main" val="0"/>
+              </a:ext>
+            </a:extLst>
+          </a:blip>
+          <a:stretch>
+            <a:fillRect/>
+          </a:stretch>
+        </p:blipFill>
+        <p:spPr>
+          <a:xfrm>
+            <a:off x="2216149" y="1690688"/>
+            <a:ext cx="8821965" cy="4234543"/>
+          </a:xfrm>
+          <a:prstGeom prst="rect">
+            <a:avLst/>
+          </a:prstGeom>
+        </p:spPr>
+      </p:pic>
     </p:spTree>
     <p:extLst>
       <p:ext uri="{BB962C8B-B14F-4D97-AF65-F5344CB8AC3E}">
-        <p14:creationId xmlns:p14="http://schemas.microsoft.com/office/powerpoint/2010/main" val="2948353845"/>
+        <p14:creationId xmlns:p14="http://schemas.microsoft.com/office/powerpoint/2010/main" val="298727713"/>
       </p:ext>
     </p:extLst>
   </p:cSld>
@@ -18831,6 +18681,534 @@
           <p:cNvPr id="2" name="Title 1">
             <a:extLst>
               <a:ext uri="{FF2B5EF4-FFF2-40B4-BE49-F238E27FC236}">
+                <a16:creationId xmlns:a16="http://schemas.microsoft.com/office/drawing/2014/main" id="{3461A7F5-2B05-C3D6-543A-A394B3B45442}"/>
+              </a:ext>
+            </a:extLst>
+          </p:cNvPr>
+          <p:cNvSpPr>
+            <a:spLocks noGrp="1"/>
+          </p:cNvSpPr>
+          <p:nvPr>
+            <p:ph type="title"/>
+          </p:nvPr>
+        </p:nvSpPr>
+        <p:spPr/>
+        <p:txBody>
+          <a:bodyPr/>
+          <a:lstStyle/>
+          <a:p>
+            <a:r>
+              <a:rPr lang="en-US" dirty="0"/>
+              <a:t>Strategy design pattern</a:t>
+            </a:r>
+            <a:endParaRPr lang="LID4096" dirty="0"/>
+          </a:p>
+        </p:txBody>
+      </p:sp>
+      <p:sp>
+        <p:nvSpPr>
+          <p:cNvPr id="3" name="Slide Number Placeholder 2">
+            <a:extLst>
+              <a:ext uri="{FF2B5EF4-FFF2-40B4-BE49-F238E27FC236}">
+                <a16:creationId xmlns:a16="http://schemas.microsoft.com/office/drawing/2014/main" id="{93BF2698-8B5C-02E9-CF1F-D8F75C69959C}"/>
+              </a:ext>
+            </a:extLst>
+          </p:cNvPr>
+          <p:cNvSpPr>
+            <a:spLocks noGrp="1"/>
+          </p:cNvSpPr>
+          <p:nvPr>
+            <p:ph type="sldNum" sz="quarter" idx="12"/>
+          </p:nvPr>
+        </p:nvSpPr>
+        <p:spPr/>
+        <p:txBody>
+          <a:bodyPr/>
+          <a:lstStyle/>
+          <a:p>
+            <a:fld id="{FDB1AA33-DFBB-49AC-8CEE-23FFECEB5648}" type="slidenum">
+              <a:rPr lang="LID4096" smtClean="0"/>
+              <a:t>40</a:t>
+            </a:fld>
+            <a:endParaRPr lang="LID4096"/>
+          </a:p>
+        </p:txBody>
+      </p:sp>
+      <p:pic>
+        <p:nvPicPr>
+          <p:cNvPr id="5" name="Picture 4" descr="A diagram of a strategy&#10;&#10;AI-generated content may be incorrect.">
+            <a:extLst>
+              <a:ext uri="{FF2B5EF4-FFF2-40B4-BE49-F238E27FC236}">
+                <a16:creationId xmlns:a16="http://schemas.microsoft.com/office/drawing/2014/main" id="{D211B979-B94C-AE2D-9433-33FECD2261C3}"/>
+              </a:ext>
+            </a:extLst>
+          </p:cNvPr>
+          <p:cNvPicPr>
+            <a:picLocks noChangeAspect="1"/>
+          </p:cNvPicPr>
+          <p:nvPr/>
+        </p:nvPicPr>
+        <p:blipFill>
+          <a:blip r:embed="rId2">
+            <a:extLst>
+              <a:ext uri="{28A0092B-C50C-407E-A947-70E740481C1C}">
+                <a14:useLocalDpi xmlns:a14="http://schemas.microsoft.com/office/drawing/2010/main" val="0"/>
+              </a:ext>
+            </a:extLst>
+          </a:blip>
+          <a:stretch>
+            <a:fillRect/>
+          </a:stretch>
+        </p:blipFill>
+        <p:spPr>
+          <a:xfrm>
+            <a:off x="445407" y="1690688"/>
+            <a:ext cx="11301186" cy="4172746"/>
+          </a:xfrm>
+          <a:prstGeom prst="rect">
+            <a:avLst/>
+          </a:prstGeom>
+        </p:spPr>
+      </p:pic>
+    </p:spTree>
+    <p:extLst>
+      <p:ext uri="{BB962C8B-B14F-4D97-AF65-F5344CB8AC3E}">
+        <p14:creationId xmlns:p14="http://schemas.microsoft.com/office/powerpoint/2010/main" val="4061975628"/>
+      </p:ext>
+    </p:extLst>
+  </p:cSld>
+  <p:clrMapOvr>
+    <a:masterClrMapping/>
+  </p:clrMapOvr>
+</p:sld>
+</file>
+
+<file path=ppt/slides/slide41.xml><?xml version="1.0" encoding="utf-8"?>
+<p:sld xmlns:a="http://schemas.openxmlformats.org/drawingml/2006/main" xmlns:r="http://schemas.openxmlformats.org/officeDocument/2006/relationships" xmlns:p="http://schemas.openxmlformats.org/presentationml/2006/main">
+  <p:cSld>
+    <p:spTree>
+      <p:nvGrpSpPr>
+        <p:cNvPr id="1" name=""/>
+        <p:cNvGrpSpPr/>
+        <p:nvPr/>
+      </p:nvGrpSpPr>
+      <p:grpSpPr>
+        <a:xfrm>
+          <a:off x="0" y="0"/>
+          <a:ext cx="0" cy="0"/>
+          <a:chOff x="0" y="0"/>
+          <a:chExt cx="0" cy="0"/>
+        </a:xfrm>
+      </p:grpSpPr>
+      <p:sp>
+        <p:nvSpPr>
+          <p:cNvPr id="2" name="Title 1">
+            <a:extLst>
+              <a:ext uri="{FF2B5EF4-FFF2-40B4-BE49-F238E27FC236}">
+                <a16:creationId xmlns:a16="http://schemas.microsoft.com/office/drawing/2014/main" id="{04B1C173-33AC-1DCA-ED63-D52D701FC426}"/>
+              </a:ext>
+            </a:extLst>
+          </p:cNvPr>
+          <p:cNvSpPr>
+            <a:spLocks noGrp="1"/>
+          </p:cNvSpPr>
+          <p:nvPr>
+            <p:ph type="title"/>
+          </p:nvPr>
+        </p:nvSpPr>
+        <p:spPr/>
+        <p:txBody>
+          <a:bodyPr/>
+          <a:lstStyle/>
+          <a:p>
+            <a:r>
+              <a:rPr lang="en-US" dirty="0"/>
+              <a:t>C++ specific patterns</a:t>
+            </a:r>
+            <a:endParaRPr lang="LID4096" dirty="0"/>
+          </a:p>
+        </p:txBody>
+      </p:sp>
+      <p:sp>
+        <p:nvSpPr>
+          <p:cNvPr id="3" name="Content Placeholder 2">
+            <a:extLst>
+              <a:ext uri="{FF2B5EF4-FFF2-40B4-BE49-F238E27FC236}">
+                <a16:creationId xmlns:a16="http://schemas.microsoft.com/office/drawing/2014/main" id="{B66B5779-A74C-52C0-DAF9-FC542132634A}"/>
+              </a:ext>
+            </a:extLst>
+          </p:cNvPr>
+          <p:cNvSpPr>
+            <a:spLocks noGrp="1"/>
+          </p:cNvSpPr>
+          <p:nvPr>
+            <p:ph idx="1"/>
+          </p:nvPr>
+        </p:nvSpPr>
+        <p:spPr/>
+        <p:txBody>
+          <a:bodyPr/>
+          <a:lstStyle/>
+          <a:p>
+            <a:r>
+              <a:rPr lang="en-US" dirty="0"/>
+              <a:t>Curiously Repeating Template Pattern (CRTP)</a:t>
+            </a:r>
+          </a:p>
+          <a:p>
+            <a:r>
+              <a:rPr lang="en-US" dirty="0"/>
+              <a:t>Type erasure</a:t>
+            </a:r>
+          </a:p>
+          <a:p>
+            <a:r>
+              <a:rPr lang="en-US" dirty="0"/>
+              <a:t>Pointer to </a:t>
+            </a:r>
+            <a:r>
+              <a:rPr lang="en-US" dirty="0" err="1"/>
+              <a:t>IMPLementation</a:t>
+            </a:r>
+            <a:r>
+              <a:rPr lang="en-US" dirty="0"/>
+              <a:t> (PIMPL)</a:t>
+            </a:r>
+            <a:endParaRPr lang="LID4096" dirty="0"/>
+          </a:p>
+        </p:txBody>
+      </p:sp>
+      <p:sp>
+        <p:nvSpPr>
+          <p:cNvPr id="4" name="Slide Number Placeholder 3">
+            <a:extLst>
+              <a:ext uri="{FF2B5EF4-FFF2-40B4-BE49-F238E27FC236}">
+                <a16:creationId xmlns:a16="http://schemas.microsoft.com/office/drawing/2014/main" id="{396482FC-4A8B-74E1-56FE-EFDCEEF1C5E8}"/>
+              </a:ext>
+            </a:extLst>
+          </p:cNvPr>
+          <p:cNvSpPr>
+            <a:spLocks noGrp="1"/>
+          </p:cNvSpPr>
+          <p:nvPr>
+            <p:ph type="sldNum" sz="quarter" idx="12"/>
+          </p:nvPr>
+        </p:nvSpPr>
+        <p:spPr/>
+        <p:txBody>
+          <a:bodyPr/>
+          <a:lstStyle/>
+          <a:p>
+            <a:fld id="{FDB1AA33-DFBB-49AC-8CEE-23FFECEB5648}" type="slidenum">
+              <a:rPr lang="LID4096" smtClean="0"/>
+              <a:t>41</a:t>
+            </a:fld>
+            <a:endParaRPr lang="LID4096"/>
+          </a:p>
+        </p:txBody>
+      </p:sp>
+      <p:sp>
+        <p:nvSpPr>
+          <p:cNvPr id="5" name="TextBox 4">
+            <a:extLst>
+              <a:ext uri="{FF2B5EF4-FFF2-40B4-BE49-F238E27FC236}">
+                <a16:creationId xmlns:a16="http://schemas.microsoft.com/office/drawing/2014/main" id="{DE65696A-5112-7F9A-EB86-7820DE1B9B54}"/>
+              </a:ext>
+            </a:extLst>
+          </p:cNvPr>
+          <p:cNvSpPr txBox="1"/>
+          <p:nvPr/>
+        </p:nvSpPr>
+        <p:spPr>
+          <a:xfrm>
+            <a:off x="608437" y="5084258"/>
+            <a:ext cx="9022535" cy="646331"/>
+          </a:xfrm>
+          <a:prstGeom prst="rect">
+            <a:avLst/>
+          </a:prstGeom>
+          <a:noFill/>
+          <a:ln>
+            <a:solidFill>
+              <a:schemeClr val="tx1"/>
+            </a:solidFill>
+          </a:ln>
+        </p:spPr>
+        <p:txBody>
+          <a:bodyPr wrap="none" rtlCol="0">
+            <a:spAutoFit/>
+          </a:bodyPr>
+          <a:lstStyle/>
+          <a:p>
+            <a:r>
+              <a:rPr lang="en-US" sz="2000" dirty="0"/>
+              <a:t>See</a:t>
+            </a:r>
+          </a:p>
+          <a:p>
+            <a:r>
+              <a:rPr lang="en-US" sz="1600" dirty="0">
+                <a:hlinkClick r:id="rId2"/>
+              </a:rPr>
+              <a:t>https://github.com/gjbex/C-plus-plus-software-engineering/tree/main/source-code/design-patterns</a:t>
+            </a:r>
+            <a:r>
+              <a:rPr lang="en-US" sz="1600" dirty="0"/>
+              <a:t> </a:t>
+            </a:r>
+            <a:endParaRPr lang="LID4096" sz="1600" dirty="0"/>
+          </a:p>
+        </p:txBody>
+      </p:sp>
+    </p:spTree>
+    <p:extLst>
+      <p:ext uri="{BB962C8B-B14F-4D97-AF65-F5344CB8AC3E}">
+        <p14:creationId xmlns:p14="http://schemas.microsoft.com/office/powerpoint/2010/main" val="3340427051"/>
+      </p:ext>
+    </p:extLst>
+  </p:cSld>
+  <p:clrMapOvr>
+    <a:masterClrMapping/>
+  </p:clrMapOvr>
+  <p:timing>
+    <p:tnLst>
+      <p:par>
+        <p:cTn id="1" dur="indefinite" restart="never" nodeType="tmRoot">
+          <p:childTnLst>
+            <p:seq concurrent="1" nextAc="seek">
+              <p:cTn id="2" dur="indefinite" nodeType="mainSeq">
+                <p:childTnLst>
+                  <p:par>
+                    <p:cTn id="3" fill="hold">
+                      <p:stCondLst>
+                        <p:cond delay="indefinite"/>
+                      </p:stCondLst>
+                      <p:childTnLst>
+                        <p:par>
+                          <p:cTn id="4" fill="hold">
+                            <p:stCondLst>
+                              <p:cond delay="0"/>
+                            </p:stCondLst>
+                            <p:childTnLst>
+                              <p:par>
+                                <p:cTn id="5" presetID="1" presetClass="entr" presetSubtype="0" fill="hold" grpId="0" nodeType="clickEffect">
+                                  <p:stCondLst>
+                                    <p:cond delay="0"/>
+                                  </p:stCondLst>
+                                  <p:childTnLst>
+                                    <p:set>
+                                      <p:cBhvr>
+                                        <p:cTn id="6" dur="1" fill="hold">
+                                          <p:stCondLst>
+                                            <p:cond delay="0"/>
+                                          </p:stCondLst>
+                                        </p:cTn>
+                                        <p:tgtEl>
+                                          <p:spTgt spid="5"/>
+                                        </p:tgtEl>
+                                        <p:attrNameLst>
+                                          <p:attrName>style.visibility</p:attrName>
+                                        </p:attrNameLst>
+                                      </p:cBhvr>
+                                      <p:to>
+                                        <p:strVal val="visible"/>
+                                      </p:to>
+                                    </p:set>
+                                  </p:childTnLst>
+                                </p:cTn>
+                              </p:par>
+                            </p:childTnLst>
+                          </p:cTn>
+                        </p:par>
+                      </p:childTnLst>
+                    </p:cTn>
+                  </p:par>
+                </p:childTnLst>
+              </p:cTn>
+              <p:prevCondLst>
+                <p:cond evt="onPrev" delay="0">
+                  <p:tgtEl>
+                    <p:sldTgt/>
+                  </p:tgtEl>
+                </p:cond>
+              </p:prevCondLst>
+              <p:nextCondLst>
+                <p:cond evt="onNext" delay="0">
+                  <p:tgtEl>
+                    <p:sldTgt/>
+                  </p:tgtEl>
+                </p:cond>
+              </p:nextCondLst>
+            </p:seq>
+          </p:childTnLst>
+        </p:cTn>
+      </p:par>
+    </p:tnLst>
+    <p:bldLst>
+      <p:bldP spid="5" grpId="0" animBg="1"/>
+    </p:bldLst>
+  </p:timing>
+</p:sld>
+</file>
+
+<file path=ppt/slides/slide42.xml><?xml version="1.0" encoding="utf-8"?>
+<p:sld xmlns:a="http://schemas.openxmlformats.org/drawingml/2006/main" xmlns:r="http://schemas.openxmlformats.org/officeDocument/2006/relationships" xmlns:p="http://schemas.openxmlformats.org/presentationml/2006/main">
+  <p:cSld>
+    <p:spTree>
+      <p:nvGrpSpPr>
+        <p:cNvPr id="1" name=""/>
+        <p:cNvGrpSpPr/>
+        <p:nvPr/>
+      </p:nvGrpSpPr>
+      <p:grpSpPr>
+        <a:xfrm>
+          <a:off x="0" y="0"/>
+          <a:ext cx="0" cy="0"/>
+          <a:chOff x="0" y="0"/>
+          <a:chExt cx="0" cy="0"/>
+        </a:xfrm>
+      </p:grpSpPr>
+      <p:sp>
+        <p:nvSpPr>
+          <p:cNvPr id="2" name="Title 1">
+            <a:extLst>
+              <a:ext uri="{FF2B5EF4-FFF2-40B4-BE49-F238E27FC236}">
+                <a16:creationId xmlns:a16="http://schemas.microsoft.com/office/drawing/2014/main" id="{96A48829-0721-1480-5994-E855FF935E6E}"/>
+              </a:ext>
+            </a:extLst>
+          </p:cNvPr>
+          <p:cNvSpPr>
+            <a:spLocks noGrp="1"/>
+          </p:cNvSpPr>
+          <p:nvPr>
+            <p:ph type="title"/>
+          </p:nvPr>
+        </p:nvSpPr>
+        <p:spPr/>
+        <p:txBody>
+          <a:bodyPr/>
+          <a:lstStyle/>
+          <a:p>
+            <a:r>
+              <a:rPr lang="en-US" dirty="0"/>
+              <a:t>Curiously, Repeating Template Pattern (CRTP)</a:t>
+            </a:r>
+            <a:endParaRPr lang="LID4096" dirty="0"/>
+          </a:p>
+        </p:txBody>
+      </p:sp>
+      <p:sp>
+        <p:nvSpPr>
+          <p:cNvPr id="3" name="Content Placeholder 2">
+            <a:extLst>
+              <a:ext uri="{FF2B5EF4-FFF2-40B4-BE49-F238E27FC236}">
+                <a16:creationId xmlns:a16="http://schemas.microsoft.com/office/drawing/2014/main" id="{9BB61A49-5C18-EB0F-3E0D-D280F9E302A4}"/>
+              </a:ext>
+            </a:extLst>
+          </p:cNvPr>
+          <p:cNvSpPr>
+            <a:spLocks noGrp="1"/>
+          </p:cNvSpPr>
+          <p:nvPr>
+            <p:ph idx="1"/>
+          </p:nvPr>
+        </p:nvSpPr>
+        <p:spPr/>
+        <p:txBody>
+          <a:bodyPr>
+            <a:normAutofit/>
+          </a:bodyPr>
+          <a:lstStyle/>
+          <a:p>
+            <a:r>
+              <a:rPr lang="en-US" dirty="0"/>
+              <a:t>Avoid virtual function overhead</a:t>
+            </a:r>
+          </a:p>
+          <a:p>
+            <a:r>
+              <a:rPr lang="en-US" dirty="0"/>
+              <a:t>Enforce compile time interface constraints</a:t>
+            </a:r>
+          </a:p>
+          <a:p>
+            <a:r>
+              <a:rPr lang="en-US" dirty="0"/>
+              <a:t>Code reuse without dynamic polymorphism</a:t>
+            </a:r>
+          </a:p>
+          <a:p>
+            <a:r>
+              <a:rPr lang="en-US" dirty="0"/>
+              <a:t>Static  polymorphism</a:t>
+            </a:r>
+          </a:p>
+        </p:txBody>
+      </p:sp>
+      <p:sp>
+        <p:nvSpPr>
+          <p:cNvPr id="4" name="Slide Number Placeholder 3">
+            <a:extLst>
+              <a:ext uri="{FF2B5EF4-FFF2-40B4-BE49-F238E27FC236}">
+                <a16:creationId xmlns:a16="http://schemas.microsoft.com/office/drawing/2014/main" id="{0D8837DD-4DFF-B3FC-6690-1408C5CBE0FA}"/>
+              </a:ext>
+            </a:extLst>
+          </p:cNvPr>
+          <p:cNvSpPr>
+            <a:spLocks noGrp="1"/>
+          </p:cNvSpPr>
+          <p:nvPr>
+            <p:ph type="sldNum" sz="quarter" idx="12"/>
+          </p:nvPr>
+        </p:nvSpPr>
+        <p:spPr/>
+        <p:txBody>
+          <a:bodyPr/>
+          <a:lstStyle/>
+          <a:p>
+            <a:fld id="{FDB1AA33-DFBB-49AC-8CEE-23FFECEB5648}" type="slidenum">
+              <a:rPr lang="LID4096" smtClean="0"/>
+              <a:t>42</a:t>
+            </a:fld>
+            <a:endParaRPr lang="LID4096"/>
+          </a:p>
+        </p:txBody>
+      </p:sp>
+    </p:spTree>
+    <p:extLst>
+      <p:ext uri="{BB962C8B-B14F-4D97-AF65-F5344CB8AC3E}">
+        <p14:creationId xmlns:p14="http://schemas.microsoft.com/office/powerpoint/2010/main" val="2948353845"/>
+      </p:ext>
+    </p:extLst>
+  </p:cSld>
+  <p:clrMapOvr>
+    <a:masterClrMapping/>
+  </p:clrMapOvr>
+</p:sld>
+</file>
+
+<file path=ppt/slides/slide43.xml><?xml version="1.0" encoding="utf-8"?>
+<p:sld xmlns:a="http://schemas.openxmlformats.org/drawingml/2006/main" xmlns:r="http://schemas.openxmlformats.org/officeDocument/2006/relationships" xmlns:p="http://schemas.openxmlformats.org/presentationml/2006/main">
+  <p:cSld>
+    <p:spTree>
+      <p:nvGrpSpPr>
+        <p:cNvPr id="1" name=""/>
+        <p:cNvGrpSpPr/>
+        <p:nvPr/>
+      </p:nvGrpSpPr>
+      <p:grpSpPr>
+        <a:xfrm>
+          <a:off x="0" y="0"/>
+          <a:ext cx="0" cy="0"/>
+          <a:chOff x="0" y="0"/>
+          <a:chExt cx="0" cy="0"/>
+        </a:xfrm>
+      </p:grpSpPr>
+      <p:sp>
+        <p:nvSpPr>
+          <p:cNvPr id="2" name="Title 1">
+            <a:extLst>
+              <a:ext uri="{FF2B5EF4-FFF2-40B4-BE49-F238E27FC236}">
                 <a16:creationId xmlns:a16="http://schemas.microsoft.com/office/drawing/2014/main" id="{08C9A350-282A-80DC-C746-795502250CAE}"/>
               </a:ext>
             </a:extLst>
@@ -18878,7 +19256,7 @@
           <a:p>
             <a:fld id="{FDB1AA33-DFBB-49AC-8CEE-23FFECEB5648}" type="slidenum">
               <a:rPr lang="LID4096" smtClean="0"/>
-              <a:t>40</a:t>
+              <a:t>43</a:t>
             </a:fld>
             <a:endParaRPr lang="LID4096"/>
           </a:p>
@@ -19655,7 +20033,7 @@
 </p:sld>
 </file>
 
-<file path=ppt/slides/slide41.xml><?xml version="1.0" encoding="utf-8"?>
+<file path=ppt/slides/slide44.xml><?xml version="1.0" encoding="utf-8"?>
 <p:sld xmlns:a="http://schemas.openxmlformats.org/drawingml/2006/main" xmlns:r="http://schemas.openxmlformats.org/officeDocument/2006/relationships" xmlns:p="http://schemas.openxmlformats.org/presentationml/2006/main">
   <p:cSld>
     <p:spTree>
@@ -19724,7 +20102,7 @@
           <a:p>
             <a:fld id="{FDB1AA33-DFBB-49AC-8CEE-23FFECEB5648}" type="slidenum">
               <a:rPr lang="LID4096" smtClean="0"/>
-              <a:t>41</a:t>
+              <a:t>44</a:t>
             </a:fld>
             <a:endParaRPr lang="LID4096"/>
           </a:p>
@@ -20288,7 +20666,7 @@
 </p:sld>
 </file>
 
-<file path=ppt/slides/slide42.xml><?xml version="1.0" encoding="utf-8"?>
+<file path=ppt/slides/slide45.xml><?xml version="1.0" encoding="utf-8"?>
 <p:sld xmlns:a="http://schemas.openxmlformats.org/drawingml/2006/main" xmlns:r="http://schemas.openxmlformats.org/officeDocument/2006/relationships" xmlns:p="http://schemas.openxmlformats.org/presentationml/2006/main">
   <p:cSld>
     <p:spTree>
@@ -20357,7 +20735,7 @@
           <a:p>
             <a:fld id="{FDB1AA33-DFBB-49AC-8CEE-23FFECEB5648}" type="slidenum">
               <a:rPr lang="LID4096" smtClean="0"/>
-              <a:t>42</a:t>
+              <a:t>45</a:t>
             </a:fld>
             <a:endParaRPr lang="LID4096"/>
           </a:p>
@@ -21075,7 +21453,7 @@
 </p:sld>
 </file>
 
-<file path=ppt/slides/slide43.xml><?xml version="1.0" encoding="utf-8"?>
+<file path=ppt/slides/slide46.xml><?xml version="1.0" encoding="utf-8"?>
 <p:sld xmlns:a="http://schemas.openxmlformats.org/drawingml/2006/main" xmlns:r="http://schemas.openxmlformats.org/officeDocument/2006/relationships" xmlns:p="http://schemas.openxmlformats.org/presentationml/2006/main">
   <p:cSld>
     <p:spTree>
@@ -21144,7 +21522,7 @@
           <a:p>
             <a:fld id="{FDB1AA33-DFBB-49AC-8CEE-23FFECEB5648}" type="slidenum">
               <a:rPr lang="LID4096" smtClean="0"/>
-              <a:t>43</a:t>
+              <a:t>46</a:t>
             </a:fld>
             <a:endParaRPr lang="LID4096"/>
           </a:p>
@@ -21491,7 +21869,7 @@
 </p:sld>
 </file>
 
-<file path=ppt/slides/slide44.xml><?xml version="1.0" encoding="utf-8"?>
+<file path=ppt/slides/slide47.xml><?xml version="1.0" encoding="utf-8"?>
 <p:sld xmlns:a="http://schemas.openxmlformats.org/drawingml/2006/main" xmlns:r="http://schemas.openxmlformats.org/officeDocument/2006/relationships" xmlns:p="http://schemas.openxmlformats.org/presentationml/2006/main">
   <p:cSld>
     <p:spTree>
@@ -21601,7 +21979,7 @@
                 <a:latin typeface="Calibri"/>
               </a:rPr>
               <a:pPr/>
-              <a:t>44</a:t>
+              <a:t>47</a:t>
             </a:fld>
             <a:endParaRPr lang="nl-BE">
               <a:solidFill>
@@ -21627,7 +22005,7 @@
 </p:sld>
 </file>
 
-<file path=ppt/slides/slide45.xml><?xml version="1.0" encoding="utf-8"?>
+<file path=ppt/slides/slide48.xml><?xml version="1.0" encoding="utf-8"?>
 <p:sld xmlns:a="http://schemas.openxmlformats.org/drawingml/2006/main" xmlns:r="http://schemas.openxmlformats.org/officeDocument/2006/relationships" xmlns:p="http://schemas.openxmlformats.org/presentationml/2006/main">
   <p:cSld>
     <p:spTree>
@@ -21721,7 +22099,7 @@
           <a:p>
             <a:fld id="{FDB1AA33-DFBB-49AC-8CEE-23FFECEB5648}" type="slidenum">
               <a:rPr lang="LID4096" smtClean="0"/>
-              <a:t>45</a:t>
+              <a:t>48</a:t>
             </a:fld>
             <a:endParaRPr lang="LID4096"/>
           </a:p>
@@ -21740,7 +22118,7 @@
 </p:sld>
 </file>
 
-<file path=ppt/slides/slide46.xml><?xml version="1.0" encoding="utf-8"?>
+<file path=ppt/slides/slide49.xml><?xml version="1.0" encoding="utf-8"?>
 <p:sld xmlns:a="http://schemas.openxmlformats.org/drawingml/2006/main" xmlns:r="http://schemas.openxmlformats.org/officeDocument/2006/relationships" xmlns:p="http://schemas.openxmlformats.org/presentationml/2006/main">
   <p:cSld>
     <p:spTree>
@@ -21856,7 +22234,7 @@
           <a:p>
             <a:fld id="{FDB1AA33-DFBB-49AC-8CEE-23FFECEB5648}" type="slidenum">
               <a:rPr lang="LID4096" smtClean="0"/>
-              <a:t>46</a:t>
+              <a:t>49</a:t>
             </a:fld>
             <a:endParaRPr lang="LID4096"/>
           </a:p>

--- a/cpp_software_engineering.pptx
+++ b/cpp_software_engineering.pptx
@@ -5,7 +5,7 @@
     <p:sldMasterId id="2147483648" r:id="rId1"/>
   </p:sldMasterIdLst>
   <p:notesMasterIdLst>
-    <p:notesMasterId r:id="rId51"/>
+    <p:notesMasterId r:id="rId60"/>
   </p:notesMasterIdLst>
   <p:sldIdLst>
     <p:sldId id="257" r:id="rId2"/>
@@ -42,21 +42,30 @@
     <p:sldId id="386" r:id="rId33"/>
     <p:sldId id="387" r:id="rId34"/>
     <p:sldId id="385" r:id="rId35"/>
-    <p:sldId id="388" r:id="rId36"/>
-    <p:sldId id="389" r:id="rId37"/>
-    <p:sldId id="390" r:id="rId38"/>
-    <p:sldId id="400" r:id="rId39"/>
-    <p:sldId id="401" r:id="rId40"/>
-    <p:sldId id="402" r:id="rId41"/>
-    <p:sldId id="399" r:id="rId42"/>
-    <p:sldId id="394" r:id="rId43"/>
-    <p:sldId id="395" r:id="rId44"/>
-    <p:sldId id="396" r:id="rId45"/>
-    <p:sldId id="398" r:id="rId46"/>
-    <p:sldId id="397" r:id="rId47"/>
-    <p:sldId id="391" r:id="rId48"/>
-    <p:sldId id="392" r:id="rId49"/>
-    <p:sldId id="393" r:id="rId50"/>
+    <p:sldId id="403" r:id="rId36"/>
+    <p:sldId id="404" r:id="rId37"/>
+    <p:sldId id="405" r:id="rId38"/>
+    <p:sldId id="406" r:id="rId39"/>
+    <p:sldId id="407" r:id="rId40"/>
+    <p:sldId id="408" r:id="rId41"/>
+    <p:sldId id="409" r:id="rId42"/>
+    <p:sldId id="410" r:id="rId43"/>
+    <p:sldId id="388" r:id="rId44"/>
+    <p:sldId id="389" r:id="rId45"/>
+    <p:sldId id="390" r:id="rId46"/>
+    <p:sldId id="400" r:id="rId47"/>
+    <p:sldId id="401" r:id="rId48"/>
+    <p:sldId id="402" r:id="rId49"/>
+    <p:sldId id="411" r:id="rId50"/>
+    <p:sldId id="399" r:id="rId51"/>
+    <p:sldId id="394" r:id="rId52"/>
+    <p:sldId id="395" r:id="rId53"/>
+    <p:sldId id="396" r:id="rId54"/>
+    <p:sldId id="398" r:id="rId55"/>
+    <p:sldId id="397" r:id="rId56"/>
+    <p:sldId id="391" r:id="rId57"/>
+    <p:sldId id="392" r:id="rId58"/>
+    <p:sldId id="393" r:id="rId59"/>
   </p:sldIdLst>
   <p:sldSz cx="12192000" cy="6858000"/>
   <p:notesSz cx="6858000" cy="9144000"/>
@@ -216,6 +225,18 @@
             <p14:sldId id="385"/>
           </p14:sldIdLst>
         </p14:section>
+        <p14:section name="Design principles" id="{2BD6366C-0A7D-4F00-969A-F41469A52EF4}">
+          <p14:sldIdLst>
+            <p14:sldId id="403"/>
+            <p14:sldId id="404"/>
+            <p14:sldId id="405"/>
+            <p14:sldId id="406"/>
+            <p14:sldId id="407"/>
+            <p14:sldId id="408"/>
+            <p14:sldId id="409"/>
+            <p14:sldId id="410"/>
+          </p14:sldIdLst>
+        </p14:section>
         <p14:section name="Design patterns" id="{0C77B766-F7F3-4118-BE76-9D5D9D4086B8}">
           <p14:sldIdLst>
             <p14:sldId id="388"/>
@@ -224,6 +245,7 @@
             <p14:sldId id="400"/>
             <p14:sldId id="401"/>
             <p14:sldId id="402"/>
+            <p14:sldId id="411"/>
             <p14:sldId id="399"/>
             <p14:sldId id="394"/>
             <p14:sldId id="395"/>
@@ -398,7 +420,7 @@
           <a:p>
             <a:fld id="{75E18316-3541-442E-8E76-B95A0AF605E0}" type="datetimeFigureOut">
               <a:rPr lang="LID4096" smtClean="0"/>
-              <a:t>04/09/2025</a:t>
+              <a:t>05/09/2025</a:t>
             </a:fld>
             <a:endParaRPr lang="LID4096"/>
           </a:p>
@@ -815,7 +837,7 @@
           <a:p>
             <a:fld id="{D4CCEB0E-618E-45C7-A579-AD180C33220D}" type="datetime1">
               <a:rPr lang="LID4096" smtClean="0"/>
-              <a:t>04/09/2025</a:t>
+              <a:t>05/09/2025</a:t>
             </a:fld>
             <a:endParaRPr lang="LID4096"/>
           </a:p>
@@ -1015,7 +1037,7 @@
           <a:p>
             <a:fld id="{8F9B0D5F-347B-4B69-9FE7-43363B46D130}" type="datetime1">
               <a:rPr lang="LID4096" smtClean="0"/>
-              <a:t>04/09/2025</a:t>
+              <a:t>05/09/2025</a:t>
             </a:fld>
             <a:endParaRPr lang="LID4096"/>
           </a:p>
@@ -1225,7 +1247,7 @@
           <a:p>
             <a:fld id="{A72936A9-07CF-4428-8F68-9DB53105CCBE}" type="datetime1">
               <a:rPr lang="LID4096" smtClean="0"/>
-              <a:t>04/09/2025</a:t>
+              <a:t>05/09/2025</a:t>
             </a:fld>
             <a:endParaRPr lang="LID4096"/>
           </a:p>
@@ -1425,7 +1447,7 @@
           <a:p>
             <a:fld id="{136170E8-8909-47C9-AECF-C7A110A9E262}" type="datetime1">
               <a:rPr lang="LID4096" smtClean="0"/>
-              <a:t>04/09/2025</a:t>
+              <a:t>05/09/2025</a:t>
             </a:fld>
             <a:endParaRPr lang="LID4096"/>
           </a:p>
@@ -1701,7 +1723,7 @@
           <a:p>
             <a:fld id="{D37C590D-7973-43C9-B207-04F7CE471508}" type="datetime1">
               <a:rPr lang="LID4096" smtClean="0"/>
-              <a:t>04/09/2025</a:t>
+              <a:t>05/09/2025</a:t>
             </a:fld>
             <a:endParaRPr lang="LID4096"/>
           </a:p>
@@ -1969,7 +1991,7 @@
           <a:p>
             <a:fld id="{D8E041D7-7EA6-423B-88A0-A217731AA946}" type="datetime1">
               <a:rPr lang="LID4096" smtClean="0"/>
-              <a:t>04/09/2025</a:t>
+              <a:t>05/09/2025</a:t>
             </a:fld>
             <a:endParaRPr lang="LID4096"/>
           </a:p>
@@ -2384,7 +2406,7 @@
           <a:p>
             <a:fld id="{1BDF2A55-FD61-4AC5-A515-ED3F1E80F296}" type="datetime1">
               <a:rPr lang="LID4096" smtClean="0"/>
-              <a:t>04/09/2025</a:t>
+              <a:t>05/09/2025</a:t>
             </a:fld>
             <a:endParaRPr lang="LID4096"/>
           </a:p>
@@ -2526,7 +2548,7 @@
           <a:p>
             <a:fld id="{AAED7C0E-94F0-4D14-8F58-6D25D315F3DC}" type="datetime1">
               <a:rPr lang="LID4096" smtClean="0"/>
-              <a:t>04/09/2025</a:t>
+              <a:t>05/09/2025</a:t>
             </a:fld>
             <a:endParaRPr lang="LID4096"/>
           </a:p>
@@ -2639,7 +2661,7 @@
           <a:p>
             <a:fld id="{2888AB77-1B4E-4D00-8D86-8CBF03A7E13C}" type="datetime1">
               <a:rPr lang="LID4096" smtClean="0"/>
-              <a:t>04/09/2025</a:t>
+              <a:t>05/09/2025</a:t>
             </a:fld>
             <a:endParaRPr lang="LID4096"/>
           </a:p>
@@ -2952,7 +2974,7 @@
           <a:p>
             <a:fld id="{013C0D7F-F788-458A-93D6-DCF4C7F29636}" type="datetime1">
               <a:rPr lang="LID4096" smtClean="0"/>
-              <a:t>04/09/2025</a:t>
+              <a:t>05/09/2025</a:t>
             </a:fld>
             <a:endParaRPr lang="LID4096"/>
           </a:p>
@@ -3241,7 +3263,7 @@
           <a:p>
             <a:fld id="{EEC7CCBC-154E-498D-B8FD-669CE3C64250}" type="datetime1">
               <a:rPr lang="LID4096" smtClean="0"/>
-              <a:t>04/09/2025</a:t>
+              <a:t>05/09/2025</a:t>
             </a:fld>
             <a:endParaRPr lang="LID4096"/>
           </a:p>
@@ -3484,7 +3506,7 @@
           <a:p>
             <a:fld id="{161B14D2-6539-4609-80C5-044F9B782269}" type="datetime1">
               <a:rPr lang="LID4096" smtClean="0"/>
-              <a:t>04/09/2025</a:t>
+              <a:t>05/09/2025</a:t>
             </a:fld>
             <a:endParaRPr lang="LID4096"/>
           </a:p>
@@ -16557,7 +16579,13 @@
   <p:cSld>
     <p:spTree>
       <p:nvGrpSpPr>
-        <p:cNvPr id="1" name=""/>
+        <p:cNvPr id="1" name="">
+          <a:extLst>
+            <a:ext uri="{FF2B5EF4-FFF2-40B4-BE49-F238E27FC236}">
+              <a16:creationId xmlns:a16="http://schemas.microsoft.com/office/drawing/2014/main" id="{A85F76C8-EEE5-BD10-D020-7903EAD9C919}"/>
+            </a:ext>
+          </a:extLst>
+        </p:cNvPr>
         <p:cNvGrpSpPr/>
         <p:nvPr/>
       </p:nvGrpSpPr>
@@ -16574,7 +16602,7 @@
           <p:cNvPr id="2" name="Title 1">
             <a:extLst>
               <a:ext uri="{FF2B5EF4-FFF2-40B4-BE49-F238E27FC236}">
-                <a16:creationId xmlns:a16="http://schemas.microsoft.com/office/drawing/2014/main" id="{22DA9DDC-00AC-C65F-BAB9-D666A4911419}"/>
+                <a16:creationId xmlns:a16="http://schemas.microsoft.com/office/drawing/2014/main" id="{4AFEA3E6-8044-0B38-CF28-AD544A8D3912}"/>
               </a:ext>
             </a:extLst>
           </p:cNvPr>
@@ -16592,7 +16620,7 @@
           <a:p>
             <a:r>
               <a:rPr lang="en-US" dirty="0"/>
-              <a:t>Design patterns</a:t>
+              <a:t>Design principles</a:t>
             </a:r>
             <a:endParaRPr lang="LID4096" dirty="0"/>
           </a:p>
@@ -16603,7 +16631,7 @@
           <p:cNvPr id="3" name="Text Placeholder 2">
             <a:extLst>
               <a:ext uri="{FF2B5EF4-FFF2-40B4-BE49-F238E27FC236}">
-                <a16:creationId xmlns:a16="http://schemas.microsoft.com/office/drawing/2014/main" id="{9A3CC304-7A54-167F-627F-941E46AB2D0A}"/>
+                <a16:creationId xmlns:a16="http://schemas.microsoft.com/office/drawing/2014/main" id="{A720BBA6-EB3B-C63C-B297-F5224348799A}"/>
               </a:ext>
             </a:extLst>
           </p:cNvPr>
@@ -16628,7 +16656,7 @@
           <p:cNvPr id="4" name="Slide Number Placeholder 3">
             <a:extLst>
               <a:ext uri="{FF2B5EF4-FFF2-40B4-BE49-F238E27FC236}">
-                <a16:creationId xmlns:a16="http://schemas.microsoft.com/office/drawing/2014/main" id="{22A889D4-CBB4-A356-9FBF-17C5A6AB3E9C}"/>
+                <a16:creationId xmlns:a16="http://schemas.microsoft.com/office/drawing/2014/main" id="{DCA92102-CD2B-2AE1-3A67-B9FC9D46C6DD}"/>
               </a:ext>
             </a:extLst>
           </p:cNvPr>
@@ -16655,7 +16683,7 @@
     </p:spTree>
     <p:extLst>
       <p:ext uri="{BB962C8B-B14F-4D97-AF65-F5344CB8AC3E}">
-        <p14:creationId xmlns:p14="http://schemas.microsoft.com/office/powerpoint/2010/main" val="2812671867"/>
+        <p14:creationId xmlns:p14="http://schemas.microsoft.com/office/powerpoint/2010/main" val="162776723"/>
       </p:ext>
     </p:extLst>
   </p:cSld>
@@ -16684,10 +16712,10 @@
       </p:grpSpPr>
       <p:sp>
         <p:nvSpPr>
-          <p:cNvPr id="2" name="Title 1">
+          <p:cNvPr id="5" name="Title 4">
             <a:extLst>
               <a:ext uri="{FF2B5EF4-FFF2-40B4-BE49-F238E27FC236}">
-                <a16:creationId xmlns:a16="http://schemas.microsoft.com/office/drawing/2014/main" id="{0CDE1B04-6F71-4330-B666-5B7B430C7C40}"/>
+                <a16:creationId xmlns:a16="http://schemas.microsoft.com/office/drawing/2014/main" id="{44EBED66-2670-8733-B1E1-BF548FBEEE34}"/>
               </a:ext>
             </a:extLst>
           </p:cNvPr>
@@ -16705,17 +16733,18 @@
           <a:p>
             <a:r>
               <a:rPr lang="en-US" dirty="0"/>
-              <a:t>Motivation</a:t>
-            </a:r>
-          </a:p>
-        </p:txBody>
-      </p:sp>
-      <p:sp>
-        <p:nvSpPr>
-          <p:cNvPr id="3" name="Content Placeholder 2">
+              <a:t>Write SOLID code</a:t>
+            </a:r>
+            <a:endParaRPr lang="LID4096" dirty="0"/>
+          </a:p>
+        </p:txBody>
+      </p:sp>
+      <p:sp>
+        <p:nvSpPr>
+          <p:cNvPr id="6" name="Content Placeholder 5">
             <a:extLst>
               <a:ext uri="{FF2B5EF4-FFF2-40B4-BE49-F238E27FC236}">
-                <a16:creationId xmlns:a16="http://schemas.microsoft.com/office/drawing/2014/main" id="{CC98AEC1-1A7F-4251-B837-4A655C9DC61E}"/>
+                <a16:creationId xmlns:a16="http://schemas.microsoft.com/office/drawing/2014/main" id="{63461225-6503-3951-050C-524821BD560F}"/>
               </a:ext>
             </a:extLst>
           </p:cNvPr>
@@ -16733,21 +16762,41 @@
           <a:p>
             <a:r>
               <a:rPr lang="en-US" dirty="0"/>
-              <a:t>Observation: patterns in problems to solve</a:t>
-            </a:r>
-          </a:p>
-          <a:p>
-            <a:r>
-              <a:rPr lang="en-US" dirty="0"/>
-              <a:t>Design pattern = recipe for software design</a:t>
-            </a:r>
-          </a:p>
-          <a:p>
-            <a:pPr lvl="1"/>
-            <a:r>
-              <a:rPr lang="en-US" dirty="0"/>
-              <a:t>Don’t reinvent the wheel</a:t>
-            </a:r>
+              <a:t>S: Single Responsibility  Principle (SRP)</a:t>
+            </a:r>
+          </a:p>
+          <a:p>
+            <a:r>
+              <a:rPr lang="en-US" dirty="0"/>
+              <a:t>O: Open-Closed Principle (OCP)</a:t>
+            </a:r>
+          </a:p>
+          <a:p>
+            <a:r>
+              <a:rPr lang="en-US" dirty="0"/>
+              <a:t>L: </a:t>
+            </a:r>
+            <a:r>
+              <a:rPr lang="en-US" dirty="0" err="1"/>
+              <a:t>Lishkov's</a:t>
+            </a:r>
+            <a:r>
+              <a:rPr lang="en-US" dirty="0"/>
+              <a:t> Substitution Principle (LSP)</a:t>
+            </a:r>
+          </a:p>
+          <a:p>
+            <a:r>
+              <a:rPr lang="en-US" dirty="0"/>
+              <a:t>I: Interface Segregation Principle (ISP)</a:t>
+            </a:r>
+          </a:p>
+          <a:p>
+            <a:r>
+              <a:rPr lang="en-US" dirty="0"/>
+              <a:t>D: Dependency Inversion Principle (DIP)</a:t>
+            </a:r>
+            <a:endParaRPr lang="LID4096" dirty="0"/>
           </a:p>
         </p:txBody>
       </p:sp>
@@ -16756,7 +16805,7 @@
           <p:cNvPr id="4" name="Slide Number Placeholder 3">
             <a:extLst>
               <a:ext uri="{FF2B5EF4-FFF2-40B4-BE49-F238E27FC236}">
-                <a16:creationId xmlns:a16="http://schemas.microsoft.com/office/drawing/2014/main" id="{9F31908B-C8B8-481C-9414-BA9B8EAA880A}"/>
+                <a16:creationId xmlns:a16="http://schemas.microsoft.com/office/drawing/2014/main" id="{6198A7F5-BF6B-DDE4-170A-993A93701FAE}"/>
               </a:ext>
             </a:extLst>
           </p:cNvPr>
@@ -16772,184 +16821,20 @@
           <a:bodyPr/>
           <a:lstStyle/>
           <a:p>
-            <a:fld id="{5A209D72-2E9D-49B0-8977-41DCCC66C0BB}" type="slidenum">
-              <a:rPr lang="nl-BE" smtClean="0"/>
+            <a:fld id="{FDB1AA33-DFBB-49AC-8CEE-23FFECEB5648}" type="slidenum">
+              <a:rPr lang="LID4096" smtClean="0"/>
               <a:t>36</a:t>
             </a:fld>
-            <a:endParaRPr lang="nl-BE"/>
-          </a:p>
-        </p:txBody>
-      </p:sp>
-    </p:spTree>
-    <p:extLst>
-      <p:ext uri="{BB962C8B-B14F-4D97-AF65-F5344CB8AC3E}">
-        <p14:creationId xmlns:p14="http://schemas.microsoft.com/office/powerpoint/2010/main" val="3503158207"/>
-      </p:ext>
-    </p:extLst>
-  </p:cSld>
-  <p:clrMapOvr>
-    <a:masterClrMapping/>
-  </p:clrMapOvr>
-</p:sld>
-</file>
-
-<file path=ppt/slides/slide37.xml><?xml version="1.0" encoding="utf-8"?>
-<p:sld xmlns:a="http://schemas.openxmlformats.org/drawingml/2006/main" xmlns:r="http://schemas.openxmlformats.org/officeDocument/2006/relationships" xmlns:p="http://schemas.openxmlformats.org/presentationml/2006/main">
-  <p:cSld>
-    <p:spTree>
-      <p:nvGrpSpPr>
-        <p:cNvPr id="1" name=""/>
-        <p:cNvGrpSpPr/>
-        <p:nvPr/>
-      </p:nvGrpSpPr>
-      <p:grpSpPr>
-        <a:xfrm>
-          <a:off x="0" y="0"/>
-          <a:ext cx="0" cy="0"/>
-          <a:chOff x="0" y="0"/>
-          <a:chExt cx="0" cy="0"/>
-        </a:xfrm>
-      </p:grpSpPr>
-      <p:sp>
-        <p:nvSpPr>
-          <p:cNvPr id="2" name="Title 1">
+            <a:endParaRPr lang="LID4096"/>
+          </a:p>
+        </p:txBody>
+      </p:sp>
+      <p:sp>
+        <p:nvSpPr>
+          <p:cNvPr id="2" name="TextBox 1">
             <a:extLst>
               <a:ext uri="{FF2B5EF4-FFF2-40B4-BE49-F238E27FC236}">
-                <a16:creationId xmlns:a16="http://schemas.microsoft.com/office/drawing/2014/main" id="{AA5E72B2-61DF-4F7D-A226-9483D7C44016}"/>
-              </a:ext>
-            </a:extLst>
-          </p:cNvPr>
-          <p:cNvSpPr>
-            <a:spLocks noGrp="1"/>
-          </p:cNvSpPr>
-          <p:nvPr>
-            <p:ph type="title"/>
-          </p:nvPr>
-        </p:nvSpPr>
-        <p:spPr/>
-        <p:txBody>
-          <a:bodyPr/>
-          <a:lstStyle/>
-          <a:p>
-            <a:r>
-              <a:rPr lang="en-US" dirty="0"/>
-              <a:t>Design patterns</a:t>
-            </a:r>
-          </a:p>
-        </p:txBody>
-      </p:sp>
-      <p:sp>
-        <p:nvSpPr>
-          <p:cNvPr id="3" name="Content Placeholder 2">
-            <a:extLst>
-              <a:ext uri="{FF2B5EF4-FFF2-40B4-BE49-F238E27FC236}">
-                <a16:creationId xmlns:a16="http://schemas.microsoft.com/office/drawing/2014/main" id="{D04ABB18-0664-4863-B217-DD2E149B55F2}"/>
-              </a:ext>
-            </a:extLst>
-          </p:cNvPr>
-          <p:cNvSpPr>
-            <a:spLocks noGrp="1"/>
-          </p:cNvSpPr>
-          <p:nvPr>
-            <p:ph idx="1"/>
-          </p:nvPr>
-        </p:nvSpPr>
-        <p:spPr/>
-        <p:txBody>
-          <a:bodyPr/>
-          <a:lstStyle/>
-          <a:p>
-            <a:r>
-              <a:rPr lang="en-US" dirty="0"/>
-              <a:t>Quite a lot (23 originally)</a:t>
-            </a:r>
-          </a:p>
-          <a:p>
-            <a:pPr lvl="1"/>
-            <a:r>
-              <a:rPr lang="en-US" dirty="0"/>
-              <a:t>Creational patterns</a:t>
-            </a:r>
-          </a:p>
-          <a:p>
-            <a:pPr lvl="2"/>
-            <a:r>
-              <a:rPr lang="en-US" dirty="0"/>
-              <a:t>E.g., builder, factory</a:t>
-            </a:r>
-          </a:p>
-          <a:p>
-            <a:pPr lvl="1"/>
-            <a:r>
-              <a:rPr lang="en-US" dirty="0"/>
-              <a:t>Structural patterns</a:t>
-            </a:r>
-          </a:p>
-          <a:p>
-            <a:pPr lvl="2"/>
-            <a:r>
-              <a:rPr lang="en-US" dirty="0"/>
-              <a:t>E.g., decorator</a:t>
-            </a:r>
-          </a:p>
-          <a:p>
-            <a:pPr lvl="1"/>
-            <a:r>
-              <a:rPr lang="en-US" dirty="0"/>
-              <a:t>Behavioral patterns</a:t>
-            </a:r>
-          </a:p>
-          <a:p>
-            <a:pPr lvl="2"/>
-            <a:r>
-              <a:rPr lang="en-US" dirty="0"/>
-              <a:t>E.g., state, strategy</a:t>
-            </a:r>
-          </a:p>
-          <a:p>
-            <a:pPr lvl="1"/>
-            <a:r>
-              <a:rPr lang="en-US" dirty="0"/>
-              <a:t>Parallel patterns</a:t>
-            </a:r>
-          </a:p>
-        </p:txBody>
-      </p:sp>
-      <p:sp>
-        <p:nvSpPr>
-          <p:cNvPr id="4" name="Slide Number Placeholder 3">
-            <a:extLst>
-              <a:ext uri="{FF2B5EF4-FFF2-40B4-BE49-F238E27FC236}">
-                <a16:creationId xmlns:a16="http://schemas.microsoft.com/office/drawing/2014/main" id="{6CAD0D00-276F-449C-8ED3-67B7F75E2EF3}"/>
-              </a:ext>
-            </a:extLst>
-          </p:cNvPr>
-          <p:cNvSpPr>
-            <a:spLocks noGrp="1"/>
-          </p:cNvSpPr>
-          <p:nvPr>
-            <p:ph type="sldNum" sz="quarter" idx="12"/>
-          </p:nvPr>
-        </p:nvSpPr>
-        <p:spPr/>
-        <p:txBody>
-          <a:bodyPr/>
-          <a:lstStyle/>
-          <a:p>
-            <a:fld id="{5A209D72-2E9D-49B0-8977-41DCCC66C0BB}" type="slidenum">
-              <a:rPr lang="nl-BE" smtClean="0"/>
-              <a:t>37</a:t>
-            </a:fld>
-            <a:endParaRPr lang="nl-BE"/>
-          </a:p>
-        </p:txBody>
-      </p:sp>
-      <p:sp>
-        <p:nvSpPr>
-          <p:cNvPr id="5" name="TextBox 4">
-            <a:extLst>
-              <a:ext uri="{FF2B5EF4-FFF2-40B4-BE49-F238E27FC236}">
-                <a16:creationId xmlns:a16="http://schemas.microsoft.com/office/drawing/2014/main" id="{0847D2CC-8781-2378-7EC4-F6B367CC3018}"/>
+                <a16:creationId xmlns:a16="http://schemas.microsoft.com/office/drawing/2014/main" id="{D9B796EC-CA70-1487-EB97-FD445AB0CAE0}"/>
               </a:ext>
             </a:extLst>
           </p:cNvPr>
@@ -16958,8 +16843,8 @@
         </p:nvSpPr>
         <p:spPr>
           <a:xfrm>
-            <a:off x="608437" y="5084258"/>
-            <a:ext cx="9022535" cy="646331"/>
+            <a:off x="499580" y="5334634"/>
+            <a:ext cx="9752413" cy="646331"/>
           </a:xfrm>
           <a:prstGeom prst="rect">
             <a:avLst/>
@@ -16987,20 +16872,19 @@
               <a:rPr lang="en-US" sz="1600" dirty="0">
                 <a:hlinkClick r:id="rId2"/>
               </a:rPr>
-              <a:t>https://github.com/gjbex/C-plus-plus-software-engineering/tree/main/source-code/design-patterns</a:t>
+              <a:t>https://github.com/gjbex/Scientific-C-plus-plus/tree/master/source-code/DesignPatterns/CellularAutomata</a:t>
             </a:r>
             <a:r>
               <a:rPr lang="en-US" sz="1600" dirty="0"/>
               <a:t> </a:t>
             </a:r>
-            <a:endParaRPr lang="LID4096" sz="1600" dirty="0"/>
           </a:p>
         </p:txBody>
       </p:sp>
     </p:spTree>
     <p:extLst>
       <p:ext uri="{BB962C8B-B14F-4D97-AF65-F5344CB8AC3E}">
-        <p14:creationId xmlns:p14="http://schemas.microsoft.com/office/powerpoint/2010/main" val="1597816929"/>
+        <p14:creationId xmlns:p14="http://schemas.microsoft.com/office/powerpoint/2010/main" val="1267810600"/>
       </p:ext>
     </p:extLst>
   </p:cSld>
@@ -17041,7 +16925,7 @@
                                           </p:stCondLst>
                                         </p:cTn>
                                         <p:tgtEl>
-                                          <p:spTgt spid="5"/>
+                                          <p:spTgt spid="2"/>
                                         </p:tgtEl>
                                         <p:attrNameLst>
                                           <p:attrName>style.visibility</p:attrName>
@@ -17082,9 +16966,189 @@
       </p:par>
     </p:tnLst>
     <p:bldLst>
-      <p:bldP spid="5" grpId="0" animBg="1"/>
+      <p:bldP spid="2" grpId="0" animBg="1"/>
     </p:bldLst>
   </p:timing>
+</p:sld>
+</file>
+
+<file path=ppt/slides/slide37.xml><?xml version="1.0" encoding="utf-8"?>
+<p:sld xmlns:a="http://schemas.openxmlformats.org/drawingml/2006/main" xmlns:r="http://schemas.openxmlformats.org/officeDocument/2006/relationships" xmlns:p="http://schemas.openxmlformats.org/presentationml/2006/main">
+  <p:cSld>
+    <p:spTree>
+      <p:nvGrpSpPr>
+        <p:cNvPr id="1" name=""/>
+        <p:cNvGrpSpPr/>
+        <p:nvPr/>
+      </p:nvGrpSpPr>
+      <p:grpSpPr>
+        <a:xfrm>
+          <a:off x="0" y="0"/>
+          <a:ext cx="0" cy="0"/>
+          <a:chOff x="0" y="0"/>
+          <a:chExt cx="0" cy="0"/>
+        </a:xfrm>
+      </p:grpSpPr>
+      <p:sp>
+        <p:nvSpPr>
+          <p:cNvPr id="2" name="Title 1">
+            <a:extLst>
+              <a:ext uri="{FF2B5EF4-FFF2-40B4-BE49-F238E27FC236}">
+                <a16:creationId xmlns:a16="http://schemas.microsoft.com/office/drawing/2014/main" id="{872DD127-EAC1-0F68-68F1-6F3335288D65}"/>
+              </a:ext>
+            </a:extLst>
+          </p:cNvPr>
+          <p:cNvSpPr>
+            <a:spLocks noGrp="1"/>
+          </p:cNvSpPr>
+          <p:nvPr>
+            <p:ph type="title"/>
+          </p:nvPr>
+        </p:nvSpPr>
+        <p:spPr/>
+        <p:txBody>
+          <a:bodyPr/>
+          <a:lstStyle/>
+          <a:p>
+            <a:r>
+              <a:rPr lang="en-US" dirty="0"/>
+              <a:t>Single Responsibility Principle (SRP)</a:t>
+            </a:r>
+            <a:endParaRPr lang="LID4096" dirty="0"/>
+          </a:p>
+        </p:txBody>
+      </p:sp>
+      <p:sp>
+        <p:nvSpPr>
+          <p:cNvPr id="3" name="Content Placeholder 2">
+            <a:extLst>
+              <a:ext uri="{FF2B5EF4-FFF2-40B4-BE49-F238E27FC236}">
+                <a16:creationId xmlns:a16="http://schemas.microsoft.com/office/drawing/2014/main" id="{A2CFEE37-C334-21D6-F03C-A070AAB93E9F}"/>
+              </a:ext>
+            </a:extLst>
+          </p:cNvPr>
+          <p:cNvSpPr>
+            <a:spLocks noGrp="1"/>
+          </p:cNvSpPr>
+          <p:nvPr>
+            <p:ph idx="1"/>
+          </p:nvPr>
+        </p:nvSpPr>
+        <p:spPr/>
+        <p:txBody>
+          <a:bodyPr>
+            <a:normAutofit/>
+          </a:bodyPr>
+          <a:lstStyle/>
+          <a:p>
+            <a:r>
+              <a:rPr lang="en-US" dirty="0"/>
+              <a:t>Class or function should have</a:t>
+            </a:r>
+          </a:p>
+          <a:p>
+            <a:pPr lvl="1"/>
+            <a:r>
+              <a:rPr lang="en-US" dirty="0"/>
+              <a:t>only one reason to change</a:t>
+            </a:r>
+          </a:p>
+          <a:p>
+            <a:pPr lvl="1"/>
+            <a:r>
+              <a:rPr lang="en-US" dirty="0"/>
+              <a:t>Single responsibility</a:t>
+            </a:r>
+          </a:p>
+          <a:p>
+            <a:pPr lvl="1"/>
+            <a:endParaRPr lang="en-US" dirty="0"/>
+          </a:p>
+          <a:p>
+            <a:r>
+              <a:rPr lang="en-US" dirty="0"/>
+              <a:t>Aims</a:t>
+            </a:r>
+          </a:p>
+          <a:p>
+            <a:pPr lvl="1"/>
+            <a:r>
+              <a:rPr lang="en-US" dirty="0"/>
+              <a:t>Improve maintainability</a:t>
+            </a:r>
+          </a:p>
+          <a:p>
+            <a:pPr lvl="1"/>
+            <a:r>
+              <a:rPr lang="en-US" dirty="0"/>
+              <a:t>Improve clarity</a:t>
+            </a:r>
+          </a:p>
+          <a:p>
+            <a:pPr lvl="1"/>
+            <a:r>
+              <a:rPr lang="en-US" dirty="0"/>
+              <a:t>Reduce coupling</a:t>
+            </a:r>
+          </a:p>
+          <a:p>
+            <a:pPr lvl="1"/>
+            <a:r>
+              <a:rPr lang="en-US" dirty="0"/>
+              <a:t>Enable better testing</a:t>
+            </a:r>
+          </a:p>
+          <a:p>
+            <a:pPr lvl="1"/>
+            <a:r>
+              <a:rPr lang="en-US" dirty="0"/>
+              <a:t>Support reusability</a:t>
+            </a:r>
+          </a:p>
+          <a:p>
+            <a:endParaRPr lang="LID4096" dirty="0"/>
+          </a:p>
+        </p:txBody>
+      </p:sp>
+      <p:sp>
+        <p:nvSpPr>
+          <p:cNvPr id="4" name="Slide Number Placeholder 3">
+            <a:extLst>
+              <a:ext uri="{FF2B5EF4-FFF2-40B4-BE49-F238E27FC236}">
+                <a16:creationId xmlns:a16="http://schemas.microsoft.com/office/drawing/2014/main" id="{F49EF1E3-1C27-491E-9859-8D60233DDB80}"/>
+              </a:ext>
+            </a:extLst>
+          </p:cNvPr>
+          <p:cNvSpPr>
+            <a:spLocks noGrp="1"/>
+          </p:cNvSpPr>
+          <p:nvPr>
+            <p:ph type="sldNum" sz="quarter" idx="12"/>
+          </p:nvPr>
+        </p:nvSpPr>
+        <p:spPr/>
+        <p:txBody>
+          <a:bodyPr/>
+          <a:lstStyle/>
+          <a:p>
+            <a:fld id="{FDB1AA33-DFBB-49AC-8CEE-23FFECEB5648}" type="slidenum">
+              <a:rPr lang="LID4096" smtClean="0"/>
+              <a:t>37</a:t>
+            </a:fld>
+            <a:endParaRPr lang="LID4096"/>
+          </a:p>
+        </p:txBody>
+      </p:sp>
+    </p:spTree>
+    <p:extLst>
+      <p:ext uri="{BB962C8B-B14F-4D97-AF65-F5344CB8AC3E}">
+        <p14:creationId xmlns:p14="http://schemas.microsoft.com/office/powerpoint/2010/main" val="2730786989"/>
+      </p:ext>
+    </p:extLst>
+  </p:cSld>
+  <p:clrMapOvr>
+    <a:masterClrMapping/>
+  </p:clrMapOvr>
 </p:sld>
 </file>
 
@@ -17110,7 +17174,7 @@
           <p:cNvPr id="2" name="Title 1">
             <a:extLst>
               <a:ext uri="{FF2B5EF4-FFF2-40B4-BE49-F238E27FC236}">
-                <a16:creationId xmlns:a16="http://schemas.microsoft.com/office/drawing/2014/main" id="{6D22119F-79EC-4E00-B9D9-0B2587606086}"/>
+                <a16:creationId xmlns:a16="http://schemas.microsoft.com/office/drawing/2014/main" id="{60898534-5314-ED8A-2D5C-BF53A7593BB4}"/>
               </a:ext>
             </a:extLst>
           </p:cNvPr>
@@ -17128,7 +17192,7 @@
           <a:p>
             <a:r>
               <a:rPr lang="en-US" dirty="0"/>
-              <a:t>Builder design pattern</a:t>
+              <a:t>Open-Closed Principle (OCP)</a:t>
             </a:r>
             <a:endParaRPr lang="LID4096" dirty="0"/>
           </a:p>
@@ -17136,10 +17200,97 @@
       </p:sp>
       <p:sp>
         <p:nvSpPr>
+          <p:cNvPr id="3" name="Content Placeholder 2">
+            <a:extLst>
+              <a:ext uri="{FF2B5EF4-FFF2-40B4-BE49-F238E27FC236}">
+                <a16:creationId xmlns:a16="http://schemas.microsoft.com/office/drawing/2014/main" id="{5E39C9F3-F6D3-5289-99BF-EDE72765309F}"/>
+              </a:ext>
+            </a:extLst>
+          </p:cNvPr>
+          <p:cNvSpPr>
+            <a:spLocks noGrp="1"/>
+          </p:cNvSpPr>
+          <p:nvPr>
+            <p:ph idx="1"/>
+          </p:nvPr>
+        </p:nvSpPr>
+        <p:spPr/>
+        <p:txBody>
+          <a:bodyPr/>
+          <a:lstStyle/>
+          <a:p>
+            <a:r>
+              <a:rPr lang="en-US" dirty="0"/>
+              <a:t>Classes, modules, functions should be</a:t>
+            </a:r>
+          </a:p>
+          <a:p>
+            <a:pPr lvl="1"/>
+            <a:r>
+              <a:rPr lang="en-US" dirty="0"/>
+              <a:t>Open to extension</a:t>
+            </a:r>
+          </a:p>
+          <a:p>
+            <a:pPr lvl="1"/>
+            <a:r>
+              <a:rPr lang="en-US" dirty="0"/>
+              <a:t>Closed to modification</a:t>
+            </a:r>
+          </a:p>
+          <a:p>
+            <a:endParaRPr lang="en-US" dirty="0"/>
+          </a:p>
+          <a:p>
+            <a:r>
+              <a:rPr lang="en-US" dirty="0"/>
+              <a:t>Aims</a:t>
+            </a:r>
+          </a:p>
+          <a:p>
+            <a:pPr lvl="1"/>
+            <a:r>
+              <a:rPr lang="en-US" dirty="0"/>
+              <a:t>Promote extensibility (Open)</a:t>
+            </a:r>
+          </a:p>
+          <a:p>
+            <a:pPr lvl="1"/>
+            <a:r>
+              <a:rPr lang="en-US" dirty="0"/>
+              <a:t>Improve maintainability, existing code not affected by changes (Closed)</a:t>
+            </a:r>
+          </a:p>
+          <a:p>
+            <a:pPr lvl="1"/>
+            <a:r>
+              <a:rPr lang="en-US" dirty="0"/>
+              <a:t>Support reusability and scaling (extension)</a:t>
+            </a:r>
+          </a:p>
+          <a:p>
+            <a:pPr lvl="1"/>
+            <a:r>
+              <a:rPr lang="en-US" dirty="0"/>
+              <a:t>Encourage use of abstraction</a:t>
+            </a:r>
+          </a:p>
+          <a:p>
+            <a:pPr lvl="1"/>
+            <a:r>
+              <a:rPr lang="en-US" dirty="0"/>
+              <a:t>Facilitate cleaner architecture</a:t>
+            </a:r>
+            <a:endParaRPr lang="LID4096" dirty="0"/>
+          </a:p>
+        </p:txBody>
+      </p:sp>
+      <p:sp>
+        <p:nvSpPr>
           <p:cNvPr id="4" name="Slide Number Placeholder 3">
             <a:extLst>
               <a:ext uri="{FF2B5EF4-FFF2-40B4-BE49-F238E27FC236}">
-                <a16:creationId xmlns:a16="http://schemas.microsoft.com/office/drawing/2014/main" id="{DFF0D69E-6CD4-B5FE-C976-9D928F3B0DE9}"/>
+                <a16:creationId xmlns:a16="http://schemas.microsoft.com/office/drawing/2014/main" id="{22D37776-E2ED-1B29-8806-EDFBC428E44C}"/>
               </a:ext>
             </a:extLst>
           </p:cNvPr>
@@ -17163,46 +17314,10 @@
           </a:p>
         </p:txBody>
       </p:sp>
-      <p:pic>
-        <p:nvPicPr>
-          <p:cNvPr id="6" name="Picture 5" descr="A diagram of a diagram&#10;&#10;AI-generated content may be incorrect.">
-            <a:extLst>
-              <a:ext uri="{FF2B5EF4-FFF2-40B4-BE49-F238E27FC236}">
-                <a16:creationId xmlns:a16="http://schemas.microsoft.com/office/drawing/2014/main" id="{D7E34681-6E5E-22EF-801F-FCFC18F408CF}"/>
-              </a:ext>
-            </a:extLst>
-          </p:cNvPr>
-          <p:cNvPicPr>
-            <a:picLocks noChangeAspect="1"/>
-          </p:cNvPicPr>
-          <p:nvPr/>
-        </p:nvPicPr>
-        <p:blipFill>
-          <a:blip r:embed="rId2">
-            <a:extLst>
-              <a:ext uri="{28A0092B-C50C-407E-A947-70E740481C1C}">
-                <a14:useLocalDpi xmlns:a14="http://schemas.microsoft.com/office/drawing/2010/main" val="0"/>
-              </a:ext>
-            </a:extLst>
-          </a:blip>
-          <a:stretch>
-            <a:fillRect/>
-          </a:stretch>
-        </p:blipFill>
-        <p:spPr>
-          <a:xfrm>
-            <a:off x="838200" y="1611085"/>
-            <a:ext cx="10318750" cy="3537857"/>
-          </a:xfrm>
-          <a:prstGeom prst="rect">
-            <a:avLst/>
-          </a:prstGeom>
-        </p:spPr>
-      </p:pic>
     </p:spTree>
     <p:extLst>
       <p:ext uri="{BB962C8B-B14F-4D97-AF65-F5344CB8AC3E}">
-        <p14:creationId xmlns:p14="http://schemas.microsoft.com/office/powerpoint/2010/main" val="1803765814"/>
+        <p14:creationId xmlns:p14="http://schemas.microsoft.com/office/powerpoint/2010/main" val="495657016"/>
       </p:ext>
     </p:extLst>
   </p:cSld>
@@ -17234,7 +17349,7 @@
           <p:cNvPr id="2" name="Title 1">
             <a:extLst>
               <a:ext uri="{FF2B5EF4-FFF2-40B4-BE49-F238E27FC236}">
-                <a16:creationId xmlns:a16="http://schemas.microsoft.com/office/drawing/2014/main" id="{27C65591-8615-7E00-CFBB-3B18270922B4}"/>
+                <a16:creationId xmlns:a16="http://schemas.microsoft.com/office/drawing/2014/main" id="{CF3DCFEE-9305-DD43-9957-6FBC7EC77AB4}"/>
               </a:ext>
             </a:extLst>
           </p:cNvPr>
@@ -17251,8 +17366,12 @@
           <a:lstStyle/>
           <a:p>
             <a:r>
-              <a:rPr lang="en-US" dirty="0"/>
-              <a:t>Factory design pattern</a:t>
+              <a:rPr lang="en-US" dirty="0" err="1"/>
+              <a:t>Lishkov</a:t>
+            </a:r>
+            <a:r>
+              <a:rPr lang="en-US" dirty="0"/>
+              <a:t> Substitution Principle (LSP)</a:t>
             </a:r>
             <a:endParaRPr lang="LID4096" dirty="0"/>
           </a:p>
@@ -17260,10 +17379,82 @@
       </p:sp>
       <p:sp>
         <p:nvSpPr>
-          <p:cNvPr id="3" name="Slide Number Placeholder 2">
+          <p:cNvPr id="3" name="Content Placeholder 2">
             <a:extLst>
               <a:ext uri="{FF2B5EF4-FFF2-40B4-BE49-F238E27FC236}">
-                <a16:creationId xmlns:a16="http://schemas.microsoft.com/office/drawing/2014/main" id="{749C0292-7B1E-9B21-4614-155BA8F29F21}"/>
+                <a16:creationId xmlns:a16="http://schemas.microsoft.com/office/drawing/2014/main" id="{B07B3E22-3234-FC76-BC35-1B45383057DB}"/>
+              </a:ext>
+            </a:extLst>
+          </p:cNvPr>
+          <p:cNvSpPr>
+            <a:spLocks noGrp="1"/>
+          </p:cNvSpPr>
+          <p:nvPr>
+            <p:ph idx="1"/>
+          </p:nvPr>
+        </p:nvSpPr>
+        <p:spPr/>
+        <p:txBody>
+          <a:bodyPr/>
+          <a:lstStyle/>
+          <a:p>
+            <a:r>
+              <a:rPr lang="en-US" dirty="0"/>
+              <a:t>Derived class can be used wherever base class is used</a:t>
+            </a:r>
+          </a:p>
+          <a:p>
+            <a:endParaRPr lang="en-US" dirty="0"/>
+          </a:p>
+          <a:p>
+            <a:endParaRPr lang="en-US" dirty="0"/>
+          </a:p>
+          <a:p>
+            <a:endParaRPr lang="en-US" dirty="0"/>
+          </a:p>
+          <a:p>
+            <a:r>
+              <a:rPr lang="en-US" dirty="0"/>
+              <a:t>Aims</a:t>
+            </a:r>
+          </a:p>
+          <a:p>
+            <a:pPr lvl="1"/>
+            <a:r>
+              <a:rPr lang="en-US" dirty="0"/>
+              <a:t>Properly model "is-a" relationships, behavioral consistency</a:t>
+            </a:r>
+          </a:p>
+          <a:p>
+            <a:pPr lvl="1"/>
+            <a:r>
+              <a:rPr lang="en-US" dirty="0"/>
+              <a:t>Preserve code correctness</a:t>
+            </a:r>
+          </a:p>
+          <a:p>
+            <a:pPr lvl="1"/>
+            <a:r>
+              <a:rPr lang="en-US" dirty="0"/>
+              <a:t>Enable safe polymorphism</a:t>
+            </a:r>
+          </a:p>
+          <a:p>
+            <a:pPr lvl="1"/>
+            <a:r>
+              <a:rPr lang="en-US" dirty="0"/>
+              <a:t>Improve reusability and maintainability</a:t>
+            </a:r>
+            <a:endParaRPr lang="LID4096" dirty="0"/>
+          </a:p>
+        </p:txBody>
+      </p:sp>
+      <p:sp>
+        <p:nvSpPr>
+          <p:cNvPr id="4" name="Slide Number Placeholder 3">
+            <a:extLst>
+              <a:ext uri="{FF2B5EF4-FFF2-40B4-BE49-F238E27FC236}">
+                <a16:creationId xmlns:a16="http://schemas.microsoft.com/office/drawing/2014/main" id="{3AAC4016-1C85-BD04-ED17-1AF61B8D433D}"/>
               </a:ext>
             </a:extLst>
           </p:cNvPr>
@@ -17287,46 +17478,64 @@
           </a:p>
         </p:txBody>
       </p:sp>
-      <p:pic>
-        <p:nvPicPr>
-          <p:cNvPr id="5" name="Picture 4" descr="A diagram of a product&#10;&#10;AI-generated content may be incorrect.">
+      <p:sp>
+        <p:nvSpPr>
+          <p:cNvPr id="5" name="TextBox 4">
             <a:extLst>
               <a:ext uri="{FF2B5EF4-FFF2-40B4-BE49-F238E27FC236}">
-                <a16:creationId xmlns:a16="http://schemas.microsoft.com/office/drawing/2014/main" id="{BBE229AF-EE3A-58FD-5C44-F9FB310063A8}"/>
+                <a16:creationId xmlns:a16="http://schemas.microsoft.com/office/drawing/2014/main" id="{BC90DC1C-AF99-2AC5-15FF-C124F3A3AE1D}"/>
               </a:ext>
             </a:extLst>
           </p:cNvPr>
-          <p:cNvPicPr>
-            <a:picLocks noChangeAspect="1"/>
-          </p:cNvPicPr>
+          <p:cNvSpPr txBox="1"/>
           <p:nvPr/>
-        </p:nvPicPr>
-        <p:blipFill>
-          <a:blip r:embed="rId2">
-            <a:extLst>
-              <a:ext uri="{28A0092B-C50C-407E-A947-70E740481C1C}">
-                <a14:useLocalDpi xmlns:a14="http://schemas.microsoft.com/office/drawing/2010/main" val="0"/>
-              </a:ext>
-            </a:extLst>
-          </a:blip>
-          <a:stretch>
-            <a:fillRect/>
-          </a:stretch>
-        </p:blipFill>
+        </p:nvSpPr>
         <p:spPr>
           <a:xfrm>
-            <a:off x="2216149" y="1690688"/>
-            <a:ext cx="8821965" cy="4234543"/>
+            <a:off x="1753688" y="2400842"/>
+            <a:ext cx="7337265" cy="1384995"/>
           </a:xfrm>
           <a:prstGeom prst="rect">
             <a:avLst/>
           </a:prstGeom>
+          <a:noFill/>
+          <a:ln>
+            <a:solidFill>
+              <a:schemeClr val="tx1"/>
+            </a:solidFill>
+          </a:ln>
         </p:spPr>
-      </p:pic>
+        <p:txBody>
+          <a:bodyPr wrap="none" rtlCol="0">
+            <a:spAutoFit/>
+          </a:bodyPr>
+          <a:lstStyle/>
+          <a:p>
+            <a:r>
+              <a:rPr lang="en-US" sz="2800" i="1" dirty="0"/>
+              <a:t>“If a piece of code works with the parent class,</a:t>
+            </a:r>
+          </a:p>
+          <a:p>
+            <a:pPr algn="ctr"/>
+            <a:r>
+              <a:rPr lang="en-US" sz="2800" i="1" dirty="0"/>
+              <a:t>it should also work with any subclass, without</a:t>
+            </a:r>
+          </a:p>
+          <a:p>
+            <a:r>
+              <a:rPr lang="en-US" sz="2800" i="1" dirty="0"/>
+              <a:t>knowing the difference.”</a:t>
+            </a:r>
+            <a:endParaRPr lang="LID4096" sz="2800" i="1" dirty="0"/>
+          </a:p>
+        </p:txBody>
+      </p:sp>
     </p:spTree>
     <p:extLst>
       <p:ext uri="{BB962C8B-B14F-4D97-AF65-F5344CB8AC3E}">
-        <p14:creationId xmlns:p14="http://schemas.microsoft.com/office/powerpoint/2010/main" val="298727713"/>
+        <p14:creationId xmlns:p14="http://schemas.microsoft.com/office/powerpoint/2010/main" val="4163441496"/>
       </p:ext>
     </p:extLst>
   </p:cSld>
@@ -18681,7 +18890,7 @@
           <p:cNvPr id="2" name="Title 1">
             <a:extLst>
               <a:ext uri="{FF2B5EF4-FFF2-40B4-BE49-F238E27FC236}">
-                <a16:creationId xmlns:a16="http://schemas.microsoft.com/office/drawing/2014/main" id="{3461A7F5-2B05-C3D6-543A-A394B3B45442}"/>
+                <a16:creationId xmlns:a16="http://schemas.microsoft.com/office/drawing/2014/main" id="{437D84CA-DCC8-327D-4D6B-61C3C57BD6B0}"/>
               </a:ext>
             </a:extLst>
           </p:cNvPr>
@@ -18699,7 +18908,7 @@
           <a:p>
             <a:r>
               <a:rPr lang="en-US" dirty="0"/>
-              <a:t>Strategy design pattern</a:t>
+              <a:t>Interface Segregation Principle (ISP)</a:t>
             </a:r>
             <a:endParaRPr lang="LID4096" dirty="0"/>
           </a:p>
@@ -18707,10 +18916,88 @@
       </p:sp>
       <p:sp>
         <p:nvSpPr>
-          <p:cNvPr id="3" name="Slide Number Placeholder 2">
+          <p:cNvPr id="3" name="Content Placeholder 2">
             <a:extLst>
               <a:ext uri="{FF2B5EF4-FFF2-40B4-BE49-F238E27FC236}">
-                <a16:creationId xmlns:a16="http://schemas.microsoft.com/office/drawing/2014/main" id="{93BF2698-8B5C-02E9-CF1F-D8F75C69959C}"/>
+                <a16:creationId xmlns:a16="http://schemas.microsoft.com/office/drawing/2014/main" id="{6D946CFA-1CFD-FF58-57EE-451EA8560194}"/>
+              </a:ext>
+            </a:extLst>
+          </p:cNvPr>
+          <p:cNvSpPr>
+            <a:spLocks noGrp="1"/>
+          </p:cNvSpPr>
+          <p:nvPr>
+            <p:ph idx="1"/>
+          </p:nvPr>
+        </p:nvSpPr>
+        <p:spPr/>
+        <p:txBody>
+          <a:bodyPr>
+            <a:normAutofit/>
+          </a:bodyPr>
+          <a:lstStyle/>
+          <a:p>
+            <a:r>
+              <a:rPr lang="en-US" dirty="0"/>
+              <a:t>Do not force to depend on irrelevant interfaces</a:t>
+            </a:r>
+          </a:p>
+          <a:p>
+            <a:endParaRPr lang="en-US" dirty="0"/>
+          </a:p>
+          <a:p>
+            <a:endParaRPr lang="en-US" dirty="0"/>
+          </a:p>
+          <a:p>
+            <a:r>
+              <a:rPr lang="en-US" dirty="0"/>
+              <a:t>Aims</a:t>
+            </a:r>
+          </a:p>
+          <a:p>
+            <a:pPr lvl="1"/>
+            <a:r>
+              <a:rPr lang="en-US" dirty="0"/>
+              <a:t>Reduce coupling, unnecessary dependencies</a:t>
+            </a:r>
+          </a:p>
+          <a:p>
+            <a:pPr lvl="1"/>
+            <a:r>
+              <a:rPr lang="en-US" dirty="0"/>
+              <a:t>Improve code maintainability</a:t>
+            </a:r>
+          </a:p>
+          <a:p>
+            <a:pPr lvl="1"/>
+            <a:r>
+              <a:rPr lang="en-US" dirty="0"/>
+              <a:t>Improve flexibility and reusability</a:t>
+            </a:r>
+          </a:p>
+          <a:p>
+            <a:pPr lvl="1"/>
+            <a:r>
+              <a:rPr lang="en-US" dirty="0"/>
+              <a:t>Minimize impact of changes</a:t>
+            </a:r>
+          </a:p>
+          <a:p>
+            <a:pPr lvl="1"/>
+            <a:r>
+              <a:rPr lang="en-US" dirty="0"/>
+              <a:t>Encourage cleaner architecture</a:t>
+            </a:r>
+            <a:endParaRPr lang="LID4096" dirty="0"/>
+          </a:p>
+        </p:txBody>
+      </p:sp>
+      <p:sp>
+        <p:nvSpPr>
+          <p:cNvPr id="4" name="Slide Number Placeholder 3">
+            <a:extLst>
+              <a:ext uri="{FF2B5EF4-FFF2-40B4-BE49-F238E27FC236}">
+                <a16:creationId xmlns:a16="http://schemas.microsoft.com/office/drawing/2014/main" id="{0281CBB3-5E56-BE31-05B6-81EB86314378}"/>
               </a:ext>
             </a:extLst>
           </p:cNvPr>
@@ -18734,46 +19021,50 @@
           </a:p>
         </p:txBody>
       </p:sp>
-      <p:pic>
-        <p:nvPicPr>
-          <p:cNvPr id="5" name="Picture 4" descr="A diagram of a strategy&#10;&#10;AI-generated content may be incorrect.">
+      <p:sp>
+        <p:nvSpPr>
+          <p:cNvPr id="5" name="TextBox 4">
             <a:extLst>
               <a:ext uri="{FF2B5EF4-FFF2-40B4-BE49-F238E27FC236}">
-                <a16:creationId xmlns:a16="http://schemas.microsoft.com/office/drawing/2014/main" id="{D211B979-B94C-AE2D-9433-33FECD2261C3}"/>
+                <a16:creationId xmlns:a16="http://schemas.microsoft.com/office/drawing/2014/main" id="{10011BAA-7AC3-717D-7B8E-AF85D56B67AF}"/>
               </a:ext>
             </a:extLst>
           </p:cNvPr>
-          <p:cNvPicPr>
-            <a:picLocks noChangeAspect="1"/>
-          </p:cNvPicPr>
+          <p:cNvSpPr txBox="1"/>
           <p:nvPr/>
-        </p:nvPicPr>
-        <p:blipFill>
-          <a:blip r:embed="rId2">
-            <a:extLst>
-              <a:ext uri="{28A0092B-C50C-407E-A947-70E740481C1C}">
-                <a14:useLocalDpi xmlns:a14="http://schemas.microsoft.com/office/drawing/2010/main" val="0"/>
-              </a:ext>
-            </a:extLst>
-          </a:blip>
-          <a:stretch>
-            <a:fillRect/>
-          </a:stretch>
-        </p:blipFill>
+        </p:nvSpPr>
         <p:spPr>
           <a:xfrm>
-            <a:off x="445407" y="1690688"/>
-            <a:ext cx="11301186" cy="4172746"/>
+            <a:off x="2493916" y="2509700"/>
+            <a:ext cx="5238485" cy="523220"/>
           </a:xfrm>
           <a:prstGeom prst="rect">
             <a:avLst/>
           </a:prstGeom>
+          <a:noFill/>
+          <a:ln>
+            <a:solidFill>
+              <a:schemeClr val="tx1"/>
+            </a:solidFill>
+          </a:ln>
         </p:spPr>
-      </p:pic>
+        <p:txBody>
+          <a:bodyPr wrap="none" rtlCol="0">
+            <a:spAutoFit/>
+          </a:bodyPr>
+          <a:lstStyle/>
+          <a:p>
+            <a:r>
+              <a:rPr lang="en-US" sz="2800" dirty="0"/>
+              <a:t>“Favor multiple small interfaces"</a:t>
+            </a:r>
+          </a:p>
+        </p:txBody>
+      </p:sp>
     </p:spTree>
     <p:extLst>
       <p:ext uri="{BB962C8B-B14F-4D97-AF65-F5344CB8AC3E}">
-        <p14:creationId xmlns:p14="http://schemas.microsoft.com/office/powerpoint/2010/main" val="4061975628"/>
+        <p14:creationId xmlns:p14="http://schemas.microsoft.com/office/powerpoint/2010/main" val="577345099"/>
       </p:ext>
     </p:extLst>
   </p:cSld>
@@ -18805,7 +19096,7 @@
           <p:cNvPr id="2" name="Title 1">
             <a:extLst>
               <a:ext uri="{FF2B5EF4-FFF2-40B4-BE49-F238E27FC236}">
-                <a16:creationId xmlns:a16="http://schemas.microsoft.com/office/drawing/2014/main" id="{04B1C173-33AC-1DCA-ED63-D52D701FC426}"/>
+                <a16:creationId xmlns:a16="http://schemas.microsoft.com/office/drawing/2014/main" id="{5A89A918-C146-FB9A-9479-2C490D3BAB2A}"/>
               </a:ext>
             </a:extLst>
           </p:cNvPr>
@@ -18823,7 +19114,7 @@
           <a:p>
             <a:r>
               <a:rPr lang="en-US" dirty="0"/>
-              <a:t>C++ specific patterns</a:t>
+              <a:t>Dependency Inversion Principle (DIP)</a:t>
             </a:r>
             <a:endParaRPr lang="LID4096" dirty="0"/>
           </a:p>
@@ -18834,7 +19125,7 @@
           <p:cNvPr id="3" name="Content Placeholder 2">
             <a:extLst>
               <a:ext uri="{FF2B5EF4-FFF2-40B4-BE49-F238E27FC236}">
-                <a16:creationId xmlns:a16="http://schemas.microsoft.com/office/drawing/2014/main" id="{B66B5779-A74C-52C0-DAF9-FC542132634A}"/>
+                <a16:creationId xmlns:a16="http://schemas.microsoft.com/office/drawing/2014/main" id="{A1D3750A-D6AC-54EC-6018-887FB8A77C71}"/>
               </a:ext>
             </a:extLst>
           </p:cNvPr>
@@ -18852,27 +19143,54 @@
           <a:p>
             <a:r>
               <a:rPr lang="en-US" dirty="0"/>
-              <a:t>Curiously Repeating Template Pattern (CRTP)</a:t>
-            </a:r>
-          </a:p>
-          <a:p>
-            <a:r>
-              <a:rPr lang="en-US" dirty="0"/>
-              <a:t>Type erasure</a:t>
-            </a:r>
-          </a:p>
-          <a:p>
-            <a:r>
-              <a:rPr lang="en-US" dirty="0"/>
-              <a:t>Pointer to </a:t>
-            </a:r>
-            <a:r>
-              <a:rPr lang="en-US" dirty="0" err="1"/>
-              <a:t>IMPLementation</a:t>
-            </a:r>
-            <a:r>
-              <a:rPr lang="en-US" dirty="0"/>
-              <a:t> (PIMPL)</a:t>
+              <a:t>High-level code should not depend on low-level details</a:t>
+            </a:r>
+          </a:p>
+          <a:p>
+            <a:endParaRPr lang="en-US" dirty="0"/>
+          </a:p>
+          <a:p>
+            <a:endParaRPr lang="en-US" dirty="0"/>
+          </a:p>
+          <a:p>
+            <a:r>
+              <a:rPr lang="en-US" dirty="0"/>
+              <a:t>Aims</a:t>
+            </a:r>
+          </a:p>
+          <a:p>
+            <a:pPr lvl="1"/>
+            <a:r>
+              <a:rPr lang="en-US" dirty="0"/>
+              <a:t>Promote decoupling</a:t>
+            </a:r>
+          </a:p>
+          <a:p>
+            <a:pPr lvl="1"/>
+            <a:r>
+              <a:rPr lang="en-US" dirty="0"/>
+              <a:t>Enhance flexibility and scalability (extensions)</a:t>
+            </a:r>
+          </a:p>
+          <a:p>
+            <a:pPr lvl="1"/>
+            <a:r>
+              <a:rPr lang="en-US" dirty="0"/>
+              <a:t>Improve maintainability and testability</a:t>
+            </a:r>
+          </a:p>
+          <a:p>
+            <a:pPr lvl="1"/>
+            <a:r>
+              <a:rPr lang="en-US" dirty="0"/>
+              <a:t>Encourage layered architecture</a:t>
+            </a:r>
+          </a:p>
+          <a:p>
+            <a:pPr lvl="1"/>
+            <a:r>
+              <a:rPr lang="en-US" dirty="0"/>
+              <a:t>Facilitate reuse and "plug-and-play" components</a:t>
             </a:r>
             <a:endParaRPr lang="LID4096" dirty="0"/>
           </a:p>
@@ -18883,7 +19201,7 @@
           <p:cNvPr id="4" name="Slide Number Placeholder 3">
             <a:extLst>
               <a:ext uri="{FF2B5EF4-FFF2-40B4-BE49-F238E27FC236}">
-                <a16:creationId xmlns:a16="http://schemas.microsoft.com/office/drawing/2014/main" id="{396482FC-4A8B-74E1-56FE-EFDCEEF1C5E8}"/>
+                <a16:creationId xmlns:a16="http://schemas.microsoft.com/office/drawing/2014/main" id="{79BE79ED-3B0D-1478-D1D3-C000584B56D5}"/>
               </a:ext>
             </a:extLst>
           </p:cNvPr>
@@ -18912,7 +19230,583 @@
           <p:cNvPr id="5" name="TextBox 4">
             <a:extLst>
               <a:ext uri="{FF2B5EF4-FFF2-40B4-BE49-F238E27FC236}">
-                <a16:creationId xmlns:a16="http://schemas.microsoft.com/office/drawing/2014/main" id="{DE65696A-5112-7F9A-EB86-7820DE1B9B54}"/>
+                <a16:creationId xmlns:a16="http://schemas.microsoft.com/office/drawing/2014/main" id="{681AC838-3BED-8423-C706-9E2FB189B642}"/>
+              </a:ext>
+            </a:extLst>
+          </p:cNvPr>
+          <p:cNvSpPr txBox="1"/>
+          <p:nvPr/>
+        </p:nvSpPr>
+        <p:spPr>
+          <a:xfrm>
+            <a:off x="2493916" y="2509700"/>
+            <a:ext cx="6788718" cy="523220"/>
+          </a:xfrm>
+          <a:prstGeom prst="rect">
+            <a:avLst/>
+          </a:prstGeom>
+          <a:noFill/>
+          <a:ln>
+            <a:solidFill>
+              <a:schemeClr val="tx1"/>
+            </a:solidFill>
+          </a:ln>
+        </p:spPr>
+        <p:txBody>
+          <a:bodyPr wrap="none" rtlCol="0">
+            <a:spAutoFit/>
+          </a:bodyPr>
+          <a:lstStyle/>
+          <a:p>
+            <a:r>
+              <a:rPr lang="en-US" sz="2800" dirty="0"/>
+              <a:t>“Depend on abstractions, not concretions"</a:t>
+            </a:r>
+          </a:p>
+        </p:txBody>
+      </p:sp>
+    </p:spTree>
+    <p:extLst>
+      <p:ext uri="{BB962C8B-B14F-4D97-AF65-F5344CB8AC3E}">
+        <p14:creationId xmlns:p14="http://schemas.microsoft.com/office/powerpoint/2010/main" val="707137974"/>
+      </p:ext>
+    </p:extLst>
+  </p:cSld>
+  <p:clrMapOvr>
+    <a:masterClrMapping/>
+  </p:clrMapOvr>
+</p:sld>
+</file>
+
+<file path=ppt/slides/slide42.xml><?xml version="1.0" encoding="utf-8"?>
+<p:sld xmlns:a="http://schemas.openxmlformats.org/drawingml/2006/main" xmlns:r="http://schemas.openxmlformats.org/officeDocument/2006/relationships" xmlns:p="http://schemas.openxmlformats.org/presentationml/2006/main">
+  <p:cSld>
+    <p:spTree>
+      <p:nvGrpSpPr>
+        <p:cNvPr id="1" name="">
+          <a:extLst>
+            <a:ext uri="{FF2B5EF4-FFF2-40B4-BE49-F238E27FC236}">
+              <a16:creationId xmlns:a16="http://schemas.microsoft.com/office/drawing/2014/main" id="{71BDB391-D499-52DC-3F95-F06A387F476D}"/>
+            </a:ext>
+          </a:extLst>
+        </p:cNvPr>
+        <p:cNvGrpSpPr/>
+        <p:nvPr/>
+      </p:nvGrpSpPr>
+      <p:grpSpPr>
+        <a:xfrm>
+          <a:off x="0" y="0"/>
+          <a:ext cx="0" cy="0"/>
+          <a:chOff x="0" y="0"/>
+          <a:chExt cx="0" cy="0"/>
+        </a:xfrm>
+      </p:grpSpPr>
+      <p:sp>
+        <p:nvSpPr>
+          <p:cNvPr id="2" name="Title 1">
+            <a:extLst>
+              <a:ext uri="{FF2B5EF4-FFF2-40B4-BE49-F238E27FC236}">
+                <a16:creationId xmlns:a16="http://schemas.microsoft.com/office/drawing/2014/main" id="{28764930-4215-9A9D-21A8-8197FF41548C}"/>
+              </a:ext>
+            </a:extLst>
+          </p:cNvPr>
+          <p:cNvSpPr>
+            <a:spLocks noGrp="1"/>
+          </p:cNvSpPr>
+          <p:nvPr>
+            <p:ph type="title"/>
+          </p:nvPr>
+        </p:nvSpPr>
+        <p:spPr/>
+        <p:txBody>
+          <a:bodyPr/>
+          <a:lstStyle/>
+          <a:p>
+            <a:r>
+              <a:rPr lang="en-US" dirty="0"/>
+              <a:t>Further reading</a:t>
+            </a:r>
+            <a:endParaRPr lang="LID4096" dirty="0"/>
+          </a:p>
+        </p:txBody>
+      </p:sp>
+      <p:sp>
+        <p:nvSpPr>
+          <p:cNvPr id="3" name="Content Placeholder 2">
+            <a:extLst>
+              <a:ext uri="{FF2B5EF4-FFF2-40B4-BE49-F238E27FC236}">
+                <a16:creationId xmlns:a16="http://schemas.microsoft.com/office/drawing/2014/main" id="{4A6468FA-AC01-700A-B340-DE5CBBC9DF46}"/>
+              </a:ext>
+            </a:extLst>
+          </p:cNvPr>
+          <p:cNvSpPr>
+            <a:spLocks noGrp="1"/>
+          </p:cNvSpPr>
+          <p:nvPr>
+            <p:ph idx="1"/>
+          </p:nvPr>
+        </p:nvSpPr>
+        <p:spPr/>
+        <p:txBody>
+          <a:bodyPr/>
+          <a:lstStyle/>
+          <a:p>
+            <a:r>
+              <a:rPr lang="en-US" dirty="0"/>
+              <a:t>Robert C. Martin (2008) </a:t>
+            </a:r>
+            <a:r>
+              <a:rPr lang="en-US" i="1" dirty="0"/>
+              <a:t>Clean Code: A Handbook of Agile Software Craftsmanship</a:t>
+            </a:r>
+            <a:r>
+              <a:rPr lang="en-US" dirty="0"/>
+              <a:t>, Pearson </a:t>
+            </a:r>
+            <a:endParaRPr lang="LID4096" dirty="0"/>
+          </a:p>
+        </p:txBody>
+      </p:sp>
+      <p:sp>
+        <p:nvSpPr>
+          <p:cNvPr id="4" name="Slide Number Placeholder 3">
+            <a:extLst>
+              <a:ext uri="{FF2B5EF4-FFF2-40B4-BE49-F238E27FC236}">
+                <a16:creationId xmlns:a16="http://schemas.microsoft.com/office/drawing/2014/main" id="{AD946CCD-B2FC-39AB-FE37-5F706B731DCC}"/>
+              </a:ext>
+            </a:extLst>
+          </p:cNvPr>
+          <p:cNvSpPr>
+            <a:spLocks noGrp="1"/>
+          </p:cNvSpPr>
+          <p:nvPr>
+            <p:ph type="sldNum" sz="quarter" idx="12"/>
+          </p:nvPr>
+        </p:nvSpPr>
+        <p:spPr/>
+        <p:txBody>
+          <a:bodyPr/>
+          <a:lstStyle/>
+          <a:p>
+            <a:fld id="{FDB1AA33-DFBB-49AC-8CEE-23FFECEB5648}" type="slidenum">
+              <a:rPr lang="LID4096" smtClean="0"/>
+              <a:t>42</a:t>
+            </a:fld>
+            <a:endParaRPr lang="LID4096"/>
+          </a:p>
+        </p:txBody>
+      </p:sp>
+    </p:spTree>
+    <p:extLst>
+      <p:ext uri="{BB962C8B-B14F-4D97-AF65-F5344CB8AC3E}">
+        <p14:creationId xmlns:p14="http://schemas.microsoft.com/office/powerpoint/2010/main" val="2527627142"/>
+      </p:ext>
+    </p:extLst>
+  </p:cSld>
+  <p:clrMapOvr>
+    <a:masterClrMapping/>
+  </p:clrMapOvr>
+</p:sld>
+</file>
+
+<file path=ppt/slides/slide43.xml><?xml version="1.0" encoding="utf-8"?>
+<p:sld xmlns:a="http://schemas.openxmlformats.org/drawingml/2006/main" xmlns:r="http://schemas.openxmlformats.org/officeDocument/2006/relationships" xmlns:p="http://schemas.openxmlformats.org/presentationml/2006/main">
+  <p:cSld>
+    <p:spTree>
+      <p:nvGrpSpPr>
+        <p:cNvPr id="1" name=""/>
+        <p:cNvGrpSpPr/>
+        <p:nvPr/>
+      </p:nvGrpSpPr>
+      <p:grpSpPr>
+        <a:xfrm>
+          <a:off x="0" y="0"/>
+          <a:ext cx="0" cy="0"/>
+          <a:chOff x="0" y="0"/>
+          <a:chExt cx="0" cy="0"/>
+        </a:xfrm>
+      </p:grpSpPr>
+      <p:sp>
+        <p:nvSpPr>
+          <p:cNvPr id="2" name="Title 1">
+            <a:extLst>
+              <a:ext uri="{FF2B5EF4-FFF2-40B4-BE49-F238E27FC236}">
+                <a16:creationId xmlns:a16="http://schemas.microsoft.com/office/drawing/2014/main" id="{22DA9DDC-00AC-C65F-BAB9-D666A4911419}"/>
+              </a:ext>
+            </a:extLst>
+          </p:cNvPr>
+          <p:cNvSpPr>
+            <a:spLocks noGrp="1"/>
+          </p:cNvSpPr>
+          <p:nvPr>
+            <p:ph type="title"/>
+          </p:nvPr>
+        </p:nvSpPr>
+        <p:spPr/>
+        <p:txBody>
+          <a:bodyPr/>
+          <a:lstStyle/>
+          <a:p>
+            <a:r>
+              <a:rPr lang="en-US" dirty="0"/>
+              <a:t>Design patterns</a:t>
+            </a:r>
+            <a:endParaRPr lang="LID4096" dirty="0"/>
+          </a:p>
+        </p:txBody>
+      </p:sp>
+      <p:sp>
+        <p:nvSpPr>
+          <p:cNvPr id="3" name="Text Placeholder 2">
+            <a:extLst>
+              <a:ext uri="{FF2B5EF4-FFF2-40B4-BE49-F238E27FC236}">
+                <a16:creationId xmlns:a16="http://schemas.microsoft.com/office/drawing/2014/main" id="{9A3CC304-7A54-167F-627F-941E46AB2D0A}"/>
+              </a:ext>
+            </a:extLst>
+          </p:cNvPr>
+          <p:cNvSpPr>
+            <a:spLocks noGrp="1"/>
+          </p:cNvSpPr>
+          <p:nvPr>
+            <p:ph type="body" idx="1"/>
+          </p:nvPr>
+        </p:nvSpPr>
+        <p:spPr/>
+        <p:txBody>
+          <a:bodyPr/>
+          <a:lstStyle/>
+          <a:p>
+            <a:endParaRPr lang="LID4096"/>
+          </a:p>
+        </p:txBody>
+      </p:sp>
+      <p:sp>
+        <p:nvSpPr>
+          <p:cNvPr id="4" name="Slide Number Placeholder 3">
+            <a:extLst>
+              <a:ext uri="{FF2B5EF4-FFF2-40B4-BE49-F238E27FC236}">
+                <a16:creationId xmlns:a16="http://schemas.microsoft.com/office/drawing/2014/main" id="{22A889D4-CBB4-A356-9FBF-17C5A6AB3E9C}"/>
+              </a:ext>
+            </a:extLst>
+          </p:cNvPr>
+          <p:cNvSpPr>
+            <a:spLocks noGrp="1"/>
+          </p:cNvSpPr>
+          <p:nvPr>
+            <p:ph type="sldNum" sz="quarter" idx="12"/>
+          </p:nvPr>
+        </p:nvSpPr>
+        <p:spPr/>
+        <p:txBody>
+          <a:bodyPr/>
+          <a:lstStyle/>
+          <a:p>
+            <a:fld id="{FDB1AA33-DFBB-49AC-8CEE-23FFECEB5648}" type="slidenum">
+              <a:rPr lang="LID4096" smtClean="0"/>
+              <a:t>43</a:t>
+            </a:fld>
+            <a:endParaRPr lang="LID4096"/>
+          </a:p>
+        </p:txBody>
+      </p:sp>
+    </p:spTree>
+    <p:extLst>
+      <p:ext uri="{BB962C8B-B14F-4D97-AF65-F5344CB8AC3E}">
+        <p14:creationId xmlns:p14="http://schemas.microsoft.com/office/powerpoint/2010/main" val="2812671867"/>
+      </p:ext>
+    </p:extLst>
+  </p:cSld>
+  <p:clrMapOvr>
+    <a:masterClrMapping/>
+  </p:clrMapOvr>
+</p:sld>
+</file>
+
+<file path=ppt/slides/slide44.xml><?xml version="1.0" encoding="utf-8"?>
+<p:sld xmlns:a="http://schemas.openxmlformats.org/drawingml/2006/main" xmlns:r="http://schemas.openxmlformats.org/officeDocument/2006/relationships" xmlns:p="http://schemas.openxmlformats.org/presentationml/2006/main">
+  <p:cSld>
+    <p:spTree>
+      <p:nvGrpSpPr>
+        <p:cNvPr id="1" name=""/>
+        <p:cNvGrpSpPr/>
+        <p:nvPr/>
+      </p:nvGrpSpPr>
+      <p:grpSpPr>
+        <a:xfrm>
+          <a:off x="0" y="0"/>
+          <a:ext cx="0" cy="0"/>
+          <a:chOff x="0" y="0"/>
+          <a:chExt cx="0" cy="0"/>
+        </a:xfrm>
+      </p:grpSpPr>
+      <p:sp>
+        <p:nvSpPr>
+          <p:cNvPr id="2" name="Title 1">
+            <a:extLst>
+              <a:ext uri="{FF2B5EF4-FFF2-40B4-BE49-F238E27FC236}">
+                <a16:creationId xmlns:a16="http://schemas.microsoft.com/office/drawing/2014/main" id="{0CDE1B04-6F71-4330-B666-5B7B430C7C40}"/>
+              </a:ext>
+            </a:extLst>
+          </p:cNvPr>
+          <p:cNvSpPr>
+            <a:spLocks noGrp="1"/>
+          </p:cNvSpPr>
+          <p:nvPr>
+            <p:ph type="title"/>
+          </p:nvPr>
+        </p:nvSpPr>
+        <p:spPr/>
+        <p:txBody>
+          <a:bodyPr/>
+          <a:lstStyle/>
+          <a:p>
+            <a:r>
+              <a:rPr lang="en-US" dirty="0"/>
+              <a:t>Motivation</a:t>
+            </a:r>
+          </a:p>
+        </p:txBody>
+      </p:sp>
+      <p:sp>
+        <p:nvSpPr>
+          <p:cNvPr id="3" name="Content Placeholder 2">
+            <a:extLst>
+              <a:ext uri="{FF2B5EF4-FFF2-40B4-BE49-F238E27FC236}">
+                <a16:creationId xmlns:a16="http://schemas.microsoft.com/office/drawing/2014/main" id="{CC98AEC1-1A7F-4251-B837-4A655C9DC61E}"/>
+              </a:ext>
+            </a:extLst>
+          </p:cNvPr>
+          <p:cNvSpPr>
+            <a:spLocks noGrp="1"/>
+          </p:cNvSpPr>
+          <p:nvPr>
+            <p:ph idx="1"/>
+          </p:nvPr>
+        </p:nvSpPr>
+        <p:spPr/>
+        <p:txBody>
+          <a:bodyPr/>
+          <a:lstStyle/>
+          <a:p>
+            <a:r>
+              <a:rPr lang="en-US" dirty="0"/>
+              <a:t>Observation: patterns in problems to solve</a:t>
+            </a:r>
+          </a:p>
+          <a:p>
+            <a:r>
+              <a:rPr lang="en-US" dirty="0"/>
+              <a:t>Design pattern = recipe for software design</a:t>
+            </a:r>
+          </a:p>
+          <a:p>
+            <a:pPr lvl="1"/>
+            <a:r>
+              <a:rPr lang="en-US" dirty="0"/>
+              <a:t>Don’t reinvent the wheel</a:t>
+            </a:r>
+          </a:p>
+        </p:txBody>
+      </p:sp>
+      <p:sp>
+        <p:nvSpPr>
+          <p:cNvPr id="4" name="Slide Number Placeholder 3">
+            <a:extLst>
+              <a:ext uri="{FF2B5EF4-FFF2-40B4-BE49-F238E27FC236}">
+                <a16:creationId xmlns:a16="http://schemas.microsoft.com/office/drawing/2014/main" id="{9F31908B-C8B8-481C-9414-BA9B8EAA880A}"/>
+              </a:ext>
+            </a:extLst>
+          </p:cNvPr>
+          <p:cNvSpPr>
+            <a:spLocks noGrp="1"/>
+          </p:cNvSpPr>
+          <p:nvPr>
+            <p:ph type="sldNum" sz="quarter" idx="12"/>
+          </p:nvPr>
+        </p:nvSpPr>
+        <p:spPr/>
+        <p:txBody>
+          <a:bodyPr/>
+          <a:lstStyle/>
+          <a:p>
+            <a:fld id="{5A209D72-2E9D-49B0-8977-41DCCC66C0BB}" type="slidenum">
+              <a:rPr lang="nl-BE" smtClean="0"/>
+              <a:t>44</a:t>
+            </a:fld>
+            <a:endParaRPr lang="nl-BE"/>
+          </a:p>
+        </p:txBody>
+      </p:sp>
+    </p:spTree>
+    <p:extLst>
+      <p:ext uri="{BB962C8B-B14F-4D97-AF65-F5344CB8AC3E}">
+        <p14:creationId xmlns:p14="http://schemas.microsoft.com/office/powerpoint/2010/main" val="3503158207"/>
+      </p:ext>
+    </p:extLst>
+  </p:cSld>
+  <p:clrMapOvr>
+    <a:masterClrMapping/>
+  </p:clrMapOvr>
+</p:sld>
+</file>
+
+<file path=ppt/slides/slide45.xml><?xml version="1.0" encoding="utf-8"?>
+<p:sld xmlns:a="http://schemas.openxmlformats.org/drawingml/2006/main" xmlns:r="http://schemas.openxmlformats.org/officeDocument/2006/relationships" xmlns:p="http://schemas.openxmlformats.org/presentationml/2006/main">
+  <p:cSld>
+    <p:spTree>
+      <p:nvGrpSpPr>
+        <p:cNvPr id="1" name=""/>
+        <p:cNvGrpSpPr/>
+        <p:nvPr/>
+      </p:nvGrpSpPr>
+      <p:grpSpPr>
+        <a:xfrm>
+          <a:off x="0" y="0"/>
+          <a:ext cx="0" cy="0"/>
+          <a:chOff x="0" y="0"/>
+          <a:chExt cx="0" cy="0"/>
+        </a:xfrm>
+      </p:grpSpPr>
+      <p:sp>
+        <p:nvSpPr>
+          <p:cNvPr id="2" name="Title 1">
+            <a:extLst>
+              <a:ext uri="{FF2B5EF4-FFF2-40B4-BE49-F238E27FC236}">
+                <a16:creationId xmlns:a16="http://schemas.microsoft.com/office/drawing/2014/main" id="{AA5E72B2-61DF-4F7D-A226-9483D7C44016}"/>
+              </a:ext>
+            </a:extLst>
+          </p:cNvPr>
+          <p:cNvSpPr>
+            <a:spLocks noGrp="1"/>
+          </p:cNvSpPr>
+          <p:nvPr>
+            <p:ph type="title"/>
+          </p:nvPr>
+        </p:nvSpPr>
+        <p:spPr/>
+        <p:txBody>
+          <a:bodyPr/>
+          <a:lstStyle/>
+          <a:p>
+            <a:r>
+              <a:rPr lang="en-US" dirty="0"/>
+              <a:t>Design patterns</a:t>
+            </a:r>
+          </a:p>
+        </p:txBody>
+      </p:sp>
+      <p:sp>
+        <p:nvSpPr>
+          <p:cNvPr id="3" name="Content Placeholder 2">
+            <a:extLst>
+              <a:ext uri="{FF2B5EF4-FFF2-40B4-BE49-F238E27FC236}">
+                <a16:creationId xmlns:a16="http://schemas.microsoft.com/office/drawing/2014/main" id="{D04ABB18-0664-4863-B217-DD2E149B55F2}"/>
+              </a:ext>
+            </a:extLst>
+          </p:cNvPr>
+          <p:cNvSpPr>
+            <a:spLocks noGrp="1"/>
+          </p:cNvSpPr>
+          <p:nvPr>
+            <p:ph idx="1"/>
+          </p:nvPr>
+        </p:nvSpPr>
+        <p:spPr/>
+        <p:txBody>
+          <a:bodyPr/>
+          <a:lstStyle/>
+          <a:p>
+            <a:r>
+              <a:rPr lang="en-US" dirty="0"/>
+              <a:t>Quite a lot (23 originally)</a:t>
+            </a:r>
+          </a:p>
+          <a:p>
+            <a:pPr lvl="1"/>
+            <a:r>
+              <a:rPr lang="en-US" dirty="0"/>
+              <a:t>Creational patterns</a:t>
+            </a:r>
+          </a:p>
+          <a:p>
+            <a:pPr lvl="2"/>
+            <a:r>
+              <a:rPr lang="en-US" dirty="0"/>
+              <a:t>E.g., builder, factory</a:t>
+            </a:r>
+          </a:p>
+          <a:p>
+            <a:pPr lvl="1"/>
+            <a:r>
+              <a:rPr lang="en-US" dirty="0"/>
+              <a:t>Structural patterns</a:t>
+            </a:r>
+          </a:p>
+          <a:p>
+            <a:pPr lvl="2"/>
+            <a:r>
+              <a:rPr lang="en-US" dirty="0"/>
+              <a:t>E.g., decorator</a:t>
+            </a:r>
+          </a:p>
+          <a:p>
+            <a:pPr lvl="1"/>
+            <a:r>
+              <a:rPr lang="en-US" dirty="0"/>
+              <a:t>Behavioral patterns</a:t>
+            </a:r>
+          </a:p>
+          <a:p>
+            <a:pPr lvl="2"/>
+            <a:r>
+              <a:rPr lang="en-US" dirty="0"/>
+              <a:t>E.g., state, strategy</a:t>
+            </a:r>
+          </a:p>
+          <a:p>
+            <a:pPr lvl="1"/>
+            <a:r>
+              <a:rPr lang="en-US" dirty="0"/>
+              <a:t>Parallel patterns</a:t>
+            </a:r>
+          </a:p>
+        </p:txBody>
+      </p:sp>
+      <p:sp>
+        <p:nvSpPr>
+          <p:cNvPr id="4" name="Slide Number Placeholder 3">
+            <a:extLst>
+              <a:ext uri="{FF2B5EF4-FFF2-40B4-BE49-F238E27FC236}">
+                <a16:creationId xmlns:a16="http://schemas.microsoft.com/office/drawing/2014/main" id="{6CAD0D00-276F-449C-8ED3-67B7F75E2EF3}"/>
+              </a:ext>
+            </a:extLst>
+          </p:cNvPr>
+          <p:cNvSpPr>
+            <a:spLocks noGrp="1"/>
+          </p:cNvSpPr>
+          <p:nvPr>
+            <p:ph type="sldNum" sz="quarter" idx="12"/>
+          </p:nvPr>
+        </p:nvSpPr>
+        <p:spPr/>
+        <p:txBody>
+          <a:bodyPr/>
+          <a:lstStyle/>
+          <a:p>
+            <a:fld id="{5A209D72-2E9D-49B0-8977-41DCCC66C0BB}" type="slidenum">
+              <a:rPr lang="nl-BE" smtClean="0"/>
+              <a:t>45</a:t>
+            </a:fld>
+            <a:endParaRPr lang="nl-BE"/>
+          </a:p>
+        </p:txBody>
+      </p:sp>
+      <p:sp>
+        <p:nvSpPr>
+          <p:cNvPr id="5" name="TextBox 4">
+            <a:extLst>
+              <a:ext uri="{FF2B5EF4-FFF2-40B4-BE49-F238E27FC236}">
+                <a16:creationId xmlns:a16="http://schemas.microsoft.com/office/drawing/2014/main" id="{0847D2CC-8781-2378-7EC4-F6B367CC3018}"/>
               </a:ext>
             </a:extLst>
           </p:cNvPr>
@@ -18963,7 +19857,7 @@
     </p:spTree>
     <p:extLst>
       <p:ext uri="{BB962C8B-B14F-4D97-AF65-F5344CB8AC3E}">
-        <p14:creationId xmlns:p14="http://schemas.microsoft.com/office/powerpoint/2010/main" val="3340427051"/>
+        <p14:creationId xmlns:p14="http://schemas.microsoft.com/office/powerpoint/2010/main" val="1597816929"/>
       </p:ext>
     </p:extLst>
   </p:cSld>
@@ -19051,7 +19945,7 @@
 </p:sld>
 </file>
 
-<file path=ppt/slides/slide42.xml><?xml version="1.0" encoding="utf-8"?>
+<file path=ppt/slides/slide46.xml><?xml version="1.0" encoding="utf-8"?>
 <p:sld xmlns:a="http://schemas.openxmlformats.org/drawingml/2006/main" xmlns:r="http://schemas.openxmlformats.org/officeDocument/2006/relationships" xmlns:p="http://schemas.openxmlformats.org/presentationml/2006/main">
   <p:cSld>
     <p:spTree>
@@ -19073,7 +19967,7 @@
           <p:cNvPr id="2" name="Title 1">
             <a:extLst>
               <a:ext uri="{FF2B5EF4-FFF2-40B4-BE49-F238E27FC236}">
-                <a16:creationId xmlns:a16="http://schemas.microsoft.com/office/drawing/2014/main" id="{96A48829-0721-1480-5994-E855FF935E6E}"/>
+                <a16:creationId xmlns:a16="http://schemas.microsoft.com/office/drawing/2014/main" id="{6D22119F-79EC-4E00-B9D9-0B2587606086}"/>
               </a:ext>
             </a:extLst>
           </p:cNvPr>
@@ -19091,7 +19985,7 @@
           <a:p>
             <a:r>
               <a:rPr lang="en-US" dirty="0"/>
-              <a:t>Curiously, Repeating Template Pattern (CRTP)</a:t>
+              <a:t>Builder design pattern</a:t>
             </a:r>
             <a:endParaRPr lang="LID4096" dirty="0"/>
           </a:p>
@@ -19099,58 +19993,10 @@
       </p:sp>
       <p:sp>
         <p:nvSpPr>
-          <p:cNvPr id="3" name="Content Placeholder 2">
+          <p:cNvPr id="4" name="Slide Number Placeholder 3">
             <a:extLst>
               <a:ext uri="{FF2B5EF4-FFF2-40B4-BE49-F238E27FC236}">
-                <a16:creationId xmlns:a16="http://schemas.microsoft.com/office/drawing/2014/main" id="{9BB61A49-5C18-EB0F-3E0D-D280F9E302A4}"/>
-              </a:ext>
-            </a:extLst>
-          </p:cNvPr>
-          <p:cNvSpPr>
-            <a:spLocks noGrp="1"/>
-          </p:cNvSpPr>
-          <p:nvPr>
-            <p:ph idx="1"/>
-          </p:nvPr>
-        </p:nvSpPr>
-        <p:spPr/>
-        <p:txBody>
-          <a:bodyPr>
-            <a:normAutofit/>
-          </a:bodyPr>
-          <a:lstStyle/>
-          <a:p>
-            <a:r>
-              <a:rPr lang="en-US" dirty="0"/>
-              <a:t>Avoid virtual function overhead</a:t>
-            </a:r>
-          </a:p>
-          <a:p>
-            <a:r>
-              <a:rPr lang="en-US" dirty="0"/>
-              <a:t>Enforce compile time interface constraints</a:t>
-            </a:r>
-          </a:p>
-          <a:p>
-            <a:r>
-              <a:rPr lang="en-US" dirty="0"/>
-              <a:t>Code reuse without dynamic polymorphism</a:t>
-            </a:r>
-          </a:p>
-          <a:p>
-            <a:r>
-              <a:rPr lang="en-US" dirty="0"/>
-              <a:t>Static  polymorphism</a:t>
-            </a:r>
-          </a:p>
-        </p:txBody>
-      </p:sp>
-      <p:sp>
-        <p:nvSpPr>
-          <p:cNvPr id="4" name="Slide Number Placeholder 3">
-            <a:extLst>
-              <a:ext uri="{FF2B5EF4-FFF2-40B4-BE49-F238E27FC236}">
-                <a16:creationId xmlns:a16="http://schemas.microsoft.com/office/drawing/2014/main" id="{0D8837DD-4DFF-B3FC-6690-1408C5CBE0FA}"/>
+                <a16:creationId xmlns:a16="http://schemas.microsoft.com/office/drawing/2014/main" id="{DFF0D69E-6CD4-B5FE-C976-9D928F3B0DE9}"/>
               </a:ext>
             </a:extLst>
           </p:cNvPr>
@@ -19168,26 +20014,192 @@
           <a:p>
             <a:fld id="{FDB1AA33-DFBB-49AC-8CEE-23FFECEB5648}" type="slidenum">
               <a:rPr lang="LID4096" smtClean="0"/>
-              <a:t>42</a:t>
+              <a:t>46</a:t>
             </a:fld>
             <a:endParaRPr lang="LID4096"/>
+          </a:p>
+        </p:txBody>
+      </p:sp>
+      <p:pic>
+        <p:nvPicPr>
+          <p:cNvPr id="6" name="Picture 5" descr="A diagram of a diagram&#10;&#10;AI-generated content may be incorrect.">
+            <a:extLst>
+              <a:ext uri="{FF2B5EF4-FFF2-40B4-BE49-F238E27FC236}">
+                <a16:creationId xmlns:a16="http://schemas.microsoft.com/office/drawing/2014/main" id="{D7E34681-6E5E-22EF-801F-FCFC18F408CF}"/>
+              </a:ext>
+            </a:extLst>
+          </p:cNvPr>
+          <p:cNvPicPr>
+            <a:picLocks noChangeAspect="1"/>
+          </p:cNvPicPr>
+          <p:nvPr/>
+        </p:nvPicPr>
+        <p:blipFill>
+          <a:blip r:embed="rId2">
+            <a:extLst>
+              <a:ext uri="{28A0092B-C50C-407E-A947-70E740481C1C}">
+                <a14:useLocalDpi xmlns:a14="http://schemas.microsoft.com/office/drawing/2010/main" val="0"/>
+              </a:ext>
+            </a:extLst>
+          </a:blip>
+          <a:stretch>
+            <a:fillRect/>
+          </a:stretch>
+        </p:blipFill>
+        <p:spPr>
+          <a:xfrm>
+            <a:off x="838200" y="1611085"/>
+            <a:ext cx="10318750" cy="3537857"/>
+          </a:xfrm>
+          <a:prstGeom prst="rect">
+            <a:avLst/>
+          </a:prstGeom>
+        </p:spPr>
+      </p:pic>
+      <p:sp>
+        <p:nvSpPr>
+          <p:cNvPr id="3" name="TextBox 2">
+            <a:extLst>
+              <a:ext uri="{FF2B5EF4-FFF2-40B4-BE49-F238E27FC236}">
+                <a16:creationId xmlns:a16="http://schemas.microsoft.com/office/drawing/2014/main" id="{223C3959-50E2-6F04-7F37-FA6E07942ADC}"/>
+              </a:ext>
+            </a:extLst>
+          </p:cNvPr>
+          <p:cNvSpPr txBox="1"/>
+          <p:nvPr/>
+        </p:nvSpPr>
+        <p:spPr>
+          <a:xfrm>
+            <a:off x="499580" y="5791830"/>
+            <a:ext cx="9454448" cy="646331"/>
+          </a:xfrm>
+          <a:prstGeom prst="rect">
+            <a:avLst/>
+          </a:prstGeom>
+          <a:noFill/>
+          <a:ln>
+            <a:solidFill>
+              <a:schemeClr val="tx1"/>
+            </a:solidFill>
+          </a:ln>
+        </p:spPr>
+        <p:txBody>
+          <a:bodyPr wrap="none" rtlCol="0">
+            <a:spAutoFit/>
+          </a:bodyPr>
+          <a:lstStyle/>
+          <a:p>
+            <a:r>
+              <a:rPr lang="en-US" sz="2000" dirty="0"/>
+              <a:t>See</a:t>
+            </a:r>
+          </a:p>
+          <a:p>
+            <a:r>
+              <a:rPr lang="en-US" sz="1600" dirty="0">
+                <a:hlinkClick r:id="rId3"/>
+              </a:rPr>
+              <a:t>https://github.com/gjbex/Scientific-C-plus-plus/tree/master/source-code/DesignPatterns/BuilderPattern</a:t>
+            </a:r>
+            <a:r>
+              <a:rPr lang="en-US" sz="1600" dirty="0"/>
+              <a:t> </a:t>
+            </a:r>
           </a:p>
         </p:txBody>
       </p:sp>
     </p:spTree>
     <p:extLst>
       <p:ext uri="{BB962C8B-B14F-4D97-AF65-F5344CB8AC3E}">
-        <p14:creationId xmlns:p14="http://schemas.microsoft.com/office/powerpoint/2010/main" val="2948353845"/>
+        <p14:creationId xmlns:p14="http://schemas.microsoft.com/office/powerpoint/2010/main" val="1803765814"/>
       </p:ext>
     </p:extLst>
   </p:cSld>
   <p:clrMapOvr>
     <a:masterClrMapping/>
   </p:clrMapOvr>
+  <p:timing>
+    <p:tnLst>
+      <p:par>
+        <p:cTn id="1" dur="indefinite" restart="never" nodeType="tmRoot">
+          <p:childTnLst>
+            <p:seq concurrent="1" nextAc="seek">
+              <p:cTn id="2" dur="indefinite" nodeType="mainSeq">
+                <p:childTnLst>
+                  <p:par>
+                    <p:cTn id="3" fill="hold">
+                      <p:stCondLst>
+                        <p:cond delay="indefinite"/>
+                      </p:stCondLst>
+                      <p:childTnLst>
+                        <p:par>
+                          <p:cTn id="4" fill="hold">
+                            <p:stCondLst>
+                              <p:cond delay="0"/>
+                            </p:stCondLst>
+                            <p:childTnLst>
+                              <p:par>
+                                <p:cTn id="5" presetID="1" presetClass="entr" presetSubtype="0" fill="hold" grpId="0" nodeType="clickEffect">
+                                  <p:stCondLst>
+                                    <p:cond delay="0"/>
+                                  </p:stCondLst>
+                                  <p:childTnLst>
+                                    <p:set>
+                                      <p:cBhvr>
+                                        <p:cTn id="6" dur="1" fill="hold">
+                                          <p:stCondLst>
+                                            <p:cond delay="0"/>
+                                          </p:stCondLst>
+                                        </p:cTn>
+                                        <p:tgtEl>
+                                          <p:spTgt spid="3"/>
+                                        </p:tgtEl>
+                                        <p:attrNameLst>
+                                          <p:attrName>style.visibility</p:attrName>
+                                        </p:attrNameLst>
+                                      </p:cBhvr>
+                                      <p:to>
+                                        <p:strVal val="visible"/>
+                                      </p:to>
+                                    </p:set>
+                                  </p:childTnLst>
+                                </p:cTn>
+                              </p:par>
+                            </p:childTnLst>
+                          </p:cTn>
+                        </p:par>
+                      </p:childTnLst>
+                    </p:cTn>
+                  </p:par>
+                </p:childTnLst>
+              </p:cTn>
+              <p:prevCondLst>
+                <p:cond evt="onPrev" delay="0">
+                  <p:tgtEl>
+                    <p:sldTgt/>
+                  </p:tgtEl>
+                </p:cond>
+              </p:prevCondLst>
+              <p:nextCondLst>
+                <p:cond evt="onNext" delay="0">
+                  <p:tgtEl>
+                    <p:sldTgt/>
+                  </p:tgtEl>
+                </p:cond>
+              </p:nextCondLst>
+            </p:seq>
+          </p:childTnLst>
+        </p:cTn>
+      </p:par>
+    </p:tnLst>
+    <p:bldLst>
+      <p:bldP spid="3" grpId="0" animBg="1"/>
+    </p:bldLst>
+  </p:timing>
 </p:sld>
 </file>
 
-<file path=ppt/slides/slide43.xml><?xml version="1.0" encoding="utf-8"?>
+<file path=ppt/slides/slide47.xml><?xml version="1.0" encoding="utf-8"?>
 <p:sld xmlns:a="http://schemas.openxmlformats.org/drawingml/2006/main" xmlns:r="http://schemas.openxmlformats.org/officeDocument/2006/relationships" xmlns:p="http://schemas.openxmlformats.org/presentationml/2006/main">
   <p:cSld>
     <p:spTree>
@@ -19209,7 +20221,7 @@
           <p:cNvPr id="2" name="Title 1">
             <a:extLst>
               <a:ext uri="{FF2B5EF4-FFF2-40B4-BE49-F238E27FC236}">
-                <a16:creationId xmlns:a16="http://schemas.microsoft.com/office/drawing/2014/main" id="{08C9A350-282A-80DC-C746-795502250CAE}"/>
+                <a16:creationId xmlns:a16="http://schemas.microsoft.com/office/drawing/2014/main" id="{27C65591-8615-7E00-CFBB-3B18270922B4}"/>
               </a:ext>
             </a:extLst>
           </p:cNvPr>
@@ -19227,7 +20239,7 @@
           <a:p>
             <a:r>
               <a:rPr lang="en-US" dirty="0"/>
-              <a:t>CRTP: base class</a:t>
+              <a:t>Factory design pattern</a:t>
             </a:r>
             <a:endParaRPr lang="LID4096" dirty="0"/>
           </a:p>
@@ -19235,10 +20247,10 @@
       </p:sp>
       <p:sp>
         <p:nvSpPr>
-          <p:cNvPr id="4" name="Slide Number Placeholder 3">
+          <p:cNvPr id="3" name="Slide Number Placeholder 2">
             <a:extLst>
               <a:ext uri="{FF2B5EF4-FFF2-40B4-BE49-F238E27FC236}">
-                <a16:creationId xmlns:a16="http://schemas.microsoft.com/office/drawing/2014/main" id="{2B59DEA4-516B-75F2-1733-1B9E7DD26F95}"/>
+                <a16:creationId xmlns:a16="http://schemas.microsoft.com/office/drawing/2014/main" id="{749C0292-7B1E-9B21-4614-155BA8F29F21}"/>
               </a:ext>
             </a:extLst>
           </p:cNvPr>
@@ -19256,7 +20268,1537 @@
           <a:p>
             <a:fld id="{FDB1AA33-DFBB-49AC-8CEE-23FFECEB5648}" type="slidenum">
               <a:rPr lang="LID4096" smtClean="0"/>
-              <a:t>43</a:t>
+              <a:t>47</a:t>
+            </a:fld>
+            <a:endParaRPr lang="LID4096"/>
+          </a:p>
+        </p:txBody>
+      </p:sp>
+      <p:pic>
+        <p:nvPicPr>
+          <p:cNvPr id="5" name="Picture 4" descr="A diagram of a product&#10;&#10;AI-generated content may be incorrect.">
+            <a:extLst>
+              <a:ext uri="{FF2B5EF4-FFF2-40B4-BE49-F238E27FC236}">
+                <a16:creationId xmlns:a16="http://schemas.microsoft.com/office/drawing/2014/main" id="{BBE229AF-EE3A-58FD-5C44-F9FB310063A8}"/>
+              </a:ext>
+            </a:extLst>
+          </p:cNvPr>
+          <p:cNvPicPr>
+            <a:picLocks noChangeAspect="1"/>
+          </p:cNvPicPr>
+          <p:nvPr/>
+        </p:nvPicPr>
+        <p:blipFill>
+          <a:blip r:embed="rId2">
+            <a:extLst>
+              <a:ext uri="{28A0092B-C50C-407E-A947-70E740481C1C}">
+                <a14:useLocalDpi xmlns:a14="http://schemas.microsoft.com/office/drawing/2010/main" val="0"/>
+              </a:ext>
+            </a:extLst>
+          </a:blip>
+          <a:stretch>
+            <a:fillRect/>
+          </a:stretch>
+        </p:blipFill>
+        <p:spPr>
+          <a:xfrm>
+            <a:off x="2216149" y="1690688"/>
+            <a:ext cx="8821965" cy="4234543"/>
+          </a:xfrm>
+          <a:prstGeom prst="rect">
+            <a:avLst/>
+          </a:prstGeom>
+        </p:spPr>
+      </p:pic>
+      <p:sp>
+        <p:nvSpPr>
+          <p:cNvPr id="4" name="TextBox 3">
+            <a:extLst>
+              <a:ext uri="{FF2B5EF4-FFF2-40B4-BE49-F238E27FC236}">
+                <a16:creationId xmlns:a16="http://schemas.microsoft.com/office/drawing/2014/main" id="{A3AE771F-B92C-A5F6-80B5-1C6B4577A404}"/>
+              </a:ext>
+            </a:extLst>
+          </p:cNvPr>
+          <p:cNvSpPr txBox="1"/>
+          <p:nvPr/>
+        </p:nvSpPr>
+        <p:spPr>
+          <a:xfrm>
+            <a:off x="499580" y="5791830"/>
+            <a:ext cx="9752413" cy="892552"/>
+          </a:xfrm>
+          <a:prstGeom prst="rect">
+            <a:avLst/>
+          </a:prstGeom>
+          <a:noFill/>
+          <a:ln>
+            <a:solidFill>
+              <a:schemeClr val="tx1"/>
+            </a:solidFill>
+          </a:ln>
+        </p:spPr>
+        <p:txBody>
+          <a:bodyPr wrap="none" rtlCol="0">
+            <a:spAutoFit/>
+          </a:bodyPr>
+          <a:lstStyle/>
+          <a:p>
+            <a:r>
+              <a:rPr lang="en-US" sz="2000" dirty="0"/>
+              <a:t>See</a:t>
+            </a:r>
+          </a:p>
+          <a:p>
+            <a:r>
+              <a:rPr lang="en-US" sz="1600" dirty="0">
+                <a:hlinkClick r:id="rId3"/>
+              </a:rPr>
+              <a:t>https://github.com/gjbex/Scientific-C-plus-plus/tree/master/source-code/DesignPatterns/FactoryPattern</a:t>
+            </a:r>
+            <a:r>
+              <a:rPr lang="en-US" sz="1600" dirty="0"/>
+              <a:t> </a:t>
+            </a:r>
+            <a:br>
+              <a:rPr lang="en-US" sz="2000" dirty="0"/>
+            </a:br>
+            <a:r>
+              <a:rPr lang="en-US" sz="1600" dirty="0">
+                <a:hlinkClick r:id="rId4"/>
+              </a:rPr>
+              <a:t>https://github.com/gjbex/Scientific-C-plus-plus/tree/master/source-code/DesignPatterns/CellularAutomata</a:t>
+            </a:r>
+            <a:r>
+              <a:rPr lang="en-US" sz="1600" dirty="0"/>
+              <a:t> </a:t>
+            </a:r>
+          </a:p>
+        </p:txBody>
+      </p:sp>
+    </p:spTree>
+    <p:extLst>
+      <p:ext uri="{BB962C8B-B14F-4D97-AF65-F5344CB8AC3E}">
+        <p14:creationId xmlns:p14="http://schemas.microsoft.com/office/powerpoint/2010/main" val="298727713"/>
+      </p:ext>
+    </p:extLst>
+  </p:cSld>
+  <p:clrMapOvr>
+    <a:masterClrMapping/>
+  </p:clrMapOvr>
+  <p:timing>
+    <p:tnLst>
+      <p:par>
+        <p:cTn id="1" dur="indefinite" restart="never" nodeType="tmRoot">
+          <p:childTnLst>
+            <p:seq concurrent="1" nextAc="seek">
+              <p:cTn id="2" dur="indefinite" nodeType="mainSeq">
+                <p:childTnLst>
+                  <p:par>
+                    <p:cTn id="3" fill="hold">
+                      <p:stCondLst>
+                        <p:cond delay="indefinite"/>
+                      </p:stCondLst>
+                      <p:childTnLst>
+                        <p:par>
+                          <p:cTn id="4" fill="hold">
+                            <p:stCondLst>
+                              <p:cond delay="0"/>
+                            </p:stCondLst>
+                            <p:childTnLst>
+                              <p:par>
+                                <p:cTn id="5" presetID="1" presetClass="entr" presetSubtype="0" fill="hold" grpId="0" nodeType="clickEffect">
+                                  <p:stCondLst>
+                                    <p:cond delay="0"/>
+                                  </p:stCondLst>
+                                  <p:childTnLst>
+                                    <p:set>
+                                      <p:cBhvr>
+                                        <p:cTn id="6" dur="1" fill="hold">
+                                          <p:stCondLst>
+                                            <p:cond delay="0"/>
+                                          </p:stCondLst>
+                                        </p:cTn>
+                                        <p:tgtEl>
+                                          <p:spTgt spid="4"/>
+                                        </p:tgtEl>
+                                        <p:attrNameLst>
+                                          <p:attrName>style.visibility</p:attrName>
+                                        </p:attrNameLst>
+                                      </p:cBhvr>
+                                      <p:to>
+                                        <p:strVal val="visible"/>
+                                      </p:to>
+                                    </p:set>
+                                  </p:childTnLst>
+                                </p:cTn>
+                              </p:par>
+                            </p:childTnLst>
+                          </p:cTn>
+                        </p:par>
+                      </p:childTnLst>
+                    </p:cTn>
+                  </p:par>
+                </p:childTnLst>
+              </p:cTn>
+              <p:prevCondLst>
+                <p:cond evt="onPrev" delay="0">
+                  <p:tgtEl>
+                    <p:sldTgt/>
+                  </p:tgtEl>
+                </p:cond>
+              </p:prevCondLst>
+              <p:nextCondLst>
+                <p:cond evt="onNext" delay="0">
+                  <p:tgtEl>
+                    <p:sldTgt/>
+                  </p:tgtEl>
+                </p:cond>
+              </p:nextCondLst>
+            </p:seq>
+          </p:childTnLst>
+        </p:cTn>
+      </p:par>
+    </p:tnLst>
+    <p:bldLst>
+      <p:bldP spid="4" grpId="0" animBg="1"/>
+    </p:bldLst>
+  </p:timing>
+</p:sld>
+</file>
+
+<file path=ppt/slides/slide48.xml><?xml version="1.0" encoding="utf-8"?>
+<p:sld xmlns:a="http://schemas.openxmlformats.org/drawingml/2006/main" xmlns:r="http://schemas.openxmlformats.org/officeDocument/2006/relationships" xmlns:p="http://schemas.openxmlformats.org/presentationml/2006/main">
+  <p:cSld>
+    <p:spTree>
+      <p:nvGrpSpPr>
+        <p:cNvPr id="1" name=""/>
+        <p:cNvGrpSpPr/>
+        <p:nvPr/>
+      </p:nvGrpSpPr>
+      <p:grpSpPr>
+        <a:xfrm>
+          <a:off x="0" y="0"/>
+          <a:ext cx="0" cy="0"/>
+          <a:chOff x="0" y="0"/>
+          <a:chExt cx="0" cy="0"/>
+        </a:xfrm>
+      </p:grpSpPr>
+      <p:sp>
+        <p:nvSpPr>
+          <p:cNvPr id="2" name="Title 1">
+            <a:extLst>
+              <a:ext uri="{FF2B5EF4-FFF2-40B4-BE49-F238E27FC236}">
+                <a16:creationId xmlns:a16="http://schemas.microsoft.com/office/drawing/2014/main" id="{3461A7F5-2B05-C3D6-543A-A394B3B45442}"/>
+              </a:ext>
+            </a:extLst>
+          </p:cNvPr>
+          <p:cNvSpPr>
+            <a:spLocks noGrp="1"/>
+          </p:cNvSpPr>
+          <p:nvPr>
+            <p:ph type="title"/>
+          </p:nvPr>
+        </p:nvSpPr>
+        <p:spPr/>
+        <p:txBody>
+          <a:bodyPr/>
+          <a:lstStyle/>
+          <a:p>
+            <a:r>
+              <a:rPr lang="en-US" dirty="0"/>
+              <a:t>Strategy design pattern</a:t>
+            </a:r>
+            <a:endParaRPr lang="LID4096" dirty="0"/>
+          </a:p>
+        </p:txBody>
+      </p:sp>
+      <p:sp>
+        <p:nvSpPr>
+          <p:cNvPr id="3" name="Slide Number Placeholder 2">
+            <a:extLst>
+              <a:ext uri="{FF2B5EF4-FFF2-40B4-BE49-F238E27FC236}">
+                <a16:creationId xmlns:a16="http://schemas.microsoft.com/office/drawing/2014/main" id="{93BF2698-8B5C-02E9-CF1F-D8F75C69959C}"/>
+              </a:ext>
+            </a:extLst>
+          </p:cNvPr>
+          <p:cNvSpPr>
+            <a:spLocks noGrp="1"/>
+          </p:cNvSpPr>
+          <p:nvPr>
+            <p:ph type="sldNum" sz="quarter" idx="12"/>
+          </p:nvPr>
+        </p:nvSpPr>
+        <p:spPr/>
+        <p:txBody>
+          <a:bodyPr/>
+          <a:lstStyle/>
+          <a:p>
+            <a:fld id="{FDB1AA33-DFBB-49AC-8CEE-23FFECEB5648}" type="slidenum">
+              <a:rPr lang="LID4096" smtClean="0"/>
+              <a:t>48</a:t>
+            </a:fld>
+            <a:endParaRPr lang="LID4096"/>
+          </a:p>
+        </p:txBody>
+      </p:sp>
+      <p:pic>
+        <p:nvPicPr>
+          <p:cNvPr id="5" name="Picture 4" descr="A diagram of a strategy&#10;&#10;AI-generated content may be incorrect.">
+            <a:extLst>
+              <a:ext uri="{FF2B5EF4-FFF2-40B4-BE49-F238E27FC236}">
+                <a16:creationId xmlns:a16="http://schemas.microsoft.com/office/drawing/2014/main" id="{D211B979-B94C-AE2D-9433-33FECD2261C3}"/>
+              </a:ext>
+            </a:extLst>
+          </p:cNvPr>
+          <p:cNvPicPr>
+            <a:picLocks noChangeAspect="1"/>
+          </p:cNvPicPr>
+          <p:nvPr/>
+        </p:nvPicPr>
+        <p:blipFill>
+          <a:blip r:embed="rId2">
+            <a:extLst>
+              <a:ext uri="{28A0092B-C50C-407E-A947-70E740481C1C}">
+                <a14:useLocalDpi xmlns:a14="http://schemas.microsoft.com/office/drawing/2010/main" val="0"/>
+              </a:ext>
+            </a:extLst>
+          </a:blip>
+          <a:stretch>
+            <a:fillRect/>
+          </a:stretch>
+        </p:blipFill>
+        <p:spPr>
+          <a:xfrm>
+            <a:off x="445407" y="1690688"/>
+            <a:ext cx="11301186" cy="4172746"/>
+          </a:xfrm>
+          <a:prstGeom prst="rect">
+            <a:avLst/>
+          </a:prstGeom>
+        </p:spPr>
+      </p:pic>
+      <p:sp>
+        <p:nvSpPr>
+          <p:cNvPr id="4" name="TextBox 3">
+            <a:extLst>
+              <a:ext uri="{FF2B5EF4-FFF2-40B4-BE49-F238E27FC236}">
+                <a16:creationId xmlns:a16="http://schemas.microsoft.com/office/drawing/2014/main" id="{9A043FF5-1E32-01EF-A4BE-A3BD95E2D17C}"/>
+              </a:ext>
+            </a:extLst>
+          </p:cNvPr>
+          <p:cNvSpPr txBox="1"/>
+          <p:nvPr/>
+        </p:nvSpPr>
+        <p:spPr>
+          <a:xfrm>
+            <a:off x="499580" y="5791830"/>
+            <a:ext cx="9752413" cy="892552"/>
+          </a:xfrm>
+          <a:prstGeom prst="rect">
+            <a:avLst/>
+          </a:prstGeom>
+          <a:noFill/>
+          <a:ln>
+            <a:solidFill>
+              <a:schemeClr val="tx1"/>
+            </a:solidFill>
+          </a:ln>
+        </p:spPr>
+        <p:txBody>
+          <a:bodyPr wrap="none" rtlCol="0">
+            <a:spAutoFit/>
+          </a:bodyPr>
+          <a:lstStyle/>
+          <a:p>
+            <a:r>
+              <a:rPr lang="en-US" sz="2000" dirty="0"/>
+              <a:t>See</a:t>
+            </a:r>
+            <a:br>
+              <a:rPr lang="en-US" sz="2000" dirty="0"/>
+            </a:br>
+            <a:r>
+              <a:rPr lang="en-US" sz="1600" dirty="0">
+                <a:hlinkClick r:id="rId3"/>
+              </a:rPr>
+              <a:t>https://github.com/gjbex/Scientific-C-plus-plus/tree/master/source-code/DesignPatterns/StrategyPattern</a:t>
+            </a:r>
+            <a:r>
+              <a:rPr lang="en-US" sz="1600" dirty="0"/>
+              <a:t> </a:t>
+            </a:r>
+            <a:endParaRPr lang="en-US" sz="2000" dirty="0"/>
+          </a:p>
+          <a:p>
+            <a:r>
+              <a:rPr lang="en-US" sz="1600" dirty="0">
+                <a:hlinkClick r:id="rId4"/>
+              </a:rPr>
+              <a:t>https://github.com/gjbex/Scientific-C-plus-plus/tree/master/source-code/DesignPatterns/CellularAutomata</a:t>
+            </a:r>
+            <a:r>
+              <a:rPr lang="en-US" sz="1600" dirty="0"/>
+              <a:t> </a:t>
+            </a:r>
+          </a:p>
+        </p:txBody>
+      </p:sp>
+    </p:spTree>
+    <p:extLst>
+      <p:ext uri="{BB962C8B-B14F-4D97-AF65-F5344CB8AC3E}">
+        <p14:creationId xmlns:p14="http://schemas.microsoft.com/office/powerpoint/2010/main" val="4061975628"/>
+      </p:ext>
+    </p:extLst>
+  </p:cSld>
+  <p:clrMapOvr>
+    <a:masterClrMapping/>
+  </p:clrMapOvr>
+  <p:timing>
+    <p:tnLst>
+      <p:par>
+        <p:cTn id="1" dur="indefinite" restart="never" nodeType="tmRoot">
+          <p:childTnLst>
+            <p:seq concurrent="1" nextAc="seek">
+              <p:cTn id="2" dur="indefinite" nodeType="mainSeq">
+                <p:childTnLst>
+                  <p:par>
+                    <p:cTn id="3" fill="hold">
+                      <p:stCondLst>
+                        <p:cond delay="indefinite"/>
+                      </p:stCondLst>
+                      <p:childTnLst>
+                        <p:par>
+                          <p:cTn id="4" fill="hold">
+                            <p:stCondLst>
+                              <p:cond delay="0"/>
+                            </p:stCondLst>
+                            <p:childTnLst>
+                              <p:par>
+                                <p:cTn id="5" presetID="1" presetClass="entr" presetSubtype="0" fill="hold" grpId="0" nodeType="clickEffect">
+                                  <p:stCondLst>
+                                    <p:cond delay="0"/>
+                                  </p:stCondLst>
+                                  <p:childTnLst>
+                                    <p:set>
+                                      <p:cBhvr>
+                                        <p:cTn id="6" dur="1" fill="hold">
+                                          <p:stCondLst>
+                                            <p:cond delay="0"/>
+                                          </p:stCondLst>
+                                        </p:cTn>
+                                        <p:tgtEl>
+                                          <p:spTgt spid="4"/>
+                                        </p:tgtEl>
+                                        <p:attrNameLst>
+                                          <p:attrName>style.visibility</p:attrName>
+                                        </p:attrNameLst>
+                                      </p:cBhvr>
+                                      <p:to>
+                                        <p:strVal val="visible"/>
+                                      </p:to>
+                                    </p:set>
+                                  </p:childTnLst>
+                                </p:cTn>
+                              </p:par>
+                            </p:childTnLst>
+                          </p:cTn>
+                        </p:par>
+                      </p:childTnLst>
+                    </p:cTn>
+                  </p:par>
+                </p:childTnLst>
+              </p:cTn>
+              <p:prevCondLst>
+                <p:cond evt="onPrev" delay="0">
+                  <p:tgtEl>
+                    <p:sldTgt/>
+                  </p:tgtEl>
+                </p:cond>
+              </p:prevCondLst>
+              <p:nextCondLst>
+                <p:cond evt="onNext" delay="0">
+                  <p:tgtEl>
+                    <p:sldTgt/>
+                  </p:tgtEl>
+                </p:cond>
+              </p:nextCondLst>
+            </p:seq>
+          </p:childTnLst>
+        </p:cTn>
+      </p:par>
+    </p:tnLst>
+    <p:bldLst>
+      <p:bldP spid="4" grpId="0" animBg="1"/>
+    </p:bldLst>
+  </p:timing>
+</p:sld>
+</file>
+
+<file path=ppt/slides/slide49.xml><?xml version="1.0" encoding="utf-8"?>
+<p:sld xmlns:a="http://schemas.openxmlformats.org/drawingml/2006/main" xmlns:r="http://schemas.openxmlformats.org/officeDocument/2006/relationships" xmlns:p="http://schemas.openxmlformats.org/presentationml/2006/main">
+  <p:cSld>
+    <p:spTree>
+      <p:nvGrpSpPr>
+        <p:cNvPr id="1" name=""/>
+        <p:cNvGrpSpPr/>
+        <p:nvPr/>
+      </p:nvGrpSpPr>
+      <p:grpSpPr>
+        <a:xfrm>
+          <a:off x="0" y="0"/>
+          <a:ext cx="0" cy="0"/>
+          <a:chOff x="0" y="0"/>
+          <a:chExt cx="0" cy="0"/>
+        </a:xfrm>
+      </p:grpSpPr>
+      <p:sp>
+        <p:nvSpPr>
+          <p:cNvPr id="2" name="Title 1">
+            <a:extLst>
+              <a:ext uri="{FF2B5EF4-FFF2-40B4-BE49-F238E27FC236}">
+                <a16:creationId xmlns:a16="http://schemas.microsoft.com/office/drawing/2014/main" id="{7FB23902-4673-FD84-A438-AC235282E2BD}"/>
+              </a:ext>
+            </a:extLst>
+          </p:cNvPr>
+          <p:cNvSpPr>
+            <a:spLocks noGrp="1"/>
+          </p:cNvSpPr>
+          <p:nvPr>
+            <p:ph type="title"/>
+          </p:nvPr>
+        </p:nvSpPr>
+        <p:spPr/>
+        <p:txBody>
+          <a:bodyPr/>
+          <a:lstStyle/>
+          <a:p>
+            <a:r>
+              <a:rPr lang="en-US" dirty="0"/>
+              <a:t>Decorator pattern</a:t>
+            </a:r>
+            <a:endParaRPr lang="LID4096" dirty="0"/>
+          </a:p>
+        </p:txBody>
+      </p:sp>
+      <p:sp>
+        <p:nvSpPr>
+          <p:cNvPr id="3" name="Slide Number Placeholder 2">
+            <a:extLst>
+              <a:ext uri="{FF2B5EF4-FFF2-40B4-BE49-F238E27FC236}">
+                <a16:creationId xmlns:a16="http://schemas.microsoft.com/office/drawing/2014/main" id="{A78D1F06-39E4-F97D-EF30-466A89D65C12}"/>
+              </a:ext>
+            </a:extLst>
+          </p:cNvPr>
+          <p:cNvSpPr>
+            <a:spLocks noGrp="1"/>
+          </p:cNvSpPr>
+          <p:nvPr>
+            <p:ph type="sldNum" sz="quarter" idx="12"/>
+          </p:nvPr>
+        </p:nvSpPr>
+        <p:spPr/>
+        <p:txBody>
+          <a:bodyPr/>
+          <a:lstStyle/>
+          <a:p>
+            <a:fld id="{FDB1AA33-DFBB-49AC-8CEE-23FFECEB5648}" type="slidenum">
+              <a:rPr lang="LID4096" smtClean="0"/>
+              <a:t>49</a:t>
+            </a:fld>
+            <a:endParaRPr lang="LID4096"/>
+          </a:p>
+        </p:txBody>
+      </p:sp>
+      <p:pic>
+        <p:nvPicPr>
+          <p:cNvPr id="5" name="Graphic 4">
+            <a:extLst>
+              <a:ext uri="{FF2B5EF4-FFF2-40B4-BE49-F238E27FC236}">
+                <a16:creationId xmlns:a16="http://schemas.microsoft.com/office/drawing/2014/main" id="{54786055-7602-0DE3-36B7-1F30D4A6576C}"/>
+              </a:ext>
+            </a:extLst>
+          </p:cNvPr>
+          <p:cNvPicPr>
+            <a:picLocks noChangeAspect="1"/>
+          </p:cNvPicPr>
+          <p:nvPr/>
+        </p:nvPicPr>
+        <p:blipFill>
+          <a:blip r:embed="rId2">
+            <a:extLst>
+              <a:ext uri="{96DAC541-7B7A-43D3-8B79-37D633B846F1}">
+                <asvg:svgBlip xmlns:asvg="http://schemas.microsoft.com/office/drawing/2016/SVG/main" r:embed="rId3"/>
+              </a:ext>
+            </a:extLst>
+          </a:blip>
+          <a:stretch>
+            <a:fillRect/>
+          </a:stretch>
+        </p:blipFill>
+        <p:spPr>
+          <a:xfrm>
+            <a:off x="4484915" y="1309007"/>
+            <a:ext cx="5486400" cy="4343400"/>
+          </a:xfrm>
+          <a:prstGeom prst="rect">
+            <a:avLst/>
+          </a:prstGeom>
+        </p:spPr>
+      </p:pic>
+      <p:sp>
+        <p:nvSpPr>
+          <p:cNvPr id="6" name="TextBox 5">
+            <a:extLst>
+              <a:ext uri="{FF2B5EF4-FFF2-40B4-BE49-F238E27FC236}">
+                <a16:creationId xmlns:a16="http://schemas.microsoft.com/office/drawing/2014/main" id="{131BC909-6E38-C6E1-B1D7-DFDEAACD242A}"/>
+              </a:ext>
+            </a:extLst>
+          </p:cNvPr>
+          <p:cNvSpPr txBox="1"/>
+          <p:nvPr/>
+        </p:nvSpPr>
+        <p:spPr>
+          <a:xfrm>
+            <a:off x="499580" y="5791830"/>
+            <a:ext cx="9752413" cy="646331"/>
+          </a:xfrm>
+          <a:prstGeom prst="rect">
+            <a:avLst/>
+          </a:prstGeom>
+          <a:noFill/>
+          <a:ln>
+            <a:solidFill>
+              <a:schemeClr val="tx1"/>
+            </a:solidFill>
+          </a:ln>
+        </p:spPr>
+        <p:txBody>
+          <a:bodyPr wrap="none" rtlCol="0">
+            <a:spAutoFit/>
+          </a:bodyPr>
+          <a:lstStyle/>
+          <a:p>
+            <a:r>
+              <a:rPr lang="en-US" sz="2000" dirty="0"/>
+              <a:t>See</a:t>
+            </a:r>
+            <a:br>
+              <a:rPr lang="en-US" sz="2000" dirty="0"/>
+            </a:br>
+            <a:r>
+              <a:rPr lang="en-US" sz="1600" dirty="0">
+                <a:hlinkClick r:id="rId4"/>
+              </a:rPr>
+              <a:t>https://github.com/gjbex/Scientific-C-plus-plus/tree/master/source-code/DesignPatterns/CellularAutomata</a:t>
+            </a:r>
+            <a:r>
+              <a:rPr lang="en-US" sz="1600" dirty="0"/>
+              <a:t> </a:t>
+            </a:r>
+          </a:p>
+        </p:txBody>
+      </p:sp>
+    </p:spTree>
+    <p:extLst>
+      <p:ext uri="{BB962C8B-B14F-4D97-AF65-F5344CB8AC3E}">
+        <p14:creationId xmlns:p14="http://schemas.microsoft.com/office/powerpoint/2010/main" val="958888166"/>
+      </p:ext>
+    </p:extLst>
+  </p:cSld>
+  <p:clrMapOvr>
+    <a:masterClrMapping/>
+  </p:clrMapOvr>
+  <p:timing>
+    <p:tnLst>
+      <p:par>
+        <p:cTn id="1" dur="indefinite" restart="never" nodeType="tmRoot">
+          <p:childTnLst>
+            <p:seq concurrent="1" nextAc="seek">
+              <p:cTn id="2" dur="indefinite" nodeType="mainSeq">
+                <p:childTnLst>
+                  <p:par>
+                    <p:cTn id="3" fill="hold">
+                      <p:stCondLst>
+                        <p:cond delay="indefinite"/>
+                      </p:stCondLst>
+                      <p:childTnLst>
+                        <p:par>
+                          <p:cTn id="4" fill="hold">
+                            <p:stCondLst>
+                              <p:cond delay="0"/>
+                            </p:stCondLst>
+                            <p:childTnLst>
+                              <p:par>
+                                <p:cTn id="5" presetID="1" presetClass="entr" presetSubtype="0" fill="hold" grpId="0" nodeType="clickEffect">
+                                  <p:stCondLst>
+                                    <p:cond delay="0"/>
+                                  </p:stCondLst>
+                                  <p:childTnLst>
+                                    <p:set>
+                                      <p:cBhvr>
+                                        <p:cTn id="6" dur="1" fill="hold">
+                                          <p:stCondLst>
+                                            <p:cond delay="0"/>
+                                          </p:stCondLst>
+                                        </p:cTn>
+                                        <p:tgtEl>
+                                          <p:spTgt spid="6"/>
+                                        </p:tgtEl>
+                                        <p:attrNameLst>
+                                          <p:attrName>style.visibility</p:attrName>
+                                        </p:attrNameLst>
+                                      </p:cBhvr>
+                                      <p:to>
+                                        <p:strVal val="visible"/>
+                                      </p:to>
+                                    </p:set>
+                                  </p:childTnLst>
+                                </p:cTn>
+                              </p:par>
+                            </p:childTnLst>
+                          </p:cTn>
+                        </p:par>
+                      </p:childTnLst>
+                    </p:cTn>
+                  </p:par>
+                </p:childTnLst>
+              </p:cTn>
+              <p:prevCondLst>
+                <p:cond evt="onPrev" delay="0">
+                  <p:tgtEl>
+                    <p:sldTgt/>
+                  </p:tgtEl>
+                </p:cond>
+              </p:prevCondLst>
+              <p:nextCondLst>
+                <p:cond evt="onNext" delay="0">
+                  <p:tgtEl>
+                    <p:sldTgt/>
+                  </p:tgtEl>
+                </p:cond>
+              </p:nextCondLst>
+            </p:seq>
+          </p:childTnLst>
+        </p:cTn>
+      </p:par>
+    </p:tnLst>
+    <p:bldLst>
+      <p:bldP spid="6" grpId="0" animBg="1"/>
+    </p:bldLst>
+  </p:timing>
+</p:sld>
+</file>
+
+<file path=ppt/slides/slide5.xml><?xml version="1.0" encoding="utf-8"?>
+<p:sld xmlns:a="http://schemas.openxmlformats.org/drawingml/2006/main" xmlns:r="http://schemas.openxmlformats.org/officeDocument/2006/relationships" xmlns:p="http://schemas.openxmlformats.org/presentationml/2006/main">
+  <p:cSld>
+    <p:spTree>
+      <p:nvGrpSpPr>
+        <p:cNvPr id="1" name=""/>
+        <p:cNvGrpSpPr/>
+        <p:nvPr/>
+      </p:nvGrpSpPr>
+      <p:grpSpPr>
+        <a:xfrm>
+          <a:off x="0" y="0"/>
+          <a:ext cx="0" cy="0"/>
+          <a:chOff x="0" y="0"/>
+          <a:chExt cx="0" cy="0"/>
+        </a:xfrm>
+      </p:grpSpPr>
+      <p:sp>
+        <p:nvSpPr>
+          <p:cNvPr id="2" name="Title 1"/>
+          <p:cNvSpPr>
+            <a:spLocks noGrp="1"/>
+          </p:cNvSpPr>
+          <p:nvPr>
+            <p:ph type="title"/>
+          </p:nvPr>
+        </p:nvSpPr>
+        <p:spPr/>
+        <p:txBody>
+          <a:bodyPr/>
+          <a:lstStyle/>
+          <a:p>
+            <a:r>
+              <a:rPr lang="en-US" dirty="0"/>
+              <a:t>Typographical conventions: shell</a:t>
+            </a:r>
+            <a:endParaRPr lang="nl-BE" dirty="0"/>
+          </a:p>
+        </p:txBody>
+      </p:sp>
+      <p:sp>
+        <p:nvSpPr>
+          <p:cNvPr id="3" name="Content Placeholder 2"/>
+          <p:cNvSpPr>
+            <a:spLocks noGrp="1"/>
+          </p:cNvSpPr>
+          <p:nvPr>
+            <p:ph idx="1"/>
+          </p:nvPr>
+        </p:nvSpPr>
+        <p:spPr/>
+        <p:txBody>
+          <a:bodyPr/>
+          <a:lstStyle/>
+          <a:p>
+            <a:r>
+              <a:rPr lang="en-US" dirty="0"/>
+              <a:t>Shell commands are rendered as</a:t>
+            </a:r>
+          </a:p>
+          <a:p>
+            <a:endParaRPr lang="en-US" dirty="0"/>
+          </a:p>
+          <a:p>
+            <a:pPr lvl="1"/>
+            <a:r>
+              <a:rPr lang="en-US" dirty="0"/>
+              <a:t>Do </a:t>
+            </a:r>
+            <a:r>
+              <a:rPr lang="en-US" i="1" dirty="0"/>
+              <a:t>not</a:t>
+            </a:r>
+            <a:r>
+              <a:rPr lang="en-US" dirty="0"/>
+              <a:t> type </a:t>
+            </a:r>
+            <a:r>
+              <a:rPr lang="en-US" dirty="0">
+                <a:latin typeface="Courier New" pitchFamily="49" charset="0"/>
+                <a:cs typeface="Courier New" pitchFamily="49" charset="0"/>
+              </a:rPr>
+              <a:t>$</a:t>
+            </a:r>
+            <a:r>
+              <a:rPr lang="en-US" dirty="0"/>
+              <a:t>, it represents your shell prompt!</a:t>
+            </a:r>
+          </a:p>
+        </p:txBody>
+      </p:sp>
+      <p:sp>
+        <p:nvSpPr>
+          <p:cNvPr id="4" name="TextBox 3"/>
+          <p:cNvSpPr txBox="1"/>
+          <p:nvPr/>
+        </p:nvSpPr>
+        <p:spPr>
+          <a:xfrm>
+            <a:off x="2855641" y="2321241"/>
+            <a:ext cx="3631122" cy="369332"/>
+          </a:xfrm>
+          <a:prstGeom prst="rect">
+            <a:avLst/>
+          </a:prstGeom>
+          <a:solidFill>
+            <a:schemeClr val="tx1"/>
+          </a:solidFill>
+          <a:ln>
+            <a:solidFill>
+              <a:schemeClr val="tx1"/>
+            </a:solidFill>
+          </a:ln>
+        </p:spPr>
+        <p:txBody>
+          <a:bodyPr wrap="none" rtlCol="0">
+            <a:spAutoFit/>
+          </a:bodyPr>
+          <a:lstStyle/>
+          <a:p>
+            <a:r>
+              <a:rPr lang="en-US" b="1" dirty="0">
+                <a:solidFill>
+                  <a:schemeClr val="bg1"/>
+                </a:solidFill>
+                <a:latin typeface="Courier New" pitchFamily="49" charset="0"/>
+                <a:cs typeface="Courier New" pitchFamily="49" charset="0"/>
+              </a:rPr>
+              <a:t>$  </a:t>
+            </a:r>
+            <a:r>
+              <a:rPr lang="en-US" b="1" dirty="0" err="1">
+                <a:solidFill>
+                  <a:schemeClr val="bg1"/>
+                </a:solidFill>
+                <a:latin typeface="Courier New" pitchFamily="49" charset="0"/>
+                <a:cs typeface="Courier New" pitchFamily="49" charset="0"/>
+              </a:rPr>
+              <a:t>cmake</a:t>
+            </a:r>
+            <a:r>
+              <a:rPr lang="en-US" b="1" dirty="0">
+                <a:solidFill>
+                  <a:schemeClr val="bg1"/>
+                </a:solidFill>
+                <a:latin typeface="Courier New" pitchFamily="49" charset="0"/>
+                <a:cs typeface="Courier New" pitchFamily="49" charset="0"/>
+              </a:rPr>
+              <a:t>  -B build/  -S .</a:t>
+            </a:r>
+            <a:endParaRPr lang="nl-BE" b="1" dirty="0">
+              <a:solidFill>
+                <a:schemeClr val="bg1"/>
+              </a:solidFill>
+              <a:latin typeface="Courier New" pitchFamily="49" charset="0"/>
+              <a:cs typeface="Courier New" pitchFamily="49" charset="0"/>
+            </a:endParaRPr>
+          </a:p>
+        </p:txBody>
+      </p:sp>
+      <p:sp>
+        <p:nvSpPr>
+          <p:cNvPr id="5" name="Slide Number Placeholder 4"/>
+          <p:cNvSpPr>
+            <a:spLocks noGrp="1"/>
+          </p:cNvSpPr>
+          <p:nvPr>
+            <p:ph type="sldNum" sz="quarter" idx="12"/>
+          </p:nvPr>
+        </p:nvSpPr>
+        <p:spPr/>
+        <p:txBody>
+          <a:bodyPr/>
+          <a:lstStyle/>
+          <a:p>
+            <a:fld id="{BB52A05A-A776-4391-ACD7-D6BC34D3145C}" type="slidenum">
+              <a:rPr lang="nl-BE" smtClean="0"/>
+              <a:t>5</a:t>
+            </a:fld>
+            <a:endParaRPr lang="nl-BE"/>
+          </a:p>
+        </p:txBody>
+      </p:sp>
+    </p:spTree>
+    <p:extLst>
+      <p:ext uri="{BB962C8B-B14F-4D97-AF65-F5344CB8AC3E}">
+        <p14:creationId xmlns:p14="http://schemas.microsoft.com/office/powerpoint/2010/main" val="2597093166"/>
+      </p:ext>
+    </p:extLst>
+  </p:cSld>
+  <p:clrMapOvr>
+    <a:masterClrMapping/>
+  </p:clrMapOvr>
+  <p:timing>
+    <p:tnLst>
+      <p:par>
+        <p:cTn id="1" dur="indefinite" restart="never" nodeType="tmRoot">
+          <p:childTnLst>
+            <p:seq concurrent="1" nextAc="seek">
+              <p:cTn id="2" dur="indefinite" nodeType="mainSeq">
+                <p:childTnLst>
+                  <p:par>
+                    <p:cTn id="3" fill="hold">
+                      <p:stCondLst>
+                        <p:cond delay="indefinite"/>
+                        <p:cond evt="onBegin" delay="0">
+                          <p:tn val="2"/>
+                        </p:cond>
+                      </p:stCondLst>
+                      <p:childTnLst>
+                        <p:par>
+                          <p:cTn id="4" fill="hold">
+                            <p:stCondLst>
+                              <p:cond delay="0"/>
+                            </p:stCondLst>
+                            <p:childTnLst>
+                              <p:par>
+                                <p:cTn id="5" presetID="1" presetClass="entr" presetSubtype="0" fill="hold" grpId="0" nodeType="withEffect">
+                                  <p:stCondLst>
+                                    <p:cond delay="0"/>
+                                  </p:stCondLst>
+                                  <p:childTnLst>
+                                    <p:set>
+                                      <p:cBhvr>
+                                        <p:cTn id="6" dur="1" fill="hold">
+                                          <p:stCondLst>
+                                            <p:cond delay="0"/>
+                                          </p:stCondLst>
+                                        </p:cTn>
+                                        <p:tgtEl>
+                                          <p:spTgt spid="3">
+                                            <p:txEl>
+                                              <p:pRg st="0" end="0"/>
+                                            </p:txEl>
+                                          </p:spTgt>
+                                        </p:tgtEl>
+                                        <p:attrNameLst>
+                                          <p:attrName>style.visibility</p:attrName>
+                                        </p:attrNameLst>
+                                      </p:cBhvr>
+                                      <p:to>
+                                        <p:strVal val="visible"/>
+                                      </p:to>
+                                    </p:set>
+                                  </p:childTnLst>
+                                </p:cTn>
+                              </p:par>
+                              <p:par>
+                                <p:cTn id="7" presetID="1" presetClass="entr" presetSubtype="0" fill="hold" grpId="0" nodeType="withEffect">
+                                  <p:stCondLst>
+                                    <p:cond delay="0"/>
+                                  </p:stCondLst>
+                                  <p:childTnLst>
+                                    <p:set>
+                                      <p:cBhvr>
+                                        <p:cTn id="8" dur="1" fill="hold">
+                                          <p:stCondLst>
+                                            <p:cond delay="0"/>
+                                          </p:stCondLst>
+                                        </p:cTn>
+                                        <p:tgtEl>
+                                          <p:spTgt spid="4"/>
+                                        </p:tgtEl>
+                                        <p:attrNameLst>
+                                          <p:attrName>style.visibility</p:attrName>
+                                        </p:attrNameLst>
+                                      </p:cBhvr>
+                                      <p:to>
+                                        <p:strVal val="visible"/>
+                                      </p:to>
+                                    </p:set>
+                                  </p:childTnLst>
+                                </p:cTn>
+                              </p:par>
+                              <p:par>
+                                <p:cTn id="9" presetID="1" presetClass="entr" presetSubtype="0" fill="hold" grpId="0" nodeType="withEffect">
+                                  <p:stCondLst>
+                                    <p:cond delay="0"/>
+                                  </p:stCondLst>
+                                  <p:childTnLst>
+                                    <p:set>
+                                      <p:cBhvr>
+                                        <p:cTn id="10" dur="1" fill="hold">
+                                          <p:stCondLst>
+                                            <p:cond delay="0"/>
+                                          </p:stCondLst>
+                                        </p:cTn>
+                                        <p:tgtEl>
+                                          <p:spTgt spid="3">
+                                            <p:txEl>
+                                              <p:pRg st="2" end="2"/>
+                                            </p:txEl>
+                                          </p:spTgt>
+                                        </p:tgtEl>
+                                        <p:attrNameLst>
+                                          <p:attrName>style.visibility</p:attrName>
+                                        </p:attrNameLst>
+                                      </p:cBhvr>
+                                      <p:to>
+                                        <p:strVal val="visible"/>
+                                      </p:to>
+                                    </p:set>
+                                  </p:childTnLst>
+                                </p:cTn>
+                              </p:par>
+                            </p:childTnLst>
+                          </p:cTn>
+                        </p:par>
+                      </p:childTnLst>
+                    </p:cTn>
+                  </p:par>
+                </p:childTnLst>
+              </p:cTn>
+              <p:prevCondLst>
+                <p:cond evt="onPrev" delay="0">
+                  <p:tgtEl>
+                    <p:sldTgt/>
+                  </p:tgtEl>
+                </p:cond>
+              </p:prevCondLst>
+              <p:nextCondLst>
+                <p:cond evt="onNext" delay="0">
+                  <p:tgtEl>
+                    <p:sldTgt/>
+                  </p:tgtEl>
+                </p:cond>
+              </p:nextCondLst>
+            </p:seq>
+          </p:childTnLst>
+        </p:cTn>
+      </p:par>
+    </p:tnLst>
+    <p:bldLst>
+      <p:bldP spid="3" grpId="0" uiExpand="1" build="p"/>
+      <p:bldP spid="4" grpId="0" animBg="1"/>
+    </p:bldLst>
+  </p:timing>
+</p:sld>
+</file>
+
+<file path=ppt/slides/slide50.xml><?xml version="1.0" encoding="utf-8"?>
+<p:sld xmlns:a="http://schemas.openxmlformats.org/drawingml/2006/main" xmlns:r="http://schemas.openxmlformats.org/officeDocument/2006/relationships" xmlns:p="http://schemas.openxmlformats.org/presentationml/2006/main">
+  <p:cSld>
+    <p:spTree>
+      <p:nvGrpSpPr>
+        <p:cNvPr id="1" name=""/>
+        <p:cNvGrpSpPr/>
+        <p:nvPr/>
+      </p:nvGrpSpPr>
+      <p:grpSpPr>
+        <a:xfrm>
+          <a:off x="0" y="0"/>
+          <a:ext cx="0" cy="0"/>
+          <a:chOff x="0" y="0"/>
+          <a:chExt cx="0" cy="0"/>
+        </a:xfrm>
+      </p:grpSpPr>
+      <p:sp>
+        <p:nvSpPr>
+          <p:cNvPr id="2" name="Title 1">
+            <a:extLst>
+              <a:ext uri="{FF2B5EF4-FFF2-40B4-BE49-F238E27FC236}">
+                <a16:creationId xmlns:a16="http://schemas.microsoft.com/office/drawing/2014/main" id="{04B1C173-33AC-1DCA-ED63-D52D701FC426}"/>
+              </a:ext>
+            </a:extLst>
+          </p:cNvPr>
+          <p:cNvSpPr>
+            <a:spLocks noGrp="1"/>
+          </p:cNvSpPr>
+          <p:nvPr>
+            <p:ph type="title"/>
+          </p:nvPr>
+        </p:nvSpPr>
+        <p:spPr/>
+        <p:txBody>
+          <a:bodyPr/>
+          <a:lstStyle/>
+          <a:p>
+            <a:r>
+              <a:rPr lang="en-US" dirty="0"/>
+              <a:t>C++ specific patterns</a:t>
+            </a:r>
+            <a:endParaRPr lang="LID4096" dirty="0"/>
+          </a:p>
+        </p:txBody>
+      </p:sp>
+      <p:sp>
+        <p:nvSpPr>
+          <p:cNvPr id="3" name="Content Placeholder 2">
+            <a:extLst>
+              <a:ext uri="{FF2B5EF4-FFF2-40B4-BE49-F238E27FC236}">
+                <a16:creationId xmlns:a16="http://schemas.microsoft.com/office/drawing/2014/main" id="{B66B5779-A74C-52C0-DAF9-FC542132634A}"/>
+              </a:ext>
+            </a:extLst>
+          </p:cNvPr>
+          <p:cNvSpPr>
+            <a:spLocks noGrp="1"/>
+          </p:cNvSpPr>
+          <p:nvPr>
+            <p:ph idx="1"/>
+          </p:nvPr>
+        </p:nvSpPr>
+        <p:spPr/>
+        <p:txBody>
+          <a:bodyPr/>
+          <a:lstStyle/>
+          <a:p>
+            <a:r>
+              <a:rPr lang="en-US" dirty="0"/>
+              <a:t>Curiously Repeating Template Pattern (CRTP)</a:t>
+            </a:r>
+          </a:p>
+          <a:p>
+            <a:r>
+              <a:rPr lang="en-US" dirty="0"/>
+              <a:t>Type erasure</a:t>
+            </a:r>
+          </a:p>
+          <a:p>
+            <a:r>
+              <a:rPr lang="en-US" dirty="0"/>
+              <a:t>Pointer to </a:t>
+            </a:r>
+            <a:r>
+              <a:rPr lang="en-US" dirty="0" err="1"/>
+              <a:t>IMPLementation</a:t>
+            </a:r>
+            <a:r>
+              <a:rPr lang="en-US" dirty="0"/>
+              <a:t> (PIMPL)</a:t>
+            </a:r>
+            <a:endParaRPr lang="LID4096" dirty="0"/>
+          </a:p>
+        </p:txBody>
+      </p:sp>
+      <p:sp>
+        <p:nvSpPr>
+          <p:cNvPr id="4" name="Slide Number Placeholder 3">
+            <a:extLst>
+              <a:ext uri="{FF2B5EF4-FFF2-40B4-BE49-F238E27FC236}">
+                <a16:creationId xmlns:a16="http://schemas.microsoft.com/office/drawing/2014/main" id="{396482FC-4A8B-74E1-56FE-EFDCEEF1C5E8}"/>
+              </a:ext>
+            </a:extLst>
+          </p:cNvPr>
+          <p:cNvSpPr>
+            <a:spLocks noGrp="1"/>
+          </p:cNvSpPr>
+          <p:nvPr>
+            <p:ph type="sldNum" sz="quarter" idx="12"/>
+          </p:nvPr>
+        </p:nvSpPr>
+        <p:spPr/>
+        <p:txBody>
+          <a:bodyPr/>
+          <a:lstStyle/>
+          <a:p>
+            <a:fld id="{FDB1AA33-DFBB-49AC-8CEE-23FFECEB5648}" type="slidenum">
+              <a:rPr lang="LID4096" smtClean="0"/>
+              <a:t>50</a:t>
+            </a:fld>
+            <a:endParaRPr lang="LID4096"/>
+          </a:p>
+        </p:txBody>
+      </p:sp>
+      <p:sp>
+        <p:nvSpPr>
+          <p:cNvPr id="6" name="TextBox 5">
+            <a:extLst>
+              <a:ext uri="{FF2B5EF4-FFF2-40B4-BE49-F238E27FC236}">
+                <a16:creationId xmlns:a16="http://schemas.microsoft.com/office/drawing/2014/main" id="{09807A64-9623-A9A7-9103-8BC8C59D7960}"/>
+              </a:ext>
+            </a:extLst>
+          </p:cNvPr>
+          <p:cNvSpPr txBox="1"/>
+          <p:nvPr/>
+        </p:nvSpPr>
+        <p:spPr>
+          <a:xfrm>
+            <a:off x="499580" y="5791830"/>
+            <a:ext cx="8980856" cy="646331"/>
+          </a:xfrm>
+          <a:prstGeom prst="rect">
+            <a:avLst/>
+          </a:prstGeom>
+          <a:noFill/>
+          <a:ln>
+            <a:solidFill>
+              <a:schemeClr val="tx1"/>
+            </a:solidFill>
+          </a:ln>
+        </p:spPr>
+        <p:txBody>
+          <a:bodyPr wrap="none" rtlCol="0">
+            <a:spAutoFit/>
+          </a:bodyPr>
+          <a:lstStyle/>
+          <a:p>
+            <a:r>
+              <a:rPr lang="en-US" sz="2000" dirty="0"/>
+              <a:t>See</a:t>
+            </a:r>
+          </a:p>
+          <a:p>
+            <a:r>
+              <a:rPr lang="en-US" sz="1600" dirty="0">
+                <a:hlinkClick r:id="rId2"/>
+              </a:rPr>
+              <a:t>https://github.com/gjbex/C-plus-plus-software-engineering/tree/main/source-code/design-patterns</a:t>
+            </a:r>
+            <a:endParaRPr lang="en-US" sz="1600" dirty="0"/>
+          </a:p>
+        </p:txBody>
+      </p:sp>
+    </p:spTree>
+    <p:extLst>
+      <p:ext uri="{BB962C8B-B14F-4D97-AF65-F5344CB8AC3E}">
+        <p14:creationId xmlns:p14="http://schemas.microsoft.com/office/powerpoint/2010/main" val="3340427051"/>
+      </p:ext>
+    </p:extLst>
+  </p:cSld>
+  <p:clrMapOvr>
+    <a:masterClrMapping/>
+  </p:clrMapOvr>
+  <p:timing>
+    <p:tnLst>
+      <p:par>
+        <p:cTn id="1" dur="indefinite" restart="never" nodeType="tmRoot">
+          <p:childTnLst>
+            <p:seq concurrent="1" nextAc="seek">
+              <p:cTn id="2" dur="indefinite" nodeType="mainSeq">
+                <p:childTnLst>
+                  <p:par>
+                    <p:cTn id="3" fill="hold">
+                      <p:stCondLst>
+                        <p:cond delay="indefinite"/>
+                      </p:stCondLst>
+                      <p:childTnLst>
+                        <p:par>
+                          <p:cTn id="4" fill="hold">
+                            <p:stCondLst>
+                              <p:cond delay="0"/>
+                            </p:stCondLst>
+                            <p:childTnLst>
+                              <p:par>
+                                <p:cTn id="5" presetID="1" presetClass="entr" presetSubtype="0" fill="hold" grpId="0" nodeType="clickEffect">
+                                  <p:stCondLst>
+                                    <p:cond delay="0"/>
+                                  </p:stCondLst>
+                                  <p:childTnLst>
+                                    <p:set>
+                                      <p:cBhvr>
+                                        <p:cTn id="6" dur="1" fill="hold">
+                                          <p:stCondLst>
+                                            <p:cond delay="0"/>
+                                          </p:stCondLst>
+                                        </p:cTn>
+                                        <p:tgtEl>
+                                          <p:spTgt spid="6"/>
+                                        </p:tgtEl>
+                                        <p:attrNameLst>
+                                          <p:attrName>style.visibility</p:attrName>
+                                        </p:attrNameLst>
+                                      </p:cBhvr>
+                                      <p:to>
+                                        <p:strVal val="visible"/>
+                                      </p:to>
+                                    </p:set>
+                                  </p:childTnLst>
+                                </p:cTn>
+                              </p:par>
+                            </p:childTnLst>
+                          </p:cTn>
+                        </p:par>
+                      </p:childTnLst>
+                    </p:cTn>
+                  </p:par>
+                </p:childTnLst>
+              </p:cTn>
+              <p:prevCondLst>
+                <p:cond evt="onPrev" delay="0">
+                  <p:tgtEl>
+                    <p:sldTgt/>
+                  </p:tgtEl>
+                </p:cond>
+              </p:prevCondLst>
+              <p:nextCondLst>
+                <p:cond evt="onNext" delay="0">
+                  <p:tgtEl>
+                    <p:sldTgt/>
+                  </p:tgtEl>
+                </p:cond>
+              </p:nextCondLst>
+            </p:seq>
+          </p:childTnLst>
+        </p:cTn>
+      </p:par>
+    </p:tnLst>
+    <p:bldLst>
+      <p:bldP spid="6" grpId="0" animBg="1"/>
+    </p:bldLst>
+  </p:timing>
+</p:sld>
+</file>
+
+<file path=ppt/slides/slide51.xml><?xml version="1.0" encoding="utf-8"?>
+<p:sld xmlns:a="http://schemas.openxmlformats.org/drawingml/2006/main" xmlns:r="http://schemas.openxmlformats.org/officeDocument/2006/relationships" xmlns:p="http://schemas.openxmlformats.org/presentationml/2006/main">
+  <p:cSld>
+    <p:spTree>
+      <p:nvGrpSpPr>
+        <p:cNvPr id="1" name=""/>
+        <p:cNvGrpSpPr/>
+        <p:nvPr/>
+      </p:nvGrpSpPr>
+      <p:grpSpPr>
+        <a:xfrm>
+          <a:off x="0" y="0"/>
+          <a:ext cx="0" cy="0"/>
+          <a:chOff x="0" y="0"/>
+          <a:chExt cx="0" cy="0"/>
+        </a:xfrm>
+      </p:grpSpPr>
+      <p:sp>
+        <p:nvSpPr>
+          <p:cNvPr id="2" name="Title 1">
+            <a:extLst>
+              <a:ext uri="{FF2B5EF4-FFF2-40B4-BE49-F238E27FC236}">
+                <a16:creationId xmlns:a16="http://schemas.microsoft.com/office/drawing/2014/main" id="{96A48829-0721-1480-5994-E855FF935E6E}"/>
+              </a:ext>
+            </a:extLst>
+          </p:cNvPr>
+          <p:cNvSpPr>
+            <a:spLocks noGrp="1"/>
+          </p:cNvSpPr>
+          <p:nvPr>
+            <p:ph type="title"/>
+          </p:nvPr>
+        </p:nvSpPr>
+        <p:spPr/>
+        <p:txBody>
+          <a:bodyPr/>
+          <a:lstStyle/>
+          <a:p>
+            <a:r>
+              <a:rPr lang="en-US" dirty="0"/>
+              <a:t>Curiously, Repeating Template Pattern (CRTP)</a:t>
+            </a:r>
+            <a:endParaRPr lang="LID4096" dirty="0"/>
+          </a:p>
+        </p:txBody>
+      </p:sp>
+      <p:sp>
+        <p:nvSpPr>
+          <p:cNvPr id="3" name="Content Placeholder 2">
+            <a:extLst>
+              <a:ext uri="{FF2B5EF4-FFF2-40B4-BE49-F238E27FC236}">
+                <a16:creationId xmlns:a16="http://schemas.microsoft.com/office/drawing/2014/main" id="{9BB61A49-5C18-EB0F-3E0D-D280F9E302A4}"/>
+              </a:ext>
+            </a:extLst>
+          </p:cNvPr>
+          <p:cNvSpPr>
+            <a:spLocks noGrp="1"/>
+          </p:cNvSpPr>
+          <p:nvPr>
+            <p:ph idx="1"/>
+          </p:nvPr>
+        </p:nvSpPr>
+        <p:spPr/>
+        <p:txBody>
+          <a:bodyPr>
+            <a:normAutofit/>
+          </a:bodyPr>
+          <a:lstStyle/>
+          <a:p>
+            <a:r>
+              <a:rPr lang="en-US" dirty="0"/>
+              <a:t>Avoid virtual function overhead</a:t>
+            </a:r>
+          </a:p>
+          <a:p>
+            <a:r>
+              <a:rPr lang="en-US" dirty="0"/>
+              <a:t>Enforce compile time interface constraints</a:t>
+            </a:r>
+          </a:p>
+          <a:p>
+            <a:r>
+              <a:rPr lang="en-US" dirty="0"/>
+              <a:t>Code reuse without dynamic polymorphism</a:t>
+            </a:r>
+          </a:p>
+          <a:p>
+            <a:r>
+              <a:rPr lang="en-US" dirty="0"/>
+              <a:t>Static  polymorphism</a:t>
+            </a:r>
+          </a:p>
+        </p:txBody>
+      </p:sp>
+      <p:sp>
+        <p:nvSpPr>
+          <p:cNvPr id="4" name="Slide Number Placeholder 3">
+            <a:extLst>
+              <a:ext uri="{FF2B5EF4-FFF2-40B4-BE49-F238E27FC236}">
+                <a16:creationId xmlns:a16="http://schemas.microsoft.com/office/drawing/2014/main" id="{0D8837DD-4DFF-B3FC-6690-1408C5CBE0FA}"/>
+              </a:ext>
+            </a:extLst>
+          </p:cNvPr>
+          <p:cNvSpPr>
+            <a:spLocks noGrp="1"/>
+          </p:cNvSpPr>
+          <p:nvPr>
+            <p:ph type="sldNum" sz="quarter" idx="12"/>
+          </p:nvPr>
+        </p:nvSpPr>
+        <p:spPr/>
+        <p:txBody>
+          <a:bodyPr/>
+          <a:lstStyle/>
+          <a:p>
+            <a:fld id="{FDB1AA33-DFBB-49AC-8CEE-23FFECEB5648}" type="slidenum">
+              <a:rPr lang="LID4096" smtClean="0"/>
+              <a:t>51</a:t>
+            </a:fld>
+            <a:endParaRPr lang="LID4096"/>
+          </a:p>
+        </p:txBody>
+      </p:sp>
+    </p:spTree>
+    <p:extLst>
+      <p:ext uri="{BB962C8B-B14F-4D97-AF65-F5344CB8AC3E}">
+        <p14:creationId xmlns:p14="http://schemas.microsoft.com/office/powerpoint/2010/main" val="2948353845"/>
+      </p:ext>
+    </p:extLst>
+  </p:cSld>
+  <p:clrMapOvr>
+    <a:masterClrMapping/>
+  </p:clrMapOvr>
+</p:sld>
+</file>
+
+<file path=ppt/slides/slide52.xml><?xml version="1.0" encoding="utf-8"?>
+<p:sld xmlns:a="http://schemas.openxmlformats.org/drawingml/2006/main" xmlns:r="http://schemas.openxmlformats.org/officeDocument/2006/relationships" xmlns:p="http://schemas.openxmlformats.org/presentationml/2006/main">
+  <p:cSld>
+    <p:spTree>
+      <p:nvGrpSpPr>
+        <p:cNvPr id="1" name=""/>
+        <p:cNvGrpSpPr/>
+        <p:nvPr/>
+      </p:nvGrpSpPr>
+      <p:grpSpPr>
+        <a:xfrm>
+          <a:off x="0" y="0"/>
+          <a:ext cx="0" cy="0"/>
+          <a:chOff x="0" y="0"/>
+          <a:chExt cx="0" cy="0"/>
+        </a:xfrm>
+      </p:grpSpPr>
+      <p:sp>
+        <p:nvSpPr>
+          <p:cNvPr id="2" name="Title 1">
+            <a:extLst>
+              <a:ext uri="{FF2B5EF4-FFF2-40B4-BE49-F238E27FC236}">
+                <a16:creationId xmlns:a16="http://schemas.microsoft.com/office/drawing/2014/main" id="{08C9A350-282A-80DC-C746-795502250CAE}"/>
+              </a:ext>
+            </a:extLst>
+          </p:cNvPr>
+          <p:cNvSpPr>
+            <a:spLocks noGrp="1"/>
+          </p:cNvSpPr>
+          <p:nvPr>
+            <p:ph type="title"/>
+          </p:nvPr>
+        </p:nvSpPr>
+        <p:spPr/>
+        <p:txBody>
+          <a:bodyPr/>
+          <a:lstStyle/>
+          <a:p>
+            <a:r>
+              <a:rPr lang="en-US" dirty="0"/>
+              <a:t>CRTP: base class</a:t>
+            </a:r>
+            <a:endParaRPr lang="LID4096" dirty="0"/>
+          </a:p>
+        </p:txBody>
+      </p:sp>
+      <p:sp>
+        <p:nvSpPr>
+          <p:cNvPr id="4" name="Slide Number Placeholder 3">
+            <a:extLst>
+              <a:ext uri="{FF2B5EF4-FFF2-40B4-BE49-F238E27FC236}">
+                <a16:creationId xmlns:a16="http://schemas.microsoft.com/office/drawing/2014/main" id="{2B59DEA4-516B-75F2-1733-1B9E7DD26F95}"/>
+              </a:ext>
+            </a:extLst>
+          </p:cNvPr>
+          <p:cNvSpPr>
+            <a:spLocks noGrp="1"/>
+          </p:cNvSpPr>
+          <p:nvPr>
+            <p:ph type="sldNum" sz="quarter" idx="12"/>
+          </p:nvPr>
+        </p:nvSpPr>
+        <p:spPr/>
+        <p:txBody>
+          <a:bodyPr/>
+          <a:lstStyle/>
+          <a:p>
+            <a:fld id="{FDB1AA33-DFBB-49AC-8CEE-23FFECEB5648}" type="slidenum">
+              <a:rPr lang="LID4096" smtClean="0"/>
+              <a:t>52</a:t>
             </a:fld>
             <a:endParaRPr lang="LID4096"/>
           </a:p>
@@ -20033,7 +22575,7 @@
 </p:sld>
 </file>
 
-<file path=ppt/slides/slide44.xml><?xml version="1.0" encoding="utf-8"?>
+<file path=ppt/slides/slide53.xml><?xml version="1.0" encoding="utf-8"?>
 <p:sld xmlns:a="http://schemas.openxmlformats.org/drawingml/2006/main" xmlns:r="http://schemas.openxmlformats.org/officeDocument/2006/relationships" xmlns:p="http://schemas.openxmlformats.org/presentationml/2006/main">
   <p:cSld>
     <p:spTree>
@@ -20102,7 +22644,7 @@
           <a:p>
             <a:fld id="{FDB1AA33-DFBB-49AC-8CEE-23FFECEB5648}" type="slidenum">
               <a:rPr lang="LID4096" smtClean="0"/>
-              <a:t>44</a:t>
+              <a:t>53</a:t>
             </a:fld>
             <a:endParaRPr lang="LID4096"/>
           </a:p>
@@ -20666,7 +23208,7 @@
 </p:sld>
 </file>
 
-<file path=ppt/slides/slide45.xml><?xml version="1.0" encoding="utf-8"?>
+<file path=ppt/slides/slide54.xml><?xml version="1.0" encoding="utf-8"?>
 <p:sld xmlns:a="http://schemas.openxmlformats.org/drawingml/2006/main" xmlns:r="http://schemas.openxmlformats.org/officeDocument/2006/relationships" xmlns:p="http://schemas.openxmlformats.org/presentationml/2006/main">
   <p:cSld>
     <p:spTree>
@@ -20735,7 +23277,7 @@
           <a:p>
             <a:fld id="{FDB1AA33-DFBB-49AC-8CEE-23FFECEB5648}" type="slidenum">
               <a:rPr lang="LID4096" smtClean="0"/>
-              <a:t>45</a:t>
+              <a:t>54</a:t>
             </a:fld>
             <a:endParaRPr lang="LID4096"/>
           </a:p>
@@ -21453,7 +23995,7 @@
 </p:sld>
 </file>
 
-<file path=ppt/slides/slide46.xml><?xml version="1.0" encoding="utf-8"?>
+<file path=ppt/slides/slide55.xml><?xml version="1.0" encoding="utf-8"?>
 <p:sld xmlns:a="http://schemas.openxmlformats.org/drawingml/2006/main" xmlns:r="http://schemas.openxmlformats.org/officeDocument/2006/relationships" xmlns:p="http://schemas.openxmlformats.org/presentationml/2006/main">
   <p:cSld>
     <p:spTree>
@@ -21522,7 +24064,7 @@
           <a:p>
             <a:fld id="{FDB1AA33-DFBB-49AC-8CEE-23FFECEB5648}" type="slidenum">
               <a:rPr lang="LID4096" smtClean="0"/>
-              <a:t>46</a:t>
+              <a:t>55</a:t>
             </a:fld>
             <a:endParaRPr lang="LID4096"/>
           </a:p>
@@ -21869,7 +24411,7 @@
 </p:sld>
 </file>
 
-<file path=ppt/slides/slide47.xml><?xml version="1.0" encoding="utf-8"?>
+<file path=ppt/slides/slide56.xml><?xml version="1.0" encoding="utf-8"?>
 <p:sld xmlns:a="http://schemas.openxmlformats.org/drawingml/2006/main" xmlns:r="http://schemas.openxmlformats.org/officeDocument/2006/relationships" xmlns:p="http://schemas.openxmlformats.org/presentationml/2006/main">
   <p:cSld>
     <p:spTree>
@@ -21979,7 +24521,7 @@
                 <a:latin typeface="Calibri"/>
               </a:rPr>
               <a:pPr/>
-              <a:t>47</a:t>
+              <a:t>56</a:t>
             </a:fld>
             <a:endParaRPr lang="nl-BE">
               <a:solidFill>
@@ -22005,7 +24547,7 @@
 </p:sld>
 </file>
 
-<file path=ppt/slides/slide48.xml><?xml version="1.0" encoding="utf-8"?>
+<file path=ppt/slides/slide57.xml><?xml version="1.0" encoding="utf-8"?>
 <p:sld xmlns:a="http://schemas.openxmlformats.org/drawingml/2006/main" xmlns:r="http://schemas.openxmlformats.org/officeDocument/2006/relationships" xmlns:p="http://schemas.openxmlformats.org/presentationml/2006/main">
   <p:cSld>
     <p:spTree>
@@ -22099,7 +24641,7 @@
           <a:p>
             <a:fld id="{FDB1AA33-DFBB-49AC-8CEE-23FFECEB5648}" type="slidenum">
               <a:rPr lang="LID4096" smtClean="0"/>
-              <a:t>48</a:t>
+              <a:t>57</a:t>
             </a:fld>
             <a:endParaRPr lang="LID4096"/>
           </a:p>
@@ -22118,7 +24660,7 @@
 </p:sld>
 </file>
 
-<file path=ppt/slides/slide49.xml><?xml version="1.0" encoding="utf-8"?>
+<file path=ppt/slides/slide58.xml><?xml version="1.0" encoding="utf-8"?>
 <p:sld xmlns:a="http://schemas.openxmlformats.org/drawingml/2006/main" xmlns:r="http://schemas.openxmlformats.org/officeDocument/2006/relationships" xmlns:p="http://schemas.openxmlformats.org/presentationml/2006/main">
   <p:cSld>
     <p:spTree>
@@ -22234,7 +24776,7 @@
           <a:p>
             <a:fld id="{FDB1AA33-DFBB-49AC-8CEE-23FFECEB5648}" type="slidenum">
               <a:rPr lang="LID4096" smtClean="0"/>
-              <a:t>49</a:t>
+              <a:t>58</a:t>
             </a:fld>
             <a:endParaRPr lang="LID4096"/>
           </a:p>
@@ -22400,346 +24942,6 @@
     </p:tnLst>
     <p:bldLst>
       <p:bldP spid="5" grpId="0" animBg="1"/>
-    </p:bldLst>
-  </p:timing>
-</p:sld>
-</file>
-
-<file path=ppt/slides/slide5.xml><?xml version="1.0" encoding="utf-8"?>
-<p:sld xmlns:a="http://schemas.openxmlformats.org/drawingml/2006/main" xmlns:r="http://schemas.openxmlformats.org/officeDocument/2006/relationships" xmlns:p="http://schemas.openxmlformats.org/presentationml/2006/main">
-  <p:cSld>
-    <p:spTree>
-      <p:nvGrpSpPr>
-        <p:cNvPr id="1" name=""/>
-        <p:cNvGrpSpPr/>
-        <p:nvPr/>
-      </p:nvGrpSpPr>
-      <p:grpSpPr>
-        <a:xfrm>
-          <a:off x="0" y="0"/>
-          <a:ext cx="0" cy="0"/>
-          <a:chOff x="0" y="0"/>
-          <a:chExt cx="0" cy="0"/>
-        </a:xfrm>
-      </p:grpSpPr>
-      <p:sp>
-        <p:nvSpPr>
-          <p:cNvPr id="2" name="Title 1"/>
-          <p:cNvSpPr>
-            <a:spLocks noGrp="1"/>
-          </p:cNvSpPr>
-          <p:nvPr>
-            <p:ph type="title"/>
-          </p:nvPr>
-        </p:nvSpPr>
-        <p:spPr/>
-        <p:txBody>
-          <a:bodyPr/>
-          <a:lstStyle/>
-          <a:p>
-            <a:r>
-              <a:rPr lang="en-US" dirty="0"/>
-              <a:t>Typographical conventions: shell</a:t>
-            </a:r>
-            <a:endParaRPr lang="nl-BE" dirty="0"/>
-          </a:p>
-        </p:txBody>
-      </p:sp>
-      <p:sp>
-        <p:nvSpPr>
-          <p:cNvPr id="3" name="Content Placeholder 2"/>
-          <p:cNvSpPr>
-            <a:spLocks noGrp="1"/>
-          </p:cNvSpPr>
-          <p:nvPr>
-            <p:ph idx="1"/>
-          </p:nvPr>
-        </p:nvSpPr>
-        <p:spPr/>
-        <p:txBody>
-          <a:bodyPr/>
-          <a:lstStyle/>
-          <a:p>
-            <a:r>
-              <a:rPr lang="en-US" dirty="0"/>
-              <a:t>Shell commands are rendered as</a:t>
-            </a:r>
-          </a:p>
-          <a:p>
-            <a:endParaRPr lang="en-US" dirty="0"/>
-          </a:p>
-          <a:p>
-            <a:pPr lvl="1"/>
-            <a:r>
-              <a:rPr lang="en-US" dirty="0"/>
-              <a:t>Do </a:t>
-            </a:r>
-            <a:r>
-              <a:rPr lang="en-US" i="1" dirty="0"/>
-              <a:t>not</a:t>
-            </a:r>
-            <a:r>
-              <a:rPr lang="en-US" dirty="0"/>
-              <a:t> type </a:t>
-            </a:r>
-            <a:r>
-              <a:rPr lang="en-US" dirty="0">
-                <a:latin typeface="Courier New" pitchFamily="49" charset="0"/>
-                <a:cs typeface="Courier New" pitchFamily="49" charset="0"/>
-              </a:rPr>
-              <a:t>$</a:t>
-            </a:r>
-            <a:r>
-              <a:rPr lang="en-US" dirty="0"/>
-              <a:t>, it represents your shell prompt!</a:t>
-            </a:r>
-          </a:p>
-        </p:txBody>
-      </p:sp>
-      <p:sp>
-        <p:nvSpPr>
-          <p:cNvPr id="4" name="TextBox 3"/>
-          <p:cNvSpPr txBox="1"/>
-          <p:nvPr/>
-        </p:nvSpPr>
-        <p:spPr>
-          <a:xfrm>
-            <a:off x="2855641" y="2321241"/>
-            <a:ext cx="3631122" cy="369332"/>
-          </a:xfrm>
-          <a:prstGeom prst="rect">
-            <a:avLst/>
-          </a:prstGeom>
-          <a:solidFill>
-            <a:schemeClr val="tx1"/>
-          </a:solidFill>
-          <a:ln>
-            <a:solidFill>
-              <a:schemeClr val="tx1"/>
-            </a:solidFill>
-          </a:ln>
-        </p:spPr>
-        <p:txBody>
-          <a:bodyPr wrap="none" rtlCol="0">
-            <a:spAutoFit/>
-          </a:bodyPr>
-          <a:lstStyle/>
-          <a:p>
-            <a:r>
-              <a:rPr lang="en-US" b="1" dirty="0">
-                <a:solidFill>
-                  <a:schemeClr val="bg1"/>
-                </a:solidFill>
-                <a:latin typeface="Courier New" pitchFamily="49" charset="0"/>
-                <a:cs typeface="Courier New" pitchFamily="49" charset="0"/>
-              </a:rPr>
-              <a:t>$  </a:t>
-            </a:r>
-            <a:r>
-              <a:rPr lang="en-US" b="1" dirty="0" err="1">
-                <a:solidFill>
-                  <a:schemeClr val="bg1"/>
-                </a:solidFill>
-                <a:latin typeface="Courier New" pitchFamily="49" charset="0"/>
-                <a:cs typeface="Courier New" pitchFamily="49" charset="0"/>
-              </a:rPr>
-              <a:t>cmake</a:t>
-            </a:r>
-            <a:r>
-              <a:rPr lang="en-US" b="1" dirty="0">
-                <a:solidFill>
-                  <a:schemeClr val="bg1"/>
-                </a:solidFill>
-                <a:latin typeface="Courier New" pitchFamily="49" charset="0"/>
-                <a:cs typeface="Courier New" pitchFamily="49" charset="0"/>
-              </a:rPr>
-              <a:t>  -B build/  -S .</a:t>
-            </a:r>
-            <a:endParaRPr lang="nl-BE" b="1" dirty="0">
-              <a:solidFill>
-                <a:schemeClr val="bg1"/>
-              </a:solidFill>
-              <a:latin typeface="Courier New" pitchFamily="49" charset="0"/>
-              <a:cs typeface="Courier New" pitchFamily="49" charset="0"/>
-            </a:endParaRPr>
-          </a:p>
-        </p:txBody>
-      </p:sp>
-      <p:sp>
-        <p:nvSpPr>
-          <p:cNvPr id="5" name="Slide Number Placeholder 4"/>
-          <p:cNvSpPr>
-            <a:spLocks noGrp="1"/>
-          </p:cNvSpPr>
-          <p:nvPr>
-            <p:ph type="sldNum" sz="quarter" idx="12"/>
-          </p:nvPr>
-        </p:nvSpPr>
-        <p:spPr/>
-        <p:txBody>
-          <a:bodyPr/>
-          <a:lstStyle/>
-          <a:p>
-            <a:fld id="{BB52A05A-A776-4391-ACD7-D6BC34D3145C}" type="slidenum">
-              <a:rPr lang="nl-BE" smtClean="0"/>
-              <a:t>5</a:t>
-            </a:fld>
-            <a:endParaRPr lang="nl-BE"/>
-          </a:p>
-        </p:txBody>
-      </p:sp>
-    </p:spTree>
-    <p:extLst>
-      <p:ext uri="{BB962C8B-B14F-4D97-AF65-F5344CB8AC3E}">
-        <p14:creationId xmlns:p14="http://schemas.microsoft.com/office/powerpoint/2010/main" val="2597093166"/>
-      </p:ext>
-    </p:extLst>
-  </p:cSld>
-  <p:clrMapOvr>
-    <a:masterClrMapping/>
-  </p:clrMapOvr>
-  <p:timing>
-    <p:tnLst>
-      <p:par>
-        <p:cTn id="1" dur="indefinite" restart="never" nodeType="tmRoot">
-          <p:childTnLst>
-            <p:seq concurrent="1" nextAc="seek">
-              <p:cTn id="2" dur="indefinite" nodeType="mainSeq">
-                <p:childTnLst>
-                  <p:par>
-                    <p:cTn id="3" fill="hold">
-                      <p:stCondLst>
-                        <p:cond delay="indefinite"/>
-                        <p:cond evt="onBegin" delay="0">
-                          <p:tn val="2"/>
-                        </p:cond>
-                      </p:stCondLst>
-                      <p:childTnLst>
-                        <p:par>
-                          <p:cTn id="4" fill="hold">
-                            <p:stCondLst>
-                              <p:cond delay="0"/>
-                            </p:stCondLst>
-                            <p:childTnLst>
-                              <p:par>
-                                <p:cTn id="5" presetID="1" presetClass="entr" presetSubtype="0" fill="hold" grpId="0" nodeType="withEffect">
-                                  <p:stCondLst>
-                                    <p:cond delay="0"/>
-                                  </p:stCondLst>
-                                  <p:childTnLst>
-                                    <p:set>
-                                      <p:cBhvr>
-                                        <p:cTn id="6" dur="1" fill="hold">
-                                          <p:stCondLst>
-                                            <p:cond delay="0"/>
-                                          </p:stCondLst>
-                                        </p:cTn>
-                                        <p:tgtEl>
-                                          <p:spTgt spid="3">
-                                            <p:txEl>
-                                              <p:pRg st="0" end="0"/>
-                                            </p:txEl>
-                                          </p:spTgt>
-                                        </p:tgtEl>
-                                        <p:attrNameLst>
-                                          <p:attrName>style.visibility</p:attrName>
-                                        </p:attrNameLst>
-                                      </p:cBhvr>
-                                      <p:to>
-                                        <p:strVal val="visible"/>
-                                      </p:to>
-                                    </p:set>
-                                  </p:childTnLst>
-                                </p:cTn>
-                              </p:par>
-                              <p:par>
-                                <p:cTn id="7" presetID="1" presetClass="entr" presetSubtype="0" fill="hold" grpId="0" nodeType="withEffect">
-                                  <p:stCondLst>
-                                    <p:cond delay="0"/>
-                                  </p:stCondLst>
-                                  <p:childTnLst>
-                                    <p:set>
-                                      <p:cBhvr>
-                                        <p:cTn id="8" dur="1" fill="hold">
-                                          <p:stCondLst>
-                                            <p:cond delay="0"/>
-                                          </p:stCondLst>
-                                        </p:cTn>
-                                        <p:tgtEl>
-                                          <p:spTgt spid="4"/>
-                                        </p:tgtEl>
-                                        <p:attrNameLst>
-                                          <p:attrName>style.visibility</p:attrName>
-                                        </p:attrNameLst>
-                                      </p:cBhvr>
-                                      <p:to>
-                                        <p:strVal val="visible"/>
-                                      </p:to>
-                                    </p:set>
-                                  </p:childTnLst>
-                                </p:cTn>
-                              </p:par>
-                              <p:par>
-                                <p:cTn id="9" presetID="1" presetClass="entr" presetSubtype="0" fill="hold" grpId="0" nodeType="withEffect">
-                                  <p:stCondLst>
-                                    <p:cond delay="0"/>
-                                  </p:stCondLst>
-                                  <p:childTnLst>
-                                    <p:set>
-                                      <p:cBhvr>
-                                        <p:cTn id="10" dur="1" fill="hold">
-                                          <p:stCondLst>
-                                            <p:cond delay="0"/>
-                                          </p:stCondLst>
-                                        </p:cTn>
-                                        <p:tgtEl>
-                                          <p:spTgt spid="3">
-                                            <p:txEl>
-                                              <p:pRg st="2" end="2"/>
-                                            </p:txEl>
-                                          </p:spTgt>
-                                        </p:tgtEl>
-                                        <p:attrNameLst>
-                                          <p:attrName>style.visibility</p:attrName>
-                                        </p:attrNameLst>
-                                      </p:cBhvr>
-                                      <p:to>
-                                        <p:strVal val="visible"/>
-                                      </p:to>
-                                    </p:set>
-                                  </p:childTnLst>
-                                </p:cTn>
-                              </p:par>
-                            </p:childTnLst>
-                          </p:cTn>
-                        </p:par>
-                      </p:childTnLst>
-                    </p:cTn>
-                  </p:par>
-                </p:childTnLst>
-              </p:cTn>
-              <p:prevCondLst>
-                <p:cond evt="onPrev" delay="0">
-                  <p:tgtEl>
-                    <p:sldTgt/>
-                  </p:tgtEl>
-                </p:cond>
-              </p:prevCondLst>
-              <p:nextCondLst>
-                <p:cond evt="onNext" delay="0">
-                  <p:tgtEl>
-                    <p:sldTgt/>
-                  </p:tgtEl>
-                </p:cond>
-              </p:nextCondLst>
-            </p:seq>
-          </p:childTnLst>
-        </p:cTn>
-      </p:par>
-    </p:tnLst>
-    <p:bldLst>
-      <p:bldP spid="3" grpId="0" uiExpand="1" build="p"/>
-      <p:bldP spid="4" grpId="0" animBg="1"/>
     </p:bldLst>
   </p:timing>
 </p:sld>

--- a/cpp_software_engineering.pptx
+++ b/cpp_software_engineering.pptx
@@ -5,7 +5,7 @@
     <p:sldMasterId id="2147483648" r:id="rId1"/>
   </p:sldMasterIdLst>
   <p:notesMasterIdLst>
-    <p:notesMasterId r:id="rId60"/>
+    <p:notesMasterId r:id="rId61"/>
   </p:notesMasterIdLst>
   <p:sldIdLst>
     <p:sldId id="257" r:id="rId2"/>
@@ -49,23 +49,24 @@
     <p:sldId id="407" r:id="rId40"/>
     <p:sldId id="408" r:id="rId41"/>
     <p:sldId id="409" r:id="rId42"/>
-    <p:sldId id="410" r:id="rId43"/>
-    <p:sldId id="388" r:id="rId44"/>
-    <p:sldId id="389" r:id="rId45"/>
-    <p:sldId id="390" r:id="rId46"/>
-    <p:sldId id="400" r:id="rId47"/>
-    <p:sldId id="401" r:id="rId48"/>
-    <p:sldId id="402" r:id="rId49"/>
-    <p:sldId id="411" r:id="rId50"/>
-    <p:sldId id="399" r:id="rId51"/>
-    <p:sldId id="394" r:id="rId52"/>
-    <p:sldId id="395" r:id="rId53"/>
-    <p:sldId id="396" r:id="rId54"/>
-    <p:sldId id="398" r:id="rId55"/>
-    <p:sldId id="397" r:id="rId56"/>
-    <p:sldId id="391" r:id="rId57"/>
-    <p:sldId id="392" r:id="rId58"/>
-    <p:sldId id="393" r:id="rId59"/>
+    <p:sldId id="412" r:id="rId43"/>
+    <p:sldId id="410" r:id="rId44"/>
+    <p:sldId id="388" r:id="rId45"/>
+    <p:sldId id="389" r:id="rId46"/>
+    <p:sldId id="390" r:id="rId47"/>
+    <p:sldId id="400" r:id="rId48"/>
+    <p:sldId id="401" r:id="rId49"/>
+    <p:sldId id="402" r:id="rId50"/>
+    <p:sldId id="411" r:id="rId51"/>
+    <p:sldId id="399" r:id="rId52"/>
+    <p:sldId id="394" r:id="rId53"/>
+    <p:sldId id="395" r:id="rId54"/>
+    <p:sldId id="396" r:id="rId55"/>
+    <p:sldId id="398" r:id="rId56"/>
+    <p:sldId id="397" r:id="rId57"/>
+    <p:sldId id="391" r:id="rId58"/>
+    <p:sldId id="392" r:id="rId59"/>
+    <p:sldId id="393" r:id="rId60"/>
   </p:sldIdLst>
   <p:sldSz cx="12192000" cy="6858000"/>
   <p:notesSz cx="6858000" cy="9144000"/>
@@ -234,6 +235,7 @@
             <p14:sldId id="407"/>
             <p14:sldId id="408"/>
             <p14:sldId id="409"/>
+            <p14:sldId id="412"/>
             <p14:sldId id="410"/>
           </p14:sldIdLst>
         </p14:section>
@@ -19055,7 +19057,7 @@
           <a:lstStyle/>
           <a:p>
             <a:r>
-              <a:rPr lang="en-US" sz="2800" dirty="0"/>
+              <a:rPr lang="en-US" sz="2800" i="1" dirty="0"/>
               <a:t>“Favor multiple small interfaces"</a:t>
             </a:r>
           </a:p>
@@ -19259,7 +19261,7 @@
           <a:lstStyle/>
           <a:p>
             <a:r>
-              <a:rPr lang="en-US" sz="2800" dirty="0"/>
+              <a:rPr lang="en-US" sz="2800" i="1" dirty="0"/>
               <a:t>“Depend on abstractions, not concretions"</a:t>
             </a:r>
           </a:p>
@@ -19279,6 +19281,207 @@
 </file>
 
 <file path=ppt/slides/slide42.xml><?xml version="1.0" encoding="utf-8"?>
+<p:sld xmlns:a="http://schemas.openxmlformats.org/drawingml/2006/main" xmlns:r="http://schemas.openxmlformats.org/officeDocument/2006/relationships" xmlns:p="http://schemas.openxmlformats.org/presentationml/2006/main">
+  <p:cSld>
+    <p:spTree>
+      <p:nvGrpSpPr>
+        <p:cNvPr id="1" name=""/>
+        <p:cNvGrpSpPr/>
+        <p:nvPr/>
+      </p:nvGrpSpPr>
+      <p:grpSpPr>
+        <a:xfrm>
+          <a:off x="0" y="0"/>
+          <a:ext cx="0" cy="0"/>
+          <a:chOff x="0" y="0"/>
+          <a:chExt cx="0" cy="0"/>
+        </a:xfrm>
+      </p:grpSpPr>
+      <p:sp>
+        <p:nvSpPr>
+          <p:cNvPr id="2" name="Title 1">
+            <a:extLst>
+              <a:ext uri="{FF2B5EF4-FFF2-40B4-BE49-F238E27FC236}">
+                <a16:creationId xmlns:a16="http://schemas.microsoft.com/office/drawing/2014/main" id="{E345F046-03E8-3287-6100-CF100F5770AA}"/>
+              </a:ext>
+            </a:extLst>
+          </p:cNvPr>
+          <p:cNvSpPr>
+            <a:spLocks noGrp="1"/>
+          </p:cNvSpPr>
+          <p:nvPr>
+            <p:ph type="title"/>
+          </p:nvPr>
+        </p:nvSpPr>
+        <p:spPr/>
+        <p:txBody>
+          <a:bodyPr/>
+          <a:lstStyle/>
+          <a:p>
+            <a:r>
+              <a:rPr lang="en-US" dirty="0"/>
+              <a:t>Law of Demeter</a:t>
+            </a:r>
+            <a:endParaRPr lang="LID4096" dirty="0"/>
+          </a:p>
+        </p:txBody>
+      </p:sp>
+      <p:sp>
+        <p:nvSpPr>
+          <p:cNvPr id="3" name="Content Placeholder 2">
+            <a:extLst>
+              <a:ext uri="{FF2B5EF4-FFF2-40B4-BE49-F238E27FC236}">
+                <a16:creationId xmlns:a16="http://schemas.microsoft.com/office/drawing/2014/main" id="{40637969-887A-4388-5B5F-3A24C77277DF}"/>
+              </a:ext>
+            </a:extLst>
+          </p:cNvPr>
+          <p:cNvSpPr>
+            <a:spLocks noGrp="1"/>
+          </p:cNvSpPr>
+          <p:nvPr>
+            <p:ph idx="1"/>
+          </p:nvPr>
+        </p:nvSpPr>
+        <p:spPr/>
+        <p:txBody>
+          <a:bodyPr/>
+          <a:lstStyle/>
+          <a:p>
+            <a:r>
+              <a:rPr lang="en-US" dirty="0"/>
+              <a:t>modules should not "know" about the internal details of the objects it interacts with</a:t>
+            </a:r>
+          </a:p>
+          <a:p>
+            <a:endParaRPr lang="en-US" dirty="0"/>
+          </a:p>
+          <a:p>
+            <a:endParaRPr lang="en-US" dirty="0"/>
+          </a:p>
+          <a:p>
+            <a:r>
+              <a:rPr lang="en-US" dirty="0"/>
+              <a:t>Law of Demeter helps enforce SOLID</a:t>
+            </a:r>
+          </a:p>
+          <a:p>
+            <a:pPr lvl="1"/>
+            <a:r>
+              <a:rPr lang="en-US" dirty="0"/>
+              <a:t>Helps enforce Single Responsibility Principle</a:t>
+            </a:r>
+          </a:p>
+          <a:p>
+            <a:pPr lvl="1"/>
+            <a:r>
+              <a:rPr lang="en-US" dirty="0"/>
+              <a:t>Reduces ripple effect of change (open-closed principle)</a:t>
+            </a:r>
+          </a:p>
+          <a:p>
+            <a:pPr lvl="1"/>
+            <a:r>
+              <a:rPr lang="en-US" dirty="0"/>
+              <a:t>Encourages smaller </a:t>
+            </a:r>
+            <a:r>
+              <a:rPr lang="en-US" dirty="0" err="1"/>
+              <a:t>intervaces</a:t>
+            </a:r>
+            <a:r>
+              <a:rPr lang="en-US" dirty="0"/>
+              <a:t> (Interface segregation principle)</a:t>
+            </a:r>
+          </a:p>
+          <a:p>
+            <a:pPr lvl="1"/>
+            <a:endParaRPr lang="LID4096" dirty="0"/>
+          </a:p>
+        </p:txBody>
+      </p:sp>
+      <p:sp>
+        <p:nvSpPr>
+          <p:cNvPr id="4" name="Slide Number Placeholder 3">
+            <a:extLst>
+              <a:ext uri="{FF2B5EF4-FFF2-40B4-BE49-F238E27FC236}">
+                <a16:creationId xmlns:a16="http://schemas.microsoft.com/office/drawing/2014/main" id="{B7B33C54-A2C7-38A8-32C4-37C006B52194}"/>
+              </a:ext>
+            </a:extLst>
+          </p:cNvPr>
+          <p:cNvSpPr>
+            <a:spLocks noGrp="1"/>
+          </p:cNvSpPr>
+          <p:nvPr>
+            <p:ph type="sldNum" sz="quarter" idx="12"/>
+          </p:nvPr>
+        </p:nvSpPr>
+        <p:spPr/>
+        <p:txBody>
+          <a:bodyPr/>
+          <a:lstStyle/>
+          <a:p>
+            <a:fld id="{FDB1AA33-DFBB-49AC-8CEE-23FFECEB5648}" type="slidenum">
+              <a:rPr lang="LID4096" smtClean="0"/>
+              <a:t>42</a:t>
+            </a:fld>
+            <a:endParaRPr lang="LID4096"/>
+          </a:p>
+        </p:txBody>
+      </p:sp>
+      <p:sp>
+        <p:nvSpPr>
+          <p:cNvPr id="5" name="TextBox 4">
+            <a:extLst>
+              <a:ext uri="{FF2B5EF4-FFF2-40B4-BE49-F238E27FC236}">
+                <a16:creationId xmlns:a16="http://schemas.microsoft.com/office/drawing/2014/main" id="{500EFF76-E597-7C9F-3C3D-A7C83002931D}"/>
+              </a:ext>
+            </a:extLst>
+          </p:cNvPr>
+          <p:cNvSpPr txBox="1"/>
+          <p:nvPr/>
+        </p:nvSpPr>
+        <p:spPr>
+          <a:xfrm>
+            <a:off x="2493916" y="2825387"/>
+            <a:ext cx="5828455" cy="523220"/>
+          </a:xfrm>
+          <a:prstGeom prst="rect">
+            <a:avLst/>
+          </a:prstGeom>
+          <a:noFill/>
+          <a:ln>
+            <a:solidFill>
+              <a:schemeClr val="tx1"/>
+            </a:solidFill>
+          </a:ln>
+        </p:spPr>
+        <p:txBody>
+          <a:bodyPr wrap="none" rtlCol="0">
+            <a:spAutoFit/>
+          </a:bodyPr>
+          <a:lstStyle/>
+          <a:p>
+            <a:r>
+              <a:rPr lang="en-US" sz="2800" i="1" dirty="0"/>
+              <a:t>"Only talk to your immediate friends"</a:t>
+            </a:r>
+          </a:p>
+        </p:txBody>
+      </p:sp>
+    </p:spTree>
+    <p:extLst>
+      <p:ext uri="{BB962C8B-B14F-4D97-AF65-F5344CB8AC3E}">
+        <p14:creationId xmlns:p14="http://schemas.microsoft.com/office/powerpoint/2010/main" val="2179805701"/>
+      </p:ext>
+    </p:extLst>
+  </p:cSld>
+  <p:clrMapOvr>
+    <a:masterClrMapping/>
+  </p:clrMapOvr>
+</p:sld>
+</file>
+
+<file path=ppt/slides/slide43.xml><?xml version="1.0" encoding="utf-8"?>
 <p:sld xmlns:a="http://schemas.openxmlformats.org/drawingml/2006/main" xmlns:r="http://schemas.openxmlformats.org/officeDocument/2006/relationships" xmlns:p="http://schemas.openxmlformats.org/presentationml/2006/main">
   <p:cSld>
     <p:spTree>
@@ -19390,7 +19593,7 @@
           <a:p>
             <a:fld id="{FDB1AA33-DFBB-49AC-8CEE-23FFECEB5648}" type="slidenum">
               <a:rPr lang="LID4096" smtClean="0"/>
-              <a:t>42</a:t>
+              <a:t>43</a:t>
             </a:fld>
             <a:endParaRPr lang="LID4096"/>
           </a:p>
@@ -19400,119 +19603,6 @@
     <p:extLst>
       <p:ext uri="{BB962C8B-B14F-4D97-AF65-F5344CB8AC3E}">
         <p14:creationId xmlns:p14="http://schemas.microsoft.com/office/powerpoint/2010/main" val="2527627142"/>
-      </p:ext>
-    </p:extLst>
-  </p:cSld>
-  <p:clrMapOvr>
-    <a:masterClrMapping/>
-  </p:clrMapOvr>
-</p:sld>
-</file>
-
-<file path=ppt/slides/slide43.xml><?xml version="1.0" encoding="utf-8"?>
-<p:sld xmlns:a="http://schemas.openxmlformats.org/drawingml/2006/main" xmlns:r="http://schemas.openxmlformats.org/officeDocument/2006/relationships" xmlns:p="http://schemas.openxmlformats.org/presentationml/2006/main">
-  <p:cSld>
-    <p:spTree>
-      <p:nvGrpSpPr>
-        <p:cNvPr id="1" name=""/>
-        <p:cNvGrpSpPr/>
-        <p:nvPr/>
-      </p:nvGrpSpPr>
-      <p:grpSpPr>
-        <a:xfrm>
-          <a:off x="0" y="0"/>
-          <a:ext cx="0" cy="0"/>
-          <a:chOff x="0" y="0"/>
-          <a:chExt cx="0" cy="0"/>
-        </a:xfrm>
-      </p:grpSpPr>
-      <p:sp>
-        <p:nvSpPr>
-          <p:cNvPr id="2" name="Title 1">
-            <a:extLst>
-              <a:ext uri="{FF2B5EF4-FFF2-40B4-BE49-F238E27FC236}">
-                <a16:creationId xmlns:a16="http://schemas.microsoft.com/office/drawing/2014/main" id="{22DA9DDC-00AC-C65F-BAB9-D666A4911419}"/>
-              </a:ext>
-            </a:extLst>
-          </p:cNvPr>
-          <p:cNvSpPr>
-            <a:spLocks noGrp="1"/>
-          </p:cNvSpPr>
-          <p:nvPr>
-            <p:ph type="title"/>
-          </p:nvPr>
-        </p:nvSpPr>
-        <p:spPr/>
-        <p:txBody>
-          <a:bodyPr/>
-          <a:lstStyle/>
-          <a:p>
-            <a:r>
-              <a:rPr lang="en-US" dirty="0"/>
-              <a:t>Design patterns</a:t>
-            </a:r>
-            <a:endParaRPr lang="LID4096" dirty="0"/>
-          </a:p>
-        </p:txBody>
-      </p:sp>
-      <p:sp>
-        <p:nvSpPr>
-          <p:cNvPr id="3" name="Text Placeholder 2">
-            <a:extLst>
-              <a:ext uri="{FF2B5EF4-FFF2-40B4-BE49-F238E27FC236}">
-                <a16:creationId xmlns:a16="http://schemas.microsoft.com/office/drawing/2014/main" id="{9A3CC304-7A54-167F-627F-941E46AB2D0A}"/>
-              </a:ext>
-            </a:extLst>
-          </p:cNvPr>
-          <p:cNvSpPr>
-            <a:spLocks noGrp="1"/>
-          </p:cNvSpPr>
-          <p:nvPr>
-            <p:ph type="body" idx="1"/>
-          </p:nvPr>
-        </p:nvSpPr>
-        <p:spPr/>
-        <p:txBody>
-          <a:bodyPr/>
-          <a:lstStyle/>
-          <a:p>
-            <a:endParaRPr lang="LID4096"/>
-          </a:p>
-        </p:txBody>
-      </p:sp>
-      <p:sp>
-        <p:nvSpPr>
-          <p:cNvPr id="4" name="Slide Number Placeholder 3">
-            <a:extLst>
-              <a:ext uri="{FF2B5EF4-FFF2-40B4-BE49-F238E27FC236}">
-                <a16:creationId xmlns:a16="http://schemas.microsoft.com/office/drawing/2014/main" id="{22A889D4-CBB4-A356-9FBF-17C5A6AB3E9C}"/>
-              </a:ext>
-            </a:extLst>
-          </p:cNvPr>
-          <p:cNvSpPr>
-            <a:spLocks noGrp="1"/>
-          </p:cNvSpPr>
-          <p:nvPr>
-            <p:ph type="sldNum" sz="quarter" idx="12"/>
-          </p:nvPr>
-        </p:nvSpPr>
-        <p:spPr/>
-        <p:txBody>
-          <a:bodyPr/>
-          <a:lstStyle/>
-          <a:p>
-            <a:fld id="{FDB1AA33-DFBB-49AC-8CEE-23FFECEB5648}" type="slidenum">
-              <a:rPr lang="LID4096" smtClean="0"/>
-              <a:t>43</a:t>
-            </a:fld>
-            <a:endParaRPr lang="LID4096"/>
-          </a:p>
-        </p:txBody>
-      </p:sp>
-    </p:spTree>
-    <p:extLst>
-      <p:ext uri="{BB962C8B-B14F-4D97-AF65-F5344CB8AC3E}">
-        <p14:creationId xmlns:p14="http://schemas.microsoft.com/office/powerpoint/2010/main" val="2812671867"/>
       </p:ext>
     </p:extLst>
   </p:cSld>
@@ -19544,7 +19634,7 @@
           <p:cNvPr id="2" name="Title 1">
             <a:extLst>
               <a:ext uri="{FF2B5EF4-FFF2-40B4-BE49-F238E27FC236}">
-                <a16:creationId xmlns:a16="http://schemas.microsoft.com/office/drawing/2014/main" id="{0CDE1B04-6F71-4330-B666-5B7B430C7C40}"/>
+                <a16:creationId xmlns:a16="http://schemas.microsoft.com/office/drawing/2014/main" id="{22DA9DDC-00AC-C65F-BAB9-D666A4911419}"/>
               </a:ext>
             </a:extLst>
           </p:cNvPr>
@@ -19562,17 +19652,18 @@
           <a:p>
             <a:r>
               <a:rPr lang="en-US" dirty="0"/>
-              <a:t>Motivation</a:t>
-            </a:r>
-          </a:p>
-        </p:txBody>
-      </p:sp>
-      <p:sp>
-        <p:nvSpPr>
-          <p:cNvPr id="3" name="Content Placeholder 2">
+              <a:t>Design patterns</a:t>
+            </a:r>
+            <a:endParaRPr lang="LID4096" dirty="0"/>
+          </a:p>
+        </p:txBody>
+      </p:sp>
+      <p:sp>
+        <p:nvSpPr>
+          <p:cNvPr id="3" name="Text Placeholder 2">
             <a:extLst>
               <a:ext uri="{FF2B5EF4-FFF2-40B4-BE49-F238E27FC236}">
-                <a16:creationId xmlns:a16="http://schemas.microsoft.com/office/drawing/2014/main" id="{CC98AEC1-1A7F-4251-B837-4A655C9DC61E}"/>
+                <a16:creationId xmlns:a16="http://schemas.microsoft.com/office/drawing/2014/main" id="{9A3CC304-7A54-167F-627F-941E46AB2D0A}"/>
               </a:ext>
             </a:extLst>
           </p:cNvPr>
@@ -19580,7 +19671,7 @@
             <a:spLocks noGrp="1"/>
           </p:cNvSpPr>
           <p:nvPr>
-            <p:ph idx="1"/>
+            <p:ph type="body" idx="1"/>
           </p:nvPr>
         </p:nvSpPr>
         <p:spPr/>
@@ -19588,23 +19679,7 @@
           <a:bodyPr/>
           <a:lstStyle/>
           <a:p>
-            <a:r>
-              <a:rPr lang="en-US" dirty="0"/>
-              <a:t>Observation: patterns in problems to solve</a:t>
-            </a:r>
-          </a:p>
-          <a:p>
-            <a:r>
-              <a:rPr lang="en-US" dirty="0"/>
-              <a:t>Design pattern = recipe for software design</a:t>
-            </a:r>
-          </a:p>
-          <a:p>
-            <a:pPr lvl="1"/>
-            <a:r>
-              <a:rPr lang="en-US" dirty="0"/>
-              <a:t>Don’t reinvent the wheel</a:t>
-            </a:r>
+            <a:endParaRPr lang="LID4096"/>
           </a:p>
         </p:txBody>
       </p:sp>
@@ -19613,7 +19688,7 @@
           <p:cNvPr id="4" name="Slide Number Placeholder 3">
             <a:extLst>
               <a:ext uri="{FF2B5EF4-FFF2-40B4-BE49-F238E27FC236}">
-                <a16:creationId xmlns:a16="http://schemas.microsoft.com/office/drawing/2014/main" id="{9F31908B-C8B8-481C-9414-BA9B8EAA880A}"/>
+                <a16:creationId xmlns:a16="http://schemas.microsoft.com/office/drawing/2014/main" id="{22A889D4-CBB4-A356-9FBF-17C5A6AB3E9C}"/>
               </a:ext>
             </a:extLst>
           </p:cNvPr>
@@ -19629,18 +19704,18 @@
           <a:bodyPr/>
           <a:lstStyle/>
           <a:p>
-            <a:fld id="{5A209D72-2E9D-49B0-8977-41DCCC66C0BB}" type="slidenum">
-              <a:rPr lang="nl-BE" smtClean="0"/>
+            <a:fld id="{FDB1AA33-DFBB-49AC-8CEE-23FFECEB5648}" type="slidenum">
+              <a:rPr lang="LID4096" smtClean="0"/>
               <a:t>44</a:t>
             </a:fld>
-            <a:endParaRPr lang="nl-BE"/>
+            <a:endParaRPr lang="LID4096"/>
           </a:p>
         </p:txBody>
       </p:sp>
     </p:spTree>
     <p:extLst>
       <p:ext uri="{BB962C8B-B14F-4D97-AF65-F5344CB8AC3E}">
-        <p14:creationId xmlns:p14="http://schemas.microsoft.com/office/powerpoint/2010/main" val="3503158207"/>
+        <p14:creationId xmlns:p14="http://schemas.microsoft.com/office/powerpoint/2010/main" val="2812671867"/>
       </p:ext>
     </p:extLst>
   </p:cSld>
@@ -19672,7 +19747,7 @@
           <p:cNvPr id="2" name="Title 1">
             <a:extLst>
               <a:ext uri="{FF2B5EF4-FFF2-40B4-BE49-F238E27FC236}">
-                <a16:creationId xmlns:a16="http://schemas.microsoft.com/office/drawing/2014/main" id="{AA5E72B2-61DF-4F7D-A226-9483D7C44016}"/>
+                <a16:creationId xmlns:a16="http://schemas.microsoft.com/office/drawing/2014/main" id="{0CDE1B04-6F71-4330-B666-5B7B430C7C40}"/>
               </a:ext>
             </a:extLst>
           </p:cNvPr>
@@ -19690,7 +19765,7 @@
           <a:p>
             <a:r>
               <a:rPr lang="en-US" dirty="0"/>
-              <a:t>Design patterns</a:t>
+              <a:t>Motivation</a:t>
             </a:r>
           </a:p>
         </p:txBody>
@@ -19700,7 +19775,7 @@
           <p:cNvPr id="3" name="Content Placeholder 2">
             <a:extLst>
               <a:ext uri="{FF2B5EF4-FFF2-40B4-BE49-F238E27FC236}">
-                <a16:creationId xmlns:a16="http://schemas.microsoft.com/office/drawing/2014/main" id="{D04ABB18-0664-4863-B217-DD2E149B55F2}"/>
+                <a16:creationId xmlns:a16="http://schemas.microsoft.com/office/drawing/2014/main" id="{CC98AEC1-1A7F-4251-B837-4A655C9DC61E}"/>
               </a:ext>
             </a:extLst>
           </p:cNvPr>
@@ -19718,56 +19793,20 @@
           <a:p>
             <a:r>
               <a:rPr lang="en-US" dirty="0"/>
-              <a:t>Quite a lot (23 originally)</a:t>
+              <a:t>Observation: patterns in problems to solve</a:t>
+            </a:r>
+          </a:p>
+          <a:p>
+            <a:r>
+              <a:rPr lang="en-US" dirty="0"/>
+              <a:t>Design pattern = recipe for software design</a:t>
             </a:r>
           </a:p>
           <a:p>
             <a:pPr lvl="1"/>
             <a:r>
               <a:rPr lang="en-US" dirty="0"/>
-              <a:t>Creational patterns</a:t>
-            </a:r>
-          </a:p>
-          <a:p>
-            <a:pPr lvl="2"/>
-            <a:r>
-              <a:rPr lang="en-US" dirty="0"/>
-              <a:t>E.g., builder, factory</a:t>
-            </a:r>
-          </a:p>
-          <a:p>
-            <a:pPr lvl="1"/>
-            <a:r>
-              <a:rPr lang="en-US" dirty="0"/>
-              <a:t>Structural patterns</a:t>
-            </a:r>
-          </a:p>
-          <a:p>
-            <a:pPr lvl="2"/>
-            <a:r>
-              <a:rPr lang="en-US" dirty="0"/>
-              <a:t>E.g., decorator</a:t>
-            </a:r>
-          </a:p>
-          <a:p>
-            <a:pPr lvl="1"/>
-            <a:r>
-              <a:rPr lang="en-US" dirty="0"/>
-              <a:t>Behavioral patterns</a:t>
-            </a:r>
-          </a:p>
-          <a:p>
-            <a:pPr lvl="2"/>
-            <a:r>
-              <a:rPr lang="en-US" dirty="0"/>
-              <a:t>E.g., state, strategy</a:t>
-            </a:r>
-          </a:p>
-          <a:p>
-            <a:pPr lvl="1"/>
-            <a:r>
-              <a:rPr lang="en-US" dirty="0"/>
-              <a:t>Parallel patterns</a:t>
+              <a:t>Don’t reinvent the wheel</a:t>
             </a:r>
           </a:p>
         </p:txBody>
@@ -19777,7 +19816,7 @@
           <p:cNvPr id="4" name="Slide Number Placeholder 3">
             <a:extLst>
               <a:ext uri="{FF2B5EF4-FFF2-40B4-BE49-F238E27FC236}">
-                <a16:creationId xmlns:a16="http://schemas.microsoft.com/office/drawing/2014/main" id="{6CAD0D00-276F-449C-8ED3-67B7F75E2EF3}"/>
+                <a16:creationId xmlns:a16="http://schemas.microsoft.com/office/drawing/2014/main" id="{9F31908B-C8B8-481C-9414-BA9B8EAA880A}"/>
               </a:ext>
             </a:extLst>
           </p:cNvPr>
@@ -19796,6 +19835,170 @@
             <a:fld id="{5A209D72-2E9D-49B0-8977-41DCCC66C0BB}" type="slidenum">
               <a:rPr lang="nl-BE" smtClean="0"/>
               <a:t>45</a:t>
+            </a:fld>
+            <a:endParaRPr lang="nl-BE"/>
+          </a:p>
+        </p:txBody>
+      </p:sp>
+    </p:spTree>
+    <p:extLst>
+      <p:ext uri="{BB962C8B-B14F-4D97-AF65-F5344CB8AC3E}">
+        <p14:creationId xmlns:p14="http://schemas.microsoft.com/office/powerpoint/2010/main" val="3503158207"/>
+      </p:ext>
+    </p:extLst>
+  </p:cSld>
+  <p:clrMapOvr>
+    <a:masterClrMapping/>
+  </p:clrMapOvr>
+</p:sld>
+</file>
+
+<file path=ppt/slides/slide46.xml><?xml version="1.0" encoding="utf-8"?>
+<p:sld xmlns:a="http://schemas.openxmlformats.org/drawingml/2006/main" xmlns:r="http://schemas.openxmlformats.org/officeDocument/2006/relationships" xmlns:p="http://schemas.openxmlformats.org/presentationml/2006/main">
+  <p:cSld>
+    <p:spTree>
+      <p:nvGrpSpPr>
+        <p:cNvPr id="1" name=""/>
+        <p:cNvGrpSpPr/>
+        <p:nvPr/>
+      </p:nvGrpSpPr>
+      <p:grpSpPr>
+        <a:xfrm>
+          <a:off x="0" y="0"/>
+          <a:ext cx="0" cy="0"/>
+          <a:chOff x="0" y="0"/>
+          <a:chExt cx="0" cy="0"/>
+        </a:xfrm>
+      </p:grpSpPr>
+      <p:sp>
+        <p:nvSpPr>
+          <p:cNvPr id="2" name="Title 1">
+            <a:extLst>
+              <a:ext uri="{FF2B5EF4-FFF2-40B4-BE49-F238E27FC236}">
+                <a16:creationId xmlns:a16="http://schemas.microsoft.com/office/drawing/2014/main" id="{AA5E72B2-61DF-4F7D-A226-9483D7C44016}"/>
+              </a:ext>
+            </a:extLst>
+          </p:cNvPr>
+          <p:cNvSpPr>
+            <a:spLocks noGrp="1"/>
+          </p:cNvSpPr>
+          <p:nvPr>
+            <p:ph type="title"/>
+          </p:nvPr>
+        </p:nvSpPr>
+        <p:spPr/>
+        <p:txBody>
+          <a:bodyPr/>
+          <a:lstStyle/>
+          <a:p>
+            <a:r>
+              <a:rPr lang="en-US" dirty="0"/>
+              <a:t>Design patterns</a:t>
+            </a:r>
+          </a:p>
+        </p:txBody>
+      </p:sp>
+      <p:sp>
+        <p:nvSpPr>
+          <p:cNvPr id="3" name="Content Placeholder 2">
+            <a:extLst>
+              <a:ext uri="{FF2B5EF4-FFF2-40B4-BE49-F238E27FC236}">
+                <a16:creationId xmlns:a16="http://schemas.microsoft.com/office/drawing/2014/main" id="{D04ABB18-0664-4863-B217-DD2E149B55F2}"/>
+              </a:ext>
+            </a:extLst>
+          </p:cNvPr>
+          <p:cNvSpPr>
+            <a:spLocks noGrp="1"/>
+          </p:cNvSpPr>
+          <p:nvPr>
+            <p:ph idx="1"/>
+          </p:nvPr>
+        </p:nvSpPr>
+        <p:spPr/>
+        <p:txBody>
+          <a:bodyPr/>
+          <a:lstStyle/>
+          <a:p>
+            <a:r>
+              <a:rPr lang="en-US" dirty="0"/>
+              <a:t>Quite a lot (23 originally)</a:t>
+            </a:r>
+          </a:p>
+          <a:p>
+            <a:pPr lvl="1"/>
+            <a:r>
+              <a:rPr lang="en-US" dirty="0"/>
+              <a:t>Creational patterns</a:t>
+            </a:r>
+          </a:p>
+          <a:p>
+            <a:pPr lvl="2"/>
+            <a:r>
+              <a:rPr lang="en-US" dirty="0"/>
+              <a:t>E.g., builder, factory</a:t>
+            </a:r>
+          </a:p>
+          <a:p>
+            <a:pPr lvl="1"/>
+            <a:r>
+              <a:rPr lang="en-US" dirty="0"/>
+              <a:t>Structural patterns</a:t>
+            </a:r>
+          </a:p>
+          <a:p>
+            <a:pPr lvl="2"/>
+            <a:r>
+              <a:rPr lang="en-US" dirty="0"/>
+              <a:t>E.g., decorator</a:t>
+            </a:r>
+          </a:p>
+          <a:p>
+            <a:pPr lvl="1"/>
+            <a:r>
+              <a:rPr lang="en-US" dirty="0"/>
+              <a:t>Behavioral patterns</a:t>
+            </a:r>
+          </a:p>
+          <a:p>
+            <a:pPr lvl="2"/>
+            <a:r>
+              <a:rPr lang="en-US" dirty="0"/>
+              <a:t>E.g., state, strategy</a:t>
+            </a:r>
+          </a:p>
+          <a:p>
+            <a:pPr lvl="1"/>
+            <a:r>
+              <a:rPr lang="en-US" dirty="0"/>
+              <a:t>Parallel patterns</a:t>
+            </a:r>
+          </a:p>
+        </p:txBody>
+      </p:sp>
+      <p:sp>
+        <p:nvSpPr>
+          <p:cNvPr id="4" name="Slide Number Placeholder 3">
+            <a:extLst>
+              <a:ext uri="{FF2B5EF4-FFF2-40B4-BE49-F238E27FC236}">
+                <a16:creationId xmlns:a16="http://schemas.microsoft.com/office/drawing/2014/main" id="{6CAD0D00-276F-449C-8ED3-67B7F75E2EF3}"/>
+              </a:ext>
+            </a:extLst>
+          </p:cNvPr>
+          <p:cNvSpPr>
+            <a:spLocks noGrp="1"/>
+          </p:cNvSpPr>
+          <p:nvPr>
+            <p:ph type="sldNum" sz="quarter" idx="12"/>
+          </p:nvPr>
+        </p:nvSpPr>
+        <p:spPr/>
+        <p:txBody>
+          <a:bodyPr/>
+          <a:lstStyle/>
+          <a:p>
+            <a:fld id="{5A209D72-2E9D-49B0-8977-41DCCC66C0BB}" type="slidenum">
+              <a:rPr lang="nl-BE" smtClean="0"/>
+              <a:t>46</a:t>
             </a:fld>
             <a:endParaRPr lang="nl-BE"/>
           </a:p>
@@ -19945,7 +20148,7 @@
 </p:sld>
 </file>
 
-<file path=ppt/slides/slide46.xml><?xml version="1.0" encoding="utf-8"?>
+<file path=ppt/slides/slide47.xml><?xml version="1.0" encoding="utf-8"?>
 <p:sld xmlns:a="http://schemas.openxmlformats.org/drawingml/2006/main" xmlns:r="http://schemas.openxmlformats.org/officeDocument/2006/relationships" xmlns:p="http://schemas.openxmlformats.org/presentationml/2006/main">
   <p:cSld>
     <p:spTree>
@@ -20014,7 +20217,7 @@
           <a:p>
             <a:fld id="{FDB1AA33-DFBB-49AC-8CEE-23FFECEB5648}" type="slidenum">
               <a:rPr lang="LID4096" smtClean="0"/>
-              <a:t>46</a:t>
+              <a:t>47</a:t>
             </a:fld>
             <a:endParaRPr lang="LID4096"/>
           </a:p>
@@ -20199,273 +20402,6 @@
 </p:sld>
 </file>
 
-<file path=ppt/slides/slide47.xml><?xml version="1.0" encoding="utf-8"?>
-<p:sld xmlns:a="http://schemas.openxmlformats.org/drawingml/2006/main" xmlns:r="http://schemas.openxmlformats.org/officeDocument/2006/relationships" xmlns:p="http://schemas.openxmlformats.org/presentationml/2006/main">
-  <p:cSld>
-    <p:spTree>
-      <p:nvGrpSpPr>
-        <p:cNvPr id="1" name=""/>
-        <p:cNvGrpSpPr/>
-        <p:nvPr/>
-      </p:nvGrpSpPr>
-      <p:grpSpPr>
-        <a:xfrm>
-          <a:off x="0" y="0"/>
-          <a:ext cx="0" cy="0"/>
-          <a:chOff x="0" y="0"/>
-          <a:chExt cx="0" cy="0"/>
-        </a:xfrm>
-      </p:grpSpPr>
-      <p:sp>
-        <p:nvSpPr>
-          <p:cNvPr id="2" name="Title 1">
-            <a:extLst>
-              <a:ext uri="{FF2B5EF4-FFF2-40B4-BE49-F238E27FC236}">
-                <a16:creationId xmlns:a16="http://schemas.microsoft.com/office/drawing/2014/main" id="{27C65591-8615-7E00-CFBB-3B18270922B4}"/>
-              </a:ext>
-            </a:extLst>
-          </p:cNvPr>
-          <p:cNvSpPr>
-            <a:spLocks noGrp="1"/>
-          </p:cNvSpPr>
-          <p:nvPr>
-            <p:ph type="title"/>
-          </p:nvPr>
-        </p:nvSpPr>
-        <p:spPr/>
-        <p:txBody>
-          <a:bodyPr/>
-          <a:lstStyle/>
-          <a:p>
-            <a:r>
-              <a:rPr lang="en-US" dirty="0"/>
-              <a:t>Factory design pattern</a:t>
-            </a:r>
-            <a:endParaRPr lang="LID4096" dirty="0"/>
-          </a:p>
-        </p:txBody>
-      </p:sp>
-      <p:sp>
-        <p:nvSpPr>
-          <p:cNvPr id="3" name="Slide Number Placeholder 2">
-            <a:extLst>
-              <a:ext uri="{FF2B5EF4-FFF2-40B4-BE49-F238E27FC236}">
-                <a16:creationId xmlns:a16="http://schemas.microsoft.com/office/drawing/2014/main" id="{749C0292-7B1E-9B21-4614-155BA8F29F21}"/>
-              </a:ext>
-            </a:extLst>
-          </p:cNvPr>
-          <p:cNvSpPr>
-            <a:spLocks noGrp="1"/>
-          </p:cNvSpPr>
-          <p:nvPr>
-            <p:ph type="sldNum" sz="quarter" idx="12"/>
-          </p:nvPr>
-        </p:nvSpPr>
-        <p:spPr/>
-        <p:txBody>
-          <a:bodyPr/>
-          <a:lstStyle/>
-          <a:p>
-            <a:fld id="{FDB1AA33-DFBB-49AC-8CEE-23FFECEB5648}" type="slidenum">
-              <a:rPr lang="LID4096" smtClean="0"/>
-              <a:t>47</a:t>
-            </a:fld>
-            <a:endParaRPr lang="LID4096"/>
-          </a:p>
-        </p:txBody>
-      </p:sp>
-      <p:pic>
-        <p:nvPicPr>
-          <p:cNvPr id="5" name="Picture 4" descr="A diagram of a product&#10;&#10;AI-generated content may be incorrect.">
-            <a:extLst>
-              <a:ext uri="{FF2B5EF4-FFF2-40B4-BE49-F238E27FC236}">
-                <a16:creationId xmlns:a16="http://schemas.microsoft.com/office/drawing/2014/main" id="{BBE229AF-EE3A-58FD-5C44-F9FB310063A8}"/>
-              </a:ext>
-            </a:extLst>
-          </p:cNvPr>
-          <p:cNvPicPr>
-            <a:picLocks noChangeAspect="1"/>
-          </p:cNvPicPr>
-          <p:nvPr/>
-        </p:nvPicPr>
-        <p:blipFill>
-          <a:blip r:embed="rId2">
-            <a:extLst>
-              <a:ext uri="{28A0092B-C50C-407E-A947-70E740481C1C}">
-                <a14:useLocalDpi xmlns:a14="http://schemas.microsoft.com/office/drawing/2010/main" val="0"/>
-              </a:ext>
-            </a:extLst>
-          </a:blip>
-          <a:stretch>
-            <a:fillRect/>
-          </a:stretch>
-        </p:blipFill>
-        <p:spPr>
-          <a:xfrm>
-            <a:off x="2216149" y="1690688"/>
-            <a:ext cx="8821965" cy="4234543"/>
-          </a:xfrm>
-          <a:prstGeom prst="rect">
-            <a:avLst/>
-          </a:prstGeom>
-        </p:spPr>
-      </p:pic>
-      <p:sp>
-        <p:nvSpPr>
-          <p:cNvPr id="4" name="TextBox 3">
-            <a:extLst>
-              <a:ext uri="{FF2B5EF4-FFF2-40B4-BE49-F238E27FC236}">
-                <a16:creationId xmlns:a16="http://schemas.microsoft.com/office/drawing/2014/main" id="{A3AE771F-B92C-A5F6-80B5-1C6B4577A404}"/>
-              </a:ext>
-            </a:extLst>
-          </p:cNvPr>
-          <p:cNvSpPr txBox="1"/>
-          <p:nvPr/>
-        </p:nvSpPr>
-        <p:spPr>
-          <a:xfrm>
-            <a:off x="499580" y="5791830"/>
-            <a:ext cx="9752413" cy="892552"/>
-          </a:xfrm>
-          <a:prstGeom prst="rect">
-            <a:avLst/>
-          </a:prstGeom>
-          <a:noFill/>
-          <a:ln>
-            <a:solidFill>
-              <a:schemeClr val="tx1"/>
-            </a:solidFill>
-          </a:ln>
-        </p:spPr>
-        <p:txBody>
-          <a:bodyPr wrap="none" rtlCol="0">
-            <a:spAutoFit/>
-          </a:bodyPr>
-          <a:lstStyle/>
-          <a:p>
-            <a:r>
-              <a:rPr lang="en-US" sz="2000" dirty="0"/>
-              <a:t>See</a:t>
-            </a:r>
-          </a:p>
-          <a:p>
-            <a:r>
-              <a:rPr lang="en-US" sz="1600" dirty="0">
-                <a:hlinkClick r:id="rId3"/>
-              </a:rPr>
-              <a:t>https://github.com/gjbex/Scientific-C-plus-plus/tree/master/source-code/DesignPatterns/FactoryPattern</a:t>
-            </a:r>
-            <a:r>
-              <a:rPr lang="en-US" sz="1600" dirty="0"/>
-              <a:t> </a:t>
-            </a:r>
-            <a:br>
-              <a:rPr lang="en-US" sz="2000" dirty="0"/>
-            </a:br>
-            <a:r>
-              <a:rPr lang="en-US" sz="1600" dirty="0">
-                <a:hlinkClick r:id="rId4"/>
-              </a:rPr>
-              <a:t>https://github.com/gjbex/Scientific-C-plus-plus/tree/master/source-code/DesignPatterns/CellularAutomata</a:t>
-            </a:r>
-            <a:r>
-              <a:rPr lang="en-US" sz="1600" dirty="0"/>
-              <a:t> </a:t>
-            </a:r>
-          </a:p>
-        </p:txBody>
-      </p:sp>
-    </p:spTree>
-    <p:extLst>
-      <p:ext uri="{BB962C8B-B14F-4D97-AF65-F5344CB8AC3E}">
-        <p14:creationId xmlns:p14="http://schemas.microsoft.com/office/powerpoint/2010/main" val="298727713"/>
-      </p:ext>
-    </p:extLst>
-  </p:cSld>
-  <p:clrMapOvr>
-    <a:masterClrMapping/>
-  </p:clrMapOvr>
-  <p:timing>
-    <p:tnLst>
-      <p:par>
-        <p:cTn id="1" dur="indefinite" restart="never" nodeType="tmRoot">
-          <p:childTnLst>
-            <p:seq concurrent="1" nextAc="seek">
-              <p:cTn id="2" dur="indefinite" nodeType="mainSeq">
-                <p:childTnLst>
-                  <p:par>
-                    <p:cTn id="3" fill="hold">
-                      <p:stCondLst>
-                        <p:cond delay="indefinite"/>
-                      </p:stCondLst>
-                      <p:childTnLst>
-                        <p:par>
-                          <p:cTn id="4" fill="hold">
-                            <p:stCondLst>
-                              <p:cond delay="0"/>
-                            </p:stCondLst>
-                            <p:childTnLst>
-                              <p:par>
-                                <p:cTn id="5" presetID="1" presetClass="entr" presetSubtype="0" fill="hold" grpId="0" nodeType="clickEffect">
-                                  <p:stCondLst>
-                                    <p:cond delay="0"/>
-                                  </p:stCondLst>
-                                  <p:childTnLst>
-                                    <p:set>
-                                      <p:cBhvr>
-                                        <p:cTn id="6" dur="1" fill="hold">
-                                          <p:stCondLst>
-                                            <p:cond delay="0"/>
-                                          </p:stCondLst>
-                                        </p:cTn>
-                                        <p:tgtEl>
-                                          <p:spTgt spid="4"/>
-                                        </p:tgtEl>
-                                        <p:attrNameLst>
-                                          <p:attrName>style.visibility</p:attrName>
-                                        </p:attrNameLst>
-                                      </p:cBhvr>
-                                      <p:to>
-                                        <p:strVal val="visible"/>
-                                      </p:to>
-                                    </p:set>
-                                  </p:childTnLst>
-                                </p:cTn>
-                              </p:par>
-                            </p:childTnLst>
-                          </p:cTn>
-                        </p:par>
-                      </p:childTnLst>
-                    </p:cTn>
-                  </p:par>
-                </p:childTnLst>
-              </p:cTn>
-              <p:prevCondLst>
-                <p:cond evt="onPrev" delay="0">
-                  <p:tgtEl>
-                    <p:sldTgt/>
-                  </p:tgtEl>
-                </p:cond>
-              </p:prevCondLst>
-              <p:nextCondLst>
-                <p:cond evt="onNext" delay="0">
-                  <p:tgtEl>
-                    <p:sldTgt/>
-                  </p:tgtEl>
-                </p:cond>
-              </p:nextCondLst>
-            </p:seq>
-          </p:childTnLst>
-        </p:cTn>
-      </p:par>
-    </p:tnLst>
-    <p:bldLst>
-      <p:bldP spid="4" grpId="0" animBg="1"/>
-    </p:bldLst>
-  </p:timing>
-</p:sld>
-</file>
-
 <file path=ppt/slides/slide48.xml><?xml version="1.0" encoding="utf-8"?>
 <p:sld xmlns:a="http://schemas.openxmlformats.org/drawingml/2006/main" xmlns:r="http://schemas.openxmlformats.org/officeDocument/2006/relationships" xmlns:p="http://schemas.openxmlformats.org/presentationml/2006/main">
   <p:cSld>
@@ -20488,7 +20424,7 @@
           <p:cNvPr id="2" name="Title 1">
             <a:extLst>
               <a:ext uri="{FF2B5EF4-FFF2-40B4-BE49-F238E27FC236}">
-                <a16:creationId xmlns:a16="http://schemas.microsoft.com/office/drawing/2014/main" id="{3461A7F5-2B05-C3D6-543A-A394B3B45442}"/>
+                <a16:creationId xmlns:a16="http://schemas.microsoft.com/office/drawing/2014/main" id="{27C65591-8615-7E00-CFBB-3B18270922B4}"/>
               </a:ext>
             </a:extLst>
           </p:cNvPr>
@@ -20506,7 +20442,7 @@
           <a:p>
             <a:r>
               <a:rPr lang="en-US" dirty="0"/>
-              <a:t>Strategy design pattern</a:t>
+              <a:t>Factory design pattern</a:t>
             </a:r>
             <a:endParaRPr lang="LID4096" dirty="0"/>
           </a:p>
@@ -20517,7 +20453,7 @@
           <p:cNvPr id="3" name="Slide Number Placeholder 2">
             <a:extLst>
               <a:ext uri="{FF2B5EF4-FFF2-40B4-BE49-F238E27FC236}">
-                <a16:creationId xmlns:a16="http://schemas.microsoft.com/office/drawing/2014/main" id="{93BF2698-8B5C-02E9-CF1F-D8F75C69959C}"/>
+                <a16:creationId xmlns:a16="http://schemas.microsoft.com/office/drawing/2014/main" id="{749C0292-7B1E-9B21-4614-155BA8F29F21}"/>
               </a:ext>
             </a:extLst>
           </p:cNvPr>
@@ -20543,10 +20479,10 @@
       </p:sp>
       <p:pic>
         <p:nvPicPr>
-          <p:cNvPr id="5" name="Picture 4" descr="A diagram of a strategy&#10;&#10;AI-generated content may be incorrect.">
+          <p:cNvPr id="5" name="Picture 4" descr="A diagram of a product&#10;&#10;AI-generated content may be incorrect.">
             <a:extLst>
               <a:ext uri="{FF2B5EF4-FFF2-40B4-BE49-F238E27FC236}">
-                <a16:creationId xmlns:a16="http://schemas.microsoft.com/office/drawing/2014/main" id="{D211B979-B94C-AE2D-9433-33FECD2261C3}"/>
+                <a16:creationId xmlns:a16="http://schemas.microsoft.com/office/drawing/2014/main" id="{BBE229AF-EE3A-58FD-5C44-F9FB310063A8}"/>
               </a:ext>
             </a:extLst>
           </p:cNvPr>
@@ -20569,8 +20505,8 @@
         </p:blipFill>
         <p:spPr>
           <a:xfrm>
-            <a:off x="445407" y="1690688"/>
-            <a:ext cx="11301186" cy="4172746"/>
+            <a:off x="2216149" y="1690688"/>
+            <a:ext cx="8821965" cy="4234543"/>
           </a:xfrm>
           <a:prstGeom prst="rect">
             <a:avLst/>
@@ -20582,7 +20518,7 @@
           <p:cNvPr id="4" name="TextBox 3">
             <a:extLst>
               <a:ext uri="{FF2B5EF4-FFF2-40B4-BE49-F238E27FC236}">
-                <a16:creationId xmlns:a16="http://schemas.microsoft.com/office/drawing/2014/main" id="{9A043FF5-1E32-01EF-A4BE-A3BD95E2D17C}"/>
+                <a16:creationId xmlns:a16="http://schemas.microsoft.com/office/drawing/2014/main" id="{A3AE771F-B92C-A5F6-80B5-1C6B4577A404}"/>
               </a:ext>
             </a:extLst>
           </p:cNvPr>
@@ -20614,22 +20550,21 @@
               <a:rPr lang="en-US" sz="2000" dirty="0"/>
               <a:t>See</a:t>
             </a:r>
+          </a:p>
+          <a:p>
+            <a:r>
+              <a:rPr lang="en-US" sz="1600" dirty="0">
+                <a:hlinkClick r:id="rId3"/>
+              </a:rPr>
+              <a:t>https://github.com/gjbex/Scientific-C-plus-plus/tree/master/source-code/DesignPatterns/FactoryPattern</a:t>
+            </a:r>
+            <a:r>
+              <a:rPr lang="en-US" sz="1600" dirty="0"/>
+              <a:t> </a:t>
+            </a:r>
             <a:br>
               <a:rPr lang="en-US" sz="2000" dirty="0"/>
             </a:br>
-            <a:r>
-              <a:rPr lang="en-US" sz="1600" dirty="0">
-                <a:hlinkClick r:id="rId3"/>
-              </a:rPr>
-              <a:t>https://github.com/gjbex/Scientific-C-plus-plus/tree/master/source-code/DesignPatterns/StrategyPattern</a:t>
-            </a:r>
-            <a:r>
-              <a:rPr lang="en-US" sz="1600" dirty="0"/>
-              <a:t> </a:t>
-            </a:r>
-            <a:endParaRPr lang="en-US" sz="2000" dirty="0"/>
-          </a:p>
-          <a:p>
             <a:r>
               <a:rPr lang="en-US" sz="1600" dirty="0">
                 <a:hlinkClick r:id="rId4"/>
@@ -20646,7 +20581,7 @@
     </p:spTree>
     <p:extLst>
       <p:ext uri="{BB962C8B-B14F-4D97-AF65-F5344CB8AC3E}">
-        <p14:creationId xmlns:p14="http://schemas.microsoft.com/office/powerpoint/2010/main" val="4061975628"/>
+        <p14:creationId xmlns:p14="http://schemas.microsoft.com/office/powerpoint/2010/main" val="298727713"/>
       </p:ext>
     </p:extLst>
   </p:cSld>
@@ -20756,7 +20691,7 @@
           <p:cNvPr id="2" name="Title 1">
             <a:extLst>
               <a:ext uri="{FF2B5EF4-FFF2-40B4-BE49-F238E27FC236}">
-                <a16:creationId xmlns:a16="http://schemas.microsoft.com/office/drawing/2014/main" id="{7FB23902-4673-FD84-A438-AC235282E2BD}"/>
+                <a16:creationId xmlns:a16="http://schemas.microsoft.com/office/drawing/2014/main" id="{3461A7F5-2B05-C3D6-543A-A394B3B45442}"/>
               </a:ext>
             </a:extLst>
           </p:cNvPr>
@@ -20774,7 +20709,7 @@
           <a:p>
             <a:r>
               <a:rPr lang="en-US" dirty="0"/>
-              <a:t>Decorator pattern</a:t>
+              <a:t>Strategy design pattern</a:t>
             </a:r>
             <a:endParaRPr lang="LID4096" dirty="0"/>
           </a:p>
@@ -20785,7 +20720,7 @@
           <p:cNvPr id="3" name="Slide Number Placeholder 2">
             <a:extLst>
               <a:ext uri="{FF2B5EF4-FFF2-40B4-BE49-F238E27FC236}">
-                <a16:creationId xmlns:a16="http://schemas.microsoft.com/office/drawing/2014/main" id="{A78D1F06-39E4-F97D-EF30-466A89D65C12}"/>
+                <a16:creationId xmlns:a16="http://schemas.microsoft.com/office/drawing/2014/main" id="{93BF2698-8B5C-02E9-CF1F-D8F75C69959C}"/>
               </a:ext>
             </a:extLst>
           </p:cNvPr>
@@ -20811,10 +20746,10 @@
       </p:sp>
       <p:pic>
         <p:nvPicPr>
-          <p:cNvPr id="5" name="Graphic 4">
+          <p:cNvPr id="5" name="Picture 4" descr="A diagram of a strategy&#10;&#10;AI-generated content may be incorrect.">
             <a:extLst>
               <a:ext uri="{FF2B5EF4-FFF2-40B4-BE49-F238E27FC236}">
-                <a16:creationId xmlns:a16="http://schemas.microsoft.com/office/drawing/2014/main" id="{54786055-7602-0DE3-36B7-1F30D4A6576C}"/>
+                <a16:creationId xmlns:a16="http://schemas.microsoft.com/office/drawing/2014/main" id="{D211B979-B94C-AE2D-9433-33FECD2261C3}"/>
               </a:ext>
             </a:extLst>
           </p:cNvPr>
@@ -20826,8 +20761,8 @@
         <p:blipFill>
           <a:blip r:embed="rId2">
             <a:extLst>
-              <a:ext uri="{96DAC541-7B7A-43D3-8B79-37D633B846F1}">
-                <asvg:svgBlip xmlns:asvg="http://schemas.microsoft.com/office/drawing/2016/SVG/main" r:embed="rId3"/>
+              <a:ext uri="{28A0092B-C50C-407E-A947-70E740481C1C}">
+                <a14:useLocalDpi xmlns:a14="http://schemas.microsoft.com/office/drawing/2010/main" val="0"/>
               </a:ext>
             </a:extLst>
           </a:blip>
@@ -20837,8 +20772,8 @@
         </p:blipFill>
         <p:spPr>
           <a:xfrm>
-            <a:off x="4484915" y="1309007"/>
-            <a:ext cx="5486400" cy="4343400"/>
+            <a:off x="445407" y="1690688"/>
+            <a:ext cx="11301186" cy="4172746"/>
           </a:xfrm>
           <a:prstGeom prst="rect">
             <a:avLst/>
@@ -20847,10 +20782,10 @@
       </p:pic>
       <p:sp>
         <p:nvSpPr>
-          <p:cNvPr id="6" name="TextBox 5">
+          <p:cNvPr id="4" name="TextBox 3">
             <a:extLst>
               <a:ext uri="{FF2B5EF4-FFF2-40B4-BE49-F238E27FC236}">
-                <a16:creationId xmlns:a16="http://schemas.microsoft.com/office/drawing/2014/main" id="{131BC909-6E38-C6E1-B1D7-DFDEAACD242A}"/>
+                <a16:creationId xmlns:a16="http://schemas.microsoft.com/office/drawing/2014/main" id="{9A043FF5-1E32-01EF-A4BE-A3BD95E2D17C}"/>
               </a:ext>
             </a:extLst>
           </p:cNvPr>
@@ -20860,7 +20795,7 @@
         <p:spPr>
           <a:xfrm>
             <a:off x="499580" y="5791830"/>
-            <a:ext cx="9752413" cy="646331"/>
+            <a:ext cx="9752413" cy="892552"/>
           </a:xfrm>
           <a:prstGeom prst="rect">
             <a:avLst/>
@@ -20887,6 +20822,19 @@
             </a:br>
             <a:r>
               <a:rPr lang="en-US" sz="1600" dirty="0">
+                <a:hlinkClick r:id="rId3"/>
+              </a:rPr>
+              <a:t>https://github.com/gjbex/Scientific-C-plus-plus/tree/master/source-code/DesignPatterns/StrategyPattern</a:t>
+            </a:r>
+            <a:r>
+              <a:rPr lang="en-US" sz="1600" dirty="0"/>
+              <a:t> </a:t>
+            </a:r>
+            <a:endParaRPr lang="en-US" sz="2000" dirty="0"/>
+          </a:p>
+          <a:p>
+            <a:r>
+              <a:rPr lang="en-US" sz="1600" dirty="0">
                 <a:hlinkClick r:id="rId4"/>
               </a:rPr>
               <a:t>https://github.com/gjbex/Scientific-C-plus-plus/tree/master/source-code/DesignPatterns/CellularAutomata</a:t>
@@ -20901,7 +20849,7 @@
     </p:spTree>
     <p:extLst>
       <p:ext uri="{BB962C8B-B14F-4D97-AF65-F5344CB8AC3E}">
-        <p14:creationId xmlns:p14="http://schemas.microsoft.com/office/powerpoint/2010/main" val="958888166"/>
+        <p14:creationId xmlns:p14="http://schemas.microsoft.com/office/powerpoint/2010/main" val="4061975628"/>
       </p:ext>
     </p:extLst>
   </p:cSld>
@@ -20942,7 +20890,7 @@
                                           </p:stCondLst>
                                         </p:cTn>
                                         <p:tgtEl>
-                                          <p:spTgt spid="6"/>
+                                          <p:spTgt spid="4"/>
                                         </p:tgtEl>
                                         <p:attrNameLst>
                                           <p:attrName>style.visibility</p:attrName>
@@ -20983,7 +20931,7 @@
       </p:par>
     </p:tnLst>
     <p:bldLst>
-      <p:bldP spid="6" grpId="0" animBg="1"/>
+      <p:bldP spid="4" grpId="0" animBg="1"/>
     </p:bldLst>
   </p:timing>
 </p:sld>
@@ -21351,7 +21299,7 @@
           <p:cNvPr id="2" name="Title 1">
             <a:extLst>
               <a:ext uri="{FF2B5EF4-FFF2-40B4-BE49-F238E27FC236}">
-                <a16:creationId xmlns:a16="http://schemas.microsoft.com/office/drawing/2014/main" id="{04B1C173-33AC-1DCA-ED63-D52D701FC426}"/>
+                <a16:creationId xmlns:a16="http://schemas.microsoft.com/office/drawing/2014/main" id="{7FB23902-4673-FD84-A438-AC235282E2BD}"/>
               </a:ext>
             </a:extLst>
           </p:cNvPr>
@@ -21369,7 +21317,7 @@
           <a:p>
             <a:r>
               <a:rPr lang="en-US" dirty="0"/>
-              <a:t>C++ specific patterns</a:t>
+              <a:t>Decorator pattern</a:t>
             </a:r>
             <a:endParaRPr lang="LID4096" dirty="0"/>
           </a:p>
@@ -21377,59 +21325,10 @@
       </p:sp>
       <p:sp>
         <p:nvSpPr>
-          <p:cNvPr id="3" name="Content Placeholder 2">
+          <p:cNvPr id="3" name="Slide Number Placeholder 2">
             <a:extLst>
               <a:ext uri="{FF2B5EF4-FFF2-40B4-BE49-F238E27FC236}">
-                <a16:creationId xmlns:a16="http://schemas.microsoft.com/office/drawing/2014/main" id="{B66B5779-A74C-52C0-DAF9-FC542132634A}"/>
-              </a:ext>
-            </a:extLst>
-          </p:cNvPr>
-          <p:cNvSpPr>
-            <a:spLocks noGrp="1"/>
-          </p:cNvSpPr>
-          <p:nvPr>
-            <p:ph idx="1"/>
-          </p:nvPr>
-        </p:nvSpPr>
-        <p:spPr/>
-        <p:txBody>
-          <a:bodyPr/>
-          <a:lstStyle/>
-          <a:p>
-            <a:r>
-              <a:rPr lang="en-US" dirty="0"/>
-              <a:t>Curiously Repeating Template Pattern (CRTP)</a:t>
-            </a:r>
-          </a:p>
-          <a:p>
-            <a:r>
-              <a:rPr lang="en-US" dirty="0"/>
-              <a:t>Type erasure</a:t>
-            </a:r>
-          </a:p>
-          <a:p>
-            <a:r>
-              <a:rPr lang="en-US" dirty="0"/>
-              <a:t>Pointer to </a:t>
-            </a:r>
-            <a:r>
-              <a:rPr lang="en-US" dirty="0" err="1"/>
-              <a:t>IMPLementation</a:t>
-            </a:r>
-            <a:r>
-              <a:rPr lang="en-US" dirty="0"/>
-              <a:t> (PIMPL)</a:t>
-            </a:r>
-            <a:endParaRPr lang="LID4096" dirty="0"/>
-          </a:p>
-        </p:txBody>
-      </p:sp>
-      <p:sp>
-        <p:nvSpPr>
-          <p:cNvPr id="4" name="Slide Number Placeholder 3">
-            <a:extLst>
-              <a:ext uri="{FF2B5EF4-FFF2-40B4-BE49-F238E27FC236}">
-                <a16:creationId xmlns:a16="http://schemas.microsoft.com/office/drawing/2014/main" id="{396482FC-4A8B-74E1-56FE-EFDCEEF1C5E8}"/>
+                <a16:creationId xmlns:a16="http://schemas.microsoft.com/office/drawing/2014/main" id="{A78D1F06-39E4-F97D-EF30-466A89D65C12}"/>
               </a:ext>
             </a:extLst>
           </p:cNvPr>
@@ -21453,12 +21352,48 @@
           </a:p>
         </p:txBody>
       </p:sp>
+      <p:pic>
+        <p:nvPicPr>
+          <p:cNvPr id="5" name="Graphic 4">
+            <a:extLst>
+              <a:ext uri="{FF2B5EF4-FFF2-40B4-BE49-F238E27FC236}">
+                <a16:creationId xmlns:a16="http://schemas.microsoft.com/office/drawing/2014/main" id="{54786055-7602-0DE3-36B7-1F30D4A6576C}"/>
+              </a:ext>
+            </a:extLst>
+          </p:cNvPr>
+          <p:cNvPicPr>
+            <a:picLocks noChangeAspect="1"/>
+          </p:cNvPicPr>
+          <p:nvPr/>
+        </p:nvPicPr>
+        <p:blipFill>
+          <a:blip r:embed="rId2">
+            <a:extLst>
+              <a:ext uri="{96DAC541-7B7A-43D3-8B79-37D633B846F1}">
+                <asvg:svgBlip xmlns:asvg="http://schemas.microsoft.com/office/drawing/2016/SVG/main" r:embed="rId3"/>
+              </a:ext>
+            </a:extLst>
+          </a:blip>
+          <a:stretch>
+            <a:fillRect/>
+          </a:stretch>
+        </p:blipFill>
+        <p:spPr>
+          <a:xfrm>
+            <a:off x="4484915" y="1309007"/>
+            <a:ext cx="5486400" cy="4343400"/>
+          </a:xfrm>
+          <a:prstGeom prst="rect">
+            <a:avLst/>
+          </a:prstGeom>
+        </p:spPr>
+      </p:pic>
       <p:sp>
         <p:nvSpPr>
           <p:cNvPr id="6" name="TextBox 5">
             <a:extLst>
               <a:ext uri="{FF2B5EF4-FFF2-40B4-BE49-F238E27FC236}">
-                <a16:creationId xmlns:a16="http://schemas.microsoft.com/office/drawing/2014/main" id="{09807A64-9623-A9A7-9103-8BC8C59D7960}"/>
+                <a16:creationId xmlns:a16="http://schemas.microsoft.com/office/drawing/2014/main" id="{131BC909-6E38-C6E1-B1D7-DFDEAACD242A}"/>
               </a:ext>
             </a:extLst>
           </p:cNvPr>
@@ -21468,7 +21403,7 @@
         <p:spPr>
           <a:xfrm>
             <a:off x="499580" y="5791830"/>
-            <a:ext cx="8980856" cy="646331"/>
+            <a:ext cx="9752413" cy="646331"/>
           </a:xfrm>
           <a:prstGeom prst="rect">
             <a:avLst/>
@@ -21490,22 +21425,26 @@
               <a:rPr lang="en-US" sz="2000" dirty="0"/>
               <a:t>See</a:t>
             </a:r>
-          </a:p>
-          <a:p>
+            <a:br>
+              <a:rPr lang="en-US" sz="2000" dirty="0"/>
+            </a:br>
             <a:r>
               <a:rPr lang="en-US" sz="1600" dirty="0">
-                <a:hlinkClick r:id="rId2"/>
+                <a:hlinkClick r:id="rId4"/>
               </a:rPr>
-              <a:t>https://github.com/gjbex/C-plus-plus-software-engineering/tree/main/source-code/design-patterns</a:t>
-            </a:r>
-            <a:endParaRPr lang="en-US" sz="1600" dirty="0"/>
+              <a:t>https://github.com/gjbex/Scientific-C-plus-plus/tree/master/source-code/DesignPatterns/CellularAutomata</a:t>
+            </a:r>
+            <a:r>
+              <a:rPr lang="en-US" sz="1600" dirty="0"/>
+              <a:t> </a:t>
+            </a:r>
           </a:p>
         </p:txBody>
       </p:sp>
     </p:spTree>
     <p:extLst>
       <p:ext uri="{BB962C8B-B14F-4D97-AF65-F5344CB8AC3E}">
-        <p14:creationId xmlns:p14="http://schemas.microsoft.com/office/powerpoint/2010/main" val="3340427051"/>
+        <p14:creationId xmlns:p14="http://schemas.microsoft.com/office/powerpoint/2010/main" val="958888166"/>
       </p:ext>
     </p:extLst>
   </p:cSld>
@@ -21615,7 +21554,7 @@
           <p:cNvPr id="2" name="Title 1">
             <a:extLst>
               <a:ext uri="{FF2B5EF4-FFF2-40B4-BE49-F238E27FC236}">
-                <a16:creationId xmlns:a16="http://schemas.microsoft.com/office/drawing/2014/main" id="{96A48829-0721-1480-5994-E855FF935E6E}"/>
+                <a16:creationId xmlns:a16="http://schemas.microsoft.com/office/drawing/2014/main" id="{04B1C173-33AC-1DCA-ED63-D52D701FC426}"/>
               </a:ext>
             </a:extLst>
           </p:cNvPr>
@@ -21633,7 +21572,7 @@
           <a:p>
             <a:r>
               <a:rPr lang="en-US" dirty="0"/>
-              <a:t>Curiously, Repeating Template Pattern (CRTP)</a:t>
+              <a:t>C++ specific patterns</a:t>
             </a:r>
             <a:endParaRPr lang="LID4096" dirty="0"/>
           </a:p>
@@ -21644,7 +21583,7 @@
           <p:cNvPr id="3" name="Content Placeholder 2">
             <a:extLst>
               <a:ext uri="{FF2B5EF4-FFF2-40B4-BE49-F238E27FC236}">
-                <a16:creationId xmlns:a16="http://schemas.microsoft.com/office/drawing/2014/main" id="{9BB61A49-5C18-EB0F-3E0D-D280F9E302A4}"/>
+                <a16:creationId xmlns:a16="http://schemas.microsoft.com/office/drawing/2014/main" id="{B66B5779-A74C-52C0-DAF9-FC542132634A}"/>
               </a:ext>
             </a:extLst>
           </p:cNvPr>
@@ -21657,33 +21596,34 @@
         </p:nvSpPr>
         <p:spPr/>
         <p:txBody>
-          <a:bodyPr>
-            <a:normAutofit/>
-          </a:bodyPr>
+          <a:bodyPr/>
           <a:lstStyle/>
           <a:p>
             <a:r>
               <a:rPr lang="en-US" dirty="0"/>
-              <a:t>Avoid virtual function overhead</a:t>
-            </a:r>
-          </a:p>
-          <a:p>
-            <a:r>
-              <a:rPr lang="en-US" dirty="0"/>
-              <a:t>Enforce compile time interface constraints</a:t>
-            </a:r>
-          </a:p>
-          <a:p>
-            <a:r>
-              <a:rPr lang="en-US" dirty="0"/>
-              <a:t>Code reuse without dynamic polymorphism</a:t>
-            </a:r>
-          </a:p>
-          <a:p>
-            <a:r>
-              <a:rPr lang="en-US" dirty="0"/>
-              <a:t>Static  polymorphism</a:t>
-            </a:r>
+              <a:t>Curiously Repeating Template Pattern (CRTP)</a:t>
+            </a:r>
+          </a:p>
+          <a:p>
+            <a:r>
+              <a:rPr lang="en-US" dirty="0"/>
+              <a:t>Type erasure</a:t>
+            </a:r>
+          </a:p>
+          <a:p>
+            <a:r>
+              <a:rPr lang="en-US" dirty="0"/>
+              <a:t>Pointer to </a:t>
+            </a:r>
+            <a:r>
+              <a:rPr lang="en-US" dirty="0" err="1"/>
+              <a:t>IMPLementation</a:t>
+            </a:r>
+            <a:r>
+              <a:rPr lang="en-US" dirty="0"/>
+              <a:t> (PIMPL)</a:t>
+            </a:r>
+            <a:endParaRPr lang="LID4096" dirty="0"/>
           </a:p>
         </p:txBody>
       </p:sp>
@@ -21692,7 +21632,7 @@
           <p:cNvPr id="4" name="Slide Number Placeholder 3">
             <a:extLst>
               <a:ext uri="{FF2B5EF4-FFF2-40B4-BE49-F238E27FC236}">
-                <a16:creationId xmlns:a16="http://schemas.microsoft.com/office/drawing/2014/main" id="{0D8837DD-4DFF-B3FC-6690-1408C5CBE0FA}"/>
+                <a16:creationId xmlns:a16="http://schemas.microsoft.com/office/drawing/2014/main" id="{396482FC-4A8B-74E1-56FE-EFDCEEF1C5E8}"/>
               </a:ext>
             </a:extLst>
           </p:cNvPr>
@@ -21719,7 +21659,7 @@
     </p:spTree>
     <p:extLst>
       <p:ext uri="{BB962C8B-B14F-4D97-AF65-F5344CB8AC3E}">
-        <p14:creationId xmlns:p14="http://schemas.microsoft.com/office/powerpoint/2010/main" val="2948353845"/>
+        <p14:creationId xmlns:p14="http://schemas.microsoft.com/office/powerpoint/2010/main" val="3340427051"/>
       </p:ext>
     </p:extLst>
   </p:cSld>
@@ -21751,7 +21691,7 @@
           <p:cNvPr id="2" name="Title 1">
             <a:extLst>
               <a:ext uri="{FF2B5EF4-FFF2-40B4-BE49-F238E27FC236}">
-                <a16:creationId xmlns:a16="http://schemas.microsoft.com/office/drawing/2014/main" id="{08C9A350-282A-80DC-C746-795502250CAE}"/>
+                <a16:creationId xmlns:a16="http://schemas.microsoft.com/office/drawing/2014/main" id="{96A48829-0721-1480-5994-E855FF935E6E}"/>
               </a:ext>
             </a:extLst>
           </p:cNvPr>
@@ -21769,7 +21709,7 @@
           <a:p>
             <a:r>
               <a:rPr lang="en-US" dirty="0"/>
-              <a:t>CRTP: base class</a:t>
+              <a:t>Curiously, Repeating Template Pattern (CRTP)</a:t>
             </a:r>
             <a:endParaRPr lang="LID4096" dirty="0"/>
           </a:p>
@@ -21777,10 +21717,58 @@
       </p:sp>
       <p:sp>
         <p:nvSpPr>
+          <p:cNvPr id="3" name="Content Placeholder 2">
+            <a:extLst>
+              <a:ext uri="{FF2B5EF4-FFF2-40B4-BE49-F238E27FC236}">
+                <a16:creationId xmlns:a16="http://schemas.microsoft.com/office/drawing/2014/main" id="{9BB61A49-5C18-EB0F-3E0D-D280F9E302A4}"/>
+              </a:ext>
+            </a:extLst>
+          </p:cNvPr>
+          <p:cNvSpPr>
+            <a:spLocks noGrp="1"/>
+          </p:cNvSpPr>
+          <p:nvPr>
+            <p:ph idx="1"/>
+          </p:nvPr>
+        </p:nvSpPr>
+        <p:spPr/>
+        <p:txBody>
+          <a:bodyPr>
+            <a:normAutofit/>
+          </a:bodyPr>
+          <a:lstStyle/>
+          <a:p>
+            <a:r>
+              <a:rPr lang="en-US" dirty="0"/>
+              <a:t>Avoid virtual function overhead</a:t>
+            </a:r>
+          </a:p>
+          <a:p>
+            <a:r>
+              <a:rPr lang="en-US" dirty="0"/>
+              <a:t>Enforce compile time interface constraints</a:t>
+            </a:r>
+          </a:p>
+          <a:p>
+            <a:r>
+              <a:rPr lang="en-US" dirty="0"/>
+              <a:t>Code reuse without dynamic polymorphism</a:t>
+            </a:r>
+          </a:p>
+          <a:p>
+            <a:r>
+              <a:rPr lang="en-US" dirty="0"/>
+              <a:t>Static  polymorphism</a:t>
+            </a:r>
+          </a:p>
+        </p:txBody>
+      </p:sp>
+      <p:sp>
+        <p:nvSpPr>
           <p:cNvPr id="4" name="Slide Number Placeholder 3">
             <a:extLst>
               <a:ext uri="{FF2B5EF4-FFF2-40B4-BE49-F238E27FC236}">
-                <a16:creationId xmlns:a16="http://schemas.microsoft.com/office/drawing/2014/main" id="{2B59DEA4-516B-75F2-1733-1B9E7DD26F95}"/>
+                <a16:creationId xmlns:a16="http://schemas.microsoft.com/office/drawing/2014/main" id="{0D8837DD-4DFF-B3FC-6690-1408C5CBE0FA}"/>
               </a:ext>
             </a:extLst>
           </p:cNvPr>
@@ -21799,6 +21787,221 @@
             <a:fld id="{FDB1AA33-DFBB-49AC-8CEE-23FFECEB5648}" type="slidenum">
               <a:rPr lang="LID4096" smtClean="0"/>
               <a:t>52</a:t>
+            </a:fld>
+            <a:endParaRPr lang="LID4096"/>
+          </a:p>
+        </p:txBody>
+      </p:sp>
+      <p:sp>
+        <p:nvSpPr>
+          <p:cNvPr id="6" name="TextBox 5">
+            <a:extLst>
+              <a:ext uri="{FF2B5EF4-FFF2-40B4-BE49-F238E27FC236}">
+                <a16:creationId xmlns:a16="http://schemas.microsoft.com/office/drawing/2014/main" id="{09807A64-9623-A9A7-9103-8BC8C59D7960}"/>
+              </a:ext>
+            </a:extLst>
+          </p:cNvPr>
+          <p:cNvSpPr txBox="1"/>
+          <p:nvPr/>
+        </p:nvSpPr>
+        <p:spPr>
+          <a:xfrm>
+            <a:off x="499580" y="5791830"/>
+            <a:ext cx="8980856" cy="646331"/>
+          </a:xfrm>
+          <a:prstGeom prst="rect">
+            <a:avLst/>
+          </a:prstGeom>
+          <a:noFill/>
+          <a:ln>
+            <a:solidFill>
+              <a:schemeClr val="tx1"/>
+            </a:solidFill>
+          </a:ln>
+        </p:spPr>
+        <p:txBody>
+          <a:bodyPr wrap="none" rtlCol="0">
+            <a:spAutoFit/>
+          </a:bodyPr>
+          <a:lstStyle/>
+          <a:p>
+            <a:r>
+              <a:rPr lang="en-US" sz="2000" dirty="0"/>
+              <a:t>See</a:t>
+            </a:r>
+          </a:p>
+          <a:p>
+            <a:r>
+              <a:rPr lang="en-US" sz="1600" dirty="0">
+                <a:hlinkClick r:id="rId2"/>
+              </a:rPr>
+              <a:t>https://github.com/gjbex/C-plus-plus-software-engineering/tree/main/source-code/design-patterns</a:t>
+            </a:r>
+            <a:endParaRPr lang="en-US" sz="1600" dirty="0"/>
+          </a:p>
+        </p:txBody>
+      </p:sp>
+    </p:spTree>
+    <p:extLst>
+      <p:ext uri="{BB962C8B-B14F-4D97-AF65-F5344CB8AC3E}">
+        <p14:creationId xmlns:p14="http://schemas.microsoft.com/office/powerpoint/2010/main" val="2948353845"/>
+      </p:ext>
+    </p:extLst>
+  </p:cSld>
+  <p:clrMapOvr>
+    <a:masterClrMapping/>
+  </p:clrMapOvr>
+  <p:timing>
+    <p:tnLst>
+      <p:par>
+        <p:cTn id="1" dur="indefinite" restart="never" nodeType="tmRoot">
+          <p:childTnLst>
+            <p:seq concurrent="1" nextAc="seek">
+              <p:cTn id="2" dur="indefinite" nodeType="mainSeq">
+                <p:childTnLst>
+                  <p:par>
+                    <p:cTn id="3" fill="hold">
+                      <p:stCondLst>
+                        <p:cond delay="indefinite"/>
+                      </p:stCondLst>
+                      <p:childTnLst>
+                        <p:par>
+                          <p:cTn id="4" fill="hold">
+                            <p:stCondLst>
+                              <p:cond delay="0"/>
+                            </p:stCondLst>
+                            <p:childTnLst>
+                              <p:par>
+                                <p:cTn id="5" presetID="1" presetClass="entr" presetSubtype="0" fill="hold" grpId="0" nodeType="clickEffect">
+                                  <p:stCondLst>
+                                    <p:cond delay="0"/>
+                                  </p:stCondLst>
+                                  <p:childTnLst>
+                                    <p:set>
+                                      <p:cBhvr>
+                                        <p:cTn id="6" dur="1" fill="hold">
+                                          <p:stCondLst>
+                                            <p:cond delay="0"/>
+                                          </p:stCondLst>
+                                        </p:cTn>
+                                        <p:tgtEl>
+                                          <p:spTgt spid="6"/>
+                                        </p:tgtEl>
+                                        <p:attrNameLst>
+                                          <p:attrName>style.visibility</p:attrName>
+                                        </p:attrNameLst>
+                                      </p:cBhvr>
+                                      <p:to>
+                                        <p:strVal val="visible"/>
+                                      </p:to>
+                                    </p:set>
+                                  </p:childTnLst>
+                                </p:cTn>
+                              </p:par>
+                            </p:childTnLst>
+                          </p:cTn>
+                        </p:par>
+                      </p:childTnLst>
+                    </p:cTn>
+                  </p:par>
+                </p:childTnLst>
+              </p:cTn>
+              <p:prevCondLst>
+                <p:cond evt="onPrev" delay="0">
+                  <p:tgtEl>
+                    <p:sldTgt/>
+                  </p:tgtEl>
+                </p:cond>
+              </p:prevCondLst>
+              <p:nextCondLst>
+                <p:cond evt="onNext" delay="0">
+                  <p:tgtEl>
+                    <p:sldTgt/>
+                  </p:tgtEl>
+                </p:cond>
+              </p:nextCondLst>
+            </p:seq>
+          </p:childTnLst>
+        </p:cTn>
+      </p:par>
+    </p:tnLst>
+    <p:bldLst>
+      <p:bldP spid="6" grpId="0" animBg="1"/>
+    </p:bldLst>
+  </p:timing>
+</p:sld>
+</file>
+
+<file path=ppt/slides/slide53.xml><?xml version="1.0" encoding="utf-8"?>
+<p:sld xmlns:a="http://schemas.openxmlformats.org/drawingml/2006/main" xmlns:r="http://schemas.openxmlformats.org/officeDocument/2006/relationships" xmlns:p="http://schemas.openxmlformats.org/presentationml/2006/main">
+  <p:cSld>
+    <p:spTree>
+      <p:nvGrpSpPr>
+        <p:cNvPr id="1" name=""/>
+        <p:cNvGrpSpPr/>
+        <p:nvPr/>
+      </p:nvGrpSpPr>
+      <p:grpSpPr>
+        <a:xfrm>
+          <a:off x="0" y="0"/>
+          <a:ext cx="0" cy="0"/>
+          <a:chOff x="0" y="0"/>
+          <a:chExt cx="0" cy="0"/>
+        </a:xfrm>
+      </p:grpSpPr>
+      <p:sp>
+        <p:nvSpPr>
+          <p:cNvPr id="2" name="Title 1">
+            <a:extLst>
+              <a:ext uri="{FF2B5EF4-FFF2-40B4-BE49-F238E27FC236}">
+                <a16:creationId xmlns:a16="http://schemas.microsoft.com/office/drawing/2014/main" id="{08C9A350-282A-80DC-C746-795502250CAE}"/>
+              </a:ext>
+            </a:extLst>
+          </p:cNvPr>
+          <p:cNvSpPr>
+            <a:spLocks noGrp="1"/>
+          </p:cNvSpPr>
+          <p:nvPr>
+            <p:ph type="title"/>
+          </p:nvPr>
+        </p:nvSpPr>
+        <p:spPr/>
+        <p:txBody>
+          <a:bodyPr/>
+          <a:lstStyle/>
+          <a:p>
+            <a:r>
+              <a:rPr lang="en-US" dirty="0"/>
+              <a:t>CRTP: base class</a:t>
+            </a:r>
+            <a:endParaRPr lang="LID4096" dirty="0"/>
+          </a:p>
+        </p:txBody>
+      </p:sp>
+      <p:sp>
+        <p:nvSpPr>
+          <p:cNvPr id="4" name="Slide Number Placeholder 3">
+            <a:extLst>
+              <a:ext uri="{FF2B5EF4-FFF2-40B4-BE49-F238E27FC236}">
+                <a16:creationId xmlns:a16="http://schemas.microsoft.com/office/drawing/2014/main" id="{2B59DEA4-516B-75F2-1733-1B9E7DD26F95}"/>
+              </a:ext>
+            </a:extLst>
+          </p:cNvPr>
+          <p:cNvSpPr>
+            <a:spLocks noGrp="1"/>
+          </p:cNvSpPr>
+          <p:nvPr>
+            <p:ph type="sldNum" sz="quarter" idx="12"/>
+          </p:nvPr>
+        </p:nvSpPr>
+        <p:spPr/>
+        <p:txBody>
+          <a:bodyPr/>
+          <a:lstStyle/>
+          <a:p>
+            <a:fld id="{FDB1AA33-DFBB-49AC-8CEE-23FFECEB5648}" type="slidenum">
+              <a:rPr lang="LID4096" smtClean="0"/>
+              <a:t>53</a:t>
             </a:fld>
             <a:endParaRPr lang="LID4096"/>
           </a:p>
@@ -22575,7 +22778,7 @@
 </p:sld>
 </file>
 
-<file path=ppt/slides/slide53.xml><?xml version="1.0" encoding="utf-8"?>
+<file path=ppt/slides/slide54.xml><?xml version="1.0" encoding="utf-8"?>
 <p:sld xmlns:a="http://schemas.openxmlformats.org/drawingml/2006/main" xmlns:r="http://schemas.openxmlformats.org/officeDocument/2006/relationships" xmlns:p="http://schemas.openxmlformats.org/presentationml/2006/main">
   <p:cSld>
     <p:spTree>
@@ -22644,7 +22847,7 @@
           <a:p>
             <a:fld id="{FDB1AA33-DFBB-49AC-8CEE-23FFECEB5648}" type="slidenum">
               <a:rPr lang="LID4096" smtClean="0"/>
-              <a:t>53</a:t>
+              <a:t>54</a:t>
             </a:fld>
             <a:endParaRPr lang="LID4096"/>
           </a:p>
@@ -23208,7 +23411,7 @@
 </p:sld>
 </file>
 
-<file path=ppt/slides/slide54.xml><?xml version="1.0" encoding="utf-8"?>
+<file path=ppt/slides/slide55.xml><?xml version="1.0" encoding="utf-8"?>
 <p:sld xmlns:a="http://schemas.openxmlformats.org/drawingml/2006/main" xmlns:r="http://schemas.openxmlformats.org/officeDocument/2006/relationships" xmlns:p="http://schemas.openxmlformats.org/presentationml/2006/main">
   <p:cSld>
     <p:spTree>
@@ -23277,7 +23480,7 @@
           <a:p>
             <a:fld id="{FDB1AA33-DFBB-49AC-8CEE-23FFECEB5648}" type="slidenum">
               <a:rPr lang="LID4096" smtClean="0"/>
-              <a:t>54</a:t>
+              <a:t>55</a:t>
             </a:fld>
             <a:endParaRPr lang="LID4096"/>
           </a:p>
@@ -23995,7 +24198,7 @@
 </p:sld>
 </file>
 
-<file path=ppt/slides/slide55.xml><?xml version="1.0" encoding="utf-8"?>
+<file path=ppt/slides/slide56.xml><?xml version="1.0" encoding="utf-8"?>
 <p:sld xmlns:a="http://schemas.openxmlformats.org/drawingml/2006/main" xmlns:r="http://schemas.openxmlformats.org/officeDocument/2006/relationships" xmlns:p="http://schemas.openxmlformats.org/presentationml/2006/main">
   <p:cSld>
     <p:spTree>
@@ -24064,7 +24267,7 @@
           <a:p>
             <a:fld id="{FDB1AA33-DFBB-49AC-8CEE-23FFECEB5648}" type="slidenum">
               <a:rPr lang="LID4096" smtClean="0"/>
-              <a:t>55</a:t>
+              <a:t>56</a:t>
             </a:fld>
             <a:endParaRPr lang="LID4096"/>
           </a:p>
@@ -24411,142 +24614,6 @@
 </p:sld>
 </file>
 
-<file path=ppt/slides/slide56.xml><?xml version="1.0" encoding="utf-8"?>
-<p:sld xmlns:a="http://schemas.openxmlformats.org/drawingml/2006/main" xmlns:r="http://schemas.openxmlformats.org/officeDocument/2006/relationships" xmlns:p="http://schemas.openxmlformats.org/presentationml/2006/main">
-  <p:cSld>
-    <p:spTree>
-      <p:nvGrpSpPr>
-        <p:cNvPr id="1" name=""/>
-        <p:cNvGrpSpPr/>
-        <p:nvPr/>
-      </p:nvGrpSpPr>
-      <p:grpSpPr>
-        <a:xfrm>
-          <a:off x="0" y="0"/>
-          <a:ext cx="0" cy="0"/>
-          <a:chOff x="0" y="0"/>
-          <a:chExt cx="0" cy="0"/>
-        </a:xfrm>
-      </p:grpSpPr>
-      <p:sp>
-        <p:nvSpPr>
-          <p:cNvPr id="2" name="Title 1"/>
-          <p:cNvSpPr>
-            <a:spLocks noGrp="1"/>
-          </p:cNvSpPr>
-          <p:nvPr>
-            <p:ph type="title"/>
-          </p:nvPr>
-        </p:nvSpPr>
-        <p:spPr/>
-        <p:txBody>
-          <a:bodyPr/>
-          <a:lstStyle/>
-          <a:p>
-            <a:r>
-              <a:rPr lang="en-US" dirty="0"/>
-              <a:t>Further reading</a:t>
-            </a:r>
-            <a:endParaRPr lang="nl-BE" dirty="0"/>
-          </a:p>
-        </p:txBody>
-      </p:sp>
-      <p:sp>
-        <p:nvSpPr>
-          <p:cNvPr id="3" name="Content Placeholder 2"/>
-          <p:cNvSpPr>
-            <a:spLocks noGrp="1"/>
-          </p:cNvSpPr>
-          <p:nvPr>
-            <p:ph idx="1"/>
-          </p:nvPr>
-        </p:nvSpPr>
-        <p:spPr/>
-        <p:txBody>
-          <a:bodyPr/>
-          <a:lstStyle/>
-          <a:p>
-            <a:r>
-              <a:rPr lang="en-US" dirty="0"/>
-              <a:t>Erich Gamma, Richard Helm, Ralph Johnson and John </a:t>
-            </a:r>
-            <a:r>
-              <a:rPr lang="en-US" dirty="0" err="1"/>
-              <a:t>Vlissides</a:t>
-            </a:r>
-            <a:r>
-              <a:rPr lang="en-US" dirty="0"/>
-              <a:t> (1994) </a:t>
-            </a:r>
-            <a:r>
-              <a:rPr lang="en-US" i="1" dirty="0"/>
-              <a:t>Design patterns: elements of reusable object-oriented software</a:t>
-            </a:r>
-            <a:r>
-              <a:rPr lang="en-US" dirty="0"/>
-              <a:t>, Addison-Wesley</a:t>
-            </a:r>
-            <a:endParaRPr lang="en-US" sz="2800" dirty="0"/>
-          </a:p>
-          <a:p>
-            <a:endParaRPr lang="en-US" sz="2800" dirty="0"/>
-          </a:p>
-          <a:p>
-            <a:endParaRPr lang="nl-BE" dirty="0"/>
-          </a:p>
-        </p:txBody>
-      </p:sp>
-      <p:sp>
-        <p:nvSpPr>
-          <p:cNvPr id="4" name="Slide Number Placeholder 3"/>
-          <p:cNvSpPr>
-            <a:spLocks noGrp="1"/>
-          </p:cNvSpPr>
-          <p:nvPr>
-            <p:ph type="sldNum" sz="quarter" idx="12"/>
-          </p:nvPr>
-        </p:nvSpPr>
-        <p:spPr/>
-        <p:txBody>
-          <a:bodyPr/>
-          <a:lstStyle/>
-          <a:p>
-            <a:fld id="{5A209D72-2E9D-49B0-8977-41DCCC66C0BB}" type="slidenum">
-              <a:rPr lang="nl-BE">
-                <a:solidFill>
-                  <a:prstClr val="black">
-                    <a:tint val="75000"/>
-                  </a:prstClr>
-                </a:solidFill>
-                <a:latin typeface="Calibri"/>
-              </a:rPr>
-              <a:pPr/>
-              <a:t>56</a:t>
-            </a:fld>
-            <a:endParaRPr lang="nl-BE">
-              <a:solidFill>
-                <a:prstClr val="black">
-                  <a:tint val="75000"/>
-                </a:prstClr>
-              </a:solidFill>
-              <a:latin typeface="Calibri"/>
-            </a:endParaRPr>
-          </a:p>
-        </p:txBody>
-      </p:sp>
-    </p:spTree>
-    <p:extLst>
-      <p:ext uri="{BB962C8B-B14F-4D97-AF65-F5344CB8AC3E}">
-        <p14:creationId xmlns:p14="http://schemas.microsoft.com/office/powerpoint/2010/main" val="4100769943"/>
-      </p:ext>
-    </p:extLst>
-  </p:cSld>
-  <p:clrMapOvr>
-    <a:masterClrMapping/>
-  </p:clrMapOvr>
-</p:sld>
-</file>
-
 <file path=ppt/slides/slide57.xml><?xml version="1.0" encoding="utf-8"?>
 <p:sld xmlns:a="http://schemas.openxmlformats.org/drawingml/2006/main" xmlns:r="http://schemas.openxmlformats.org/officeDocument/2006/relationships" xmlns:p="http://schemas.openxmlformats.org/presentationml/2006/main">
   <p:cSld>
@@ -24566,13 +24633,7 @@
       </p:grpSpPr>
       <p:sp>
         <p:nvSpPr>
-          <p:cNvPr id="5" name="Title 4">
-            <a:extLst>
-              <a:ext uri="{FF2B5EF4-FFF2-40B4-BE49-F238E27FC236}">
-                <a16:creationId xmlns:a16="http://schemas.microsoft.com/office/drawing/2014/main" id="{B047AC09-4137-6264-6757-2F13914ACA28}"/>
-              </a:ext>
-            </a:extLst>
-          </p:cNvPr>
+          <p:cNvPr id="2" name="Title 1"/>
           <p:cNvSpPr>
             <a:spLocks noGrp="1"/>
           </p:cNvSpPr>
@@ -24587,26 +24648,20 @@
           <a:p>
             <a:r>
               <a:rPr lang="en-US" dirty="0"/>
-              <a:t>Functional approach</a:t>
-            </a:r>
-            <a:endParaRPr lang="LID4096" dirty="0"/>
-          </a:p>
-        </p:txBody>
-      </p:sp>
-      <p:sp>
-        <p:nvSpPr>
-          <p:cNvPr id="6" name="Text Placeholder 5">
-            <a:extLst>
-              <a:ext uri="{FF2B5EF4-FFF2-40B4-BE49-F238E27FC236}">
-                <a16:creationId xmlns:a16="http://schemas.microsoft.com/office/drawing/2014/main" id="{482D214C-4E56-C7D6-335F-9FBD13AF24C6}"/>
-              </a:ext>
-            </a:extLst>
-          </p:cNvPr>
+              <a:t>Further reading</a:t>
+            </a:r>
+            <a:endParaRPr lang="nl-BE" dirty="0"/>
+          </a:p>
+        </p:txBody>
+      </p:sp>
+      <p:sp>
+        <p:nvSpPr>
+          <p:cNvPr id="3" name="Content Placeholder 2"/>
           <p:cNvSpPr>
             <a:spLocks noGrp="1"/>
           </p:cNvSpPr>
           <p:nvPr>
-            <p:ph type="body" idx="1"/>
+            <p:ph idx="1"/>
           </p:nvPr>
         </p:nvSpPr>
         <p:spPr/>
@@ -24614,19 +24669,39 @@
           <a:bodyPr/>
           <a:lstStyle/>
           <a:p>
-            <a:endParaRPr lang="LID4096"/>
-          </a:p>
-        </p:txBody>
-      </p:sp>
-      <p:sp>
-        <p:nvSpPr>
-          <p:cNvPr id="4" name="Slide Number Placeholder 3">
-            <a:extLst>
-              <a:ext uri="{FF2B5EF4-FFF2-40B4-BE49-F238E27FC236}">
-                <a16:creationId xmlns:a16="http://schemas.microsoft.com/office/drawing/2014/main" id="{B66B75E1-EA21-65CD-B316-C1D421486EE7}"/>
-              </a:ext>
-            </a:extLst>
-          </p:cNvPr>
+            <a:r>
+              <a:rPr lang="en-US" dirty="0"/>
+              <a:t>Erich Gamma, Richard Helm, Ralph Johnson and John </a:t>
+            </a:r>
+            <a:r>
+              <a:rPr lang="en-US" dirty="0" err="1"/>
+              <a:t>Vlissides</a:t>
+            </a:r>
+            <a:r>
+              <a:rPr lang="en-US" dirty="0"/>
+              <a:t> (1994) </a:t>
+            </a:r>
+            <a:r>
+              <a:rPr lang="en-US" i="1" dirty="0"/>
+              <a:t>Design patterns: elements of reusable object-oriented software</a:t>
+            </a:r>
+            <a:r>
+              <a:rPr lang="en-US" dirty="0"/>
+              <a:t>, Addison-Wesley</a:t>
+            </a:r>
+            <a:endParaRPr lang="en-US" sz="2800" dirty="0"/>
+          </a:p>
+          <a:p>
+            <a:endParaRPr lang="en-US" sz="2800" dirty="0"/>
+          </a:p>
+          <a:p>
+            <a:endParaRPr lang="nl-BE" dirty="0"/>
+          </a:p>
+        </p:txBody>
+      </p:sp>
+      <p:sp>
+        <p:nvSpPr>
+          <p:cNvPr id="4" name="Slide Number Placeholder 3"/>
           <p:cNvSpPr>
             <a:spLocks noGrp="1"/>
           </p:cNvSpPr>
@@ -24639,18 +24714,33 @@
           <a:bodyPr/>
           <a:lstStyle/>
           <a:p>
-            <a:fld id="{FDB1AA33-DFBB-49AC-8CEE-23FFECEB5648}" type="slidenum">
-              <a:rPr lang="LID4096" smtClean="0"/>
+            <a:fld id="{5A209D72-2E9D-49B0-8977-41DCCC66C0BB}" type="slidenum">
+              <a:rPr lang="nl-BE">
+                <a:solidFill>
+                  <a:prstClr val="black">
+                    <a:tint val="75000"/>
+                  </a:prstClr>
+                </a:solidFill>
+                <a:latin typeface="Calibri"/>
+              </a:rPr>
+              <a:pPr/>
               <a:t>57</a:t>
             </a:fld>
-            <a:endParaRPr lang="LID4096"/>
+            <a:endParaRPr lang="nl-BE">
+              <a:solidFill>
+                <a:prstClr val="black">
+                  <a:tint val="75000"/>
+                </a:prstClr>
+              </a:solidFill>
+              <a:latin typeface="Calibri"/>
+            </a:endParaRPr>
           </a:p>
         </p:txBody>
       </p:sp>
     </p:spTree>
     <p:extLst>
       <p:ext uri="{BB962C8B-B14F-4D97-AF65-F5344CB8AC3E}">
-        <p14:creationId xmlns:p14="http://schemas.microsoft.com/office/powerpoint/2010/main" val="4080926898"/>
+        <p14:creationId xmlns:p14="http://schemas.microsoft.com/office/powerpoint/2010/main" val="4100769943"/>
       </p:ext>
     </p:extLst>
   </p:cSld>
@@ -24679,10 +24769,10 @@
       </p:grpSpPr>
       <p:sp>
         <p:nvSpPr>
-          <p:cNvPr id="2" name="Title 1">
+          <p:cNvPr id="5" name="Title 4">
             <a:extLst>
               <a:ext uri="{FF2B5EF4-FFF2-40B4-BE49-F238E27FC236}">
-                <a16:creationId xmlns:a16="http://schemas.microsoft.com/office/drawing/2014/main" id="{8F06986E-3696-7561-EFEC-42A2474822BD}"/>
+                <a16:creationId xmlns:a16="http://schemas.microsoft.com/office/drawing/2014/main" id="{B047AC09-4137-6264-6757-2F13914ACA28}"/>
               </a:ext>
             </a:extLst>
           </p:cNvPr>
@@ -24700,6 +24790,119 @@
           <a:p>
             <a:r>
               <a:rPr lang="en-US" dirty="0"/>
+              <a:t>Functional approach</a:t>
+            </a:r>
+            <a:endParaRPr lang="LID4096" dirty="0"/>
+          </a:p>
+        </p:txBody>
+      </p:sp>
+      <p:sp>
+        <p:nvSpPr>
+          <p:cNvPr id="6" name="Text Placeholder 5">
+            <a:extLst>
+              <a:ext uri="{FF2B5EF4-FFF2-40B4-BE49-F238E27FC236}">
+                <a16:creationId xmlns:a16="http://schemas.microsoft.com/office/drawing/2014/main" id="{482D214C-4E56-C7D6-335F-9FBD13AF24C6}"/>
+              </a:ext>
+            </a:extLst>
+          </p:cNvPr>
+          <p:cNvSpPr>
+            <a:spLocks noGrp="1"/>
+          </p:cNvSpPr>
+          <p:nvPr>
+            <p:ph type="body" idx="1"/>
+          </p:nvPr>
+        </p:nvSpPr>
+        <p:spPr/>
+        <p:txBody>
+          <a:bodyPr/>
+          <a:lstStyle/>
+          <a:p>
+            <a:endParaRPr lang="LID4096"/>
+          </a:p>
+        </p:txBody>
+      </p:sp>
+      <p:sp>
+        <p:nvSpPr>
+          <p:cNvPr id="4" name="Slide Number Placeholder 3">
+            <a:extLst>
+              <a:ext uri="{FF2B5EF4-FFF2-40B4-BE49-F238E27FC236}">
+                <a16:creationId xmlns:a16="http://schemas.microsoft.com/office/drawing/2014/main" id="{B66B75E1-EA21-65CD-B316-C1D421486EE7}"/>
+              </a:ext>
+            </a:extLst>
+          </p:cNvPr>
+          <p:cNvSpPr>
+            <a:spLocks noGrp="1"/>
+          </p:cNvSpPr>
+          <p:nvPr>
+            <p:ph type="sldNum" sz="quarter" idx="12"/>
+          </p:nvPr>
+        </p:nvSpPr>
+        <p:spPr/>
+        <p:txBody>
+          <a:bodyPr/>
+          <a:lstStyle/>
+          <a:p>
+            <a:fld id="{FDB1AA33-DFBB-49AC-8CEE-23FFECEB5648}" type="slidenum">
+              <a:rPr lang="LID4096" smtClean="0"/>
+              <a:t>58</a:t>
+            </a:fld>
+            <a:endParaRPr lang="LID4096"/>
+          </a:p>
+        </p:txBody>
+      </p:sp>
+    </p:spTree>
+    <p:extLst>
+      <p:ext uri="{BB962C8B-B14F-4D97-AF65-F5344CB8AC3E}">
+        <p14:creationId xmlns:p14="http://schemas.microsoft.com/office/powerpoint/2010/main" val="4080926898"/>
+      </p:ext>
+    </p:extLst>
+  </p:cSld>
+  <p:clrMapOvr>
+    <a:masterClrMapping/>
+  </p:clrMapOvr>
+</p:sld>
+</file>
+
+<file path=ppt/slides/slide59.xml><?xml version="1.0" encoding="utf-8"?>
+<p:sld xmlns:a="http://schemas.openxmlformats.org/drawingml/2006/main" xmlns:r="http://schemas.openxmlformats.org/officeDocument/2006/relationships" xmlns:p="http://schemas.openxmlformats.org/presentationml/2006/main">
+  <p:cSld>
+    <p:spTree>
+      <p:nvGrpSpPr>
+        <p:cNvPr id="1" name=""/>
+        <p:cNvGrpSpPr/>
+        <p:nvPr/>
+      </p:nvGrpSpPr>
+      <p:grpSpPr>
+        <a:xfrm>
+          <a:off x="0" y="0"/>
+          <a:ext cx="0" cy="0"/>
+          <a:chOff x="0" y="0"/>
+          <a:chExt cx="0" cy="0"/>
+        </a:xfrm>
+      </p:grpSpPr>
+      <p:sp>
+        <p:nvSpPr>
+          <p:cNvPr id="2" name="Title 1">
+            <a:extLst>
+              <a:ext uri="{FF2B5EF4-FFF2-40B4-BE49-F238E27FC236}">
+                <a16:creationId xmlns:a16="http://schemas.microsoft.com/office/drawing/2014/main" id="{8F06986E-3696-7561-EFEC-42A2474822BD}"/>
+              </a:ext>
+            </a:extLst>
+          </p:cNvPr>
+          <p:cNvSpPr>
+            <a:spLocks noGrp="1"/>
+          </p:cNvSpPr>
+          <p:nvPr>
+            <p:ph type="title"/>
+          </p:nvPr>
+        </p:nvSpPr>
+        <p:spPr/>
+        <p:txBody>
+          <a:bodyPr/>
+          <a:lstStyle/>
+          <a:p>
+            <a:r>
+              <a:rPr lang="en-US" dirty="0"/>
               <a:t>Functional features in C++</a:t>
             </a:r>
             <a:endParaRPr lang="LID4096" dirty="0"/>
@@ -24776,7 +24979,7 @@
           <a:p>
             <a:fld id="{FDB1AA33-DFBB-49AC-8CEE-23FFECEB5648}" type="slidenum">
               <a:rPr lang="LID4096" smtClean="0"/>
-              <a:t>58</a:t>
+              <a:t>59</a:t>
             </a:fld>
             <a:endParaRPr lang="LID4096"/>
           </a:p>

--- a/cpp_software_engineering.pptx
+++ b/cpp_software_engineering.pptx
@@ -5,7 +5,7 @@
     <p:sldMasterId id="2147483648" r:id="rId1"/>
   </p:sldMasterIdLst>
   <p:notesMasterIdLst>
-    <p:notesMasterId r:id="rId61"/>
+    <p:notesMasterId r:id="rId62"/>
   </p:notesMasterIdLst>
   <p:sldIdLst>
     <p:sldId id="257" r:id="rId2"/>
@@ -58,15 +58,16 @@
     <p:sldId id="401" r:id="rId49"/>
     <p:sldId id="402" r:id="rId50"/>
     <p:sldId id="411" r:id="rId51"/>
-    <p:sldId id="399" r:id="rId52"/>
-    <p:sldId id="394" r:id="rId53"/>
-    <p:sldId id="395" r:id="rId54"/>
-    <p:sldId id="396" r:id="rId55"/>
-    <p:sldId id="398" r:id="rId56"/>
-    <p:sldId id="397" r:id="rId57"/>
-    <p:sldId id="391" r:id="rId58"/>
-    <p:sldId id="392" r:id="rId59"/>
-    <p:sldId id="393" r:id="rId60"/>
+    <p:sldId id="413" r:id="rId52"/>
+    <p:sldId id="399" r:id="rId53"/>
+    <p:sldId id="394" r:id="rId54"/>
+    <p:sldId id="395" r:id="rId55"/>
+    <p:sldId id="396" r:id="rId56"/>
+    <p:sldId id="398" r:id="rId57"/>
+    <p:sldId id="397" r:id="rId58"/>
+    <p:sldId id="391" r:id="rId59"/>
+    <p:sldId id="392" r:id="rId60"/>
+    <p:sldId id="393" r:id="rId61"/>
   </p:sldIdLst>
   <p:sldSz cx="12192000" cy="6858000"/>
   <p:notesSz cx="6858000" cy="9144000"/>
@@ -248,6 +249,7 @@
             <p14:sldId id="401"/>
             <p14:sldId id="402"/>
             <p14:sldId id="411"/>
+            <p14:sldId id="413"/>
             <p14:sldId id="399"/>
             <p14:sldId id="394"/>
             <p14:sldId id="395"/>
@@ -19395,6 +19397,13 @@
           </a:p>
           <a:p>
             <a:pPr lvl="1"/>
+            <a:r>
+              <a:rPr lang="en-US" dirty="0"/>
+              <a:t>Encourages to</a:t>
+            </a:r>
+          </a:p>
+          <a:p>
+            <a:pPr lvl="1"/>
             <a:endParaRPr lang="LID4096" dirty="0"/>
           </a:p>
         </p:txBody>
@@ -19468,6 +19477,58 @@
           </a:p>
         </p:txBody>
       </p:sp>
+      <p:sp>
+        <p:nvSpPr>
+          <p:cNvPr id="6" name="TextBox 5">
+            <a:extLst>
+              <a:ext uri="{FF2B5EF4-FFF2-40B4-BE49-F238E27FC236}">
+                <a16:creationId xmlns:a16="http://schemas.microsoft.com/office/drawing/2014/main" id="{C5B72816-B7CB-C7BC-4D3A-251BBE8E5A92}"/>
+              </a:ext>
+            </a:extLst>
+          </p:cNvPr>
+          <p:cNvSpPr txBox="1"/>
+          <p:nvPr/>
+        </p:nvSpPr>
+        <p:spPr>
+          <a:xfrm>
+            <a:off x="499580" y="5944234"/>
+            <a:ext cx="9752413" cy="646331"/>
+          </a:xfrm>
+          <a:prstGeom prst="rect">
+            <a:avLst/>
+          </a:prstGeom>
+          <a:noFill/>
+          <a:ln>
+            <a:solidFill>
+              <a:schemeClr val="tx1"/>
+            </a:solidFill>
+          </a:ln>
+        </p:spPr>
+        <p:txBody>
+          <a:bodyPr wrap="none" rtlCol="0">
+            <a:spAutoFit/>
+          </a:bodyPr>
+          <a:lstStyle/>
+          <a:p>
+            <a:r>
+              <a:rPr lang="en-US" sz="2000" dirty="0"/>
+              <a:t>See</a:t>
+            </a:r>
+          </a:p>
+          <a:p>
+            <a:r>
+              <a:rPr lang="en-US" sz="1600" dirty="0">
+                <a:hlinkClick r:id="rId2"/>
+              </a:rPr>
+              <a:t>https://github.com/gjbex/Scientific-C-plus-plus/tree/master/source-code/DesignPatterns/CellularAutomata</a:t>
+            </a:r>
+            <a:r>
+              <a:rPr lang="en-US" sz="1600" dirty="0"/>
+              <a:t> </a:t>
+            </a:r>
+          </a:p>
+        </p:txBody>
+      </p:sp>
     </p:spTree>
     <p:extLst>
       <p:ext uri="{BB962C8B-B14F-4D97-AF65-F5344CB8AC3E}">
@@ -19478,6 +19539,84 @@
   <p:clrMapOvr>
     <a:masterClrMapping/>
   </p:clrMapOvr>
+  <p:timing>
+    <p:tnLst>
+      <p:par>
+        <p:cTn id="1" dur="indefinite" restart="never" nodeType="tmRoot">
+          <p:childTnLst>
+            <p:seq concurrent="1" nextAc="seek">
+              <p:cTn id="2" dur="indefinite" nodeType="mainSeq">
+                <p:childTnLst>
+                  <p:par>
+                    <p:cTn id="3" fill="hold">
+                      <p:stCondLst>
+                        <p:cond delay="indefinite"/>
+                      </p:stCondLst>
+                      <p:childTnLst>
+                        <p:par>
+                          <p:cTn id="4" fill="hold">
+                            <p:stCondLst>
+                              <p:cond delay="0"/>
+                            </p:stCondLst>
+                            <p:childTnLst>
+                              <p:par>
+                                <p:cTn id="5" presetID="1" presetClass="entr" presetSubtype="0" fill="hold" grpId="0" nodeType="clickEffect">
+                                  <p:stCondLst>
+                                    <p:cond delay="0"/>
+                                  </p:stCondLst>
+                                  <p:childTnLst>
+                                    <p:set>
+                                      <p:cBhvr>
+                                        <p:cTn id="6" dur="1" fill="hold">
+                                          <p:stCondLst>
+                                            <p:cond delay="0"/>
+                                          </p:stCondLst>
+                                        </p:cTn>
+                                        <p:tgtEl>
+                                          <p:spTgt spid="6"/>
+                                        </p:tgtEl>
+                                        <p:attrNameLst>
+                                          <p:attrName>style.visibility</p:attrName>
+                                        </p:attrNameLst>
+                                      </p:cBhvr>
+                                      <p:to>
+                                        <p:strVal val="visible"/>
+                                      </p:to>
+                                    </p:set>
+                                  </p:childTnLst>
+                                </p:cTn>
+                              </p:par>
+                            </p:childTnLst>
+                          </p:cTn>
+                        </p:par>
+                      </p:childTnLst>
+                    </p:cTn>
+                  </p:par>
+                </p:childTnLst>
+              </p:cTn>
+              <p:prevCondLst>
+                <p:cond evt="onPrev" delay="0">
+                  <p:tgtEl>
+                    <p:sldTgt/>
+                  </p:tgtEl>
+                </p:cond>
+              </p:prevCondLst>
+              <p:nextCondLst>
+                <p:cond evt="onNext" delay="0">
+                  <p:tgtEl>
+                    <p:sldTgt/>
+                  </p:tgtEl>
+                </p:cond>
+              </p:nextCondLst>
+            </p:seq>
+          </p:childTnLst>
+        </p:cTn>
+      </p:par>
+    </p:tnLst>
+    <p:bldLst>
+      <p:bldP spid="6" grpId="0" animBg="1"/>
+    </p:bldLst>
+  </p:timing>
 </p:sld>
 </file>
 
@@ -21554,7 +21693,7 @@
           <p:cNvPr id="2" name="Title 1">
             <a:extLst>
               <a:ext uri="{FF2B5EF4-FFF2-40B4-BE49-F238E27FC236}">
-                <a16:creationId xmlns:a16="http://schemas.microsoft.com/office/drawing/2014/main" id="{04B1C173-33AC-1DCA-ED63-D52D701FC426}"/>
+                <a16:creationId xmlns:a16="http://schemas.microsoft.com/office/drawing/2014/main" id="{A1156F76-E2A6-A963-7759-6045B7CAEF8B}"/>
               </a:ext>
             </a:extLst>
           </p:cNvPr>
@@ -21572,7 +21711,7 @@
           <a:p>
             <a:r>
               <a:rPr lang="en-US" dirty="0"/>
-              <a:t>C++ specific patterns</a:t>
+              <a:t>Dependency injection</a:t>
             </a:r>
             <a:endParaRPr lang="LID4096" dirty="0"/>
           </a:p>
@@ -21580,59 +21719,10 @@
       </p:sp>
       <p:sp>
         <p:nvSpPr>
-          <p:cNvPr id="3" name="Content Placeholder 2">
-            <a:extLst>
-              <a:ext uri="{FF2B5EF4-FFF2-40B4-BE49-F238E27FC236}">
-                <a16:creationId xmlns:a16="http://schemas.microsoft.com/office/drawing/2014/main" id="{B66B5779-A74C-52C0-DAF9-FC542132634A}"/>
-              </a:ext>
-            </a:extLst>
-          </p:cNvPr>
-          <p:cNvSpPr>
-            <a:spLocks noGrp="1"/>
-          </p:cNvSpPr>
-          <p:nvPr>
-            <p:ph idx="1"/>
-          </p:nvPr>
-        </p:nvSpPr>
-        <p:spPr/>
-        <p:txBody>
-          <a:bodyPr/>
-          <a:lstStyle/>
-          <a:p>
-            <a:r>
-              <a:rPr lang="en-US" dirty="0"/>
-              <a:t>Curiously Repeating Template Pattern (CRTP)</a:t>
-            </a:r>
-          </a:p>
-          <a:p>
-            <a:r>
-              <a:rPr lang="en-US" dirty="0"/>
-              <a:t>Type erasure</a:t>
-            </a:r>
-          </a:p>
-          <a:p>
-            <a:r>
-              <a:rPr lang="en-US" dirty="0"/>
-              <a:t>Pointer to </a:t>
-            </a:r>
-            <a:r>
-              <a:rPr lang="en-US" dirty="0" err="1"/>
-              <a:t>IMPLementation</a:t>
-            </a:r>
-            <a:r>
-              <a:rPr lang="en-US" dirty="0"/>
-              <a:t> (PIMPL)</a:t>
-            </a:r>
-            <a:endParaRPr lang="LID4096" dirty="0"/>
-          </a:p>
-        </p:txBody>
-      </p:sp>
-      <p:sp>
-        <p:nvSpPr>
-          <p:cNvPr id="4" name="Slide Number Placeholder 3">
-            <a:extLst>
-              <a:ext uri="{FF2B5EF4-FFF2-40B4-BE49-F238E27FC236}">
-                <a16:creationId xmlns:a16="http://schemas.microsoft.com/office/drawing/2014/main" id="{396482FC-4A8B-74E1-56FE-EFDCEEF1C5E8}"/>
+          <p:cNvPr id="3" name="Slide Number Placeholder 2">
+            <a:extLst>
+              <a:ext uri="{FF2B5EF4-FFF2-40B4-BE49-F238E27FC236}">
+                <a16:creationId xmlns:a16="http://schemas.microsoft.com/office/drawing/2014/main" id="{8DC703F9-488C-5BEB-BB24-2CBEB1CDFDAC}"/>
               </a:ext>
             </a:extLst>
           </p:cNvPr>
@@ -21656,16 +21746,242 @@
           </a:p>
         </p:txBody>
       </p:sp>
+      <p:pic>
+        <p:nvPicPr>
+          <p:cNvPr id="1026" name="Picture 2" descr="UML diagram">
+            <a:extLst>
+              <a:ext uri="{FF2B5EF4-FFF2-40B4-BE49-F238E27FC236}">
+                <a16:creationId xmlns:a16="http://schemas.microsoft.com/office/drawing/2014/main" id="{7209C035-6C34-F821-291F-B226965F1DA1}"/>
+              </a:ext>
+            </a:extLst>
+          </p:cNvPr>
+          <p:cNvPicPr>
+            <a:picLocks noChangeAspect="1" noChangeArrowheads="1"/>
+          </p:cNvPicPr>
+          <p:nvPr/>
+        </p:nvPicPr>
+        <p:blipFill>
+          <a:blip r:embed="rId2">
+            <a:extLst>
+              <a:ext uri="{28A0092B-C50C-407E-A947-70E740481C1C}">
+                <a14:useLocalDpi xmlns:a14="http://schemas.microsoft.com/office/drawing/2010/main" val="0"/>
+              </a:ext>
+            </a:extLst>
+          </a:blip>
+          <a:srcRect/>
+          <a:stretch>
+            <a:fillRect/>
+          </a:stretch>
+        </p:blipFill>
+        <p:spPr bwMode="auto">
+          <a:xfrm>
+            <a:off x="4897211" y="1450521"/>
+            <a:ext cx="5619750" cy="4152900"/>
+          </a:xfrm>
+          <a:prstGeom prst="rect">
+            <a:avLst/>
+          </a:prstGeom>
+          <a:noFill/>
+          <a:extLst>
+            <a:ext uri="{909E8E84-426E-40DD-AFC4-6F175D3DCCD1}">
+              <a14:hiddenFill xmlns:a14="http://schemas.microsoft.com/office/drawing/2010/main">
+                <a:solidFill>
+                  <a:srgbClr val="FFFFFF"/>
+                </a:solidFill>
+              </a14:hiddenFill>
+            </a:ext>
+          </a:extLst>
+        </p:spPr>
+      </p:pic>
+      <p:sp>
+        <p:nvSpPr>
+          <p:cNvPr id="4" name="TextBox 3">
+            <a:extLst>
+              <a:ext uri="{FF2B5EF4-FFF2-40B4-BE49-F238E27FC236}">
+                <a16:creationId xmlns:a16="http://schemas.microsoft.com/office/drawing/2014/main" id="{B8085CCE-3CDA-B126-B537-C43EF80DCE3D}"/>
+              </a:ext>
+            </a:extLst>
+          </p:cNvPr>
+          <p:cNvSpPr txBox="1"/>
+          <p:nvPr/>
+        </p:nvSpPr>
+        <p:spPr>
+          <a:xfrm>
+            <a:off x="499580" y="5791830"/>
+            <a:ext cx="9752413" cy="646331"/>
+          </a:xfrm>
+          <a:prstGeom prst="rect">
+            <a:avLst/>
+          </a:prstGeom>
+          <a:noFill/>
+          <a:ln>
+            <a:solidFill>
+              <a:schemeClr val="tx1"/>
+            </a:solidFill>
+          </a:ln>
+        </p:spPr>
+        <p:txBody>
+          <a:bodyPr wrap="none" rtlCol="0">
+            <a:spAutoFit/>
+          </a:bodyPr>
+          <a:lstStyle/>
+          <a:p>
+            <a:r>
+              <a:rPr lang="en-US" sz="2000" dirty="0"/>
+              <a:t>See</a:t>
+            </a:r>
+            <a:br>
+              <a:rPr lang="en-US" sz="2000" dirty="0"/>
+            </a:br>
+            <a:r>
+              <a:rPr lang="en-US" sz="1600" dirty="0">
+                <a:hlinkClick r:id="rId3"/>
+              </a:rPr>
+              <a:t>https://github.com/gjbex/Scientific-C-plus-plus/tree/master/source-code/DesignPatterns/CellularAutomata</a:t>
+            </a:r>
+            <a:r>
+              <a:rPr lang="en-US" sz="1600" dirty="0"/>
+              <a:t> </a:t>
+            </a:r>
+          </a:p>
+        </p:txBody>
+      </p:sp>
+      <p:sp>
+        <p:nvSpPr>
+          <p:cNvPr id="5" name="TextBox 4">
+            <a:extLst>
+              <a:ext uri="{FF2B5EF4-FFF2-40B4-BE49-F238E27FC236}">
+                <a16:creationId xmlns:a16="http://schemas.microsoft.com/office/drawing/2014/main" id="{D737242C-17F9-57AC-1F6B-A363CDB72E48}"/>
+              </a:ext>
+            </a:extLst>
+          </p:cNvPr>
+          <p:cNvSpPr txBox="1"/>
+          <p:nvPr/>
+        </p:nvSpPr>
+        <p:spPr>
+          <a:xfrm>
+            <a:off x="1208315" y="4097486"/>
+            <a:ext cx="4328173" cy="830997"/>
+          </a:xfrm>
+          <a:prstGeom prst="rect">
+            <a:avLst/>
+          </a:prstGeom>
+          <a:noFill/>
+          <a:ln>
+            <a:solidFill>
+              <a:schemeClr val="tx1"/>
+            </a:solidFill>
+          </a:ln>
+        </p:spPr>
+        <p:txBody>
+          <a:bodyPr wrap="none" rtlCol="0">
+            <a:spAutoFit/>
+          </a:bodyPr>
+          <a:lstStyle/>
+          <a:p>
+            <a:r>
+              <a:rPr lang="en-US" sz="2400" dirty="0"/>
+              <a:t>Supports</a:t>
+            </a:r>
+            <a:br>
+              <a:rPr lang="en-US" sz="2400" dirty="0"/>
+            </a:br>
+            <a:r>
+              <a:rPr lang="en-US" sz="2400" dirty="0"/>
+              <a:t>dependency inversion principle</a:t>
+            </a:r>
+            <a:endParaRPr lang="LID4096" sz="2400" dirty="0"/>
+          </a:p>
+        </p:txBody>
+      </p:sp>
     </p:spTree>
     <p:extLst>
       <p:ext uri="{BB962C8B-B14F-4D97-AF65-F5344CB8AC3E}">
-        <p14:creationId xmlns:p14="http://schemas.microsoft.com/office/powerpoint/2010/main" val="3340427051"/>
+        <p14:creationId xmlns:p14="http://schemas.microsoft.com/office/powerpoint/2010/main" val="2031152274"/>
       </p:ext>
     </p:extLst>
   </p:cSld>
   <p:clrMapOvr>
     <a:masterClrMapping/>
   </p:clrMapOvr>
+  <p:timing>
+    <p:tnLst>
+      <p:par>
+        <p:cTn id="1" dur="indefinite" restart="never" nodeType="tmRoot">
+          <p:childTnLst>
+            <p:seq concurrent="1" nextAc="seek">
+              <p:cTn id="2" dur="indefinite" nodeType="mainSeq">
+                <p:childTnLst>
+                  <p:par>
+                    <p:cTn id="3" fill="hold">
+                      <p:stCondLst>
+                        <p:cond delay="indefinite"/>
+                      </p:stCondLst>
+                      <p:childTnLst>
+                        <p:par>
+                          <p:cTn id="4" fill="hold">
+                            <p:stCondLst>
+                              <p:cond delay="0"/>
+                            </p:stCondLst>
+                            <p:childTnLst>
+                              <p:par>
+                                <p:cTn id="5" presetID="1" presetClass="entr" presetSubtype="0" fill="hold" grpId="0" nodeType="clickEffect">
+                                  <p:stCondLst>
+                                    <p:cond delay="0"/>
+                                  </p:stCondLst>
+                                  <p:childTnLst>
+                                    <p:set>
+                                      <p:cBhvr>
+                                        <p:cTn id="6" dur="1" fill="hold">
+                                          <p:stCondLst>
+                                            <p:cond delay="0"/>
+                                          </p:stCondLst>
+                                        </p:cTn>
+                                        <p:tgtEl>
+                                          <p:spTgt spid="4"/>
+                                        </p:tgtEl>
+                                        <p:attrNameLst>
+                                          <p:attrName>style.visibility</p:attrName>
+                                        </p:attrNameLst>
+                                      </p:cBhvr>
+                                      <p:to>
+                                        <p:strVal val="visible"/>
+                                      </p:to>
+                                    </p:set>
+                                  </p:childTnLst>
+                                </p:cTn>
+                              </p:par>
+                            </p:childTnLst>
+                          </p:cTn>
+                        </p:par>
+                      </p:childTnLst>
+                    </p:cTn>
+                  </p:par>
+                </p:childTnLst>
+              </p:cTn>
+              <p:prevCondLst>
+                <p:cond evt="onPrev" delay="0">
+                  <p:tgtEl>
+                    <p:sldTgt/>
+                  </p:tgtEl>
+                </p:cond>
+              </p:prevCondLst>
+              <p:nextCondLst>
+                <p:cond evt="onNext" delay="0">
+                  <p:tgtEl>
+                    <p:sldTgt/>
+                  </p:tgtEl>
+                </p:cond>
+              </p:nextCondLst>
+            </p:seq>
+          </p:childTnLst>
+        </p:cTn>
+      </p:par>
+    </p:tnLst>
+    <p:bldLst>
+      <p:bldP spid="4" grpId="0" animBg="1"/>
+    </p:bldLst>
+  </p:timing>
 </p:sld>
 </file>
 
@@ -21691,7 +22007,7 @@
           <p:cNvPr id="2" name="Title 1">
             <a:extLst>
               <a:ext uri="{FF2B5EF4-FFF2-40B4-BE49-F238E27FC236}">
-                <a16:creationId xmlns:a16="http://schemas.microsoft.com/office/drawing/2014/main" id="{96A48829-0721-1480-5994-E855FF935E6E}"/>
+                <a16:creationId xmlns:a16="http://schemas.microsoft.com/office/drawing/2014/main" id="{04B1C173-33AC-1DCA-ED63-D52D701FC426}"/>
               </a:ext>
             </a:extLst>
           </p:cNvPr>
@@ -21709,7 +22025,7 @@
           <a:p>
             <a:r>
               <a:rPr lang="en-US" dirty="0"/>
-              <a:t>Curiously, Repeating Template Pattern (CRTP)</a:t>
+              <a:t>C++ specific patterns</a:t>
             </a:r>
             <a:endParaRPr lang="LID4096" dirty="0"/>
           </a:p>
@@ -21720,7 +22036,7 @@
           <p:cNvPr id="3" name="Content Placeholder 2">
             <a:extLst>
               <a:ext uri="{FF2B5EF4-FFF2-40B4-BE49-F238E27FC236}">
-                <a16:creationId xmlns:a16="http://schemas.microsoft.com/office/drawing/2014/main" id="{9BB61A49-5C18-EB0F-3E0D-D280F9E302A4}"/>
+                <a16:creationId xmlns:a16="http://schemas.microsoft.com/office/drawing/2014/main" id="{B66B5779-A74C-52C0-DAF9-FC542132634A}"/>
               </a:ext>
             </a:extLst>
           </p:cNvPr>
@@ -21733,33 +22049,34 @@
         </p:nvSpPr>
         <p:spPr/>
         <p:txBody>
-          <a:bodyPr>
-            <a:normAutofit/>
-          </a:bodyPr>
+          <a:bodyPr/>
           <a:lstStyle/>
           <a:p>
             <a:r>
               <a:rPr lang="en-US" dirty="0"/>
-              <a:t>Avoid virtual function overhead</a:t>
-            </a:r>
-          </a:p>
-          <a:p>
-            <a:r>
-              <a:rPr lang="en-US" dirty="0"/>
-              <a:t>Enforce compile time interface constraints</a:t>
-            </a:r>
-          </a:p>
-          <a:p>
-            <a:r>
-              <a:rPr lang="en-US" dirty="0"/>
-              <a:t>Code reuse without dynamic polymorphism</a:t>
-            </a:r>
-          </a:p>
-          <a:p>
-            <a:r>
-              <a:rPr lang="en-US" dirty="0"/>
-              <a:t>Static  polymorphism</a:t>
-            </a:r>
+              <a:t>Curiously Repeating Template Pattern (CRTP)</a:t>
+            </a:r>
+          </a:p>
+          <a:p>
+            <a:r>
+              <a:rPr lang="en-US" dirty="0"/>
+              <a:t>Type erasure</a:t>
+            </a:r>
+          </a:p>
+          <a:p>
+            <a:r>
+              <a:rPr lang="en-US" dirty="0"/>
+              <a:t>Pointer to </a:t>
+            </a:r>
+            <a:r>
+              <a:rPr lang="en-US" dirty="0" err="1"/>
+              <a:t>IMPLementation</a:t>
+            </a:r>
+            <a:r>
+              <a:rPr lang="en-US" dirty="0"/>
+              <a:t> (PIMPL)</a:t>
+            </a:r>
+            <a:endParaRPr lang="LID4096" dirty="0"/>
           </a:p>
         </p:txBody>
       </p:sp>
@@ -21768,7 +22085,7 @@
           <p:cNvPr id="4" name="Slide Number Placeholder 3">
             <a:extLst>
               <a:ext uri="{FF2B5EF4-FFF2-40B4-BE49-F238E27FC236}">
-                <a16:creationId xmlns:a16="http://schemas.microsoft.com/office/drawing/2014/main" id="{0D8837DD-4DFF-B3FC-6690-1408C5CBE0FA}"/>
+                <a16:creationId xmlns:a16="http://schemas.microsoft.com/office/drawing/2014/main" id="{396482FC-4A8B-74E1-56FE-EFDCEEF1C5E8}"/>
               </a:ext>
             </a:extLst>
           </p:cNvPr>
@@ -21787,6 +22104,142 @@
             <a:fld id="{FDB1AA33-DFBB-49AC-8CEE-23FFECEB5648}" type="slidenum">
               <a:rPr lang="LID4096" smtClean="0"/>
               <a:t>52</a:t>
+            </a:fld>
+            <a:endParaRPr lang="LID4096"/>
+          </a:p>
+        </p:txBody>
+      </p:sp>
+    </p:spTree>
+    <p:extLst>
+      <p:ext uri="{BB962C8B-B14F-4D97-AF65-F5344CB8AC3E}">
+        <p14:creationId xmlns:p14="http://schemas.microsoft.com/office/powerpoint/2010/main" val="3340427051"/>
+      </p:ext>
+    </p:extLst>
+  </p:cSld>
+  <p:clrMapOvr>
+    <a:masterClrMapping/>
+  </p:clrMapOvr>
+</p:sld>
+</file>
+
+<file path=ppt/slides/slide53.xml><?xml version="1.0" encoding="utf-8"?>
+<p:sld xmlns:a="http://schemas.openxmlformats.org/drawingml/2006/main" xmlns:r="http://schemas.openxmlformats.org/officeDocument/2006/relationships" xmlns:p="http://schemas.openxmlformats.org/presentationml/2006/main">
+  <p:cSld>
+    <p:spTree>
+      <p:nvGrpSpPr>
+        <p:cNvPr id="1" name=""/>
+        <p:cNvGrpSpPr/>
+        <p:nvPr/>
+      </p:nvGrpSpPr>
+      <p:grpSpPr>
+        <a:xfrm>
+          <a:off x="0" y="0"/>
+          <a:ext cx="0" cy="0"/>
+          <a:chOff x="0" y="0"/>
+          <a:chExt cx="0" cy="0"/>
+        </a:xfrm>
+      </p:grpSpPr>
+      <p:sp>
+        <p:nvSpPr>
+          <p:cNvPr id="2" name="Title 1">
+            <a:extLst>
+              <a:ext uri="{FF2B5EF4-FFF2-40B4-BE49-F238E27FC236}">
+                <a16:creationId xmlns:a16="http://schemas.microsoft.com/office/drawing/2014/main" id="{96A48829-0721-1480-5994-E855FF935E6E}"/>
+              </a:ext>
+            </a:extLst>
+          </p:cNvPr>
+          <p:cNvSpPr>
+            <a:spLocks noGrp="1"/>
+          </p:cNvSpPr>
+          <p:nvPr>
+            <p:ph type="title"/>
+          </p:nvPr>
+        </p:nvSpPr>
+        <p:spPr/>
+        <p:txBody>
+          <a:bodyPr/>
+          <a:lstStyle/>
+          <a:p>
+            <a:r>
+              <a:rPr lang="en-US" dirty="0"/>
+              <a:t>Curiously, Repeating Template Pattern (CRTP)</a:t>
+            </a:r>
+            <a:endParaRPr lang="LID4096" dirty="0"/>
+          </a:p>
+        </p:txBody>
+      </p:sp>
+      <p:sp>
+        <p:nvSpPr>
+          <p:cNvPr id="3" name="Content Placeholder 2">
+            <a:extLst>
+              <a:ext uri="{FF2B5EF4-FFF2-40B4-BE49-F238E27FC236}">
+                <a16:creationId xmlns:a16="http://schemas.microsoft.com/office/drawing/2014/main" id="{9BB61A49-5C18-EB0F-3E0D-D280F9E302A4}"/>
+              </a:ext>
+            </a:extLst>
+          </p:cNvPr>
+          <p:cNvSpPr>
+            <a:spLocks noGrp="1"/>
+          </p:cNvSpPr>
+          <p:nvPr>
+            <p:ph idx="1"/>
+          </p:nvPr>
+        </p:nvSpPr>
+        <p:spPr/>
+        <p:txBody>
+          <a:bodyPr>
+            <a:normAutofit/>
+          </a:bodyPr>
+          <a:lstStyle/>
+          <a:p>
+            <a:r>
+              <a:rPr lang="en-US" dirty="0"/>
+              <a:t>Avoid virtual function overhead</a:t>
+            </a:r>
+          </a:p>
+          <a:p>
+            <a:r>
+              <a:rPr lang="en-US" dirty="0"/>
+              <a:t>Enforce compile time interface constraints</a:t>
+            </a:r>
+          </a:p>
+          <a:p>
+            <a:r>
+              <a:rPr lang="en-US" dirty="0"/>
+              <a:t>Code reuse without dynamic polymorphism</a:t>
+            </a:r>
+          </a:p>
+          <a:p>
+            <a:r>
+              <a:rPr lang="en-US" dirty="0"/>
+              <a:t>Static  polymorphism</a:t>
+            </a:r>
+          </a:p>
+        </p:txBody>
+      </p:sp>
+      <p:sp>
+        <p:nvSpPr>
+          <p:cNvPr id="4" name="Slide Number Placeholder 3">
+            <a:extLst>
+              <a:ext uri="{FF2B5EF4-FFF2-40B4-BE49-F238E27FC236}">
+                <a16:creationId xmlns:a16="http://schemas.microsoft.com/office/drawing/2014/main" id="{0D8837DD-4DFF-B3FC-6690-1408C5CBE0FA}"/>
+              </a:ext>
+            </a:extLst>
+          </p:cNvPr>
+          <p:cNvSpPr>
+            <a:spLocks noGrp="1"/>
+          </p:cNvSpPr>
+          <p:nvPr>
+            <p:ph type="sldNum" sz="quarter" idx="12"/>
+          </p:nvPr>
+        </p:nvSpPr>
+        <p:spPr/>
+        <p:txBody>
+          <a:bodyPr/>
+          <a:lstStyle/>
+          <a:p>
+            <a:fld id="{FDB1AA33-DFBB-49AC-8CEE-23FFECEB5648}" type="slidenum">
+              <a:rPr lang="LID4096" smtClean="0"/>
+              <a:t>53</a:t>
             </a:fld>
             <a:endParaRPr lang="LID4096"/>
           </a:p>
@@ -21932,7 +22385,7 @@
 </p:sld>
 </file>
 
-<file path=ppt/slides/slide53.xml><?xml version="1.0" encoding="utf-8"?>
+<file path=ppt/slides/slide54.xml><?xml version="1.0" encoding="utf-8"?>
 <p:sld xmlns:a="http://schemas.openxmlformats.org/drawingml/2006/main" xmlns:r="http://schemas.openxmlformats.org/officeDocument/2006/relationships" xmlns:p="http://schemas.openxmlformats.org/presentationml/2006/main">
   <p:cSld>
     <p:spTree>
@@ -22001,7 +22454,7 @@
           <a:p>
             <a:fld id="{FDB1AA33-DFBB-49AC-8CEE-23FFECEB5648}" type="slidenum">
               <a:rPr lang="LID4096" smtClean="0"/>
-              <a:t>53</a:t>
+              <a:t>54</a:t>
             </a:fld>
             <a:endParaRPr lang="LID4096"/>
           </a:p>
@@ -22778,7 +23231,7 @@
 </p:sld>
 </file>
 
-<file path=ppt/slides/slide54.xml><?xml version="1.0" encoding="utf-8"?>
+<file path=ppt/slides/slide55.xml><?xml version="1.0" encoding="utf-8"?>
 <p:sld xmlns:a="http://schemas.openxmlformats.org/drawingml/2006/main" xmlns:r="http://schemas.openxmlformats.org/officeDocument/2006/relationships" xmlns:p="http://schemas.openxmlformats.org/presentationml/2006/main">
   <p:cSld>
     <p:spTree>
@@ -22847,7 +23300,7 @@
           <a:p>
             <a:fld id="{FDB1AA33-DFBB-49AC-8CEE-23FFECEB5648}" type="slidenum">
               <a:rPr lang="LID4096" smtClean="0"/>
-              <a:t>54</a:t>
+              <a:t>55</a:t>
             </a:fld>
             <a:endParaRPr lang="LID4096"/>
           </a:p>
@@ -23411,7 +23864,7 @@
 </p:sld>
 </file>
 
-<file path=ppt/slides/slide55.xml><?xml version="1.0" encoding="utf-8"?>
+<file path=ppt/slides/slide56.xml><?xml version="1.0" encoding="utf-8"?>
 <p:sld xmlns:a="http://schemas.openxmlformats.org/drawingml/2006/main" xmlns:r="http://schemas.openxmlformats.org/officeDocument/2006/relationships" xmlns:p="http://schemas.openxmlformats.org/presentationml/2006/main">
   <p:cSld>
     <p:spTree>
@@ -23480,7 +23933,7 @@
           <a:p>
             <a:fld id="{FDB1AA33-DFBB-49AC-8CEE-23FFECEB5648}" type="slidenum">
               <a:rPr lang="LID4096" smtClean="0"/>
-              <a:t>55</a:t>
+              <a:t>56</a:t>
             </a:fld>
             <a:endParaRPr lang="LID4096"/>
           </a:p>
@@ -24198,7 +24651,7 @@
 </p:sld>
 </file>
 
-<file path=ppt/slides/slide56.xml><?xml version="1.0" encoding="utf-8"?>
+<file path=ppt/slides/slide57.xml><?xml version="1.0" encoding="utf-8"?>
 <p:sld xmlns:a="http://schemas.openxmlformats.org/drawingml/2006/main" xmlns:r="http://schemas.openxmlformats.org/officeDocument/2006/relationships" xmlns:p="http://schemas.openxmlformats.org/presentationml/2006/main">
   <p:cSld>
     <p:spTree>
@@ -24267,7 +24720,7 @@
           <a:p>
             <a:fld id="{FDB1AA33-DFBB-49AC-8CEE-23FFECEB5648}" type="slidenum">
               <a:rPr lang="LID4096" smtClean="0"/>
-              <a:t>56</a:t>
+              <a:t>57</a:t>
             </a:fld>
             <a:endParaRPr lang="LID4096"/>
           </a:p>
@@ -24614,142 +25067,6 @@
 </p:sld>
 </file>
 
-<file path=ppt/slides/slide57.xml><?xml version="1.0" encoding="utf-8"?>
-<p:sld xmlns:a="http://schemas.openxmlformats.org/drawingml/2006/main" xmlns:r="http://schemas.openxmlformats.org/officeDocument/2006/relationships" xmlns:p="http://schemas.openxmlformats.org/presentationml/2006/main">
-  <p:cSld>
-    <p:spTree>
-      <p:nvGrpSpPr>
-        <p:cNvPr id="1" name=""/>
-        <p:cNvGrpSpPr/>
-        <p:nvPr/>
-      </p:nvGrpSpPr>
-      <p:grpSpPr>
-        <a:xfrm>
-          <a:off x="0" y="0"/>
-          <a:ext cx="0" cy="0"/>
-          <a:chOff x="0" y="0"/>
-          <a:chExt cx="0" cy="0"/>
-        </a:xfrm>
-      </p:grpSpPr>
-      <p:sp>
-        <p:nvSpPr>
-          <p:cNvPr id="2" name="Title 1"/>
-          <p:cNvSpPr>
-            <a:spLocks noGrp="1"/>
-          </p:cNvSpPr>
-          <p:nvPr>
-            <p:ph type="title"/>
-          </p:nvPr>
-        </p:nvSpPr>
-        <p:spPr/>
-        <p:txBody>
-          <a:bodyPr/>
-          <a:lstStyle/>
-          <a:p>
-            <a:r>
-              <a:rPr lang="en-US" dirty="0"/>
-              <a:t>Further reading</a:t>
-            </a:r>
-            <a:endParaRPr lang="nl-BE" dirty="0"/>
-          </a:p>
-        </p:txBody>
-      </p:sp>
-      <p:sp>
-        <p:nvSpPr>
-          <p:cNvPr id="3" name="Content Placeholder 2"/>
-          <p:cNvSpPr>
-            <a:spLocks noGrp="1"/>
-          </p:cNvSpPr>
-          <p:nvPr>
-            <p:ph idx="1"/>
-          </p:nvPr>
-        </p:nvSpPr>
-        <p:spPr/>
-        <p:txBody>
-          <a:bodyPr/>
-          <a:lstStyle/>
-          <a:p>
-            <a:r>
-              <a:rPr lang="en-US" dirty="0"/>
-              <a:t>Erich Gamma, Richard Helm, Ralph Johnson and John </a:t>
-            </a:r>
-            <a:r>
-              <a:rPr lang="en-US" dirty="0" err="1"/>
-              <a:t>Vlissides</a:t>
-            </a:r>
-            <a:r>
-              <a:rPr lang="en-US" dirty="0"/>
-              <a:t> (1994) </a:t>
-            </a:r>
-            <a:r>
-              <a:rPr lang="en-US" i="1" dirty="0"/>
-              <a:t>Design patterns: elements of reusable object-oriented software</a:t>
-            </a:r>
-            <a:r>
-              <a:rPr lang="en-US" dirty="0"/>
-              <a:t>, Addison-Wesley</a:t>
-            </a:r>
-            <a:endParaRPr lang="en-US" sz="2800" dirty="0"/>
-          </a:p>
-          <a:p>
-            <a:endParaRPr lang="en-US" sz="2800" dirty="0"/>
-          </a:p>
-          <a:p>
-            <a:endParaRPr lang="nl-BE" dirty="0"/>
-          </a:p>
-        </p:txBody>
-      </p:sp>
-      <p:sp>
-        <p:nvSpPr>
-          <p:cNvPr id="4" name="Slide Number Placeholder 3"/>
-          <p:cNvSpPr>
-            <a:spLocks noGrp="1"/>
-          </p:cNvSpPr>
-          <p:nvPr>
-            <p:ph type="sldNum" sz="quarter" idx="12"/>
-          </p:nvPr>
-        </p:nvSpPr>
-        <p:spPr/>
-        <p:txBody>
-          <a:bodyPr/>
-          <a:lstStyle/>
-          <a:p>
-            <a:fld id="{5A209D72-2E9D-49B0-8977-41DCCC66C0BB}" type="slidenum">
-              <a:rPr lang="nl-BE">
-                <a:solidFill>
-                  <a:prstClr val="black">
-                    <a:tint val="75000"/>
-                  </a:prstClr>
-                </a:solidFill>
-                <a:latin typeface="Calibri"/>
-              </a:rPr>
-              <a:pPr/>
-              <a:t>57</a:t>
-            </a:fld>
-            <a:endParaRPr lang="nl-BE">
-              <a:solidFill>
-                <a:prstClr val="black">
-                  <a:tint val="75000"/>
-                </a:prstClr>
-              </a:solidFill>
-              <a:latin typeface="Calibri"/>
-            </a:endParaRPr>
-          </a:p>
-        </p:txBody>
-      </p:sp>
-    </p:spTree>
-    <p:extLst>
-      <p:ext uri="{BB962C8B-B14F-4D97-AF65-F5344CB8AC3E}">
-        <p14:creationId xmlns:p14="http://schemas.microsoft.com/office/powerpoint/2010/main" val="4100769943"/>
-      </p:ext>
-    </p:extLst>
-  </p:cSld>
-  <p:clrMapOvr>
-    <a:masterClrMapping/>
-  </p:clrMapOvr>
-</p:sld>
-</file>
-
 <file path=ppt/slides/slide58.xml><?xml version="1.0" encoding="utf-8"?>
 <p:sld xmlns:a="http://schemas.openxmlformats.org/drawingml/2006/main" xmlns:r="http://schemas.openxmlformats.org/officeDocument/2006/relationships" xmlns:p="http://schemas.openxmlformats.org/presentationml/2006/main">
   <p:cSld>
@@ -24769,13 +25086,7 @@
       </p:grpSpPr>
       <p:sp>
         <p:nvSpPr>
-          <p:cNvPr id="5" name="Title 4">
-            <a:extLst>
-              <a:ext uri="{FF2B5EF4-FFF2-40B4-BE49-F238E27FC236}">
-                <a16:creationId xmlns:a16="http://schemas.microsoft.com/office/drawing/2014/main" id="{B047AC09-4137-6264-6757-2F13914ACA28}"/>
-              </a:ext>
-            </a:extLst>
-          </p:cNvPr>
+          <p:cNvPr id="2" name="Title 1"/>
           <p:cNvSpPr>
             <a:spLocks noGrp="1"/>
           </p:cNvSpPr>
@@ -24790,26 +25101,20 @@
           <a:p>
             <a:r>
               <a:rPr lang="en-US" dirty="0"/>
-              <a:t>Functional approach</a:t>
-            </a:r>
-            <a:endParaRPr lang="LID4096" dirty="0"/>
-          </a:p>
-        </p:txBody>
-      </p:sp>
-      <p:sp>
-        <p:nvSpPr>
-          <p:cNvPr id="6" name="Text Placeholder 5">
-            <a:extLst>
-              <a:ext uri="{FF2B5EF4-FFF2-40B4-BE49-F238E27FC236}">
-                <a16:creationId xmlns:a16="http://schemas.microsoft.com/office/drawing/2014/main" id="{482D214C-4E56-C7D6-335F-9FBD13AF24C6}"/>
-              </a:ext>
-            </a:extLst>
-          </p:cNvPr>
+              <a:t>Further reading</a:t>
+            </a:r>
+            <a:endParaRPr lang="nl-BE" dirty="0"/>
+          </a:p>
+        </p:txBody>
+      </p:sp>
+      <p:sp>
+        <p:nvSpPr>
+          <p:cNvPr id="3" name="Content Placeholder 2"/>
           <p:cNvSpPr>
             <a:spLocks noGrp="1"/>
           </p:cNvSpPr>
           <p:nvPr>
-            <p:ph type="body" idx="1"/>
+            <p:ph idx="1"/>
           </p:nvPr>
         </p:nvSpPr>
         <p:spPr/>
@@ -24817,19 +25122,39 @@
           <a:bodyPr/>
           <a:lstStyle/>
           <a:p>
-            <a:endParaRPr lang="LID4096"/>
-          </a:p>
-        </p:txBody>
-      </p:sp>
-      <p:sp>
-        <p:nvSpPr>
-          <p:cNvPr id="4" name="Slide Number Placeholder 3">
-            <a:extLst>
-              <a:ext uri="{FF2B5EF4-FFF2-40B4-BE49-F238E27FC236}">
-                <a16:creationId xmlns:a16="http://schemas.microsoft.com/office/drawing/2014/main" id="{B66B75E1-EA21-65CD-B316-C1D421486EE7}"/>
-              </a:ext>
-            </a:extLst>
-          </p:cNvPr>
+            <a:r>
+              <a:rPr lang="en-US" dirty="0"/>
+              <a:t>Erich Gamma, Richard Helm, Ralph Johnson and John </a:t>
+            </a:r>
+            <a:r>
+              <a:rPr lang="en-US" dirty="0" err="1"/>
+              <a:t>Vlissides</a:t>
+            </a:r>
+            <a:r>
+              <a:rPr lang="en-US" dirty="0"/>
+              <a:t> (1994) </a:t>
+            </a:r>
+            <a:r>
+              <a:rPr lang="en-US" i="1" dirty="0"/>
+              <a:t>Design patterns: elements of reusable object-oriented software</a:t>
+            </a:r>
+            <a:r>
+              <a:rPr lang="en-US" dirty="0"/>
+              <a:t>, Addison-Wesley</a:t>
+            </a:r>
+            <a:endParaRPr lang="en-US" sz="2800" dirty="0"/>
+          </a:p>
+          <a:p>
+            <a:endParaRPr lang="en-US" sz="2800" dirty="0"/>
+          </a:p>
+          <a:p>
+            <a:endParaRPr lang="nl-BE" dirty="0"/>
+          </a:p>
+        </p:txBody>
+      </p:sp>
+      <p:sp>
+        <p:nvSpPr>
+          <p:cNvPr id="4" name="Slide Number Placeholder 3"/>
           <p:cNvSpPr>
             <a:spLocks noGrp="1"/>
           </p:cNvSpPr>
@@ -24842,18 +25167,33 @@
           <a:bodyPr/>
           <a:lstStyle/>
           <a:p>
-            <a:fld id="{FDB1AA33-DFBB-49AC-8CEE-23FFECEB5648}" type="slidenum">
-              <a:rPr lang="LID4096" smtClean="0"/>
+            <a:fld id="{5A209D72-2E9D-49B0-8977-41DCCC66C0BB}" type="slidenum">
+              <a:rPr lang="nl-BE">
+                <a:solidFill>
+                  <a:prstClr val="black">
+                    <a:tint val="75000"/>
+                  </a:prstClr>
+                </a:solidFill>
+                <a:latin typeface="Calibri"/>
+              </a:rPr>
+              <a:pPr/>
               <a:t>58</a:t>
             </a:fld>
-            <a:endParaRPr lang="LID4096"/>
+            <a:endParaRPr lang="nl-BE">
+              <a:solidFill>
+                <a:prstClr val="black">
+                  <a:tint val="75000"/>
+                </a:prstClr>
+              </a:solidFill>
+              <a:latin typeface="Calibri"/>
+            </a:endParaRPr>
           </a:p>
         </p:txBody>
       </p:sp>
     </p:spTree>
     <p:extLst>
       <p:ext uri="{BB962C8B-B14F-4D97-AF65-F5344CB8AC3E}">
-        <p14:creationId xmlns:p14="http://schemas.microsoft.com/office/powerpoint/2010/main" val="4080926898"/>
+        <p14:creationId xmlns:p14="http://schemas.microsoft.com/office/powerpoint/2010/main" val="4100769943"/>
       </p:ext>
     </p:extLst>
   </p:cSld>
@@ -24882,10 +25222,10 @@
       </p:grpSpPr>
       <p:sp>
         <p:nvSpPr>
-          <p:cNvPr id="2" name="Title 1">
-            <a:extLst>
-              <a:ext uri="{FF2B5EF4-FFF2-40B4-BE49-F238E27FC236}">
-                <a16:creationId xmlns:a16="http://schemas.microsoft.com/office/drawing/2014/main" id="{8F06986E-3696-7561-EFEC-42A2474822BD}"/>
+          <p:cNvPr id="5" name="Title 4">
+            <a:extLst>
+              <a:ext uri="{FF2B5EF4-FFF2-40B4-BE49-F238E27FC236}">
+                <a16:creationId xmlns:a16="http://schemas.microsoft.com/office/drawing/2014/main" id="{B047AC09-4137-6264-6757-2F13914ACA28}"/>
               </a:ext>
             </a:extLst>
           </p:cNvPr>
@@ -24903,6 +25243,231 @@
           <a:p>
             <a:r>
               <a:rPr lang="en-US" dirty="0"/>
+              <a:t>Functional approach</a:t>
+            </a:r>
+            <a:endParaRPr lang="LID4096" dirty="0"/>
+          </a:p>
+        </p:txBody>
+      </p:sp>
+      <p:sp>
+        <p:nvSpPr>
+          <p:cNvPr id="6" name="Text Placeholder 5">
+            <a:extLst>
+              <a:ext uri="{FF2B5EF4-FFF2-40B4-BE49-F238E27FC236}">
+                <a16:creationId xmlns:a16="http://schemas.microsoft.com/office/drawing/2014/main" id="{482D214C-4E56-C7D6-335F-9FBD13AF24C6}"/>
+              </a:ext>
+            </a:extLst>
+          </p:cNvPr>
+          <p:cNvSpPr>
+            <a:spLocks noGrp="1"/>
+          </p:cNvSpPr>
+          <p:nvPr>
+            <p:ph type="body" idx="1"/>
+          </p:nvPr>
+        </p:nvSpPr>
+        <p:spPr/>
+        <p:txBody>
+          <a:bodyPr/>
+          <a:lstStyle/>
+          <a:p>
+            <a:endParaRPr lang="LID4096"/>
+          </a:p>
+        </p:txBody>
+      </p:sp>
+      <p:sp>
+        <p:nvSpPr>
+          <p:cNvPr id="4" name="Slide Number Placeholder 3">
+            <a:extLst>
+              <a:ext uri="{FF2B5EF4-FFF2-40B4-BE49-F238E27FC236}">
+                <a16:creationId xmlns:a16="http://schemas.microsoft.com/office/drawing/2014/main" id="{B66B75E1-EA21-65CD-B316-C1D421486EE7}"/>
+              </a:ext>
+            </a:extLst>
+          </p:cNvPr>
+          <p:cNvSpPr>
+            <a:spLocks noGrp="1"/>
+          </p:cNvSpPr>
+          <p:nvPr>
+            <p:ph type="sldNum" sz="quarter" idx="12"/>
+          </p:nvPr>
+        </p:nvSpPr>
+        <p:spPr/>
+        <p:txBody>
+          <a:bodyPr/>
+          <a:lstStyle/>
+          <a:p>
+            <a:fld id="{FDB1AA33-DFBB-49AC-8CEE-23FFECEB5648}" type="slidenum">
+              <a:rPr lang="LID4096" smtClean="0"/>
+              <a:t>59</a:t>
+            </a:fld>
+            <a:endParaRPr lang="LID4096"/>
+          </a:p>
+        </p:txBody>
+      </p:sp>
+    </p:spTree>
+    <p:extLst>
+      <p:ext uri="{BB962C8B-B14F-4D97-AF65-F5344CB8AC3E}">
+        <p14:creationId xmlns:p14="http://schemas.microsoft.com/office/powerpoint/2010/main" val="4080926898"/>
+      </p:ext>
+    </p:extLst>
+  </p:cSld>
+  <p:clrMapOvr>
+    <a:masterClrMapping/>
+  </p:clrMapOvr>
+</p:sld>
+</file>
+
+<file path=ppt/slides/slide6.xml><?xml version="1.0" encoding="utf-8"?>
+<p:sld xmlns:a="http://schemas.openxmlformats.org/drawingml/2006/main" xmlns:r="http://schemas.openxmlformats.org/officeDocument/2006/relationships" xmlns:p="http://schemas.openxmlformats.org/presentationml/2006/main">
+  <p:cSld>
+    <p:spTree>
+      <p:nvGrpSpPr>
+        <p:cNvPr id="1" name=""/>
+        <p:cNvGrpSpPr/>
+        <p:nvPr/>
+      </p:nvGrpSpPr>
+      <p:grpSpPr>
+        <a:xfrm>
+          <a:off x="0" y="0"/>
+          <a:ext cx="0" cy="0"/>
+          <a:chOff x="0" y="0"/>
+          <a:chExt cx="0" cy="0"/>
+        </a:xfrm>
+      </p:grpSpPr>
+      <p:sp>
+        <p:nvSpPr>
+          <p:cNvPr id="2" name="Title 1">
+            <a:extLst>
+              <a:ext uri="{FF2B5EF4-FFF2-40B4-BE49-F238E27FC236}">
+                <a16:creationId xmlns:a16="http://schemas.microsoft.com/office/drawing/2014/main" id="{CD8A5471-A4D8-4F5E-B450-200A4C371BE2}"/>
+              </a:ext>
+            </a:extLst>
+          </p:cNvPr>
+          <p:cNvSpPr>
+            <a:spLocks noGrp="1"/>
+          </p:cNvSpPr>
+          <p:nvPr>
+            <p:ph type="title"/>
+          </p:nvPr>
+        </p:nvSpPr>
+        <p:spPr/>
+        <p:txBody>
+          <a:bodyPr/>
+          <a:lstStyle/>
+          <a:p>
+            <a:r>
+              <a:rPr lang="en-US" dirty="0"/>
+              <a:t>Best practices</a:t>
+            </a:r>
+          </a:p>
+        </p:txBody>
+      </p:sp>
+      <p:sp>
+        <p:nvSpPr>
+          <p:cNvPr id="3" name="Text Placeholder 2">
+            <a:extLst>
+              <a:ext uri="{FF2B5EF4-FFF2-40B4-BE49-F238E27FC236}">
+                <a16:creationId xmlns:a16="http://schemas.microsoft.com/office/drawing/2014/main" id="{46302BE0-A82A-4DCE-87F1-E8BD131C79CD}"/>
+              </a:ext>
+            </a:extLst>
+          </p:cNvPr>
+          <p:cNvSpPr>
+            <a:spLocks noGrp="1"/>
+          </p:cNvSpPr>
+          <p:nvPr>
+            <p:ph type="body" idx="1"/>
+          </p:nvPr>
+        </p:nvSpPr>
+        <p:spPr/>
+        <p:txBody>
+          <a:bodyPr/>
+          <a:lstStyle/>
+          <a:p>
+            <a:endParaRPr lang="en-US"/>
+          </a:p>
+        </p:txBody>
+      </p:sp>
+      <p:sp>
+        <p:nvSpPr>
+          <p:cNvPr id="4" name="Slide Number Placeholder 3">
+            <a:extLst>
+              <a:ext uri="{FF2B5EF4-FFF2-40B4-BE49-F238E27FC236}">
+                <a16:creationId xmlns:a16="http://schemas.microsoft.com/office/drawing/2014/main" id="{D678DF20-6449-4B12-9A41-DCB2C682E0F0}"/>
+              </a:ext>
+            </a:extLst>
+          </p:cNvPr>
+          <p:cNvSpPr>
+            <a:spLocks noGrp="1"/>
+          </p:cNvSpPr>
+          <p:nvPr>
+            <p:ph type="sldNum" sz="quarter" idx="12"/>
+          </p:nvPr>
+        </p:nvSpPr>
+        <p:spPr/>
+        <p:txBody>
+          <a:bodyPr/>
+          <a:lstStyle/>
+          <a:p>
+            <a:fld id="{5A209D72-2E9D-49B0-8977-41DCCC66C0BB}" type="slidenum">
+              <a:rPr lang="nl-BE" smtClean="0"/>
+              <a:t>6</a:t>
+            </a:fld>
+            <a:endParaRPr lang="nl-BE"/>
+          </a:p>
+        </p:txBody>
+      </p:sp>
+    </p:spTree>
+    <p:extLst>
+      <p:ext uri="{BB962C8B-B14F-4D97-AF65-F5344CB8AC3E}">
+        <p14:creationId xmlns:p14="http://schemas.microsoft.com/office/powerpoint/2010/main" val="2154523888"/>
+      </p:ext>
+    </p:extLst>
+  </p:cSld>
+  <p:clrMapOvr>
+    <a:masterClrMapping/>
+  </p:clrMapOvr>
+</p:sld>
+</file>
+
+<file path=ppt/slides/slide60.xml><?xml version="1.0" encoding="utf-8"?>
+<p:sld xmlns:a="http://schemas.openxmlformats.org/drawingml/2006/main" xmlns:r="http://schemas.openxmlformats.org/officeDocument/2006/relationships" xmlns:p="http://schemas.openxmlformats.org/presentationml/2006/main">
+  <p:cSld>
+    <p:spTree>
+      <p:nvGrpSpPr>
+        <p:cNvPr id="1" name=""/>
+        <p:cNvGrpSpPr/>
+        <p:nvPr/>
+      </p:nvGrpSpPr>
+      <p:grpSpPr>
+        <a:xfrm>
+          <a:off x="0" y="0"/>
+          <a:ext cx="0" cy="0"/>
+          <a:chOff x="0" y="0"/>
+          <a:chExt cx="0" cy="0"/>
+        </a:xfrm>
+      </p:grpSpPr>
+      <p:sp>
+        <p:nvSpPr>
+          <p:cNvPr id="2" name="Title 1">
+            <a:extLst>
+              <a:ext uri="{FF2B5EF4-FFF2-40B4-BE49-F238E27FC236}">
+                <a16:creationId xmlns:a16="http://schemas.microsoft.com/office/drawing/2014/main" id="{8F06986E-3696-7561-EFEC-42A2474822BD}"/>
+              </a:ext>
+            </a:extLst>
+          </p:cNvPr>
+          <p:cNvSpPr>
+            <a:spLocks noGrp="1"/>
+          </p:cNvSpPr>
+          <p:nvPr>
+            <p:ph type="title"/>
+          </p:nvPr>
+        </p:nvSpPr>
+        <p:spPr/>
+        <p:txBody>
+          <a:bodyPr/>
+          <a:lstStyle/>
+          <a:p>
+            <a:r>
+              <a:rPr lang="en-US" dirty="0"/>
               <a:t>Functional features in C++</a:t>
             </a:r>
             <a:endParaRPr lang="LID4096" dirty="0"/>
@@ -24979,7 +25544,7 @@
           <a:p>
             <a:fld id="{FDB1AA33-DFBB-49AC-8CEE-23FFECEB5648}" type="slidenum">
               <a:rPr lang="LID4096" smtClean="0"/>
-              <a:t>59</a:t>
+              <a:t>60</a:t>
             </a:fld>
             <a:endParaRPr lang="LID4096"/>
           </a:p>
@@ -25147,118 +25712,6 @@
       <p:bldP spid="5" grpId="0" animBg="1"/>
     </p:bldLst>
   </p:timing>
-</p:sld>
-</file>
-
-<file path=ppt/slides/slide6.xml><?xml version="1.0" encoding="utf-8"?>
-<p:sld xmlns:a="http://schemas.openxmlformats.org/drawingml/2006/main" xmlns:r="http://schemas.openxmlformats.org/officeDocument/2006/relationships" xmlns:p="http://schemas.openxmlformats.org/presentationml/2006/main">
-  <p:cSld>
-    <p:spTree>
-      <p:nvGrpSpPr>
-        <p:cNvPr id="1" name=""/>
-        <p:cNvGrpSpPr/>
-        <p:nvPr/>
-      </p:nvGrpSpPr>
-      <p:grpSpPr>
-        <a:xfrm>
-          <a:off x="0" y="0"/>
-          <a:ext cx="0" cy="0"/>
-          <a:chOff x="0" y="0"/>
-          <a:chExt cx="0" cy="0"/>
-        </a:xfrm>
-      </p:grpSpPr>
-      <p:sp>
-        <p:nvSpPr>
-          <p:cNvPr id="2" name="Title 1">
-            <a:extLst>
-              <a:ext uri="{FF2B5EF4-FFF2-40B4-BE49-F238E27FC236}">
-                <a16:creationId xmlns:a16="http://schemas.microsoft.com/office/drawing/2014/main" id="{CD8A5471-A4D8-4F5E-B450-200A4C371BE2}"/>
-              </a:ext>
-            </a:extLst>
-          </p:cNvPr>
-          <p:cNvSpPr>
-            <a:spLocks noGrp="1"/>
-          </p:cNvSpPr>
-          <p:nvPr>
-            <p:ph type="title"/>
-          </p:nvPr>
-        </p:nvSpPr>
-        <p:spPr/>
-        <p:txBody>
-          <a:bodyPr/>
-          <a:lstStyle/>
-          <a:p>
-            <a:r>
-              <a:rPr lang="en-US" dirty="0"/>
-              <a:t>Best practices</a:t>
-            </a:r>
-          </a:p>
-        </p:txBody>
-      </p:sp>
-      <p:sp>
-        <p:nvSpPr>
-          <p:cNvPr id="3" name="Text Placeholder 2">
-            <a:extLst>
-              <a:ext uri="{FF2B5EF4-FFF2-40B4-BE49-F238E27FC236}">
-                <a16:creationId xmlns:a16="http://schemas.microsoft.com/office/drawing/2014/main" id="{46302BE0-A82A-4DCE-87F1-E8BD131C79CD}"/>
-              </a:ext>
-            </a:extLst>
-          </p:cNvPr>
-          <p:cNvSpPr>
-            <a:spLocks noGrp="1"/>
-          </p:cNvSpPr>
-          <p:nvPr>
-            <p:ph type="body" idx="1"/>
-          </p:nvPr>
-        </p:nvSpPr>
-        <p:spPr/>
-        <p:txBody>
-          <a:bodyPr/>
-          <a:lstStyle/>
-          <a:p>
-            <a:endParaRPr lang="en-US"/>
-          </a:p>
-        </p:txBody>
-      </p:sp>
-      <p:sp>
-        <p:nvSpPr>
-          <p:cNvPr id="4" name="Slide Number Placeholder 3">
-            <a:extLst>
-              <a:ext uri="{FF2B5EF4-FFF2-40B4-BE49-F238E27FC236}">
-                <a16:creationId xmlns:a16="http://schemas.microsoft.com/office/drawing/2014/main" id="{D678DF20-6449-4B12-9A41-DCB2C682E0F0}"/>
-              </a:ext>
-            </a:extLst>
-          </p:cNvPr>
-          <p:cNvSpPr>
-            <a:spLocks noGrp="1"/>
-          </p:cNvSpPr>
-          <p:nvPr>
-            <p:ph type="sldNum" sz="quarter" idx="12"/>
-          </p:nvPr>
-        </p:nvSpPr>
-        <p:spPr/>
-        <p:txBody>
-          <a:bodyPr/>
-          <a:lstStyle/>
-          <a:p>
-            <a:fld id="{5A209D72-2E9D-49B0-8977-41DCCC66C0BB}" type="slidenum">
-              <a:rPr lang="nl-BE" smtClean="0"/>
-              <a:t>6</a:t>
-            </a:fld>
-            <a:endParaRPr lang="nl-BE"/>
-          </a:p>
-        </p:txBody>
-      </p:sp>
-    </p:spTree>
-    <p:extLst>
-      <p:ext uri="{BB962C8B-B14F-4D97-AF65-F5344CB8AC3E}">
-        <p14:creationId xmlns:p14="http://schemas.microsoft.com/office/powerpoint/2010/main" val="2154523888"/>
-      </p:ext>
-    </p:extLst>
-  </p:cSld>
-  <p:clrMapOvr>
-    <a:masterClrMapping/>
-  </p:clrMapOvr>
 </p:sld>
 </file>
 

--- a/cpp_software_engineering.pptx
+++ b/cpp_software_engineering.pptx
@@ -5,7 +5,7 @@
     <p:sldMasterId id="2147483648" r:id="rId1"/>
   </p:sldMasterIdLst>
   <p:notesMasterIdLst>
-    <p:notesMasterId r:id="rId62"/>
+    <p:notesMasterId r:id="rId64"/>
   </p:notesMasterIdLst>
   <p:sldIdLst>
     <p:sldId id="257" r:id="rId2"/>
@@ -65,9 +65,11 @@
     <p:sldId id="396" r:id="rId56"/>
     <p:sldId id="398" r:id="rId57"/>
     <p:sldId id="397" r:id="rId58"/>
-    <p:sldId id="391" r:id="rId59"/>
-    <p:sldId id="392" r:id="rId60"/>
-    <p:sldId id="393" r:id="rId61"/>
+    <p:sldId id="415" r:id="rId59"/>
+    <p:sldId id="414" r:id="rId60"/>
+    <p:sldId id="391" r:id="rId61"/>
+    <p:sldId id="392" r:id="rId62"/>
+    <p:sldId id="393" r:id="rId63"/>
   </p:sldIdLst>
   <p:sldSz cx="12192000" cy="6858000"/>
   <p:notesSz cx="6858000" cy="9144000"/>
@@ -256,6 +258,8 @@
             <p14:sldId id="396"/>
             <p14:sldId id="398"/>
             <p14:sldId id="397"/>
+            <p14:sldId id="415"/>
+            <p14:sldId id="414"/>
             <p14:sldId id="391"/>
           </p14:sldIdLst>
         </p14:section>
@@ -424,7 +428,7 @@
           <a:p>
             <a:fld id="{75E18316-3541-442E-8E76-B95A0AF605E0}" type="datetimeFigureOut">
               <a:rPr lang="LID4096" smtClean="0"/>
-              <a:t>05/09/2025</a:t>
+              <a:t>05/12/2025</a:t>
             </a:fld>
             <a:endParaRPr lang="LID4096"/>
           </a:p>
@@ -841,7 +845,7 @@
           <a:p>
             <a:fld id="{D4CCEB0E-618E-45C7-A579-AD180C33220D}" type="datetime1">
               <a:rPr lang="LID4096" smtClean="0"/>
-              <a:t>05/09/2025</a:t>
+              <a:t>05/12/2025</a:t>
             </a:fld>
             <a:endParaRPr lang="LID4096"/>
           </a:p>
@@ -1041,7 +1045,7 @@
           <a:p>
             <a:fld id="{8F9B0D5F-347B-4B69-9FE7-43363B46D130}" type="datetime1">
               <a:rPr lang="LID4096" smtClean="0"/>
-              <a:t>05/09/2025</a:t>
+              <a:t>05/12/2025</a:t>
             </a:fld>
             <a:endParaRPr lang="LID4096"/>
           </a:p>
@@ -1251,7 +1255,7 @@
           <a:p>
             <a:fld id="{A72936A9-07CF-4428-8F68-9DB53105CCBE}" type="datetime1">
               <a:rPr lang="LID4096" smtClean="0"/>
-              <a:t>05/09/2025</a:t>
+              <a:t>05/12/2025</a:t>
             </a:fld>
             <a:endParaRPr lang="LID4096"/>
           </a:p>
@@ -1451,7 +1455,7 @@
           <a:p>
             <a:fld id="{136170E8-8909-47C9-AECF-C7A110A9E262}" type="datetime1">
               <a:rPr lang="LID4096" smtClean="0"/>
-              <a:t>05/09/2025</a:t>
+              <a:t>05/12/2025</a:t>
             </a:fld>
             <a:endParaRPr lang="LID4096"/>
           </a:p>
@@ -1727,7 +1731,7 @@
           <a:p>
             <a:fld id="{D37C590D-7973-43C9-B207-04F7CE471508}" type="datetime1">
               <a:rPr lang="LID4096" smtClean="0"/>
-              <a:t>05/09/2025</a:t>
+              <a:t>05/12/2025</a:t>
             </a:fld>
             <a:endParaRPr lang="LID4096"/>
           </a:p>
@@ -1995,7 +1999,7 @@
           <a:p>
             <a:fld id="{D8E041D7-7EA6-423B-88A0-A217731AA946}" type="datetime1">
               <a:rPr lang="LID4096" smtClean="0"/>
-              <a:t>05/09/2025</a:t>
+              <a:t>05/12/2025</a:t>
             </a:fld>
             <a:endParaRPr lang="LID4096"/>
           </a:p>
@@ -2410,7 +2414,7 @@
           <a:p>
             <a:fld id="{1BDF2A55-FD61-4AC5-A515-ED3F1E80F296}" type="datetime1">
               <a:rPr lang="LID4096" smtClean="0"/>
-              <a:t>05/09/2025</a:t>
+              <a:t>05/12/2025</a:t>
             </a:fld>
             <a:endParaRPr lang="LID4096"/>
           </a:p>
@@ -2552,7 +2556,7 @@
           <a:p>
             <a:fld id="{AAED7C0E-94F0-4D14-8F58-6D25D315F3DC}" type="datetime1">
               <a:rPr lang="LID4096" smtClean="0"/>
-              <a:t>05/09/2025</a:t>
+              <a:t>05/12/2025</a:t>
             </a:fld>
             <a:endParaRPr lang="LID4096"/>
           </a:p>
@@ -2665,7 +2669,7 @@
           <a:p>
             <a:fld id="{2888AB77-1B4E-4D00-8D86-8CBF03A7E13C}" type="datetime1">
               <a:rPr lang="LID4096" smtClean="0"/>
-              <a:t>05/09/2025</a:t>
+              <a:t>05/12/2025</a:t>
             </a:fld>
             <a:endParaRPr lang="LID4096"/>
           </a:p>
@@ -2978,7 +2982,7 @@
           <a:p>
             <a:fld id="{013C0D7F-F788-458A-93D6-DCF4C7F29636}" type="datetime1">
               <a:rPr lang="LID4096" smtClean="0"/>
-              <a:t>05/09/2025</a:t>
+              <a:t>05/12/2025</a:t>
             </a:fld>
             <a:endParaRPr lang="LID4096"/>
           </a:p>
@@ -3267,7 +3271,7 @@
           <a:p>
             <a:fld id="{EEC7CCBC-154E-498D-B8FD-669CE3C64250}" type="datetime1">
               <a:rPr lang="LID4096" smtClean="0"/>
-              <a:t>05/09/2025</a:t>
+              <a:t>05/12/2025</a:t>
             </a:fld>
             <a:endParaRPr lang="LID4096"/>
           </a:p>
@@ -3510,7 +3514,7 @@
           <a:p>
             <a:fld id="{161B14D2-6539-4609-80C5-044F9B782269}" type="datetime1">
               <a:rPr lang="LID4096" smtClean="0"/>
-              <a:t>05/09/2025</a:t>
+              <a:t>05/12/2025</a:t>
             </a:fld>
             <a:endParaRPr lang="LID4096"/>
           </a:p>
@@ -22074,7 +22078,13 @@
             </a:r>
             <a:r>
               <a:rPr lang="en-US" dirty="0"/>
-              <a:t> (PIMPL)</a:t>
+              <a:t> idiom (PIMPL)</a:t>
+            </a:r>
+          </a:p>
+          <a:p>
+            <a:r>
+              <a:rPr lang="en-US" dirty="0"/>
+              <a:t>Resource Acquisition Is Initialization (RAII)</a:t>
             </a:r>
             <a:endParaRPr lang="LID4096" dirty="0"/>
           </a:p>
@@ -25086,7 +25096,13 @@
       </p:grpSpPr>
       <p:sp>
         <p:nvSpPr>
-          <p:cNvPr id="2" name="Title 1"/>
+          <p:cNvPr id="2" name="Title 1">
+            <a:extLst>
+              <a:ext uri="{FF2B5EF4-FFF2-40B4-BE49-F238E27FC236}">
+                <a16:creationId xmlns:a16="http://schemas.microsoft.com/office/drawing/2014/main" id="{22597127-255D-E990-EC62-F84C40508FDD}"/>
+              </a:ext>
+            </a:extLst>
+          </p:cNvPr>
           <p:cNvSpPr>
             <a:spLocks noGrp="1"/>
           </p:cNvSpPr>
@@ -25101,15 +25117,29 @@
           <a:p>
             <a:r>
               <a:rPr lang="en-US" dirty="0"/>
-              <a:t>Further reading</a:t>
-            </a:r>
-            <a:endParaRPr lang="nl-BE" dirty="0"/>
-          </a:p>
-        </p:txBody>
-      </p:sp>
-      <p:sp>
-        <p:nvSpPr>
-          <p:cNvPr id="3" name="Content Placeholder 2"/>
+              <a:t>Pointer to </a:t>
+            </a:r>
+            <a:r>
+              <a:rPr lang="en-US" dirty="0" err="1"/>
+              <a:t>IMPLementation</a:t>
+            </a:r>
+            <a:r>
+              <a:rPr lang="en-US" dirty="0"/>
+              <a:t> idiom (PIMPL)</a:t>
+            </a:r>
+            <a:endParaRPr lang="LID4096" dirty="0"/>
+          </a:p>
+        </p:txBody>
+      </p:sp>
+      <p:sp>
+        <p:nvSpPr>
+          <p:cNvPr id="3" name="Content Placeholder 2">
+            <a:extLst>
+              <a:ext uri="{FF2B5EF4-FFF2-40B4-BE49-F238E27FC236}">
+                <a16:creationId xmlns:a16="http://schemas.microsoft.com/office/drawing/2014/main" id="{BFC3B8FA-3708-5100-0EB8-21D5539B42F7}"/>
+              </a:ext>
+            </a:extLst>
+          </p:cNvPr>
           <p:cNvSpPr>
             <a:spLocks noGrp="1"/>
           </p:cNvSpPr>
@@ -25124,37 +25154,51 @@
           <a:p>
             <a:r>
               <a:rPr lang="en-US" dirty="0"/>
-              <a:t>Erich Gamma, Richard Helm, Ralph Johnson and John </a:t>
-            </a:r>
-            <a:r>
-              <a:rPr lang="en-US" dirty="0" err="1"/>
-              <a:t>Vlissides</a:t>
-            </a:r>
-            <a:r>
-              <a:rPr lang="en-US" dirty="0"/>
-              <a:t> (1994) </a:t>
-            </a:r>
-            <a:r>
-              <a:rPr lang="en-US" i="1" dirty="0"/>
-              <a:t>Design patterns: elements of reusable object-oriented software</a:t>
-            </a:r>
-            <a:r>
-              <a:rPr lang="en-US" dirty="0"/>
-              <a:t>, Addison-Wesley</a:t>
-            </a:r>
-            <a:endParaRPr lang="en-US" sz="2800" dirty="0"/>
-          </a:p>
-          <a:p>
-            <a:endParaRPr lang="en-US" sz="2800" dirty="0"/>
-          </a:p>
-          <a:p>
-            <a:endParaRPr lang="nl-BE" dirty="0"/>
-          </a:p>
-        </p:txBody>
-      </p:sp>
-      <p:sp>
-        <p:nvSpPr>
-          <p:cNvPr id="4" name="Slide Number Placeholder 3"/>
+              <a:t>Interface holds pointer to implementation</a:t>
+            </a:r>
+          </a:p>
+          <a:p>
+            <a:endParaRPr lang="en-US" dirty="0"/>
+          </a:p>
+          <a:p>
+            <a:r>
+              <a:rPr lang="en-US" dirty="0"/>
+              <a:t>Advantages</a:t>
+            </a:r>
+          </a:p>
+          <a:p>
+            <a:pPr lvl="1"/>
+            <a:r>
+              <a:rPr lang="en-US" dirty="0"/>
+              <a:t>Decouple interface and implementation</a:t>
+            </a:r>
+          </a:p>
+          <a:p>
+            <a:pPr lvl="1"/>
+            <a:r>
+              <a:rPr lang="en-US" dirty="0"/>
+              <a:t>Easy to replace implementation</a:t>
+            </a:r>
+          </a:p>
+          <a:p>
+            <a:pPr lvl="1"/>
+            <a:r>
+              <a:rPr lang="en-US" dirty="0"/>
+              <a:t>Reduces compile times (only implementation needs to be recompiled)</a:t>
+            </a:r>
+            <a:endParaRPr lang="LID4096" dirty="0"/>
+          </a:p>
+        </p:txBody>
+      </p:sp>
+      <p:sp>
+        <p:nvSpPr>
+          <p:cNvPr id="4" name="Slide Number Placeholder 3">
+            <a:extLst>
+              <a:ext uri="{FF2B5EF4-FFF2-40B4-BE49-F238E27FC236}">
+                <a16:creationId xmlns:a16="http://schemas.microsoft.com/office/drawing/2014/main" id="{E9E5189A-6FE9-10F7-635D-516D82FAD1C8}"/>
+              </a:ext>
+            </a:extLst>
+          </p:cNvPr>
           <p:cNvSpPr>
             <a:spLocks noGrp="1"/>
           </p:cNvSpPr>
@@ -25167,39 +25211,152 @@
           <a:bodyPr/>
           <a:lstStyle/>
           <a:p>
-            <a:fld id="{5A209D72-2E9D-49B0-8977-41DCCC66C0BB}" type="slidenum">
-              <a:rPr lang="nl-BE">
-                <a:solidFill>
-                  <a:prstClr val="black">
-                    <a:tint val="75000"/>
-                  </a:prstClr>
-                </a:solidFill>
-                <a:latin typeface="Calibri"/>
-              </a:rPr>
-              <a:pPr/>
+            <a:fld id="{FDB1AA33-DFBB-49AC-8CEE-23FFECEB5648}" type="slidenum">
+              <a:rPr lang="LID4096" smtClean="0"/>
               <a:t>58</a:t>
             </a:fld>
-            <a:endParaRPr lang="nl-BE">
-              <a:solidFill>
-                <a:prstClr val="black">
-                  <a:tint val="75000"/>
-                </a:prstClr>
-              </a:solidFill>
-              <a:latin typeface="Calibri"/>
-            </a:endParaRPr>
+            <a:endParaRPr lang="LID4096"/>
+          </a:p>
+        </p:txBody>
+      </p:sp>
+      <p:sp>
+        <p:nvSpPr>
+          <p:cNvPr id="7" name="TextBox 6">
+            <a:extLst>
+              <a:ext uri="{FF2B5EF4-FFF2-40B4-BE49-F238E27FC236}">
+                <a16:creationId xmlns:a16="http://schemas.microsoft.com/office/drawing/2014/main" id="{7A511E35-CE4E-E28B-1E69-D8329E638252}"/>
+              </a:ext>
+            </a:extLst>
+          </p:cNvPr>
+          <p:cNvSpPr txBox="1"/>
+          <p:nvPr/>
+        </p:nvSpPr>
+        <p:spPr>
+          <a:xfrm>
+            <a:off x="499580" y="5791830"/>
+            <a:ext cx="8808565" cy="646331"/>
+          </a:xfrm>
+          <a:prstGeom prst="rect">
+            <a:avLst/>
+          </a:prstGeom>
+          <a:noFill/>
+          <a:ln>
+            <a:solidFill>
+              <a:schemeClr val="tx1"/>
+            </a:solidFill>
+          </a:ln>
+        </p:spPr>
+        <p:txBody>
+          <a:bodyPr wrap="none" rtlCol="0">
+            <a:spAutoFit/>
+          </a:bodyPr>
+          <a:lstStyle/>
+          <a:p>
+            <a:r>
+              <a:rPr lang="en-US" sz="2000" dirty="0"/>
+              <a:t>See</a:t>
+            </a:r>
+            <a:br>
+              <a:rPr lang="en-US" sz="2000" dirty="0"/>
+            </a:br>
+            <a:r>
+              <a:rPr lang="en-US" sz="1600" dirty="0">
+                <a:hlinkClick r:id="rId2"/>
+              </a:rPr>
+              <a:t>https://github.com/gjbex/Scientific-C-plus-plus/tree/master/source-code/DesignPatterns/PIMPL</a:t>
+            </a:r>
+            <a:endParaRPr lang="en-US" sz="1600" dirty="0"/>
           </a:p>
         </p:txBody>
       </p:sp>
     </p:spTree>
     <p:extLst>
       <p:ext uri="{BB962C8B-B14F-4D97-AF65-F5344CB8AC3E}">
-        <p14:creationId xmlns:p14="http://schemas.microsoft.com/office/powerpoint/2010/main" val="4100769943"/>
+        <p14:creationId xmlns:p14="http://schemas.microsoft.com/office/powerpoint/2010/main" val="505298989"/>
       </p:ext>
     </p:extLst>
   </p:cSld>
   <p:clrMapOvr>
     <a:masterClrMapping/>
   </p:clrMapOvr>
+  <p:timing>
+    <p:tnLst>
+      <p:par>
+        <p:cTn id="1" dur="indefinite" restart="never" nodeType="tmRoot">
+          <p:childTnLst>
+            <p:seq concurrent="1" nextAc="seek">
+              <p:cTn id="2" dur="indefinite" nodeType="mainSeq">
+                <p:childTnLst>
+                  <p:par>
+                    <p:cTn id="3" fill="hold">
+                      <p:stCondLst>
+                        <p:cond delay="indefinite"/>
+                      </p:stCondLst>
+                      <p:childTnLst>
+                        <p:par>
+                          <p:cTn id="4" fill="hold">
+                            <p:stCondLst>
+                              <p:cond delay="0"/>
+                            </p:stCondLst>
+                            <p:childTnLst>
+                              <p:par>
+                                <p:cTn id="5" presetID="1" presetClass="entr" presetSubtype="0" fill="hold" grpId="0" nodeType="clickEffect">
+                                  <p:stCondLst>
+                                    <p:cond delay="0"/>
+                                  </p:stCondLst>
+                                  <p:childTnLst>
+                                    <p:set>
+                                      <p:cBhvr>
+                                        <p:cTn id="6" dur="1" fill="hold">
+                                          <p:stCondLst>
+                                            <p:cond delay="0"/>
+                                          </p:stCondLst>
+                                        </p:cTn>
+                                        <p:tgtEl>
+                                          <p:spTgt spid="7"/>
+                                        </p:tgtEl>
+                                        <p:attrNameLst>
+                                          <p:attrName>style.visibility</p:attrName>
+                                        </p:attrNameLst>
+                                      </p:cBhvr>
+                                      <p:to>
+                                        <p:strVal val="visible"/>
+                                      </p:to>
+                                    </p:set>
+                                  </p:childTnLst>
+                                </p:cTn>
+                              </p:par>
+                            </p:childTnLst>
+                          </p:cTn>
+                        </p:par>
+                      </p:childTnLst>
+                    </p:cTn>
+                  </p:par>
+                </p:childTnLst>
+              </p:cTn>
+              <p:prevCondLst>
+                <p:cond evt="onPrev" delay="0">
+                  <p:tgtEl>
+                    <p:sldTgt/>
+                  </p:tgtEl>
+                </p:cond>
+              </p:prevCondLst>
+              <p:nextCondLst>
+                <p:cond evt="onNext" delay="0">
+                  <p:tgtEl>
+                    <p:sldTgt/>
+                  </p:tgtEl>
+                </p:cond>
+              </p:nextCondLst>
+            </p:seq>
+          </p:childTnLst>
+        </p:cTn>
+      </p:par>
+    </p:tnLst>
+    <p:bldLst>
+      <p:bldP spid="7" grpId="0" animBg="1"/>
+    </p:bldLst>
+  </p:timing>
 </p:sld>
 </file>
 
@@ -25222,10 +25379,10 @@
       </p:grpSpPr>
       <p:sp>
         <p:nvSpPr>
-          <p:cNvPr id="5" name="Title 4">
-            <a:extLst>
-              <a:ext uri="{FF2B5EF4-FFF2-40B4-BE49-F238E27FC236}">
-                <a16:creationId xmlns:a16="http://schemas.microsoft.com/office/drawing/2014/main" id="{B047AC09-4137-6264-6757-2F13914ACA28}"/>
+          <p:cNvPr id="2" name="Title 1">
+            <a:extLst>
+              <a:ext uri="{FF2B5EF4-FFF2-40B4-BE49-F238E27FC236}">
+                <a16:creationId xmlns:a16="http://schemas.microsoft.com/office/drawing/2014/main" id="{E2C7D3C9-E83D-9F0A-51F3-4512E47A1EF6}"/>
               </a:ext>
             </a:extLst>
           </p:cNvPr>
@@ -25243,7 +25400,15 @@
           <a:p>
             <a:r>
               <a:rPr lang="en-US" dirty="0"/>
-              <a:t>Functional approach</a:t>
+              <a:t>Resource Acquisition Is </a:t>
+            </a:r>
+            <a:r>
+              <a:rPr lang="en-US" dirty="0" err="1"/>
+              <a:t>Intialization</a:t>
+            </a:r>
+            <a:r>
+              <a:rPr lang="en-US" dirty="0"/>
+              <a:t> (RAII)</a:t>
             </a:r>
             <a:endParaRPr lang="LID4096" dirty="0"/>
           </a:p>
@@ -25251,10 +25416,10 @@
       </p:sp>
       <p:sp>
         <p:nvSpPr>
-          <p:cNvPr id="6" name="Text Placeholder 5">
-            <a:extLst>
-              <a:ext uri="{FF2B5EF4-FFF2-40B4-BE49-F238E27FC236}">
-                <a16:creationId xmlns:a16="http://schemas.microsoft.com/office/drawing/2014/main" id="{482D214C-4E56-C7D6-335F-9FBD13AF24C6}"/>
+          <p:cNvPr id="4" name="Content Placeholder 3">
+            <a:extLst>
+              <a:ext uri="{FF2B5EF4-FFF2-40B4-BE49-F238E27FC236}">
+                <a16:creationId xmlns:a16="http://schemas.microsoft.com/office/drawing/2014/main" id="{27F28ECA-31F2-0831-DD71-F6FEF40CA8A2}"/>
               </a:ext>
             </a:extLst>
           </p:cNvPr>
@@ -25262,7 +25427,7 @@
             <a:spLocks noGrp="1"/>
           </p:cNvSpPr>
           <p:nvPr>
-            <p:ph type="body" idx="1"/>
+            <p:ph idx="1"/>
           </p:nvPr>
         </p:nvSpPr>
         <p:spPr/>
@@ -25270,16 +25435,111 @@
           <a:bodyPr/>
           <a:lstStyle/>
           <a:p>
-            <a:endParaRPr lang="LID4096"/>
-          </a:p>
-        </p:txBody>
-      </p:sp>
-      <p:sp>
-        <p:nvSpPr>
-          <p:cNvPr id="4" name="Slide Number Placeholder 3">
-            <a:extLst>
-              <a:ext uri="{FF2B5EF4-FFF2-40B4-BE49-F238E27FC236}">
-                <a16:creationId xmlns:a16="http://schemas.microsoft.com/office/drawing/2014/main" id="{B66B75E1-EA21-65CD-B316-C1D421486EE7}"/>
+            <a:r>
+              <a:rPr lang="en-US" dirty="0"/>
+              <a:t>Resources</a:t>
+            </a:r>
+          </a:p>
+          <a:p>
+            <a:pPr lvl="1"/>
+            <a:r>
+              <a:rPr lang="en-US" dirty="0"/>
+              <a:t>acquire in constructor</a:t>
+            </a:r>
+          </a:p>
+          <a:p>
+            <a:pPr lvl="1"/>
+            <a:r>
+              <a:rPr lang="en-US" dirty="0"/>
+              <a:t>Release in destructor</a:t>
+            </a:r>
+          </a:p>
+          <a:p>
+            <a:pPr lvl="1"/>
+            <a:endParaRPr lang="en-US" dirty="0"/>
+          </a:p>
+          <a:p>
+            <a:r>
+              <a:rPr lang="en-US" dirty="0"/>
+              <a:t>Advantage</a:t>
+            </a:r>
+          </a:p>
+          <a:p>
+            <a:pPr lvl="1"/>
+            <a:r>
+              <a:rPr lang="en-US" dirty="0"/>
+              <a:t>No leaks</a:t>
+            </a:r>
+          </a:p>
+          <a:p>
+            <a:pPr lvl="1"/>
+            <a:r>
+              <a:rPr lang="en-US" dirty="0"/>
+              <a:t>No dangling resources</a:t>
+            </a:r>
+          </a:p>
+          <a:p>
+            <a:pPr lvl="1"/>
+            <a:endParaRPr lang="en-US" dirty="0"/>
+          </a:p>
+          <a:p>
+            <a:r>
+              <a:rPr lang="en-US" dirty="0"/>
+              <a:t>Example</a:t>
+            </a:r>
+          </a:p>
+          <a:p>
+            <a:pPr lvl="1"/>
+            <a:r>
+              <a:rPr lang="en-US" dirty="0"/>
+              <a:t>C++ smart pointers (</a:t>
+            </a:r>
+            <a:r>
+              <a:rPr lang="en-US" dirty="0">
+                <a:latin typeface="Courier New" panose="02070309020205020404" pitchFamily="49" charset="0"/>
+                <a:cs typeface="Courier New" panose="02070309020205020404" pitchFamily="49" charset="0"/>
+              </a:rPr>
+              <a:t>std::</a:t>
+            </a:r>
+            <a:r>
+              <a:rPr lang="en-US" dirty="0" err="1">
+                <a:latin typeface="Courier New" panose="02070309020205020404" pitchFamily="49" charset="0"/>
+                <a:cs typeface="Courier New" panose="02070309020205020404" pitchFamily="49" charset="0"/>
+              </a:rPr>
+              <a:t>unique_ptr</a:t>
+            </a:r>
+            <a:r>
+              <a:rPr lang="en-US" dirty="0"/>
+              <a:t>/</a:t>
+            </a:r>
+            <a:r>
+              <a:rPr lang="en-US" dirty="0">
+                <a:latin typeface="Courier New" panose="02070309020205020404" pitchFamily="49" charset="0"/>
+                <a:cs typeface="Courier New" panose="02070309020205020404" pitchFamily="49" charset="0"/>
+              </a:rPr>
+              <a:t>std::</a:t>
+            </a:r>
+            <a:r>
+              <a:rPr lang="en-US" dirty="0" err="1">
+                <a:latin typeface="Courier New" panose="02070309020205020404" pitchFamily="49" charset="0"/>
+                <a:cs typeface="Courier New" panose="02070309020205020404" pitchFamily="49" charset="0"/>
+              </a:rPr>
+              <a:t>shared_ptr</a:t>
+            </a:r>
+            <a:r>
+              <a:rPr lang="en-US" dirty="0"/>
+              <a:t>)</a:t>
+            </a:r>
+            <a:endParaRPr lang="LID4096" dirty="0"/>
+          </a:p>
+        </p:txBody>
+      </p:sp>
+      <p:sp>
+        <p:nvSpPr>
+          <p:cNvPr id="3" name="Slide Number Placeholder 2">
+            <a:extLst>
+              <a:ext uri="{FF2B5EF4-FFF2-40B4-BE49-F238E27FC236}">
+                <a16:creationId xmlns:a16="http://schemas.microsoft.com/office/drawing/2014/main" id="{0C3ED4D4-B365-7FB4-55C0-E9EC5816546A}"/>
               </a:ext>
             </a:extLst>
           </p:cNvPr>
@@ -25306,7 +25566,7 @@
     </p:spTree>
     <p:extLst>
       <p:ext uri="{BB962C8B-B14F-4D97-AF65-F5344CB8AC3E}">
-        <p14:creationId xmlns:p14="http://schemas.microsoft.com/office/powerpoint/2010/main" val="4080926898"/>
+        <p14:creationId xmlns:p14="http://schemas.microsoft.com/office/powerpoint/2010/main" val="1790632605"/>
       </p:ext>
     </p:extLst>
   </p:cSld>
@@ -25447,13 +25707,7 @@
       </p:grpSpPr>
       <p:sp>
         <p:nvSpPr>
-          <p:cNvPr id="2" name="Title 1">
-            <a:extLst>
-              <a:ext uri="{FF2B5EF4-FFF2-40B4-BE49-F238E27FC236}">
-                <a16:creationId xmlns:a16="http://schemas.microsoft.com/office/drawing/2014/main" id="{8F06986E-3696-7561-EFEC-42A2474822BD}"/>
-              </a:ext>
-            </a:extLst>
-          </p:cNvPr>
+          <p:cNvPr id="2" name="Title 1"/>
           <p:cNvSpPr>
             <a:spLocks noGrp="1"/>
           </p:cNvSpPr>
@@ -25468,21 +25722,15 @@
           <a:p>
             <a:r>
               <a:rPr lang="en-US" dirty="0"/>
-              <a:t>Functional features in C++</a:t>
-            </a:r>
-            <a:endParaRPr lang="LID4096" dirty="0"/>
-          </a:p>
-        </p:txBody>
-      </p:sp>
-      <p:sp>
-        <p:nvSpPr>
-          <p:cNvPr id="3" name="Content Placeholder 2">
-            <a:extLst>
-              <a:ext uri="{FF2B5EF4-FFF2-40B4-BE49-F238E27FC236}">
-                <a16:creationId xmlns:a16="http://schemas.microsoft.com/office/drawing/2014/main" id="{0CDB4156-11FC-1770-3D00-44985A46E102}"/>
-              </a:ext>
-            </a:extLst>
-          </p:cNvPr>
+              <a:t>Further reading</a:t>
+            </a:r>
+            <a:endParaRPr lang="nl-BE" dirty="0"/>
+          </a:p>
+        </p:txBody>
+      </p:sp>
+      <p:sp>
+        <p:nvSpPr>
+          <p:cNvPr id="3" name="Content Placeholder 2"/>
           <p:cNvSpPr>
             <a:spLocks noGrp="1"/>
           </p:cNvSpPr>
@@ -25497,39 +25745,37 @@
           <a:p>
             <a:r>
               <a:rPr lang="en-US" dirty="0"/>
-              <a:t>Lambda functions</a:t>
-            </a:r>
-          </a:p>
-          <a:p>
-            <a:r>
-              <a:rPr lang="en-US" dirty="0"/>
-              <a:t>STL algorithms</a:t>
-            </a:r>
-          </a:p>
-          <a:p>
-            <a:r>
-              <a:rPr lang="en-US" dirty="0"/>
-              <a:t>STL ranges/views</a:t>
-            </a:r>
-          </a:p>
-          <a:p>
-            <a:r>
-              <a:rPr lang="en-US" dirty="0"/>
-              <a:t>STL generators</a:t>
-            </a:r>
-            <a:endParaRPr lang="LID4096" dirty="0"/>
-          </a:p>
-        </p:txBody>
-      </p:sp>
-      <p:sp>
-        <p:nvSpPr>
-          <p:cNvPr id="4" name="Slide Number Placeholder 3">
-            <a:extLst>
-              <a:ext uri="{FF2B5EF4-FFF2-40B4-BE49-F238E27FC236}">
-                <a16:creationId xmlns:a16="http://schemas.microsoft.com/office/drawing/2014/main" id="{DA0FD79C-C1CA-A2C6-29B6-1118C6206C43}"/>
-              </a:ext>
-            </a:extLst>
-          </p:cNvPr>
+              <a:t>Erich Gamma, Richard Helm, Ralph Johnson and John </a:t>
+            </a:r>
+            <a:r>
+              <a:rPr lang="en-US" dirty="0" err="1"/>
+              <a:t>Vlissides</a:t>
+            </a:r>
+            <a:r>
+              <a:rPr lang="en-US" dirty="0"/>
+              <a:t> (1994) </a:t>
+            </a:r>
+            <a:r>
+              <a:rPr lang="en-US" i="1" dirty="0"/>
+              <a:t>Design patterns: elements of reusable object-oriented software</a:t>
+            </a:r>
+            <a:r>
+              <a:rPr lang="en-US" dirty="0"/>
+              <a:t>, Addison-Wesley</a:t>
+            </a:r>
+            <a:endParaRPr lang="en-US" sz="2800" dirty="0"/>
+          </a:p>
+          <a:p>
+            <a:endParaRPr lang="en-US" sz="2800" dirty="0"/>
+          </a:p>
+          <a:p>
+            <a:endParaRPr lang="nl-BE" dirty="0"/>
+          </a:p>
+        </p:txBody>
+      </p:sp>
+      <p:sp>
+        <p:nvSpPr>
+          <p:cNvPr id="4" name="Slide Number Placeholder 3"/>
           <p:cNvSpPr>
             <a:spLocks noGrp="1"/>
           </p:cNvSpPr>
@@ -25542,9 +25788,272 @@
           <a:bodyPr/>
           <a:lstStyle/>
           <a:p>
+            <a:fld id="{5A209D72-2E9D-49B0-8977-41DCCC66C0BB}" type="slidenum">
+              <a:rPr lang="nl-BE">
+                <a:solidFill>
+                  <a:prstClr val="black">
+                    <a:tint val="75000"/>
+                  </a:prstClr>
+                </a:solidFill>
+                <a:latin typeface="Calibri"/>
+              </a:rPr>
+              <a:pPr/>
+              <a:t>60</a:t>
+            </a:fld>
+            <a:endParaRPr lang="nl-BE">
+              <a:solidFill>
+                <a:prstClr val="black">
+                  <a:tint val="75000"/>
+                </a:prstClr>
+              </a:solidFill>
+              <a:latin typeface="Calibri"/>
+            </a:endParaRPr>
+          </a:p>
+        </p:txBody>
+      </p:sp>
+    </p:spTree>
+    <p:extLst>
+      <p:ext uri="{BB962C8B-B14F-4D97-AF65-F5344CB8AC3E}">
+        <p14:creationId xmlns:p14="http://schemas.microsoft.com/office/powerpoint/2010/main" val="4100769943"/>
+      </p:ext>
+    </p:extLst>
+  </p:cSld>
+  <p:clrMapOvr>
+    <a:masterClrMapping/>
+  </p:clrMapOvr>
+</p:sld>
+</file>
+
+<file path=ppt/slides/slide61.xml><?xml version="1.0" encoding="utf-8"?>
+<p:sld xmlns:a="http://schemas.openxmlformats.org/drawingml/2006/main" xmlns:r="http://schemas.openxmlformats.org/officeDocument/2006/relationships" xmlns:p="http://schemas.openxmlformats.org/presentationml/2006/main">
+  <p:cSld>
+    <p:spTree>
+      <p:nvGrpSpPr>
+        <p:cNvPr id="1" name=""/>
+        <p:cNvGrpSpPr/>
+        <p:nvPr/>
+      </p:nvGrpSpPr>
+      <p:grpSpPr>
+        <a:xfrm>
+          <a:off x="0" y="0"/>
+          <a:ext cx="0" cy="0"/>
+          <a:chOff x="0" y="0"/>
+          <a:chExt cx="0" cy="0"/>
+        </a:xfrm>
+      </p:grpSpPr>
+      <p:sp>
+        <p:nvSpPr>
+          <p:cNvPr id="5" name="Title 4">
+            <a:extLst>
+              <a:ext uri="{FF2B5EF4-FFF2-40B4-BE49-F238E27FC236}">
+                <a16:creationId xmlns:a16="http://schemas.microsoft.com/office/drawing/2014/main" id="{B047AC09-4137-6264-6757-2F13914ACA28}"/>
+              </a:ext>
+            </a:extLst>
+          </p:cNvPr>
+          <p:cNvSpPr>
+            <a:spLocks noGrp="1"/>
+          </p:cNvSpPr>
+          <p:nvPr>
+            <p:ph type="title"/>
+          </p:nvPr>
+        </p:nvSpPr>
+        <p:spPr/>
+        <p:txBody>
+          <a:bodyPr/>
+          <a:lstStyle/>
+          <a:p>
+            <a:r>
+              <a:rPr lang="en-US" dirty="0"/>
+              <a:t>Functional approach</a:t>
+            </a:r>
+            <a:endParaRPr lang="LID4096" dirty="0"/>
+          </a:p>
+        </p:txBody>
+      </p:sp>
+      <p:sp>
+        <p:nvSpPr>
+          <p:cNvPr id="6" name="Text Placeholder 5">
+            <a:extLst>
+              <a:ext uri="{FF2B5EF4-FFF2-40B4-BE49-F238E27FC236}">
+                <a16:creationId xmlns:a16="http://schemas.microsoft.com/office/drawing/2014/main" id="{482D214C-4E56-C7D6-335F-9FBD13AF24C6}"/>
+              </a:ext>
+            </a:extLst>
+          </p:cNvPr>
+          <p:cNvSpPr>
+            <a:spLocks noGrp="1"/>
+          </p:cNvSpPr>
+          <p:nvPr>
+            <p:ph type="body" idx="1"/>
+          </p:nvPr>
+        </p:nvSpPr>
+        <p:spPr/>
+        <p:txBody>
+          <a:bodyPr/>
+          <a:lstStyle/>
+          <a:p>
+            <a:endParaRPr lang="LID4096"/>
+          </a:p>
+        </p:txBody>
+      </p:sp>
+      <p:sp>
+        <p:nvSpPr>
+          <p:cNvPr id="4" name="Slide Number Placeholder 3">
+            <a:extLst>
+              <a:ext uri="{FF2B5EF4-FFF2-40B4-BE49-F238E27FC236}">
+                <a16:creationId xmlns:a16="http://schemas.microsoft.com/office/drawing/2014/main" id="{B66B75E1-EA21-65CD-B316-C1D421486EE7}"/>
+              </a:ext>
+            </a:extLst>
+          </p:cNvPr>
+          <p:cNvSpPr>
+            <a:spLocks noGrp="1"/>
+          </p:cNvSpPr>
+          <p:nvPr>
+            <p:ph type="sldNum" sz="quarter" idx="12"/>
+          </p:nvPr>
+        </p:nvSpPr>
+        <p:spPr/>
+        <p:txBody>
+          <a:bodyPr/>
+          <a:lstStyle/>
+          <a:p>
             <a:fld id="{FDB1AA33-DFBB-49AC-8CEE-23FFECEB5648}" type="slidenum">
               <a:rPr lang="LID4096" smtClean="0"/>
-              <a:t>60</a:t>
+              <a:t>61</a:t>
+            </a:fld>
+            <a:endParaRPr lang="LID4096"/>
+          </a:p>
+        </p:txBody>
+      </p:sp>
+    </p:spTree>
+    <p:extLst>
+      <p:ext uri="{BB962C8B-B14F-4D97-AF65-F5344CB8AC3E}">
+        <p14:creationId xmlns:p14="http://schemas.microsoft.com/office/powerpoint/2010/main" val="4080926898"/>
+      </p:ext>
+    </p:extLst>
+  </p:cSld>
+  <p:clrMapOvr>
+    <a:masterClrMapping/>
+  </p:clrMapOvr>
+</p:sld>
+</file>
+
+<file path=ppt/slides/slide62.xml><?xml version="1.0" encoding="utf-8"?>
+<p:sld xmlns:a="http://schemas.openxmlformats.org/drawingml/2006/main" xmlns:r="http://schemas.openxmlformats.org/officeDocument/2006/relationships" xmlns:p="http://schemas.openxmlformats.org/presentationml/2006/main">
+  <p:cSld>
+    <p:spTree>
+      <p:nvGrpSpPr>
+        <p:cNvPr id="1" name=""/>
+        <p:cNvGrpSpPr/>
+        <p:nvPr/>
+      </p:nvGrpSpPr>
+      <p:grpSpPr>
+        <a:xfrm>
+          <a:off x="0" y="0"/>
+          <a:ext cx="0" cy="0"/>
+          <a:chOff x="0" y="0"/>
+          <a:chExt cx="0" cy="0"/>
+        </a:xfrm>
+      </p:grpSpPr>
+      <p:sp>
+        <p:nvSpPr>
+          <p:cNvPr id="2" name="Title 1">
+            <a:extLst>
+              <a:ext uri="{FF2B5EF4-FFF2-40B4-BE49-F238E27FC236}">
+                <a16:creationId xmlns:a16="http://schemas.microsoft.com/office/drawing/2014/main" id="{8F06986E-3696-7561-EFEC-42A2474822BD}"/>
+              </a:ext>
+            </a:extLst>
+          </p:cNvPr>
+          <p:cNvSpPr>
+            <a:spLocks noGrp="1"/>
+          </p:cNvSpPr>
+          <p:nvPr>
+            <p:ph type="title"/>
+          </p:nvPr>
+        </p:nvSpPr>
+        <p:spPr/>
+        <p:txBody>
+          <a:bodyPr/>
+          <a:lstStyle/>
+          <a:p>
+            <a:r>
+              <a:rPr lang="en-US" dirty="0"/>
+              <a:t>Functional features in C++</a:t>
+            </a:r>
+            <a:endParaRPr lang="LID4096" dirty="0"/>
+          </a:p>
+        </p:txBody>
+      </p:sp>
+      <p:sp>
+        <p:nvSpPr>
+          <p:cNvPr id="3" name="Content Placeholder 2">
+            <a:extLst>
+              <a:ext uri="{FF2B5EF4-FFF2-40B4-BE49-F238E27FC236}">
+                <a16:creationId xmlns:a16="http://schemas.microsoft.com/office/drawing/2014/main" id="{0CDB4156-11FC-1770-3D00-44985A46E102}"/>
+              </a:ext>
+            </a:extLst>
+          </p:cNvPr>
+          <p:cNvSpPr>
+            <a:spLocks noGrp="1"/>
+          </p:cNvSpPr>
+          <p:nvPr>
+            <p:ph idx="1"/>
+          </p:nvPr>
+        </p:nvSpPr>
+        <p:spPr/>
+        <p:txBody>
+          <a:bodyPr/>
+          <a:lstStyle/>
+          <a:p>
+            <a:r>
+              <a:rPr lang="en-US" dirty="0"/>
+              <a:t>Lambda functions</a:t>
+            </a:r>
+          </a:p>
+          <a:p>
+            <a:r>
+              <a:rPr lang="en-US" dirty="0"/>
+              <a:t>STL algorithms</a:t>
+            </a:r>
+          </a:p>
+          <a:p>
+            <a:r>
+              <a:rPr lang="en-US" dirty="0"/>
+              <a:t>STL ranges/views</a:t>
+            </a:r>
+          </a:p>
+          <a:p>
+            <a:r>
+              <a:rPr lang="en-US" dirty="0"/>
+              <a:t>STL generators</a:t>
+            </a:r>
+            <a:endParaRPr lang="LID4096" dirty="0"/>
+          </a:p>
+        </p:txBody>
+      </p:sp>
+      <p:sp>
+        <p:nvSpPr>
+          <p:cNvPr id="4" name="Slide Number Placeholder 3">
+            <a:extLst>
+              <a:ext uri="{FF2B5EF4-FFF2-40B4-BE49-F238E27FC236}">
+                <a16:creationId xmlns:a16="http://schemas.microsoft.com/office/drawing/2014/main" id="{DA0FD79C-C1CA-A2C6-29B6-1118C6206C43}"/>
+              </a:ext>
+            </a:extLst>
+          </p:cNvPr>
+          <p:cNvSpPr>
+            <a:spLocks noGrp="1"/>
+          </p:cNvSpPr>
+          <p:nvPr>
+            <p:ph type="sldNum" sz="quarter" idx="12"/>
+          </p:nvPr>
+        </p:nvSpPr>
+        <p:spPr/>
+        <p:txBody>
+          <a:bodyPr/>
+          <a:lstStyle/>
+          <a:p>
+            <a:fld id="{FDB1AA33-DFBB-49AC-8CEE-23FFECEB5648}" type="slidenum">
+              <a:rPr lang="LID4096" smtClean="0"/>
+              <a:t>62</a:t>
             </a:fld>
             <a:endParaRPr lang="LID4096"/>
           </a:p>

--- a/cpp_software_engineering.pptx
+++ b/cpp_software_engineering.pptx
@@ -20149,10 +20149,10 @@
       </p:sp>
       <p:sp>
         <p:nvSpPr>
-          <p:cNvPr id="5" name="TextBox 4">
-            <a:extLst>
-              <a:ext uri="{FF2B5EF4-FFF2-40B4-BE49-F238E27FC236}">
-                <a16:creationId xmlns:a16="http://schemas.microsoft.com/office/drawing/2014/main" id="{0847D2CC-8781-2378-7EC4-F6B367CC3018}"/>
+          <p:cNvPr id="6" name="TextBox 5">
+            <a:extLst>
+              <a:ext uri="{FF2B5EF4-FFF2-40B4-BE49-F238E27FC236}">
+                <a16:creationId xmlns:a16="http://schemas.microsoft.com/office/drawing/2014/main" id="{EFF05FD9-834A-7690-1750-ACE07F4F44C6}"/>
               </a:ext>
             </a:extLst>
           </p:cNvPr>
@@ -20161,7 +20161,7 @@
         </p:nvSpPr>
         <p:spPr>
           <a:xfrm>
-            <a:off x="608437" y="5084258"/>
+            <a:off x="499580" y="5791830"/>
             <a:ext cx="9022535" cy="646331"/>
           </a:xfrm>
           <a:prstGeom prst="rect">
@@ -20244,7 +20244,7 @@
                                           </p:stCondLst>
                                         </p:cTn>
                                         <p:tgtEl>
-                                          <p:spTgt spid="5"/>
+                                          <p:spTgt spid="6"/>
                                         </p:tgtEl>
                                         <p:attrNameLst>
                                           <p:attrName>style.visibility</p:attrName>
@@ -20285,7 +20285,7 @@
       </p:par>
     </p:tnLst>
     <p:bldLst>
-      <p:bldP spid="5" grpId="0" animBg="1"/>
+      <p:bldP spid="6" grpId="0" animBg="1"/>
     </p:bldLst>
   </p:timing>
 </p:sld>

--- a/cpp_software_engineering.pptx
+++ b/cpp_software_engineering.pptx
@@ -428,7 +428,7 @@
           <a:p>
             <a:fld id="{75E18316-3541-442E-8E76-B95A0AF605E0}" type="datetimeFigureOut">
               <a:rPr lang="LID4096" smtClean="0"/>
-              <a:t>05/12/2025</a:t>
+              <a:t>05/13/2025</a:t>
             </a:fld>
             <a:endParaRPr lang="LID4096"/>
           </a:p>
@@ -845,7 +845,7 @@
           <a:p>
             <a:fld id="{D4CCEB0E-618E-45C7-A579-AD180C33220D}" type="datetime1">
               <a:rPr lang="LID4096" smtClean="0"/>
-              <a:t>05/12/2025</a:t>
+              <a:t>05/13/2025</a:t>
             </a:fld>
             <a:endParaRPr lang="LID4096"/>
           </a:p>
@@ -1045,7 +1045,7 @@
           <a:p>
             <a:fld id="{8F9B0D5F-347B-4B69-9FE7-43363B46D130}" type="datetime1">
               <a:rPr lang="LID4096" smtClean="0"/>
-              <a:t>05/12/2025</a:t>
+              <a:t>05/13/2025</a:t>
             </a:fld>
             <a:endParaRPr lang="LID4096"/>
           </a:p>
@@ -1255,7 +1255,7 @@
           <a:p>
             <a:fld id="{A72936A9-07CF-4428-8F68-9DB53105CCBE}" type="datetime1">
               <a:rPr lang="LID4096" smtClean="0"/>
-              <a:t>05/12/2025</a:t>
+              <a:t>05/13/2025</a:t>
             </a:fld>
             <a:endParaRPr lang="LID4096"/>
           </a:p>
@@ -1455,7 +1455,7 @@
           <a:p>
             <a:fld id="{136170E8-8909-47C9-AECF-C7A110A9E262}" type="datetime1">
               <a:rPr lang="LID4096" smtClean="0"/>
-              <a:t>05/12/2025</a:t>
+              <a:t>05/13/2025</a:t>
             </a:fld>
             <a:endParaRPr lang="LID4096"/>
           </a:p>
@@ -1731,7 +1731,7 @@
           <a:p>
             <a:fld id="{D37C590D-7973-43C9-B207-04F7CE471508}" type="datetime1">
               <a:rPr lang="LID4096" smtClean="0"/>
-              <a:t>05/12/2025</a:t>
+              <a:t>05/13/2025</a:t>
             </a:fld>
             <a:endParaRPr lang="LID4096"/>
           </a:p>
@@ -1999,7 +1999,7 @@
           <a:p>
             <a:fld id="{D8E041D7-7EA6-423B-88A0-A217731AA946}" type="datetime1">
               <a:rPr lang="LID4096" smtClean="0"/>
-              <a:t>05/12/2025</a:t>
+              <a:t>05/13/2025</a:t>
             </a:fld>
             <a:endParaRPr lang="LID4096"/>
           </a:p>
@@ -2414,7 +2414,7 @@
           <a:p>
             <a:fld id="{1BDF2A55-FD61-4AC5-A515-ED3F1E80F296}" type="datetime1">
               <a:rPr lang="LID4096" smtClean="0"/>
-              <a:t>05/12/2025</a:t>
+              <a:t>05/13/2025</a:t>
             </a:fld>
             <a:endParaRPr lang="LID4096"/>
           </a:p>
@@ -2556,7 +2556,7 @@
           <a:p>
             <a:fld id="{AAED7C0E-94F0-4D14-8F58-6D25D315F3DC}" type="datetime1">
               <a:rPr lang="LID4096" smtClean="0"/>
-              <a:t>05/12/2025</a:t>
+              <a:t>05/13/2025</a:t>
             </a:fld>
             <a:endParaRPr lang="LID4096"/>
           </a:p>
@@ -2669,7 +2669,7 @@
           <a:p>
             <a:fld id="{2888AB77-1B4E-4D00-8D86-8CBF03A7E13C}" type="datetime1">
               <a:rPr lang="LID4096" smtClean="0"/>
-              <a:t>05/12/2025</a:t>
+              <a:t>05/13/2025</a:t>
             </a:fld>
             <a:endParaRPr lang="LID4096"/>
           </a:p>
@@ -2982,7 +2982,7 @@
           <a:p>
             <a:fld id="{013C0D7F-F788-458A-93D6-DCF4C7F29636}" type="datetime1">
               <a:rPr lang="LID4096" smtClean="0"/>
-              <a:t>05/12/2025</a:t>
+              <a:t>05/13/2025</a:t>
             </a:fld>
             <a:endParaRPr lang="LID4096"/>
           </a:p>
@@ -3271,7 +3271,7 @@
           <a:p>
             <a:fld id="{EEC7CCBC-154E-498D-B8FD-669CE3C64250}" type="datetime1">
               <a:rPr lang="LID4096" smtClean="0"/>
-              <a:t>05/12/2025</a:t>
+              <a:t>05/13/2025</a:t>
             </a:fld>
             <a:endParaRPr lang="LID4096"/>
           </a:p>
@@ -3514,7 +3514,7 @@
           <a:p>
             <a:fld id="{161B14D2-6539-4609-80C5-044F9B782269}" type="datetime1">
               <a:rPr lang="LID4096" smtClean="0"/>
-              <a:t>05/12/2025</a:t>
+              <a:t>05/13/2025</a:t>
             </a:fld>
             <a:endParaRPr lang="LID4096"/>
           </a:p>
@@ -19355,7 +19355,7 @@
           <a:p>
             <a:r>
               <a:rPr lang="en-US" dirty="0"/>
-              <a:t>modules should not "know" about the internal details of the objects it interacts with</a:t>
+              <a:t>Modules should not "know" about the internal details of the objects they interacts with</a:t>
             </a:r>
           </a:p>
           <a:p>
@@ -19388,27 +19388,8 @@
             <a:pPr lvl="1"/>
             <a:r>
               <a:rPr lang="en-US" dirty="0"/>
-              <a:t>Encourages smaller </a:t>
-            </a:r>
-            <a:r>
-              <a:rPr lang="en-US" dirty="0" err="1"/>
-              <a:t>intervaces</a:t>
-            </a:r>
-            <a:r>
-              <a:rPr lang="en-US" dirty="0"/>
-              <a:t> (Interface segregation principle)</a:t>
-            </a:r>
-          </a:p>
-          <a:p>
-            <a:pPr lvl="1"/>
-            <a:r>
-              <a:rPr lang="en-US" dirty="0"/>
-              <a:t>Encourages to</a:t>
-            </a:r>
-          </a:p>
-          <a:p>
-            <a:pPr lvl="1"/>
-            <a:endParaRPr lang="LID4096" dirty="0"/>
+              <a:t>Encourages smaller interfaces (Interface segregation principle)</a:t>
+            </a:r>
           </a:p>
         </p:txBody>
       </p:sp>
@@ -25762,6 +25743,32 @@
             <a:r>
               <a:rPr lang="en-US" dirty="0"/>
               <a:t>, Addison-Wesley</a:t>
+            </a:r>
+          </a:p>
+          <a:p>
+            <a:r>
+              <a:rPr lang="en-US" sz="2800" dirty="0"/>
+              <a:t>K</a:t>
+            </a:r>
+            <a:r>
+              <a:rPr lang="en-US" dirty="0"/>
+              <a:t>laus </a:t>
+            </a:r>
+            <a:r>
+              <a:rPr lang="en-US" dirty="0" err="1"/>
+              <a:t>Iglberger</a:t>
+            </a:r>
+            <a:r>
+              <a:rPr lang="en-US" dirty="0"/>
+              <a:t> (2022) </a:t>
+            </a:r>
+            <a:r>
+              <a:rPr lang="en-US" i="1" dirty="0"/>
+              <a:t>C++ software design</a:t>
+            </a:r>
+            <a:r>
+              <a:rPr lang="en-US" dirty="0"/>
+              <a:t>, O'Reilly Media</a:t>
             </a:r>
             <a:endParaRPr lang="en-US" sz="2800" dirty="0"/>
           </a:p>
